--- a/presentation.pptx
+++ b/presentation.pptx
@@ -5,7 +5,7 @@
     <p:sldMasterId id="2147483648" r:id="rId1"/>
   </p:sldMasterIdLst>
   <p:notesMasterIdLst>
-    <p:notesMasterId r:id="rId24"/>
+    <p:notesMasterId r:id="rId25"/>
   </p:notesMasterIdLst>
   <p:sldIdLst>
     <p:sldId id="256" r:id="rId2"/>
@@ -19,17 +19,18 @@
     <p:sldId id="286" r:id="rId10"/>
     <p:sldId id="287" r:id="rId11"/>
     <p:sldId id="278" r:id="rId12"/>
-    <p:sldId id="274" r:id="rId13"/>
-    <p:sldId id="279" r:id="rId14"/>
-    <p:sldId id="280" r:id="rId15"/>
-    <p:sldId id="281" r:id="rId16"/>
-    <p:sldId id="275" r:id="rId17"/>
-    <p:sldId id="282" r:id="rId18"/>
-    <p:sldId id="283" r:id="rId19"/>
-    <p:sldId id="284" r:id="rId20"/>
-    <p:sldId id="257" r:id="rId21"/>
-    <p:sldId id="270" r:id="rId22"/>
-    <p:sldId id="271" r:id="rId23"/>
+    <p:sldId id="288" r:id="rId13"/>
+    <p:sldId id="274" r:id="rId14"/>
+    <p:sldId id="279" r:id="rId15"/>
+    <p:sldId id="280" r:id="rId16"/>
+    <p:sldId id="281" r:id="rId17"/>
+    <p:sldId id="275" r:id="rId18"/>
+    <p:sldId id="282" r:id="rId19"/>
+    <p:sldId id="283" r:id="rId20"/>
+    <p:sldId id="284" r:id="rId21"/>
+    <p:sldId id="257" r:id="rId22"/>
+    <p:sldId id="270" r:id="rId23"/>
+    <p:sldId id="271" r:id="rId24"/>
   </p:sldIdLst>
   <p:sldSz cx="12192000" cy="6858000"/>
   <p:notesSz cx="6858000" cy="9144000"/>
@@ -4558,7 +4559,7 @@
 </file>
 
 <file path=ppt/slides/slide11.xml><?xml version="1.0" encoding="utf-8"?>
-<p:sld xmlns:a="http://schemas.openxmlformats.org/drawingml/2006/main" xmlns:r="http://schemas.openxmlformats.org/officeDocument/2006/relationships" xmlns:p="http://schemas.openxmlformats.org/presentationml/2006/main">
+<p:sld xmlns:a="http://schemas.openxmlformats.org/drawingml/2006/main" xmlns:r="http://schemas.openxmlformats.org/officeDocument/2006/relationships" xmlns:p="http://schemas.openxmlformats.org/presentationml/2006/main" show="0">
   <p:cSld>
     <p:spTree>
       <p:nvGrpSpPr>
@@ -5030,6 +5031,9 @@
             </a:pPr>
             <a:r>
               <a:rPr lang="fr-FR" dirty="0">
+                <a:solidFill>
+                  <a:schemeClr val="accent6"/>
+                </a:solidFill>
                 <a:latin typeface="Arial" panose="020B0604020202020204" pitchFamily="34" charset="0"/>
                 <a:cs typeface="Arial" panose="020B0604020202020204" pitchFamily="34" charset="0"/>
               </a:rPr>
@@ -5037,6 +5041,9 @@
             </a:r>
             <a:r>
               <a:rPr lang="fr-FR" dirty="0" err="1">
+                <a:solidFill>
+                  <a:schemeClr val="accent6"/>
+                </a:solidFill>
                 <a:latin typeface="Arial" panose="020B0604020202020204" pitchFamily="34" charset="0"/>
                 <a:cs typeface="Arial" panose="020B0604020202020204" pitchFamily="34" charset="0"/>
               </a:rPr>
@@ -5044,6 +5051,9 @@
             </a:r>
             <a:r>
               <a:rPr lang="fr-FR" dirty="0">
+                <a:solidFill>
+                  <a:schemeClr val="accent6"/>
+                </a:solidFill>
                 <a:latin typeface="Arial" panose="020B0604020202020204" pitchFamily="34" charset="0"/>
                 <a:cs typeface="Arial" panose="020B0604020202020204" pitchFamily="34" charset="0"/>
               </a:rPr>
@@ -5056,6 +5066,9 @@
             </a:pPr>
             <a:r>
               <a:rPr lang="fr-FR" dirty="0">
+                <a:solidFill>
+                  <a:schemeClr val="accent6"/>
+                </a:solidFill>
                 <a:latin typeface="Arial" panose="020B0604020202020204" pitchFamily="34" charset="0"/>
                 <a:cs typeface="Arial" panose="020B0604020202020204" pitchFamily="34" charset="0"/>
               </a:rPr>
@@ -5068,6 +5081,9 @@
             </a:pPr>
             <a:r>
               <a:rPr lang="fr-FR" dirty="0">
+                <a:solidFill>
+                  <a:schemeClr val="accent6"/>
+                </a:solidFill>
                 <a:latin typeface="Arial" panose="020B0604020202020204" pitchFamily="34" charset="0"/>
                 <a:cs typeface="Arial" panose="020B0604020202020204" pitchFamily="34" charset="0"/>
               </a:rPr>
@@ -5106,6 +5122,36 @@
           <a:chExt cx="0" cy="0"/>
         </a:xfrm>
       </p:grpSpPr>
+      <p:pic>
+        <p:nvPicPr>
+          <p:cNvPr id="23" name="Image 22">
+            <a:extLst>
+              <a:ext uri="{FF2B5EF4-FFF2-40B4-BE49-F238E27FC236}">
+                <a16:creationId xmlns:a16="http://schemas.microsoft.com/office/drawing/2014/main" id="{97C337D5-315B-BBFC-0DB9-5E3BB951F08B}"/>
+              </a:ext>
+            </a:extLst>
+          </p:cNvPr>
+          <p:cNvPicPr>
+            <a:picLocks noChangeAspect="1"/>
+          </p:cNvPicPr>
+          <p:nvPr/>
+        </p:nvPicPr>
+        <p:blipFill>
+          <a:blip r:embed="rId2"/>
+          <a:stretch>
+            <a:fillRect/>
+          </a:stretch>
+        </p:blipFill>
+        <p:spPr>
+          <a:xfrm>
+            <a:off x="7954782" y="3505539"/>
+            <a:ext cx="4126396" cy="2546576"/>
+          </a:xfrm>
+          <a:prstGeom prst="rect">
+            <a:avLst/>
+          </a:prstGeom>
+        </p:spPr>
+      </p:pic>
       <p:sp>
         <p:nvSpPr>
           <p:cNvPr id="2" name="Titre 1">
@@ -5124,7 +5170,7 @@
         </p:nvSpPr>
         <p:spPr>
           <a:xfrm>
-            <a:off x="145740" y="117877"/>
+            <a:off x="145740" y="118307"/>
             <a:ext cx="11137778" cy="691318"/>
           </a:xfrm>
         </p:spPr>
@@ -5139,134 +5185,107 @@
                 <a:latin typeface="Arial" panose="020B0604020202020204" pitchFamily="34" charset="0"/>
                 <a:cs typeface="Arial" panose="020B0604020202020204" pitchFamily="34" charset="0"/>
               </a:rPr>
-              <a:t>Sommaire</a:t>
-            </a:r>
-          </a:p>
-        </p:txBody>
-      </p:sp>
-      <p:sp>
-        <p:nvSpPr>
-          <p:cNvPr id="3" name="Espace réservé du contenu 2">
-            <a:extLst>
-              <a:ext uri="{FF2B5EF4-FFF2-40B4-BE49-F238E27FC236}">
-                <a16:creationId xmlns:a16="http://schemas.microsoft.com/office/drawing/2014/main" id="{7D811F63-52EF-83B1-E13C-148915CEDEC3}"/>
-              </a:ext>
-            </a:extLst>
-          </p:cNvPr>
-          <p:cNvSpPr>
-            <a:spLocks noGrp="1"/>
-          </p:cNvSpPr>
-          <p:nvPr>
-            <p:ph idx="1"/>
-          </p:nvPr>
-        </p:nvSpPr>
-        <p:spPr>
-          <a:xfrm>
-            <a:off x="1353106" y="964491"/>
-            <a:ext cx="9380000" cy="5498453"/>
-          </a:xfrm>
-        </p:spPr>
-        <p:txBody>
-          <a:bodyPr anchor="ctr">
-            <a:normAutofit/>
-          </a:bodyPr>
-          <a:lstStyle/>
-          <a:p>
-            <a:pPr marL="514350" indent="-514350">
-              <a:buAutoNum type="arabicPeriod"/>
-            </a:pPr>
-            <a:r>
-              <a:rPr lang="fr-FR" sz="3200" dirty="0">
-                <a:latin typeface="Arial" panose="020B0604020202020204" pitchFamily="34" charset="0"/>
-                <a:cs typeface="Arial" panose="020B0604020202020204" pitchFamily="34" charset="0"/>
-              </a:rPr>
-              <a:t>Analyse préliminaire</a:t>
-            </a:r>
-          </a:p>
-          <a:p>
-            <a:pPr marL="514350" indent="-514350">
-              <a:buAutoNum type="arabicPeriod"/>
-            </a:pPr>
-            <a:endParaRPr lang="fr-FR" sz="3200" dirty="0">
+              <a:t>1.3.	Analyse préliminaire – analyse </a:t>
+            </a:r>
+            <a:r>
+              <a:rPr lang="fr-FR" sz="3200" b="1" dirty="0" err="1">
+                <a:latin typeface="Arial" panose="020B0604020202020204" pitchFamily="34" charset="0"/>
+                <a:cs typeface="Arial" panose="020B0604020202020204" pitchFamily="34" charset="0"/>
+              </a:rPr>
+              <a:t>supérvisée</a:t>
+            </a:r>
+            <a:endParaRPr lang="fr-FR" sz="3200" b="1" baseline="30000" dirty="0">
               <a:latin typeface="Arial" panose="020B0604020202020204" pitchFamily="34" charset="0"/>
               <a:cs typeface="Arial" panose="020B0604020202020204" pitchFamily="34" charset="0"/>
             </a:endParaRPr>
           </a:p>
-          <a:p>
-            <a:pPr marL="514350" indent="-514350">
-              <a:buAutoNum type="arabicPeriod"/>
-            </a:pPr>
-            <a:r>
-              <a:rPr lang="fr-FR" sz="3200" dirty="0">
-                <a:solidFill>
-                  <a:srgbClr val="8B1538"/>
-                </a:solidFill>
-                <a:latin typeface="Arial" panose="020B0604020202020204" pitchFamily="34" charset="0"/>
-                <a:cs typeface="Arial" panose="020B0604020202020204" pitchFamily="34" charset="0"/>
-              </a:rPr>
-              <a:t>Analyse d’intégration</a:t>
-            </a:r>
-          </a:p>
-          <a:p>
-            <a:pPr marL="971550" lvl="1" indent="-514350">
-              <a:buAutoNum type="arabicPeriod"/>
-            </a:pPr>
-            <a:r>
-              <a:rPr lang="fr-FR" sz="2800" dirty="0">
-                <a:latin typeface="Arial" panose="020B0604020202020204" pitchFamily="34" charset="0"/>
-                <a:cs typeface="Arial" panose="020B0604020202020204" pitchFamily="34" charset="0"/>
-              </a:rPr>
-              <a:t>PLS</a:t>
-            </a:r>
-          </a:p>
-          <a:p>
-            <a:pPr marL="971550" lvl="1" indent="-514350">
-              <a:buAutoNum type="arabicPeriod"/>
-            </a:pPr>
-            <a:r>
-              <a:rPr lang="fr-FR" sz="2800" dirty="0" err="1">
-                <a:latin typeface="Arial" panose="020B0604020202020204" pitchFamily="34" charset="0"/>
-                <a:cs typeface="Arial" panose="020B0604020202020204" pitchFamily="34" charset="0"/>
-              </a:rPr>
-              <a:t>sPLS</a:t>
-            </a:r>
-            <a:endParaRPr lang="fr-FR" sz="2800" dirty="0">
-              <a:latin typeface="Arial" panose="020B0604020202020204" pitchFamily="34" charset="0"/>
-              <a:cs typeface="Arial" panose="020B0604020202020204" pitchFamily="34" charset="0"/>
-            </a:endParaRPr>
-          </a:p>
-          <a:p>
-            <a:pPr marL="971550" lvl="1" indent="-514350">
-              <a:buAutoNum type="arabicPeriod"/>
-            </a:pPr>
-            <a:r>
-              <a:rPr lang="fr-FR" sz="2800" dirty="0">
-                <a:latin typeface="Arial" panose="020B0604020202020204" pitchFamily="34" charset="0"/>
-                <a:cs typeface="Arial" panose="020B0604020202020204" pitchFamily="34" charset="0"/>
-              </a:rPr>
-              <a:t>DIABLO</a:t>
-            </a:r>
-          </a:p>
-          <a:p>
-            <a:pPr marL="457200" lvl="1" indent="0">
-              <a:buNone/>
-            </a:pPr>
-            <a:endParaRPr lang="fr-FR" sz="2800" dirty="0">
-              <a:latin typeface="Arial" panose="020B0604020202020204" pitchFamily="34" charset="0"/>
-              <a:cs typeface="Arial" panose="020B0604020202020204" pitchFamily="34" charset="0"/>
-            </a:endParaRPr>
-          </a:p>
-          <a:p>
-            <a:pPr marL="514350" indent="-514350">
-              <a:buAutoNum type="arabicPeriod"/>
-            </a:pPr>
-            <a:r>
-              <a:rPr lang="fr-FR" sz="3200" dirty="0">
-                <a:latin typeface="Arial" panose="020B0604020202020204" pitchFamily="34" charset="0"/>
-                <a:cs typeface="Arial" panose="020B0604020202020204" pitchFamily="34" charset="0"/>
-              </a:rPr>
-              <a:t>Mise en réseau</a:t>
-            </a:r>
+        </p:txBody>
+      </p:sp>
+      <p:sp>
+        <p:nvSpPr>
+          <p:cNvPr id="4" name="Espace réservé de la date 3">
+            <a:extLst>
+              <a:ext uri="{FF2B5EF4-FFF2-40B4-BE49-F238E27FC236}">
+                <a16:creationId xmlns:a16="http://schemas.microsoft.com/office/drawing/2014/main" id="{F181D9E9-DC4C-4780-75B9-9F6317E5BD1A}"/>
+              </a:ext>
+            </a:extLst>
+          </p:cNvPr>
+          <p:cNvSpPr>
+            <a:spLocks noGrp="1"/>
+          </p:cNvSpPr>
+          <p:nvPr>
+            <p:ph type="dt" sz="half" idx="10"/>
+          </p:nvPr>
+        </p:nvSpPr>
+        <p:spPr>
+          <a:xfrm>
+            <a:off x="838200" y="6489520"/>
+            <a:ext cx="2743200" cy="365125"/>
+          </a:xfrm>
+        </p:spPr>
+        <p:txBody>
+          <a:bodyPr/>
+          <a:lstStyle/>
+          <a:p>
+            <a:r>
+              <a:rPr lang="fr-FR" dirty="0"/>
+              <a:t>12/10/2022</a:t>
+            </a:r>
+          </a:p>
+        </p:txBody>
+      </p:sp>
+      <p:sp>
+        <p:nvSpPr>
+          <p:cNvPr id="5" name="Espace réservé du pied de page 4">
+            <a:extLst>
+              <a:ext uri="{FF2B5EF4-FFF2-40B4-BE49-F238E27FC236}">
+                <a16:creationId xmlns:a16="http://schemas.microsoft.com/office/drawing/2014/main" id="{E75C31F4-0182-ED79-928B-0DE07ADECB80}"/>
+              </a:ext>
+            </a:extLst>
+          </p:cNvPr>
+          <p:cNvSpPr>
+            <a:spLocks noGrp="1"/>
+          </p:cNvSpPr>
+          <p:nvPr>
+            <p:ph type="ftr" sz="quarter" idx="11"/>
+          </p:nvPr>
+        </p:nvSpPr>
+        <p:spPr>
+          <a:xfrm>
+            <a:off x="3810000" y="6492876"/>
+            <a:ext cx="4800600" cy="365124"/>
+          </a:xfrm>
+        </p:spPr>
+        <p:txBody>
+          <a:bodyPr/>
+          <a:lstStyle/>
+          <a:p>
+            <a:pPr algn="l"/>
+            <a:r>
+              <a:rPr lang="en-US" dirty="0"/>
+              <a:t>Delhomme Jean, </a:t>
+            </a:r>
+            <a:r>
+              <a:rPr lang="en-US" dirty="0" err="1"/>
+              <a:t>Lecourieux</a:t>
+            </a:r>
+            <a:r>
+              <a:rPr lang="en-US" dirty="0"/>
+              <a:t> Adriana, Rousseau Baptiste, </a:t>
+            </a:r>
+            <a:r>
+              <a:rPr lang="en-US" dirty="0" err="1"/>
+              <a:t>Graa</a:t>
+            </a:r>
+            <a:r>
+              <a:rPr lang="en-US" dirty="0"/>
+              <a:t> </a:t>
+            </a:r>
+            <a:r>
+              <a:rPr lang="en-US" dirty="0" err="1"/>
+              <a:t>Maha</a:t>
+            </a:r>
+            <a:endParaRPr lang="en-US" dirty="0"/>
           </a:p>
         </p:txBody>
       </p:sp>
@@ -5319,7 +5338,7 @@
           <p:nvPr/>
         </p:nvPicPr>
         <p:blipFill>
-          <a:blip r:embed="rId2">
+          <a:blip r:embed="rId3">
             <a:extLst>
               <a:ext uri="{28A0092B-C50C-407E-A947-70E740481C1C}">
                 <a14:useLocalDpi xmlns:a14="http://schemas.microsoft.com/office/drawing/2010/main" val="0"/>
@@ -5392,98 +5411,278 @@
           </a:fontRef>
         </p:style>
       </p:cxnSp>
-      <p:sp>
-        <p:nvSpPr>
-          <p:cNvPr id="7" name="Espace réservé de la date 3">
-            <a:extLst>
-              <a:ext uri="{FF2B5EF4-FFF2-40B4-BE49-F238E27FC236}">
-                <a16:creationId xmlns:a16="http://schemas.microsoft.com/office/drawing/2014/main" id="{BD1F5D23-48BC-19F9-810F-A0B09C9ADC90}"/>
-              </a:ext>
-            </a:extLst>
-          </p:cNvPr>
-          <p:cNvSpPr>
-            <a:spLocks noGrp="1"/>
-          </p:cNvSpPr>
-          <p:nvPr>
-            <p:ph type="dt" sz="half" idx="10"/>
-          </p:nvPr>
-        </p:nvSpPr>
-        <p:spPr>
-          <a:xfrm>
-            <a:off x="838200" y="6489520"/>
-            <a:ext cx="2743200" cy="365125"/>
-          </a:xfrm>
-        </p:spPr>
-        <p:txBody>
-          <a:bodyPr/>
-          <a:lstStyle/>
-          <a:p>
-            <a:r>
-              <a:rPr lang="fr-FR" dirty="0"/>
-              <a:t>12/10/2022</a:t>
-            </a:r>
-          </a:p>
-        </p:txBody>
-      </p:sp>
-      <p:sp>
-        <p:nvSpPr>
-          <p:cNvPr id="9" name="Espace réservé du pied de page 4">
-            <a:extLst>
-              <a:ext uri="{FF2B5EF4-FFF2-40B4-BE49-F238E27FC236}">
-                <a16:creationId xmlns:a16="http://schemas.microsoft.com/office/drawing/2014/main" id="{CA83BE7A-1BE0-5C40-21DB-5F919EDCC997}"/>
-              </a:ext>
-            </a:extLst>
-          </p:cNvPr>
-          <p:cNvSpPr>
-            <a:spLocks noGrp="1"/>
-          </p:cNvSpPr>
-          <p:nvPr>
-            <p:ph type="ftr" sz="quarter" idx="11"/>
-          </p:nvPr>
-        </p:nvSpPr>
-        <p:spPr>
-          <a:xfrm>
-            <a:off x="3810000" y="6492876"/>
-            <a:ext cx="4800600" cy="365124"/>
-          </a:xfrm>
-        </p:spPr>
-        <p:txBody>
-          <a:bodyPr/>
-          <a:lstStyle/>
-          <a:p>
-            <a:pPr algn="l"/>
-            <a:r>
-              <a:rPr lang="en-US" dirty="0"/>
-              <a:t>Delhomme Jean, </a:t>
-            </a:r>
-            <a:r>
-              <a:rPr lang="en-US" dirty="0" err="1"/>
-              <a:t>Lecourieux</a:t>
-            </a:r>
-            <a:r>
-              <a:rPr lang="en-US" dirty="0"/>
-              <a:t> Adriana, Rousseau Baptiste, </a:t>
-            </a:r>
-            <a:r>
-              <a:rPr lang="en-US" dirty="0" err="1"/>
-              <a:t>Graa</a:t>
-            </a:r>
-            <a:r>
-              <a:rPr lang="en-US" dirty="0"/>
-              <a:t> </a:t>
-            </a:r>
-            <a:r>
-              <a:rPr lang="en-US" dirty="0" err="1"/>
-              <a:t>Maha</a:t>
-            </a:r>
-            <a:endParaRPr lang="en-US" dirty="0"/>
-          </a:p>
-        </p:txBody>
-      </p:sp>
+      <p:pic>
+        <p:nvPicPr>
+          <p:cNvPr id="7" name="Image 6">
+            <a:extLst>
+              <a:ext uri="{FF2B5EF4-FFF2-40B4-BE49-F238E27FC236}">
+                <a16:creationId xmlns:a16="http://schemas.microsoft.com/office/drawing/2014/main" id="{E785F61A-1488-160A-959F-C3BE6EB89244}"/>
+              </a:ext>
+            </a:extLst>
+          </p:cNvPr>
+          <p:cNvPicPr>
+            <a:picLocks noChangeAspect="1"/>
+          </p:cNvPicPr>
+          <p:nvPr/>
+        </p:nvPicPr>
+        <p:blipFill>
+          <a:blip r:embed="rId4"/>
+          <a:stretch>
+            <a:fillRect/>
+          </a:stretch>
+        </p:blipFill>
+        <p:spPr>
+          <a:xfrm>
+            <a:off x="71850" y="996296"/>
+            <a:ext cx="3717510" cy="2294235"/>
+          </a:xfrm>
+          <a:prstGeom prst="rect">
+            <a:avLst/>
+          </a:prstGeom>
+        </p:spPr>
+      </p:pic>
+      <p:pic>
+        <p:nvPicPr>
+          <p:cNvPr id="11" name="Image 10">
+            <a:extLst>
+              <a:ext uri="{FF2B5EF4-FFF2-40B4-BE49-F238E27FC236}">
+                <a16:creationId xmlns:a16="http://schemas.microsoft.com/office/drawing/2014/main" id="{6CA77C79-6C42-F3B7-4BB5-5CA194342D6C}"/>
+              </a:ext>
+            </a:extLst>
+          </p:cNvPr>
+          <p:cNvPicPr>
+            <a:picLocks noChangeAspect="1"/>
+          </p:cNvPicPr>
+          <p:nvPr/>
+        </p:nvPicPr>
+        <p:blipFill>
+          <a:blip r:embed="rId5"/>
+          <a:stretch>
+            <a:fillRect/>
+          </a:stretch>
+        </p:blipFill>
+        <p:spPr>
+          <a:xfrm>
+            <a:off x="2662834" y="5071370"/>
+            <a:ext cx="1391888" cy="692614"/>
+          </a:xfrm>
+          <a:prstGeom prst="rect">
+            <a:avLst/>
+          </a:prstGeom>
+        </p:spPr>
+      </p:pic>
+      <p:pic>
+        <p:nvPicPr>
+          <p:cNvPr id="15" name="Image 14">
+            <a:extLst>
+              <a:ext uri="{FF2B5EF4-FFF2-40B4-BE49-F238E27FC236}">
+                <a16:creationId xmlns:a16="http://schemas.microsoft.com/office/drawing/2014/main" id="{30B7CA03-0F26-1861-D0D9-C5C08A0C64F9}"/>
+              </a:ext>
+            </a:extLst>
+          </p:cNvPr>
+          <p:cNvPicPr>
+            <a:picLocks noChangeAspect="1"/>
+          </p:cNvPicPr>
+          <p:nvPr/>
+        </p:nvPicPr>
+        <p:blipFill>
+          <a:blip r:embed="rId6"/>
+          <a:stretch>
+            <a:fillRect/>
+          </a:stretch>
+        </p:blipFill>
+        <p:spPr>
+          <a:xfrm>
+            <a:off x="4237245" y="996296"/>
+            <a:ext cx="3717510" cy="2294235"/>
+          </a:xfrm>
+          <a:prstGeom prst="rect">
+            <a:avLst/>
+          </a:prstGeom>
+        </p:spPr>
+      </p:pic>
+      <p:pic>
+        <p:nvPicPr>
+          <p:cNvPr id="18" name="Image 17">
+            <a:extLst>
+              <a:ext uri="{FF2B5EF4-FFF2-40B4-BE49-F238E27FC236}">
+                <a16:creationId xmlns:a16="http://schemas.microsoft.com/office/drawing/2014/main" id="{9B901AF8-2A5F-14C6-892C-EEE5AF8D9279}"/>
+              </a:ext>
+            </a:extLst>
+          </p:cNvPr>
+          <p:cNvPicPr>
+            <a:picLocks noChangeAspect="1"/>
+          </p:cNvPicPr>
+          <p:nvPr/>
+        </p:nvPicPr>
+        <p:blipFill rotWithShape="1">
+          <a:blip r:embed="rId7"/>
+          <a:srcRect/>
+          <a:stretch/>
+        </p:blipFill>
+        <p:spPr>
+          <a:xfrm>
+            <a:off x="3919796" y="3484410"/>
+            <a:ext cx="4034959" cy="2490163"/>
+          </a:xfrm>
+          <a:prstGeom prst="rect">
+            <a:avLst/>
+          </a:prstGeom>
+        </p:spPr>
+      </p:pic>
+      <p:pic>
+        <p:nvPicPr>
+          <p:cNvPr id="17" name="Image 16">
+            <a:extLst>
+              <a:ext uri="{FF2B5EF4-FFF2-40B4-BE49-F238E27FC236}">
+                <a16:creationId xmlns:a16="http://schemas.microsoft.com/office/drawing/2014/main" id="{16AF9B78-F7C4-16F1-50A7-95366D9D20CE}"/>
+              </a:ext>
+            </a:extLst>
+          </p:cNvPr>
+          <p:cNvPicPr>
+            <a:picLocks noChangeAspect="1"/>
+          </p:cNvPicPr>
+          <p:nvPr/>
+        </p:nvPicPr>
+        <p:blipFill>
+          <a:blip r:embed="rId8"/>
+          <a:stretch>
+            <a:fillRect/>
+          </a:stretch>
+        </p:blipFill>
+        <p:spPr>
+          <a:xfrm>
+            <a:off x="6659419" y="5320743"/>
+            <a:ext cx="1388950" cy="691054"/>
+          </a:xfrm>
+          <a:prstGeom prst="rect">
+            <a:avLst/>
+          </a:prstGeom>
+        </p:spPr>
+      </p:pic>
+      <p:pic>
+        <p:nvPicPr>
+          <p:cNvPr id="20" name="Image 19">
+            <a:extLst>
+              <a:ext uri="{FF2B5EF4-FFF2-40B4-BE49-F238E27FC236}">
+                <a16:creationId xmlns:a16="http://schemas.microsoft.com/office/drawing/2014/main" id="{5282F616-745C-4E76-5714-74A00080C1FE}"/>
+              </a:ext>
+            </a:extLst>
+          </p:cNvPr>
+          <p:cNvPicPr>
+            <a:picLocks noChangeAspect="1"/>
+          </p:cNvPicPr>
+          <p:nvPr/>
+        </p:nvPicPr>
+        <p:blipFill>
+          <a:blip r:embed="rId9"/>
+          <a:stretch>
+            <a:fillRect/>
+          </a:stretch>
+        </p:blipFill>
+        <p:spPr>
+          <a:xfrm>
+            <a:off x="8328772" y="990376"/>
+            <a:ext cx="3727104" cy="2300155"/>
+          </a:xfrm>
+          <a:prstGeom prst="rect">
+            <a:avLst/>
+          </a:prstGeom>
+        </p:spPr>
+      </p:pic>
+      <p:pic>
+        <p:nvPicPr>
+          <p:cNvPr id="22" name="Image 21">
+            <a:extLst>
+              <a:ext uri="{FF2B5EF4-FFF2-40B4-BE49-F238E27FC236}">
+                <a16:creationId xmlns:a16="http://schemas.microsoft.com/office/drawing/2014/main" id="{EF107B7D-158F-96F6-E50A-181717F10F2C}"/>
+              </a:ext>
+            </a:extLst>
+          </p:cNvPr>
+          <p:cNvPicPr>
+            <a:picLocks noChangeAspect="1"/>
+          </p:cNvPicPr>
+          <p:nvPr/>
+        </p:nvPicPr>
+        <p:blipFill>
+          <a:blip r:embed="rId10"/>
+          <a:stretch>
+            <a:fillRect/>
+          </a:stretch>
+        </p:blipFill>
+        <p:spPr>
+          <a:xfrm>
+            <a:off x="10692228" y="5320743"/>
+            <a:ext cx="1388950" cy="654020"/>
+          </a:xfrm>
+          <a:prstGeom prst="rect">
+            <a:avLst/>
+          </a:prstGeom>
+        </p:spPr>
+      </p:pic>
+      <p:pic>
+        <p:nvPicPr>
+          <p:cNvPr id="24" name="Image 23">
+            <a:extLst>
+              <a:ext uri="{FF2B5EF4-FFF2-40B4-BE49-F238E27FC236}">
+                <a16:creationId xmlns:a16="http://schemas.microsoft.com/office/drawing/2014/main" id="{825746BD-0E15-8ACD-4F8A-510A63E96913}"/>
+              </a:ext>
+            </a:extLst>
+          </p:cNvPr>
+          <p:cNvPicPr>
+            <a:picLocks noChangeAspect="1"/>
+          </p:cNvPicPr>
+          <p:nvPr/>
+        </p:nvPicPr>
+        <p:blipFill rotWithShape="1">
+          <a:blip r:embed="rId11"/>
+          <a:srcRect r="388"/>
+          <a:stretch/>
+        </p:blipFill>
+        <p:spPr>
+          <a:xfrm>
+            <a:off x="25667" y="3523487"/>
+            <a:ext cx="3774055" cy="2338217"/>
+          </a:xfrm>
+          <a:prstGeom prst="rect">
+            <a:avLst/>
+          </a:prstGeom>
+        </p:spPr>
+      </p:pic>
+      <p:pic>
+        <p:nvPicPr>
+          <p:cNvPr id="26" name="Image 25">
+            <a:extLst>
+              <a:ext uri="{FF2B5EF4-FFF2-40B4-BE49-F238E27FC236}">
+                <a16:creationId xmlns:a16="http://schemas.microsoft.com/office/drawing/2014/main" id="{E20AFF64-AF42-7AF4-D684-87694FCB7A8D}"/>
+              </a:ext>
+            </a:extLst>
+          </p:cNvPr>
+          <p:cNvPicPr>
+            <a:picLocks noChangeAspect="1"/>
+          </p:cNvPicPr>
+          <p:nvPr/>
+        </p:nvPicPr>
+        <p:blipFill>
+          <a:blip r:embed="rId5"/>
+          <a:stretch>
+            <a:fillRect/>
+          </a:stretch>
+        </p:blipFill>
+        <p:spPr>
+          <a:xfrm>
+            <a:off x="2527895" y="5320743"/>
+            <a:ext cx="1391888" cy="692614"/>
+          </a:xfrm>
+          <a:prstGeom prst="rect">
+            <a:avLst/>
+          </a:prstGeom>
+        </p:spPr>
+      </p:pic>
     </p:spTree>
     <p:extLst>
       <p:ext uri="{BB962C8B-B14F-4D97-AF65-F5344CB8AC3E}">
-        <p14:creationId xmlns:p14="http://schemas.microsoft.com/office/powerpoint/2010/main" val="8141644"/>
+        <p14:creationId xmlns:p14="http://schemas.microsoft.com/office/powerpoint/2010/main" val="1741254726"/>
       </p:ext>
     </p:extLst>
   </p:cSld>
@@ -5528,7 +5727,7 @@
         </p:nvSpPr>
         <p:spPr>
           <a:xfrm>
-            <a:off x="145740" y="118307"/>
+            <a:off x="145740" y="117877"/>
             <a:ext cx="11137778" cy="691318"/>
           </a:xfrm>
         </p:spPr>
@@ -5543,100 +5742,134 @@
                 <a:latin typeface="Arial" panose="020B0604020202020204" pitchFamily="34" charset="0"/>
                 <a:cs typeface="Arial" panose="020B0604020202020204" pitchFamily="34" charset="0"/>
               </a:rPr>
-              <a:t>2.1.	Analyse d’intégration – PLS</a:t>
-            </a:r>
-            <a:endParaRPr lang="fr-FR" sz="3200" b="1" baseline="30000" dirty="0">
+              <a:t>Sommaire</a:t>
+            </a:r>
+          </a:p>
+        </p:txBody>
+      </p:sp>
+      <p:sp>
+        <p:nvSpPr>
+          <p:cNvPr id="3" name="Espace réservé du contenu 2">
+            <a:extLst>
+              <a:ext uri="{FF2B5EF4-FFF2-40B4-BE49-F238E27FC236}">
+                <a16:creationId xmlns:a16="http://schemas.microsoft.com/office/drawing/2014/main" id="{7D811F63-52EF-83B1-E13C-148915CEDEC3}"/>
+              </a:ext>
+            </a:extLst>
+          </p:cNvPr>
+          <p:cNvSpPr>
+            <a:spLocks noGrp="1"/>
+          </p:cNvSpPr>
+          <p:nvPr>
+            <p:ph idx="1"/>
+          </p:nvPr>
+        </p:nvSpPr>
+        <p:spPr>
+          <a:xfrm>
+            <a:off x="1353106" y="964491"/>
+            <a:ext cx="9380000" cy="5498453"/>
+          </a:xfrm>
+        </p:spPr>
+        <p:txBody>
+          <a:bodyPr anchor="ctr">
+            <a:normAutofit/>
+          </a:bodyPr>
+          <a:lstStyle/>
+          <a:p>
+            <a:pPr marL="514350" indent="-514350">
+              <a:buAutoNum type="arabicPeriod"/>
+            </a:pPr>
+            <a:r>
+              <a:rPr lang="fr-FR" sz="3200" dirty="0">
+                <a:latin typeface="Arial" panose="020B0604020202020204" pitchFamily="34" charset="0"/>
+                <a:cs typeface="Arial" panose="020B0604020202020204" pitchFamily="34" charset="0"/>
+              </a:rPr>
+              <a:t>Analyse préliminaire</a:t>
+            </a:r>
+          </a:p>
+          <a:p>
+            <a:pPr marL="514350" indent="-514350">
+              <a:buAutoNum type="arabicPeriod"/>
+            </a:pPr>
+            <a:endParaRPr lang="fr-FR" sz="3200" dirty="0">
               <a:latin typeface="Arial" panose="020B0604020202020204" pitchFamily="34" charset="0"/>
               <a:cs typeface="Arial" panose="020B0604020202020204" pitchFamily="34" charset="0"/>
             </a:endParaRPr>
           </a:p>
-        </p:txBody>
-      </p:sp>
-      <p:sp>
-        <p:nvSpPr>
-          <p:cNvPr id="4" name="Espace réservé de la date 3">
-            <a:extLst>
-              <a:ext uri="{FF2B5EF4-FFF2-40B4-BE49-F238E27FC236}">
-                <a16:creationId xmlns:a16="http://schemas.microsoft.com/office/drawing/2014/main" id="{F181D9E9-DC4C-4780-75B9-9F6317E5BD1A}"/>
-              </a:ext>
-            </a:extLst>
-          </p:cNvPr>
-          <p:cNvSpPr>
-            <a:spLocks noGrp="1"/>
-          </p:cNvSpPr>
-          <p:nvPr>
-            <p:ph type="dt" sz="half" idx="10"/>
-          </p:nvPr>
-        </p:nvSpPr>
-        <p:spPr>
-          <a:xfrm>
-            <a:off x="838200" y="6489520"/>
-            <a:ext cx="2743200" cy="365125"/>
-          </a:xfrm>
-        </p:spPr>
-        <p:txBody>
-          <a:bodyPr/>
-          <a:lstStyle/>
-          <a:p>
-            <a:r>
-              <a:rPr lang="fr-FR" dirty="0"/>
-              <a:t>12/10/2022</a:t>
-            </a:r>
-          </a:p>
-        </p:txBody>
-      </p:sp>
-      <p:sp>
-        <p:nvSpPr>
-          <p:cNvPr id="5" name="Espace réservé du pied de page 4">
-            <a:extLst>
-              <a:ext uri="{FF2B5EF4-FFF2-40B4-BE49-F238E27FC236}">
-                <a16:creationId xmlns:a16="http://schemas.microsoft.com/office/drawing/2014/main" id="{E75C31F4-0182-ED79-928B-0DE07ADECB80}"/>
-              </a:ext>
-            </a:extLst>
-          </p:cNvPr>
-          <p:cNvSpPr>
-            <a:spLocks noGrp="1"/>
-          </p:cNvSpPr>
-          <p:nvPr>
-            <p:ph type="ftr" sz="quarter" idx="11"/>
-          </p:nvPr>
-        </p:nvSpPr>
-        <p:spPr>
-          <a:xfrm>
-            <a:off x="3810000" y="6492876"/>
-            <a:ext cx="4800600" cy="365124"/>
-          </a:xfrm>
-        </p:spPr>
-        <p:txBody>
-          <a:bodyPr/>
-          <a:lstStyle/>
-          <a:p>
-            <a:pPr algn="l"/>
-            <a:r>
-              <a:rPr lang="en-US" dirty="0"/>
-              <a:t>Delhomme Jean, </a:t>
-            </a:r>
-            <a:r>
-              <a:rPr lang="en-US" dirty="0" err="1"/>
-              <a:t>Lecourieux</a:t>
-            </a:r>
-            <a:r>
-              <a:rPr lang="en-US" dirty="0"/>
-              <a:t> Adriana, Rousseau Baptiste, </a:t>
-            </a:r>
-            <a:r>
-              <a:rPr lang="en-US" dirty="0" err="1"/>
-              <a:t>Graa</a:t>
-            </a:r>
-            <a:r>
-              <a:rPr lang="en-US" dirty="0"/>
-              <a:t> </a:t>
-            </a:r>
-            <a:r>
-              <a:rPr lang="en-US" dirty="0" err="1"/>
-              <a:t>Maha</a:t>
-            </a:r>
-            <a:endParaRPr lang="en-US" dirty="0"/>
+          <a:p>
+            <a:pPr marL="514350" indent="-514350">
+              <a:buAutoNum type="arabicPeriod"/>
+            </a:pPr>
+            <a:r>
+              <a:rPr lang="fr-FR" sz="3200" dirty="0">
+                <a:solidFill>
+                  <a:srgbClr val="8B1538"/>
+                </a:solidFill>
+                <a:latin typeface="Arial" panose="020B0604020202020204" pitchFamily="34" charset="0"/>
+                <a:cs typeface="Arial" panose="020B0604020202020204" pitchFamily="34" charset="0"/>
+              </a:rPr>
+              <a:t>Analyse d’intégration</a:t>
+            </a:r>
+          </a:p>
+          <a:p>
+            <a:pPr marL="971550" lvl="1" indent="-514350">
+              <a:buAutoNum type="arabicPeriod"/>
+            </a:pPr>
+            <a:r>
+              <a:rPr lang="fr-FR" sz="2800" dirty="0">
+                <a:latin typeface="Arial" panose="020B0604020202020204" pitchFamily="34" charset="0"/>
+                <a:cs typeface="Arial" panose="020B0604020202020204" pitchFamily="34" charset="0"/>
+              </a:rPr>
+              <a:t>PLS</a:t>
+            </a:r>
+          </a:p>
+          <a:p>
+            <a:pPr marL="971550" lvl="1" indent="-514350">
+              <a:buAutoNum type="arabicPeriod"/>
+            </a:pPr>
+            <a:r>
+              <a:rPr lang="fr-FR" sz="2800" dirty="0" err="1">
+                <a:latin typeface="Arial" panose="020B0604020202020204" pitchFamily="34" charset="0"/>
+                <a:cs typeface="Arial" panose="020B0604020202020204" pitchFamily="34" charset="0"/>
+              </a:rPr>
+              <a:t>sPLS</a:t>
+            </a:r>
+            <a:endParaRPr lang="fr-FR" sz="2800" dirty="0">
+              <a:latin typeface="Arial" panose="020B0604020202020204" pitchFamily="34" charset="0"/>
+              <a:cs typeface="Arial" panose="020B0604020202020204" pitchFamily="34" charset="0"/>
+            </a:endParaRPr>
+          </a:p>
+          <a:p>
+            <a:pPr marL="971550" lvl="1" indent="-514350">
+              <a:buAutoNum type="arabicPeriod"/>
+            </a:pPr>
+            <a:r>
+              <a:rPr lang="fr-FR" sz="2800" dirty="0">
+                <a:latin typeface="Arial" panose="020B0604020202020204" pitchFamily="34" charset="0"/>
+                <a:cs typeface="Arial" panose="020B0604020202020204" pitchFamily="34" charset="0"/>
+              </a:rPr>
+              <a:t>DIABLO</a:t>
+            </a:r>
+          </a:p>
+          <a:p>
+            <a:pPr marL="457200" lvl="1" indent="0">
+              <a:buNone/>
+            </a:pPr>
+            <a:endParaRPr lang="fr-FR" sz="2800" dirty="0">
+              <a:latin typeface="Arial" panose="020B0604020202020204" pitchFamily="34" charset="0"/>
+              <a:cs typeface="Arial" panose="020B0604020202020204" pitchFamily="34" charset="0"/>
+            </a:endParaRPr>
+          </a:p>
+          <a:p>
+            <a:pPr marL="514350" indent="-514350">
+              <a:buAutoNum type="arabicPeriod"/>
+            </a:pPr>
+            <a:r>
+              <a:rPr lang="fr-FR" sz="3200" dirty="0">
+                <a:latin typeface="Arial" panose="020B0604020202020204" pitchFamily="34" charset="0"/>
+                <a:cs typeface="Arial" panose="020B0604020202020204" pitchFamily="34" charset="0"/>
+              </a:rPr>
+              <a:t>Mise en réseau</a:t>
+            </a:r>
           </a:p>
         </p:txBody>
       </p:sp>
@@ -5764,251 +5997,96 @@
       </p:cxnSp>
       <p:sp>
         <p:nvSpPr>
-          <p:cNvPr id="25" name="Espace réservé du contenu 2">
-            <a:extLst>
-              <a:ext uri="{FF2B5EF4-FFF2-40B4-BE49-F238E27FC236}">
-                <a16:creationId xmlns:a16="http://schemas.microsoft.com/office/drawing/2014/main" id="{57CB1EB0-7288-3F4E-B1CC-99784B654109}"/>
-              </a:ext>
-            </a:extLst>
-          </p:cNvPr>
-          <p:cNvSpPr txBox="1">
-            <a:spLocks/>
-          </p:cNvSpPr>
-          <p:nvPr/>
-        </p:nvSpPr>
-        <p:spPr>
-          <a:xfrm>
-            <a:off x="231320" y="1006054"/>
-            <a:ext cx="11824556" cy="5300591"/>
-          </a:xfrm>
-          <a:prstGeom prst="rect">
-            <a:avLst/>
-          </a:prstGeom>
-        </p:spPr>
-        <p:txBody>
-          <a:bodyPr vert="horz" lIns="91440" tIns="45720" rIns="91440" bIns="45720" rtlCol="0">
-            <a:normAutofit/>
-          </a:bodyPr>
-          <a:lstStyle>
-            <a:lvl1pPr marL="228600" indent="-228600" algn="l" defTabSz="914400" rtl="0" eaLnBrk="1" latinLnBrk="0" hangingPunct="1">
-              <a:lnSpc>
-                <a:spcPct val="90000"/>
-              </a:lnSpc>
-              <a:spcBef>
-                <a:spcPts val="1000"/>
-              </a:spcBef>
-              <a:buFont typeface="Arial" panose="020B0604020202020204" pitchFamily="34" charset="0"/>
-              <a:buChar char="•"/>
-              <a:defRPr sz="2800" kern="1200">
-                <a:solidFill>
-                  <a:schemeClr val="tx1"/>
-                </a:solidFill>
-                <a:latin typeface="+mn-lt"/>
-                <a:ea typeface="+mn-ea"/>
-                <a:cs typeface="+mn-cs"/>
-              </a:defRPr>
-            </a:lvl1pPr>
-            <a:lvl2pPr marL="685800" indent="-228600" algn="l" defTabSz="914400" rtl="0" eaLnBrk="1" latinLnBrk="0" hangingPunct="1">
-              <a:lnSpc>
-                <a:spcPct val="90000"/>
-              </a:lnSpc>
-              <a:spcBef>
-                <a:spcPts val="500"/>
-              </a:spcBef>
-              <a:buFont typeface="Arial" panose="020B0604020202020204" pitchFamily="34" charset="0"/>
-              <a:buChar char="•"/>
-              <a:defRPr sz="2400" kern="1200">
-                <a:solidFill>
-                  <a:schemeClr val="tx1"/>
-                </a:solidFill>
-                <a:latin typeface="+mn-lt"/>
-                <a:ea typeface="+mn-ea"/>
-                <a:cs typeface="+mn-cs"/>
-              </a:defRPr>
-            </a:lvl2pPr>
-            <a:lvl3pPr marL="1143000" indent="-228600" algn="l" defTabSz="914400" rtl="0" eaLnBrk="1" latinLnBrk="0" hangingPunct="1">
-              <a:lnSpc>
-                <a:spcPct val="90000"/>
-              </a:lnSpc>
-              <a:spcBef>
-                <a:spcPts val="500"/>
-              </a:spcBef>
-              <a:buFont typeface="Arial" panose="020B0604020202020204" pitchFamily="34" charset="0"/>
-              <a:buChar char="•"/>
-              <a:defRPr sz="2000" kern="1200">
-                <a:solidFill>
-                  <a:schemeClr val="tx1"/>
-                </a:solidFill>
-                <a:latin typeface="+mn-lt"/>
-                <a:ea typeface="+mn-ea"/>
-                <a:cs typeface="+mn-cs"/>
-              </a:defRPr>
-            </a:lvl3pPr>
-            <a:lvl4pPr marL="1600200" indent="-228600" algn="l" defTabSz="914400" rtl="0" eaLnBrk="1" latinLnBrk="0" hangingPunct="1">
-              <a:lnSpc>
-                <a:spcPct val="90000"/>
-              </a:lnSpc>
-              <a:spcBef>
-                <a:spcPts val="500"/>
-              </a:spcBef>
-              <a:buFont typeface="Arial" panose="020B0604020202020204" pitchFamily="34" charset="0"/>
-              <a:buChar char="•"/>
-              <a:defRPr sz="1800" kern="1200">
-                <a:solidFill>
-                  <a:schemeClr val="tx1"/>
-                </a:solidFill>
-                <a:latin typeface="+mn-lt"/>
-                <a:ea typeface="+mn-ea"/>
-                <a:cs typeface="+mn-cs"/>
-              </a:defRPr>
-            </a:lvl4pPr>
-            <a:lvl5pPr marL="2057400" indent="-228600" algn="l" defTabSz="914400" rtl="0" eaLnBrk="1" latinLnBrk="0" hangingPunct="1">
-              <a:lnSpc>
-                <a:spcPct val="90000"/>
-              </a:lnSpc>
-              <a:spcBef>
-                <a:spcPts val="500"/>
-              </a:spcBef>
-              <a:buFont typeface="Arial" panose="020B0604020202020204" pitchFamily="34" charset="0"/>
-              <a:buChar char="•"/>
-              <a:defRPr sz="1800" kern="1200">
-                <a:solidFill>
-                  <a:schemeClr val="tx1"/>
-                </a:solidFill>
-                <a:latin typeface="+mn-lt"/>
-                <a:ea typeface="+mn-ea"/>
-                <a:cs typeface="+mn-cs"/>
-              </a:defRPr>
-            </a:lvl5pPr>
-            <a:lvl6pPr marL="2514600" indent="-228600" algn="l" defTabSz="914400" rtl="0" eaLnBrk="1" latinLnBrk="0" hangingPunct="1">
-              <a:lnSpc>
-                <a:spcPct val="90000"/>
-              </a:lnSpc>
-              <a:spcBef>
-                <a:spcPts val="500"/>
-              </a:spcBef>
-              <a:buFont typeface="Arial" panose="020B0604020202020204" pitchFamily="34" charset="0"/>
-              <a:buChar char="•"/>
-              <a:defRPr sz="1800" kern="1200">
-                <a:solidFill>
-                  <a:schemeClr val="tx1"/>
-                </a:solidFill>
-                <a:latin typeface="+mn-lt"/>
-                <a:ea typeface="+mn-ea"/>
-                <a:cs typeface="+mn-cs"/>
-              </a:defRPr>
-            </a:lvl6pPr>
-            <a:lvl7pPr marL="2971800" indent="-228600" algn="l" defTabSz="914400" rtl="0" eaLnBrk="1" latinLnBrk="0" hangingPunct="1">
-              <a:lnSpc>
-                <a:spcPct val="90000"/>
-              </a:lnSpc>
-              <a:spcBef>
-                <a:spcPts val="500"/>
-              </a:spcBef>
-              <a:buFont typeface="Arial" panose="020B0604020202020204" pitchFamily="34" charset="0"/>
-              <a:buChar char="•"/>
-              <a:defRPr sz="1800" kern="1200">
-                <a:solidFill>
-                  <a:schemeClr val="tx1"/>
-                </a:solidFill>
-                <a:latin typeface="+mn-lt"/>
-                <a:ea typeface="+mn-ea"/>
-                <a:cs typeface="+mn-cs"/>
-              </a:defRPr>
-            </a:lvl7pPr>
-            <a:lvl8pPr marL="3429000" indent="-228600" algn="l" defTabSz="914400" rtl="0" eaLnBrk="1" latinLnBrk="0" hangingPunct="1">
-              <a:lnSpc>
-                <a:spcPct val="90000"/>
-              </a:lnSpc>
-              <a:spcBef>
-                <a:spcPts val="500"/>
-              </a:spcBef>
-              <a:buFont typeface="Arial" panose="020B0604020202020204" pitchFamily="34" charset="0"/>
-              <a:buChar char="•"/>
-              <a:defRPr sz="1800" kern="1200">
-                <a:solidFill>
-                  <a:schemeClr val="tx1"/>
-                </a:solidFill>
-                <a:latin typeface="+mn-lt"/>
-                <a:ea typeface="+mn-ea"/>
-                <a:cs typeface="+mn-cs"/>
-              </a:defRPr>
-            </a:lvl8pPr>
-            <a:lvl9pPr marL="3886200" indent="-228600" algn="l" defTabSz="914400" rtl="0" eaLnBrk="1" latinLnBrk="0" hangingPunct="1">
-              <a:lnSpc>
-                <a:spcPct val="90000"/>
-              </a:lnSpc>
-              <a:spcBef>
-                <a:spcPts val="500"/>
-              </a:spcBef>
-              <a:buFont typeface="Arial" panose="020B0604020202020204" pitchFamily="34" charset="0"/>
-              <a:buChar char="•"/>
-              <a:defRPr sz="1800" kern="1200">
-                <a:solidFill>
-                  <a:schemeClr val="tx1"/>
-                </a:solidFill>
-                <a:latin typeface="+mn-lt"/>
-                <a:ea typeface="+mn-ea"/>
-                <a:cs typeface="+mn-cs"/>
-              </a:defRPr>
-            </a:lvl9pPr>
-          </a:lstStyle>
-          <a:p>
-            <a:pPr marL="0" indent="0">
-              <a:buNone/>
-            </a:pPr>
-            <a:r>
-              <a:rPr lang="fr-FR" dirty="0">
-                <a:latin typeface="Arial" panose="020B0604020202020204" pitchFamily="34" charset="0"/>
-                <a:cs typeface="Arial" panose="020B0604020202020204" pitchFamily="34" charset="0"/>
-              </a:rPr>
-              <a:t>- Faire une première analyse PLS avec les gènes et les protéines</a:t>
-            </a:r>
-          </a:p>
-          <a:p>
-            <a:pPr marL="0" indent="0">
-              <a:buNone/>
-            </a:pPr>
-            <a:r>
-              <a:rPr lang="fr-FR" dirty="0">
-                <a:latin typeface="Arial" panose="020B0604020202020204" pitchFamily="34" charset="0"/>
-                <a:cs typeface="Arial" panose="020B0604020202020204" pitchFamily="34" charset="0"/>
-              </a:rPr>
-              <a:t>- Discuter du nombre de composantes à inclure dans le modèle</a:t>
-            </a:r>
-          </a:p>
-          <a:p>
-            <a:pPr marL="0" indent="0">
-              <a:buNone/>
-            </a:pPr>
-            <a:r>
-              <a:rPr lang="fr-FR" dirty="0">
-                <a:latin typeface="Arial" panose="020B0604020202020204" pitchFamily="34" charset="0"/>
-                <a:cs typeface="Arial" panose="020B0604020202020204" pitchFamily="34" charset="0"/>
-              </a:rPr>
-              <a:t>- Présenter le graphe des échantillons, des variables et </a:t>
-            </a:r>
-            <a:r>
-              <a:rPr lang="fr-FR" dirty="0" err="1">
-                <a:latin typeface="Arial" panose="020B0604020202020204" pitchFamily="34" charset="0"/>
-                <a:cs typeface="Arial" panose="020B0604020202020204" pitchFamily="34" charset="0"/>
-              </a:rPr>
-              <a:t>arrow</a:t>
-            </a:r>
-            <a:r>
-              <a:rPr lang="fr-FR" dirty="0">
-                <a:latin typeface="Arial" panose="020B0604020202020204" pitchFamily="34" charset="0"/>
-                <a:cs typeface="Arial" panose="020B0604020202020204" pitchFamily="34" charset="0"/>
-              </a:rPr>
-              <a:t> plot.</a:t>
-            </a:r>
+          <p:cNvPr id="7" name="Espace réservé de la date 3">
+            <a:extLst>
+              <a:ext uri="{FF2B5EF4-FFF2-40B4-BE49-F238E27FC236}">
+                <a16:creationId xmlns:a16="http://schemas.microsoft.com/office/drawing/2014/main" id="{BD1F5D23-48BC-19F9-810F-A0B09C9ADC90}"/>
+              </a:ext>
+            </a:extLst>
+          </p:cNvPr>
+          <p:cNvSpPr>
+            <a:spLocks noGrp="1"/>
+          </p:cNvSpPr>
+          <p:nvPr>
+            <p:ph type="dt" sz="half" idx="10"/>
+          </p:nvPr>
+        </p:nvSpPr>
+        <p:spPr>
+          <a:xfrm>
+            <a:off x="838200" y="6489520"/>
+            <a:ext cx="2743200" cy="365125"/>
+          </a:xfrm>
+        </p:spPr>
+        <p:txBody>
+          <a:bodyPr/>
+          <a:lstStyle/>
+          <a:p>
+            <a:r>
+              <a:rPr lang="fr-FR" dirty="0"/>
+              <a:t>12/10/2022</a:t>
+            </a:r>
+          </a:p>
+        </p:txBody>
+      </p:sp>
+      <p:sp>
+        <p:nvSpPr>
+          <p:cNvPr id="9" name="Espace réservé du pied de page 4">
+            <a:extLst>
+              <a:ext uri="{FF2B5EF4-FFF2-40B4-BE49-F238E27FC236}">
+                <a16:creationId xmlns:a16="http://schemas.microsoft.com/office/drawing/2014/main" id="{CA83BE7A-1BE0-5C40-21DB-5F919EDCC997}"/>
+              </a:ext>
+            </a:extLst>
+          </p:cNvPr>
+          <p:cNvSpPr>
+            <a:spLocks noGrp="1"/>
+          </p:cNvSpPr>
+          <p:nvPr>
+            <p:ph type="ftr" sz="quarter" idx="11"/>
+          </p:nvPr>
+        </p:nvSpPr>
+        <p:spPr>
+          <a:xfrm>
+            <a:off x="3810000" y="6492876"/>
+            <a:ext cx="4800600" cy="365124"/>
+          </a:xfrm>
+        </p:spPr>
+        <p:txBody>
+          <a:bodyPr/>
+          <a:lstStyle/>
+          <a:p>
+            <a:pPr algn="l"/>
+            <a:r>
+              <a:rPr lang="en-US" dirty="0"/>
+              <a:t>Delhomme Jean, </a:t>
+            </a:r>
+            <a:r>
+              <a:rPr lang="en-US" dirty="0" err="1"/>
+              <a:t>Lecourieux</a:t>
+            </a:r>
+            <a:r>
+              <a:rPr lang="en-US" dirty="0"/>
+              <a:t> Adriana, Rousseau Baptiste, </a:t>
+            </a:r>
+            <a:r>
+              <a:rPr lang="en-US" dirty="0" err="1"/>
+              <a:t>Graa</a:t>
+            </a:r>
+            <a:r>
+              <a:rPr lang="en-US" dirty="0"/>
+              <a:t> </a:t>
+            </a:r>
+            <a:r>
+              <a:rPr lang="en-US" dirty="0" err="1"/>
+              <a:t>Maha</a:t>
+            </a:r>
+            <a:endParaRPr lang="en-US" dirty="0"/>
           </a:p>
         </p:txBody>
       </p:sp>
     </p:spTree>
     <p:extLst>
       <p:ext uri="{BB962C8B-B14F-4D97-AF65-F5344CB8AC3E}">
-        <p14:creationId xmlns:p14="http://schemas.microsoft.com/office/powerpoint/2010/main" val="2454606950"/>
+        <p14:creationId xmlns:p14="http://schemas.microsoft.com/office/powerpoint/2010/main" val="8141644"/>
       </p:ext>
     </p:extLst>
   </p:cSld>
@@ -6068,14 +6146,7 @@
                 <a:latin typeface="Arial" panose="020B0604020202020204" pitchFamily="34" charset="0"/>
                 <a:cs typeface="Arial" panose="020B0604020202020204" pitchFamily="34" charset="0"/>
               </a:rPr>
-              <a:t>2.2.	Analyse d’intégration – </a:t>
-            </a:r>
-            <a:r>
-              <a:rPr lang="fr-FR" sz="3200" b="1" dirty="0" err="1">
-                <a:latin typeface="Arial" panose="020B0604020202020204" pitchFamily="34" charset="0"/>
-                <a:cs typeface="Arial" panose="020B0604020202020204" pitchFamily="34" charset="0"/>
-              </a:rPr>
-              <a:t>sPLS</a:t>
+              <a:t>2.1.	Analyse d’intégration – PLS</a:t>
             </a:r>
             <a:endParaRPr lang="fr-FR" sz="3200" b="1" baseline="30000" dirty="0">
               <a:latin typeface="Arial" panose="020B0604020202020204" pitchFamily="34" charset="0"/>
@@ -6494,35 +6565,7 @@
                 <a:latin typeface="Arial" panose="020B0604020202020204" pitchFamily="34" charset="0"/>
                 <a:cs typeface="Arial" panose="020B0604020202020204" pitchFamily="34" charset="0"/>
               </a:rPr>
-              <a:t>- Faire une première analyse </a:t>
-            </a:r>
-            <a:r>
-              <a:rPr lang="fr-FR" dirty="0" err="1">
-                <a:latin typeface="Arial" panose="020B0604020202020204" pitchFamily="34" charset="0"/>
-                <a:cs typeface="Arial" panose="020B0604020202020204" pitchFamily="34" charset="0"/>
-              </a:rPr>
-              <a:t>sPLS</a:t>
-            </a:r>
-            <a:r>
-              <a:rPr lang="fr-FR" dirty="0">
-                <a:latin typeface="Arial" panose="020B0604020202020204" pitchFamily="34" charset="0"/>
-                <a:cs typeface="Arial" panose="020B0604020202020204" pitchFamily="34" charset="0"/>
-              </a:rPr>
-              <a:t> avec les gènes et les protéines (10 </a:t>
-            </a:r>
-            <a:r>
-              <a:rPr lang="fr-FR" dirty="0" err="1">
-                <a:latin typeface="Arial" panose="020B0604020202020204" pitchFamily="34" charset="0"/>
-                <a:cs typeface="Arial" panose="020B0604020202020204" pitchFamily="34" charset="0"/>
-              </a:rPr>
-              <a:t>features</a:t>
-            </a:r>
-            <a:r>
-              <a:rPr lang="fr-FR" dirty="0">
-                <a:latin typeface="Arial" panose="020B0604020202020204" pitchFamily="34" charset="0"/>
-                <a:cs typeface="Arial" panose="020B0604020202020204" pitchFamily="34" charset="0"/>
-              </a:rPr>
-              <a:t>/bloc composante 1, 5 pour composante 2).</a:t>
+              <a:t>- Faire une première analyse PLS avec les gènes et les protéines</a:t>
             </a:r>
           </a:p>
           <a:p>
@@ -6531,13 +6574,10 @@
             </a:pPr>
             <a:r>
               <a:rPr lang="fr-FR" dirty="0">
-                <a:solidFill>
-                  <a:schemeClr val="accent1"/>
-                </a:solidFill>
-                <a:latin typeface="Arial" panose="020B0604020202020204" pitchFamily="34" charset="0"/>
-                <a:cs typeface="Arial" panose="020B0604020202020204" pitchFamily="34" charset="0"/>
-              </a:rPr>
-              <a:t>- Quelles sont les variables sélectionnées ?</a:t>
+                <a:latin typeface="Arial" panose="020B0604020202020204" pitchFamily="34" charset="0"/>
+                <a:cs typeface="Arial" panose="020B0604020202020204" pitchFamily="34" charset="0"/>
+              </a:rPr>
+              <a:t>- Discuter du nombre de composantes à inclure dans le modèle</a:t>
             </a:r>
           </a:p>
           <a:p>
@@ -6546,28 +6586,24 @@
             </a:pPr>
             <a:r>
               <a:rPr lang="fr-FR" dirty="0">
-                <a:solidFill>
-                  <a:schemeClr val="accent1"/>
-                </a:solidFill>
-                <a:latin typeface="Arial" panose="020B0604020202020204" pitchFamily="34" charset="0"/>
-                <a:cs typeface="Arial" panose="020B0604020202020204" pitchFamily="34" charset="0"/>
-              </a:rPr>
-              <a:t>- Quels sont leurs rôles biologiques ?</a:t>
-            </a:r>
-          </a:p>
-          <a:p>
-            <a:pPr marL="0" indent="0">
-              <a:buNone/>
-            </a:pPr>
+                <a:latin typeface="Arial" panose="020B0604020202020204" pitchFamily="34" charset="0"/>
+                <a:cs typeface="Arial" panose="020B0604020202020204" pitchFamily="34" charset="0"/>
+              </a:rPr>
+              <a:t>- Présenter le graphe des échantillons, des variables et </a:t>
+            </a:r>
+            <a:r>
+              <a:rPr lang="fr-FR" dirty="0" err="1">
+                <a:latin typeface="Arial" panose="020B0604020202020204" pitchFamily="34" charset="0"/>
+                <a:cs typeface="Arial" panose="020B0604020202020204" pitchFamily="34" charset="0"/>
+              </a:rPr>
+              <a:t>arrow</a:t>
+            </a:r>
             <a:r>
               <a:rPr lang="fr-FR" dirty="0">
-                <a:solidFill>
-                  <a:schemeClr val="accent1"/>
-                </a:solidFill>
-                <a:latin typeface="Arial" panose="020B0604020202020204" pitchFamily="34" charset="0"/>
-                <a:cs typeface="Arial" panose="020B0604020202020204" pitchFamily="34" charset="0"/>
-              </a:rPr>
-              <a:t>- Y a t-il des fonctions biologiques enrichies ?</a:t>
+                <a:latin typeface="Arial" panose="020B0604020202020204" pitchFamily="34" charset="0"/>
+                <a:cs typeface="Arial" panose="020B0604020202020204" pitchFamily="34" charset="0"/>
+              </a:rPr>
+              <a:t> plot.</a:t>
             </a:r>
           </a:p>
         </p:txBody>
@@ -6575,7 +6611,7 @@
     </p:spTree>
     <p:extLst>
       <p:ext uri="{BB962C8B-B14F-4D97-AF65-F5344CB8AC3E}">
-        <p14:creationId xmlns:p14="http://schemas.microsoft.com/office/powerpoint/2010/main" val="1175785511"/>
+        <p14:creationId xmlns:p14="http://schemas.microsoft.com/office/powerpoint/2010/main" val="2454606950"/>
       </p:ext>
     </p:extLst>
   </p:cSld>
@@ -6635,7 +6671,14 @@
                 <a:latin typeface="Arial" panose="020B0604020202020204" pitchFamily="34" charset="0"/>
                 <a:cs typeface="Arial" panose="020B0604020202020204" pitchFamily="34" charset="0"/>
               </a:rPr>
-              <a:t>2.3.	Analyse d’intégration – DIABLO</a:t>
+              <a:t>2.2.	Analyse d’intégration – </a:t>
+            </a:r>
+            <a:r>
+              <a:rPr lang="fr-FR" sz="3200" b="1" dirty="0" err="1">
+                <a:latin typeface="Arial" panose="020B0604020202020204" pitchFamily="34" charset="0"/>
+                <a:cs typeface="Arial" panose="020B0604020202020204" pitchFamily="34" charset="0"/>
+              </a:rPr>
+              <a:t>sPLS</a:t>
             </a:r>
             <a:endParaRPr lang="fr-FR" sz="3200" b="1" baseline="30000" dirty="0">
               <a:latin typeface="Arial" panose="020B0604020202020204" pitchFamily="34" charset="0"/>
@@ -7054,7 +7097,35 @@
                 <a:latin typeface="Arial" panose="020B0604020202020204" pitchFamily="34" charset="0"/>
                 <a:cs typeface="Arial" panose="020B0604020202020204" pitchFamily="34" charset="0"/>
               </a:rPr>
-              <a:t>- Faire une première analyse combinée DIABLO en incluant les gènes, protéines et le groupe</a:t>
+              <a:t>- Faire une première analyse </a:t>
+            </a:r>
+            <a:r>
+              <a:rPr lang="fr-FR" dirty="0" err="1">
+                <a:latin typeface="Arial" panose="020B0604020202020204" pitchFamily="34" charset="0"/>
+                <a:cs typeface="Arial" panose="020B0604020202020204" pitchFamily="34" charset="0"/>
+              </a:rPr>
+              <a:t>sPLS</a:t>
+            </a:r>
+            <a:r>
+              <a:rPr lang="fr-FR" dirty="0">
+                <a:latin typeface="Arial" panose="020B0604020202020204" pitchFamily="34" charset="0"/>
+                <a:cs typeface="Arial" panose="020B0604020202020204" pitchFamily="34" charset="0"/>
+              </a:rPr>
+              <a:t> avec les gènes et les protéines (10 </a:t>
+            </a:r>
+            <a:r>
+              <a:rPr lang="fr-FR" dirty="0" err="1">
+                <a:latin typeface="Arial" panose="020B0604020202020204" pitchFamily="34" charset="0"/>
+                <a:cs typeface="Arial" panose="020B0604020202020204" pitchFamily="34" charset="0"/>
+              </a:rPr>
+              <a:t>features</a:t>
+            </a:r>
+            <a:r>
+              <a:rPr lang="fr-FR" dirty="0">
+                <a:latin typeface="Arial" panose="020B0604020202020204" pitchFamily="34" charset="0"/>
+                <a:cs typeface="Arial" panose="020B0604020202020204" pitchFamily="34" charset="0"/>
+              </a:rPr>
+              <a:t>/bloc composante 1, 5 pour composante 2).</a:t>
             </a:r>
           </a:p>
           <a:p>
@@ -7063,10 +7134,13 @@
             </a:pPr>
             <a:r>
               <a:rPr lang="fr-FR" dirty="0">
-                <a:latin typeface="Arial" panose="020B0604020202020204" pitchFamily="34" charset="0"/>
-                <a:cs typeface="Arial" panose="020B0604020202020204" pitchFamily="34" charset="0"/>
-              </a:rPr>
-              <a:t>- Faire une seconde analyse en ajoutant le 3ième bloc</a:t>
+                <a:solidFill>
+                  <a:schemeClr val="accent1"/>
+                </a:solidFill>
+                <a:latin typeface="Arial" panose="020B0604020202020204" pitchFamily="34" charset="0"/>
+                <a:cs typeface="Arial" panose="020B0604020202020204" pitchFamily="34" charset="0"/>
+              </a:rPr>
+              <a:t>- Quelles sont les variables sélectionnées ?</a:t>
             </a:r>
           </a:p>
           <a:p>
@@ -7075,38 +7149,13 @@
             </a:pPr>
             <a:r>
               <a:rPr lang="fr-FR" dirty="0">
-                <a:latin typeface="Arial" panose="020B0604020202020204" pitchFamily="34" charset="0"/>
-                <a:cs typeface="Arial" panose="020B0604020202020204" pitchFamily="34" charset="0"/>
-              </a:rPr>
-              <a:t>- Optimiser le modèle (</a:t>
-            </a:r>
-            <a:r>
-              <a:rPr lang="fr-FR" dirty="0" err="1">
-                <a:latin typeface="Arial" panose="020B0604020202020204" pitchFamily="34" charset="0"/>
-                <a:cs typeface="Arial" panose="020B0604020202020204" pitchFamily="34" charset="0"/>
-              </a:rPr>
-              <a:t>ncomp</a:t>
-            </a:r>
-            <a:r>
-              <a:rPr lang="fr-FR" dirty="0">
-                <a:latin typeface="Arial" panose="020B0604020202020204" pitchFamily="34" charset="0"/>
-                <a:cs typeface="Arial" panose="020B0604020202020204" pitchFamily="34" charset="0"/>
-              </a:rPr>
-              <a:t> et </a:t>
-            </a:r>
-            <a:r>
-              <a:rPr lang="fr-FR" dirty="0" err="1">
-                <a:latin typeface="Arial" panose="020B0604020202020204" pitchFamily="34" charset="0"/>
-                <a:cs typeface="Arial" panose="020B0604020202020204" pitchFamily="34" charset="0"/>
-              </a:rPr>
-              <a:t>keepX</a:t>
-            </a:r>
-            <a:r>
-              <a:rPr lang="fr-FR" dirty="0">
-                <a:latin typeface="Arial" panose="020B0604020202020204" pitchFamily="34" charset="0"/>
-                <a:cs typeface="Arial" panose="020B0604020202020204" pitchFamily="34" charset="0"/>
-              </a:rPr>
-              <a:t>)</a:t>
+                <a:solidFill>
+                  <a:schemeClr val="accent1"/>
+                </a:solidFill>
+                <a:latin typeface="Arial" panose="020B0604020202020204" pitchFamily="34" charset="0"/>
+                <a:cs typeface="Arial" panose="020B0604020202020204" pitchFamily="34" charset="0"/>
+              </a:rPr>
+              <a:t>- Quels sont leurs rôles biologiques ?</a:t>
             </a:r>
           </a:p>
           <a:p>
@@ -7115,10 +7164,13 @@
             </a:pPr>
             <a:r>
               <a:rPr lang="fr-FR" dirty="0">
-                <a:latin typeface="Arial" panose="020B0604020202020204" pitchFamily="34" charset="0"/>
-                <a:cs typeface="Arial" panose="020B0604020202020204" pitchFamily="34" charset="0"/>
-              </a:rPr>
-              <a:t>- Présentez circos plot et network plot de votre modèle final</a:t>
+                <a:solidFill>
+                  <a:schemeClr val="accent1"/>
+                </a:solidFill>
+                <a:latin typeface="Arial" panose="020B0604020202020204" pitchFamily="34" charset="0"/>
+                <a:cs typeface="Arial" panose="020B0604020202020204" pitchFamily="34" charset="0"/>
+              </a:rPr>
+              <a:t>- Y a t-il des fonctions biologiques enrichies ?</a:t>
             </a:r>
           </a:p>
         </p:txBody>
@@ -7126,7 +7178,7 @@
     </p:spTree>
     <p:extLst>
       <p:ext uri="{BB962C8B-B14F-4D97-AF65-F5344CB8AC3E}">
-        <p14:creationId xmlns:p14="http://schemas.microsoft.com/office/powerpoint/2010/main" val="3990027015"/>
+        <p14:creationId xmlns:p14="http://schemas.microsoft.com/office/powerpoint/2010/main" val="1175785511"/>
       </p:ext>
     </p:extLst>
   </p:cSld>
@@ -7171,7 +7223,7 @@
         </p:nvSpPr>
         <p:spPr>
           <a:xfrm>
-            <a:off x="145740" y="117877"/>
+            <a:off x="145740" y="118307"/>
             <a:ext cx="11137778" cy="691318"/>
           </a:xfrm>
         </p:spPr>
@@ -7186,141 +7238,100 @@
                 <a:latin typeface="Arial" panose="020B0604020202020204" pitchFamily="34" charset="0"/>
                 <a:cs typeface="Arial" panose="020B0604020202020204" pitchFamily="34" charset="0"/>
               </a:rPr>
-              <a:t>Sommaire</a:t>
-            </a:r>
-          </a:p>
-        </p:txBody>
-      </p:sp>
-      <p:sp>
-        <p:nvSpPr>
-          <p:cNvPr id="3" name="Espace réservé du contenu 2">
-            <a:extLst>
-              <a:ext uri="{FF2B5EF4-FFF2-40B4-BE49-F238E27FC236}">
-                <a16:creationId xmlns:a16="http://schemas.microsoft.com/office/drawing/2014/main" id="{7D811F63-52EF-83B1-E13C-148915CEDEC3}"/>
-              </a:ext>
-            </a:extLst>
-          </p:cNvPr>
-          <p:cNvSpPr>
-            <a:spLocks noGrp="1"/>
-          </p:cNvSpPr>
-          <p:nvPr>
-            <p:ph idx="1"/>
-          </p:nvPr>
-        </p:nvSpPr>
-        <p:spPr>
-          <a:xfrm>
-            <a:off x="1353106" y="964491"/>
-            <a:ext cx="9380000" cy="5498453"/>
-          </a:xfrm>
-        </p:spPr>
-        <p:txBody>
-          <a:bodyPr anchor="ctr">
-            <a:normAutofit/>
-          </a:bodyPr>
-          <a:lstStyle/>
-          <a:p>
-            <a:pPr marL="514350" indent="-514350">
-              <a:buAutoNum type="arabicPeriod"/>
-            </a:pPr>
-            <a:r>
-              <a:rPr lang="fr-FR" sz="3200" dirty="0">
-                <a:latin typeface="Arial" panose="020B0604020202020204" pitchFamily="34" charset="0"/>
-                <a:cs typeface="Arial" panose="020B0604020202020204" pitchFamily="34" charset="0"/>
-              </a:rPr>
-              <a:t>Analyse préliminaire</a:t>
-            </a:r>
-          </a:p>
-          <a:p>
-            <a:pPr marL="514350" indent="-514350">
-              <a:buAutoNum type="arabicPeriod"/>
-            </a:pPr>
-            <a:endParaRPr lang="fr-FR" sz="3200" dirty="0">
+              <a:t>2.3.	Analyse d’intégration – DIABLO</a:t>
+            </a:r>
+            <a:endParaRPr lang="fr-FR" sz="3200" b="1" baseline="30000" dirty="0">
               <a:latin typeface="Arial" panose="020B0604020202020204" pitchFamily="34" charset="0"/>
               <a:cs typeface="Arial" panose="020B0604020202020204" pitchFamily="34" charset="0"/>
             </a:endParaRPr>
           </a:p>
-          <a:p>
-            <a:pPr marL="514350" indent="-514350">
-              <a:buAutoNum type="arabicPeriod"/>
-            </a:pPr>
-            <a:r>
-              <a:rPr lang="fr-FR" sz="3200" dirty="0">
-                <a:latin typeface="Arial" panose="020B0604020202020204" pitchFamily="34" charset="0"/>
-                <a:cs typeface="Arial" panose="020B0604020202020204" pitchFamily="34" charset="0"/>
-              </a:rPr>
-              <a:t>Analyse d’intégration</a:t>
-            </a:r>
-          </a:p>
-          <a:p>
-            <a:pPr marL="514350" indent="-514350">
-              <a:buAutoNum type="arabicPeriod"/>
-            </a:pPr>
-            <a:endParaRPr lang="fr-FR" sz="3200" dirty="0">
-              <a:latin typeface="Arial" panose="020B0604020202020204" pitchFamily="34" charset="0"/>
-              <a:cs typeface="Arial" panose="020B0604020202020204" pitchFamily="34" charset="0"/>
-            </a:endParaRPr>
-          </a:p>
-          <a:p>
-            <a:pPr marL="514350" indent="-514350">
-              <a:buAutoNum type="arabicPeriod"/>
-            </a:pPr>
-            <a:r>
-              <a:rPr lang="fr-FR" sz="3200" dirty="0">
-                <a:solidFill>
-                  <a:srgbClr val="8B1538"/>
-                </a:solidFill>
-                <a:latin typeface="Arial" panose="020B0604020202020204" pitchFamily="34" charset="0"/>
-                <a:cs typeface="Arial" panose="020B0604020202020204" pitchFamily="34" charset="0"/>
-              </a:rPr>
-              <a:t>Mise en réseau</a:t>
-            </a:r>
-          </a:p>
-          <a:p>
-            <a:pPr marL="971550" lvl="1" indent="-514350">
-              <a:buAutoNum type="arabicPeriod"/>
-            </a:pPr>
-            <a:r>
-              <a:rPr lang="fr-FR" sz="2800" dirty="0">
-                <a:latin typeface="Arial" panose="020B0604020202020204" pitchFamily="34" charset="0"/>
-                <a:cs typeface="Arial" panose="020B0604020202020204" pitchFamily="34" charset="0"/>
-              </a:rPr>
-              <a:t>Réseaux de régulation de gène</a:t>
-            </a:r>
-          </a:p>
-          <a:p>
-            <a:pPr marL="971550" lvl="1" indent="-514350">
-              <a:buAutoNum type="arabicPeriod"/>
-            </a:pPr>
-            <a:r>
-              <a:rPr lang="fr-FR" sz="2800" dirty="0">
-                <a:latin typeface="Arial" panose="020B0604020202020204" pitchFamily="34" charset="0"/>
-                <a:cs typeface="Arial" panose="020B0604020202020204" pitchFamily="34" charset="0"/>
-              </a:rPr>
-              <a:t>Réseaux PPI</a:t>
-            </a:r>
-          </a:p>
-          <a:p>
-            <a:pPr marL="971550" lvl="1" indent="-514350">
-              <a:buAutoNum type="arabicPeriod"/>
-            </a:pPr>
-            <a:r>
-              <a:rPr lang="fr-FR" sz="2800" dirty="0">
-                <a:latin typeface="Arial" panose="020B0604020202020204" pitchFamily="34" charset="0"/>
-                <a:cs typeface="Arial" panose="020B0604020202020204" pitchFamily="34" charset="0"/>
-              </a:rPr>
-              <a:t>Connection gène-</a:t>
-            </a:r>
-            <a:r>
-              <a:rPr lang="fr-FR" sz="2800" dirty="0" err="1">
-                <a:latin typeface="Arial" panose="020B0604020202020204" pitchFamily="34" charset="0"/>
-                <a:cs typeface="Arial" panose="020B0604020202020204" pitchFamily="34" charset="0"/>
-              </a:rPr>
-              <a:t>prot</a:t>
-            </a:r>
-            <a:endParaRPr lang="fr-FR" sz="2800" dirty="0">
-              <a:latin typeface="Arial" panose="020B0604020202020204" pitchFamily="34" charset="0"/>
-              <a:cs typeface="Arial" panose="020B0604020202020204" pitchFamily="34" charset="0"/>
-            </a:endParaRPr>
+        </p:txBody>
+      </p:sp>
+      <p:sp>
+        <p:nvSpPr>
+          <p:cNvPr id="4" name="Espace réservé de la date 3">
+            <a:extLst>
+              <a:ext uri="{FF2B5EF4-FFF2-40B4-BE49-F238E27FC236}">
+                <a16:creationId xmlns:a16="http://schemas.microsoft.com/office/drawing/2014/main" id="{F181D9E9-DC4C-4780-75B9-9F6317E5BD1A}"/>
+              </a:ext>
+            </a:extLst>
+          </p:cNvPr>
+          <p:cNvSpPr>
+            <a:spLocks noGrp="1"/>
+          </p:cNvSpPr>
+          <p:nvPr>
+            <p:ph type="dt" sz="half" idx="10"/>
+          </p:nvPr>
+        </p:nvSpPr>
+        <p:spPr>
+          <a:xfrm>
+            <a:off x="838200" y="6489520"/>
+            <a:ext cx="2743200" cy="365125"/>
+          </a:xfrm>
+        </p:spPr>
+        <p:txBody>
+          <a:bodyPr/>
+          <a:lstStyle/>
+          <a:p>
+            <a:r>
+              <a:rPr lang="fr-FR" dirty="0"/>
+              <a:t>12/10/2022</a:t>
+            </a:r>
+          </a:p>
+        </p:txBody>
+      </p:sp>
+      <p:sp>
+        <p:nvSpPr>
+          <p:cNvPr id="5" name="Espace réservé du pied de page 4">
+            <a:extLst>
+              <a:ext uri="{FF2B5EF4-FFF2-40B4-BE49-F238E27FC236}">
+                <a16:creationId xmlns:a16="http://schemas.microsoft.com/office/drawing/2014/main" id="{E75C31F4-0182-ED79-928B-0DE07ADECB80}"/>
+              </a:ext>
+            </a:extLst>
+          </p:cNvPr>
+          <p:cNvSpPr>
+            <a:spLocks noGrp="1"/>
+          </p:cNvSpPr>
+          <p:nvPr>
+            <p:ph type="ftr" sz="quarter" idx="11"/>
+          </p:nvPr>
+        </p:nvSpPr>
+        <p:spPr>
+          <a:xfrm>
+            <a:off x="3810000" y="6492876"/>
+            <a:ext cx="4800600" cy="365124"/>
+          </a:xfrm>
+        </p:spPr>
+        <p:txBody>
+          <a:bodyPr/>
+          <a:lstStyle/>
+          <a:p>
+            <a:pPr algn="l"/>
+            <a:r>
+              <a:rPr lang="en-US" dirty="0"/>
+              <a:t>Delhomme Jean, </a:t>
+            </a:r>
+            <a:r>
+              <a:rPr lang="en-US" dirty="0" err="1"/>
+              <a:t>Lecourieux</a:t>
+            </a:r>
+            <a:r>
+              <a:rPr lang="en-US" dirty="0"/>
+              <a:t> Adriana, Rousseau Baptiste, </a:t>
+            </a:r>
+            <a:r>
+              <a:rPr lang="en-US" dirty="0" err="1"/>
+              <a:t>Graa</a:t>
+            </a:r>
+            <a:r>
+              <a:rPr lang="en-US" dirty="0"/>
+              <a:t> </a:t>
+            </a:r>
+            <a:r>
+              <a:rPr lang="en-US" dirty="0" err="1"/>
+              <a:t>Maha</a:t>
+            </a:r>
+            <a:endParaRPr lang="en-US" dirty="0"/>
           </a:p>
         </p:txBody>
       </p:sp>
@@ -7448,96 +7459,277 @@
       </p:cxnSp>
       <p:sp>
         <p:nvSpPr>
-          <p:cNvPr id="7" name="Espace réservé de la date 3">
-            <a:extLst>
-              <a:ext uri="{FF2B5EF4-FFF2-40B4-BE49-F238E27FC236}">
-                <a16:creationId xmlns:a16="http://schemas.microsoft.com/office/drawing/2014/main" id="{BD1F5D23-48BC-19F9-810F-A0B09C9ADC90}"/>
-              </a:ext>
-            </a:extLst>
-          </p:cNvPr>
-          <p:cNvSpPr>
-            <a:spLocks noGrp="1"/>
-          </p:cNvSpPr>
-          <p:nvPr>
-            <p:ph type="dt" sz="half" idx="10"/>
-          </p:nvPr>
-        </p:nvSpPr>
-        <p:spPr>
-          <a:xfrm>
-            <a:off x="838200" y="6489520"/>
-            <a:ext cx="2743200" cy="365125"/>
-          </a:xfrm>
-        </p:spPr>
-        <p:txBody>
-          <a:bodyPr/>
-          <a:lstStyle/>
-          <a:p>
-            <a:r>
-              <a:rPr lang="fr-FR" dirty="0"/>
-              <a:t>12/10/2022</a:t>
-            </a:r>
-          </a:p>
-        </p:txBody>
-      </p:sp>
-      <p:sp>
-        <p:nvSpPr>
-          <p:cNvPr id="9" name="Espace réservé du pied de page 4">
-            <a:extLst>
-              <a:ext uri="{FF2B5EF4-FFF2-40B4-BE49-F238E27FC236}">
-                <a16:creationId xmlns:a16="http://schemas.microsoft.com/office/drawing/2014/main" id="{CA83BE7A-1BE0-5C40-21DB-5F919EDCC997}"/>
-              </a:ext>
-            </a:extLst>
-          </p:cNvPr>
-          <p:cNvSpPr>
-            <a:spLocks noGrp="1"/>
-          </p:cNvSpPr>
-          <p:nvPr>
-            <p:ph type="ftr" sz="quarter" idx="11"/>
-          </p:nvPr>
-        </p:nvSpPr>
-        <p:spPr>
-          <a:xfrm>
-            <a:off x="3810000" y="6492876"/>
-            <a:ext cx="4800600" cy="365124"/>
-          </a:xfrm>
-        </p:spPr>
-        <p:txBody>
-          <a:bodyPr/>
-          <a:lstStyle/>
-          <a:p>
-            <a:pPr algn="l"/>
-            <a:r>
-              <a:rPr lang="en-US" dirty="0"/>
-              <a:t>Delhomme Jean, </a:t>
-            </a:r>
-            <a:r>
-              <a:rPr lang="en-US" dirty="0" err="1"/>
-              <a:t>Lecourieux</a:t>
-            </a:r>
-            <a:r>
-              <a:rPr lang="en-US" dirty="0"/>
-              <a:t> Adriana, Rousseau Baptiste, </a:t>
-            </a:r>
-            <a:r>
-              <a:rPr lang="en-US" dirty="0" err="1"/>
-              <a:t>Graa</a:t>
-            </a:r>
-            <a:r>
-              <a:rPr lang="en-US" dirty="0"/>
-              <a:t> </a:t>
-            </a:r>
-            <a:r>
-              <a:rPr lang="en-US" dirty="0" err="1"/>
-              <a:t>Maha</a:t>
-            </a:r>
-            <a:endParaRPr lang="en-US" dirty="0"/>
+          <p:cNvPr id="25" name="Espace réservé du contenu 2">
+            <a:extLst>
+              <a:ext uri="{FF2B5EF4-FFF2-40B4-BE49-F238E27FC236}">
+                <a16:creationId xmlns:a16="http://schemas.microsoft.com/office/drawing/2014/main" id="{57CB1EB0-7288-3F4E-B1CC-99784B654109}"/>
+              </a:ext>
+            </a:extLst>
+          </p:cNvPr>
+          <p:cNvSpPr txBox="1">
+            <a:spLocks/>
+          </p:cNvSpPr>
+          <p:nvPr/>
+        </p:nvSpPr>
+        <p:spPr>
+          <a:xfrm>
+            <a:off x="231320" y="1006054"/>
+            <a:ext cx="11824556" cy="5300591"/>
+          </a:xfrm>
+          <a:prstGeom prst="rect">
+            <a:avLst/>
+          </a:prstGeom>
+        </p:spPr>
+        <p:txBody>
+          <a:bodyPr vert="horz" lIns="91440" tIns="45720" rIns="91440" bIns="45720" rtlCol="0">
+            <a:normAutofit/>
+          </a:bodyPr>
+          <a:lstStyle>
+            <a:lvl1pPr marL="228600" indent="-228600" algn="l" defTabSz="914400" rtl="0" eaLnBrk="1" latinLnBrk="0" hangingPunct="1">
+              <a:lnSpc>
+                <a:spcPct val="90000"/>
+              </a:lnSpc>
+              <a:spcBef>
+                <a:spcPts val="1000"/>
+              </a:spcBef>
+              <a:buFont typeface="Arial" panose="020B0604020202020204" pitchFamily="34" charset="0"/>
+              <a:buChar char="•"/>
+              <a:defRPr sz="2800" kern="1200">
+                <a:solidFill>
+                  <a:schemeClr val="tx1"/>
+                </a:solidFill>
+                <a:latin typeface="+mn-lt"/>
+                <a:ea typeface="+mn-ea"/>
+                <a:cs typeface="+mn-cs"/>
+              </a:defRPr>
+            </a:lvl1pPr>
+            <a:lvl2pPr marL="685800" indent="-228600" algn="l" defTabSz="914400" rtl="0" eaLnBrk="1" latinLnBrk="0" hangingPunct="1">
+              <a:lnSpc>
+                <a:spcPct val="90000"/>
+              </a:lnSpc>
+              <a:spcBef>
+                <a:spcPts val="500"/>
+              </a:spcBef>
+              <a:buFont typeface="Arial" panose="020B0604020202020204" pitchFamily="34" charset="0"/>
+              <a:buChar char="•"/>
+              <a:defRPr sz="2400" kern="1200">
+                <a:solidFill>
+                  <a:schemeClr val="tx1"/>
+                </a:solidFill>
+                <a:latin typeface="+mn-lt"/>
+                <a:ea typeface="+mn-ea"/>
+                <a:cs typeface="+mn-cs"/>
+              </a:defRPr>
+            </a:lvl2pPr>
+            <a:lvl3pPr marL="1143000" indent="-228600" algn="l" defTabSz="914400" rtl="0" eaLnBrk="1" latinLnBrk="0" hangingPunct="1">
+              <a:lnSpc>
+                <a:spcPct val="90000"/>
+              </a:lnSpc>
+              <a:spcBef>
+                <a:spcPts val="500"/>
+              </a:spcBef>
+              <a:buFont typeface="Arial" panose="020B0604020202020204" pitchFamily="34" charset="0"/>
+              <a:buChar char="•"/>
+              <a:defRPr sz="2000" kern="1200">
+                <a:solidFill>
+                  <a:schemeClr val="tx1"/>
+                </a:solidFill>
+                <a:latin typeface="+mn-lt"/>
+                <a:ea typeface="+mn-ea"/>
+                <a:cs typeface="+mn-cs"/>
+              </a:defRPr>
+            </a:lvl3pPr>
+            <a:lvl4pPr marL="1600200" indent="-228600" algn="l" defTabSz="914400" rtl="0" eaLnBrk="1" latinLnBrk="0" hangingPunct="1">
+              <a:lnSpc>
+                <a:spcPct val="90000"/>
+              </a:lnSpc>
+              <a:spcBef>
+                <a:spcPts val="500"/>
+              </a:spcBef>
+              <a:buFont typeface="Arial" panose="020B0604020202020204" pitchFamily="34" charset="0"/>
+              <a:buChar char="•"/>
+              <a:defRPr sz="1800" kern="1200">
+                <a:solidFill>
+                  <a:schemeClr val="tx1"/>
+                </a:solidFill>
+                <a:latin typeface="+mn-lt"/>
+                <a:ea typeface="+mn-ea"/>
+                <a:cs typeface="+mn-cs"/>
+              </a:defRPr>
+            </a:lvl4pPr>
+            <a:lvl5pPr marL="2057400" indent="-228600" algn="l" defTabSz="914400" rtl="0" eaLnBrk="1" latinLnBrk="0" hangingPunct="1">
+              <a:lnSpc>
+                <a:spcPct val="90000"/>
+              </a:lnSpc>
+              <a:spcBef>
+                <a:spcPts val="500"/>
+              </a:spcBef>
+              <a:buFont typeface="Arial" panose="020B0604020202020204" pitchFamily="34" charset="0"/>
+              <a:buChar char="•"/>
+              <a:defRPr sz="1800" kern="1200">
+                <a:solidFill>
+                  <a:schemeClr val="tx1"/>
+                </a:solidFill>
+                <a:latin typeface="+mn-lt"/>
+                <a:ea typeface="+mn-ea"/>
+                <a:cs typeface="+mn-cs"/>
+              </a:defRPr>
+            </a:lvl5pPr>
+            <a:lvl6pPr marL="2514600" indent="-228600" algn="l" defTabSz="914400" rtl="0" eaLnBrk="1" latinLnBrk="0" hangingPunct="1">
+              <a:lnSpc>
+                <a:spcPct val="90000"/>
+              </a:lnSpc>
+              <a:spcBef>
+                <a:spcPts val="500"/>
+              </a:spcBef>
+              <a:buFont typeface="Arial" panose="020B0604020202020204" pitchFamily="34" charset="0"/>
+              <a:buChar char="•"/>
+              <a:defRPr sz="1800" kern="1200">
+                <a:solidFill>
+                  <a:schemeClr val="tx1"/>
+                </a:solidFill>
+                <a:latin typeface="+mn-lt"/>
+                <a:ea typeface="+mn-ea"/>
+                <a:cs typeface="+mn-cs"/>
+              </a:defRPr>
+            </a:lvl6pPr>
+            <a:lvl7pPr marL="2971800" indent="-228600" algn="l" defTabSz="914400" rtl="0" eaLnBrk="1" latinLnBrk="0" hangingPunct="1">
+              <a:lnSpc>
+                <a:spcPct val="90000"/>
+              </a:lnSpc>
+              <a:spcBef>
+                <a:spcPts val="500"/>
+              </a:spcBef>
+              <a:buFont typeface="Arial" panose="020B0604020202020204" pitchFamily="34" charset="0"/>
+              <a:buChar char="•"/>
+              <a:defRPr sz="1800" kern="1200">
+                <a:solidFill>
+                  <a:schemeClr val="tx1"/>
+                </a:solidFill>
+                <a:latin typeface="+mn-lt"/>
+                <a:ea typeface="+mn-ea"/>
+                <a:cs typeface="+mn-cs"/>
+              </a:defRPr>
+            </a:lvl7pPr>
+            <a:lvl8pPr marL="3429000" indent="-228600" algn="l" defTabSz="914400" rtl="0" eaLnBrk="1" latinLnBrk="0" hangingPunct="1">
+              <a:lnSpc>
+                <a:spcPct val="90000"/>
+              </a:lnSpc>
+              <a:spcBef>
+                <a:spcPts val="500"/>
+              </a:spcBef>
+              <a:buFont typeface="Arial" panose="020B0604020202020204" pitchFamily="34" charset="0"/>
+              <a:buChar char="•"/>
+              <a:defRPr sz="1800" kern="1200">
+                <a:solidFill>
+                  <a:schemeClr val="tx1"/>
+                </a:solidFill>
+                <a:latin typeface="+mn-lt"/>
+                <a:ea typeface="+mn-ea"/>
+                <a:cs typeface="+mn-cs"/>
+              </a:defRPr>
+            </a:lvl8pPr>
+            <a:lvl9pPr marL="3886200" indent="-228600" algn="l" defTabSz="914400" rtl="0" eaLnBrk="1" latinLnBrk="0" hangingPunct="1">
+              <a:lnSpc>
+                <a:spcPct val="90000"/>
+              </a:lnSpc>
+              <a:spcBef>
+                <a:spcPts val="500"/>
+              </a:spcBef>
+              <a:buFont typeface="Arial" panose="020B0604020202020204" pitchFamily="34" charset="0"/>
+              <a:buChar char="•"/>
+              <a:defRPr sz="1800" kern="1200">
+                <a:solidFill>
+                  <a:schemeClr val="tx1"/>
+                </a:solidFill>
+                <a:latin typeface="+mn-lt"/>
+                <a:ea typeface="+mn-ea"/>
+                <a:cs typeface="+mn-cs"/>
+              </a:defRPr>
+            </a:lvl9pPr>
+          </a:lstStyle>
+          <a:p>
+            <a:pPr marL="0" indent="0">
+              <a:buNone/>
+            </a:pPr>
+            <a:r>
+              <a:rPr lang="fr-FR" dirty="0">
+                <a:latin typeface="Arial" panose="020B0604020202020204" pitchFamily="34" charset="0"/>
+                <a:cs typeface="Arial" panose="020B0604020202020204" pitchFamily="34" charset="0"/>
+              </a:rPr>
+              <a:t>- Faire une première analyse combinée DIABLO en incluant les gènes, protéines et le groupe</a:t>
+            </a:r>
+          </a:p>
+          <a:p>
+            <a:pPr marL="0" indent="0">
+              <a:buNone/>
+            </a:pPr>
+            <a:r>
+              <a:rPr lang="fr-FR" dirty="0">
+                <a:latin typeface="Arial" panose="020B0604020202020204" pitchFamily="34" charset="0"/>
+                <a:cs typeface="Arial" panose="020B0604020202020204" pitchFamily="34" charset="0"/>
+              </a:rPr>
+              <a:t>- Faire une seconde analyse en ajoutant le 3ième bloc</a:t>
+            </a:r>
+          </a:p>
+          <a:p>
+            <a:pPr marL="0" indent="0">
+              <a:buNone/>
+            </a:pPr>
+            <a:r>
+              <a:rPr lang="fr-FR" dirty="0">
+                <a:latin typeface="Arial" panose="020B0604020202020204" pitchFamily="34" charset="0"/>
+                <a:cs typeface="Arial" panose="020B0604020202020204" pitchFamily="34" charset="0"/>
+              </a:rPr>
+              <a:t>- Optimiser le modèle (</a:t>
+            </a:r>
+            <a:r>
+              <a:rPr lang="fr-FR" dirty="0" err="1">
+                <a:latin typeface="Arial" panose="020B0604020202020204" pitchFamily="34" charset="0"/>
+                <a:cs typeface="Arial" panose="020B0604020202020204" pitchFamily="34" charset="0"/>
+              </a:rPr>
+              <a:t>ncomp</a:t>
+            </a:r>
+            <a:r>
+              <a:rPr lang="fr-FR" dirty="0">
+                <a:latin typeface="Arial" panose="020B0604020202020204" pitchFamily="34" charset="0"/>
+                <a:cs typeface="Arial" panose="020B0604020202020204" pitchFamily="34" charset="0"/>
+              </a:rPr>
+              <a:t> et </a:t>
+            </a:r>
+            <a:r>
+              <a:rPr lang="fr-FR" dirty="0" err="1">
+                <a:latin typeface="Arial" panose="020B0604020202020204" pitchFamily="34" charset="0"/>
+                <a:cs typeface="Arial" panose="020B0604020202020204" pitchFamily="34" charset="0"/>
+              </a:rPr>
+              <a:t>keepX</a:t>
+            </a:r>
+            <a:r>
+              <a:rPr lang="fr-FR" dirty="0">
+                <a:latin typeface="Arial" panose="020B0604020202020204" pitchFamily="34" charset="0"/>
+                <a:cs typeface="Arial" panose="020B0604020202020204" pitchFamily="34" charset="0"/>
+              </a:rPr>
+              <a:t>)</a:t>
+            </a:r>
+          </a:p>
+          <a:p>
+            <a:pPr marL="0" indent="0">
+              <a:buNone/>
+            </a:pPr>
+            <a:r>
+              <a:rPr lang="fr-FR" dirty="0">
+                <a:latin typeface="Arial" panose="020B0604020202020204" pitchFamily="34" charset="0"/>
+                <a:cs typeface="Arial" panose="020B0604020202020204" pitchFamily="34" charset="0"/>
+              </a:rPr>
+              <a:t>- Présentez circos plot et network plot de votre modèle final</a:t>
+            </a:r>
           </a:p>
         </p:txBody>
       </p:sp>
     </p:spTree>
     <p:extLst>
       <p:ext uri="{BB962C8B-B14F-4D97-AF65-F5344CB8AC3E}">
-        <p14:creationId xmlns:p14="http://schemas.microsoft.com/office/powerpoint/2010/main" val="2542114768"/>
+        <p14:creationId xmlns:p14="http://schemas.microsoft.com/office/powerpoint/2010/main" val="3990027015"/>
       </p:ext>
     </p:extLst>
   </p:cSld>
@@ -7582,7 +7774,7 @@
         </p:nvSpPr>
         <p:spPr>
           <a:xfrm>
-            <a:off x="145740" y="118307"/>
+            <a:off x="145740" y="117877"/>
             <a:ext cx="11137778" cy="691318"/>
           </a:xfrm>
         </p:spPr>
@@ -7597,100 +7789,141 @@
                 <a:latin typeface="Arial" panose="020B0604020202020204" pitchFamily="34" charset="0"/>
                 <a:cs typeface="Arial" panose="020B0604020202020204" pitchFamily="34" charset="0"/>
               </a:rPr>
-              <a:t>3.1.	Mise en réseau – Réseaux de régulation de gène</a:t>
-            </a:r>
-            <a:endParaRPr lang="fr-FR" sz="3200" b="1" baseline="30000" dirty="0">
+              <a:t>Sommaire</a:t>
+            </a:r>
+          </a:p>
+        </p:txBody>
+      </p:sp>
+      <p:sp>
+        <p:nvSpPr>
+          <p:cNvPr id="3" name="Espace réservé du contenu 2">
+            <a:extLst>
+              <a:ext uri="{FF2B5EF4-FFF2-40B4-BE49-F238E27FC236}">
+                <a16:creationId xmlns:a16="http://schemas.microsoft.com/office/drawing/2014/main" id="{7D811F63-52EF-83B1-E13C-148915CEDEC3}"/>
+              </a:ext>
+            </a:extLst>
+          </p:cNvPr>
+          <p:cNvSpPr>
+            <a:spLocks noGrp="1"/>
+          </p:cNvSpPr>
+          <p:nvPr>
+            <p:ph idx="1"/>
+          </p:nvPr>
+        </p:nvSpPr>
+        <p:spPr>
+          <a:xfrm>
+            <a:off x="1353106" y="964491"/>
+            <a:ext cx="9380000" cy="5498453"/>
+          </a:xfrm>
+        </p:spPr>
+        <p:txBody>
+          <a:bodyPr anchor="ctr">
+            <a:normAutofit/>
+          </a:bodyPr>
+          <a:lstStyle/>
+          <a:p>
+            <a:pPr marL="514350" indent="-514350">
+              <a:buAutoNum type="arabicPeriod"/>
+            </a:pPr>
+            <a:r>
+              <a:rPr lang="fr-FR" sz="3200" dirty="0">
+                <a:latin typeface="Arial" panose="020B0604020202020204" pitchFamily="34" charset="0"/>
+                <a:cs typeface="Arial" panose="020B0604020202020204" pitchFamily="34" charset="0"/>
+              </a:rPr>
+              <a:t>Analyse préliminaire</a:t>
+            </a:r>
+          </a:p>
+          <a:p>
+            <a:pPr marL="514350" indent="-514350">
+              <a:buAutoNum type="arabicPeriod"/>
+            </a:pPr>
+            <a:endParaRPr lang="fr-FR" sz="3200" dirty="0">
               <a:latin typeface="Arial" panose="020B0604020202020204" pitchFamily="34" charset="0"/>
               <a:cs typeface="Arial" panose="020B0604020202020204" pitchFamily="34" charset="0"/>
             </a:endParaRPr>
           </a:p>
-        </p:txBody>
-      </p:sp>
-      <p:sp>
-        <p:nvSpPr>
-          <p:cNvPr id="4" name="Espace réservé de la date 3">
-            <a:extLst>
-              <a:ext uri="{FF2B5EF4-FFF2-40B4-BE49-F238E27FC236}">
-                <a16:creationId xmlns:a16="http://schemas.microsoft.com/office/drawing/2014/main" id="{F181D9E9-DC4C-4780-75B9-9F6317E5BD1A}"/>
-              </a:ext>
-            </a:extLst>
-          </p:cNvPr>
-          <p:cNvSpPr>
-            <a:spLocks noGrp="1"/>
-          </p:cNvSpPr>
-          <p:nvPr>
-            <p:ph type="dt" sz="half" idx="10"/>
-          </p:nvPr>
-        </p:nvSpPr>
-        <p:spPr>
-          <a:xfrm>
-            <a:off x="838200" y="6489520"/>
-            <a:ext cx="2743200" cy="365125"/>
-          </a:xfrm>
-        </p:spPr>
-        <p:txBody>
-          <a:bodyPr/>
-          <a:lstStyle/>
-          <a:p>
-            <a:r>
-              <a:rPr lang="fr-FR" dirty="0"/>
-              <a:t>12/10/2022</a:t>
-            </a:r>
-          </a:p>
-        </p:txBody>
-      </p:sp>
-      <p:sp>
-        <p:nvSpPr>
-          <p:cNvPr id="5" name="Espace réservé du pied de page 4">
-            <a:extLst>
-              <a:ext uri="{FF2B5EF4-FFF2-40B4-BE49-F238E27FC236}">
-                <a16:creationId xmlns:a16="http://schemas.microsoft.com/office/drawing/2014/main" id="{E75C31F4-0182-ED79-928B-0DE07ADECB80}"/>
-              </a:ext>
-            </a:extLst>
-          </p:cNvPr>
-          <p:cNvSpPr>
-            <a:spLocks noGrp="1"/>
-          </p:cNvSpPr>
-          <p:nvPr>
-            <p:ph type="ftr" sz="quarter" idx="11"/>
-          </p:nvPr>
-        </p:nvSpPr>
-        <p:spPr>
-          <a:xfrm>
-            <a:off x="3810000" y="6492876"/>
-            <a:ext cx="4800600" cy="365124"/>
-          </a:xfrm>
-        </p:spPr>
-        <p:txBody>
-          <a:bodyPr/>
-          <a:lstStyle/>
-          <a:p>
-            <a:pPr algn="l"/>
-            <a:r>
-              <a:rPr lang="en-US" dirty="0"/>
-              <a:t>Delhomme Jean, </a:t>
-            </a:r>
-            <a:r>
-              <a:rPr lang="en-US" dirty="0" err="1"/>
-              <a:t>Lecourieux</a:t>
-            </a:r>
-            <a:r>
-              <a:rPr lang="en-US" dirty="0"/>
-              <a:t> Adriana, Rousseau Baptiste, </a:t>
-            </a:r>
-            <a:r>
-              <a:rPr lang="en-US" dirty="0" err="1"/>
-              <a:t>Graa</a:t>
-            </a:r>
-            <a:r>
-              <a:rPr lang="en-US" dirty="0"/>
-              <a:t> </a:t>
-            </a:r>
-            <a:r>
-              <a:rPr lang="en-US" dirty="0" err="1"/>
-              <a:t>Maha</a:t>
-            </a:r>
-            <a:endParaRPr lang="en-US" dirty="0"/>
+          <a:p>
+            <a:pPr marL="514350" indent="-514350">
+              <a:buAutoNum type="arabicPeriod"/>
+            </a:pPr>
+            <a:r>
+              <a:rPr lang="fr-FR" sz="3200" dirty="0">
+                <a:latin typeface="Arial" panose="020B0604020202020204" pitchFamily="34" charset="0"/>
+                <a:cs typeface="Arial" panose="020B0604020202020204" pitchFamily="34" charset="0"/>
+              </a:rPr>
+              <a:t>Analyse d’intégration</a:t>
+            </a:r>
+          </a:p>
+          <a:p>
+            <a:pPr marL="514350" indent="-514350">
+              <a:buAutoNum type="arabicPeriod"/>
+            </a:pPr>
+            <a:endParaRPr lang="fr-FR" sz="3200" dirty="0">
+              <a:latin typeface="Arial" panose="020B0604020202020204" pitchFamily="34" charset="0"/>
+              <a:cs typeface="Arial" panose="020B0604020202020204" pitchFamily="34" charset="0"/>
+            </a:endParaRPr>
+          </a:p>
+          <a:p>
+            <a:pPr marL="514350" indent="-514350">
+              <a:buAutoNum type="arabicPeriod"/>
+            </a:pPr>
+            <a:r>
+              <a:rPr lang="fr-FR" sz="3200" dirty="0">
+                <a:solidFill>
+                  <a:srgbClr val="8B1538"/>
+                </a:solidFill>
+                <a:latin typeface="Arial" panose="020B0604020202020204" pitchFamily="34" charset="0"/>
+                <a:cs typeface="Arial" panose="020B0604020202020204" pitchFamily="34" charset="0"/>
+              </a:rPr>
+              <a:t>Mise en réseau</a:t>
+            </a:r>
+          </a:p>
+          <a:p>
+            <a:pPr marL="971550" lvl="1" indent="-514350">
+              <a:buAutoNum type="arabicPeriod"/>
+            </a:pPr>
+            <a:r>
+              <a:rPr lang="fr-FR" sz="2800" dirty="0">
+                <a:latin typeface="Arial" panose="020B0604020202020204" pitchFamily="34" charset="0"/>
+                <a:cs typeface="Arial" panose="020B0604020202020204" pitchFamily="34" charset="0"/>
+              </a:rPr>
+              <a:t>Réseaux de régulation de gène</a:t>
+            </a:r>
+          </a:p>
+          <a:p>
+            <a:pPr marL="971550" lvl="1" indent="-514350">
+              <a:buAutoNum type="arabicPeriod"/>
+            </a:pPr>
+            <a:r>
+              <a:rPr lang="fr-FR" sz="2800" dirty="0">
+                <a:latin typeface="Arial" panose="020B0604020202020204" pitchFamily="34" charset="0"/>
+                <a:cs typeface="Arial" panose="020B0604020202020204" pitchFamily="34" charset="0"/>
+              </a:rPr>
+              <a:t>Réseaux PPI</a:t>
+            </a:r>
+          </a:p>
+          <a:p>
+            <a:pPr marL="971550" lvl="1" indent="-514350">
+              <a:buAutoNum type="arabicPeriod"/>
+            </a:pPr>
+            <a:r>
+              <a:rPr lang="fr-FR" sz="2800" dirty="0">
+                <a:latin typeface="Arial" panose="020B0604020202020204" pitchFamily="34" charset="0"/>
+                <a:cs typeface="Arial" panose="020B0604020202020204" pitchFamily="34" charset="0"/>
+              </a:rPr>
+              <a:t>Connection gène-</a:t>
+            </a:r>
+            <a:r>
+              <a:rPr lang="fr-FR" sz="2800" dirty="0" err="1">
+                <a:latin typeface="Arial" panose="020B0604020202020204" pitchFamily="34" charset="0"/>
+                <a:cs typeface="Arial" panose="020B0604020202020204" pitchFamily="34" charset="0"/>
+              </a:rPr>
+              <a:t>prot</a:t>
+            </a:r>
+            <a:endParaRPr lang="fr-FR" sz="2800" dirty="0">
+              <a:latin typeface="Arial" panose="020B0604020202020204" pitchFamily="34" charset="0"/>
+              <a:cs typeface="Arial" panose="020B0604020202020204" pitchFamily="34" charset="0"/>
+            </a:endParaRPr>
           </a:p>
         </p:txBody>
       </p:sp>
@@ -7818,288 +8051,96 @@
       </p:cxnSp>
       <p:sp>
         <p:nvSpPr>
-          <p:cNvPr id="25" name="Espace réservé du contenu 2">
-            <a:extLst>
-              <a:ext uri="{FF2B5EF4-FFF2-40B4-BE49-F238E27FC236}">
-                <a16:creationId xmlns:a16="http://schemas.microsoft.com/office/drawing/2014/main" id="{57CB1EB0-7288-3F4E-B1CC-99784B654109}"/>
-              </a:ext>
-            </a:extLst>
-          </p:cNvPr>
-          <p:cNvSpPr txBox="1">
-            <a:spLocks/>
-          </p:cNvSpPr>
-          <p:nvPr/>
-        </p:nvSpPr>
-        <p:spPr>
-          <a:xfrm>
-            <a:off x="231320" y="1006054"/>
-            <a:ext cx="11824556" cy="5300591"/>
-          </a:xfrm>
-          <a:prstGeom prst="rect">
-            <a:avLst/>
-          </a:prstGeom>
-        </p:spPr>
-        <p:txBody>
-          <a:bodyPr vert="horz" lIns="91440" tIns="45720" rIns="91440" bIns="45720" rtlCol="0">
-            <a:normAutofit/>
-          </a:bodyPr>
-          <a:lstStyle>
-            <a:lvl1pPr marL="228600" indent="-228600" algn="l" defTabSz="914400" rtl="0" eaLnBrk="1" latinLnBrk="0" hangingPunct="1">
-              <a:lnSpc>
-                <a:spcPct val="90000"/>
-              </a:lnSpc>
-              <a:spcBef>
-                <a:spcPts val="1000"/>
-              </a:spcBef>
-              <a:buFont typeface="Arial" panose="020B0604020202020204" pitchFamily="34" charset="0"/>
-              <a:buChar char="•"/>
-              <a:defRPr sz="2800" kern="1200">
-                <a:solidFill>
-                  <a:schemeClr val="tx1"/>
-                </a:solidFill>
-                <a:latin typeface="+mn-lt"/>
-                <a:ea typeface="+mn-ea"/>
-                <a:cs typeface="+mn-cs"/>
-              </a:defRPr>
-            </a:lvl1pPr>
-            <a:lvl2pPr marL="685800" indent="-228600" algn="l" defTabSz="914400" rtl="0" eaLnBrk="1" latinLnBrk="0" hangingPunct="1">
-              <a:lnSpc>
-                <a:spcPct val="90000"/>
-              </a:lnSpc>
-              <a:spcBef>
-                <a:spcPts val="500"/>
-              </a:spcBef>
-              <a:buFont typeface="Arial" panose="020B0604020202020204" pitchFamily="34" charset="0"/>
-              <a:buChar char="•"/>
-              <a:defRPr sz="2400" kern="1200">
-                <a:solidFill>
-                  <a:schemeClr val="tx1"/>
-                </a:solidFill>
-                <a:latin typeface="+mn-lt"/>
-                <a:ea typeface="+mn-ea"/>
-                <a:cs typeface="+mn-cs"/>
-              </a:defRPr>
-            </a:lvl2pPr>
-            <a:lvl3pPr marL="1143000" indent="-228600" algn="l" defTabSz="914400" rtl="0" eaLnBrk="1" latinLnBrk="0" hangingPunct="1">
-              <a:lnSpc>
-                <a:spcPct val="90000"/>
-              </a:lnSpc>
-              <a:spcBef>
-                <a:spcPts val="500"/>
-              </a:spcBef>
-              <a:buFont typeface="Arial" panose="020B0604020202020204" pitchFamily="34" charset="0"/>
-              <a:buChar char="•"/>
-              <a:defRPr sz="2000" kern="1200">
-                <a:solidFill>
-                  <a:schemeClr val="tx1"/>
-                </a:solidFill>
-                <a:latin typeface="+mn-lt"/>
-                <a:ea typeface="+mn-ea"/>
-                <a:cs typeface="+mn-cs"/>
-              </a:defRPr>
-            </a:lvl3pPr>
-            <a:lvl4pPr marL="1600200" indent="-228600" algn="l" defTabSz="914400" rtl="0" eaLnBrk="1" latinLnBrk="0" hangingPunct="1">
-              <a:lnSpc>
-                <a:spcPct val="90000"/>
-              </a:lnSpc>
-              <a:spcBef>
-                <a:spcPts val="500"/>
-              </a:spcBef>
-              <a:buFont typeface="Arial" panose="020B0604020202020204" pitchFamily="34" charset="0"/>
-              <a:buChar char="•"/>
-              <a:defRPr sz="1800" kern="1200">
-                <a:solidFill>
-                  <a:schemeClr val="tx1"/>
-                </a:solidFill>
-                <a:latin typeface="+mn-lt"/>
-                <a:ea typeface="+mn-ea"/>
-                <a:cs typeface="+mn-cs"/>
-              </a:defRPr>
-            </a:lvl4pPr>
-            <a:lvl5pPr marL="2057400" indent="-228600" algn="l" defTabSz="914400" rtl="0" eaLnBrk="1" latinLnBrk="0" hangingPunct="1">
-              <a:lnSpc>
-                <a:spcPct val="90000"/>
-              </a:lnSpc>
-              <a:spcBef>
-                <a:spcPts val="500"/>
-              </a:spcBef>
-              <a:buFont typeface="Arial" panose="020B0604020202020204" pitchFamily="34" charset="0"/>
-              <a:buChar char="•"/>
-              <a:defRPr sz="1800" kern="1200">
-                <a:solidFill>
-                  <a:schemeClr val="tx1"/>
-                </a:solidFill>
-                <a:latin typeface="+mn-lt"/>
-                <a:ea typeface="+mn-ea"/>
-                <a:cs typeface="+mn-cs"/>
-              </a:defRPr>
-            </a:lvl5pPr>
-            <a:lvl6pPr marL="2514600" indent="-228600" algn="l" defTabSz="914400" rtl="0" eaLnBrk="1" latinLnBrk="0" hangingPunct="1">
-              <a:lnSpc>
-                <a:spcPct val="90000"/>
-              </a:lnSpc>
-              <a:spcBef>
-                <a:spcPts val="500"/>
-              </a:spcBef>
-              <a:buFont typeface="Arial" panose="020B0604020202020204" pitchFamily="34" charset="0"/>
-              <a:buChar char="•"/>
-              <a:defRPr sz="1800" kern="1200">
-                <a:solidFill>
-                  <a:schemeClr val="tx1"/>
-                </a:solidFill>
-                <a:latin typeface="+mn-lt"/>
-                <a:ea typeface="+mn-ea"/>
-                <a:cs typeface="+mn-cs"/>
-              </a:defRPr>
-            </a:lvl6pPr>
-            <a:lvl7pPr marL="2971800" indent="-228600" algn="l" defTabSz="914400" rtl="0" eaLnBrk="1" latinLnBrk="0" hangingPunct="1">
-              <a:lnSpc>
-                <a:spcPct val="90000"/>
-              </a:lnSpc>
-              <a:spcBef>
-                <a:spcPts val="500"/>
-              </a:spcBef>
-              <a:buFont typeface="Arial" panose="020B0604020202020204" pitchFamily="34" charset="0"/>
-              <a:buChar char="•"/>
-              <a:defRPr sz="1800" kern="1200">
-                <a:solidFill>
-                  <a:schemeClr val="tx1"/>
-                </a:solidFill>
-                <a:latin typeface="+mn-lt"/>
-                <a:ea typeface="+mn-ea"/>
-                <a:cs typeface="+mn-cs"/>
-              </a:defRPr>
-            </a:lvl7pPr>
-            <a:lvl8pPr marL="3429000" indent="-228600" algn="l" defTabSz="914400" rtl="0" eaLnBrk="1" latinLnBrk="0" hangingPunct="1">
-              <a:lnSpc>
-                <a:spcPct val="90000"/>
-              </a:lnSpc>
-              <a:spcBef>
-                <a:spcPts val="500"/>
-              </a:spcBef>
-              <a:buFont typeface="Arial" panose="020B0604020202020204" pitchFamily="34" charset="0"/>
-              <a:buChar char="•"/>
-              <a:defRPr sz="1800" kern="1200">
-                <a:solidFill>
-                  <a:schemeClr val="tx1"/>
-                </a:solidFill>
-                <a:latin typeface="+mn-lt"/>
-                <a:ea typeface="+mn-ea"/>
-                <a:cs typeface="+mn-cs"/>
-              </a:defRPr>
-            </a:lvl8pPr>
-            <a:lvl9pPr marL="3886200" indent="-228600" algn="l" defTabSz="914400" rtl="0" eaLnBrk="1" latinLnBrk="0" hangingPunct="1">
-              <a:lnSpc>
-                <a:spcPct val="90000"/>
-              </a:lnSpc>
-              <a:spcBef>
-                <a:spcPts val="500"/>
-              </a:spcBef>
-              <a:buFont typeface="Arial" panose="020B0604020202020204" pitchFamily="34" charset="0"/>
-              <a:buChar char="•"/>
-              <a:defRPr sz="1800" kern="1200">
-                <a:solidFill>
-                  <a:schemeClr val="tx1"/>
-                </a:solidFill>
-                <a:latin typeface="+mn-lt"/>
-                <a:ea typeface="+mn-ea"/>
-                <a:cs typeface="+mn-cs"/>
-              </a:defRPr>
-            </a:lvl9pPr>
-          </a:lstStyle>
-          <a:p>
-            <a:pPr marL="0" indent="0">
-              <a:buNone/>
-            </a:pPr>
-            <a:r>
-              <a:rPr lang="fr-FR" dirty="0">
-                <a:latin typeface="Arial" panose="020B0604020202020204" pitchFamily="34" charset="0"/>
-                <a:cs typeface="Arial" panose="020B0604020202020204" pitchFamily="34" charset="0"/>
-              </a:rPr>
-              <a:t>- A partir des gènes filtrés, construisez un GRN avec </a:t>
-            </a:r>
-            <a:r>
-              <a:rPr lang="fr-FR" dirty="0" err="1">
-                <a:latin typeface="Arial" panose="020B0604020202020204" pitchFamily="34" charset="0"/>
-                <a:cs typeface="Arial" panose="020B0604020202020204" pitchFamily="34" charset="0"/>
-              </a:rPr>
-              <a:t>netOmics</a:t>
-            </a:r>
-            <a:endParaRPr lang="fr-FR" dirty="0">
-              <a:latin typeface="Arial" panose="020B0604020202020204" pitchFamily="34" charset="0"/>
-              <a:cs typeface="Arial" panose="020B0604020202020204" pitchFamily="34" charset="0"/>
-            </a:endParaRPr>
-          </a:p>
-          <a:p>
-            <a:pPr marL="0" indent="0">
-              <a:buNone/>
-            </a:pPr>
-            <a:r>
-              <a:rPr lang="fr-FR" dirty="0">
-                <a:latin typeface="Arial" panose="020B0604020202020204" pitchFamily="34" charset="0"/>
-                <a:cs typeface="Arial" panose="020B0604020202020204" pitchFamily="34" charset="0"/>
-              </a:rPr>
-              <a:t>- Combien y a-t-il de </a:t>
-            </a:r>
-            <a:r>
-              <a:rPr lang="fr-FR" dirty="0" err="1">
-                <a:latin typeface="Arial" panose="020B0604020202020204" pitchFamily="34" charset="0"/>
-                <a:cs typeface="Arial" panose="020B0604020202020204" pitchFamily="34" charset="0"/>
-              </a:rPr>
-              <a:t>noeuds</a:t>
-            </a:r>
-            <a:r>
-              <a:rPr lang="fr-FR" dirty="0">
-                <a:latin typeface="Arial" panose="020B0604020202020204" pitchFamily="34" charset="0"/>
-                <a:cs typeface="Arial" panose="020B0604020202020204" pitchFamily="34" charset="0"/>
-              </a:rPr>
-              <a:t>, arête, </a:t>
-            </a:r>
-            <a:r>
-              <a:rPr lang="fr-FR" dirty="0" err="1">
-                <a:latin typeface="Arial" panose="020B0604020202020204" pitchFamily="34" charset="0"/>
-                <a:cs typeface="Arial" panose="020B0604020202020204" pitchFamily="34" charset="0"/>
-              </a:rPr>
-              <a:t>noeuds</a:t>
-            </a:r>
-            <a:r>
-              <a:rPr lang="fr-FR" dirty="0">
-                <a:latin typeface="Arial" panose="020B0604020202020204" pitchFamily="34" charset="0"/>
-                <a:cs typeface="Arial" panose="020B0604020202020204" pitchFamily="34" charset="0"/>
-              </a:rPr>
-              <a:t> déconnectés</a:t>
-            </a:r>
-          </a:p>
-          <a:p>
-            <a:pPr marL="0" indent="0">
-              <a:buNone/>
-            </a:pPr>
-            <a:r>
-              <a:rPr lang="fr-FR" dirty="0">
-                <a:latin typeface="Arial" panose="020B0604020202020204" pitchFamily="34" charset="0"/>
-                <a:cs typeface="Arial" panose="020B0604020202020204" pitchFamily="34" charset="0"/>
-              </a:rPr>
-              <a:t>- Affichez distribution des degrés</a:t>
-            </a:r>
-          </a:p>
-          <a:p>
-            <a:pPr marL="0" indent="0">
-              <a:buNone/>
-            </a:pPr>
-            <a:r>
-              <a:rPr lang="fr-FR" dirty="0">
-                <a:latin typeface="Arial" panose="020B0604020202020204" pitchFamily="34" charset="0"/>
-                <a:cs typeface="Arial" panose="020B0604020202020204" pitchFamily="34" charset="0"/>
-              </a:rPr>
-              <a:t>- Quel gène est le plus connecté ?</a:t>
-            </a:r>
+          <p:cNvPr id="7" name="Espace réservé de la date 3">
+            <a:extLst>
+              <a:ext uri="{FF2B5EF4-FFF2-40B4-BE49-F238E27FC236}">
+                <a16:creationId xmlns:a16="http://schemas.microsoft.com/office/drawing/2014/main" id="{BD1F5D23-48BC-19F9-810F-A0B09C9ADC90}"/>
+              </a:ext>
+            </a:extLst>
+          </p:cNvPr>
+          <p:cNvSpPr>
+            <a:spLocks noGrp="1"/>
+          </p:cNvSpPr>
+          <p:nvPr>
+            <p:ph type="dt" sz="half" idx="10"/>
+          </p:nvPr>
+        </p:nvSpPr>
+        <p:spPr>
+          <a:xfrm>
+            <a:off x="838200" y="6489520"/>
+            <a:ext cx="2743200" cy="365125"/>
+          </a:xfrm>
+        </p:spPr>
+        <p:txBody>
+          <a:bodyPr/>
+          <a:lstStyle/>
+          <a:p>
+            <a:r>
+              <a:rPr lang="fr-FR" dirty="0"/>
+              <a:t>12/10/2022</a:t>
+            </a:r>
+          </a:p>
+        </p:txBody>
+      </p:sp>
+      <p:sp>
+        <p:nvSpPr>
+          <p:cNvPr id="9" name="Espace réservé du pied de page 4">
+            <a:extLst>
+              <a:ext uri="{FF2B5EF4-FFF2-40B4-BE49-F238E27FC236}">
+                <a16:creationId xmlns:a16="http://schemas.microsoft.com/office/drawing/2014/main" id="{CA83BE7A-1BE0-5C40-21DB-5F919EDCC997}"/>
+              </a:ext>
+            </a:extLst>
+          </p:cNvPr>
+          <p:cNvSpPr>
+            <a:spLocks noGrp="1"/>
+          </p:cNvSpPr>
+          <p:nvPr>
+            <p:ph type="ftr" sz="quarter" idx="11"/>
+          </p:nvPr>
+        </p:nvSpPr>
+        <p:spPr>
+          <a:xfrm>
+            <a:off x="3810000" y="6492876"/>
+            <a:ext cx="4800600" cy="365124"/>
+          </a:xfrm>
+        </p:spPr>
+        <p:txBody>
+          <a:bodyPr/>
+          <a:lstStyle/>
+          <a:p>
+            <a:pPr algn="l"/>
+            <a:r>
+              <a:rPr lang="en-US" dirty="0"/>
+              <a:t>Delhomme Jean, </a:t>
+            </a:r>
+            <a:r>
+              <a:rPr lang="en-US" dirty="0" err="1"/>
+              <a:t>Lecourieux</a:t>
+            </a:r>
+            <a:r>
+              <a:rPr lang="en-US" dirty="0"/>
+              <a:t> Adriana, Rousseau Baptiste, </a:t>
+            </a:r>
+            <a:r>
+              <a:rPr lang="en-US" dirty="0" err="1"/>
+              <a:t>Graa</a:t>
+            </a:r>
+            <a:r>
+              <a:rPr lang="en-US" dirty="0"/>
+              <a:t> </a:t>
+            </a:r>
+            <a:r>
+              <a:rPr lang="en-US" dirty="0" err="1"/>
+              <a:t>Maha</a:t>
+            </a:r>
+            <a:endParaRPr lang="en-US" dirty="0"/>
           </a:p>
         </p:txBody>
       </p:sp>
     </p:spTree>
     <p:extLst>
       <p:ext uri="{BB962C8B-B14F-4D97-AF65-F5344CB8AC3E}">
-        <p14:creationId xmlns:p14="http://schemas.microsoft.com/office/powerpoint/2010/main" val="2203163960"/>
+        <p14:creationId xmlns:p14="http://schemas.microsoft.com/office/powerpoint/2010/main" val="2542114768"/>
       </p:ext>
     </p:extLst>
   </p:cSld>
@@ -8159,7 +8200,7 @@
                 <a:latin typeface="Arial" panose="020B0604020202020204" pitchFamily="34" charset="0"/>
                 <a:cs typeface="Arial" panose="020B0604020202020204" pitchFamily="34" charset="0"/>
               </a:rPr>
-              <a:t>3.2.	Mise en réseau – Réseaux PPI</a:t>
+              <a:t>3.1.	Mise en réseau – Réseaux de régulation de gène</a:t>
             </a:r>
             <a:endParaRPr lang="fr-FR" sz="3200" b="1" baseline="30000" dirty="0">
               <a:latin typeface="Arial" panose="020B0604020202020204" pitchFamily="34" charset="0"/>
@@ -8578,22 +8619,19 @@
                 <a:latin typeface="Arial" panose="020B0604020202020204" pitchFamily="34" charset="0"/>
                 <a:cs typeface="Arial" panose="020B0604020202020204" pitchFamily="34" charset="0"/>
               </a:rPr>
-              <a:t>- A l’aide de l’objet R contenant des informations PPI issues de </a:t>
+              <a:t>- A partir des gènes filtrés, construisez un GRN avec </a:t>
             </a:r>
             <a:r>
               <a:rPr lang="fr-FR" dirty="0" err="1">
                 <a:latin typeface="Arial" panose="020B0604020202020204" pitchFamily="34" charset="0"/>
                 <a:cs typeface="Arial" panose="020B0604020202020204" pitchFamily="34" charset="0"/>
               </a:rPr>
-              <a:t>BioGRID</a:t>
-            </a:r>
-            <a:r>
-              <a:rPr lang="fr-FR" dirty="0">
-                <a:latin typeface="Arial" panose="020B0604020202020204" pitchFamily="34" charset="0"/>
-                <a:cs typeface="Arial" panose="020B0604020202020204" pitchFamily="34" charset="0"/>
-              </a:rPr>
-              <a:t> créer un réseau PPI avec</a:t>
-            </a:r>
+              <a:t>netOmics</a:t>
+            </a:r>
+            <a:endParaRPr lang="fr-FR" dirty="0">
+              <a:latin typeface="Arial" panose="020B0604020202020204" pitchFamily="34" charset="0"/>
+              <a:cs typeface="Arial" panose="020B0604020202020204" pitchFamily="34" charset="0"/>
+            </a:endParaRPr>
           </a:p>
           <a:p>
             <a:pPr marL="0" indent="0">
@@ -8604,21 +8642,35 @@
                 <a:latin typeface="Arial" panose="020B0604020202020204" pitchFamily="34" charset="0"/>
                 <a:cs typeface="Arial" panose="020B0604020202020204" pitchFamily="34" charset="0"/>
               </a:rPr>
-              <a:t>seulement les protéines issues de votre </a:t>
+              <a:t>- Combien y a-t-il de </a:t>
             </a:r>
             <a:r>
               <a:rPr lang="fr-FR" dirty="0" err="1">
                 <a:latin typeface="Arial" panose="020B0604020202020204" pitchFamily="34" charset="0"/>
                 <a:cs typeface="Arial" panose="020B0604020202020204" pitchFamily="34" charset="0"/>
               </a:rPr>
-              <a:t>dataset</a:t>
+              <a:t>noeuds</a:t>
             </a:r>
             <a:r>
               <a:rPr lang="fr-FR" dirty="0">
                 <a:latin typeface="Arial" panose="020B0604020202020204" pitchFamily="34" charset="0"/>
                 <a:cs typeface="Arial" panose="020B0604020202020204" pitchFamily="34" charset="0"/>
               </a:rPr>
-              <a:t>.</a:t>
+              <a:t>, arête, </a:t>
+            </a:r>
+            <a:r>
+              <a:rPr lang="fr-FR" dirty="0" err="1">
+                <a:latin typeface="Arial" panose="020B0604020202020204" pitchFamily="34" charset="0"/>
+                <a:cs typeface="Arial" panose="020B0604020202020204" pitchFamily="34" charset="0"/>
+              </a:rPr>
+              <a:t>noeuds</a:t>
+            </a:r>
+            <a:r>
+              <a:rPr lang="fr-FR" dirty="0">
+                <a:latin typeface="Arial" panose="020B0604020202020204" pitchFamily="34" charset="0"/>
+                <a:cs typeface="Arial" panose="020B0604020202020204" pitchFamily="34" charset="0"/>
+              </a:rPr>
+              <a:t> déconnectés</a:t>
             </a:r>
           </a:p>
           <a:p>
@@ -8630,35 +8682,7 @@
                 <a:latin typeface="Arial" panose="020B0604020202020204" pitchFamily="34" charset="0"/>
                 <a:cs typeface="Arial" panose="020B0604020202020204" pitchFamily="34" charset="0"/>
               </a:rPr>
-              <a:t>- Combien y a-t-il de </a:t>
-            </a:r>
-            <a:r>
-              <a:rPr lang="fr-FR" dirty="0" err="1">
-                <a:latin typeface="Arial" panose="020B0604020202020204" pitchFamily="34" charset="0"/>
-                <a:cs typeface="Arial" panose="020B0604020202020204" pitchFamily="34" charset="0"/>
-              </a:rPr>
-              <a:t>noeuds</a:t>
-            </a:r>
-            <a:r>
-              <a:rPr lang="fr-FR" dirty="0">
-                <a:latin typeface="Arial" panose="020B0604020202020204" pitchFamily="34" charset="0"/>
-                <a:cs typeface="Arial" panose="020B0604020202020204" pitchFamily="34" charset="0"/>
-              </a:rPr>
-              <a:t>, arête, </a:t>
-            </a:r>
-            <a:r>
-              <a:rPr lang="fr-FR" dirty="0" err="1">
-                <a:latin typeface="Arial" panose="020B0604020202020204" pitchFamily="34" charset="0"/>
-                <a:cs typeface="Arial" panose="020B0604020202020204" pitchFamily="34" charset="0"/>
-              </a:rPr>
-              <a:t>noeuds</a:t>
-            </a:r>
-            <a:r>
-              <a:rPr lang="fr-FR" dirty="0">
-                <a:latin typeface="Arial" panose="020B0604020202020204" pitchFamily="34" charset="0"/>
-                <a:cs typeface="Arial" panose="020B0604020202020204" pitchFamily="34" charset="0"/>
-              </a:rPr>
-              <a:t> déconnectés</a:t>
+              <a:t>- Affichez distribution des degrés</a:t>
             </a:r>
           </a:p>
           <a:p>
@@ -8670,19 +8694,7 @@
                 <a:latin typeface="Arial" panose="020B0604020202020204" pitchFamily="34" charset="0"/>
                 <a:cs typeface="Arial" panose="020B0604020202020204" pitchFamily="34" charset="0"/>
               </a:rPr>
-              <a:t>- Affichez distribution des degrés</a:t>
-            </a:r>
-          </a:p>
-          <a:p>
-            <a:pPr marL="0" indent="0">
-              <a:buNone/>
-            </a:pPr>
-            <a:r>
-              <a:rPr lang="fr-FR" dirty="0">
-                <a:latin typeface="Arial" panose="020B0604020202020204" pitchFamily="34" charset="0"/>
-                <a:cs typeface="Arial" panose="020B0604020202020204" pitchFamily="34" charset="0"/>
-              </a:rPr>
-              <a:t>- Quelle protéine est la plus connectée ?</a:t>
+              <a:t>- Quel gène est le plus connecté ?</a:t>
             </a:r>
           </a:p>
         </p:txBody>
@@ -8690,7 +8702,7 @@
     </p:spTree>
     <p:extLst>
       <p:ext uri="{BB962C8B-B14F-4D97-AF65-F5344CB8AC3E}">
-        <p14:creationId xmlns:p14="http://schemas.microsoft.com/office/powerpoint/2010/main" val="1604260450"/>
+        <p14:creationId xmlns:p14="http://schemas.microsoft.com/office/powerpoint/2010/main" val="2203163960"/>
       </p:ext>
     </p:extLst>
   </p:cSld>
@@ -8750,14 +8762,7 @@
                 <a:latin typeface="Arial" panose="020B0604020202020204" pitchFamily="34" charset="0"/>
                 <a:cs typeface="Arial" panose="020B0604020202020204" pitchFamily="34" charset="0"/>
               </a:rPr>
-              <a:t>3.3.	Mise en réseau – Connection gène-</a:t>
-            </a:r>
-            <a:r>
-              <a:rPr lang="fr-FR" sz="3200" b="1" dirty="0" err="1">
-                <a:latin typeface="Arial" panose="020B0604020202020204" pitchFamily="34" charset="0"/>
-                <a:cs typeface="Arial" panose="020B0604020202020204" pitchFamily="34" charset="0"/>
-              </a:rPr>
-              <a:t>prot</a:t>
+              <a:t>3.2.	Mise en réseau – Réseaux PPI</a:t>
             </a:r>
             <a:endParaRPr lang="fr-FR" sz="3200" b="1" baseline="30000" dirty="0">
               <a:latin typeface="Arial" panose="020B0604020202020204" pitchFamily="34" charset="0"/>
@@ -9176,35 +9181,21 @@
                 <a:latin typeface="Arial" panose="020B0604020202020204" pitchFamily="34" charset="0"/>
                 <a:cs typeface="Arial" panose="020B0604020202020204" pitchFamily="34" charset="0"/>
               </a:rPr>
-              <a:t>Pour connecter le sous réseau gène avec le sous réseau protéine, vous devez utiliser à la fois l’information gène - </a:t>
+              <a:t>- A l’aide de l’objet R contenant des informations PPI issues de </a:t>
             </a:r>
             <a:r>
               <a:rPr lang="fr-FR" dirty="0" err="1">
                 <a:latin typeface="Arial" panose="020B0604020202020204" pitchFamily="34" charset="0"/>
                 <a:cs typeface="Arial" panose="020B0604020202020204" pitchFamily="34" charset="0"/>
               </a:rPr>
-              <a:t>protein</a:t>
+              <a:t>BioGRID</a:t>
             </a:r>
             <a:r>
               <a:rPr lang="fr-FR" dirty="0">
                 <a:latin typeface="Arial" panose="020B0604020202020204" pitchFamily="34" charset="0"/>
                 <a:cs typeface="Arial" panose="020B0604020202020204" pitchFamily="34" charset="0"/>
               </a:rPr>
-              <a:t> </a:t>
-            </a:r>
-            <a:r>
-              <a:rPr lang="fr-FR" dirty="0" err="1">
-                <a:latin typeface="Arial" panose="020B0604020202020204" pitchFamily="34" charset="0"/>
-                <a:cs typeface="Arial" panose="020B0604020202020204" pitchFamily="34" charset="0"/>
-              </a:rPr>
-              <a:t>coding</a:t>
-            </a:r>
-            <a:r>
-              <a:rPr lang="fr-FR" dirty="0">
-                <a:latin typeface="Arial" panose="020B0604020202020204" pitchFamily="34" charset="0"/>
-                <a:cs typeface="Arial" panose="020B0604020202020204" pitchFamily="34" charset="0"/>
-              </a:rPr>
-              <a:t> pour l’information de traduction mais aussi l’information TF -&gt; gène.</a:t>
+              <a:t> créer un réseau PPI avec</a:t>
             </a:r>
           </a:p>
           <a:p>
@@ -9216,7 +9207,21 @@
                 <a:latin typeface="Arial" panose="020B0604020202020204" pitchFamily="34" charset="0"/>
                 <a:cs typeface="Arial" panose="020B0604020202020204" pitchFamily="34" charset="0"/>
               </a:rPr>
-              <a:t>- Décrivez votre réseau.</a:t>
+              <a:t>seulement les protéines issues de votre </a:t>
+            </a:r>
+            <a:r>
+              <a:rPr lang="fr-FR" dirty="0" err="1">
+                <a:latin typeface="Arial" panose="020B0604020202020204" pitchFamily="34" charset="0"/>
+                <a:cs typeface="Arial" panose="020B0604020202020204" pitchFamily="34" charset="0"/>
+              </a:rPr>
+              <a:t>dataset</a:t>
+            </a:r>
+            <a:r>
+              <a:rPr lang="fr-FR" dirty="0">
+                <a:latin typeface="Arial" panose="020B0604020202020204" pitchFamily="34" charset="0"/>
+                <a:cs typeface="Arial" panose="020B0604020202020204" pitchFamily="34" charset="0"/>
+              </a:rPr>
+              <a:t>.</a:t>
             </a:r>
           </a:p>
           <a:p>
@@ -9228,7 +9233,35 @@
                 <a:latin typeface="Arial" panose="020B0604020202020204" pitchFamily="34" charset="0"/>
                 <a:cs typeface="Arial" panose="020B0604020202020204" pitchFamily="34" charset="0"/>
               </a:rPr>
-              <a:t>- Combien de liens TF-gène et gène-protéine recensez-vous ?</a:t>
+              <a:t>- Combien y a-t-il de </a:t>
+            </a:r>
+            <a:r>
+              <a:rPr lang="fr-FR" dirty="0" err="1">
+                <a:latin typeface="Arial" panose="020B0604020202020204" pitchFamily="34" charset="0"/>
+                <a:cs typeface="Arial" panose="020B0604020202020204" pitchFamily="34" charset="0"/>
+              </a:rPr>
+              <a:t>noeuds</a:t>
+            </a:r>
+            <a:r>
+              <a:rPr lang="fr-FR" dirty="0">
+                <a:latin typeface="Arial" panose="020B0604020202020204" pitchFamily="34" charset="0"/>
+                <a:cs typeface="Arial" panose="020B0604020202020204" pitchFamily="34" charset="0"/>
+              </a:rPr>
+              <a:t>, arête, </a:t>
+            </a:r>
+            <a:r>
+              <a:rPr lang="fr-FR" dirty="0" err="1">
+                <a:latin typeface="Arial" panose="020B0604020202020204" pitchFamily="34" charset="0"/>
+                <a:cs typeface="Arial" panose="020B0604020202020204" pitchFamily="34" charset="0"/>
+              </a:rPr>
+              <a:t>noeuds</a:t>
+            </a:r>
+            <a:r>
+              <a:rPr lang="fr-FR" dirty="0">
+                <a:latin typeface="Arial" panose="020B0604020202020204" pitchFamily="34" charset="0"/>
+                <a:cs typeface="Arial" panose="020B0604020202020204" pitchFamily="34" charset="0"/>
+              </a:rPr>
+              <a:t> déconnectés</a:t>
             </a:r>
           </a:p>
           <a:p>
@@ -9240,7 +9273,7 @@
                 <a:latin typeface="Arial" panose="020B0604020202020204" pitchFamily="34" charset="0"/>
                 <a:cs typeface="Arial" panose="020B0604020202020204" pitchFamily="34" charset="0"/>
               </a:rPr>
-              <a:t>- Faire une analyse de modularité, présentez les résultats</a:t>
+              <a:t>- Affichez distribution des degrés</a:t>
             </a:r>
           </a:p>
           <a:p>
@@ -9252,89 +9285,7 @@
                 <a:latin typeface="Arial" panose="020B0604020202020204" pitchFamily="34" charset="0"/>
                 <a:cs typeface="Arial" panose="020B0604020202020204" pitchFamily="34" charset="0"/>
               </a:rPr>
-              <a:t>- A partir du </a:t>
-            </a:r>
-            <a:r>
-              <a:rPr lang="fr-FR" dirty="0" err="1">
-                <a:latin typeface="Arial" panose="020B0604020202020204" pitchFamily="34" charset="0"/>
-                <a:cs typeface="Arial" panose="020B0604020202020204" pitchFamily="34" charset="0"/>
-              </a:rPr>
-              <a:t>noeud</a:t>
-            </a:r>
-            <a:r>
-              <a:rPr lang="fr-FR" dirty="0">
-                <a:latin typeface="Arial" panose="020B0604020202020204" pitchFamily="34" charset="0"/>
-                <a:cs typeface="Arial" panose="020B0604020202020204" pitchFamily="34" charset="0"/>
-              </a:rPr>
-              <a:t> </a:t>
-            </a:r>
-            <a:r>
-              <a:rPr lang="fr-FR" dirty="0" err="1">
-                <a:latin typeface="Arial" panose="020B0604020202020204" pitchFamily="34" charset="0"/>
-                <a:cs typeface="Arial" panose="020B0604020202020204" pitchFamily="34" charset="0"/>
-              </a:rPr>
-              <a:t>chosi</a:t>
-            </a:r>
-            <a:r>
-              <a:rPr lang="fr-FR" dirty="0">
-                <a:latin typeface="Arial" panose="020B0604020202020204" pitchFamily="34" charset="0"/>
-                <a:cs typeface="Arial" panose="020B0604020202020204" pitchFamily="34" charset="0"/>
-              </a:rPr>
-              <a:t> avec soin, réalisez une analyse par </a:t>
-            </a:r>
-            <a:r>
-              <a:rPr lang="fr-FR" dirty="0" err="1">
-                <a:latin typeface="Arial" panose="020B0604020202020204" pitchFamily="34" charset="0"/>
-                <a:cs typeface="Arial" panose="020B0604020202020204" pitchFamily="34" charset="0"/>
-              </a:rPr>
-              <a:t>random</a:t>
-            </a:r>
-            <a:r>
-              <a:rPr lang="fr-FR" dirty="0">
-                <a:latin typeface="Arial" panose="020B0604020202020204" pitchFamily="34" charset="0"/>
-                <a:cs typeface="Arial" panose="020B0604020202020204" pitchFamily="34" charset="0"/>
-              </a:rPr>
-              <a:t> </a:t>
-            </a:r>
-            <a:r>
-              <a:rPr lang="fr-FR" dirty="0" err="1">
-                <a:latin typeface="Arial" panose="020B0604020202020204" pitchFamily="34" charset="0"/>
-                <a:cs typeface="Arial" panose="020B0604020202020204" pitchFamily="34" charset="0"/>
-              </a:rPr>
-              <a:t>walk</a:t>
-            </a:r>
-            <a:r>
-              <a:rPr lang="fr-FR" dirty="0">
-                <a:latin typeface="Arial" panose="020B0604020202020204" pitchFamily="34" charset="0"/>
-                <a:cs typeface="Arial" panose="020B0604020202020204" pitchFamily="34" charset="0"/>
-              </a:rPr>
-              <a:t>, justifiez le choix de la </a:t>
-            </a:r>
-            <a:r>
-              <a:rPr lang="fr-FR" dirty="0" err="1">
-                <a:latin typeface="Arial" panose="020B0604020202020204" pitchFamily="34" charset="0"/>
-                <a:cs typeface="Arial" panose="020B0604020202020204" pitchFamily="34" charset="0"/>
-              </a:rPr>
-              <a:t>seed</a:t>
-            </a:r>
-            <a:r>
-              <a:rPr lang="fr-FR" dirty="0">
-                <a:latin typeface="Arial" panose="020B0604020202020204" pitchFamily="34" charset="0"/>
-                <a:cs typeface="Arial" panose="020B0604020202020204" pitchFamily="34" charset="0"/>
-              </a:rPr>
-              <a:t>, présentez les résultats.</a:t>
-            </a:r>
-          </a:p>
-          <a:p>
-            <a:pPr marL="0" indent="0">
-              <a:buNone/>
-            </a:pPr>
-            <a:r>
-              <a:rPr lang="fr-FR" dirty="0">
-                <a:latin typeface="Arial" panose="020B0604020202020204" pitchFamily="34" charset="0"/>
-                <a:cs typeface="Arial" panose="020B0604020202020204" pitchFamily="34" charset="0"/>
-              </a:rPr>
-              <a:t>- Réalisez une analyse d’enrichissement sur les données</a:t>
+              <a:t>- Quelle protéine est la plus connectée ?</a:t>
             </a:r>
           </a:p>
         </p:txBody>
@@ -9342,7 +9293,7 @@
     </p:spTree>
     <p:extLst>
       <p:ext uri="{BB962C8B-B14F-4D97-AF65-F5344CB8AC3E}">
-        <p14:creationId xmlns:p14="http://schemas.microsoft.com/office/powerpoint/2010/main" val="3156516260"/>
+        <p14:creationId xmlns:p14="http://schemas.microsoft.com/office/powerpoint/2010/main" val="1604260450"/>
       </p:ext>
     </p:extLst>
   </p:cSld>
@@ -9939,12 +9890,111 @@
           <a:lstStyle/>
           <a:p>
             <a:r>
-              <a:rPr lang="en-US" sz="3200" b="1" dirty="0">
-                <a:latin typeface="Arial" panose="020B0604020202020204" pitchFamily="34" charset="0"/>
-                <a:cs typeface="Arial" panose="020B0604020202020204" pitchFamily="34" charset="0"/>
-              </a:rPr>
-              <a:t>Conclusion</a:t>
-            </a:r>
+              <a:rPr lang="fr-FR" sz="3200" b="1" dirty="0">
+                <a:latin typeface="Arial" panose="020B0604020202020204" pitchFamily="34" charset="0"/>
+                <a:cs typeface="Arial" panose="020B0604020202020204" pitchFamily="34" charset="0"/>
+              </a:rPr>
+              <a:t>3.3.	Mise en réseau – Connection gène-</a:t>
+            </a:r>
+            <a:r>
+              <a:rPr lang="fr-FR" sz="3200" b="1" dirty="0" err="1">
+                <a:latin typeface="Arial" panose="020B0604020202020204" pitchFamily="34" charset="0"/>
+                <a:cs typeface="Arial" panose="020B0604020202020204" pitchFamily="34" charset="0"/>
+              </a:rPr>
+              <a:t>prot</a:t>
+            </a:r>
+            <a:endParaRPr lang="fr-FR" sz="3200" b="1" baseline="30000" dirty="0">
+              <a:latin typeface="Arial" panose="020B0604020202020204" pitchFamily="34" charset="0"/>
+              <a:cs typeface="Arial" panose="020B0604020202020204" pitchFamily="34" charset="0"/>
+            </a:endParaRPr>
+          </a:p>
+        </p:txBody>
+      </p:sp>
+      <p:sp>
+        <p:nvSpPr>
+          <p:cNvPr id="4" name="Espace réservé de la date 3">
+            <a:extLst>
+              <a:ext uri="{FF2B5EF4-FFF2-40B4-BE49-F238E27FC236}">
+                <a16:creationId xmlns:a16="http://schemas.microsoft.com/office/drawing/2014/main" id="{F181D9E9-DC4C-4780-75B9-9F6317E5BD1A}"/>
+              </a:ext>
+            </a:extLst>
+          </p:cNvPr>
+          <p:cNvSpPr>
+            <a:spLocks noGrp="1"/>
+          </p:cNvSpPr>
+          <p:nvPr>
+            <p:ph type="dt" sz="half" idx="10"/>
+          </p:nvPr>
+        </p:nvSpPr>
+        <p:spPr>
+          <a:xfrm>
+            <a:off x="838200" y="6489520"/>
+            <a:ext cx="2743200" cy="365125"/>
+          </a:xfrm>
+        </p:spPr>
+        <p:txBody>
+          <a:bodyPr/>
+          <a:lstStyle/>
+          <a:p>
+            <a:r>
+              <a:rPr lang="fr-FR" dirty="0"/>
+              <a:t>12/10/2022</a:t>
+            </a:r>
+          </a:p>
+        </p:txBody>
+      </p:sp>
+      <p:sp>
+        <p:nvSpPr>
+          <p:cNvPr id="5" name="Espace réservé du pied de page 4">
+            <a:extLst>
+              <a:ext uri="{FF2B5EF4-FFF2-40B4-BE49-F238E27FC236}">
+                <a16:creationId xmlns:a16="http://schemas.microsoft.com/office/drawing/2014/main" id="{E75C31F4-0182-ED79-928B-0DE07ADECB80}"/>
+              </a:ext>
+            </a:extLst>
+          </p:cNvPr>
+          <p:cNvSpPr>
+            <a:spLocks noGrp="1"/>
+          </p:cNvSpPr>
+          <p:nvPr>
+            <p:ph type="ftr" sz="quarter" idx="11"/>
+          </p:nvPr>
+        </p:nvSpPr>
+        <p:spPr>
+          <a:xfrm>
+            <a:off x="3810000" y="6492876"/>
+            <a:ext cx="4800600" cy="365124"/>
+          </a:xfrm>
+        </p:spPr>
+        <p:txBody>
+          <a:bodyPr/>
+          <a:lstStyle/>
+          <a:p>
+            <a:pPr algn="l"/>
+            <a:r>
+              <a:rPr lang="en-US" dirty="0"/>
+              <a:t>Delhomme Jean, </a:t>
+            </a:r>
+            <a:r>
+              <a:rPr lang="en-US" dirty="0" err="1"/>
+              <a:t>Lecourieux</a:t>
+            </a:r>
+            <a:r>
+              <a:rPr lang="en-US" dirty="0"/>
+              <a:t> Adriana, Rousseau Baptiste, </a:t>
+            </a:r>
+            <a:r>
+              <a:rPr lang="en-US" dirty="0" err="1"/>
+              <a:t>Graa</a:t>
+            </a:r>
+            <a:r>
+              <a:rPr lang="en-US" dirty="0"/>
+              <a:t> </a:t>
+            </a:r>
+            <a:r>
+              <a:rPr lang="en-US" dirty="0" err="1"/>
+              <a:t>Maha</a:t>
+            </a:r>
+            <a:endParaRPr lang="en-US" dirty="0"/>
           </a:p>
         </p:txBody>
       </p:sp>
@@ -10072,98 +10122,10 @@
       </p:cxnSp>
       <p:sp>
         <p:nvSpPr>
-          <p:cNvPr id="3" name="Espace réservé de la date 3">
-            <a:extLst>
-              <a:ext uri="{FF2B5EF4-FFF2-40B4-BE49-F238E27FC236}">
-                <a16:creationId xmlns:a16="http://schemas.microsoft.com/office/drawing/2014/main" id="{00CC99EF-F5C1-BD43-1DFF-BCBA359F5E21}"/>
-              </a:ext>
-            </a:extLst>
-          </p:cNvPr>
-          <p:cNvSpPr>
-            <a:spLocks noGrp="1"/>
-          </p:cNvSpPr>
-          <p:nvPr>
-            <p:ph type="dt" sz="half" idx="10"/>
-          </p:nvPr>
-        </p:nvSpPr>
-        <p:spPr>
-          <a:xfrm>
-            <a:off x="838200" y="6489520"/>
-            <a:ext cx="2743200" cy="365125"/>
-          </a:xfrm>
-        </p:spPr>
-        <p:txBody>
-          <a:bodyPr/>
-          <a:lstStyle/>
-          <a:p>
-            <a:r>
-              <a:rPr lang="fr-FR" dirty="0"/>
-              <a:t>12/10/2022</a:t>
-            </a:r>
-          </a:p>
-        </p:txBody>
-      </p:sp>
-      <p:sp>
-        <p:nvSpPr>
-          <p:cNvPr id="7" name="Espace réservé du pied de page 4">
-            <a:extLst>
-              <a:ext uri="{FF2B5EF4-FFF2-40B4-BE49-F238E27FC236}">
-                <a16:creationId xmlns:a16="http://schemas.microsoft.com/office/drawing/2014/main" id="{69D56551-2494-9A74-75F6-47857596E832}"/>
-              </a:ext>
-            </a:extLst>
-          </p:cNvPr>
-          <p:cNvSpPr>
-            <a:spLocks noGrp="1"/>
-          </p:cNvSpPr>
-          <p:nvPr>
-            <p:ph type="ftr" sz="quarter" idx="11"/>
-          </p:nvPr>
-        </p:nvSpPr>
-        <p:spPr>
-          <a:xfrm>
-            <a:off x="3810000" y="6492876"/>
-            <a:ext cx="4800600" cy="365124"/>
-          </a:xfrm>
-        </p:spPr>
-        <p:txBody>
-          <a:bodyPr/>
-          <a:lstStyle/>
-          <a:p>
-            <a:pPr algn="l"/>
-            <a:r>
-              <a:rPr lang="en-US" dirty="0"/>
-              <a:t>Delhomme Jean, </a:t>
-            </a:r>
-            <a:r>
-              <a:rPr lang="en-US" dirty="0" err="1"/>
-              <a:t>Lecourieux</a:t>
-            </a:r>
-            <a:r>
-              <a:rPr lang="en-US" dirty="0"/>
-              <a:t> Adriana, Rousseau Baptiste, </a:t>
-            </a:r>
-            <a:r>
-              <a:rPr lang="en-US" dirty="0" err="1"/>
-              <a:t>Graa</a:t>
-            </a:r>
-            <a:r>
-              <a:rPr lang="en-US" dirty="0"/>
-              <a:t> </a:t>
-            </a:r>
-            <a:r>
-              <a:rPr lang="en-US" dirty="0" err="1"/>
-              <a:t>Maha</a:t>
-            </a:r>
-            <a:endParaRPr lang="en-US" dirty="0"/>
-          </a:p>
-        </p:txBody>
-      </p:sp>
-      <p:sp>
-        <p:nvSpPr>
-          <p:cNvPr id="9" name="Espace réservé du contenu 2">
-            <a:extLst>
-              <a:ext uri="{FF2B5EF4-FFF2-40B4-BE49-F238E27FC236}">
-                <a16:creationId xmlns:a16="http://schemas.microsoft.com/office/drawing/2014/main" id="{24661F3C-BD68-1889-C53B-A4CD91554EA7}"/>
+          <p:cNvPr id="25" name="Espace réservé du contenu 2">
+            <a:extLst>
+              <a:ext uri="{FF2B5EF4-FFF2-40B4-BE49-F238E27FC236}">
+                <a16:creationId xmlns:a16="http://schemas.microsoft.com/office/drawing/2014/main" id="{57CB1EB0-7288-3F4E-B1CC-99784B654109}"/>
               </a:ext>
             </a:extLst>
           </p:cNvPr>
@@ -10174,7 +10136,7 @@
         </p:nvSpPr>
         <p:spPr>
           <a:xfrm>
-            <a:off x="231320" y="1078238"/>
+            <a:off x="231320" y="1006054"/>
             <a:ext cx="11824556" cy="5300591"/>
           </a:xfrm>
           <a:prstGeom prst="rect">
@@ -10350,35 +10312,43 @@
             </a:lvl9pPr>
           </a:lstStyle>
           <a:p>
-            <a:pPr>
-              <a:buFontTx/>
-              <a:buChar char="-"/>
-            </a:pPr>
-            <a:r>
-              <a:rPr lang="fr-FR" dirty="0">
-                <a:latin typeface="Arial" panose="020B0604020202020204" pitchFamily="34" charset="0"/>
-                <a:cs typeface="Arial" panose="020B0604020202020204" pitchFamily="34" charset="0"/>
-              </a:rPr>
-              <a:t>Points forts et points faibles des outils</a:t>
-            </a:r>
-          </a:p>
-          <a:p>
             <a:pPr marL="0" indent="0">
               <a:buNone/>
             </a:pPr>
             <a:r>
+              <a:rPr lang="fr-FR" dirty="0">
+                <a:latin typeface="Arial" panose="020B0604020202020204" pitchFamily="34" charset="0"/>
+                <a:cs typeface="Arial" panose="020B0604020202020204" pitchFamily="34" charset="0"/>
+              </a:rPr>
+              <a:t>Pour connecter le sous réseau gène avec le sous réseau protéine, vous devez utiliser à la fois l’information gène - </a:t>
+            </a:r>
+            <a:r>
               <a:rPr lang="fr-FR" dirty="0" err="1">
                 <a:latin typeface="Arial" panose="020B0604020202020204" pitchFamily="34" charset="0"/>
                 <a:cs typeface="Arial" panose="020B0604020202020204" pitchFamily="34" charset="0"/>
               </a:rPr>
-              <a:t>mixOmics</a:t>
+              <a:t>protein</a:t>
             </a:r>
             <a:r>
               <a:rPr lang="fr-FR" dirty="0">
                 <a:latin typeface="Arial" panose="020B0604020202020204" pitchFamily="34" charset="0"/>
                 <a:cs typeface="Arial" panose="020B0604020202020204" pitchFamily="34" charset="0"/>
               </a:rPr>
-              <a:t> c’est top</a:t>
+              <a:t> </a:t>
+            </a:r>
+            <a:r>
+              <a:rPr lang="fr-FR" dirty="0" err="1">
+                <a:latin typeface="Arial" panose="020B0604020202020204" pitchFamily="34" charset="0"/>
+                <a:cs typeface="Arial" panose="020B0604020202020204" pitchFamily="34" charset="0"/>
+              </a:rPr>
+              <a:t>coding</a:t>
+            </a:r>
+            <a:r>
+              <a:rPr lang="fr-FR" dirty="0">
+                <a:latin typeface="Arial" panose="020B0604020202020204" pitchFamily="34" charset="0"/>
+                <a:cs typeface="Arial" panose="020B0604020202020204" pitchFamily="34" charset="0"/>
+              </a:rPr>
+              <a:t> pour l’information de traduction mais aussi l’information TF -&gt; gène.</a:t>
             </a:r>
           </a:p>
           <a:p>
@@ -10386,18 +10356,11 @@
               <a:buNone/>
             </a:pPr>
             <a:r>
-              <a:rPr lang="fr-FR" dirty="0" err="1">
-                <a:latin typeface="Arial" panose="020B0604020202020204" pitchFamily="34" charset="0"/>
-                <a:cs typeface="Arial" panose="020B0604020202020204" pitchFamily="34" charset="0"/>
-              </a:rPr>
-              <a:t>Mirtarbase</a:t>
-            </a:r>
-            <a:r>
               <a:rPr lang="fr-FR" dirty="0">
                 <a:latin typeface="Arial" panose="020B0604020202020204" pitchFamily="34" charset="0"/>
                 <a:cs typeface="Arial" panose="020B0604020202020204" pitchFamily="34" charset="0"/>
               </a:rPr>
-              <a:t> est nul et mal documenté (le site est mort)</a:t>
+              <a:t>- Décrivez votre réseau.</a:t>
             </a:r>
           </a:p>
           <a:p>
@@ -10405,73 +10368,117 @@
               <a:buNone/>
             </a:pPr>
             <a:r>
-              <a:rPr lang="fr-FR" dirty="0" err="1">
-                <a:latin typeface="Arial" panose="020B0604020202020204" pitchFamily="34" charset="0"/>
-                <a:cs typeface="Arial" panose="020B0604020202020204" pitchFamily="34" charset="0"/>
-              </a:rPr>
-              <a:t>MirdB</a:t>
-            </a:r>
-            <a:endParaRPr lang="fr-FR" dirty="0">
-              <a:latin typeface="Arial" panose="020B0604020202020204" pitchFamily="34" charset="0"/>
-              <a:cs typeface="Arial" panose="020B0604020202020204" pitchFamily="34" charset="0"/>
-            </a:endParaRPr>
+              <a:rPr lang="fr-FR" dirty="0">
+                <a:latin typeface="Arial" panose="020B0604020202020204" pitchFamily="34" charset="0"/>
+                <a:cs typeface="Arial" panose="020B0604020202020204" pitchFamily="34" charset="0"/>
+              </a:rPr>
+              <a:t>- Combien de liens TF-gène et gène-protéine recensez-vous ?</a:t>
+            </a:r>
           </a:p>
           <a:p>
             <a:pPr marL="0" indent="0">
               <a:buNone/>
             </a:pPr>
             <a:r>
-              <a:rPr lang="fr-FR" dirty="0" err="1">
-                <a:latin typeface="Arial" panose="020B0604020202020204" pitchFamily="34" charset="0"/>
-                <a:cs typeface="Arial" panose="020B0604020202020204" pitchFamily="34" charset="0"/>
-              </a:rPr>
-              <a:t>MirBase</a:t>
-            </a:r>
-            <a:endParaRPr lang="fr-FR" dirty="0">
-              <a:latin typeface="Arial" panose="020B0604020202020204" pitchFamily="34" charset="0"/>
-              <a:cs typeface="Arial" panose="020B0604020202020204" pitchFamily="34" charset="0"/>
-            </a:endParaRPr>
+              <a:rPr lang="fr-FR" dirty="0">
+                <a:latin typeface="Arial" panose="020B0604020202020204" pitchFamily="34" charset="0"/>
+                <a:cs typeface="Arial" panose="020B0604020202020204" pitchFamily="34" charset="0"/>
+              </a:rPr>
+              <a:t>- Faire une analyse de modularité, présentez les résultats</a:t>
+            </a:r>
           </a:p>
           <a:p>
             <a:pPr marL="0" indent="0">
               <a:buNone/>
             </a:pPr>
             <a:r>
+              <a:rPr lang="fr-FR" dirty="0">
+                <a:latin typeface="Arial" panose="020B0604020202020204" pitchFamily="34" charset="0"/>
+                <a:cs typeface="Arial" panose="020B0604020202020204" pitchFamily="34" charset="0"/>
+              </a:rPr>
+              <a:t>- A partir du </a:t>
+            </a:r>
+            <a:r>
               <a:rPr lang="fr-FR" dirty="0" err="1">
                 <a:latin typeface="Arial" panose="020B0604020202020204" pitchFamily="34" charset="0"/>
                 <a:cs typeface="Arial" panose="020B0604020202020204" pitchFamily="34" charset="0"/>
               </a:rPr>
-              <a:t>Tarbase</a:t>
-            </a:r>
-            <a:endParaRPr lang="fr-FR" dirty="0">
-              <a:latin typeface="Arial" panose="020B0604020202020204" pitchFamily="34" charset="0"/>
-              <a:cs typeface="Arial" panose="020B0604020202020204" pitchFamily="34" charset="0"/>
-            </a:endParaRPr>
-          </a:p>
-          <a:p>
-            <a:pPr>
-              <a:buFontTx/>
-              <a:buChar char="-"/>
+              <a:t>noeud</a:t>
+            </a:r>
+            <a:r>
+              <a:rPr lang="fr-FR" dirty="0">
+                <a:latin typeface="Arial" panose="020B0604020202020204" pitchFamily="34" charset="0"/>
+                <a:cs typeface="Arial" panose="020B0604020202020204" pitchFamily="34" charset="0"/>
+              </a:rPr>
+              <a:t> </a:t>
+            </a:r>
+            <a:r>
+              <a:rPr lang="fr-FR" dirty="0" err="1">
+                <a:latin typeface="Arial" panose="020B0604020202020204" pitchFamily="34" charset="0"/>
+                <a:cs typeface="Arial" panose="020B0604020202020204" pitchFamily="34" charset="0"/>
+              </a:rPr>
+              <a:t>chosi</a:t>
+            </a:r>
+            <a:r>
+              <a:rPr lang="fr-FR" dirty="0">
+                <a:latin typeface="Arial" panose="020B0604020202020204" pitchFamily="34" charset="0"/>
+                <a:cs typeface="Arial" panose="020B0604020202020204" pitchFamily="34" charset="0"/>
+              </a:rPr>
+              <a:t> avec soin, réalisez une analyse par </a:t>
+            </a:r>
+            <a:r>
+              <a:rPr lang="fr-FR" dirty="0" err="1">
+                <a:latin typeface="Arial" panose="020B0604020202020204" pitchFamily="34" charset="0"/>
+                <a:cs typeface="Arial" panose="020B0604020202020204" pitchFamily="34" charset="0"/>
+              </a:rPr>
+              <a:t>random</a:t>
+            </a:r>
+            <a:r>
+              <a:rPr lang="fr-FR" dirty="0">
+                <a:latin typeface="Arial" panose="020B0604020202020204" pitchFamily="34" charset="0"/>
+                <a:cs typeface="Arial" panose="020B0604020202020204" pitchFamily="34" charset="0"/>
+              </a:rPr>
+              <a:t> </a:t>
+            </a:r>
+            <a:r>
+              <a:rPr lang="fr-FR" dirty="0" err="1">
+                <a:latin typeface="Arial" panose="020B0604020202020204" pitchFamily="34" charset="0"/>
+                <a:cs typeface="Arial" panose="020B0604020202020204" pitchFamily="34" charset="0"/>
+              </a:rPr>
+              <a:t>walk</a:t>
+            </a:r>
+            <a:r>
+              <a:rPr lang="fr-FR" dirty="0">
+                <a:latin typeface="Arial" panose="020B0604020202020204" pitchFamily="34" charset="0"/>
+                <a:cs typeface="Arial" panose="020B0604020202020204" pitchFamily="34" charset="0"/>
+              </a:rPr>
+              <a:t>, justifiez le choix de la </a:t>
+            </a:r>
+            <a:r>
+              <a:rPr lang="fr-FR" dirty="0" err="1">
+                <a:latin typeface="Arial" panose="020B0604020202020204" pitchFamily="34" charset="0"/>
+                <a:cs typeface="Arial" panose="020B0604020202020204" pitchFamily="34" charset="0"/>
+              </a:rPr>
+              <a:t>seed</a:t>
+            </a:r>
+            <a:r>
+              <a:rPr lang="fr-FR" dirty="0">
+                <a:latin typeface="Arial" panose="020B0604020202020204" pitchFamily="34" charset="0"/>
+                <a:cs typeface="Arial" panose="020B0604020202020204" pitchFamily="34" charset="0"/>
+              </a:rPr>
+              <a:t>, présentez les résultats.</a:t>
+            </a:r>
+          </a:p>
+          <a:p>
+            <a:pPr marL="0" indent="0">
+              <a:buNone/>
             </a:pPr>
             <a:r>
               <a:rPr lang="fr-FR" dirty="0">
                 <a:latin typeface="Arial" panose="020B0604020202020204" pitchFamily="34" charset="0"/>
                 <a:cs typeface="Arial" panose="020B0604020202020204" pitchFamily="34" charset="0"/>
               </a:rPr>
-              <a:t>Difficultés rencontrées</a:t>
-            </a:r>
-          </a:p>
-          <a:p>
-            <a:pPr>
-              <a:buFontTx/>
-              <a:buChar char="-"/>
-            </a:pPr>
-            <a:r>
-              <a:rPr lang="fr-FR" dirty="0">
-                <a:latin typeface="Arial" panose="020B0604020202020204" pitchFamily="34" charset="0"/>
-                <a:cs typeface="Arial" panose="020B0604020202020204" pitchFamily="34" charset="0"/>
-              </a:rPr>
-              <a:t>Résumé des résultats</a:t>
+              <a:t>- Réalisez une analyse d’enrichissement sur les données</a:t>
             </a:r>
           </a:p>
         </p:txBody>
@@ -10479,7 +10486,7 @@
     </p:spTree>
     <p:extLst>
       <p:ext uri="{BB962C8B-B14F-4D97-AF65-F5344CB8AC3E}">
-        <p14:creationId xmlns:p14="http://schemas.microsoft.com/office/powerpoint/2010/main" val="2333177088"/>
+        <p14:creationId xmlns:p14="http://schemas.microsoft.com/office/powerpoint/2010/main" val="3156516260"/>
       </p:ext>
     </p:extLst>
   </p:cSld>
@@ -10524,7 +10531,7 @@
         </p:nvSpPr>
         <p:spPr>
           <a:xfrm>
-            <a:off x="145740" y="117877"/>
+            <a:off x="145740" y="118307"/>
             <a:ext cx="11137778" cy="691318"/>
           </a:xfrm>
         </p:spPr>
@@ -10539,1060 +10546,8 @@
                 <a:latin typeface="Arial" panose="020B0604020202020204" pitchFamily="34" charset="0"/>
                 <a:cs typeface="Arial" panose="020B0604020202020204" pitchFamily="34" charset="0"/>
               </a:rPr>
-              <a:t>References</a:t>
-            </a:r>
-          </a:p>
-        </p:txBody>
-      </p:sp>
-      <p:sp>
-        <p:nvSpPr>
-          <p:cNvPr id="3" name="Espace réservé du contenu 2">
-            <a:extLst>
-              <a:ext uri="{FF2B5EF4-FFF2-40B4-BE49-F238E27FC236}">
-                <a16:creationId xmlns:a16="http://schemas.microsoft.com/office/drawing/2014/main" id="{7D811F63-52EF-83B1-E13C-148915CEDEC3}"/>
-              </a:ext>
-            </a:extLst>
-          </p:cNvPr>
-          <p:cNvSpPr>
-            <a:spLocks noGrp="1"/>
-          </p:cNvSpPr>
-          <p:nvPr>
-            <p:ph idx="1"/>
-          </p:nvPr>
-        </p:nvSpPr>
-        <p:spPr>
-          <a:xfrm>
-            <a:off x="145740" y="964491"/>
-            <a:ext cx="11910136" cy="5498453"/>
-          </a:xfrm>
-        </p:spPr>
-        <p:txBody>
-          <a:bodyPr/>
-          <a:lstStyle/>
-          <a:p>
-            <a:pPr marL="342900" lvl="0" indent="-342900">
-              <a:lnSpc>
-                <a:spcPct val="107000"/>
-              </a:lnSpc>
-              <a:buFont typeface="+mj-lt"/>
-              <a:buAutoNum type="arabicPeriod"/>
-            </a:pPr>
-            <a:r>
-              <a:rPr lang="fr-FR" sz="1800" dirty="0">
-                <a:effectLst/>
-                <a:latin typeface="Times New Roman" panose="02020603050405020304" pitchFamily="18" charset="0"/>
-                <a:ea typeface="Calibri" panose="020F0502020204030204" pitchFamily="34" charset="0"/>
-                <a:cs typeface="Times New Roman" panose="02020603050405020304" pitchFamily="18" charset="0"/>
-              </a:rPr>
-              <a:t>S. </a:t>
-            </a:r>
-            <a:r>
-              <a:rPr lang="fr-FR" sz="1800" dirty="0" err="1">
-                <a:effectLst/>
-                <a:latin typeface="Times New Roman" panose="02020603050405020304" pitchFamily="18" charset="0"/>
-                <a:ea typeface="Calibri" panose="020F0502020204030204" pitchFamily="34" charset="0"/>
-                <a:cs typeface="Times New Roman" panose="02020603050405020304" pitchFamily="18" charset="0"/>
-              </a:rPr>
-              <a:t>Altschul</a:t>
-            </a:r>
-            <a:r>
-              <a:rPr lang="fr-FR" sz="1800" dirty="0">
-                <a:effectLst/>
-                <a:latin typeface="Times New Roman" panose="02020603050405020304" pitchFamily="18" charset="0"/>
-                <a:ea typeface="Calibri" panose="020F0502020204030204" pitchFamily="34" charset="0"/>
-                <a:cs typeface="Times New Roman" panose="02020603050405020304" pitchFamily="18" charset="0"/>
-              </a:rPr>
-              <a:t> et al. (2017) </a:t>
-            </a:r>
-            <a:r>
-              <a:rPr lang="fr-FR" sz="1800" dirty="0" err="1">
-                <a:effectLst/>
-                <a:latin typeface="Times New Roman" panose="02020603050405020304" pitchFamily="18" charset="0"/>
-                <a:ea typeface="Calibri" panose="020F0502020204030204" pitchFamily="34" charset="0"/>
-                <a:cs typeface="Times New Roman" panose="02020603050405020304" pitchFamily="18" charset="0"/>
-              </a:rPr>
-              <a:t>Handbook</a:t>
-            </a:r>
-            <a:r>
-              <a:rPr lang="fr-FR" sz="1800" dirty="0">
-                <a:effectLst/>
-                <a:latin typeface="Times New Roman" panose="02020603050405020304" pitchFamily="18" charset="0"/>
-                <a:ea typeface="Calibri" panose="020F0502020204030204" pitchFamily="34" charset="0"/>
-                <a:cs typeface="Times New Roman" panose="02020603050405020304" pitchFamily="18" charset="0"/>
-              </a:rPr>
-              <a:t> of </a:t>
-            </a:r>
-            <a:r>
-              <a:rPr lang="fr-FR" sz="1800" dirty="0" err="1">
-                <a:effectLst/>
-                <a:latin typeface="Times New Roman" panose="02020603050405020304" pitchFamily="18" charset="0"/>
-                <a:ea typeface="Calibri" panose="020F0502020204030204" pitchFamily="34" charset="0"/>
-                <a:cs typeface="Times New Roman" panose="02020603050405020304" pitchFamily="18" charset="0"/>
-              </a:rPr>
-              <a:t>Discrete</a:t>
-            </a:r>
-            <a:r>
-              <a:rPr lang="fr-FR" sz="1800" dirty="0">
-                <a:effectLst/>
-                <a:latin typeface="Times New Roman" panose="02020603050405020304" pitchFamily="18" charset="0"/>
-                <a:ea typeface="Calibri" panose="020F0502020204030204" pitchFamily="34" charset="0"/>
-                <a:cs typeface="Times New Roman" panose="02020603050405020304" pitchFamily="18" charset="0"/>
-              </a:rPr>
-              <a:t> and </a:t>
-            </a:r>
-            <a:r>
-              <a:rPr lang="fr-FR" sz="1800" dirty="0" err="1">
-                <a:effectLst/>
-                <a:latin typeface="Times New Roman" panose="02020603050405020304" pitchFamily="18" charset="0"/>
-                <a:ea typeface="Calibri" panose="020F0502020204030204" pitchFamily="34" charset="0"/>
-                <a:cs typeface="Times New Roman" panose="02020603050405020304" pitchFamily="18" charset="0"/>
-              </a:rPr>
-              <a:t>Combinatorial</a:t>
-            </a:r>
-            <a:r>
-              <a:rPr lang="fr-FR" sz="1800" dirty="0">
-                <a:effectLst/>
-                <a:latin typeface="Times New Roman" panose="02020603050405020304" pitchFamily="18" charset="0"/>
-                <a:ea typeface="Calibri" panose="020F0502020204030204" pitchFamily="34" charset="0"/>
-                <a:cs typeface="Times New Roman" panose="02020603050405020304" pitchFamily="18" charset="0"/>
-              </a:rPr>
-              <a:t> </a:t>
-            </a:r>
-            <a:r>
-              <a:rPr lang="fr-FR" sz="1800" dirty="0" err="1">
-                <a:effectLst/>
-                <a:latin typeface="Times New Roman" panose="02020603050405020304" pitchFamily="18" charset="0"/>
-                <a:ea typeface="Calibri" panose="020F0502020204030204" pitchFamily="34" charset="0"/>
-                <a:cs typeface="Times New Roman" panose="02020603050405020304" pitchFamily="18" charset="0"/>
-              </a:rPr>
-              <a:t>Mathematics</a:t>
-            </a:r>
-            <a:r>
-              <a:rPr lang="fr-FR" sz="1800" dirty="0">
-                <a:effectLst/>
-                <a:latin typeface="Times New Roman" panose="02020603050405020304" pitchFamily="18" charset="0"/>
-                <a:ea typeface="Calibri" panose="020F0502020204030204" pitchFamily="34" charset="0"/>
-                <a:cs typeface="Times New Roman" panose="02020603050405020304" pitchFamily="18" charset="0"/>
-              </a:rPr>
-              <a:t>. 2nd </a:t>
-            </a:r>
-            <a:r>
-              <a:rPr lang="fr-FR" sz="1800" dirty="0" err="1">
-                <a:effectLst/>
-                <a:latin typeface="Times New Roman" panose="02020603050405020304" pitchFamily="18" charset="0"/>
-                <a:ea typeface="Calibri" panose="020F0502020204030204" pitchFamily="34" charset="0"/>
-                <a:cs typeface="Times New Roman" panose="02020603050405020304" pitchFamily="18" charset="0"/>
-              </a:rPr>
-              <a:t>edition</a:t>
-            </a:r>
-            <a:r>
-              <a:rPr lang="fr-FR" sz="1800" dirty="0">
-                <a:effectLst/>
-                <a:latin typeface="Times New Roman" panose="02020603050405020304" pitchFamily="18" charset="0"/>
-                <a:ea typeface="Calibri" panose="020F0502020204030204" pitchFamily="34" charset="0"/>
-                <a:cs typeface="Times New Roman" panose="02020603050405020304" pitchFamily="18" charset="0"/>
-              </a:rPr>
-              <a:t>, </a:t>
-            </a:r>
-            <a:r>
-              <a:rPr lang="fr-FR" sz="1800" dirty="0" err="1">
-                <a:effectLst/>
-                <a:latin typeface="Times New Roman" panose="02020603050405020304" pitchFamily="18" charset="0"/>
-                <a:ea typeface="Calibri" panose="020F0502020204030204" pitchFamily="34" charset="0"/>
-                <a:cs typeface="Times New Roman" panose="02020603050405020304" pitchFamily="18" charset="0"/>
-              </a:rPr>
-              <a:t>Chapter</a:t>
-            </a:r>
-            <a:r>
-              <a:rPr lang="fr-FR" sz="1800" dirty="0">
-                <a:effectLst/>
-                <a:latin typeface="Times New Roman" panose="02020603050405020304" pitchFamily="18" charset="0"/>
-                <a:ea typeface="Calibri" panose="020F0502020204030204" pitchFamily="34" charset="0"/>
-                <a:cs typeface="Times New Roman" panose="02020603050405020304" pitchFamily="18" charset="0"/>
-              </a:rPr>
-              <a:t> 20.1 </a:t>
-            </a:r>
-            <a:r>
-              <a:rPr lang="fr-FR" sz="1800" dirty="0" err="1">
-                <a:effectLst/>
-                <a:latin typeface="Times New Roman" panose="02020603050405020304" pitchFamily="18" charset="0"/>
-                <a:ea typeface="Calibri" panose="020F0502020204030204" pitchFamily="34" charset="0"/>
-                <a:cs typeface="Times New Roman" panose="02020603050405020304" pitchFamily="18" charset="0"/>
-              </a:rPr>
-              <a:t>Sequence</a:t>
-            </a:r>
-            <a:endParaRPr lang="fr-FR" sz="1800" dirty="0">
-              <a:effectLst/>
-              <a:latin typeface="Calibri" panose="020F0502020204030204" pitchFamily="34" charset="0"/>
-              <a:ea typeface="Calibri" panose="020F0502020204030204" pitchFamily="34" charset="0"/>
-              <a:cs typeface="Times New Roman" panose="02020603050405020304" pitchFamily="18" charset="0"/>
-            </a:endParaRPr>
-          </a:p>
-          <a:p>
-            <a:pPr marL="342900" lvl="0" indent="-342900" algn="just">
-              <a:lnSpc>
-                <a:spcPct val="107000"/>
-              </a:lnSpc>
-              <a:buFont typeface="+mj-lt"/>
-              <a:buAutoNum type="arabicPeriod"/>
-            </a:pPr>
-            <a:r>
-              <a:rPr lang="fr-FR" sz="1800" dirty="0">
-                <a:effectLst/>
-                <a:latin typeface="Times New Roman" panose="02020603050405020304" pitchFamily="18" charset="0"/>
-                <a:ea typeface="Calibri" panose="020F0502020204030204" pitchFamily="34" charset="0"/>
-                <a:cs typeface="Times New Roman" panose="02020603050405020304" pitchFamily="18" charset="0"/>
-              </a:rPr>
-              <a:t>T. </a:t>
-            </a:r>
-            <a:r>
-              <a:rPr lang="fr-FR" sz="1800" dirty="0" err="1">
-                <a:effectLst/>
-                <a:latin typeface="Times New Roman" panose="02020603050405020304" pitchFamily="18" charset="0"/>
-                <a:ea typeface="Calibri" panose="020F0502020204030204" pitchFamily="34" charset="0"/>
-                <a:cs typeface="Times New Roman" panose="02020603050405020304" pitchFamily="18" charset="0"/>
-              </a:rPr>
-              <a:t>Bepler</a:t>
-            </a:r>
-            <a:r>
-              <a:rPr lang="fr-FR" sz="1800" dirty="0">
-                <a:effectLst/>
-                <a:latin typeface="Times New Roman" panose="02020603050405020304" pitchFamily="18" charset="0"/>
-                <a:ea typeface="Calibri" panose="020F0502020204030204" pitchFamily="34" charset="0"/>
-                <a:cs typeface="Times New Roman" panose="02020603050405020304" pitchFamily="18" charset="0"/>
-              </a:rPr>
-              <a:t> et al. (2021) Learning the </a:t>
-            </a:r>
-            <a:r>
-              <a:rPr lang="fr-FR" sz="1800" dirty="0" err="1">
-                <a:effectLst/>
-                <a:latin typeface="Times New Roman" panose="02020603050405020304" pitchFamily="18" charset="0"/>
-                <a:ea typeface="Calibri" panose="020F0502020204030204" pitchFamily="34" charset="0"/>
-                <a:cs typeface="Times New Roman" panose="02020603050405020304" pitchFamily="18" charset="0"/>
-              </a:rPr>
-              <a:t>protein</a:t>
-            </a:r>
-            <a:r>
-              <a:rPr lang="fr-FR" sz="1800" dirty="0">
-                <a:effectLst/>
-                <a:latin typeface="Times New Roman" panose="02020603050405020304" pitchFamily="18" charset="0"/>
-                <a:ea typeface="Calibri" panose="020F0502020204030204" pitchFamily="34" charset="0"/>
-                <a:cs typeface="Times New Roman" panose="02020603050405020304" pitchFamily="18" charset="0"/>
-              </a:rPr>
-              <a:t> </a:t>
-            </a:r>
-            <a:r>
-              <a:rPr lang="fr-FR" sz="1800" dirty="0" err="1">
-                <a:effectLst/>
-                <a:latin typeface="Times New Roman" panose="02020603050405020304" pitchFamily="18" charset="0"/>
-                <a:ea typeface="Calibri" panose="020F0502020204030204" pitchFamily="34" charset="0"/>
-                <a:cs typeface="Times New Roman" panose="02020603050405020304" pitchFamily="18" charset="0"/>
-              </a:rPr>
-              <a:t>language</a:t>
-            </a:r>
-            <a:r>
-              <a:rPr lang="fr-FR" sz="1800" dirty="0">
-                <a:effectLst/>
-                <a:latin typeface="Times New Roman" panose="02020603050405020304" pitchFamily="18" charset="0"/>
-                <a:ea typeface="Calibri" panose="020F0502020204030204" pitchFamily="34" charset="0"/>
-                <a:cs typeface="Times New Roman" panose="02020603050405020304" pitchFamily="18" charset="0"/>
-              </a:rPr>
-              <a:t>: Evolution, structure, and </a:t>
-            </a:r>
-            <a:r>
-              <a:rPr lang="fr-FR" sz="1800" dirty="0" err="1">
-                <a:effectLst/>
-                <a:latin typeface="Times New Roman" panose="02020603050405020304" pitchFamily="18" charset="0"/>
-                <a:ea typeface="Calibri" panose="020F0502020204030204" pitchFamily="34" charset="0"/>
-                <a:cs typeface="Times New Roman" panose="02020603050405020304" pitchFamily="18" charset="0"/>
-              </a:rPr>
-              <a:t>function</a:t>
-            </a:r>
-            <a:r>
-              <a:rPr lang="fr-FR" sz="1800" dirty="0">
-                <a:effectLst/>
-                <a:latin typeface="Times New Roman" panose="02020603050405020304" pitchFamily="18" charset="0"/>
-                <a:ea typeface="Calibri" panose="020F0502020204030204" pitchFamily="34" charset="0"/>
-                <a:cs typeface="Times New Roman" panose="02020603050405020304" pitchFamily="18" charset="0"/>
-              </a:rPr>
-              <a:t>.</a:t>
-            </a:r>
-            <a:endParaRPr lang="fr-FR" sz="1800" dirty="0">
-              <a:effectLst/>
-              <a:latin typeface="Calibri" panose="020F0502020204030204" pitchFamily="34" charset="0"/>
-              <a:ea typeface="Calibri" panose="020F0502020204030204" pitchFamily="34" charset="0"/>
-              <a:cs typeface="Times New Roman" panose="02020603050405020304" pitchFamily="18" charset="0"/>
-            </a:endParaRPr>
-          </a:p>
-          <a:p>
-            <a:pPr marL="342900" lvl="0" indent="-342900">
-              <a:lnSpc>
-                <a:spcPct val="107000"/>
-              </a:lnSpc>
-              <a:buFont typeface="+mj-lt"/>
-              <a:buAutoNum type="arabicPeriod"/>
-            </a:pPr>
-            <a:r>
-              <a:rPr lang="fr-FR" sz="1800" dirty="0" err="1">
-                <a:effectLst/>
-                <a:latin typeface="Times New Roman" panose="02020603050405020304" pitchFamily="18" charset="0"/>
-                <a:ea typeface="Calibri" panose="020F0502020204030204" pitchFamily="34" charset="0"/>
-                <a:cs typeface="Times New Roman" panose="02020603050405020304" pitchFamily="18" charset="0"/>
-              </a:rPr>
-              <a:t>Needleman</a:t>
-            </a:r>
-            <a:r>
-              <a:rPr lang="fr-FR" sz="1800" dirty="0">
-                <a:effectLst/>
-                <a:latin typeface="Times New Roman" panose="02020603050405020304" pitchFamily="18" charset="0"/>
-                <a:ea typeface="Calibri" panose="020F0502020204030204" pitchFamily="34" charset="0"/>
-                <a:cs typeface="Times New Roman" panose="02020603050405020304" pitchFamily="18" charset="0"/>
-              </a:rPr>
-              <a:t>, Saul B. &amp; </a:t>
-            </a:r>
-            <a:r>
-              <a:rPr lang="fr-FR" sz="1800" dirty="0" err="1">
-                <a:effectLst/>
-                <a:latin typeface="Times New Roman" panose="02020603050405020304" pitchFamily="18" charset="0"/>
-                <a:ea typeface="Calibri" panose="020F0502020204030204" pitchFamily="34" charset="0"/>
-                <a:cs typeface="Times New Roman" panose="02020603050405020304" pitchFamily="18" charset="0"/>
-              </a:rPr>
-              <a:t>Wunsch</a:t>
-            </a:r>
-            <a:r>
-              <a:rPr lang="fr-FR" sz="1800" dirty="0">
-                <a:effectLst/>
-                <a:latin typeface="Times New Roman" panose="02020603050405020304" pitchFamily="18" charset="0"/>
-                <a:ea typeface="Calibri" panose="020F0502020204030204" pitchFamily="34" charset="0"/>
-                <a:cs typeface="Times New Roman" panose="02020603050405020304" pitchFamily="18" charset="0"/>
-              </a:rPr>
-              <a:t>, Christian D. (1970) A </a:t>
-            </a:r>
-            <a:r>
-              <a:rPr lang="fr-FR" sz="1800" dirty="0" err="1">
-                <a:effectLst/>
-                <a:latin typeface="Times New Roman" panose="02020603050405020304" pitchFamily="18" charset="0"/>
-                <a:ea typeface="Calibri" panose="020F0502020204030204" pitchFamily="34" charset="0"/>
-                <a:cs typeface="Times New Roman" panose="02020603050405020304" pitchFamily="18" charset="0"/>
-              </a:rPr>
-              <a:t>general</a:t>
-            </a:r>
-            <a:r>
-              <a:rPr lang="fr-FR" sz="1800" dirty="0">
-                <a:effectLst/>
-                <a:latin typeface="Times New Roman" panose="02020603050405020304" pitchFamily="18" charset="0"/>
-                <a:ea typeface="Calibri" panose="020F0502020204030204" pitchFamily="34" charset="0"/>
-                <a:cs typeface="Times New Roman" panose="02020603050405020304" pitchFamily="18" charset="0"/>
-              </a:rPr>
-              <a:t> </a:t>
-            </a:r>
-            <a:r>
-              <a:rPr lang="fr-FR" sz="1800" dirty="0" err="1">
-                <a:effectLst/>
-                <a:latin typeface="Times New Roman" panose="02020603050405020304" pitchFamily="18" charset="0"/>
-                <a:ea typeface="Calibri" panose="020F0502020204030204" pitchFamily="34" charset="0"/>
-                <a:cs typeface="Times New Roman" panose="02020603050405020304" pitchFamily="18" charset="0"/>
-              </a:rPr>
-              <a:t>method</a:t>
-            </a:r>
-            <a:r>
-              <a:rPr lang="fr-FR" sz="1800" dirty="0">
-                <a:effectLst/>
-                <a:latin typeface="Times New Roman" panose="02020603050405020304" pitchFamily="18" charset="0"/>
-                <a:ea typeface="Calibri" panose="020F0502020204030204" pitchFamily="34" charset="0"/>
-                <a:cs typeface="Times New Roman" panose="02020603050405020304" pitchFamily="18" charset="0"/>
-              </a:rPr>
-              <a:t> applicable to the </a:t>
-            </a:r>
-            <a:r>
-              <a:rPr lang="fr-FR" sz="1800" dirty="0" err="1">
-                <a:effectLst/>
-                <a:latin typeface="Times New Roman" panose="02020603050405020304" pitchFamily="18" charset="0"/>
-                <a:ea typeface="Calibri" panose="020F0502020204030204" pitchFamily="34" charset="0"/>
-                <a:cs typeface="Times New Roman" panose="02020603050405020304" pitchFamily="18" charset="0"/>
-              </a:rPr>
-              <a:t>search</a:t>
-            </a:r>
-            <a:r>
-              <a:rPr lang="fr-FR" sz="1800" dirty="0">
-                <a:effectLst/>
-                <a:latin typeface="Times New Roman" panose="02020603050405020304" pitchFamily="18" charset="0"/>
-                <a:ea typeface="Calibri" panose="020F0502020204030204" pitchFamily="34" charset="0"/>
-                <a:cs typeface="Times New Roman" panose="02020603050405020304" pitchFamily="18" charset="0"/>
-              </a:rPr>
-              <a:t> for </a:t>
-            </a:r>
-            <a:r>
-              <a:rPr lang="fr-FR" sz="1800" dirty="0" err="1">
-                <a:effectLst/>
-                <a:latin typeface="Times New Roman" panose="02020603050405020304" pitchFamily="18" charset="0"/>
-                <a:ea typeface="Calibri" panose="020F0502020204030204" pitchFamily="34" charset="0"/>
-                <a:cs typeface="Times New Roman" panose="02020603050405020304" pitchFamily="18" charset="0"/>
-              </a:rPr>
-              <a:t>similarities</a:t>
-            </a:r>
-            <a:r>
-              <a:rPr lang="fr-FR" sz="1800" dirty="0">
-                <a:effectLst/>
-                <a:latin typeface="Times New Roman" panose="02020603050405020304" pitchFamily="18" charset="0"/>
-                <a:ea typeface="Calibri" panose="020F0502020204030204" pitchFamily="34" charset="0"/>
-                <a:cs typeface="Times New Roman" panose="02020603050405020304" pitchFamily="18" charset="0"/>
-              </a:rPr>
-              <a:t> in the </a:t>
-            </a:r>
-            <a:r>
-              <a:rPr lang="fr-FR" sz="1800" dirty="0" err="1">
-                <a:effectLst/>
-                <a:latin typeface="Times New Roman" panose="02020603050405020304" pitchFamily="18" charset="0"/>
-                <a:ea typeface="Calibri" panose="020F0502020204030204" pitchFamily="34" charset="0"/>
-                <a:cs typeface="Times New Roman" panose="02020603050405020304" pitchFamily="18" charset="0"/>
-              </a:rPr>
-              <a:t>amino</a:t>
-            </a:r>
-            <a:r>
-              <a:rPr lang="fr-FR" sz="1800" dirty="0">
-                <a:effectLst/>
-                <a:latin typeface="Times New Roman" panose="02020603050405020304" pitchFamily="18" charset="0"/>
-                <a:ea typeface="Calibri" panose="020F0502020204030204" pitchFamily="34" charset="0"/>
-                <a:cs typeface="Times New Roman" panose="02020603050405020304" pitchFamily="18" charset="0"/>
-              </a:rPr>
-              <a:t> </a:t>
-            </a:r>
-            <a:r>
-              <a:rPr lang="fr-FR" sz="1800" dirty="0" err="1">
-                <a:effectLst/>
-                <a:latin typeface="Times New Roman" panose="02020603050405020304" pitchFamily="18" charset="0"/>
-                <a:ea typeface="Calibri" panose="020F0502020204030204" pitchFamily="34" charset="0"/>
-                <a:cs typeface="Times New Roman" panose="02020603050405020304" pitchFamily="18" charset="0"/>
-              </a:rPr>
-              <a:t>acid</a:t>
-            </a:r>
-            <a:r>
-              <a:rPr lang="fr-FR" sz="1800" dirty="0">
-                <a:effectLst/>
-                <a:latin typeface="Times New Roman" panose="02020603050405020304" pitchFamily="18" charset="0"/>
-                <a:ea typeface="Calibri" panose="020F0502020204030204" pitchFamily="34" charset="0"/>
-                <a:cs typeface="Times New Roman" panose="02020603050405020304" pitchFamily="18" charset="0"/>
-              </a:rPr>
-              <a:t> </a:t>
-            </a:r>
-            <a:r>
-              <a:rPr lang="fr-FR" sz="1800" dirty="0" err="1">
-                <a:effectLst/>
-                <a:latin typeface="Times New Roman" panose="02020603050405020304" pitchFamily="18" charset="0"/>
-                <a:ea typeface="Calibri" panose="020F0502020204030204" pitchFamily="34" charset="0"/>
-                <a:cs typeface="Times New Roman" panose="02020603050405020304" pitchFamily="18" charset="0"/>
-              </a:rPr>
-              <a:t>sequence</a:t>
-            </a:r>
-            <a:r>
-              <a:rPr lang="fr-FR" sz="1800" dirty="0">
-                <a:effectLst/>
-                <a:latin typeface="Times New Roman" panose="02020603050405020304" pitchFamily="18" charset="0"/>
-                <a:ea typeface="Calibri" panose="020F0502020204030204" pitchFamily="34" charset="0"/>
-                <a:cs typeface="Times New Roman" panose="02020603050405020304" pitchFamily="18" charset="0"/>
-              </a:rPr>
-              <a:t> of </a:t>
-            </a:r>
-            <a:r>
-              <a:rPr lang="fr-FR" sz="1800" dirty="0" err="1">
-                <a:effectLst/>
-                <a:latin typeface="Times New Roman" panose="02020603050405020304" pitchFamily="18" charset="0"/>
-                <a:ea typeface="Calibri" panose="020F0502020204030204" pitchFamily="34" charset="0"/>
-                <a:cs typeface="Times New Roman" panose="02020603050405020304" pitchFamily="18" charset="0"/>
-              </a:rPr>
-              <a:t>two</a:t>
-            </a:r>
-            <a:r>
-              <a:rPr lang="fr-FR" sz="1800" dirty="0">
-                <a:effectLst/>
-                <a:latin typeface="Times New Roman" panose="02020603050405020304" pitchFamily="18" charset="0"/>
-                <a:ea typeface="Calibri" panose="020F0502020204030204" pitchFamily="34" charset="0"/>
-                <a:cs typeface="Times New Roman" panose="02020603050405020304" pitchFamily="18" charset="0"/>
-              </a:rPr>
-              <a:t> </a:t>
-            </a:r>
-            <a:r>
-              <a:rPr lang="fr-FR" sz="1800" dirty="0" err="1">
-                <a:effectLst/>
-                <a:latin typeface="Times New Roman" panose="02020603050405020304" pitchFamily="18" charset="0"/>
-                <a:ea typeface="Calibri" panose="020F0502020204030204" pitchFamily="34" charset="0"/>
-                <a:cs typeface="Times New Roman" panose="02020603050405020304" pitchFamily="18" charset="0"/>
-              </a:rPr>
-              <a:t>proteins</a:t>
-            </a:r>
-            <a:r>
-              <a:rPr lang="fr-FR" sz="1800" dirty="0">
-                <a:effectLst/>
-                <a:latin typeface="Times New Roman" panose="02020603050405020304" pitchFamily="18" charset="0"/>
-                <a:ea typeface="Calibri" panose="020F0502020204030204" pitchFamily="34" charset="0"/>
-                <a:cs typeface="Times New Roman" panose="02020603050405020304" pitchFamily="18" charset="0"/>
-              </a:rPr>
-              <a:t>.</a:t>
-            </a:r>
-            <a:endParaRPr lang="fr-FR" sz="1800" dirty="0">
-              <a:effectLst/>
-              <a:latin typeface="Calibri" panose="020F0502020204030204" pitchFamily="34" charset="0"/>
-              <a:ea typeface="Calibri" panose="020F0502020204030204" pitchFamily="34" charset="0"/>
-              <a:cs typeface="Times New Roman" panose="02020603050405020304" pitchFamily="18" charset="0"/>
-            </a:endParaRPr>
-          </a:p>
-          <a:p>
-            <a:pPr marL="342900" lvl="0" indent="-342900">
-              <a:lnSpc>
-                <a:spcPct val="107000"/>
-              </a:lnSpc>
-              <a:buFont typeface="+mj-lt"/>
-              <a:buAutoNum type="arabicPeriod"/>
-            </a:pPr>
-            <a:r>
-              <a:rPr lang="fr-FR" sz="1800" dirty="0">
-                <a:effectLst/>
-                <a:latin typeface="Times New Roman" panose="02020603050405020304" pitchFamily="18" charset="0"/>
-                <a:ea typeface="Calibri" panose="020F0502020204030204" pitchFamily="34" charset="0"/>
-                <a:cs typeface="Times New Roman" panose="02020603050405020304" pitchFamily="18" charset="0"/>
-              </a:rPr>
-              <a:t>Smith, Temple F. &amp; Waterman, Michael S. (1981) Identification of Common </a:t>
-            </a:r>
-            <a:r>
-              <a:rPr lang="fr-FR" sz="1800" dirty="0" err="1">
-                <a:effectLst/>
-                <a:latin typeface="Times New Roman" panose="02020603050405020304" pitchFamily="18" charset="0"/>
-                <a:ea typeface="Calibri" panose="020F0502020204030204" pitchFamily="34" charset="0"/>
-                <a:cs typeface="Times New Roman" panose="02020603050405020304" pitchFamily="18" charset="0"/>
-              </a:rPr>
-              <a:t>Molecular</a:t>
-            </a:r>
-            <a:r>
-              <a:rPr lang="fr-FR" sz="1800" dirty="0">
-                <a:effectLst/>
-                <a:latin typeface="Times New Roman" panose="02020603050405020304" pitchFamily="18" charset="0"/>
-                <a:ea typeface="Calibri" panose="020F0502020204030204" pitchFamily="34" charset="0"/>
-                <a:cs typeface="Times New Roman" panose="02020603050405020304" pitchFamily="18" charset="0"/>
-              </a:rPr>
-              <a:t> </a:t>
-            </a:r>
-            <a:r>
-              <a:rPr lang="fr-FR" sz="1800" dirty="0" err="1">
-                <a:effectLst/>
-                <a:latin typeface="Times New Roman" panose="02020603050405020304" pitchFamily="18" charset="0"/>
-                <a:ea typeface="Calibri" panose="020F0502020204030204" pitchFamily="34" charset="0"/>
-                <a:cs typeface="Times New Roman" panose="02020603050405020304" pitchFamily="18" charset="0"/>
-              </a:rPr>
-              <a:t>Subsequences</a:t>
-            </a:r>
-            <a:r>
-              <a:rPr lang="fr-FR" sz="1800" dirty="0">
-                <a:effectLst/>
-                <a:latin typeface="Times New Roman" panose="02020603050405020304" pitchFamily="18" charset="0"/>
-                <a:ea typeface="Calibri" panose="020F0502020204030204" pitchFamily="34" charset="0"/>
-                <a:cs typeface="Times New Roman" panose="02020603050405020304" pitchFamily="18" charset="0"/>
-              </a:rPr>
-              <a:t>.</a:t>
-            </a:r>
-            <a:endParaRPr lang="fr-FR" sz="1800" dirty="0">
-              <a:effectLst/>
-              <a:latin typeface="Calibri" panose="020F0502020204030204" pitchFamily="34" charset="0"/>
-              <a:ea typeface="Calibri" panose="020F0502020204030204" pitchFamily="34" charset="0"/>
-              <a:cs typeface="Times New Roman" panose="02020603050405020304" pitchFamily="18" charset="0"/>
-            </a:endParaRPr>
-          </a:p>
-          <a:p>
-            <a:pPr marL="342900" lvl="0" indent="-342900">
-              <a:lnSpc>
-                <a:spcPct val="107000"/>
-              </a:lnSpc>
-              <a:buFont typeface="+mj-lt"/>
-              <a:buAutoNum type="arabicPeriod"/>
-            </a:pPr>
-            <a:r>
-              <a:rPr lang="fr-FR" sz="1800" u="none" strike="noStrike" dirty="0">
-                <a:solidFill>
-                  <a:srgbClr val="0000FF"/>
-                </a:solidFill>
-                <a:effectLst/>
-                <a:latin typeface="Times New Roman" panose="02020603050405020304" pitchFamily="18" charset="0"/>
-                <a:ea typeface="Calibri" panose="020F0502020204030204" pitchFamily="34" charset="0"/>
-                <a:cs typeface="Times New Roman" panose="02020603050405020304" pitchFamily="18" charset="0"/>
-                <a:hlinkClick r:id="rId2"/>
-              </a:rPr>
-              <a:t>A </a:t>
-            </a:r>
-            <a:r>
-              <a:rPr lang="fr-FR" sz="1800" u="none" strike="noStrike" dirty="0" err="1">
-                <a:solidFill>
-                  <a:srgbClr val="0000FF"/>
-                </a:solidFill>
-                <a:effectLst/>
-                <a:latin typeface="Times New Roman" panose="02020603050405020304" pitchFamily="18" charset="0"/>
-                <a:ea typeface="Calibri" panose="020F0502020204030204" pitchFamily="34" charset="0"/>
-                <a:cs typeface="Times New Roman" panose="02020603050405020304" pitchFamily="18" charset="0"/>
-                <a:hlinkClick r:id="rId2"/>
-              </a:rPr>
-              <a:t>Elnaggar</a:t>
-            </a:r>
-            <a:r>
-              <a:rPr lang="fr-FR" sz="1800" dirty="0">
-                <a:effectLst/>
-                <a:latin typeface="Times New Roman" panose="02020603050405020304" pitchFamily="18" charset="0"/>
-                <a:ea typeface="Calibri" panose="020F0502020204030204" pitchFamily="34" charset="0"/>
-                <a:cs typeface="Times New Roman" panose="02020603050405020304" pitchFamily="18" charset="0"/>
-              </a:rPr>
-              <a:t> et al. (2020) </a:t>
-            </a:r>
-            <a:r>
-              <a:rPr lang="fr-FR" sz="1800" dirty="0" err="1">
-                <a:effectLst/>
-                <a:latin typeface="Times New Roman" panose="02020603050405020304" pitchFamily="18" charset="0"/>
-                <a:ea typeface="Calibri" panose="020F0502020204030204" pitchFamily="34" charset="0"/>
-                <a:cs typeface="Times New Roman" panose="02020603050405020304" pitchFamily="18" charset="0"/>
-              </a:rPr>
-              <a:t>ProtTrans</a:t>
-            </a:r>
-            <a:r>
-              <a:rPr lang="fr-FR" sz="1800" dirty="0">
-                <a:effectLst/>
-                <a:latin typeface="Times New Roman" panose="02020603050405020304" pitchFamily="18" charset="0"/>
-                <a:ea typeface="Calibri" panose="020F0502020204030204" pitchFamily="34" charset="0"/>
-                <a:cs typeface="Times New Roman" panose="02020603050405020304" pitchFamily="18" charset="0"/>
-              </a:rPr>
-              <a:t>: </a:t>
-            </a:r>
-            <a:r>
-              <a:rPr lang="fr-FR" sz="1800" dirty="0" err="1">
-                <a:effectLst/>
-                <a:latin typeface="Times New Roman" panose="02020603050405020304" pitchFamily="18" charset="0"/>
-                <a:ea typeface="Calibri" panose="020F0502020204030204" pitchFamily="34" charset="0"/>
-                <a:cs typeface="Times New Roman" panose="02020603050405020304" pitchFamily="18" charset="0"/>
-              </a:rPr>
-              <a:t>Towards</a:t>
-            </a:r>
-            <a:r>
-              <a:rPr lang="fr-FR" sz="1800" dirty="0">
-                <a:effectLst/>
-                <a:latin typeface="Times New Roman" panose="02020603050405020304" pitchFamily="18" charset="0"/>
-                <a:ea typeface="Calibri" panose="020F0502020204030204" pitchFamily="34" charset="0"/>
-                <a:cs typeface="Times New Roman" panose="02020603050405020304" pitchFamily="18" charset="0"/>
-              </a:rPr>
-              <a:t> Cracking the </a:t>
-            </a:r>
-            <a:r>
-              <a:rPr lang="fr-FR" sz="1800" dirty="0" err="1">
-                <a:effectLst/>
-                <a:latin typeface="Times New Roman" panose="02020603050405020304" pitchFamily="18" charset="0"/>
-                <a:ea typeface="Calibri" panose="020F0502020204030204" pitchFamily="34" charset="0"/>
-                <a:cs typeface="Times New Roman" panose="02020603050405020304" pitchFamily="18" charset="0"/>
-              </a:rPr>
-              <a:t>Language</a:t>
-            </a:r>
-            <a:r>
-              <a:rPr lang="fr-FR" sz="1800" dirty="0">
-                <a:effectLst/>
-                <a:latin typeface="Times New Roman" panose="02020603050405020304" pitchFamily="18" charset="0"/>
-                <a:ea typeface="Calibri" panose="020F0502020204030204" pitchFamily="34" charset="0"/>
-                <a:cs typeface="Times New Roman" panose="02020603050405020304" pitchFamily="18" charset="0"/>
-              </a:rPr>
-              <a:t> of </a:t>
-            </a:r>
-            <a:r>
-              <a:rPr lang="fr-FR" sz="1800" dirty="0" err="1">
-                <a:effectLst/>
-                <a:latin typeface="Times New Roman" panose="02020603050405020304" pitchFamily="18" charset="0"/>
-                <a:ea typeface="Calibri" panose="020F0502020204030204" pitchFamily="34" charset="0"/>
-                <a:cs typeface="Times New Roman" panose="02020603050405020304" pitchFamily="18" charset="0"/>
-              </a:rPr>
-              <a:t>Life's</a:t>
-            </a:r>
-            <a:r>
-              <a:rPr lang="fr-FR" sz="1800" dirty="0">
-                <a:effectLst/>
-                <a:latin typeface="Times New Roman" panose="02020603050405020304" pitchFamily="18" charset="0"/>
-                <a:ea typeface="Calibri" panose="020F0502020204030204" pitchFamily="34" charset="0"/>
-                <a:cs typeface="Times New Roman" panose="02020603050405020304" pitchFamily="18" charset="0"/>
-              </a:rPr>
-              <a:t> Code </a:t>
-            </a:r>
-            <a:r>
-              <a:rPr lang="fr-FR" sz="1800" dirty="0" err="1">
-                <a:effectLst/>
-                <a:latin typeface="Times New Roman" panose="02020603050405020304" pitchFamily="18" charset="0"/>
-                <a:ea typeface="Calibri" panose="020F0502020204030204" pitchFamily="34" charset="0"/>
-                <a:cs typeface="Times New Roman" panose="02020603050405020304" pitchFamily="18" charset="0"/>
-              </a:rPr>
-              <a:t>Through</a:t>
-            </a:r>
-            <a:r>
-              <a:rPr lang="fr-FR" sz="1800" dirty="0">
-                <a:effectLst/>
-                <a:latin typeface="Times New Roman" panose="02020603050405020304" pitchFamily="18" charset="0"/>
-                <a:ea typeface="Calibri" panose="020F0502020204030204" pitchFamily="34" charset="0"/>
-                <a:cs typeface="Times New Roman" panose="02020603050405020304" pitchFamily="18" charset="0"/>
-              </a:rPr>
-              <a:t> Self-</a:t>
-            </a:r>
-            <a:r>
-              <a:rPr lang="fr-FR" sz="1800" dirty="0" err="1">
-                <a:effectLst/>
-                <a:latin typeface="Times New Roman" panose="02020603050405020304" pitchFamily="18" charset="0"/>
-                <a:ea typeface="Calibri" panose="020F0502020204030204" pitchFamily="34" charset="0"/>
-                <a:cs typeface="Times New Roman" panose="02020603050405020304" pitchFamily="18" charset="0"/>
-              </a:rPr>
-              <a:t>Supervised</a:t>
-            </a:r>
-            <a:r>
-              <a:rPr lang="fr-FR" sz="1800" dirty="0">
-                <a:effectLst/>
-                <a:latin typeface="Times New Roman" panose="02020603050405020304" pitchFamily="18" charset="0"/>
-                <a:ea typeface="Calibri" panose="020F0502020204030204" pitchFamily="34" charset="0"/>
-                <a:cs typeface="Times New Roman" panose="02020603050405020304" pitchFamily="18" charset="0"/>
-              </a:rPr>
-              <a:t> </a:t>
-            </a:r>
-            <a:r>
-              <a:rPr lang="fr-FR" sz="1800" dirty="0" err="1">
-                <a:effectLst/>
-                <a:latin typeface="Times New Roman" panose="02020603050405020304" pitchFamily="18" charset="0"/>
-                <a:ea typeface="Calibri" panose="020F0502020204030204" pitchFamily="34" charset="0"/>
-                <a:cs typeface="Times New Roman" panose="02020603050405020304" pitchFamily="18" charset="0"/>
-              </a:rPr>
-              <a:t>Deep</a:t>
-            </a:r>
-            <a:r>
-              <a:rPr lang="fr-FR" sz="1800" dirty="0">
-                <a:effectLst/>
-                <a:latin typeface="Times New Roman" panose="02020603050405020304" pitchFamily="18" charset="0"/>
-                <a:ea typeface="Calibri" panose="020F0502020204030204" pitchFamily="34" charset="0"/>
-                <a:cs typeface="Times New Roman" panose="02020603050405020304" pitchFamily="18" charset="0"/>
-              </a:rPr>
-              <a:t> Learning and High Performance </a:t>
-            </a:r>
-            <a:r>
-              <a:rPr lang="fr-FR" sz="1800" dirty="0" err="1">
-                <a:effectLst/>
-                <a:latin typeface="Times New Roman" panose="02020603050405020304" pitchFamily="18" charset="0"/>
-                <a:ea typeface="Calibri" panose="020F0502020204030204" pitchFamily="34" charset="0"/>
-                <a:cs typeface="Times New Roman" panose="02020603050405020304" pitchFamily="18" charset="0"/>
-              </a:rPr>
-              <a:t>Computing</a:t>
-            </a:r>
-            <a:r>
-              <a:rPr lang="fr-FR" sz="1800" dirty="0">
-                <a:effectLst/>
-                <a:latin typeface="Times New Roman" panose="02020603050405020304" pitchFamily="18" charset="0"/>
-                <a:ea typeface="Calibri" panose="020F0502020204030204" pitchFamily="34" charset="0"/>
-                <a:cs typeface="Times New Roman" panose="02020603050405020304" pitchFamily="18" charset="0"/>
-              </a:rPr>
-              <a:t> </a:t>
-            </a:r>
-            <a:endParaRPr lang="fr-FR" sz="1800" dirty="0">
-              <a:effectLst/>
-              <a:latin typeface="Calibri" panose="020F0502020204030204" pitchFamily="34" charset="0"/>
-              <a:ea typeface="Calibri" panose="020F0502020204030204" pitchFamily="34" charset="0"/>
-              <a:cs typeface="Times New Roman" panose="02020603050405020304" pitchFamily="18" charset="0"/>
-            </a:endParaRPr>
-          </a:p>
-          <a:p>
-            <a:pPr marL="342900" lvl="0" indent="-342900">
-              <a:lnSpc>
-                <a:spcPct val="107000"/>
-              </a:lnSpc>
-              <a:buFont typeface="+mj-lt"/>
-              <a:buAutoNum type="arabicPeriod"/>
-            </a:pPr>
-            <a:r>
-              <a:rPr lang="fr-FR" sz="1800" dirty="0">
-                <a:effectLst/>
-                <a:latin typeface="Times New Roman" panose="02020603050405020304" pitchFamily="18" charset="0"/>
-                <a:ea typeface="Calibri" panose="020F0502020204030204" pitchFamily="34" charset="0"/>
-                <a:cs typeface="Times New Roman" panose="02020603050405020304" pitchFamily="18" charset="0"/>
-              </a:rPr>
-              <a:t>Page pdb de la 6-phosphofructo-2-kinase/fructose-2,6-bisphosphatase </a:t>
-            </a:r>
-            <a:r>
-              <a:rPr lang="fr-FR" sz="1800" dirty="0" err="1">
-                <a:effectLst/>
-                <a:latin typeface="Times New Roman" panose="02020603050405020304" pitchFamily="18" charset="0"/>
-                <a:ea typeface="Calibri" panose="020F0502020204030204" pitchFamily="34" charset="0"/>
-                <a:cs typeface="Times New Roman" panose="02020603050405020304" pitchFamily="18" charset="0"/>
-              </a:rPr>
-              <a:t>bifunctional</a:t>
-            </a:r>
-            <a:r>
-              <a:rPr lang="fr-FR" sz="1800" dirty="0">
-                <a:effectLst/>
-                <a:latin typeface="Times New Roman" panose="02020603050405020304" pitchFamily="18" charset="0"/>
-                <a:ea typeface="Calibri" panose="020F0502020204030204" pitchFamily="34" charset="0"/>
-                <a:cs typeface="Times New Roman" panose="02020603050405020304" pitchFamily="18" charset="0"/>
-              </a:rPr>
-              <a:t> enzyme </a:t>
-            </a:r>
-            <a:r>
-              <a:rPr lang="fr-FR" sz="1800" dirty="0" err="1">
-                <a:effectLst/>
-                <a:latin typeface="Times New Roman" panose="02020603050405020304" pitchFamily="18" charset="0"/>
-                <a:ea typeface="Calibri" panose="020F0502020204030204" pitchFamily="34" charset="0"/>
-                <a:cs typeface="Times New Roman" panose="02020603050405020304" pitchFamily="18" charset="0"/>
-              </a:rPr>
-              <a:t>complexed</a:t>
-            </a:r>
-            <a:r>
-              <a:rPr lang="fr-FR" sz="1800" dirty="0">
-                <a:effectLst/>
-                <a:latin typeface="Times New Roman" panose="02020603050405020304" pitchFamily="18" charset="0"/>
-                <a:ea typeface="Calibri" panose="020F0502020204030204" pitchFamily="34" charset="0"/>
-                <a:cs typeface="Times New Roman" panose="02020603050405020304" pitchFamily="18" charset="0"/>
-              </a:rPr>
-              <a:t> </a:t>
-            </a:r>
-            <a:r>
-              <a:rPr lang="fr-FR" sz="1800" dirty="0" err="1">
-                <a:effectLst/>
-                <a:latin typeface="Times New Roman" panose="02020603050405020304" pitchFamily="18" charset="0"/>
-                <a:ea typeface="Calibri" panose="020F0502020204030204" pitchFamily="34" charset="0"/>
-                <a:cs typeface="Times New Roman" panose="02020603050405020304" pitchFamily="18" charset="0"/>
-              </a:rPr>
-              <a:t>with</a:t>
-            </a:r>
-            <a:r>
-              <a:rPr lang="fr-FR" sz="1800" dirty="0">
-                <a:effectLst/>
-                <a:latin typeface="Times New Roman" panose="02020603050405020304" pitchFamily="18" charset="0"/>
-                <a:ea typeface="Calibri" panose="020F0502020204030204" pitchFamily="34" charset="0"/>
-                <a:cs typeface="Times New Roman" panose="02020603050405020304" pitchFamily="18" charset="0"/>
-              </a:rPr>
-              <a:t> atp-g-s and phosphate : </a:t>
-            </a:r>
-            <a:r>
-              <a:rPr lang="fr-FR" sz="1800" u="sng" dirty="0">
-                <a:solidFill>
-                  <a:srgbClr val="0000FF"/>
-                </a:solidFill>
-                <a:effectLst/>
-                <a:latin typeface="Times New Roman" panose="02020603050405020304" pitchFamily="18" charset="0"/>
-                <a:ea typeface="Calibri" panose="020F0502020204030204" pitchFamily="34" charset="0"/>
-                <a:cs typeface="Times New Roman" panose="02020603050405020304" pitchFamily="18" charset="0"/>
-                <a:hlinkClick r:id="rId3"/>
-              </a:rPr>
-              <a:t>https://www.rcsb.org/structure/1bif</a:t>
-            </a:r>
-            <a:r>
-              <a:rPr lang="fr-FR" sz="1800" dirty="0">
-                <a:effectLst/>
-                <a:latin typeface="Times New Roman" panose="02020603050405020304" pitchFamily="18" charset="0"/>
-                <a:ea typeface="Calibri" panose="020F0502020204030204" pitchFamily="34" charset="0"/>
-                <a:cs typeface="Times New Roman" panose="02020603050405020304" pitchFamily="18" charset="0"/>
-              </a:rPr>
-              <a:t> </a:t>
-            </a:r>
-            <a:endParaRPr lang="fr-FR" sz="1800" dirty="0">
-              <a:effectLst/>
-              <a:latin typeface="Calibri" panose="020F0502020204030204" pitchFamily="34" charset="0"/>
-              <a:ea typeface="Calibri" panose="020F0502020204030204" pitchFamily="34" charset="0"/>
-              <a:cs typeface="Times New Roman" panose="02020603050405020304" pitchFamily="18" charset="0"/>
-            </a:endParaRPr>
-          </a:p>
-          <a:p>
-            <a:pPr marL="342900" lvl="0" indent="-342900">
-              <a:lnSpc>
-                <a:spcPct val="107000"/>
-              </a:lnSpc>
-              <a:buFont typeface="+mj-lt"/>
-              <a:buAutoNum type="arabicPeriod"/>
-            </a:pPr>
-            <a:r>
-              <a:rPr lang="fr-FR" sz="1800" dirty="0">
-                <a:effectLst/>
-                <a:latin typeface="Times New Roman" panose="02020603050405020304" pitchFamily="18" charset="0"/>
-                <a:ea typeface="Calibri" panose="020F0502020204030204" pitchFamily="34" charset="0"/>
-                <a:cs typeface="Times New Roman" panose="02020603050405020304" pitchFamily="18" charset="0"/>
-              </a:rPr>
-              <a:t>Page pdb de la hyperthermophile </a:t>
-            </a:r>
-            <a:r>
-              <a:rPr lang="fr-FR" sz="1800" dirty="0" err="1">
-                <a:effectLst/>
-                <a:latin typeface="Times New Roman" panose="02020603050405020304" pitchFamily="18" charset="0"/>
-                <a:ea typeface="Calibri" panose="020F0502020204030204" pitchFamily="34" charset="0"/>
-                <a:cs typeface="Times New Roman" panose="02020603050405020304" pitchFamily="18" charset="0"/>
-              </a:rPr>
-              <a:t>chromosomal</a:t>
-            </a:r>
-            <a:r>
-              <a:rPr lang="fr-FR" sz="1800" dirty="0">
-                <a:effectLst/>
-                <a:latin typeface="Times New Roman" panose="02020603050405020304" pitchFamily="18" charset="0"/>
-                <a:ea typeface="Calibri" panose="020F0502020204030204" pitchFamily="34" charset="0"/>
-                <a:cs typeface="Times New Roman" panose="02020603050405020304" pitchFamily="18" charset="0"/>
-              </a:rPr>
-              <a:t> </a:t>
-            </a:r>
-            <a:r>
-              <a:rPr lang="fr-FR" sz="1800" dirty="0" err="1">
-                <a:effectLst/>
-                <a:latin typeface="Times New Roman" panose="02020603050405020304" pitchFamily="18" charset="0"/>
-                <a:ea typeface="Calibri" panose="020F0502020204030204" pitchFamily="34" charset="0"/>
-                <a:cs typeface="Times New Roman" panose="02020603050405020304" pitchFamily="18" charset="0"/>
-              </a:rPr>
-              <a:t>protein</a:t>
-            </a:r>
-            <a:r>
-              <a:rPr lang="fr-FR" sz="1800" dirty="0">
-                <a:effectLst/>
-                <a:latin typeface="Times New Roman" panose="02020603050405020304" pitchFamily="18" charset="0"/>
-                <a:ea typeface="Calibri" panose="020F0502020204030204" pitchFamily="34" charset="0"/>
-                <a:cs typeface="Times New Roman" panose="02020603050405020304" pitchFamily="18" charset="0"/>
-              </a:rPr>
-              <a:t> sac7d </a:t>
-            </a:r>
-            <a:r>
-              <a:rPr lang="fr-FR" sz="1800" dirty="0" err="1">
-                <a:effectLst/>
-                <a:latin typeface="Times New Roman" panose="02020603050405020304" pitchFamily="18" charset="0"/>
-                <a:ea typeface="Calibri" panose="020F0502020204030204" pitchFamily="34" charset="0"/>
-                <a:cs typeface="Times New Roman" panose="02020603050405020304" pitchFamily="18" charset="0"/>
-              </a:rPr>
-              <a:t>bound</a:t>
-            </a:r>
-            <a:r>
-              <a:rPr lang="fr-FR" sz="1800" dirty="0">
-                <a:effectLst/>
-                <a:latin typeface="Times New Roman" panose="02020603050405020304" pitchFamily="18" charset="0"/>
-                <a:ea typeface="Calibri" panose="020F0502020204030204" pitchFamily="34" charset="0"/>
-                <a:cs typeface="Times New Roman" panose="02020603050405020304" pitchFamily="18" charset="0"/>
-              </a:rPr>
-              <a:t> </a:t>
-            </a:r>
-            <a:r>
-              <a:rPr lang="fr-FR" sz="1800" dirty="0" err="1">
-                <a:effectLst/>
-                <a:latin typeface="Times New Roman" panose="02020603050405020304" pitchFamily="18" charset="0"/>
-                <a:ea typeface="Calibri" panose="020F0502020204030204" pitchFamily="34" charset="0"/>
-                <a:cs typeface="Times New Roman" panose="02020603050405020304" pitchFamily="18" charset="0"/>
-              </a:rPr>
-              <a:t>with</a:t>
-            </a:r>
-            <a:r>
-              <a:rPr lang="fr-FR" sz="1800" dirty="0">
-                <a:effectLst/>
-                <a:latin typeface="Times New Roman" panose="02020603050405020304" pitchFamily="18" charset="0"/>
-                <a:ea typeface="Calibri" panose="020F0502020204030204" pitchFamily="34" charset="0"/>
-                <a:cs typeface="Times New Roman" panose="02020603050405020304" pitchFamily="18" charset="0"/>
-              </a:rPr>
-              <a:t> </a:t>
-            </a:r>
-            <a:r>
-              <a:rPr lang="fr-FR" sz="1800" dirty="0" err="1">
-                <a:effectLst/>
-                <a:latin typeface="Times New Roman" panose="02020603050405020304" pitchFamily="18" charset="0"/>
-                <a:ea typeface="Calibri" panose="020F0502020204030204" pitchFamily="34" charset="0"/>
-                <a:cs typeface="Times New Roman" panose="02020603050405020304" pitchFamily="18" charset="0"/>
-              </a:rPr>
-              <a:t>kinked</a:t>
-            </a:r>
-            <a:r>
-              <a:rPr lang="fr-FR" sz="1800" dirty="0">
-                <a:effectLst/>
-                <a:latin typeface="Times New Roman" panose="02020603050405020304" pitchFamily="18" charset="0"/>
-                <a:ea typeface="Calibri" panose="020F0502020204030204" pitchFamily="34" charset="0"/>
-                <a:cs typeface="Times New Roman" panose="02020603050405020304" pitchFamily="18" charset="0"/>
-              </a:rPr>
-              <a:t> </a:t>
-            </a:r>
-            <a:r>
-              <a:rPr lang="fr-FR" sz="1800" dirty="0" err="1">
-                <a:effectLst/>
-                <a:latin typeface="Times New Roman" panose="02020603050405020304" pitchFamily="18" charset="0"/>
-                <a:ea typeface="Calibri" panose="020F0502020204030204" pitchFamily="34" charset="0"/>
-                <a:cs typeface="Times New Roman" panose="02020603050405020304" pitchFamily="18" charset="0"/>
-              </a:rPr>
-              <a:t>dna</a:t>
-            </a:r>
-            <a:r>
-              <a:rPr lang="fr-FR" sz="1800" dirty="0">
-                <a:effectLst/>
-                <a:latin typeface="Times New Roman" panose="02020603050405020304" pitchFamily="18" charset="0"/>
-                <a:ea typeface="Calibri" panose="020F0502020204030204" pitchFamily="34" charset="0"/>
-                <a:cs typeface="Times New Roman" panose="02020603050405020304" pitchFamily="18" charset="0"/>
-              </a:rPr>
-              <a:t> duplex : </a:t>
-            </a:r>
-            <a:r>
-              <a:rPr lang="fr-FR" sz="1800" u="sng" dirty="0">
-                <a:solidFill>
-                  <a:srgbClr val="0000FF"/>
-                </a:solidFill>
-                <a:effectLst/>
-                <a:latin typeface="Times New Roman" panose="02020603050405020304" pitchFamily="18" charset="0"/>
-                <a:ea typeface="Calibri" panose="020F0502020204030204" pitchFamily="34" charset="0"/>
-                <a:cs typeface="Times New Roman" panose="02020603050405020304" pitchFamily="18" charset="0"/>
-                <a:hlinkClick r:id="rId4"/>
-              </a:rPr>
-              <a:t>https://www.rcsb.org/structure/1azp</a:t>
-            </a:r>
-            <a:r>
-              <a:rPr lang="fr-FR" sz="1800" dirty="0">
-                <a:effectLst/>
-                <a:latin typeface="Times New Roman" panose="02020603050405020304" pitchFamily="18" charset="0"/>
-                <a:ea typeface="Calibri" panose="020F0502020204030204" pitchFamily="34" charset="0"/>
-                <a:cs typeface="Times New Roman" panose="02020603050405020304" pitchFamily="18" charset="0"/>
-              </a:rPr>
-              <a:t> </a:t>
-            </a:r>
-            <a:endParaRPr lang="fr-FR" sz="1800" dirty="0">
-              <a:effectLst/>
-              <a:latin typeface="Calibri" panose="020F0502020204030204" pitchFamily="34" charset="0"/>
-              <a:ea typeface="Calibri" panose="020F0502020204030204" pitchFamily="34" charset="0"/>
-              <a:cs typeface="Times New Roman" panose="02020603050405020304" pitchFamily="18" charset="0"/>
-            </a:endParaRPr>
-          </a:p>
-          <a:p>
-            <a:pPr marL="342900" lvl="0" indent="-342900">
-              <a:lnSpc>
-                <a:spcPct val="107000"/>
-              </a:lnSpc>
-              <a:spcAft>
-                <a:spcPts val="800"/>
-              </a:spcAft>
-              <a:buFont typeface="+mj-lt"/>
-              <a:buAutoNum type="arabicPeriod"/>
-            </a:pPr>
-            <a:r>
-              <a:rPr lang="fr-FR" sz="1800" dirty="0">
-                <a:effectLst/>
-                <a:latin typeface="Times New Roman" panose="02020603050405020304" pitchFamily="18" charset="0"/>
-                <a:ea typeface="Calibri" panose="020F0502020204030204" pitchFamily="34" charset="0"/>
-                <a:cs typeface="Times New Roman" panose="02020603050405020304" pitchFamily="18" charset="0"/>
-              </a:rPr>
-              <a:t>Page pdb de 2AK3 : </a:t>
-            </a:r>
-            <a:r>
-              <a:rPr lang="fr-FR" sz="1800" u="sng" dirty="0">
-                <a:solidFill>
-                  <a:srgbClr val="0000FF"/>
-                </a:solidFill>
-                <a:effectLst/>
-                <a:latin typeface="Times New Roman" panose="02020603050405020304" pitchFamily="18" charset="0"/>
-                <a:ea typeface="Calibri" panose="020F0502020204030204" pitchFamily="34" charset="0"/>
-                <a:cs typeface="Times New Roman" panose="02020603050405020304" pitchFamily="18" charset="0"/>
-                <a:hlinkClick r:id="rId5"/>
-              </a:rPr>
-              <a:t>https://www.rcsb.org/structure/2ak3</a:t>
-            </a:r>
-            <a:r>
-              <a:rPr lang="fr-FR" sz="1800" dirty="0">
-                <a:effectLst/>
-                <a:latin typeface="Times New Roman" panose="02020603050405020304" pitchFamily="18" charset="0"/>
-                <a:ea typeface="Calibri" panose="020F0502020204030204" pitchFamily="34" charset="0"/>
-                <a:cs typeface="Times New Roman" panose="02020603050405020304" pitchFamily="18" charset="0"/>
-              </a:rPr>
-              <a:t> </a:t>
-            </a:r>
-            <a:endParaRPr lang="fr-FR" sz="1800" dirty="0">
-              <a:effectLst/>
-              <a:latin typeface="Calibri" panose="020F0502020204030204" pitchFamily="34" charset="0"/>
-              <a:ea typeface="Calibri" panose="020F0502020204030204" pitchFamily="34" charset="0"/>
-              <a:cs typeface="Times New Roman" panose="02020603050405020304" pitchFamily="18" charset="0"/>
-            </a:endParaRPr>
+              <a:t>Conclusion</a:t>
+            </a:r>
           </a:p>
         </p:txBody>
       </p:sp>
@@ -11645,7 +10600,7 @@
           <p:nvPr/>
         </p:nvPicPr>
         <p:blipFill>
-          <a:blip r:embed="rId6">
+          <a:blip r:embed="rId2">
             <a:extLst>
               <a:ext uri="{28A0092B-C50C-407E-A947-70E740481C1C}">
                 <a14:useLocalDpi xmlns:a14="http://schemas.microsoft.com/office/drawing/2010/main" val="0"/>
@@ -11720,10 +10675,10 @@
       </p:cxnSp>
       <p:sp>
         <p:nvSpPr>
-          <p:cNvPr id="7" name="Espace réservé de la date 3">
-            <a:extLst>
-              <a:ext uri="{FF2B5EF4-FFF2-40B4-BE49-F238E27FC236}">
-                <a16:creationId xmlns:a16="http://schemas.microsoft.com/office/drawing/2014/main" id="{76BB1596-A3EC-F339-4D57-5E00BE5468DC}"/>
+          <p:cNvPr id="3" name="Espace réservé de la date 3">
+            <a:extLst>
+              <a:ext uri="{FF2B5EF4-FFF2-40B4-BE49-F238E27FC236}">
+                <a16:creationId xmlns:a16="http://schemas.microsoft.com/office/drawing/2014/main" id="{00CC99EF-F5C1-BD43-1DFF-BCBA359F5E21}"/>
               </a:ext>
             </a:extLst>
           </p:cNvPr>
@@ -11753,10 +10708,10 @@
       </p:sp>
       <p:sp>
         <p:nvSpPr>
-          <p:cNvPr id="9" name="Espace réservé du pied de page 4">
-            <a:extLst>
-              <a:ext uri="{FF2B5EF4-FFF2-40B4-BE49-F238E27FC236}">
-                <a16:creationId xmlns:a16="http://schemas.microsoft.com/office/drawing/2014/main" id="{CE5FBD6C-6FE4-1FFE-40FE-CDECCB34C023}"/>
+          <p:cNvPr id="7" name="Espace réservé du pied de page 4">
+            <a:extLst>
+              <a:ext uri="{FF2B5EF4-FFF2-40B4-BE49-F238E27FC236}">
+                <a16:creationId xmlns:a16="http://schemas.microsoft.com/office/drawing/2014/main" id="{69D56551-2494-9A74-75F6-47857596E832}"/>
               </a:ext>
             </a:extLst>
           </p:cNvPr>
@@ -11806,10 +10761,328 @@
           </a:p>
         </p:txBody>
       </p:sp>
+      <p:sp>
+        <p:nvSpPr>
+          <p:cNvPr id="9" name="Espace réservé du contenu 2">
+            <a:extLst>
+              <a:ext uri="{FF2B5EF4-FFF2-40B4-BE49-F238E27FC236}">
+                <a16:creationId xmlns:a16="http://schemas.microsoft.com/office/drawing/2014/main" id="{24661F3C-BD68-1889-C53B-A4CD91554EA7}"/>
+              </a:ext>
+            </a:extLst>
+          </p:cNvPr>
+          <p:cNvSpPr txBox="1">
+            <a:spLocks/>
+          </p:cNvSpPr>
+          <p:nvPr/>
+        </p:nvSpPr>
+        <p:spPr>
+          <a:xfrm>
+            <a:off x="231320" y="1078238"/>
+            <a:ext cx="11824556" cy="5300591"/>
+          </a:xfrm>
+          <a:prstGeom prst="rect">
+            <a:avLst/>
+          </a:prstGeom>
+        </p:spPr>
+        <p:txBody>
+          <a:bodyPr vert="horz" lIns="91440" tIns="45720" rIns="91440" bIns="45720" rtlCol="0">
+            <a:normAutofit/>
+          </a:bodyPr>
+          <a:lstStyle>
+            <a:lvl1pPr marL="228600" indent="-228600" algn="l" defTabSz="914400" rtl="0" eaLnBrk="1" latinLnBrk="0" hangingPunct="1">
+              <a:lnSpc>
+                <a:spcPct val="90000"/>
+              </a:lnSpc>
+              <a:spcBef>
+                <a:spcPts val="1000"/>
+              </a:spcBef>
+              <a:buFont typeface="Arial" panose="020B0604020202020204" pitchFamily="34" charset="0"/>
+              <a:buChar char="•"/>
+              <a:defRPr sz="2800" kern="1200">
+                <a:solidFill>
+                  <a:schemeClr val="tx1"/>
+                </a:solidFill>
+                <a:latin typeface="+mn-lt"/>
+                <a:ea typeface="+mn-ea"/>
+                <a:cs typeface="+mn-cs"/>
+              </a:defRPr>
+            </a:lvl1pPr>
+            <a:lvl2pPr marL="685800" indent="-228600" algn="l" defTabSz="914400" rtl="0" eaLnBrk="1" latinLnBrk="0" hangingPunct="1">
+              <a:lnSpc>
+                <a:spcPct val="90000"/>
+              </a:lnSpc>
+              <a:spcBef>
+                <a:spcPts val="500"/>
+              </a:spcBef>
+              <a:buFont typeface="Arial" panose="020B0604020202020204" pitchFamily="34" charset="0"/>
+              <a:buChar char="•"/>
+              <a:defRPr sz="2400" kern="1200">
+                <a:solidFill>
+                  <a:schemeClr val="tx1"/>
+                </a:solidFill>
+                <a:latin typeface="+mn-lt"/>
+                <a:ea typeface="+mn-ea"/>
+                <a:cs typeface="+mn-cs"/>
+              </a:defRPr>
+            </a:lvl2pPr>
+            <a:lvl3pPr marL="1143000" indent="-228600" algn="l" defTabSz="914400" rtl="0" eaLnBrk="1" latinLnBrk="0" hangingPunct="1">
+              <a:lnSpc>
+                <a:spcPct val="90000"/>
+              </a:lnSpc>
+              <a:spcBef>
+                <a:spcPts val="500"/>
+              </a:spcBef>
+              <a:buFont typeface="Arial" panose="020B0604020202020204" pitchFamily="34" charset="0"/>
+              <a:buChar char="•"/>
+              <a:defRPr sz="2000" kern="1200">
+                <a:solidFill>
+                  <a:schemeClr val="tx1"/>
+                </a:solidFill>
+                <a:latin typeface="+mn-lt"/>
+                <a:ea typeface="+mn-ea"/>
+                <a:cs typeface="+mn-cs"/>
+              </a:defRPr>
+            </a:lvl3pPr>
+            <a:lvl4pPr marL="1600200" indent="-228600" algn="l" defTabSz="914400" rtl="0" eaLnBrk="1" latinLnBrk="0" hangingPunct="1">
+              <a:lnSpc>
+                <a:spcPct val="90000"/>
+              </a:lnSpc>
+              <a:spcBef>
+                <a:spcPts val="500"/>
+              </a:spcBef>
+              <a:buFont typeface="Arial" panose="020B0604020202020204" pitchFamily="34" charset="0"/>
+              <a:buChar char="•"/>
+              <a:defRPr sz="1800" kern="1200">
+                <a:solidFill>
+                  <a:schemeClr val="tx1"/>
+                </a:solidFill>
+                <a:latin typeface="+mn-lt"/>
+                <a:ea typeface="+mn-ea"/>
+                <a:cs typeface="+mn-cs"/>
+              </a:defRPr>
+            </a:lvl4pPr>
+            <a:lvl5pPr marL="2057400" indent="-228600" algn="l" defTabSz="914400" rtl="0" eaLnBrk="1" latinLnBrk="0" hangingPunct="1">
+              <a:lnSpc>
+                <a:spcPct val="90000"/>
+              </a:lnSpc>
+              <a:spcBef>
+                <a:spcPts val="500"/>
+              </a:spcBef>
+              <a:buFont typeface="Arial" panose="020B0604020202020204" pitchFamily="34" charset="0"/>
+              <a:buChar char="•"/>
+              <a:defRPr sz="1800" kern="1200">
+                <a:solidFill>
+                  <a:schemeClr val="tx1"/>
+                </a:solidFill>
+                <a:latin typeface="+mn-lt"/>
+                <a:ea typeface="+mn-ea"/>
+                <a:cs typeface="+mn-cs"/>
+              </a:defRPr>
+            </a:lvl5pPr>
+            <a:lvl6pPr marL="2514600" indent="-228600" algn="l" defTabSz="914400" rtl="0" eaLnBrk="1" latinLnBrk="0" hangingPunct="1">
+              <a:lnSpc>
+                <a:spcPct val="90000"/>
+              </a:lnSpc>
+              <a:spcBef>
+                <a:spcPts val="500"/>
+              </a:spcBef>
+              <a:buFont typeface="Arial" panose="020B0604020202020204" pitchFamily="34" charset="0"/>
+              <a:buChar char="•"/>
+              <a:defRPr sz="1800" kern="1200">
+                <a:solidFill>
+                  <a:schemeClr val="tx1"/>
+                </a:solidFill>
+                <a:latin typeface="+mn-lt"/>
+                <a:ea typeface="+mn-ea"/>
+                <a:cs typeface="+mn-cs"/>
+              </a:defRPr>
+            </a:lvl6pPr>
+            <a:lvl7pPr marL="2971800" indent="-228600" algn="l" defTabSz="914400" rtl="0" eaLnBrk="1" latinLnBrk="0" hangingPunct="1">
+              <a:lnSpc>
+                <a:spcPct val="90000"/>
+              </a:lnSpc>
+              <a:spcBef>
+                <a:spcPts val="500"/>
+              </a:spcBef>
+              <a:buFont typeface="Arial" panose="020B0604020202020204" pitchFamily="34" charset="0"/>
+              <a:buChar char="•"/>
+              <a:defRPr sz="1800" kern="1200">
+                <a:solidFill>
+                  <a:schemeClr val="tx1"/>
+                </a:solidFill>
+                <a:latin typeface="+mn-lt"/>
+                <a:ea typeface="+mn-ea"/>
+                <a:cs typeface="+mn-cs"/>
+              </a:defRPr>
+            </a:lvl7pPr>
+            <a:lvl8pPr marL="3429000" indent="-228600" algn="l" defTabSz="914400" rtl="0" eaLnBrk="1" latinLnBrk="0" hangingPunct="1">
+              <a:lnSpc>
+                <a:spcPct val="90000"/>
+              </a:lnSpc>
+              <a:spcBef>
+                <a:spcPts val="500"/>
+              </a:spcBef>
+              <a:buFont typeface="Arial" panose="020B0604020202020204" pitchFamily="34" charset="0"/>
+              <a:buChar char="•"/>
+              <a:defRPr sz="1800" kern="1200">
+                <a:solidFill>
+                  <a:schemeClr val="tx1"/>
+                </a:solidFill>
+                <a:latin typeface="+mn-lt"/>
+                <a:ea typeface="+mn-ea"/>
+                <a:cs typeface="+mn-cs"/>
+              </a:defRPr>
+            </a:lvl8pPr>
+            <a:lvl9pPr marL="3886200" indent="-228600" algn="l" defTabSz="914400" rtl="0" eaLnBrk="1" latinLnBrk="0" hangingPunct="1">
+              <a:lnSpc>
+                <a:spcPct val="90000"/>
+              </a:lnSpc>
+              <a:spcBef>
+                <a:spcPts val="500"/>
+              </a:spcBef>
+              <a:buFont typeface="Arial" panose="020B0604020202020204" pitchFamily="34" charset="0"/>
+              <a:buChar char="•"/>
+              <a:defRPr sz="1800" kern="1200">
+                <a:solidFill>
+                  <a:schemeClr val="tx1"/>
+                </a:solidFill>
+                <a:latin typeface="+mn-lt"/>
+                <a:ea typeface="+mn-ea"/>
+                <a:cs typeface="+mn-cs"/>
+              </a:defRPr>
+            </a:lvl9pPr>
+          </a:lstStyle>
+          <a:p>
+            <a:pPr>
+              <a:buFontTx/>
+              <a:buChar char="-"/>
+            </a:pPr>
+            <a:r>
+              <a:rPr lang="fr-FR" dirty="0">
+                <a:latin typeface="Arial" panose="020B0604020202020204" pitchFamily="34" charset="0"/>
+                <a:cs typeface="Arial" panose="020B0604020202020204" pitchFamily="34" charset="0"/>
+              </a:rPr>
+              <a:t>Points forts et points faibles des outils</a:t>
+            </a:r>
+          </a:p>
+          <a:p>
+            <a:pPr marL="0" indent="0">
+              <a:buNone/>
+            </a:pPr>
+            <a:r>
+              <a:rPr lang="fr-FR" dirty="0" err="1">
+                <a:latin typeface="Arial" panose="020B0604020202020204" pitchFamily="34" charset="0"/>
+                <a:cs typeface="Arial" panose="020B0604020202020204" pitchFamily="34" charset="0"/>
+              </a:rPr>
+              <a:t>mixOmics</a:t>
+            </a:r>
+            <a:r>
+              <a:rPr lang="fr-FR" dirty="0">
+                <a:latin typeface="Arial" panose="020B0604020202020204" pitchFamily="34" charset="0"/>
+                <a:cs typeface="Arial" panose="020B0604020202020204" pitchFamily="34" charset="0"/>
+              </a:rPr>
+              <a:t> c’est top</a:t>
+            </a:r>
+          </a:p>
+          <a:p>
+            <a:pPr marL="0" indent="0">
+              <a:buNone/>
+            </a:pPr>
+            <a:r>
+              <a:rPr lang="fr-FR" dirty="0" err="1">
+                <a:latin typeface="Arial" panose="020B0604020202020204" pitchFamily="34" charset="0"/>
+                <a:cs typeface="Arial" panose="020B0604020202020204" pitchFamily="34" charset="0"/>
+              </a:rPr>
+              <a:t>Mirtarbase</a:t>
+            </a:r>
+            <a:r>
+              <a:rPr lang="fr-FR" dirty="0">
+                <a:latin typeface="Arial" panose="020B0604020202020204" pitchFamily="34" charset="0"/>
+                <a:cs typeface="Arial" panose="020B0604020202020204" pitchFamily="34" charset="0"/>
+              </a:rPr>
+              <a:t> est nul et mal documenté (le site est mort)</a:t>
+            </a:r>
+          </a:p>
+          <a:p>
+            <a:pPr marL="0" indent="0">
+              <a:buNone/>
+            </a:pPr>
+            <a:r>
+              <a:rPr lang="fr-FR" dirty="0" err="1">
+                <a:latin typeface="Arial" panose="020B0604020202020204" pitchFamily="34" charset="0"/>
+                <a:cs typeface="Arial" panose="020B0604020202020204" pitchFamily="34" charset="0"/>
+              </a:rPr>
+              <a:t>MirdB</a:t>
+            </a:r>
+            <a:endParaRPr lang="fr-FR" dirty="0">
+              <a:latin typeface="Arial" panose="020B0604020202020204" pitchFamily="34" charset="0"/>
+              <a:cs typeface="Arial" panose="020B0604020202020204" pitchFamily="34" charset="0"/>
+            </a:endParaRPr>
+          </a:p>
+          <a:p>
+            <a:pPr marL="0" indent="0">
+              <a:buNone/>
+            </a:pPr>
+            <a:r>
+              <a:rPr lang="fr-FR" dirty="0" err="1">
+                <a:latin typeface="Arial" panose="020B0604020202020204" pitchFamily="34" charset="0"/>
+                <a:cs typeface="Arial" panose="020B0604020202020204" pitchFamily="34" charset="0"/>
+              </a:rPr>
+              <a:t>MirBase</a:t>
+            </a:r>
+            <a:endParaRPr lang="fr-FR" dirty="0">
+              <a:latin typeface="Arial" panose="020B0604020202020204" pitchFamily="34" charset="0"/>
+              <a:cs typeface="Arial" panose="020B0604020202020204" pitchFamily="34" charset="0"/>
+            </a:endParaRPr>
+          </a:p>
+          <a:p>
+            <a:pPr marL="0" indent="0">
+              <a:buNone/>
+            </a:pPr>
+            <a:r>
+              <a:rPr lang="fr-FR" dirty="0" err="1">
+                <a:latin typeface="Arial" panose="020B0604020202020204" pitchFamily="34" charset="0"/>
+                <a:cs typeface="Arial" panose="020B0604020202020204" pitchFamily="34" charset="0"/>
+              </a:rPr>
+              <a:t>Tarbase</a:t>
+            </a:r>
+            <a:endParaRPr lang="fr-FR" dirty="0">
+              <a:latin typeface="Arial" panose="020B0604020202020204" pitchFamily="34" charset="0"/>
+              <a:cs typeface="Arial" panose="020B0604020202020204" pitchFamily="34" charset="0"/>
+            </a:endParaRPr>
+          </a:p>
+          <a:p>
+            <a:pPr>
+              <a:buFontTx/>
+              <a:buChar char="-"/>
+            </a:pPr>
+            <a:r>
+              <a:rPr lang="fr-FR" dirty="0">
+                <a:latin typeface="Arial" panose="020B0604020202020204" pitchFamily="34" charset="0"/>
+                <a:cs typeface="Arial" panose="020B0604020202020204" pitchFamily="34" charset="0"/>
+              </a:rPr>
+              <a:t>Difficultés rencontrées</a:t>
+            </a:r>
+          </a:p>
+          <a:p>
+            <a:pPr>
+              <a:buFontTx/>
+              <a:buChar char="-"/>
+            </a:pPr>
+            <a:r>
+              <a:rPr lang="fr-FR" dirty="0">
+                <a:latin typeface="Arial" panose="020B0604020202020204" pitchFamily="34" charset="0"/>
+                <a:cs typeface="Arial" panose="020B0604020202020204" pitchFamily="34" charset="0"/>
+              </a:rPr>
+              <a:t>Résumé des résultats</a:t>
+            </a:r>
+          </a:p>
+        </p:txBody>
+      </p:sp>
     </p:spTree>
     <p:extLst>
       <p:ext uri="{BB962C8B-B14F-4D97-AF65-F5344CB8AC3E}">
-        <p14:creationId xmlns:p14="http://schemas.microsoft.com/office/powerpoint/2010/main" val="3627111302"/>
+        <p14:creationId xmlns:p14="http://schemas.microsoft.com/office/powerpoint/2010/main" val="2333177088"/>
       </p:ext>
     </p:extLst>
   </p:cSld>
@@ -11854,7 +11127,7 @@
         </p:nvSpPr>
         <p:spPr>
           <a:xfrm>
-            <a:off x="145740" y="118307"/>
+            <a:off x="145740" y="117877"/>
             <a:ext cx="11137778" cy="691318"/>
           </a:xfrm>
         </p:spPr>
@@ -11865,6 +11138,1336 @@
           <a:lstStyle/>
           <a:p>
             <a:r>
+              <a:rPr lang="en-US" sz="3200" b="1" dirty="0">
+                <a:latin typeface="Arial" panose="020B0604020202020204" pitchFamily="34" charset="0"/>
+                <a:cs typeface="Arial" panose="020B0604020202020204" pitchFamily="34" charset="0"/>
+              </a:rPr>
+              <a:t>References</a:t>
+            </a:r>
+          </a:p>
+        </p:txBody>
+      </p:sp>
+      <p:sp>
+        <p:nvSpPr>
+          <p:cNvPr id="3" name="Espace réservé du contenu 2">
+            <a:extLst>
+              <a:ext uri="{FF2B5EF4-FFF2-40B4-BE49-F238E27FC236}">
+                <a16:creationId xmlns:a16="http://schemas.microsoft.com/office/drawing/2014/main" id="{7D811F63-52EF-83B1-E13C-148915CEDEC3}"/>
+              </a:ext>
+            </a:extLst>
+          </p:cNvPr>
+          <p:cNvSpPr>
+            <a:spLocks noGrp="1"/>
+          </p:cNvSpPr>
+          <p:nvPr>
+            <p:ph idx="1"/>
+          </p:nvPr>
+        </p:nvSpPr>
+        <p:spPr>
+          <a:xfrm>
+            <a:off x="145740" y="964491"/>
+            <a:ext cx="11910136" cy="5498453"/>
+          </a:xfrm>
+        </p:spPr>
+        <p:txBody>
+          <a:bodyPr/>
+          <a:lstStyle/>
+          <a:p>
+            <a:pPr marL="342900" lvl="0" indent="-342900">
+              <a:lnSpc>
+                <a:spcPct val="107000"/>
+              </a:lnSpc>
+              <a:buFont typeface="+mj-lt"/>
+              <a:buAutoNum type="arabicPeriod"/>
+            </a:pPr>
+            <a:r>
+              <a:rPr lang="fr-FR" sz="1800" dirty="0">
+                <a:effectLst/>
+                <a:latin typeface="Times New Roman" panose="02020603050405020304" pitchFamily="18" charset="0"/>
+                <a:ea typeface="Calibri" panose="020F0502020204030204" pitchFamily="34" charset="0"/>
+                <a:cs typeface="Times New Roman" panose="02020603050405020304" pitchFamily="18" charset="0"/>
+              </a:rPr>
+              <a:t>S. </a:t>
+            </a:r>
+            <a:r>
+              <a:rPr lang="fr-FR" sz="1800" dirty="0" err="1">
+                <a:effectLst/>
+                <a:latin typeface="Times New Roman" panose="02020603050405020304" pitchFamily="18" charset="0"/>
+                <a:ea typeface="Calibri" panose="020F0502020204030204" pitchFamily="34" charset="0"/>
+                <a:cs typeface="Times New Roman" panose="02020603050405020304" pitchFamily="18" charset="0"/>
+              </a:rPr>
+              <a:t>Altschul</a:t>
+            </a:r>
+            <a:r>
+              <a:rPr lang="fr-FR" sz="1800" dirty="0">
+                <a:effectLst/>
+                <a:latin typeface="Times New Roman" panose="02020603050405020304" pitchFamily="18" charset="0"/>
+                <a:ea typeface="Calibri" panose="020F0502020204030204" pitchFamily="34" charset="0"/>
+                <a:cs typeface="Times New Roman" panose="02020603050405020304" pitchFamily="18" charset="0"/>
+              </a:rPr>
+              <a:t> et al. (2017) </a:t>
+            </a:r>
+            <a:r>
+              <a:rPr lang="fr-FR" sz="1800" dirty="0" err="1">
+                <a:effectLst/>
+                <a:latin typeface="Times New Roman" panose="02020603050405020304" pitchFamily="18" charset="0"/>
+                <a:ea typeface="Calibri" panose="020F0502020204030204" pitchFamily="34" charset="0"/>
+                <a:cs typeface="Times New Roman" panose="02020603050405020304" pitchFamily="18" charset="0"/>
+              </a:rPr>
+              <a:t>Handbook</a:t>
+            </a:r>
+            <a:r>
+              <a:rPr lang="fr-FR" sz="1800" dirty="0">
+                <a:effectLst/>
+                <a:latin typeface="Times New Roman" panose="02020603050405020304" pitchFamily="18" charset="0"/>
+                <a:ea typeface="Calibri" panose="020F0502020204030204" pitchFamily="34" charset="0"/>
+                <a:cs typeface="Times New Roman" panose="02020603050405020304" pitchFamily="18" charset="0"/>
+              </a:rPr>
+              <a:t> of </a:t>
+            </a:r>
+            <a:r>
+              <a:rPr lang="fr-FR" sz="1800" dirty="0" err="1">
+                <a:effectLst/>
+                <a:latin typeface="Times New Roman" panose="02020603050405020304" pitchFamily="18" charset="0"/>
+                <a:ea typeface="Calibri" panose="020F0502020204030204" pitchFamily="34" charset="0"/>
+                <a:cs typeface="Times New Roman" panose="02020603050405020304" pitchFamily="18" charset="0"/>
+              </a:rPr>
+              <a:t>Discrete</a:t>
+            </a:r>
+            <a:r>
+              <a:rPr lang="fr-FR" sz="1800" dirty="0">
+                <a:effectLst/>
+                <a:latin typeface="Times New Roman" panose="02020603050405020304" pitchFamily="18" charset="0"/>
+                <a:ea typeface="Calibri" panose="020F0502020204030204" pitchFamily="34" charset="0"/>
+                <a:cs typeface="Times New Roman" panose="02020603050405020304" pitchFamily="18" charset="0"/>
+              </a:rPr>
+              <a:t> and </a:t>
+            </a:r>
+            <a:r>
+              <a:rPr lang="fr-FR" sz="1800" dirty="0" err="1">
+                <a:effectLst/>
+                <a:latin typeface="Times New Roman" panose="02020603050405020304" pitchFamily="18" charset="0"/>
+                <a:ea typeface="Calibri" panose="020F0502020204030204" pitchFamily="34" charset="0"/>
+                <a:cs typeface="Times New Roman" panose="02020603050405020304" pitchFamily="18" charset="0"/>
+              </a:rPr>
+              <a:t>Combinatorial</a:t>
+            </a:r>
+            <a:r>
+              <a:rPr lang="fr-FR" sz="1800" dirty="0">
+                <a:effectLst/>
+                <a:latin typeface="Times New Roman" panose="02020603050405020304" pitchFamily="18" charset="0"/>
+                <a:ea typeface="Calibri" panose="020F0502020204030204" pitchFamily="34" charset="0"/>
+                <a:cs typeface="Times New Roman" panose="02020603050405020304" pitchFamily="18" charset="0"/>
+              </a:rPr>
+              <a:t> </a:t>
+            </a:r>
+            <a:r>
+              <a:rPr lang="fr-FR" sz="1800" dirty="0" err="1">
+                <a:effectLst/>
+                <a:latin typeface="Times New Roman" panose="02020603050405020304" pitchFamily="18" charset="0"/>
+                <a:ea typeface="Calibri" panose="020F0502020204030204" pitchFamily="34" charset="0"/>
+                <a:cs typeface="Times New Roman" panose="02020603050405020304" pitchFamily="18" charset="0"/>
+              </a:rPr>
+              <a:t>Mathematics</a:t>
+            </a:r>
+            <a:r>
+              <a:rPr lang="fr-FR" sz="1800" dirty="0">
+                <a:effectLst/>
+                <a:latin typeface="Times New Roman" panose="02020603050405020304" pitchFamily="18" charset="0"/>
+                <a:ea typeface="Calibri" panose="020F0502020204030204" pitchFamily="34" charset="0"/>
+                <a:cs typeface="Times New Roman" panose="02020603050405020304" pitchFamily="18" charset="0"/>
+              </a:rPr>
+              <a:t>. 2nd </a:t>
+            </a:r>
+            <a:r>
+              <a:rPr lang="fr-FR" sz="1800" dirty="0" err="1">
+                <a:effectLst/>
+                <a:latin typeface="Times New Roman" panose="02020603050405020304" pitchFamily="18" charset="0"/>
+                <a:ea typeface="Calibri" panose="020F0502020204030204" pitchFamily="34" charset="0"/>
+                <a:cs typeface="Times New Roman" panose="02020603050405020304" pitchFamily="18" charset="0"/>
+              </a:rPr>
+              <a:t>edition</a:t>
+            </a:r>
+            <a:r>
+              <a:rPr lang="fr-FR" sz="1800" dirty="0">
+                <a:effectLst/>
+                <a:latin typeface="Times New Roman" panose="02020603050405020304" pitchFamily="18" charset="0"/>
+                <a:ea typeface="Calibri" panose="020F0502020204030204" pitchFamily="34" charset="0"/>
+                <a:cs typeface="Times New Roman" panose="02020603050405020304" pitchFamily="18" charset="0"/>
+              </a:rPr>
+              <a:t>, </a:t>
+            </a:r>
+            <a:r>
+              <a:rPr lang="fr-FR" sz="1800" dirty="0" err="1">
+                <a:effectLst/>
+                <a:latin typeface="Times New Roman" panose="02020603050405020304" pitchFamily="18" charset="0"/>
+                <a:ea typeface="Calibri" panose="020F0502020204030204" pitchFamily="34" charset="0"/>
+                <a:cs typeface="Times New Roman" panose="02020603050405020304" pitchFamily="18" charset="0"/>
+              </a:rPr>
+              <a:t>Chapter</a:t>
+            </a:r>
+            <a:r>
+              <a:rPr lang="fr-FR" sz="1800" dirty="0">
+                <a:effectLst/>
+                <a:latin typeface="Times New Roman" panose="02020603050405020304" pitchFamily="18" charset="0"/>
+                <a:ea typeface="Calibri" panose="020F0502020204030204" pitchFamily="34" charset="0"/>
+                <a:cs typeface="Times New Roman" panose="02020603050405020304" pitchFamily="18" charset="0"/>
+              </a:rPr>
+              <a:t> 20.1 </a:t>
+            </a:r>
+            <a:r>
+              <a:rPr lang="fr-FR" sz="1800" dirty="0" err="1">
+                <a:effectLst/>
+                <a:latin typeface="Times New Roman" panose="02020603050405020304" pitchFamily="18" charset="0"/>
+                <a:ea typeface="Calibri" panose="020F0502020204030204" pitchFamily="34" charset="0"/>
+                <a:cs typeface="Times New Roman" panose="02020603050405020304" pitchFamily="18" charset="0"/>
+              </a:rPr>
+              <a:t>Sequence</a:t>
+            </a:r>
+            <a:endParaRPr lang="fr-FR" sz="1800" dirty="0">
+              <a:effectLst/>
+              <a:latin typeface="Calibri" panose="020F0502020204030204" pitchFamily="34" charset="0"/>
+              <a:ea typeface="Calibri" panose="020F0502020204030204" pitchFamily="34" charset="0"/>
+              <a:cs typeface="Times New Roman" panose="02020603050405020304" pitchFamily="18" charset="0"/>
+            </a:endParaRPr>
+          </a:p>
+          <a:p>
+            <a:pPr marL="342900" lvl="0" indent="-342900" algn="just">
+              <a:lnSpc>
+                <a:spcPct val="107000"/>
+              </a:lnSpc>
+              <a:buFont typeface="+mj-lt"/>
+              <a:buAutoNum type="arabicPeriod"/>
+            </a:pPr>
+            <a:r>
+              <a:rPr lang="fr-FR" sz="1800" dirty="0">
+                <a:effectLst/>
+                <a:latin typeface="Times New Roman" panose="02020603050405020304" pitchFamily="18" charset="0"/>
+                <a:ea typeface="Calibri" panose="020F0502020204030204" pitchFamily="34" charset="0"/>
+                <a:cs typeface="Times New Roman" panose="02020603050405020304" pitchFamily="18" charset="0"/>
+              </a:rPr>
+              <a:t>T. </a:t>
+            </a:r>
+            <a:r>
+              <a:rPr lang="fr-FR" sz="1800" dirty="0" err="1">
+                <a:effectLst/>
+                <a:latin typeface="Times New Roman" panose="02020603050405020304" pitchFamily="18" charset="0"/>
+                <a:ea typeface="Calibri" panose="020F0502020204030204" pitchFamily="34" charset="0"/>
+                <a:cs typeface="Times New Roman" panose="02020603050405020304" pitchFamily="18" charset="0"/>
+              </a:rPr>
+              <a:t>Bepler</a:t>
+            </a:r>
+            <a:r>
+              <a:rPr lang="fr-FR" sz="1800" dirty="0">
+                <a:effectLst/>
+                <a:latin typeface="Times New Roman" panose="02020603050405020304" pitchFamily="18" charset="0"/>
+                <a:ea typeface="Calibri" panose="020F0502020204030204" pitchFamily="34" charset="0"/>
+                <a:cs typeface="Times New Roman" panose="02020603050405020304" pitchFamily="18" charset="0"/>
+              </a:rPr>
+              <a:t> et al. (2021) Learning the </a:t>
+            </a:r>
+            <a:r>
+              <a:rPr lang="fr-FR" sz="1800" dirty="0" err="1">
+                <a:effectLst/>
+                <a:latin typeface="Times New Roman" panose="02020603050405020304" pitchFamily="18" charset="0"/>
+                <a:ea typeface="Calibri" panose="020F0502020204030204" pitchFamily="34" charset="0"/>
+                <a:cs typeface="Times New Roman" panose="02020603050405020304" pitchFamily="18" charset="0"/>
+              </a:rPr>
+              <a:t>protein</a:t>
+            </a:r>
+            <a:r>
+              <a:rPr lang="fr-FR" sz="1800" dirty="0">
+                <a:effectLst/>
+                <a:latin typeface="Times New Roman" panose="02020603050405020304" pitchFamily="18" charset="0"/>
+                <a:ea typeface="Calibri" panose="020F0502020204030204" pitchFamily="34" charset="0"/>
+                <a:cs typeface="Times New Roman" panose="02020603050405020304" pitchFamily="18" charset="0"/>
+              </a:rPr>
+              <a:t> </a:t>
+            </a:r>
+            <a:r>
+              <a:rPr lang="fr-FR" sz="1800" dirty="0" err="1">
+                <a:effectLst/>
+                <a:latin typeface="Times New Roman" panose="02020603050405020304" pitchFamily="18" charset="0"/>
+                <a:ea typeface="Calibri" panose="020F0502020204030204" pitchFamily="34" charset="0"/>
+                <a:cs typeface="Times New Roman" panose="02020603050405020304" pitchFamily="18" charset="0"/>
+              </a:rPr>
+              <a:t>language</a:t>
+            </a:r>
+            <a:r>
+              <a:rPr lang="fr-FR" sz="1800" dirty="0">
+                <a:effectLst/>
+                <a:latin typeface="Times New Roman" panose="02020603050405020304" pitchFamily="18" charset="0"/>
+                <a:ea typeface="Calibri" panose="020F0502020204030204" pitchFamily="34" charset="0"/>
+                <a:cs typeface="Times New Roman" panose="02020603050405020304" pitchFamily="18" charset="0"/>
+              </a:rPr>
+              <a:t>: Evolution, structure, and </a:t>
+            </a:r>
+            <a:r>
+              <a:rPr lang="fr-FR" sz="1800" dirty="0" err="1">
+                <a:effectLst/>
+                <a:latin typeface="Times New Roman" panose="02020603050405020304" pitchFamily="18" charset="0"/>
+                <a:ea typeface="Calibri" panose="020F0502020204030204" pitchFamily="34" charset="0"/>
+                <a:cs typeface="Times New Roman" panose="02020603050405020304" pitchFamily="18" charset="0"/>
+              </a:rPr>
+              <a:t>function</a:t>
+            </a:r>
+            <a:r>
+              <a:rPr lang="fr-FR" sz="1800" dirty="0">
+                <a:effectLst/>
+                <a:latin typeface="Times New Roman" panose="02020603050405020304" pitchFamily="18" charset="0"/>
+                <a:ea typeface="Calibri" panose="020F0502020204030204" pitchFamily="34" charset="0"/>
+                <a:cs typeface="Times New Roman" panose="02020603050405020304" pitchFamily="18" charset="0"/>
+              </a:rPr>
+              <a:t>.</a:t>
+            </a:r>
+            <a:endParaRPr lang="fr-FR" sz="1800" dirty="0">
+              <a:effectLst/>
+              <a:latin typeface="Calibri" panose="020F0502020204030204" pitchFamily="34" charset="0"/>
+              <a:ea typeface="Calibri" panose="020F0502020204030204" pitchFamily="34" charset="0"/>
+              <a:cs typeface="Times New Roman" panose="02020603050405020304" pitchFamily="18" charset="0"/>
+            </a:endParaRPr>
+          </a:p>
+          <a:p>
+            <a:pPr marL="342900" lvl="0" indent="-342900">
+              <a:lnSpc>
+                <a:spcPct val="107000"/>
+              </a:lnSpc>
+              <a:buFont typeface="+mj-lt"/>
+              <a:buAutoNum type="arabicPeriod"/>
+            </a:pPr>
+            <a:r>
+              <a:rPr lang="fr-FR" sz="1800" dirty="0" err="1">
+                <a:effectLst/>
+                <a:latin typeface="Times New Roman" panose="02020603050405020304" pitchFamily="18" charset="0"/>
+                <a:ea typeface="Calibri" panose="020F0502020204030204" pitchFamily="34" charset="0"/>
+                <a:cs typeface="Times New Roman" panose="02020603050405020304" pitchFamily="18" charset="0"/>
+              </a:rPr>
+              <a:t>Needleman</a:t>
+            </a:r>
+            <a:r>
+              <a:rPr lang="fr-FR" sz="1800" dirty="0">
+                <a:effectLst/>
+                <a:latin typeface="Times New Roman" panose="02020603050405020304" pitchFamily="18" charset="0"/>
+                <a:ea typeface="Calibri" panose="020F0502020204030204" pitchFamily="34" charset="0"/>
+                <a:cs typeface="Times New Roman" panose="02020603050405020304" pitchFamily="18" charset="0"/>
+              </a:rPr>
+              <a:t>, Saul B. &amp; </a:t>
+            </a:r>
+            <a:r>
+              <a:rPr lang="fr-FR" sz="1800" dirty="0" err="1">
+                <a:effectLst/>
+                <a:latin typeface="Times New Roman" panose="02020603050405020304" pitchFamily="18" charset="0"/>
+                <a:ea typeface="Calibri" panose="020F0502020204030204" pitchFamily="34" charset="0"/>
+                <a:cs typeface="Times New Roman" panose="02020603050405020304" pitchFamily="18" charset="0"/>
+              </a:rPr>
+              <a:t>Wunsch</a:t>
+            </a:r>
+            <a:r>
+              <a:rPr lang="fr-FR" sz="1800" dirty="0">
+                <a:effectLst/>
+                <a:latin typeface="Times New Roman" panose="02020603050405020304" pitchFamily="18" charset="0"/>
+                <a:ea typeface="Calibri" panose="020F0502020204030204" pitchFamily="34" charset="0"/>
+                <a:cs typeface="Times New Roman" panose="02020603050405020304" pitchFamily="18" charset="0"/>
+              </a:rPr>
+              <a:t>, Christian D. (1970) A </a:t>
+            </a:r>
+            <a:r>
+              <a:rPr lang="fr-FR" sz="1800" dirty="0" err="1">
+                <a:effectLst/>
+                <a:latin typeface="Times New Roman" panose="02020603050405020304" pitchFamily="18" charset="0"/>
+                <a:ea typeface="Calibri" panose="020F0502020204030204" pitchFamily="34" charset="0"/>
+                <a:cs typeface="Times New Roman" panose="02020603050405020304" pitchFamily="18" charset="0"/>
+              </a:rPr>
+              <a:t>general</a:t>
+            </a:r>
+            <a:r>
+              <a:rPr lang="fr-FR" sz="1800" dirty="0">
+                <a:effectLst/>
+                <a:latin typeface="Times New Roman" panose="02020603050405020304" pitchFamily="18" charset="0"/>
+                <a:ea typeface="Calibri" panose="020F0502020204030204" pitchFamily="34" charset="0"/>
+                <a:cs typeface="Times New Roman" panose="02020603050405020304" pitchFamily="18" charset="0"/>
+              </a:rPr>
+              <a:t> </a:t>
+            </a:r>
+            <a:r>
+              <a:rPr lang="fr-FR" sz="1800" dirty="0" err="1">
+                <a:effectLst/>
+                <a:latin typeface="Times New Roman" panose="02020603050405020304" pitchFamily="18" charset="0"/>
+                <a:ea typeface="Calibri" panose="020F0502020204030204" pitchFamily="34" charset="0"/>
+                <a:cs typeface="Times New Roman" panose="02020603050405020304" pitchFamily="18" charset="0"/>
+              </a:rPr>
+              <a:t>method</a:t>
+            </a:r>
+            <a:r>
+              <a:rPr lang="fr-FR" sz="1800" dirty="0">
+                <a:effectLst/>
+                <a:latin typeface="Times New Roman" panose="02020603050405020304" pitchFamily="18" charset="0"/>
+                <a:ea typeface="Calibri" panose="020F0502020204030204" pitchFamily="34" charset="0"/>
+                <a:cs typeface="Times New Roman" panose="02020603050405020304" pitchFamily="18" charset="0"/>
+              </a:rPr>
+              <a:t> applicable to the </a:t>
+            </a:r>
+            <a:r>
+              <a:rPr lang="fr-FR" sz="1800" dirty="0" err="1">
+                <a:effectLst/>
+                <a:latin typeface="Times New Roman" panose="02020603050405020304" pitchFamily="18" charset="0"/>
+                <a:ea typeface="Calibri" panose="020F0502020204030204" pitchFamily="34" charset="0"/>
+                <a:cs typeface="Times New Roman" panose="02020603050405020304" pitchFamily="18" charset="0"/>
+              </a:rPr>
+              <a:t>search</a:t>
+            </a:r>
+            <a:r>
+              <a:rPr lang="fr-FR" sz="1800" dirty="0">
+                <a:effectLst/>
+                <a:latin typeface="Times New Roman" panose="02020603050405020304" pitchFamily="18" charset="0"/>
+                <a:ea typeface="Calibri" panose="020F0502020204030204" pitchFamily="34" charset="0"/>
+                <a:cs typeface="Times New Roman" panose="02020603050405020304" pitchFamily="18" charset="0"/>
+              </a:rPr>
+              <a:t> for </a:t>
+            </a:r>
+            <a:r>
+              <a:rPr lang="fr-FR" sz="1800" dirty="0" err="1">
+                <a:effectLst/>
+                <a:latin typeface="Times New Roman" panose="02020603050405020304" pitchFamily="18" charset="0"/>
+                <a:ea typeface="Calibri" panose="020F0502020204030204" pitchFamily="34" charset="0"/>
+                <a:cs typeface="Times New Roman" panose="02020603050405020304" pitchFamily="18" charset="0"/>
+              </a:rPr>
+              <a:t>similarities</a:t>
+            </a:r>
+            <a:r>
+              <a:rPr lang="fr-FR" sz="1800" dirty="0">
+                <a:effectLst/>
+                <a:latin typeface="Times New Roman" panose="02020603050405020304" pitchFamily="18" charset="0"/>
+                <a:ea typeface="Calibri" panose="020F0502020204030204" pitchFamily="34" charset="0"/>
+                <a:cs typeface="Times New Roman" panose="02020603050405020304" pitchFamily="18" charset="0"/>
+              </a:rPr>
+              <a:t> in the </a:t>
+            </a:r>
+            <a:r>
+              <a:rPr lang="fr-FR" sz="1800" dirty="0" err="1">
+                <a:effectLst/>
+                <a:latin typeface="Times New Roman" panose="02020603050405020304" pitchFamily="18" charset="0"/>
+                <a:ea typeface="Calibri" panose="020F0502020204030204" pitchFamily="34" charset="0"/>
+                <a:cs typeface="Times New Roman" panose="02020603050405020304" pitchFamily="18" charset="0"/>
+              </a:rPr>
+              <a:t>amino</a:t>
+            </a:r>
+            <a:r>
+              <a:rPr lang="fr-FR" sz="1800" dirty="0">
+                <a:effectLst/>
+                <a:latin typeface="Times New Roman" panose="02020603050405020304" pitchFamily="18" charset="0"/>
+                <a:ea typeface="Calibri" panose="020F0502020204030204" pitchFamily="34" charset="0"/>
+                <a:cs typeface="Times New Roman" panose="02020603050405020304" pitchFamily="18" charset="0"/>
+              </a:rPr>
+              <a:t> </a:t>
+            </a:r>
+            <a:r>
+              <a:rPr lang="fr-FR" sz="1800" dirty="0" err="1">
+                <a:effectLst/>
+                <a:latin typeface="Times New Roman" panose="02020603050405020304" pitchFamily="18" charset="0"/>
+                <a:ea typeface="Calibri" panose="020F0502020204030204" pitchFamily="34" charset="0"/>
+                <a:cs typeface="Times New Roman" panose="02020603050405020304" pitchFamily="18" charset="0"/>
+              </a:rPr>
+              <a:t>acid</a:t>
+            </a:r>
+            <a:r>
+              <a:rPr lang="fr-FR" sz="1800" dirty="0">
+                <a:effectLst/>
+                <a:latin typeface="Times New Roman" panose="02020603050405020304" pitchFamily="18" charset="0"/>
+                <a:ea typeface="Calibri" panose="020F0502020204030204" pitchFamily="34" charset="0"/>
+                <a:cs typeface="Times New Roman" panose="02020603050405020304" pitchFamily="18" charset="0"/>
+              </a:rPr>
+              <a:t> </a:t>
+            </a:r>
+            <a:r>
+              <a:rPr lang="fr-FR" sz="1800" dirty="0" err="1">
+                <a:effectLst/>
+                <a:latin typeface="Times New Roman" panose="02020603050405020304" pitchFamily="18" charset="0"/>
+                <a:ea typeface="Calibri" panose="020F0502020204030204" pitchFamily="34" charset="0"/>
+                <a:cs typeface="Times New Roman" panose="02020603050405020304" pitchFamily="18" charset="0"/>
+              </a:rPr>
+              <a:t>sequence</a:t>
+            </a:r>
+            <a:r>
+              <a:rPr lang="fr-FR" sz="1800" dirty="0">
+                <a:effectLst/>
+                <a:latin typeface="Times New Roman" panose="02020603050405020304" pitchFamily="18" charset="0"/>
+                <a:ea typeface="Calibri" panose="020F0502020204030204" pitchFamily="34" charset="0"/>
+                <a:cs typeface="Times New Roman" panose="02020603050405020304" pitchFamily="18" charset="0"/>
+              </a:rPr>
+              <a:t> of </a:t>
+            </a:r>
+            <a:r>
+              <a:rPr lang="fr-FR" sz="1800" dirty="0" err="1">
+                <a:effectLst/>
+                <a:latin typeface="Times New Roman" panose="02020603050405020304" pitchFamily="18" charset="0"/>
+                <a:ea typeface="Calibri" panose="020F0502020204030204" pitchFamily="34" charset="0"/>
+                <a:cs typeface="Times New Roman" panose="02020603050405020304" pitchFamily="18" charset="0"/>
+              </a:rPr>
+              <a:t>two</a:t>
+            </a:r>
+            <a:r>
+              <a:rPr lang="fr-FR" sz="1800" dirty="0">
+                <a:effectLst/>
+                <a:latin typeface="Times New Roman" panose="02020603050405020304" pitchFamily="18" charset="0"/>
+                <a:ea typeface="Calibri" panose="020F0502020204030204" pitchFamily="34" charset="0"/>
+                <a:cs typeface="Times New Roman" panose="02020603050405020304" pitchFamily="18" charset="0"/>
+              </a:rPr>
+              <a:t> </a:t>
+            </a:r>
+            <a:r>
+              <a:rPr lang="fr-FR" sz="1800" dirty="0" err="1">
+                <a:effectLst/>
+                <a:latin typeface="Times New Roman" panose="02020603050405020304" pitchFamily="18" charset="0"/>
+                <a:ea typeface="Calibri" panose="020F0502020204030204" pitchFamily="34" charset="0"/>
+                <a:cs typeface="Times New Roman" panose="02020603050405020304" pitchFamily="18" charset="0"/>
+              </a:rPr>
+              <a:t>proteins</a:t>
+            </a:r>
+            <a:r>
+              <a:rPr lang="fr-FR" sz="1800" dirty="0">
+                <a:effectLst/>
+                <a:latin typeface="Times New Roman" panose="02020603050405020304" pitchFamily="18" charset="0"/>
+                <a:ea typeface="Calibri" panose="020F0502020204030204" pitchFamily="34" charset="0"/>
+                <a:cs typeface="Times New Roman" panose="02020603050405020304" pitchFamily="18" charset="0"/>
+              </a:rPr>
+              <a:t>.</a:t>
+            </a:r>
+            <a:endParaRPr lang="fr-FR" sz="1800" dirty="0">
+              <a:effectLst/>
+              <a:latin typeface="Calibri" panose="020F0502020204030204" pitchFamily="34" charset="0"/>
+              <a:ea typeface="Calibri" panose="020F0502020204030204" pitchFamily="34" charset="0"/>
+              <a:cs typeface="Times New Roman" panose="02020603050405020304" pitchFamily="18" charset="0"/>
+            </a:endParaRPr>
+          </a:p>
+          <a:p>
+            <a:pPr marL="342900" lvl="0" indent="-342900">
+              <a:lnSpc>
+                <a:spcPct val="107000"/>
+              </a:lnSpc>
+              <a:buFont typeface="+mj-lt"/>
+              <a:buAutoNum type="arabicPeriod"/>
+            </a:pPr>
+            <a:r>
+              <a:rPr lang="fr-FR" sz="1800" dirty="0">
+                <a:effectLst/>
+                <a:latin typeface="Times New Roman" panose="02020603050405020304" pitchFamily="18" charset="0"/>
+                <a:ea typeface="Calibri" panose="020F0502020204030204" pitchFamily="34" charset="0"/>
+                <a:cs typeface="Times New Roman" panose="02020603050405020304" pitchFamily="18" charset="0"/>
+              </a:rPr>
+              <a:t>Smith, Temple F. &amp; Waterman, Michael S. (1981) Identification of Common </a:t>
+            </a:r>
+            <a:r>
+              <a:rPr lang="fr-FR" sz="1800" dirty="0" err="1">
+                <a:effectLst/>
+                <a:latin typeface="Times New Roman" panose="02020603050405020304" pitchFamily="18" charset="0"/>
+                <a:ea typeface="Calibri" panose="020F0502020204030204" pitchFamily="34" charset="0"/>
+                <a:cs typeface="Times New Roman" panose="02020603050405020304" pitchFamily="18" charset="0"/>
+              </a:rPr>
+              <a:t>Molecular</a:t>
+            </a:r>
+            <a:r>
+              <a:rPr lang="fr-FR" sz="1800" dirty="0">
+                <a:effectLst/>
+                <a:latin typeface="Times New Roman" panose="02020603050405020304" pitchFamily="18" charset="0"/>
+                <a:ea typeface="Calibri" panose="020F0502020204030204" pitchFamily="34" charset="0"/>
+                <a:cs typeface="Times New Roman" panose="02020603050405020304" pitchFamily="18" charset="0"/>
+              </a:rPr>
+              <a:t> </a:t>
+            </a:r>
+            <a:r>
+              <a:rPr lang="fr-FR" sz="1800" dirty="0" err="1">
+                <a:effectLst/>
+                <a:latin typeface="Times New Roman" panose="02020603050405020304" pitchFamily="18" charset="0"/>
+                <a:ea typeface="Calibri" panose="020F0502020204030204" pitchFamily="34" charset="0"/>
+                <a:cs typeface="Times New Roman" panose="02020603050405020304" pitchFamily="18" charset="0"/>
+              </a:rPr>
+              <a:t>Subsequences</a:t>
+            </a:r>
+            <a:r>
+              <a:rPr lang="fr-FR" sz="1800" dirty="0">
+                <a:effectLst/>
+                <a:latin typeface="Times New Roman" panose="02020603050405020304" pitchFamily="18" charset="0"/>
+                <a:ea typeface="Calibri" panose="020F0502020204030204" pitchFamily="34" charset="0"/>
+                <a:cs typeface="Times New Roman" panose="02020603050405020304" pitchFamily="18" charset="0"/>
+              </a:rPr>
+              <a:t>.</a:t>
+            </a:r>
+            <a:endParaRPr lang="fr-FR" sz="1800" dirty="0">
+              <a:effectLst/>
+              <a:latin typeface="Calibri" panose="020F0502020204030204" pitchFamily="34" charset="0"/>
+              <a:ea typeface="Calibri" panose="020F0502020204030204" pitchFamily="34" charset="0"/>
+              <a:cs typeface="Times New Roman" panose="02020603050405020304" pitchFamily="18" charset="0"/>
+            </a:endParaRPr>
+          </a:p>
+          <a:p>
+            <a:pPr marL="342900" lvl="0" indent="-342900">
+              <a:lnSpc>
+                <a:spcPct val="107000"/>
+              </a:lnSpc>
+              <a:buFont typeface="+mj-lt"/>
+              <a:buAutoNum type="arabicPeriod"/>
+            </a:pPr>
+            <a:r>
+              <a:rPr lang="fr-FR" sz="1800" u="none" strike="noStrike" dirty="0">
+                <a:solidFill>
+                  <a:srgbClr val="0000FF"/>
+                </a:solidFill>
+                <a:effectLst/>
+                <a:latin typeface="Times New Roman" panose="02020603050405020304" pitchFamily="18" charset="0"/>
+                <a:ea typeface="Calibri" panose="020F0502020204030204" pitchFamily="34" charset="0"/>
+                <a:cs typeface="Times New Roman" panose="02020603050405020304" pitchFamily="18" charset="0"/>
+                <a:hlinkClick r:id="rId2"/>
+              </a:rPr>
+              <a:t>A </a:t>
+            </a:r>
+            <a:r>
+              <a:rPr lang="fr-FR" sz="1800" u="none" strike="noStrike" dirty="0" err="1">
+                <a:solidFill>
+                  <a:srgbClr val="0000FF"/>
+                </a:solidFill>
+                <a:effectLst/>
+                <a:latin typeface="Times New Roman" panose="02020603050405020304" pitchFamily="18" charset="0"/>
+                <a:ea typeface="Calibri" panose="020F0502020204030204" pitchFamily="34" charset="0"/>
+                <a:cs typeface="Times New Roman" panose="02020603050405020304" pitchFamily="18" charset="0"/>
+                <a:hlinkClick r:id="rId2"/>
+              </a:rPr>
+              <a:t>Elnaggar</a:t>
+            </a:r>
+            <a:r>
+              <a:rPr lang="fr-FR" sz="1800" dirty="0">
+                <a:effectLst/>
+                <a:latin typeface="Times New Roman" panose="02020603050405020304" pitchFamily="18" charset="0"/>
+                <a:ea typeface="Calibri" panose="020F0502020204030204" pitchFamily="34" charset="0"/>
+                <a:cs typeface="Times New Roman" panose="02020603050405020304" pitchFamily="18" charset="0"/>
+              </a:rPr>
+              <a:t> et al. (2020) </a:t>
+            </a:r>
+            <a:r>
+              <a:rPr lang="fr-FR" sz="1800" dirty="0" err="1">
+                <a:effectLst/>
+                <a:latin typeface="Times New Roman" panose="02020603050405020304" pitchFamily="18" charset="0"/>
+                <a:ea typeface="Calibri" panose="020F0502020204030204" pitchFamily="34" charset="0"/>
+                <a:cs typeface="Times New Roman" panose="02020603050405020304" pitchFamily="18" charset="0"/>
+              </a:rPr>
+              <a:t>ProtTrans</a:t>
+            </a:r>
+            <a:r>
+              <a:rPr lang="fr-FR" sz="1800" dirty="0">
+                <a:effectLst/>
+                <a:latin typeface="Times New Roman" panose="02020603050405020304" pitchFamily="18" charset="0"/>
+                <a:ea typeface="Calibri" panose="020F0502020204030204" pitchFamily="34" charset="0"/>
+                <a:cs typeface="Times New Roman" panose="02020603050405020304" pitchFamily="18" charset="0"/>
+              </a:rPr>
+              <a:t>: </a:t>
+            </a:r>
+            <a:r>
+              <a:rPr lang="fr-FR" sz="1800" dirty="0" err="1">
+                <a:effectLst/>
+                <a:latin typeface="Times New Roman" panose="02020603050405020304" pitchFamily="18" charset="0"/>
+                <a:ea typeface="Calibri" panose="020F0502020204030204" pitchFamily="34" charset="0"/>
+                <a:cs typeface="Times New Roman" panose="02020603050405020304" pitchFamily="18" charset="0"/>
+              </a:rPr>
+              <a:t>Towards</a:t>
+            </a:r>
+            <a:r>
+              <a:rPr lang="fr-FR" sz="1800" dirty="0">
+                <a:effectLst/>
+                <a:latin typeface="Times New Roman" panose="02020603050405020304" pitchFamily="18" charset="0"/>
+                <a:ea typeface="Calibri" panose="020F0502020204030204" pitchFamily="34" charset="0"/>
+                <a:cs typeface="Times New Roman" panose="02020603050405020304" pitchFamily="18" charset="0"/>
+              </a:rPr>
+              <a:t> Cracking the </a:t>
+            </a:r>
+            <a:r>
+              <a:rPr lang="fr-FR" sz="1800" dirty="0" err="1">
+                <a:effectLst/>
+                <a:latin typeface="Times New Roman" panose="02020603050405020304" pitchFamily="18" charset="0"/>
+                <a:ea typeface="Calibri" panose="020F0502020204030204" pitchFamily="34" charset="0"/>
+                <a:cs typeface="Times New Roman" panose="02020603050405020304" pitchFamily="18" charset="0"/>
+              </a:rPr>
+              <a:t>Language</a:t>
+            </a:r>
+            <a:r>
+              <a:rPr lang="fr-FR" sz="1800" dirty="0">
+                <a:effectLst/>
+                <a:latin typeface="Times New Roman" panose="02020603050405020304" pitchFamily="18" charset="0"/>
+                <a:ea typeface="Calibri" panose="020F0502020204030204" pitchFamily="34" charset="0"/>
+                <a:cs typeface="Times New Roman" panose="02020603050405020304" pitchFamily="18" charset="0"/>
+              </a:rPr>
+              <a:t> of </a:t>
+            </a:r>
+            <a:r>
+              <a:rPr lang="fr-FR" sz="1800" dirty="0" err="1">
+                <a:effectLst/>
+                <a:latin typeface="Times New Roman" panose="02020603050405020304" pitchFamily="18" charset="0"/>
+                <a:ea typeface="Calibri" panose="020F0502020204030204" pitchFamily="34" charset="0"/>
+                <a:cs typeface="Times New Roman" panose="02020603050405020304" pitchFamily="18" charset="0"/>
+              </a:rPr>
+              <a:t>Life's</a:t>
+            </a:r>
+            <a:r>
+              <a:rPr lang="fr-FR" sz="1800" dirty="0">
+                <a:effectLst/>
+                <a:latin typeface="Times New Roman" panose="02020603050405020304" pitchFamily="18" charset="0"/>
+                <a:ea typeface="Calibri" panose="020F0502020204030204" pitchFamily="34" charset="0"/>
+                <a:cs typeface="Times New Roman" panose="02020603050405020304" pitchFamily="18" charset="0"/>
+              </a:rPr>
+              <a:t> Code </a:t>
+            </a:r>
+            <a:r>
+              <a:rPr lang="fr-FR" sz="1800" dirty="0" err="1">
+                <a:effectLst/>
+                <a:latin typeface="Times New Roman" panose="02020603050405020304" pitchFamily="18" charset="0"/>
+                <a:ea typeface="Calibri" panose="020F0502020204030204" pitchFamily="34" charset="0"/>
+                <a:cs typeface="Times New Roman" panose="02020603050405020304" pitchFamily="18" charset="0"/>
+              </a:rPr>
+              <a:t>Through</a:t>
+            </a:r>
+            <a:r>
+              <a:rPr lang="fr-FR" sz="1800" dirty="0">
+                <a:effectLst/>
+                <a:latin typeface="Times New Roman" panose="02020603050405020304" pitchFamily="18" charset="0"/>
+                <a:ea typeface="Calibri" panose="020F0502020204030204" pitchFamily="34" charset="0"/>
+                <a:cs typeface="Times New Roman" panose="02020603050405020304" pitchFamily="18" charset="0"/>
+              </a:rPr>
+              <a:t> Self-</a:t>
+            </a:r>
+            <a:r>
+              <a:rPr lang="fr-FR" sz="1800" dirty="0" err="1">
+                <a:effectLst/>
+                <a:latin typeface="Times New Roman" panose="02020603050405020304" pitchFamily="18" charset="0"/>
+                <a:ea typeface="Calibri" panose="020F0502020204030204" pitchFamily="34" charset="0"/>
+                <a:cs typeface="Times New Roman" panose="02020603050405020304" pitchFamily="18" charset="0"/>
+              </a:rPr>
+              <a:t>Supervised</a:t>
+            </a:r>
+            <a:r>
+              <a:rPr lang="fr-FR" sz="1800" dirty="0">
+                <a:effectLst/>
+                <a:latin typeface="Times New Roman" panose="02020603050405020304" pitchFamily="18" charset="0"/>
+                <a:ea typeface="Calibri" panose="020F0502020204030204" pitchFamily="34" charset="0"/>
+                <a:cs typeface="Times New Roman" panose="02020603050405020304" pitchFamily="18" charset="0"/>
+              </a:rPr>
+              <a:t> </a:t>
+            </a:r>
+            <a:r>
+              <a:rPr lang="fr-FR" sz="1800" dirty="0" err="1">
+                <a:effectLst/>
+                <a:latin typeface="Times New Roman" panose="02020603050405020304" pitchFamily="18" charset="0"/>
+                <a:ea typeface="Calibri" panose="020F0502020204030204" pitchFamily="34" charset="0"/>
+                <a:cs typeface="Times New Roman" panose="02020603050405020304" pitchFamily="18" charset="0"/>
+              </a:rPr>
+              <a:t>Deep</a:t>
+            </a:r>
+            <a:r>
+              <a:rPr lang="fr-FR" sz="1800" dirty="0">
+                <a:effectLst/>
+                <a:latin typeface="Times New Roman" panose="02020603050405020304" pitchFamily="18" charset="0"/>
+                <a:ea typeface="Calibri" panose="020F0502020204030204" pitchFamily="34" charset="0"/>
+                <a:cs typeface="Times New Roman" panose="02020603050405020304" pitchFamily="18" charset="0"/>
+              </a:rPr>
+              <a:t> Learning and High Performance </a:t>
+            </a:r>
+            <a:r>
+              <a:rPr lang="fr-FR" sz="1800" dirty="0" err="1">
+                <a:effectLst/>
+                <a:latin typeface="Times New Roman" panose="02020603050405020304" pitchFamily="18" charset="0"/>
+                <a:ea typeface="Calibri" panose="020F0502020204030204" pitchFamily="34" charset="0"/>
+                <a:cs typeface="Times New Roman" panose="02020603050405020304" pitchFamily="18" charset="0"/>
+              </a:rPr>
+              <a:t>Computing</a:t>
+            </a:r>
+            <a:r>
+              <a:rPr lang="fr-FR" sz="1800" dirty="0">
+                <a:effectLst/>
+                <a:latin typeface="Times New Roman" panose="02020603050405020304" pitchFamily="18" charset="0"/>
+                <a:ea typeface="Calibri" panose="020F0502020204030204" pitchFamily="34" charset="0"/>
+                <a:cs typeface="Times New Roman" panose="02020603050405020304" pitchFamily="18" charset="0"/>
+              </a:rPr>
+              <a:t> </a:t>
+            </a:r>
+            <a:endParaRPr lang="fr-FR" sz="1800" dirty="0">
+              <a:effectLst/>
+              <a:latin typeface="Calibri" panose="020F0502020204030204" pitchFamily="34" charset="0"/>
+              <a:ea typeface="Calibri" panose="020F0502020204030204" pitchFamily="34" charset="0"/>
+              <a:cs typeface="Times New Roman" panose="02020603050405020304" pitchFamily="18" charset="0"/>
+            </a:endParaRPr>
+          </a:p>
+          <a:p>
+            <a:pPr marL="342900" lvl="0" indent="-342900">
+              <a:lnSpc>
+                <a:spcPct val="107000"/>
+              </a:lnSpc>
+              <a:buFont typeface="+mj-lt"/>
+              <a:buAutoNum type="arabicPeriod"/>
+            </a:pPr>
+            <a:r>
+              <a:rPr lang="fr-FR" sz="1800" dirty="0">
+                <a:effectLst/>
+                <a:latin typeface="Times New Roman" panose="02020603050405020304" pitchFamily="18" charset="0"/>
+                <a:ea typeface="Calibri" panose="020F0502020204030204" pitchFamily="34" charset="0"/>
+                <a:cs typeface="Times New Roman" panose="02020603050405020304" pitchFamily="18" charset="0"/>
+              </a:rPr>
+              <a:t>Page pdb de la 6-phosphofructo-2-kinase/fructose-2,6-bisphosphatase </a:t>
+            </a:r>
+            <a:r>
+              <a:rPr lang="fr-FR" sz="1800" dirty="0" err="1">
+                <a:effectLst/>
+                <a:latin typeface="Times New Roman" panose="02020603050405020304" pitchFamily="18" charset="0"/>
+                <a:ea typeface="Calibri" panose="020F0502020204030204" pitchFamily="34" charset="0"/>
+                <a:cs typeface="Times New Roman" panose="02020603050405020304" pitchFamily="18" charset="0"/>
+              </a:rPr>
+              <a:t>bifunctional</a:t>
+            </a:r>
+            <a:r>
+              <a:rPr lang="fr-FR" sz="1800" dirty="0">
+                <a:effectLst/>
+                <a:latin typeface="Times New Roman" panose="02020603050405020304" pitchFamily="18" charset="0"/>
+                <a:ea typeface="Calibri" panose="020F0502020204030204" pitchFamily="34" charset="0"/>
+                <a:cs typeface="Times New Roman" panose="02020603050405020304" pitchFamily="18" charset="0"/>
+              </a:rPr>
+              <a:t> enzyme </a:t>
+            </a:r>
+            <a:r>
+              <a:rPr lang="fr-FR" sz="1800" dirty="0" err="1">
+                <a:effectLst/>
+                <a:latin typeface="Times New Roman" panose="02020603050405020304" pitchFamily="18" charset="0"/>
+                <a:ea typeface="Calibri" panose="020F0502020204030204" pitchFamily="34" charset="0"/>
+                <a:cs typeface="Times New Roman" panose="02020603050405020304" pitchFamily="18" charset="0"/>
+              </a:rPr>
+              <a:t>complexed</a:t>
+            </a:r>
+            <a:r>
+              <a:rPr lang="fr-FR" sz="1800" dirty="0">
+                <a:effectLst/>
+                <a:latin typeface="Times New Roman" panose="02020603050405020304" pitchFamily="18" charset="0"/>
+                <a:ea typeface="Calibri" panose="020F0502020204030204" pitchFamily="34" charset="0"/>
+                <a:cs typeface="Times New Roman" panose="02020603050405020304" pitchFamily="18" charset="0"/>
+              </a:rPr>
+              <a:t> </a:t>
+            </a:r>
+            <a:r>
+              <a:rPr lang="fr-FR" sz="1800" dirty="0" err="1">
+                <a:effectLst/>
+                <a:latin typeface="Times New Roman" panose="02020603050405020304" pitchFamily="18" charset="0"/>
+                <a:ea typeface="Calibri" panose="020F0502020204030204" pitchFamily="34" charset="0"/>
+                <a:cs typeface="Times New Roman" panose="02020603050405020304" pitchFamily="18" charset="0"/>
+              </a:rPr>
+              <a:t>with</a:t>
+            </a:r>
+            <a:r>
+              <a:rPr lang="fr-FR" sz="1800" dirty="0">
+                <a:effectLst/>
+                <a:latin typeface="Times New Roman" panose="02020603050405020304" pitchFamily="18" charset="0"/>
+                <a:ea typeface="Calibri" panose="020F0502020204030204" pitchFamily="34" charset="0"/>
+                <a:cs typeface="Times New Roman" panose="02020603050405020304" pitchFamily="18" charset="0"/>
+              </a:rPr>
+              <a:t> atp-g-s and phosphate : </a:t>
+            </a:r>
+            <a:r>
+              <a:rPr lang="fr-FR" sz="1800" u="sng" dirty="0">
+                <a:solidFill>
+                  <a:srgbClr val="0000FF"/>
+                </a:solidFill>
+                <a:effectLst/>
+                <a:latin typeface="Times New Roman" panose="02020603050405020304" pitchFamily="18" charset="0"/>
+                <a:ea typeface="Calibri" panose="020F0502020204030204" pitchFamily="34" charset="0"/>
+                <a:cs typeface="Times New Roman" panose="02020603050405020304" pitchFamily="18" charset="0"/>
+                <a:hlinkClick r:id="rId3"/>
+              </a:rPr>
+              <a:t>https://www.rcsb.org/structure/1bif</a:t>
+            </a:r>
+            <a:r>
+              <a:rPr lang="fr-FR" sz="1800" dirty="0">
+                <a:effectLst/>
+                <a:latin typeface="Times New Roman" panose="02020603050405020304" pitchFamily="18" charset="0"/>
+                <a:ea typeface="Calibri" panose="020F0502020204030204" pitchFamily="34" charset="0"/>
+                <a:cs typeface="Times New Roman" panose="02020603050405020304" pitchFamily="18" charset="0"/>
+              </a:rPr>
+              <a:t> </a:t>
+            </a:r>
+            <a:endParaRPr lang="fr-FR" sz="1800" dirty="0">
+              <a:effectLst/>
+              <a:latin typeface="Calibri" panose="020F0502020204030204" pitchFamily="34" charset="0"/>
+              <a:ea typeface="Calibri" panose="020F0502020204030204" pitchFamily="34" charset="0"/>
+              <a:cs typeface="Times New Roman" panose="02020603050405020304" pitchFamily="18" charset="0"/>
+            </a:endParaRPr>
+          </a:p>
+          <a:p>
+            <a:pPr marL="342900" lvl="0" indent="-342900">
+              <a:lnSpc>
+                <a:spcPct val="107000"/>
+              </a:lnSpc>
+              <a:buFont typeface="+mj-lt"/>
+              <a:buAutoNum type="arabicPeriod"/>
+            </a:pPr>
+            <a:r>
+              <a:rPr lang="fr-FR" sz="1800" dirty="0">
+                <a:effectLst/>
+                <a:latin typeface="Times New Roman" panose="02020603050405020304" pitchFamily="18" charset="0"/>
+                <a:ea typeface="Calibri" panose="020F0502020204030204" pitchFamily="34" charset="0"/>
+                <a:cs typeface="Times New Roman" panose="02020603050405020304" pitchFamily="18" charset="0"/>
+              </a:rPr>
+              <a:t>Page pdb de la hyperthermophile </a:t>
+            </a:r>
+            <a:r>
+              <a:rPr lang="fr-FR" sz="1800" dirty="0" err="1">
+                <a:effectLst/>
+                <a:latin typeface="Times New Roman" panose="02020603050405020304" pitchFamily="18" charset="0"/>
+                <a:ea typeface="Calibri" panose="020F0502020204030204" pitchFamily="34" charset="0"/>
+                <a:cs typeface="Times New Roman" panose="02020603050405020304" pitchFamily="18" charset="0"/>
+              </a:rPr>
+              <a:t>chromosomal</a:t>
+            </a:r>
+            <a:r>
+              <a:rPr lang="fr-FR" sz="1800" dirty="0">
+                <a:effectLst/>
+                <a:latin typeface="Times New Roman" panose="02020603050405020304" pitchFamily="18" charset="0"/>
+                <a:ea typeface="Calibri" panose="020F0502020204030204" pitchFamily="34" charset="0"/>
+                <a:cs typeface="Times New Roman" panose="02020603050405020304" pitchFamily="18" charset="0"/>
+              </a:rPr>
+              <a:t> </a:t>
+            </a:r>
+            <a:r>
+              <a:rPr lang="fr-FR" sz="1800" dirty="0" err="1">
+                <a:effectLst/>
+                <a:latin typeface="Times New Roman" panose="02020603050405020304" pitchFamily="18" charset="0"/>
+                <a:ea typeface="Calibri" panose="020F0502020204030204" pitchFamily="34" charset="0"/>
+                <a:cs typeface="Times New Roman" panose="02020603050405020304" pitchFamily="18" charset="0"/>
+              </a:rPr>
+              <a:t>protein</a:t>
+            </a:r>
+            <a:r>
+              <a:rPr lang="fr-FR" sz="1800" dirty="0">
+                <a:effectLst/>
+                <a:latin typeface="Times New Roman" panose="02020603050405020304" pitchFamily="18" charset="0"/>
+                <a:ea typeface="Calibri" panose="020F0502020204030204" pitchFamily="34" charset="0"/>
+                <a:cs typeface="Times New Roman" panose="02020603050405020304" pitchFamily="18" charset="0"/>
+              </a:rPr>
+              <a:t> sac7d </a:t>
+            </a:r>
+            <a:r>
+              <a:rPr lang="fr-FR" sz="1800" dirty="0" err="1">
+                <a:effectLst/>
+                <a:latin typeface="Times New Roman" panose="02020603050405020304" pitchFamily="18" charset="0"/>
+                <a:ea typeface="Calibri" panose="020F0502020204030204" pitchFamily="34" charset="0"/>
+                <a:cs typeface="Times New Roman" panose="02020603050405020304" pitchFamily="18" charset="0"/>
+              </a:rPr>
+              <a:t>bound</a:t>
+            </a:r>
+            <a:r>
+              <a:rPr lang="fr-FR" sz="1800" dirty="0">
+                <a:effectLst/>
+                <a:latin typeface="Times New Roman" panose="02020603050405020304" pitchFamily="18" charset="0"/>
+                <a:ea typeface="Calibri" panose="020F0502020204030204" pitchFamily="34" charset="0"/>
+                <a:cs typeface="Times New Roman" panose="02020603050405020304" pitchFamily="18" charset="0"/>
+              </a:rPr>
+              <a:t> </a:t>
+            </a:r>
+            <a:r>
+              <a:rPr lang="fr-FR" sz="1800" dirty="0" err="1">
+                <a:effectLst/>
+                <a:latin typeface="Times New Roman" panose="02020603050405020304" pitchFamily="18" charset="0"/>
+                <a:ea typeface="Calibri" panose="020F0502020204030204" pitchFamily="34" charset="0"/>
+                <a:cs typeface="Times New Roman" panose="02020603050405020304" pitchFamily="18" charset="0"/>
+              </a:rPr>
+              <a:t>with</a:t>
+            </a:r>
+            <a:r>
+              <a:rPr lang="fr-FR" sz="1800" dirty="0">
+                <a:effectLst/>
+                <a:latin typeface="Times New Roman" panose="02020603050405020304" pitchFamily="18" charset="0"/>
+                <a:ea typeface="Calibri" panose="020F0502020204030204" pitchFamily="34" charset="0"/>
+                <a:cs typeface="Times New Roman" panose="02020603050405020304" pitchFamily="18" charset="0"/>
+              </a:rPr>
+              <a:t> </a:t>
+            </a:r>
+            <a:r>
+              <a:rPr lang="fr-FR" sz="1800" dirty="0" err="1">
+                <a:effectLst/>
+                <a:latin typeface="Times New Roman" panose="02020603050405020304" pitchFamily="18" charset="0"/>
+                <a:ea typeface="Calibri" panose="020F0502020204030204" pitchFamily="34" charset="0"/>
+                <a:cs typeface="Times New Roman" panose="02020603050405020304" pitchFamily="18" charset="0"/>
+              </a:rPr>
+              <a:t>kinked</a:t>
+            </a:r>
+            <a:r>
+              <a:rPr lang="fr-FR" sz="1800" dirty="0">
+                <a:effectLst/>
+                <a:latin typeface="Times New Roman" panose="02020603050405020304" pitchFamily="18" charset="0"/>
+                <a:ea typeface="Calibri" panose="020F0502020204030204" pitchFamily="34" charset="0"/>
+                <a:cs typeface="Times New Roman" panose="02020603050405020304" pitchFamily="18" charset="0"/>
+              </a:rPr>
+              <a:t> </a:t>
+            </a:r>
+            <a:r>
+              <a:rPr lang="fr-FR" sz="1800" dirty="0" err="1">
+                <a:effectLst/>
+                <a:latin typeface="Times New Roman" panose="02020603050405020304" pitchFamily="18" charset="0"/>
+                <a:ea typeface="Calibri" panose="020F0502020204030204" pitchFamily="34" charset="0"/>
+                <a:cs typeface="Times New Roman" panose="02020603050405020304" pitchFamily="18" charset="0"/>
+              </a:rPr>
+              <a:t>dna</a:t>
+            </a:r>
+            <a:r>
+              <a:rPr lang="fr-FR" sz="1800" dirty="0">
+                <a:effectLst/>
+                <a:latin typeface="Times New Roman" panose="02020603050405020304" pitchFamily="18" charset="0"/>
+                <a:ea typeface="Calibri" panose="020F0502020204030204" pitchFamily="34" charset="0"/>
+                <a:cs typeface="Times New Roman" panose="02020603050405020304" pitchFamily="18" charset="0"/>
+              </a:rPr>
+              <a:t> duplex : </a:t>
+            </a:r>
+            <a:r>
+              <a:rPr lang="fr-FR" sz="1800" u="sng" dirty="0">
+                <a:solidFill>
+                  <a:srgbClr val="0000FF"/>
+                </a:solidFill>
+                <a:effectLst/>
+                <a:latin typeface="Times New Roman" panose="02020603050405020304" pitchFamily="18" charset="0"/>
+                <a:ea typeface="Calibri" panose="020F0502020204030204" pitchFamily="34" charset="0"/>
+                <a:cs typeface="Times New Roman" panose="02020603050405020304" pitchFamily="18" charset="0"/>
+                <a:hlinkClick r:id="rId4"/>
+              </a:rPr>
+              <a:t>https://www.rcsb.org/structure/1azp</a:t>
+            </a:r>
+            <a:r>
+              <a:rPr lang="fr-FR" sz="1800" dirty="0">
+                <a:effectLst/>
+                <a:latin typeface="Times New Roman" panose="02020603050405020304" pitchFamily="18" charset="0"/>
+                <a:ea typeface="Calibri" panose="020F0502020204030204" pitchFamily="34" charset="0"/>
+                <a:cs typeface="Times New Roman" panose="02020603050405020304" pitchFamily="18" charset="0"/>
+              </a:rPr>
+              <a:t> </a:t>
+            </a:r>
+            <a:endParaRPr lang="fr-FR" sz="1800" dirty="0">
+              <a:effectLst/>
+              <a:latin typeface="Calibri" panose="020F0502020204030204" pitchFamily="34" charset="0"/>
+              <a:ea typeface="Calibri" panose="020F0502020204030204" pitchFamily="34" charset="0"/>
+              <a:cs typeface="Times New Roman" panose="02020603050405020304" pitchFamily="18" charset="0"/>
+            </a:endParaRPr>
+          </a:p>
+          <a:p>
+            <a:pPr marL="342900" lvl="0" indent="-342900">
+              <a:lnSpc>
+                <a:spcPct val="107000"/>
+              </a:lnSpc>
+              <a:spcAft>
+                <a:spcPts val="800"/>
+              </a:spcAft>
+              <a:buFont typeface="+mj-lt"/>
+              <a:buAutoNum type="arabicPeriod"/>
+            </a:pPr>
+            <a:r>
+              <a:rPr lang="fr-FR" sz="1800" dirty="0">
+                <a:effectLst/>
+                <a:latin typeface="Times New Roman" panose="02020603050405020304" pitchFamily="18" charset="0"/>
+                <a:ea typeface="Calibri" panose="020F0502020204030204" pitchFamily="34" charset="0"/>
+                <a:cs typeface="Times New Roman" panose="02020603050405020304" pitchFamily="18" charset="0"/>
+              </a:rPr>
+              <a:t>Page pdb de 2AK3 : </a:t>
+            </a:r>
+            <a:r>
+              <a:rPr lang="fr-FR" sz="1800" u="sng" dirty="0">
+                <a:solidFill>
+                  <a:srgbClr val="0000FF"/>
+                </a:solidFill>
+                <a:effectLst/>
+                <a:latin typeface="Times New Roman" panose="02020603050405020304" pitchFamily="18" charset="0"/>
+                <a:ea typeface="Calibri" panose="020F0502020204030204" pitchFamily="34" charset="0"/>
+                <a:cs typeface="Times New Roman" panose="02020603050405020304" pitchFamily="18" charset="0"/>
+                <a:hlinkClick r:id="rId5"/>
+              </a:rPr>
+              <a:t>https://www.rcsb.org/structure/2ak3</a:t>
+            </a:r>
+            <a:r>
+              <a:rPr lang="fr-FR" sz="1800" dirty="0">
+                <a:effectLst/>
+                <a:latin typeface="Times New Roman" panose="02020603050405020304" pitchFamily="18" charset="0"/>
+                <a:ea typeface="Calibri" panose="020F0502020204030204" pitchFamily="34" charset="0"/>
+                <a:cs typeface="Times New Roman" panose="02020603050405020304" pitchFamily="18" charset="0"/>
+              </a:rPr>
+              <a:t> </a:t>
+            </a:r>
+            <a:endParaRPr lang="fr-FR" sz="1800" dirty="0">
+              <a:effectLst/>
+              <a:latin typeface="Calibri" panose="020F0502020204030204" pitchFamily="34" charset="0"/>
+              <a:ea typeface="Calibri" panose="020F0502020204030204" pitchFamily="34" charset="0"/>
+              <a:cs typeface="Times New Roman" panose="02020603050405020304" pitchFamily="18" charset="0"/>
+            </a:endParaRPr>
+          </a:p>
+        </p:txBody>
+      </p:sp>
+      <p:sp>
+        <p:nvSpPr>
+          <p:cNvPr id="6" name="Espace réservé du numéro de diapositive 5">
+            <a:extLst>
+              <a:ext uri="{FF2B5EF4-FFF2-40B4-BE49-F238E27FC236}">
+                <a16:creationId xmlns:a16="http://schemas.microsoft.com/office/drawing/2014/main" id="{EDD49CB1-F959-4004-3097-04AE4D0121BD}"/>
+              </a:ext>
+            </a:extLst>
+          </p:cNvPr>
+          <p:cNvSpPr>
+            <a:spLocks noGrp="1"/>
+          </p:cNvSpPr>
+          <p:nvPr>
+            <p:ph type="sldNum" sz="quarter" idx="12"/>
+          </p:nvPr>
+        </p:nvSpPr>
+        <p:spPr>
+          <a:xfrm>
+            <a:off x="8610600" y="6489520"/>
+            <a:ext cx="2743200" cy="365125"/>
+          </a:xfrm>
+        </p:spPr>
+        <p:txBody>
+          <a:bodyPr/>
+          <a:lstStyle/>
+          <a:p>
+            <a:fld id="{DB0B8EAA-8CF6-49F4-8FA8-2BD42B7C9F8B}" type="slidenum">
+              <a:rPr lang="fr-FR" smtClean="0"/>
+              <a:t>22</a:t>
+            </a:fld>
+            <a:endParaRPr lang="fr-FR"/>
+          </a:p>
+        </p:txBody>
+      </p:sp>
+      <p:pic>
+        <p:nvPicPr>
+          <p:cNvPr id="1026" name="Picture 2" descr="Appellation, logo et charte graphique : tout ce qu'il faut savoir | Université  Paris Cité">
+            <a:extLst>
+              <a:ext uri="{FF2B5EF4-FFF2-40B4-BE49-F238E27FC236}">
+                <a16:creationId xmlns:a16="http://schemas.microsoft.com/office/drawing/2014/main" id="{42388675-4549-B077-D592-84080955D58F}"/>
+              </a:ext>
+            </a:extLst>
+          </p:cNvPr>
+          <p:cNvPicPr>
+            <a:picLocks noChangeAspect="1" noChangeArrowheads="1"/>
+          </p:cNvPicPr>
+          <p:nvPr/>
+        </p:nvPicPr>
+        <p:blipFill>
+          <a:blip r:embed="rId6">
+            <a:extLst>
+              <a:ext uri="{28A0092B-C50C-407E-A947-70E740481C1C}">
+                <a14:useLocalDpi xmlns:a14="http://schemas.microsoft.com/office/drawing/2010/main" val="0"/>
+              </a:ext>
+            </a:extLst>
+          </a:blip>
+          <a:srcRect/>
+          <a:stretch>
+            <a:fillRect/>
+          </a:stretch>
+        </p:blipFill>
+        <p:spPr bwMode="auto">
+          <a:xfrm>
+            <a:off x="11363415" y="121082"/>
+            <a:ext cx="692461" cy="688543"/>
+          </a:xfrm>
+          <a:prstGeom prst="rect">
+            <a:avLst/>
+          </a:prstGeom>
+          <a:noFill/>
+          <a:extLst>
+            <a:ext uri="{909E8E84-426E-40DD-AFC4-6F175D3DCCD1}">
+              <a14:hiddenFill xmlns:a14="http://schemas.microsoft.com/office/drawing/2010/main">
+                <a:solidFill>
+                  <a:srgbClr val="FFFFFF"/>
+                </a:solidFill>
+              </a14:hiddenFill>
+            </a:ext>
+          </a:extLst>
+        </p:spPr>
+      </p:pic>
+      <p:cxnSp>
+        <p:nvCxnSpPr>
+          <p:cNvPr id="8" name="Connecteur droit 7">
+            <a:extLst>
+              <a:ext uri="{FF2B5EF4-FFF2-40B4-BE49-F238E27FC236}">
+                <a16:creationId xmlns:a16="http://schemas.microsoft.com/office/drawing/2014/main" id="{58EF74DE-8092-1233-D850-99E4719D068A}"/>
+              </a:ext>
+            </a:extLst>
+          </p:cNvPr>
+          <p:cNvCxnSpPr/>
+          <p:nvPr/>
+        </p:nvCxnSpPr>
+        <p:spPr>
+          <a:xfrm>
+            <a:off x="145740" y="853585"/>
+            <a:ext cx="11910136" cy="0"/>
+          </a:xfrm>
+          <a:prstGeom prst="line">
+            <a:avLst/>
+          </a:prstGeom>
+          <a:ln w="28575">
+            <a:solidFill>
+              <a:srgbClr val="8B1538"/>
+            </a:solidFill>
+          </a:ln>
+        </p:spPr>
+        <p:style>
+          <a:lnRef idx="1">
+            <a:schemeClr val="accent1"/>
+          </a:lnRef>
+          <a:fillRef idx="0">
+            <a:schemeClr val="accent1"/>
+          </a:fillRef>
+          <a:effectRef idx="0">
+            <a:schemeClr val="accent1"/>
+          </a:effectRef>
+          <a:fontRef idx="minor">
+            <a:schemeClr val="tx1"/>
+          </a:fontRef>
+        </p:style>
+      </p:cxnSp>
+      <p:sp>
+        <p:nvSpPr>
+          <p:cNvPr id="7" name="Espace réservé de la date 3">
+            <a:extLst>
+              <a:ext uri="{FF2B5EF4-FFF2-40B4-BE49-F238E27FC236}">
+                <a16:creationId xmlns:a16="http://schemas.microsoft.com/office/drawing/2014/main" id="{76BB1596-A3EC-F339-4D57-5E00BE5468DC}"/>
+              </a:ext>
+            </a:extLst>
+          </p:cNvPr>
+          <p:cNvSpPr>
+            <a:spLocks noGrp="1"/>
+          </p:cNvSpPr>
+          <p:nvPr>
+            <p:ph type="dt" sz="half" idx="10"/>
+          </p:nvPr>
+        </p:nvSpPr>
+        <p:spPr>
+          <a:xfrm>
+            <a:off x="838200" y="6489520"/>
+            <a:ext cx="2743200" cy="365125"/>
+          </a:xfrm>
+        </p:spPr>
+        <p:txBody>
+          <a:bodyPr/>
+          <a:lstStyle/>
+          <a:p>
+            <a:r>
+              <a:rPr lang="fr-FR" dirty="0"/>
+              <a:t>12/10/2022</a:t>
+            </a:r>
+          </a:p>
+        </p:txBody>
+      </p:sp>
+      <p:sp>
+        <p:nvSpPr>
+          <p:cNvPr id="9" name="Espace réservé du pied de page 4">
+            <a:extLst>
+              <a:ext uri="{FF2B5EF4-FFF2-40B4-BE49-F238E27FC236}">
+                <a16:creationId xmlns:a16="http://schemas.microsoft.com/office/drawing/2014/main" id="{CE5FBD6C-6FE4-1FFE-40FE-CDECCB34C023}"/>
+              </a:ext>
+            </a:extLst>
+          </p:cNvPr>
+          <p:cNvSpPr>
+            <a:spLocks noGrp="1"/>
+          </p:cNvSpPr>
+          <p:nvPr>
+            <p:ph type="ftr" sz="quarter" idx="11"/>
+          </p:nvPr>
+        </p:nvSpPr>
+        <p:spPr>
+          <a:xfrm>
+            <a:off x="3810000" y="6492876"/>
+            <a:ext cx="4800600" cy="365124"/>
+          </a:xfrm>
+        </p:spPr>
+        <p:txBody>
+          <a:bodyPr/>
+          <a:lstStyle/>
+          <a:p>
+            <a:pPr algn="l"/>
+            <a:r>
+              <a:rPr lang="en-US" dirty="0"/>
+              <a:t>Delhomme Jean, </a:t>
+            </a:r>
+            <a:r>
+              <a:rPr lang="en-US" dirty="0" err="1"/>
+              <a:t>Lecourieux</a:t>
+            </a:r>
+            <a:r>
+              <a:rPr lang="en-US" dirty="0"/>
+              <a:t> Adriana, Rousseau Baptiste, </a:t>
+            </a:r>
+            <a:r>
+              <a:rPr lang="en-US" dirty="0" err="1"/>
+              <a:t>Graa</a:t>
+            </a:r>
+            <a:r>
+              <a:rPr lang="en-US" dirty="0"/>
+              <a:t> </a:t>
+            </a:r>
+            <a:r>
+              <a:rPr lang="en-US" dirty="0" err="1"/>
+              <a:t>Maha</a:t>
+            </a:r>
+            <a:endParaRPr lang="en-US" dirty="0"/>
+          </a:p>
+        </p:txBody>
+      </p:sp>
+    </p:spTree>
+    <p:extLst>
+      <p:ext uri="{BB962C8B-B14F-4D97-AF65-F5344CB8AC3E}">
+        <p14:creationId xmlns:p14="http://schemas.microsoft.com/office/powerpoint/2010/main" val="3627111302"/>
+      </p:ext>
+    </p:extLst>
+  </p:cSld>
+  <p:clrMapOvr>
+    <a:masterClrMapping/>
+  </p:clrMapOvr>
+</p:sld>
+</file>
+
+<file path=ppt/slides/slide23.xml><?xml version="1.0" encoding="utf-8"?>
+<p:sld xmlns:a="http://schemas.openxmlformats.org/drawingml/2006/main" xmlns:r="http://schemas.openxmlformats.org/officeDocument/2006/relationships" xmlns:p="http://schemas.openxmlformats.org/presentationml/2006/main">
+  <p:cSld>
+    <p:spTree>
+      <p:nvGrpSpPr>
+        <p:cNvPr id="1" name=""/>
+        <p:cNvGrpSpPr/>
+        <p:nvPr/>
+      </p:nvGrpSpPr>
+      <p:grpSpPr>
+        <a:xfrm>
+          <a:off x="0" y="0"/>
+          <a:ext cx="0" cy="0"/>
+          <a:chOff x="0" y="0"/>
+          <a:chExt cx="0" cy="0"/>
+        </a:xfrm>
+      </p:grpSpPr>
+      <p:sp>
+        <p:nvSpPr>
+          <p:cNvPr id="2" name="Titre 1">
+            <a:extLst>
+              <a:ext uri="{FF2B5EF4-FFF2-40B4-BE49-F238E27FC236}">
+                <a16:creationId xmlns:a16="http://schemas.microsoft.com/office/drawing/2014/main" id="{3AC5EA2C-9518-355B-24FA-608C24FE72E3}"/>
+              </a:ext>
+            </a:extLst>
+          </p:cNvPr>
+          <p:cNvSpPr>
+            <a:spLocks noGrp="1"/>
+          </p:cNvSpPr>
+          <p:nvPr>
+            <p:ph type="title"/>
+          </p:nvPr>
+        </p:nvSpPr>
+        <p:spPr>
+          <a:xfrm>
+            <a:off x="145740" y="118307"/>
+            <a:ext cx="11137778" cy="691318"/>
+          </a:xfrm>
+        </p:spPr>
+        <p:txBody>
+          <a:bodyPr>
+            <a:normAutofit/>
+          </a:bodyPr>
+          <a:lstStyle/>
+          <a:p>
+            <a:r>
               <a:rPr lang="fr-FR" sz="3200" b="1" dirty="0">
                 <a:latin typeface="Arial" panose="020B0604020202020204" pitchFamily="34" charset="0"/>
                 <a:cs typeface="Arial" panose="020B0604020202020204" pitchFamily="34" charset="0"/>
@@ -11943,7 +12546,7 @@
           <a:p>
             <a:fld id="{DB0B8EAA-8CF6-49F4-8FA8-2BD42B7C9F8B}" type="slidenum">
               <a:rPr lang="fr-FR" smtClean="0"/>
-              <a:t>22</a:t>
+              <a:t>23</a:t>
             </a:fld>
             <a:endParaRPr lang="fr-FR"/>
           </a:p>
@@ -13439,7 +14042,7 @@
 </file>
 
 <file path=ppt/slides/slide6.xml><?xml version="1.0" encoding="utf-8"?>
-<p:sld xmlns:a="http://schemas.openxmlformats.org/drawingml/2006/main" xmlns:r="http://schemas.openxmlformats.org/officeDocument/2006/relationships" xmlns:p="http://schemas.openxmlformats.org/presentationml/2006/main">
+<p:sld xmlns:a="http://schemas.openxmlformats.org/drawingml/2006/main" xmlns:r="http://schemas.openxmlformats.org/officeDocument/2006/relationships" xmlns:p="http://schemas.openxmlformats.org/presentationml/2006/main" show="0">
   <p:cSld>
     <p:spTree>
       <p:nvGrpSpPr>
@@ -14812,7 +15415,7 @@
 </file>
 
 <file path=ppt/slides/slide8.xml><?xml version="1.0" encoding="utf-8"?>
-<p:sld xmlns:a="http://schemas.openxmlformats.org/drawingml/2006/main" xmlns:r="http://schemas.openxmlformats.org/officeDocument/2006/relationships" xmlns:p="http://schemas.openxmlformats.org/presentationml/2006/main">
+<p:sld xmlns:a="http://schemas.openxmlformats.org/drawingml/2006/main" xmlns:r="http://schemas.openxmlformats.org/officeDocument/2006/relationships" xmlns:p="http://schemas.openxmlformats.org/presentationml/2006/main" show="0">
   <p:cSld>
     <p:spTree>
       <p:nvGrpSpPr>

--- a/presentation.pptx
+++ b/presentation.pptx
@@ -5,7 +5,7 @@
     <p:sldMasterId id="2147483648" r:id="rId1"/>
   </p:sldMasterIdLst>
   <p:notesMasterIdLst>
-    <p:notesMasterId r:id="rId25"/>
+    <p:notesMasterId r:id="rId28"/>
   </p:notesMasterIdLst>
   <p:sldIdLst>
     <p:sldId id="256" r:id="rId2"/>
@@ -22,15 +22,18 @@
     <p:sldId id="288" r:id="rId13"/>
     <p:sldId id="274" r:id="rId14"/>
     <p:sldId id="279" r:id="rId15"/>
-    <p:sldId id="280" r:id="rId16"/>
-    <p:sldId id="281" r:id="rId17"/>
-    <p:sldId id="275" r:id="rId18"/>
-    <p:sldId id="282" r:id="rId19"/>
-    <p:sldId id="283" r:id="rId20"/>
-    <p:sldId id="284" r:id="rId21"/>
-    <p:sldId id="257" r:id="rId22"/>
-    <p:sldId id="270" r:id="rId23"/>
-    <p:sldId id="271" r:id="rId24"/>
+    <p:sldId id="289" r:id="rId16"/>
+    <p:sldId id="280" r:id="rId17"/>
+    <p:sldId id="290" r:id="rId18"/>
+    <p:sldId id="291" r:id="rId19"/>
+    <p:sldId id="281" r:id="rId20"/>
+    <p:sldId id="275" r:id="rId21"/>
+    <p:sldId id="282" r:id="rId22"/>
+    <p:sldId id="283" r:id="rId23"/>
+    <p:sldId id="284" r:id="rId24"/>
+    <p:sldId id="257" r:id="rId25"/>
+    <p:sldId id="270" r:id="rId26"/>
+    <p:sldId id="271" r:id="rId27"/>
   </p:sldIdLst>
   <p:sldSz cx="12192000" cy="6858000"/>
   <p:notesSz cx="6858000" cy="9144000"/>
@@ -6097,7 +6100,7 @@
 </file>
 
 <file path=ppt/slides/slide14.xml><?xml version="1.0" encoding="utf-8"?>
-<p:sld xmlns:a="http://schemas.openxmlformats.org/drawingml/2006/main" xmlns:r="http://schemas.openxmlformats.org/officeDocument/2006/relationships" xmlns:p="http://schemas.openxmlformats.org/presentationml/2006/main">
+<p:sld xmlns:a="http://schemas.openxmlformats.org/drawingml/2006/main" xmlns:r="http://schemas.openxmlformats.org/officeDocument/2006/relationships" xmlns:p="http://schemas.openxmlformats.org/presentationml/2006/main" show="0">
   <p:cSld>
     <p:spTree>
       <p:nvGrpSpPr>
@@ -6671,14 +6674,7 @@
                 <a:latin typeface="Arial" panose="020B0604020202020204" pitchFamily="34" charset="0"/>
                 <a:cs typeface="Arial" panose="020B0604020202020204" pitchFamily="34" charset="0"/>
               </a:rPr>
-              <a:t>2.2.	Analyse d’intégration – </a:t>
-            </a:r>
-            <a:r>
-              <a:rPr lang="fr-FR" sz="3200" b="1" dirty="0" err="1">
-                <a:latin typeface="Arial" panose="020B0604020202020204" pitchFamily="34" charset="0"/>
-                <a:cs typeface="Arial" panose="020B0604020202020204" pitchFamily="34" charset="0"/>
-              </a:rPr>
-              <a:t>sPLS</a:t>
+              <a:t>2.1.	Analyse d’intégration – PLS</a:t>
             </a:r>
             <a:endParaRPr lang="fr-FR" sz="3200" b="1" baseline="30000" dirty="0">
               <a:latin typeface="Arial" panose="020B0604020202020204" pitchFamily="34" charset="0"/>
@@ -6897,6 +6893,385 @@
           </a:fontRef>
         </p:style>
       </p:cxnSp>
+      <p:pic>
+        <p:nvPicPr>
+          <p:cNvPr id="7" name="Image 6">
+            <a:extLst>
+              <a:ext uri="{FF2B5EF4-FFF2-40B4-BE49-F238E27FC236}">
+                <a16:creationId xmlns:a16="http://schemas.microsoft.com/office/drawing/2014/main" id="{83020CD2-4056-77D8-4C12-8DFA429EA337}"/>
+              </a:ext>
+            </a:extLst>
+          </p:cNvPr>
+          <p:cNvPicPr>
+            <a:picLocks noChangeAspect="1"/>
+          </p:cNvPicPr>
+          <p:nvPr/>
+        </p:nvPicPr>
+        <p:blipFill>
+          <a:blip r:embed="rId3"/>
+          <a:stretch>
+            <a:fillRect/>
+          </a:stretch>
+        </p:blipFill>
+        <p:spPr>
+          <a:xfrm>
+            <a:off x="162678" y="1800535"/>
+            <a:ext cx="6558736" cy="4047677"/>
+          </a:xfrm>
+          <a:prstGeom prst="rect">
+            <a:avLst/>
+          </a:prstGeom>
+        </p:spPr>
+      </p:pic>
+      <p:pic>
+        <p:nvPicPr>
+          <p:cNvPr id="9" name="Image 8">
+            <a:extLst>
+              <a:ext uri="{FF2B5EF4-FFF2-40B4-BE49-F238E27FC236}">
+                <a16:creationId xmlns:a16="http://schemas.microsoft.com/office/drawing/2014/main" id="{8598714A-B2D8-F273-7C6E-D4E1BA8844CF}"/>
+              </a:ext>
+            </a:extLst>
+          </p:cNvPr>
+          <p:cNvPicPr>
+            <a:picLocks noChangeAspect="1"/>
+          </p:cNvPicPr>
+          <p:nvPr/>
+        </p:nvPicPr>
+        <p:blipFill>
+          <a:blip r:embed="rId4"/>
+          <a:stretch>
+            <a:fillRect/>
+          </a:stretch>
+        </p:blipFill>
+        <p:spPr>
+          <a:xfrm>
+            <a:off x="6990703" y="1063336"/>
+            <a:ext cx="4425980" cy="2731462"/>
+          </a:xfrm>
+          <a:prstGeom prst="rect">
+            <a:avLst/>
+          </a:prstGeom>
+        </p:spPr>
+      </p:pic>
+      <p:pic>
+        <p:nvPicPr>
+          <p:cNvPr id="10" name="Image 9">
+            <a:extLst>
+              <a:ext uri="{FF2B5EF4-FFF2-40B4-BE49-F238E27FC236}">
+                <a16:creationId xmlns:a16="http://schemas.microsoft.com/office/drawing/2014/main" id="{9831633A-6D07-13FA-355E-B1B2E8CDF8AF}"/>
+              </a:ext>
+            </a:extLst>
+          </p:cNvPr>
+          <p:cNvPicPr>
+            <a:picLocks noChangeAspect="1"/>
+          </p:cNvPicPr>
+          <p:nvPr/>
+        </p:nvPicPr>
+        <p:blipFill>
+          <a:blip r:embed="rId5"/>
+          <a:stretch>
+            <a:fillRect/>
+          </a:stretch>
+        </p:blipFill>
+        <p:spPr>
+          <a:xfrm>
+            <a:off x="6990703" y="3824373"/>
+            <a:ext cx="4159650" cy="2567098"/>
+          </a:xfrm>
+          <a:prstGeom prst="rect">
+            <a:avLst/>
+          </a:prstGeom>
+        </p:spPr>
+      </p:pic>
+    </p:spTree>
+    <p:extLst>
+      <p:ext uri="{BB962C8B-B14F-4D97-AF65-F5344CB8AC3E}">
+        <p14:creationId xmlns:p14="http://schemas.microsoft.com/office/powerpoint/2010/main" val="3873183175"/>
+      </p:ext>
+    </p:extLst>
+  </p:cSld>
+  <p:clrMapOvr>
+    <a:masterClrMapping/>
+  </p:clrMapOvr>
+</p:sld>
+</file>
+
+<file path=ppt/slides/slide16.xml><?xml version="1.0" encoding="utf-8"?>
+<p:sld xmlns:a="http://schemas.openxmlformats.org/drawingml/2006/main" xmlns:r="http://schemas.openxmlformats.org/officeDocument/2006/relationships" xmlns:p="http://schemas.openxmlformats.org/presentationml/2006/main" show="0">
+  <p:cSld>
+    <p:spTree>
+      <p:nvGrpSpPr>
+        <p:cNvPr id="1" name=""/>
+        <p:cNvGrpSpPr/>
+        <p:nvPr/>
+      </p:nvGrpSpPr>
+      <p:grpSpPr>
+        <a:xfrm>
+          <a:off x="0" y="0"/>
+          <a:ext cx="0" cy="0"/>
+          <a:chOff x="0" y="0"/>
+          <a:chExt cx="0" cy="0"/>
+        </a:xfrm>
+      </p:grpSpPr>
+      <p:sp>
+        <p:nvSpPr>
+          <p:cNvPr id="2" name="Titre 1">
+            <a:extLst>
+              <a:ext uri="{FF2B5EF4-FFF2-40B4-BE49-F238E27FC236}">
+                <a16:creationId xmlns:a16="http://schemas.microsoft.com/office/drawing/2014/main" id="{3AC5EA2C-9518-355B-24FA-608C24FE72E3}"/>
+              </a:ext>
+            </a:extLst>
+          </p:cNvPr>
+          <p:cNvSpPr>
+            <a:spLocks noGrp="1"/>
+          </p:cNvSpPr>
+          <p:nvPr>
+            <p:ph type="title"/>
+          </p:nvPr>
+        </p:nvSpPr>
+        <p:spPr>
+          <a:xfrm>
+            <a:off x="145740" y="118307"/>
+            <a:ext cx="11137778" cy="691318"/>
+          </a:xfrm>
+        </p:spPr>
+        <p:txBody>
+          <a:bodyPr>
+            <a:normAutofit/>
+          </a:bodyPr>
+          <a:lstStyle/>
+          <a:p>
+            <a:r>
+              <a:rPr lang="fr-FR" sz="3200" b="1" dirty="0">
+                <a:latin typeface="Arial" panose="020B0604020202020204" pitchFamily="34" charset="0"/>
+                <a:cs typeface="Arial" panose="020B0604020202020204" pitchFamily="34" charset="0"/>
+              </a:rPr>
+              <a:t>2.2.	Analyse d’intégration – </a:t>
+            </a:r>
+            <a:r>
+              <a:rPr lang="fr-FR" sz="3200" b="1" dirty="0" err="1">
+                <a:latin typeface="Arial" panose="020B0604020202020204" pitchFamily="34" charset="0"/>
+                <a:cs typeface="Arial" panose="020B0604020202020204" pitchFamily="34" charset="0"/>
+              </a:rPr>
+              <a:t>sPLS</a:t>
+            </a:r>
+            <a:endParaRPr lang="fr-FR" sz="3200" b="1" baseline="30000" dirty="0">
+              <a:latin typeface="Arial" panose="020B0604020202020204" pitchFamily="34" charset="0"/>
+              <a:cs typeface="Arial" panose="020B0604020202020204" pitchFamily="34" charset="0"/>
+            </a:endParaRPr>
+          </a:p>
+        </p:txBody>
+      </p:sp>
+      <p:sp>
+        <p:nvSpPr>
+          <p:cNvPr id="4" name="Espace réservé de la date 3">
+            <a:extLst>
+              <a:ext uri="{FF2B5EF4-FFF2-40B4-BE49-F238E27FC236}">
+                <a16:creationId xmlns:a16="http://schemas.microsoft.com/office/drawing/2014/main" id="{F181D9E9-DC4C-4780-75B9-9F6317E5BD1A}"/>
+              </a:ext>
+            </a:extLst>
+          </p:cNvPr>
+          <p:cNvSpPr>
+            <a:spLocks noGrp="1"/>
+          </p:cNvSpPr>
+          <p:nvPr>
+            <p:ph type="dt" sz="half" idx="10"/>
+          </p:nvPr>
+        </p:nvSpPr>
+        <p:spPr>
+          <a:xfrm>
+            <a:off x="838200" y="6489520"/>
+            <a:ext cx="2743200" cy="365125"/>
+          </a:xfrm>
+        </p:spPr>
+        <p:txBody>
+          <a:bodyPr/>
+          <a:lstStyle/>
+          <a:p>
+            <a:r>
+              <a:rPr lang="fr-FR" dirty="0"/>
+              <a:t>12/10/2022</a:t>
+            </a:r>
+          </a:p>
+        </p:txBody>
+      </p:sp>
+      <p:sp>
+        <p:nvSpPr>
+          <p:cNvPr id="5" name="Espace réservé du pied de page 4">
+            <a:extLst>
+              <a:ext uri="{FF2B5EF4-FFF2-40B4-BE49-F238E27FC236}">
+                <a16:creationId xmlns:a16="http://schemas.microsoft.com/office/drawing/2014/main" id="{E75C31F4-0182-ED79-928B-0DE07ADECB80}"/>
+              </a:ext>
+            </a:extLst>
+          </p:cNvPr>
+          <p:cNvSpPr>
+            <a:spLocks noGrp="1"/>
+          </p:cNvSpPr>
+          <p:nvPr>
+            <p:ph type="ftr" sz="quarter" idx="11"/>
+          </p:nvPr>
+        </p:nvSpPr>
+        <p:spPr>
+          <a:xfrm>
+            <a:off x="3810000" y="6492876"/>
+            <a:ext cx="4800600" cy="365124"/>
+          </a:xfrm>
+        </p:spPr>
+        <p:txBody>
+          <a:bodyPr/>
+          <a:lstStyle/>
+          <a:p>
+            <a:pPr algn="l"/>
+            <a:r>
+              <a:rPr lang="en-US" dirty="0"/>
+              <a:t>Delhomme Jean, </a:t>
+            </a:r>
+            <a:r>
+              <a:rPr lang="en-US" dirty="0" err="1"/>
+              <a:t>Lecourieux</a:t>
+            </a:r>
+            <a:r>
+              <a:rPr lang="en-US" dirty="0"/>
+              <a:t> Adriana, Rousseau Baptiste, </a:t>
+            </a:r>
+            <a:r>
+              <a:rPr lang="en-US" dirty="0" err="1"/>
+              <a:t>Graa</a:t>
+            </a:r>
+            <a:r>
+              <a:rPr lang="en-US" dirty="0"/>
+              <a:t> </a:t>
+            </a:r>
+            <a:r>
+              <a:rPr lang="en-US" dirty="0" err="1"/>
+              <a:t>Maha</a:t>
+            </a:r>
+            <a:endParaRPr lang="en-US" dirty="0"/>
+          </a:p>
+        </p:txBody>
+      </p:sp>
+      <p:sp>
+        <p:nvSpPr>
+          <p:cNvPr id="6" name="Espace réservé du numéro de diapositive 5">
+            <a:extLst>
+              <a:ext uri="{FF2B5EF4-FFF2-40B4-BE49-F238E27FC236}">
+                <a16:creationId xmlns:a16="http://schemas.microsoft.com/office/drawing/2014/main" id="{EDD49CB1-F959-4004-3097-04AE4D0121BD}"/>
+              </a:ext>
+            </a:extLst>
+          </p:cNvPr>
+          <p:cNvSpPr>
+            <a:spLocks noGrp="1"/>
+          </p:cNvSpPr>
+          <p:nvPr>
+            <p:ph type="sldNum" sz="quarter" idx="12"/>
+          </p:nvPr>
+        </p:nvSpPr>
+        <p:spPr>
+          <a:xfrm>
+            <a:off x="8610600" y="6489520"/>
+            <a:ext cx="2743200" cy="365125"/>
+          </a:xfrm>
+        </p:spPr>
+        <p:txBody>
+          <a:bodyPr/>
+          <a:lstStyle/>
+          <a:p>
+            <a:fld id="{DB0B8EAA-8CF6-49F4-8FA8-2BD42B7C9F8B}" type="slidenum">
+              <a:rPr lang="fr-FR" smtClean="0"/>
+              <a:t>16</a:t>
+            </a:fld>
+            <a:endParaRPr lang="fr-FR"/>
+          </a:p>
+        </p:txBody>
+      </p:sp>
+      <p:pic>
+        <p:nvPicPr>
+          <p:cNvPr id="1026" name="Picture 2" descr="Appellation, logo et charte graphique : tout ce qu'il faut savoir | Université  Paris Cité">
+            <a:extLst>
+              <a:ext uri="{FF2B5EF4-FFF2-40B4-BE49-F238E27FC236}">
+                <a16:creationId xmlns:a16="http://schemas.microsoft.com/office/drawing/2014/main" id="{42388675-4549-B077-D592-84080955D58F}"/>
+              </a:ext>
+            </a:extLst>
+          </p:cNvPr>
+          <p:cNvPicPr>
+            <a:picLocks noChangeAspect="1" noChangeArrowheads="1"/>
+          </p:cNvPicPr>
+          <p:nvPr/>
+        </p:nvPicPr>
+        <p:blipFill>
+          <a:blip r:embed="rId2">
+            <a:extLst>
+              <a:ext uri="{28A0092B-C50C-407E-A947-70E740481C1C}">
+                <a14:useLocalDpi xmlns:a14="http://schemas.microsoft.com/office/drawing/2010/main" val="0"/>
+              </a:ext>
+            </a:extLst>
+          </a:blip>
+          <a:srcRect/>
+          <a:stretch>
+            <a:fillRect/>
+          </a:stretch>
+        </p:blipFill>
+        <p:spPr bwMode="auto">
+          <a:xfrm>
+            <a:off x="11363415" y="121082"/>
+            <a:ext cx="692461" cy="688543"/>
+          </a:xfrm>
+          <a:prstGeom prst="rect">
+            <a:avLst/>
+          </a:prstGeom>
+          <a:noFill/>
+          <a:extLst>
+            <a:ext uri="{909E8E84-426E-40DD-AFC4-6F175D3DCCD1}">
+              <a14:hiddenFill xmlns:a14="http://schemas.microsoft.com/office/drawing/2010/main">
+                <a:solidFill>
+                  <a:srgbClr val="FFFFFF"/>
+                </a:solidFill>
+              </a14:hiddenFill>
+            </a:ext>
+          </a:extLst>
+        </p:spPr>
+      </p:pic>
+      <p:cxnSp>
+        <p:nvCxnSpPr>
+          <p:cNvPr id="8" name="Connecteur droit 7">
+            <a:extLst>
+              <a:ext uri="{FF2B5EF4-FFF2-40B4-BE49-F238E27FC236}">
+                <a16:creationId xmlns:a16="http://schemas.microsoft.com/office/drawing/2014/main" id="{58EF74DE-8092-1233-D850-99E4719D068A}"/>
+              </a:ext>
+            </a:extLst>
+          </p:cNvPr>
+          <p:cNvCxnSpPr/>
+          <p:nvPr/>
+        </p:nvCxnSpPr>
+        <p:spPr>
+          <a:xfrm>
+            <a:off x="145740" y="853585"/>
+            <a:ext cx="11910136" cy="0"/>
+          </a:xfrm>
+          <a:prstGeom prst="line">
+            <a:avLst/>
+          </a:prstGeom>
+          <a:ln w="28575">
+            <a:solidFill>
+              <a:srgbClr val="8B1538"/>
+            </a:solidFill>
+          </a:ln>
+        </p:spPr>
+        <p:style>
+          <a:lnRef idx="1">
+            <a:schemeClr val="accent1"/>
+          </a:lnRef>
+          <a:fillRef idx="0">
+            <a:schemeClr val="accent1"/>
+          </a:fillRef>
+          <a:effectRef idx="0">
+            <a:schemeClr val="accent1"/>
+          </a:effectRef>
+          <a:fontRef idx="minor">
+            <a:schemeClr val="tx1"/>
+          </a:fontRef>
+        </p:style>
+      </p:cxnSp>
       <p:sp>
         <p:nvSpPr>
           <p:cNvPr id="25" name="Espace réservé du contenu 2">
@@ -7179,557 +7554,6 @@
     <p:extLst>
       <p:ext uri="{BB962C8B-B14F-4D97-AF65-F5344CB8AC3E}">
         <p14:creationId xmlns:p14="http://schemas.microsoft.com/office/powerpoint/2010/main" val="1175785511"/>
-      </p:ext>
-    </p:extLst>
-  </p:cSld>
-  <p:clrMapOvr>
-    <a:masterClrMapping/>
-  </p:clrMapOvr>
-</p:sld>
-</file>
-
-<file path=ppt/slides/slide16.xml><?xml version="1.0" encoding="utf-8"?>
-<p:sld xmlns:a="http://schemas.openxmlformats.org/drawingml/2006/main" xmlns:r="http://schemas.openxmlformats.org/officeDocument/2006/relationships" xmlns:p="http://schemas.openxmlformats.org/presentationml/2006/main">
-  <p:cSld>
-    <p:spTree>
-      <p:nvGrpSpPr>
-        <p:cNvPr id="1" name=""/>
-        <p:cNvGrpSpPr/>
-        <p:nvPr/>
-      </p:nvGrpSpPr>
-      <p:grpSpPr>
-        <a:xfrm>
-          <a:off x="0" y="0"/>
-          <a:ext cx="0" cy="0"/>
-          <a:chOff x="0" y="0"/>
-          <a:chExt cx="0" cy="0"/>
-        </a:xfrm>
-      </p:grpSpPr>
-      <p:sp>
-        <p:nvSpPr>
-          <p:cNvPr id="2" name="Titre 1">
-            <a:extLst>
-              <a:ext uri="{FF2B5EF4-FFF2-40B4-BE49-F238E27FC236}">
-                <a16:creationId xmlns:a16="http://schemas.microsoft.com/office/drawing/2014/main" id="{3AC5EA2C-9518-355B-24FA-608C24FE72E3}"/>
-              </a:ext>
-            </a:extLst>
-          </p:cNvPr>
-          <p:cNvSpPr>
-            <a:spLocks noGrp="1"/>
-          </p:cNvSpPr>
-          <p:nvPr>
-            <p:ph type="title"/>
-          </p:nvPr>
-        </p:nvSpPr>
-        <p:spPr>
-          <a:xfrm>
-            <a:off x="145740" y="118307"/>
-            <a:ext cx="11137778" cy="691318"/>
-          </a:xfrm>
-        </p:spPr>
-        <p:txBody>
-          <a:bodyPr>
-            <a:normAutofit/>
-          </a:bodyPr>
-          <a:lstStyle/>
-          <a:p>
-            <a:r>
-              <a:rPr lang="fr-FR" sz="3200" b="1" dirty="0">
-                <a:latin typeface="Arial" panose="020B0604020202020204" pitchFamily="34" charset="0"/>
-                <a:cs typeface="Arial" panose="020B0604020202020204" pitchFamily="34" charset="0"/>
-              </a:rPr>
-              <a:t>2.3.	Analyse d’intégration – DIABLO</a:t>
-            </a:r>
-            <a:endParaRPr lang="fr-FR" sz="3200" b="1" baseline="30000" dirty="0">
-              <a:latin typeface="Arial" panose="020B0604020202020204" pitchFamily="34" charset="0"/>
-              <a:cs typeface="Arial" panose="020B0604020202020204" pitchFamily="34" charset="0"/>
-            </a:endParaRPr>
-          </a:p>
-        </p:txBody>
-      </p:sp>
-      <p:sp>
-        <p:nvSpPr>
-          <p:cNvPr id="4" name="Espace réservé de la date 3">
-            <a:extLst>
-              <a:ext uri="{FF2B5EF4-FFF2-40B4-BE49-F238E27FC236}">
-                <a16:creationId xmlns:a16="http://schemas.microsoft.com/office/drawing/2014/main" id="{F181D9E9-DC4C-4780-75B9-9F6317E5BD1A}"/>
-              </a:ext>
-            </a:extLst>
-          </p:cNvPr>
-          <p:cNvSpPr>
-            <a:spLocks noGrp="1"/>
-          </p:cNvSpPr>
-          <p:nvPr>
-            <p:ph type="dt" sz="half" idx="10"/>
-          </p:nvPr>
-        </p:nvSpPr>
-        <p:spPr>
-          <a:xfrm>
-            <a:off x="838200" y="6489520"/>
-            <a:ext cx="2743200" cy="365125"/>
-          </a:xfrm>
-        </p:spPr>
-        <p:txBody>
-          <a:bodyPr/>
-          <a:lstStyle/>
-          <a:p>
-            <a:r>
-              <a:rPr lang="fr-FR" dirty="0"/>
-              <a:t>12/10/2022</a:t>
-            </a:r>
-          </a:p>
-        </p:txBody>
-      </p:sp>
-      <p:sp>
-        <p:nvSpPr>
-          <p:cNvPr id="5" name="Espace réservé du pied de page 4">
-            <a:extLst>
-              <a:ext uri="{FF2B5EF4-FFF2-40B4-BE49-F238E27FC236}">
-                <a16:creationId xmlns:a16="http://schemas.microsoft.com/office/drawing/2014/main" id="{E75C31F4-0182-ED79-928B-0DE07ADECB80}"/>
-              </a:ext>
-            </a:extLst>
-          </p:cNvPr>
-          <p:cNvSpPr>
-            <a:spLocks noGrp="1"/>
-          </p:cNvSpPr>
-          <p:nvPr>
-            <p:ph type="ftr" sz="quarter" idx="11"/>
-          </p:nvPr>
-        </p:nvSpPr>
-        <p:spPr>
-          <a:xfrm>
-            <a:off x="3810000" y="6492876"/>
-            <a:ext cx="4800600" cy="365124"/>
-          </a:xfrm>
-        </p:spPr>
-        <p:txBody>
-          <a:bodyPr/>
-          <a:lstStyle/>
-          <a:p>
-            <a:pPr algn="l"/>
-            <a:r>
-              <a:rPr lang="en-US" dirty="0"/>
-              <a:t>Delhomme Jean, </a:t>
-            </a:r>
-            <a:r>
-              <a:rPr lang="en-US" dirty="0" err="1"/>
-              <a:t>Lecourieux</a:t>
-            </a:r>
-            <a:r>
-              <a:rPr lang="en-US" dirty="0"/>
-              <a:t> Adriana, Rousseau Baptiste, </a:t>
-            </a:r>
-            <a:r>
-              <a:rPr lang="en-US" dirty="0" err="1"/>
-              <a:t>Graa</a:t>
-            </a:r>
-            <a:r>
-              <a:rPr lang="en-US" dirty="0"/>
-              <a:t> </a:t>
-            </a:r>
-            <a:r>
-              <a:rPr lang="en-US" dirty="0" err="1"/>
-              <a:t>Maha</a:t>
-            </a:r>
-            <a:endParaRPr lang="en-US" dirty="0"/>
-          </a:p>
-        </p:txBody>
-      </p:sp>
-      <p:sp>
-        <p:nvSpPr>
-          <p:cNvPr id="6" name="Espace réservé du numéro de diapositive 5">
-            <a:extLst>
-              <a:ext uri="{FF2B5EF4-FFF2-40B4-BE49-F238E27FC236}">
-                <a16:creationId xmlns:a16="http://schemas.microsoft.com/office/drawing/2014/main" id="{EDD49CB1-F959-4004-3097-04AE4D0121BD}"/>
-              </a:ext>
-            </a:extLst>
-          </p:cNvPr>
-          <p:cNvSpPr>
-            <a:spLocks noGrp="1"/>
-          </p:cNvSpPr>
-          <p:nvPr>
-            <p:ph type="sldNum" sz="quarter" idx="12"/>
-          </p:nvPr>
-        </p:nvSpPr>
-        <p:spPr>
-          <a:xfrm>
-            <a:off x="8610600" y="6489520"/>
-            <a:ext cx="2743200" cy="365125"/>
-          </a:xfrm>
-        </p:spPr>
-        <p:txBody>
-          <a:bodyPr/>
-          <a:lstStyle/>
-          <a:p>
-            <a:fld id="{DB0B8EAA-8CF6-49F4-8FA8-2BD42B7C9F8B}" type="slidenum">
-              <a:rPr lang="fr-FR" smtClean="0"/>
-              <a:t>16</a:t>
-            </a:fld>
-            <a:endParaRPr lang="fr-FR"/>
-          </a:p>
-        </p:txBody>
-      </p:sp>
-      <p:pic>
-        <p:nvPicPr>
-          <p:cNvPr id="1026" name="Picture 2" descr="Appellation, logo et charte graphique : tout ce qu'il faut savoir | Université  Paris Cité">
-            <a:extLst>
-              <a:ext uri="{FF2B5EF4-FFF2-40B4-BE49-F238E27FC236}">
-                <a16:creationId xmlns:a16="http://schemas.microsoft.com/office/drawing/2014/main" id="{42388675-4549-B077-D592-84080955D58F}"/>
-              </a:ext>
-            </a:extLst>
-          </p:cNvPr>
-          <p:cNvPicPr>
-            <a:picLocks noChangeAspect="1" noChangeArrowheads="1"/>
-          </p:cNvPicPr>
-          <p:nvPr/>
-        </p:nvPicPr>
-        <p:blipFill>
-          <a:blip r:embed="rId2">
-            <a:extLst>
-              <a:ext uri="{28A0092B-C50C-407E-A947-70E740481C1C}">
-                <a14:useLocalDpi xmlns:a14="http://schemas.microsoft.com/office/drawing/2010/main" val="0"/>
-              </a:ext>
-            </a:extLst>
-          </a:blip>
-          <a:srcRect/>
-          <a:stretch>
-            <a:fillRect/>
-          </a:stretch>
-        </p:blipFill>
-        <p:spPr bwMode="auto">
-          <a:xfrm>
-            <a:off x="11363415" y="121082"/>
-            <a:ext cx="692461" cy="688543"/>
-          </a:xfrm>
-          <a:prstGeom prst="rect">
-            <a:avLst/>
-          </a:prstGeom>
-          <a:noFill/>
-          <a:extLst>
-            <a:ext uri="{909E8E84-426E-40DD-AFC4-6F175D3DCCD1}">
-              <a14:hiddenFill xmlns:a14="http://schemas.microsoft.com/office/drawing/2010/main">
-                <a:solidFill>
-                  <a:srgbClr val="FFFFFF"/>
-                </a:solidFill>
-              </a14:hiddenFill>
-            </a:ext>
-          </a:extLst>
-        </p:spPr>
-      </p:pic>
-      <p:cxnSp>
-        <p:nvCxnSpPr>
-          <p:cNvPr id="8" name="Connecteur droit 7">
-            <a:extLst>
-              <a:ext uri="{FF2B5EF4-FFF2-40B4-BE49-F238E27FC236}">
-                <a16:creationId xmlns:a16="http://schemas.microsoft.com/office/drawing/2014/main" id="{58EF74DE-8092-1233-D850-99E4719D068A}"/>
-              </a:ext>
-            </a:extLst>
-          </p:cNvPr>
-          <p:cNvCxnSpPr/>
-          <p:nvPr/>
-        </p:nvCxnSpPr>
-        <p:spPr>
-          <a:xfrm>
-            <a:off x="145740" y="853585"/>
-            <a:ext cx="11910136" cy="0"/>
-          </a:xfrm>
-          <a:prstGeom prst="line">
-            <a:avLst/>
-          </a:prstGeom>
-          <a:ln w="28575">
-            <a:solidFill>
-              <a:srgbClr val="8B1538"/>
-            </a:solidFill>
-          </a:ln>
-        </p:spPr>
-        <p:style>
-          <a:lnRef idx="1">
-            <a:schemeClr val="accent1"/>
-          </a:lnRef>
-          <a:fillRef idx="0">
-            <a:schemeClr val="accent1"/>
-          </a:fillRef>
-          <a:effectRef idx="0">
-            <a:schemeClr val="accent1"/>
-          </a:effectRef>
-          <a:fontRef idx="minor">
-            <a:schemeClr val="tx1"/>
-          </a:fontRef>
-        </p:style>
-      </p:cxnSp>
-      <p:sp>
-        <p:nvSpPr>
-          <p:cNvPr id="25" name="Espace réservé du contenu 2">
-            <a:extLst>
-              <a:ext uri="{FF2B5EF4-FFF2-40B4-BE49-F238E27FC236}">
-                <a16:creationId xmlns:a16="http://schemas.microsoft.com/office/drawing/2014/main" id="{57CB1EB0-7288-3F4E-B1CC-99784B654109}"/>
-              </a:ext>
-            </a:extLst>
-          </p:cNvPr>
-          <p:cNvSpPr txBox="1">
-            <a:spLocks/>
-          </p:cNvSpPr>
-          <p:nvPr/>
-        </p:nvSpPr>
-        <p:spPr>
-          <a:xfrm>
-            <a:off x="231320" y="1006054"/>
-            <a:ext cx="11824556" cy="5300591"/>
-          </a:xfrm>
-          <a:prstGeom prst="rect">
-            <a:avLst/>
-          </a:prstGeom>
-        </p:spPr>
-        <p:txBody>
-          <a:bodyPr vert="horz" lIns="91440" tIns="45720" rIns="91440" bIns="45720" rtlCol="0">
-            <a:normAutofit/>
-          </a:bodyPr>
-          <a:lstStyle>
-            <a:lvl1pPr marL="228600" indent="-228600" algn="l" defTabSz="914400" rtl="0" eaLnBrk="1" latinLnBrk="0" hangingPunct="1">
-              <a:lnSpc>
-                <a:spcPct val="90000"/>
-              </a:lnSpc>
-              <a:spcBef>
-                <a:spcPts val="1000"/>
-              </a:spcBef>
-              <a:buFont typeface="Arial" panose="020B0604020202020204" pitchFamily="34" charset="0"/>
-              <a:buChar char="•"/>
-              <a:defRPr sz="2800" kern="1200">
-                <a:solidFill>
-                  <a:schemeClr val="tx1"/>
-                </a:solidFill>
-                <a:latin typeface="+mn-lt"/>
-                <a:ea typeface="+mn-ea"/>
-                <a:cs typeface="+mn-cs"/>
-              </a:defRPr>
-            </a:lvl1pPr>
-            <a:lvl2pPr marL="685800" indent="-228600" algn="l" defTabSz="914400" rtl="0" eaLnBrk="1" latinLnBrk="0" hangingPunct="1">
-              <a:lnSpc>
-                <a:spcPct val="90000"/>
-              </a:lnSpc>
-              <a:spcBef>
-                <a:spcPts val="500"/>
-              </a:spcBef>
-              <a:buFont typeface="Arial" panose="020B0604020202020204" pitchFamily="34" charset="0"/>
-              <a:buChar char="•"/>
-              <a:defRPr sz="2400" kern="1200">
-                <a:solidFill>
-                  <a:schemeClr val="tx1"/>
-                </a:solidFill>
-                <a:latin typeface="+mn-lt"/>
-                <a:ea typeface="+mn-ea"/>
-                <a:cs typeface="+mn-cs"/>
-              </a:defRPr>
-            </a:lvl2pPr>
-            <a:lvl3pPr marL="1143000" indent="-228600" algn="l" defTabSz="914400" rtl="0" eaLnBrk="1" latinLnBrk="0" hangingPunct="1">
-              <a:lnSpc>
-                <a:spcPct val="90000"/>
-              </a:lnSpc>
-              <a:spcBef>
-                <a:spcPts val="500"/>
-              </a:spcBef>
-              <a:buFont typeface="Arial" panose="020B0604020202020204" pitchFamily="34" charset="0"/>
-              <a:buChar char="•"/>
-              <a:defRPr sz="2000" kern="1200">
-                <a:solidFill>
-                  <a:schemeClr val="tx1"/>
-                </a:solidFill>
-                <a:latin typeface="+mn-lt"/>
-                <a:ea typeface="+mn-ea"/>
-                <a:cs typeface="+mn-cs"/>
-              </a:defRPr>
-            </a:lvl3pPr>
-            <a:lvl4pPr marL="1600200" indent="-228600" algn="l" defTabSz="914400" rtl="0" eaLnBrk="1" latinLnBrk="0" hangingPunct="1">
-              <a:lnSpc>
-                <a:spcPct val="90000"/>
-              </a:lnSpc>
-              <a:spcBef>
-                <a:spcPts val="500"/>
-              </a:spcBef>
-              <a:buFont typeface="Arial" panose="020B0604020202020204" pitchFamily="34" charset="0"/>
-              <a:buChar char="•"/>
-              <a:defRPr sz="1800" kern="1200">
-                <a:solidFill>
-                  <a:schemeClr val="tx1"/>
-                </a:solidFill>
-                <a:latin typeface="+mn-lt"/>
-                <a:ea typeface="+mn-ea"/>
-                <a:cs typeface="+mn-cs"/>
-              </a:defRPr>
-            </a:lvl4pPr>
-            <a:lvl5pPr marL="2057400" indent="-228600" algn="l" defTabSz="914400" rtl="0" eaLnBrk="1" latinLnBrk="0" hangingPunct="1">
-              <a:lnSpc>
-                <a:spcPct val="90000"/>
-              </a:lnSpc>
-              <a:spcBef>
-                <a:spcPts val="500"/>
-              </a:spcBef>
-              <a:buFont typeface="Arial" panose="020B0604020202020204" pitchFamily="34" charset="0"/>
-              <a:buChar char="•"/>
-              <a:defRPr sz="1800" kern="1200">
-                <a:solidFill>
-                  <a:schemeClr val="tx1"/>
-                </a:solidFill>
-                <a:latin typeface="+mn-lt"/>
-                <a:ea typeface="+mn-ea"/>
-                <a:cs typeface="+mn-cs"/>
-              </a:defRPr>
-            </a:lvl5pPr>
-            <a:lvl6pPr marL="2514600" indent="-228600" algn="l" defTabSz="914400" rtl="0" eaLnBrk="1" latinLnBrk="0" hangingPunct="1">
-              <a:lnSpc>
-                <a:spcPct val="90000"/>
-              </a:lnSpc>
-              <a:spcBef>
-                <a:spcPts val="500"/>
-              </a:spcBef>
-              <a:buFont typeface="Arial" panose="020B0604020202020204" pitchFamily="34" charset="0"/>
-              <a:buChar char="•"/>
-              <a:defRPr sz="1800" kern="1200">
-                <a:solidFill>
-                  <a:schemeClr val="tx1"/>
-                </a:solidFill>
-                <a:latin typeface="+mn-lt"/>
-                <a:ea typeface="+mn-ea"/>
-                <a:cs typeface="+mn-cs"/>
-              </a:defRPr>
-            </a:lvl6pPr>
-            <a:lvl7pPr marL="2971800" indent="-228600" algn="l" defTabSz="914400" rtl="0" eaLnBrk="1" latinLnBrk="0" hangingPunct="1">
-              <a:lnSpc>
-                <a:spcPct val="90000"/>
-              </a:lnSpc>
-              <a:spcBef>
-                <a:spcPts val="500"/>
-              </a:spcBef>
-              <a:buFont typeface="Arial" panose="020B0604020202020204" pitchFamily="34" charset="0"/>
-              <a:buChar char="•"/>
-              <a:defRPr sz="1800" kern="1200">
-                <a:solidFill>
-                  <a:schemeClr val="tx1"/>
-                </a:solidFill>
-                <a:latin typeface="+mn-lt"/>
-                <a:ea typeface="+mn-ea"/>
-                <a:cs typeface="+mn-cs"/>
-              </a:defRPr>
-            </a:lvl7pPr>
-            <a:lvl8pPr marL="3429000" indent="-228600" algn="l" defTabSz="914400" rtl="0" eaLnBrk="1" latinLnBrk="0" hangingPunct="1">
-              <a:lnSpc>
-                <a:spcPct val="90000"/>
-              </a:lnSpc>
-              <a:spcBef>
-                <a:spcPts val="500"/>
-              </a:spcBef>
-              <a:buFont typeface="Arial" panose="020B0604020202020204" pitchFamily="34" charset="0"/>
-              <a:buChar char="•"/>
-              <a:defRPr sz="1800" kern="1200">
-                <a:solidFill>
-                  <a:schemeClr val="tx1"/>
-                </a:solidFill>
-                <a:latin typeface="+mn-lt"/>
-                <a:ea typeface="+mn-ea"/>
-                <a:cs typeface="+mn-cs"/>
-              </a:defRPr>
-            </a:lvl8pPr>
-            <a:lvl9pPr marL="3886200" indent="-228600" algn="l" defTabSz="914400" rtl="0" eaLnBrk="1" latinLnBrk="0" hangingPunct="1">
-              <a:lnSpc>
-                <a:spcPct val="90000"/>
-              </a:lnSpc>
-              <a:spcBef>
-                <a:spcPts val="500"/>
-              </a:spcBef>
-              <a:buFont typeface="Arial" panose="020B0604020202020204" pitchFamily="34" charset="0"/>
-              <a:buChar char="•"/>
-              <a:defRPr sz="1800" kern="1200">
-                <a:solidFill>
-                  <a:schemeClr val="tx1"/>
-                </a:solidFill>
-                <a:latin typeface="+mn-lt"/>
-                <a:ea typeface="+mn-ea"/>
-                <a:cs typeface="+mn-cs"/>
-              </a:defRPr>
-            </a:lvl9pPr>
-          </a:lstStyle>
-          <a:p>
-            <a:pPr marL="0" indent="0">
-              <a:buNone/>
-            </a:pPr>
-            <a:r>
-              <a:rPr lang="fr-FR" dirty="0">
-                <a:latin typeface="Arial" panose="020B0604020202020204" pitchFamily="34" charset="0"/>
-                <a:cs typeface="Arial" panose="020B0604020202020204" pitchFamily="34" charset="0"/>
-              </a:rPr>
-              <a:t>- Faire une première analyse combinée DIABLO en incluant les gènes, protéines et le groupe</a:t>
-            </a:r>
-          </a:p>
-          <a:p>
-            <a:pPr marL="0" indent="0">
-              <a:buNone/>
-            </a:pPr>
-            <a:r>
-              <a:rPr lang="fr-FR" dirty="0">
-                <a:latin typeface="Arial" panose="020B0604020202020204" pitchFamily="34" charset="0"/>
-                <a:cs typeface="Arial" panose="020B0604020202020204" pitchFamily="34" charset="0"/>
-              </a:rPr>
-              <a:t>- Faire une seconde analyse en ajoutant le 3ième bloc</a:t>
-            </a:r>
-          </a:p>
-          <a:p>
-            <a:pPr marL="0" indent="0">
-              <a:buNone/>
-            </a:pPr>
-            <a:r>
-              <a:rPr lang="fr-FR" dirty="0">
-                <a:latin typeface="Arial" panose="020B0604020202020204" pitchFamily="34" charset="0"/>
-                <a:cs typeface="Arial" panose="020B0604020202020204" pitchFamily="34" charset="0"/>
-              </a:rPr>
-              <a:t>- Optimiser le modèle (</a:t>
-            </a:r>
-            <a:r>
-              <a:rPr lang="fr-FR" dirty="0" err="1">
-                <a:latin typeface="Arial" panose="020B0604020202020204" pitchFamily="34" charset="0"/>
-                <a:cs typeface="Arial" panose="020B0604020202020204" pitchFamily="34" charset="0"/>
-              </a:rPr>
-              <a:t>ncomp</a:t>
-            </a:r>
-            <a:r>
-              <a:rPr lang="fr-FR" dirty="0">
-                <a:latin typeface="Arial" panose="020B0604020202020204" pitchFamily="34" charset="0"/>
-                <a:cs typeface="Arial" panose="020B0604020202020204" pitchFamily="34" charset="0"/>
-              </a:rPr>
-              <a:t> et </a:t>
-            </a:r>
-            <a:r>
-              <a:rPr lang="fr-FR" dirty="0" err="1">
-                <a:latin typeface="Arial" panose="020B0604020202020204" pitchFamily="34" charset="0"/>
-                <a:cs typeface="Arial" panose="020B0604020202020204" pitchFamily="34" charset="0"/>
-              </a:rPr>
-              <a:t>keepX</a:t>
-            </a:r>
-            <a:r>
-              <a:rPr lang="fr-FR" dirty="0">
-                <a:latin typeface="Arial" panose="020B0604020202020204" pitchFamily="34" charset="0"/>
-                <a:cs typeface="Arial" panose="020B0604020202020204" pitchFamily="34" charset="0"/>
-              </a:rPr>
-              <a:t>)</a:t>
-            </a:r>
-          </a:p>
-          <a:p>
-            <a:pPr marL="0" indent="0">
-              <a:buNone/>
-            </a:pPr>
-            <a:r>
-              <a:rPr lang="fr-FR" dirty="0">
-                <a:latin typeface="Arial" panose="020B0604020202020204" pitchFamily="34" charset="0"/>
-                <a:cs typeface="Arial" panose="020B0604020202020204" pitchFamily="34" charset="0"/>
-              </a:rPr>
-              <a:t>- Présentez circos plot et network plot de votre modèle final</a:t>
-            </a:r>
-          </a:p>
-        </p:txBody>
-      </p:sp>
-    </p:spTree>
-    <p:extLst>
-      <p:ext uri="{BB962C8B-B14F-4D97-AF65-F5344CB8AC3E}">
-        <p14:creationId xmlns:p14="http://schemas.microsoft.com/office/powerpoint/2010/main" val="3990027015"/>
       </p:ext>
     </p:extLst>
   </p:cSld>
@@ -7774,7 +7598,7 @@
         </p:nvSpPr>
         <p:spPr>
           <a:xfrm>
-            <a:off x="145740" y="117877"/>
+            <a:off x="145740" y="118307"/>
             <a:ext cx="11137778" cy="691318"/>
           </a:xfrm>
         </p:spPr>
@@ -7789,141 +7613,107 @@
                 <a:latin typeface="Arial" panose="020B0604020202020204" pitchFamily="34" charset="0"/>
                 <a:cs typeface="Arial" panose="020B0604020202020204" pitchFamily="34" charset="0"/>
               </a:rPr>
-              <a:t>Sommaire</a:t>
-            </a:r>
-          </a:p>
-        </p:txBody>
-      </p:sp>
-      <p:sp>
-        <p:nvSpPr>
-          <p:cNvPr id="3" name="Espace réservé du contenu 2">
-            <a:extLst>
-              <a:ext uri="{FF2B5EF4-FFF2-40B4-BE49-F238E27FC236}">
-                <a16:creationId xmlns:a16="http://schemas.microsoft.com/office/drawing/2014/main" id="{7D811F63-52EF-83B1-E13C-148915CEDEC3}"/>
-              </a:ext>
-            </a:extLst>
-          </p:cNvPr>
-          <p:cNvSpPr>
-            <a:spLocks noGrp="1"/>
-          </p:cNvSpPr>
-          <p:nvPr>
-            <p:ph idx="1"/>
-          </p:nvPr>
-        </p:nvSpPr>
-        <p:spPr>
-          <a:xfrm>
-            <a:off x="1353106" y="964491"/>
-            <a:ext cx="9380000" cy="5498453"/>
-          </a:xfrm>
-        </p:spPr>
-        <p:txBody>
-          <a:bodyPr anchor="ctr">
-            <a:normAutofit/>
-          </a:bodyPr>
-          <a:lstStyle/>
-          <a:p>
-            <a:pPr marL="514350" indent="-514350">
-              <a:buAutoNum type="arabicPeriod"/>
-            </a:pPr>
-            <a:r>
-              <a:rPr lang="fr-FR" sz="3200" dirty="0">
-                <a:latin typeface="Arial" panose="020B0604020202020204" pitchFamily="34" charset="0"/>
-                <a:cs typeface="Arial" panose="020B0604020202020204" pitchFamily="34" charset="0"/>
-              </a:rPr>
-              <a:t>Analyse préliminaire</a:t>
-            </a:r>
-          </a:p>
-          <a:p>
-            <a:pPr marL="514350" indent="-514350">
-              <a:buAutoNum type="arabicPeriod"/>
-            </a:pPr>
-            <a:endParaRPr lang="fr-FR" sz="3200" dirty="0">
+              <a:t>2.2.	Analyse d’intégration – </a:t>
+            </a:r>
+            <a:r>
+              <a:rPr lang="fr-FR" sz="3200" b="1" dirty="0" err="1">
+                <a:latin typeface="Arial" panose="020B0604020202020204" pitchFamily="34" charset="0"/>
+                <a:cs typeface="Arial" panose="020B0604020202020204" pitchFamily="34" charset="0"/>
+              </a:rPr>
+              <a:t>sPLS</a:t>
+            </a:r>
+            <a:endParaRPr lang="fr-FR" sz="3200" b="1" baseline="30000" dirty="0">
               <a:latin typeface="Arial" panose="020B0604020202020204" pitchFamily="34" charset="0"/>
               <a:cs typeface="Arial" panose="020B0604020202020204" pitchFamily="34" charset="0"/>
             </a:endParaRPr>
           </a:p>
-          <a:p>
-            <a:pPr marL="514350" indent="-514350">
-              <a:buAutoNum type="arabicPeriod"/>
-            </a:pPr>
-            <a:r>
-              <a:rPr lang="fr-FR" sz="3200" dirty="0">
-                <a:latin typeface="Arial" panose="020B0604020202020204" pitchFamily="34" charset="0"/>
-                <a:cs typeface="Arial" panose="020B0604020202020204" pitchFamily="34" charset="0"/>
-              </a:rPr>
-              <a:t>Analyse d’intégration</a:t>
-            </a:r>
-          </a:p>
-          <a:p>
-            <a:pPr marL="514350" indent="-514350">
-              <a:buAutoNum type="arabicPeriod"/>
-            </a:pPr>
-            <a:endParaRPr lang="fr-FR" sz="3200" dirty="0">
-              <a:latin typeface="Arial" panose="020B0604020202020204" pitchFamily="34" charset="0"/>
-              <a:cs typeface="Arial" panose="020B0604020202020204" pitchFamily="34" charset="0"/>
-            </a:endParaRPr>
-          </a:p>
-          <a:p>
-            <a:pPr marL="514350" indent="-514350">
-              <a:buAutoNum type="arabicPeriod"/>
-            </a:pPr>
-            <a:r>
-              <a:rPr lang="fr-FR" sz="3200" dirty="0">
-                <a:solidFill>
-                  <a:srgbClr val="8B1538"/>
-                </a:solidFill>
-                <a:latin typeface="Arial" panose="020B0604020202020204" pitchFamily="34" charset="0"/>
-                <a:cs typeface="Arial" panose="020B0604020202020204" pitchFamily="34" charset="0"/>
-              </a:rPr>
-              <a:t>Mise en réseau</a:t>
-            </a:r>
-          </a:p>
-          <a:p>
-            <a:pPr marL="971550" lvl="1" indent="-514350">
-              <a:buAutoNum type="arabicPeriod"/>
-            </a:pPr>
-            <a:r>
-              <a:rPr lang="fr-FR" sz="2800" dirty="0">
-                <a:latin typeface="Arial" panose="020B0604020202020204" pitchFamily="34" charset="0"/>
-                <a:cs typeface="Arial" panose="020B0604020202020204" pitchFamily="34" charset="0"/>
-              </a:rPr>
-              <a:t>Réseaux de régulation de gène</a:t>
-            </a:r>
-          </a:p>
-          <a:p>
-            <a:pPr marL="971550" lvl="1" indent="-514350">
-              <a:buAutoNum type="arabicPeriod"/>
-            </a:pPr>
-            <a:r>
-              <a:rPr lang="fr-FR" sz="2800" dirty="0">
-                <a:latin typeface="Arial" panose="020B0604020202020204" pitchFamily="34" charset="0"/>
-                <a:cs typeface="Arial" panose="020B0604020202020204" pitchFamily="34" charset="0"/>
-              </a:rPr>
-              <a:t>Réseaux PPI</a:t>
-            </a:r>
-          </a:p>
-          <a:p>
-            <a:pPr marL="971550" lvl="1" indent="-514350">
-              <a:buAutoNum type="arabicPeriod"/>
-            </a:pPr>
-            <a:r>
-              <a:rPr lang="fr-FR" sz="2800" dirty="0">
-                <a:latin typeface="Arial" panose="020B0604020202020204" pitchFamily="34" charset="0"/>
-                <a:cs typeface="Arial" panose="020B0604020202020204" pitchFamily="34" charset="0"/>
-              </a:rPr>
-              <a:t>Connection gène-</a:t>
-            </a:r>
-            <a:r>
-              <a:rPr lang="fr-FR" sz="2800" dirty="0" err="1">
-                <a:latin typeface="Arial" panose="020B0604020202020204" pitchFamily="34" charset="0"/>
-                <a:cs typeface="Arial" panose="020B0604020202020204" pitchFamily="34" charset="0"/>
-              </a:rPr>
-              <a:t>prot</a:t>
-            </a:r>
-            <a:endParaRPr lang="fr-FR" sz="2800" dirty="0">
-              <a:latin typeface="Arial" panose="020B0604020202020204" pitchFamily="34" charset="0"/>
-              <a:cs typeface="Arial" panose="020B0604020202020204" pitchFamily="34" charset="0"/>
-            </a:endParaRPr>
+        </p:txBody>
+      </p:sp>
+      <p:sp>
+        <p:nvSpPr>
+          <p:cNvPr id="4" name="Espace réservé de la date 3">
+            <a:extLst>
+              <a:ext uri="{FF2B5EF4-FFF2-40B4-BE49-F238E27FC236}">
+                <a16:creationId xmlns:a16="http://schemas.microsoft.com/office/drawing/2014/main" id="{F181D9E9-DC4C-4780-75B9-9F6317E5BD1A}"/>
+              </a:ext>
+            </a:extLst>
+          </p:cNvPr>
+          <p:cNvSpPr>
+            <a:spLocks noGrp="1"/>
+          </p:cNvSpPr>
+          <p:nvPr>
+            <p:ph type="dt" sz="half" idx="10"/>
+          </p:nvPr>
+        </p:nvSpPr>
+        <p:spPr>
+          <a:xfrm>
+            <a:off x="838200" y="6489520"/>
+            <a:ext cx="2743200" cy="365125"/>
+          </a:xfrm>
+        </p:spPr>
+        <p:txBody>
+          <a:bodyPr/>
+          <a:lstStyle/>
+          <a:p>
+            <a:r>
+              <a:rPr lang="fr-FR" dirty="0"/>
+              <a:t>12/10/2022</a:t>
+            </a:r>
+          </a:p>
+        </p:txBody>
+      </p:sp>
+      <p:sp>
+        <p:nvSpPr>
+          <p:cNvPr id="5" name="Espace réservé du pied de page 4">
+            <a:extLst>
+              <a:ext uri="{FF2B5EF4-FFF2-40B4-BE49-F238E27FC236}">
+                <a16:creationId xmlns:a16="http://schemas.microsoft.com/office/drawing/2014/main" id="{E75C31F4-0182-ED79-928B-0DE07ADECB80}"/>
+              </a:ext>
+            </a:extLst>
+          </p:cNvPr>
+          <p:cNvSpPr>
+            <a:spLocks noGrp="1"/>
+          </p:cNvSpPr>
+          <p:nvPr>
+            <p:ph type="ftr" sz="quarter" idx="11"/>
+          </p:nvPr>
+        </p:nvSpPr>
+        <p:spPr>
+          <a:xfrm>
+            <a:off x="3810000" y="6492876"/>
+            <a:ext cx="4800600" cy="365124"/>
+          </a:xfrm>
+        </p:spPr>
+        <p:txBody>
+          <a:bodyPr/>
+          <a:lstStyle/>
+          <a:p>
+            <a:pPr algn="l"/>
+            <a:r>
+              <a:rPr lang="en-US" dirty="0"/>
+              <a:t>Delhomme Jean, </a:t>
+            </a:r>
+            <a:r>
+              <a:rPr lang="en-US" dirty="0" err="1"/>
+              <a:t>Lecourieux</a:t>
+            </a:r>
+            <a:r>
+              <a:rPr lang="en-US" dirty="0"/>
+              <a:t> Adriana, Rousseau Baptiste, </a:t>
+            </a:r>
+            <a:r>
+              <a:rPr lang="en-US" dirty="0" err="1"/>
+              <a:t>Graa</a:t>
+            </a:r>
+            <a:r>
+              <a:rPr lang="en-US" dirty="0"/>
+              <a:t> </a:t>
+            </a:r>
+            <a:r>
+              <a:rPr lang="en-US" dirty="0" err="1"/>
+              <a:t>Maha</a:t>
+            </a:r>
+            <a:endParaRPr lang="en-US" dirty="0"/>
           </a:p>
         </p:txBody>
       </p:sp>
@@ -8049,98 +7839,100 @@
           </a:fontRef>
         </p:style>
       </p:cxnSp>
-      <p:sp>
-        <p:nvSpPr>
-          <p:cNvPr id="7" name="Espace réservé de la date 3">
-            <a:extLst>
-              <a:ext uri="{FF2B5EF4-FFF2-40B4-BE49-F238E27FC236}">
-                <a16:creationId xmlns:a16="http://schemas.microsoft.com/office/drawing/2014/main" id="{BD1F5D23-48BC-19F9-810F-A0B09C9ADC90}"/>
-              </a:ext>
-            </a:extLst>
-          </p:cNvPr>
-          <p:cNvSpPr>
-            <a:spLocks noGrp="1"/>
-          </p:cNvSpPr>
-          <p:nvPr>
-            <p:ph type="dt" sz="half" idx="10"/>
-          </p:nvPr>
-        </p:nvSpPr>
-        <p:spPr>
-          <a:xfrm>
-            <a:off x="838200" y="6489520"/>
-            <a:ext cx="2743200" cy="365125"/>
-          </a:xfrm>
-        </p:spPr>
-        <p:txBody>
-          <a:bodyPr/>
-          <a:lstStyle/>
-          <a:p>
-            <a:r>
-              <a:rPr lang="fr-FR" dirty="0"/>
-              <a:t>12/10/2022</a:t>
-            </a:r>
-          </a:p>
-        </p:txBody>
-      </p:sp>
-      <p:sp>
-        <p:nvSpPr>
-          <p:cNvPr id="9" name="Espace réservé du pied de page 4">
-            <a:extLst>
-              <a:ext uri="{FF2B5EF4-FFF2-40B4-BE49-F238E27FC236}">
-                <a16:creationId xmlns:a16="http://schemas.microsoft.com/office/drawing/2014/main" id="{CA83BE7A-1BE0-5C40-21DB-5F919EDCC997}"/>
-              </a:ext>
-            </a:extLst>
-          </p:cNvPr>
-          <p:cNvSpPr>
-            <a:spLocks noGrp="1"/>
-          </p:cNvSpPr>
-          <p:nvPr>
-            <p:ph type="ftr" sz="quarter" idx="11"/>
-          </p:nvPr>
-        </p:nvSpPr>
-        <p:spPr>
-          <a:xfrm>
-            <a:off x="3810000" y="6492876"/>
-            <a:ext cx="4800600" cy="365124"/>
-          </a:xfrm>
-        </p:spPr>
-        <p:txBody>
-          <a:bodyPr/>
-          <a:lstStyle/>
-          <a:p>
-            <a:pPr algn="l"/>
-            <a:r>
-              <a:rPr lang="en-US" dirty="0"/>
-              <a:t>Delhomme Jean, </a:t>
-            </a:r>
-            <a:r>
-              <a:rPr lang="en-US" dirty="0" err="1"/>
-              <a:t>Lecourieux</a:t>
-            </a:r>
-            <a:r>
-              <a:rPr lang="en-US" dirty="0"/>
-              <a:t> Adriana, Rousseau Baptiste, </a:t>
-            </a:r>
-            <a:r>
-              <a:rPr lang="en-US" dirty="0" err="1"/>
-              <a:t>Graa</a:t>
-            </a:r>
-            <a:r>
-              <a:rPr lang="en-US" dirty="0"/>
-              <a:t> </a:t>
-            </a:r>
-            <a:r>
-              <a:rPr lang="en-US" dirty="0" err="1"/>
-              <a:t>Maha</a:t>
-            </a:r>
-            <a:endParaRPr lang="en-US" dirty="0"/>
-          </a:p>
-        </p:txBody>
-      </p:sp>
+      <p:pic>
+        <p:nvPicPr>
+          <p:cNvPr id="3" name="Image 2">
+            <a:extLst>
+              <a:ext uri="{FF2B5EF4-FFF2-40B4-BE49-F238E27FC236}">
+                <a16:creationId xmlns:a16="http://schemas.microsoft.com/office/drawing/2014/main" id="{C8478104-99DB-8230-5026-E074E4E9BB97}"/>
+              </a:ext>
+            </a:extLst>
+          </p:cNvPr>
+          <p:cNvPicPr>
+            <a:picLocks noChangeAspect="1"/>
+          </p:cNvPicPr>
+          <p:nvPr/>
+        </p:nvPicPr>
+        <p:blipFill>
+          <a:blip r:embed="rId3"/>
+          <a:stretch>
+            <a:fillRect/>
+          </a:stretch>
+        </p:blipFill>
+        <p:spPr>
+          <a:xfrm>
+            <a:off x="145740" y="1649773"/>
+            <a:ext cx="6648310" cy="4102957"/>
+          </a:xfrm>
+          <a:prstGeom prst="rect">
+            <a:avLst/>
+          </a:prstGeom>
+        </p:spPr>
+      </p:pic>
+      <p:pic>
+        <p:nvPicPr>
+          <p:cNvPr id="9" name="Image 8">
+            <a:extLst>
+              <a:ext uri="{FF2B5EF4-FFF2-40B4-BE49-F238E27FC236}">
+                <a16:creationId xmlns:a16="http://schemas.microsoft.com/office/drawing/2014/main" id="{C88786C2-873A-3EE2-D2FF-553A11443D09}"/>
+              </a:ext>
+            </a:extLst>
+          </p:cNvPr>
+          <p:cNvPicPr>
+            <a:picLocks noChangeAspect="1"/>
+          </p:cNvPicPr>
+          <p:nvPr/>
+        </p:nvPicPr>
+        <p:blipFill>
+          <a:blip r:embed="rId4"/>
+          <a:stretch>
+            <a:fillRect/>
+          </a:stretch>
+        </p:blipFill>
+        <p:spPr>
+          <a:xfrm>
+            <a:off x="6946409" y="897546"/>
+            <a:ext cx="4713301" cy="2908780"/>
+          </a:xfrm>
+          <a:prstGeom prst="rect">
+            <a:avLst/>
+          </a:prstGeom>
+        </p:spPr>
+      </p:pic>
+      <p:pic>
+        <p:nvPicPr>
+          <p:cNvPr id="10" name="Image 9">
+            <a:extLst>
+              <a:ext uri="{FF2B5EF4-FFF2-40B4-BE49-F238E27FC236}">
+                <a16:creationId xmlns:a16="http://schemas.microsoft.com/office/drawing/2014/main" id="{C5FF3D70-0A00-8D5D-9FD7-C02F59D94091}"/>
+              </a:ext>
+            </a:extLst>
+          </p:cNvPr>
+          <p:cNvPicPr>
+            <a:picLocks noChangeAspect="1"/>
+          </p:cNvPicPr>
+          <p:nvPr/>
+        </p:nvPicPr>
+        <p:blipFill>
+          <a:blip r:embed="rId5"/>
+          <a:stretch>
+            <a:fillRect/>
+          </a:stretch>
+        </p:blipFill>
+        <p:spPr>
+          <a:xfrm>
+            <a:off x="7022650" y="3759275"/>
+            <a:ext cx="4637060" cy="2861728"/>
+          </a:xfrm>
+          <a:prstGeom prst="rect">
+            <a:avLst/>
+          </a:prstGeom>
+        </p:spPr>
+      </p:pic>
     </p:spTree>
     <p:extLst>
       <p:ext uri="{BB962C8B-B14F-4D97-AF65-F5344CB8AC3E}">
-        <p14:creationId xmlns:p14="http://schemas.microsoft.com/office/powerpoint/2010/main" val="2542114768"/>
+        <p14:creationId xmlns:p14="http://schemas.microsoft.com/office/powerpoint/2010/main" val="2642796071"/>
       </p:ext>
     </p:extLst>
   </p:cSld>
@@ -8200,7 +7992,14 @@
                 <a:latin typeface="Arial" panose="020B0604020202020204" pitchFamily="34" charset="0"/>
                 <a:cs typeface="Arial" panose="020B0604020202020204" pitchFamily="34" charset="0"/>
               </a:rPr>
-              <a:t>3.1.	Mise en réseau – Réseaux de régulation de gène</a:t>
+              <a:t>2.2.	Analyse d’intégration – </a:t>
+            </a:r>
+            <a:r>
+              <a:rPr lang="fr-FR" sz="3200" b="1" dirty="0" err="1">
+                <a:latin typeface="Arial" panose="020B0604020202020204" pitchFamily="34" charset="0"/>
+                <a:cs typeface="Arial" panose="020B0604020202020204" pitchFamily="34" charset="0"/>
+              </a:rPr>
+              <a:t>sPLS</a:t>
             </a:r>
             <a:endParaRPr lang="fr-FR" sz="3200" b="1" baseline="30000" dirty="0">
               <a:latin typeface="Arial" panose="020B0604020202020204" pitchFamily="34" charset="0"/>
@@ -8419,290 +8218,39 @@
           </a:fontRef>
         </p:style>
       </p:cxnSp>
-      <p:sp>
-        <p:nvSpPr>
-          <p:cNvPr id="25" name="Espace réservé du contenu 2">
-            <a:extLst>
-              <a:ext uri="{FF2B5EF4-FFF2-40B4-BE49-F238E27FC236}">
-                <a16:creationId xmlns:a16="http://schemas.microsoft.com/office/drawing/2014/main" id="{57CB1EB0-7288-3F4E-B1CC-99784B654109}"/>
-              </a:ext>
-            </a:extLst>
-          </p:cNvPr>
-          <p:cNvSpPr txBox="1">
-            <a:spLocks/>
-          </p:cNvSpPr>
+      <p:pic>
+        <p:nvPicPr>
+          <p:cNvPr id="7" name="Image 6">
+            <a:extLst>
+              <a:ext uri="{FF2B5EF4-FFF2-40B4-BE49-F238E27FC236}">
+                <a16:creationId xmlns:a16="http://schemas.microsoft.com/office/drawing/2014/main" id="{B5511D6E-E0C5-4D60-F181-98E2E038FC51}"/>
+              </a:ext>
+            </a:extLst>
+          </p:cNvPr>
+          <p:cNvPicPr>
+            <a:picLocks noChangeAspect="1"/>
+          </p:cNvPicPr>
           <p:nvPr/>
-        </p:nvSpPr>
-        <p:spPr>
-          <a:xfrm>
-            <a:off x="231320" y="1006054"/>
-            <a:ext cx="11824556" cy="5300591"/>
+        </p:nvPicPr>
+        <p:blipFill rotWithShape="1">
+          <a:blip r:embed="rId3"/>
+          <a:srcRect l="4002" r="12981" b="9449"/>
+          <a:stretch/>
+        </p:blipFill>
+        <p:spPr>
+          <a:xfrm>
+            <a:off x="2689933" y="964482"/>
+            <a:ext cx="6489577" cy="5397243"/>
           </a:xfrm>
           <a:prstGeom prst="rect">
             <a:avLst/>
           </a:prstGeom>
         </p:spPr>
-        <p:txBody>
-          <a:bodyPr vert="horz" lIns="91440" tIns="45720" rIns="91440" bIns="45720" rtlCol="0">
-            <a:normAutofit/>
-          </a:bodyPr>
-          <a:lstStyle>
-            <a:lvl1pPr marL="228600" indent="-228600" algn="l" defTabSz="914400" rtl="0" eaLnBrk="1" latinLnBrk="0" hangingPunct="1">
-              <a:lnSpc>
-                <a:spcPct val="90000"/>
-              </a:lnSpc>
-              <a:spcBef>
-                <a:spcPts val="1000"/>
-              </a:spcBef>
-              <a:buFont typeface="Arial" panose="020B0604020202020204" pitchFamily="34" charset="0"/>
-              <a:buChar char="•"/>
-              <a:defRPr sz="2800" kern="1200">
-                <a:solidFill>
-                  <a:schemeClr val="tx1"/>
-                </a:solidFill>
-                <a:latin typeface="+mn-lt"/>
-                <a:ea typeface="+mn-ea"/>
-                <a:cs typeface="+mn-cs"/>
-              </a:defRPr>
-            </a:lvl1pPr>
-            <a:lvl2pPr marL="685800" indent="-228600" algn="l" defTabSz="914400" rtl="0" eaLnBrk="1" latinLnBrk="0" hangingPunct="1">
-              <a:lnSpc>
-                <a:spcPct val="90000"/>
-              </a:lnSpc>
-              <a:spcBef>
-                <a:spcPts val="500"/>
-              </a:spcBef>
-              <a:buFont typeface="Arial" panose="020B0604020202020204" pitchFamily="34" charset="0"/>
-              <a:buChar char="•"/>
-              <a:defRPr sz="2400" kern="1200">
-                <a:solidFill>
-                  <a:schemeClr val="tx1"/>
-                </a:solidFill>
-                <a:latin typeface="+mn-lt"/>
-                <a:ea typeface="+mn-ea"/>
-                <a:cs typeface="+mn-cs"/>
-              </a:defRPr>
-            </a:lvl2pPr>
-            <a:lvl3pPr marL="1143000" indent="-228600" algn="l" defTabSz="914400" rtl="0" eaLnBrk="1" latinLnBrk="0" hangingPunct="1">
-              <a:lnSpc>
-                <a:spcPct val="90000"/>
-              </a:lnSpc>
-              <a:spcBef>
-                <a:spcPts val="500"/>
-              </a:spcBef>
-              <a:buFont typeface="Arial" panose="020B0604020202020204" pitchFamily="34" charset="0"/>
-              <a:buChar char="•"/>
-              <a:defRPr sz="2000" kern="1200">
-                <a:solidFill>
-                  <a:schemeClr val="tx1"/>
-                </a:solidFill>
-                <a:latin typeface="+mn-lt"/>
-                <a:ea typeface="+mn-ea"/>
-                <a:cs typeface="+mn-cs"/>
-              </a:defRPr>
-            </a:lvl3pPr>
-            <a:lvl4pPr marL="1600200" indent="-228600" algn="l" defTabSz="914400" rtl="0" eaLnBrk="1" latinLnBrk="0" hangingPunct="1">
-              <a:lnSpc>
-                <a:spcPct val="90000"/>
-              </a:lnSpc>
-              <a:spcBef>
-                <a:spcPts val="500"/>
-              </a:spcBef>
-              <a:buFont typeface="Arial" panose="020B0604020202020204" pitchFamily="34" charset="0"/>
-              <a:buChar char="•"/>
-              <a:defRPr sz="1800" kern="1200">
-                <a:solidFill>
-                  <a:schemeClr val="tx1"/>
-                </a:solidFill>
-                <a:latin typeface="+mn-lt"/>
-                <a:ea typeface="+mn-ea"/>
-                <a:cs typeface="+mn-cs"/>
-              </a:defRPr>
-            </a:lvl4pPr>
-            <a:lvl5pPr marL="2057400" indent="-228600" algn="l" defTabSz="914400" rtl="0" eaLnBrk="1" latinLnBrk="0" hangingPunct="1">
-              <a:lnSpc>
-                <a:spcPct val="90000"/>
-              </a:lnSpc>
-              <a:spcBef>
-                <a:spcPts val="500"/>
-              </a:spcBef>
-              <a:buFont typeface="Arial" panose="020B0604020202020204" pitchFamily="34" charset="0"/>
-              <a:buChar char="•"/>
-              <a:defRPr sz="1800" kern="1200">
-                <a:solidFill>
-                  <a:schemeClr val="tx1"/>
-                </a:solidFill>
-                <a:latin typeface="+mn-lt"/>
-                <a:ea typeface="+mn-ea"/>
-                <a:cs typeface="+mn-cs"/>
-              </a:defRPr>
-            </a:lvl5pPr>
-            <a:lvl6pPr marL="2514600" indent="-228600" algn="l" defTabSz="914400" rtl="0" eaLnBrk="1" latinLnBrk="0" hangingPunct="1">
-              <a:lnSpc>
-                <a:spcPct val="90000"/>
-              </a:lnSpc>
-              <a:spcBef>
-                <a:spcPts val="500"/>
-              </a:spcBef>
-              <a:buFont typeface="Arial" panose="020B0604020202020204" pitchFamily="34" charset="0"/>
-              <a:buChar char="•"/>
-              <a:defRPr sz="1800" kern="1200">
-                <a:solidFill>
-                  <a:schemeClr val="tx1"/>
-                </a:solidFill>
-                <a:latin typeface="+mn-lt"/>
-                <a:ea typeface="+mn-ea"/>
-                <a:cs typeface="+mn-cs"/>
-              </a:defRPr>
-            </a:lvl6pPr>
-            <a:lvl7pPr marL="2971800" indent="-228600" algn="l" defTabSz="914400" rtl="0" eaLnBrk="1" latinLnBrk="0" hangingPunct="1">
-              <a:lnSpc>
-                <a:spcPct val="90000"/>
-              </a:lnSpc>
-              <a:spcBef>
-                <a:spcPts val="500"/>
-              </a:spcBef>
-              <a:buFont typeface="Arial" panose="020B0604020202020204" pitchFamily="34" charset="0"/>
-              <a:buChar char="•"/>
-              <a:defRPr sz="1800" kern="1200">
-                <a:solidFill>
-                  <a:schemeClr val="tx1"/>
-                </a:solidFill>
-                <a:latin typeface="+mn-lt"/>
-                <a:ea typeface="+mn-ea"/>
-                <a:cs typeface="+mn-cs"/>
-              </a:defRPr>
-            </a:lvl7pPr>
-            <a:lvl8pPr marL="3429000" indent="-228600" algn="l" defTabSz="914400" rtl="0" eaLnBrk="1" latinLnBrk="0" hangingPunct="1">
-              <a:lnSpc>
-                <a:spcPct val="90000"/>
-              </a:lnSpc>
-              <a:spcBef>
-                <a:spcPts val="500"/>
-              </a:spcBef>
-              <a:buFont typeface="Arial" panose="020B0604020202020204" pitchFamily="34" charset="0"/>
-              <a:buChar char="•"/>
-              <a:defRPr sz="1800" kern="1200">
-                <a:solidFill>
-                  <a:schemeClr val="tx1"/>
-                </a:solidFill>
-                <a:latin typeface="+mn-lt"/>
-                <a:ea typeface="+mn-ea"/>
-                <a:cs typeface="+mn-cs"/>
-              </a:defRPr>
-            </a:lvl8pPr>
-            <a:lvl9pPr marL="3886200" indent="-228600" algn="l" defTabSz="914400" rtl="0" eaLnBrk="1" latinLnBrk="0" hangingPunct="1">
-              <a:lnSpc>
-                <a:spcPct val="90000"/>
-              </a:lnSpc>
-              <a:spcBef>
-                <a:spcPts val="500"/>
-              </a:spcBef>
-              <a:buFont typeface="Arial" panose="020B0604020202020204" pitchFamily="34" charset="0"/>
-              <a:buChar char="•"/>
-              <a:defRPr sz="1800" kern="1200">
-                <a:solidFill>
-                  <a:schemeClr val="tx1"/>
-                </a:solidFill>
-                <a:latin typeface="+mn-lt"/>
-                <a:ea typeface="+mn-ea"/>
-                <a:cs typeface="+mn-cs"/>
-              </a:defRPr>
-            </a:lvl9pPr>
-          </a:lstStyle>
-          <a:p>
-            <a:pPr marL="0" indent="0">
-              <a:buNone/>
-            </a:pPr>
-            <a:r>
-              <a:rPr lang="fr-FR" dirty="0">
-                <a:latin typeface="Arial" panose="020B0604020202020204" pitchFamily="34" charset="0"/>
-                <a:cs typeface="Arial" panose="020B0604020202020204" pitchFamily="34" charset="0"/>
-              </a:rPr>
-              <a:t>- A partir des gènes filtrés, construisez un GRN avec </a:t>
-            </a:r>
-            <a:r>
-              <a:rPr lang="fr-FR" dirty="0" err="1">
-                <a:latin typeface="Arial" panose="020B0604020202020204" pitchFamily="34" charset="0"/>
-                <a:cs typeface="Arial" panose="020B0604020202020204" pitchFamily="34" charset="0"/>
-              </a:rPr>
-              <a:t>netOmics</a:t>
-            </a:r>
-            <a:endParaRPr lang="fr-FR" dirty="0">
-              <a:latin typeface="Arial" panose="020B0604020202020204" pitchFamily="34" charset="0"/>
-              <a:cs typeface="Arial" panose="020B0604020202020204" pitchFamily="34" charset="0"/>
-            </a:endParaRPr>
-          </a:p>
-          <a:p>
-            <a:pPr marL="0" indent="0">
-              <a:buNone/>
-            </a:pPr>
-            <a:r>
-              <a:rPr lang="fr-FR" dirty="0">
-                <a:latin typeface="Arial" panose="020B0604020202020204" pitchFamily="34" charset="0"/>
-                <a:cs typeface="Arial" panose="020B0604020202020204" pitchFamily="34" charset="0"/>
-              </a:rPr>
-              <a:t>- Combien y a-t-il de </a:t>
-            </a:r>
-            <a:r>
-              <a:rPr lang="fr-FR" dirty="0" err="1">
-                <a:latin typeface="Arial" panose="020B0604020202020204" pitchFamily="34" charset="0"/>
-                <a:cs typeface="Arial" panose="020B0604020202020204" pitchFamily="34" charset="0"/>
-              </a:rPr>
-              <a:t>noeuds</a:t>
-            </a:r>
-            <a:r>
-              <a:rPr lang="fr-FR" dirty="0">
-                <a:latin typeface="Arial" panose="020B0604020202020204" pitchFamily="34" charset="0"/>
-                <a:cs typeface="Arial" panose="020B0604020202020204" pitchFamily="34" charset="0"/>
-              </a:rPr>
-              <a:t>, arête, </a:t>
-            </a:r>
-            <a:r>
-              <a:rPr lang="fr-FR" dirty="0" err="1">
-                <a:latin typeface="Arial" panose="020B0604020202020204" pitchFamily="34" charset="0"/>
-                <a:cs typeface="Arial" panose="020B0604020202020204" pitchFamily="34" charset="0"/>
-              </a:rPr>
-              <a:t>noeuds</a:t>
-            </a:r>
-            <a:r>
-              <a:rPr lang="fr-FR" dirty="0">
-                <a:latin typeface="Arial" panose="020B0604020202020204" pitchFamily="34" charset="0"/>
-                <a:cs typeface="Arial" panose="020B0604020202020204" pitchFamily="34" charset="0"/>
-              </a:rPr>
-              <a:t> déconnectés</a:t>
-            </a:r>
-          </a:p>
-          <a:p>
-            <a:pPr marL="0" indent="0">
-              <a:buNone/>
-            </a:pPr>
-            <a:r>
-              <a:rPr lang="fr-FR" dirty="0">
-                <a:latin typeface="Arial" panose="020B0604020202020204" pitchFamily="34" charset="0"/>
-                <a:cs typeface="Arial" panose="020B0604020202020204" pitchFamily="34" charset="0"/>
-              </a:rPr>
-              <a:t>- Affichez distribution des degrés</a:t>
-            </a:r>
-          </a:p>
-          <a:p>
-            <a:pPr marL="0" indent="0">
-              <a:buNone/>
-            </a:pPr>
-            <a:r>
-              <a:rPr lang="fr-FR" dirty="0">
-                <a:latin typeface="Arial" panose="020B0604020202020204" pitchFamily="34" charset="0"/>
-                <a:cs typeface="Arial" panose="020B0604020202020204" pitchFamily="34" charset="0"/>
-              </a:rPr>
-              <a:t>- Quel gène est le plus connecté ?</a:t>
-            </a:r>
-          </a:p>
-        </p:txBody>
-      </p:sp>
+      </p:pic>
     </p:spTree>
     <p:extLst>
       <p:ext uri="{BB962C8B-B14F-4D97-AF65-F5344CB8AC3E}">
-        <p14:creationId xmlns:p14="http://schemas.microsoft.com/office/powerpoint/2010/main" val="2203163960"/>
+        <p14:creationId xmlns:p14="http://schemas.microsoft.com/office/powerpoint/2010/main" val="2092708578"/>
       </p:ext>
     </p:extLst>
   </p:cSld>
@@ -8762,7 +8310,7 @@
                 <a:latin typeface="Arial" panose="020B0604020202020204" pitchFamily="34" charset="0"/>
                 <a:cs typeface="Arial" panose="020B0604020202020204" pitchFamily="34" charset="0"/>
               </a:rPr>
-              <a:t>3.2.	Mise en réseau – Réseaux PPI</a:t>
+              <a:t>2.3.	Analyse d’intégration – DIABLO</a:t>
             </a:r>
             <a:endParaRPr lang="fr-FR" sz="3200" b="1" baseline="30000" dirty="0">
               <a:latin typeface="Arial" panose="020B0604020202020204" pitchFamily="34" charset="0"/>
@@ -9181,21 +8729,7 @@
                 <a:latin typeface="Arial" panose="020B0604020202020204" pitchFamily="34" charset="0"/>
                 <a:cs typeface="Arial" panose="020B0604020202020204" pitchFamily="34" charset="0"/>
               </a:rPr>
-              <a:t>- A l’aide de l’objet R contenant des informations PPI issues de </a:t>
-            </a:r>
-            <a:r>
-              <a:rPr lang="fr-FR" dirty="0" err="1">
-                <a:latin typeface="Arial" panose="020B0604020202020204" pitchFamily="34" charset="0"/>
-                <a:cs typeface="Arial" panose="020B0604020202020204" pitchFamily="34" charset="0"/>
-              </a:rPr>
-              <a:t>BioGRID</a:t>
-            </a:r>
-            <a:r>
-              <a:rPr lang="fr-FR" dirty="0">
-                <a:latin typeface="Arial" panose="020B0604020202020204" pitchFamily="34" charset="0"/>
-                <a:cs typeface="Arial" panose="020B0604020202020204" pitchFamily="34" charset="0"/>
-              </a:rPr>
-              <a:t> créer un réseau PPI avec</a:t>
+              <a:t>- Faire une première analyse combinée DIABLO en incluant les gènes, protéines et le groupe</a:t>
             </a:r>
           </a:p>
           <a:p>
@@ -9207,21 +8741,7 @@
                 <a:latin typeface="Arial" panose="020B0604020202020204" pitchFamily="34" charset="0"/>
                 <a:cs typeface="Arial" panose="020B0604020202020204" pitchFamily="34" charset="0"/>
               </a:rPr>
-              <a:t>seulement les protéines issues de votre </a:t>
-            </a:r>
-            <a:r>
-              <a:rPr lang="fr-FR" dirty="0" err="1">
-                <a:latin typeface="Arial" panose="020B0604020202020204" pitchFamily="34" charset="0"/>
-                <a:cs typeface="Arial" panose="020B0604020202020204" pitchFamily="34" charset="0"/>
-              </a:rPr>
-              <a:t>dataset</a:t>
-            </a:r>
-            <a:r>
-              <a:rPr lang="fr-FR" dirty="0">
-                <a:latin typeface="Arial" panose="020B0604020202020204" pitchFamily="34" charset="0"/>
-                <a:cs typeface="Arial" panose="020B0604020202020204" pitchFamily="34" charset="0"/>
-              </a:rPr>
-              <a:t>.</a:t>
+              <a:t>- Faire une seconde analyse en ajoutant le 3ième bloc</a:t>
             </a:r>
           </a:p>
           <a:p>
@@ -9233,35 +8753,35 @@
                 <a:latin typeface="Arial" panose="020B0604020202020204" pitchFamily="34" charset="0"/>
                 <a:cs typeface="Arial" panose="020B0604020202020204" pitchFamily="34" charset="0"/>
               </a:rPr>
-              <a:t>- Combien y a-t-il de </a:t>
+              <a:t>- Optimiser le modèle (</a:t>
             </a:r>
             <a:r>
               <a:rPr lang="fr-FR" dirty="0" err="1">
                 <a:latin typeface="Arial" panose="020B0604020202020204" pitchFamily="34" charset="0"/>
                 <a:cs typeface="Arial" panose="020B0604020202020204" pitchFamily="34" charset="0"/>
               </a:rPr>
-              <a:t>noeuds</a:t>
+              <a:t>ncomp</a:t>
             </a:r>
             <a:r>
               <a:rPr lang="fr-FR" dirty="0">
                 <a:latin typeface="Arial" panose="020B0604020202020204" pitchFamily="34" charset="0"/>
                 <a:cs typeface="Arial" panose="020B0604020202020204" pitchFamily="34" charset="0"/>
               </a:rPr>
-              <a:t>, arête, </a:t>
+              <a:t> et </a:t>
             </a:r>
             <a:r>
               <a:rPr lang="fr-FR" dirty="0" err="1">
                 <a:latin typeface="Arial" panose="020B0604020202020204" pitchFamily="34" charset="0"/>
                 <a:cs typeface="Arial" panose="020B0604020202020204" pitchFamily="34" charset="0"/>
               </a:rPr>
-              <a:t>noeuds</a:t>
+              <a:t>keepX</a:t>
             </a:r>
             <a:r>
               <a:rPr lang="fr-FR" dirty="0">
                 <a:latin typeface="Arial" panose="020B0604020202020204" pitchFamily="34" charset="0"/>
                 <a:cs typeface="Arial" panose="020B0604020202020204" pitchFamily="34" charset="0"/>
               </a:rPr>
-              <a:t> déconnectés</a:t>
+              <a:t>)</a:t>
             </a:r>
           </a:p>
           <a:p>
@@ -9273,19 +8793,7 @@
                 <a:latin typeface="Arial" panose="020B0604020202020204" pitchFamily="34" charset="0"/>
                 <a:cs typeface="Arial" panose="020B0604020202020204" pitchFamily="34" charset="0"/>
               </a:rPr>
-              <a:t>- Affichez distribution des degrés</a:t>
-            </a:r>
-          </a:p>
-          <a:p>
-            <a:pPr marL="0" indent="0">
-              <a:buNone/>
-            </a:pPr>
-            <a:r>
-              <a:rPr lang="fr-FR" dirty="0">
-                <a:latin typeface="Arial" panose="020B0604020202020204" pitchFamily="34" charset="0"/>
-                <a:cs typeface="Arial" panose="020B0604020202020204" pitchFamily="34" charset="0"/>
-              </a:rPr>
-              <a:t>- Quelle protéine est la plus connectée ?</a:t>
+              <a:t>- Présentez circos plot et network plot de votre modèle final</a:t>
             </a:r>
           </a:p>
         </p:txBody>
@@ -9293,7 +8801,7 @@
     </p:spTree>
     <p:extLst>
       <p:ext uri="{BB962C8B-B14F-4D97-AF65-F5344CB8AC3E}">
-        <p14:creationId xmlns:p14="http://schemas.microsoft.com/office/powerpoint/2010/main" val="1604260450"/>
+        <p14:creationId xmlns:p14="http://schemas.microsoft.com/office/powerpoint/2010/main" val="3990027015"/>
       </p:ext>
     </p:extLst>
   </p:cSld>
@@ -9879,7 +9387,7 @@
         </p:nvSpPr>
         <p:spPr>
           <a:xfrm>
-            <a:off x="145740" y="118307"/>
+            <a:off x="145740" y="117877"/>
             <a:ext cx="11137778" cy="691318"/>
           </a:xfrm>
         </p:spPr>
@@ -9894,107 +9402,141 @@
                 <a:latin typeface="Arial" panose="020B0604020202020204" pitchFamily="34" charset="0"/>
                 <a:cs typeface="Arial" panose="020B0604020202020204" pitchFamily="34" charset="0"/>
               </a:rPr>
-              <a:t>3.3.	Mise en réseau – Connection gène-</a:t>
-            </a:r>
-            <a:r>
-              <a:rPr lang="fr-FR" sz="3200" b="1" dirty="0" err="1">
-                <a:latin typeface="Arial" panose="020B0604020202020204" pitchFamily="34" charset="0"/>
-                <a:cs typeface="Arial" panose="020B0604020202020204" pitchFamily="34" charset="0"/>
-              </a:rPr>
-              <a:t>prot</a:t>
-            </a:r>
-            <a:endParaRPr lang="fr-FR" sz="3200" b="1" baseline="30000" dirty="0">
+              <a:t>Sommaire</a:t>
+            </a:r>
+          </a:p>
+        </p:txBody>
+      </p:sp>
+      <p:sp>
+        <p:nvSpPr>
+          <p:cNvPr id="3" name="Espace réservé du contenu 2">
+            <a:extLst>
+              <a:ext uri="{FF2B5EF4-FFF2-40B4-BE49-F238E27FC236}">
+                <a16:creationId xmlns:a16="http://schemas.microsoft.com/office/drawing/2014/main" id="{7D811F63-52EF-83B1-E13C-148915CEDEC3}"/>
+              </a:ext>
+            </a:extLst>
+          </p:cNvPr>
+          <p:cNvSpPr>
+            <a:spLocks noGrp="1"/>
+          </p:cNvSpPr>
+          <p:nvPr>
+            <p:ph idx="1"/>
+          </p:nvPr>
+        </p:nvSpPr>
+        <p:spPr>
+          <a:xfrm>
+            <a:off x="1353106" y="964491"/>
+            <a:ext cx="9380000" cy="5498453"/>
+          </a:xfrm>
+        </p:spPr>
+        <p:txBody>
+          <a:bodyPr anchor="ctr">
+            <a:normAutofit/>
+          </a:bodyPr>
+          <a:lstStyle/>
+          <a:p>
+            <a:pPr marL="514350" indent="-514350">
+              <a:buAutoNum type="arabicPeriod"/>
+            </a:pPr>
+            <a:r>
+              <a:rPr lang="fr-FR" sz="3200" dirty="0">
+                <a:latin typeface="Arial" panose="020B0604020202020204" pitchFamily="34" charset="0"/>
+                <a:cs typeface="Arial" panose="020B0604020202020204" pitchFamily="34" charset="0"/>
+              </a:rPr>
+              <a:t>Analyse préliminaire</a:t>
+            </a:r>
+          </a:p>
+          <a:p>
+            <a:pPr marL="514350" indent="-514350">
+              <a:buAutoNum type="arabicPeriod"/>
+            </a:pPr>
+            <a:endParaRPr lang="fr-FR" sz="3200" dirty="0">
               <a:latin typeface="Arial" panose="020B0604020202020204" pitchFamily="34" charset="0"/>
               <a:cs typeface="Arial" panose="020B0604020202020204" pitchFamily="34" charset="0"/>
             </a:endParaRPr>
           </a:p>
-        </p:txBody>
-      </p:sp>
-      <p:sp>
-        <p:nvSpPr>
-          <p:cNvPr id="4" name="Espace réservé de la date 3">
-            <a:extLst>
-              <a:ext uri="{FF2B5EF4-FFF2-40B4-BE49-F238E27FC236}">
-                <a16:creationId xmlns:a16="http://schemas.microsoft.com/office/drawing/2014/main" id="{F181D9E9-DC4C-4780-75B9-9F6317E5BD1A}"/>
-              </a:ext>
-            </a:extLst>
-          </p:cNvPr>
-          <p:cNvSpPr>
-            <a:spLocks noGrp="1"/>
-          </p:cNvSpPr>
-          <p:nvPr>
-            <p:ph type="dt" sz="half" idx="10"/>
-          </p:nvPr>
-        </p:nvSpPr>
-        <p:spPr>
-          <a:xfrm>
-            <a:off x="838200" y="6489520"/>
-            <a:ext cx="2743200" cy="365125"/>
-          </a:xfrm>
-        </p:spPr>
-        <p:txBody>
-          <a:bodyPr/>
-          <a:lstStyle/>
-          <a:p>
-            <a:r>
-              <a:rPr lang="fr-FR" dirty="0"/>
-              <a:t>12/10/2022</a:t>
-            </a:r>
-          </a:p>
-        </p:txBody>
-      </p:sp>
-      <p:sp>
-        <p:nvSpPr>
-          <p:cNvPr id="5" name="Espace réservé du pied de page 4">
-            <a:extLst>
-              <a:ext uri="{FF2B5EF4-FFF2-40B4-BE49-F238E27FC236}">
-                <a16:creationId xmlns:a16="http://schemas.microsoft.com/office/drawing/2014/main" id="{E75C31F4-0182-ED79-928B-0DE07ADECB80}"/>
-              </a:ext>
-            </a:extLst>
-          </p:cNvPr>
-          <p:cNvSpPr>
-            <a:spLocks noGrp="1"/>
-          </p:cNvSpPr>
-          <p:nvPr>
-            <p:ph type="ftr" sz="quarter" idx="11"/>
-          </p:nvPr>
-        </p:nvSpPr>
-        <p:spPr>
-          <a:xfrm>
-            <a:off x="3810000" y="6492876"/>
-            <a:ext cx="4800600" cy="365124"/>
-          </a:xfrm>
-        </p:spPr>
-        <p:txBody>
-          <a:bodyPr/>
-          <a:lstStyle/>
-          <a:p>
-            <a:pPr algn="l"/>
-            <a:r>
-              <a:rPr lang="en-US" dirty="0"/>
-              <a:t>Delhomme Jean, </a:t>
-            </a:r>
-            <a:r>
-              <a:rPr lang="en-US" dirty="0" err="1"/>
-              <a:t>Lecourieux</a:t>
-            </a:r>
-            <a:r>
-              <a:rPr lang="en-US" dirty="0"/>
-              <a:t> Adriana, Rousseau Baptiste, </a:t>
-            </a:r>
-            <a:r>
-              <a:rPr lang="en-US" dirty="0" err="1"/>
-              <a:t>Graa</a:t>
-            </a:r>
-            <a:r>
-              <a:rPr lang="en-US" dirty="0"/>
-              <a:t> </a:t>
-            </a:r>
-            <a:r>
-              <a:rPr lang="en-US" dirty="0" err="1"/>
-              <a:t>Maha</a:t>
-            </a:r>
-            <a:endParaRPr lang="en-US" dirty="0"/>
+          <a:p>
+            <a:pPr marL="514350" indent="-514350">
+              <a:buAutoNum type="arabicPeriod"/>
+            </a:pPr>
+            <a:r>
+              <a:rPr lang="fr-FR" sz="3200" dirty="0">
+                <a:latin typeface="Arial" panose="020B0604020202020204" pitchFamily="34" charset="0"/>
+                <a:cs typeface="Arial" panose="020B0604020202020204" pitchFamily="34" charset="0"/>
+              </a:rPr>
+              <a:t>Analyse d’intégration</a:t>
+            </a:r>
+          </a:p>
+          <a:p>
+            <a:pPr marL="514350" indent="-514350">
+              <a:buAutoNum type="arabicPeriod"/>
+            </a:pPr>
+            <a:endParaRPr lang="fr-FR" sz="3200" dirty="0">
+              <a:latin typeface="Arial" panose="020B0604020202020204" pitchFamily="34" charset="0"/>
+              <a:cs typeface="Arial" panose="020B0604020202020204" pitchFamily="34" charset="0"/>
+            </a:endParaRPr>
+          </a:p>
+          <a:p>
+            <a:pPr marL="514350" indent="-514350">
+              <a:buAutoNum type="arabicPeriod"/>
+            </a:pPr>
+            <a:r>
+              <a:rPr lang="fr-FR" sz="3200" dirty="0">
+                <a:solidFill>
+                  <a:srgbClr val="8B1538"/>
+                </a:solidFill>
+                <a:latin typeface="Arial" panose="020B0604020202020204" pitchFamily="34" charset="0"/>
+                <a:cs typeface="Arial" panose="020B0604020202020204" pitchFamily="34" charset="0"/>
+              </a:rPr>
+              <a:t>Mise en réseau</a:t>
+            </a:r>
+          </a:p>
+          <a:p>
+            <a:pPr marL="971550" lvl="1" indent="-514350">
+              <a:buAutoNum type="arabicPeriod"/>
+            </a:pPr>
+            <a:r>
+              <a:rPr lang="fr-FR" sz="2800" dirty="0">
+                <a:latin typeface="Arial" panose="020B0604020202020204" pitchFamily="34" charset="0"/>
+                <a:cs typeface="Arial" panose="020B0604020202020204" pitchFamily="34" charset="0"/>
+              </a:rPr>
+              <a:t>Réseaux de régulation de gène</a:t>
+            </a:r>
+          </a:p>
+          <a:p>
+            <a:pPr marL="971550" lvl="1" indent="-514350">
+              <a:buAutoNum type="arabicPeriod"/>
+            </a:pPr>
+            <a:r>
+              <a:rPr lang="fr-FR" sz="2800" dirty="0">
+                <a:latin typeface="Arial" panose="020B0604020202020204" pitchFamily="34" charset="0"/>
+                <a:cs typeface="Arial" panose="020B0604020202020204" pitchFamily="34" charset="0"/>
+              </a:rPr>
+              <a:t>Réseaux PPI</a:t>
+            </a:r>
+          </a:p>
+          <a:p>
+            <a:pPr marL="971550" lvl="1" indent="-514350">
+              <a:buAutoNum type="arabicPeriod"/>
+            </a:pPr>
+            <a:r>
+              <a:rPr lang="fr-FR" sz="2800" dirty="0">
+                <a:latin typeface="Arial" panose="020B0604020202020204" pitchFamily="34" charset="0"/>
+                <a:cs typeface="Arial" panose="020B0604020202020204" pitchFamily="34" charset="0"/>
+              </a:rPr>
+              <a:t>Connection gène-</a:t>
+            </a:r>
+            <a:r>
+              <a:rPr lang="fr-FR" sz="2800" dirty="0" err="1">
+                <a:latin typeface="Arial" panose="020B0604020202020204" pitchFamily="34" charset="0"/>
+                <a:cs typeface="Arial" panose="020B0604020202020204" pitchFamily="34" charset="0"/>
+              </a:rPr>
+              <a:t>prot</a:t>
+            </a:r>
+            <a:endParaRPr lang="fr-FR" sz="2800" dirty="0">
+              <a:latin typeface="Arial" panose="020B0604020202020204" pitchFamily="34" charset="0"/>
+              <a:cs typeface="Arial" panose="020B0604020202020204" pitchFamily="34" charset="0"/>
+            </a:endParaRPr>
           </a:p>
         </p:txBody>
       </p:sp>
@@ -10122,371 +9664,96 @@
       </p:cxnSp>
       <p:sp>
         <p:nvSpPr>
-          <p:cNvPr id="25" name="Espace réservé du contenu 2">
-            <a:extLst>
-              <a:ext uri="{FF2B5EF4-FFF2-40B4-BE49-F238E27FC236}">
-                <a16:creationId xmlns:a16="http://schemas.microsoft.com/office/drawing/2014/main" id="{57CB1EB0-7288-3F4E-B1CC-99784B654109}"/>
-              </a:ext>
-            </a:extLst>
-          </p:cNvPr>
-          <p:cNvSpPr txBox="1">
-            <a:spLocks/>
-          </p:cNvSpPr>
-          <p:nvPr/>
-        </p:nvSpPr>
-        <p:spPr>
-          <a:xfrm>
-            <a:off x="231320" y="1006054"/>
-            <a:ext cx="11824556" cy="5300591"/>
-          </a:xfrm>
-          <a:prstGeom prst="rect">
-            <a:avLst/>
-          </a:prstGeom>
-        </p:spPr>
-        <p:txBody>
-          <a:bodyPr vert="horz" lIns="91440" tIns="45720" rIns="91440" bIns="45720" rtlCol="0">
-            <a:normAutofit/>
-          </a:bodyPr>
-          <a:lstStyle>
-            <a:lvl1pPr marL="228600" indent="-228600" algn="l" defTabSz="914400" rtl="0" eaLnBrk="1" latinLnBrk="0" hangingPunct="1">
-              <a:lnSpc>
-                <a:spcPct val="90000"/>
-              </a:lnSpc>
-              <a:spcBef>
-                <a:spcPts val="1000"/>
-              </a:spcBef>
-              <a:buFont typeface="Arial" panose="020B0604020202020204" pitchFamily="34" charset="0"/>
-              <a:buChar char="•"/>
-              <a:defRPr sz="2800" kern="1200">
-                <a:solidFill>
-                  <a:schemeClr val="tx1"/>
-                </a:solidFill>
-                <a:latin typeface="+mn-lt"/>
-                <a:ea typeface="+mn-ea"/>
-                <a:cs typeface="+mn-cs"/>
-              </a:defRPr>
-            </a:lvl1pPr>
-            <a:lvl2pPr marL="685800" indent="-228600" algn="l" defTabSz="914400" rtl="0" eaLnBrk="1" latinLnBrk="0" hangingPunct="1">
-              <a:lnSpc>
-                <a:spcPct val="90000"/>
-              </a:lnSpc>
-              <a:spcBef>
-                <a:spcPts val="500"/>
-              </a:spcBef>
-              <a:buFont typeface="Arial" panose="020B0604020202020204" pitchFamily="34" charset="0"/>
-              <a:buChar char="•"/>
-              <a:defRPr sz="2400" kern="1200">
-                <a:solidFill>
-                  <a:schemeClr val="tx1"/>
-                </a:solidFill>
-                <a:latin typeface="+mn-lt"/>
-                <a:ea typeface="+mn-ea"/>
-                <a:cs typeface="+mn-cs"/>
-              </a:defRPr>
-            </a:lvl2pPr>
-            <a:lvl3pPr marL="1143000" indent="-228600" algn="l" defTabSz="914400" rtl="0" eaLnBrk="1" latinLnBrk="0" hangingPunct="1">
-              <a:lnSpc>
-                <a:spcPct val="90000"/>
-              </a:lnSpc>
-              <a:spcBef>
-                <a:spcPts val="500"/>
-              </a:spcBef>
-              <a:buFont typeface="Arial" panose="020B0604020202020204" pitchFamily="34" charset="0"/>
-              <a:buChar char="•"/>
-              <a:defRPr sz="2000" kern="1200">
-                <a:solidFill>
-                  <a:schemeClr val="tx1"/>
-                </a:solidFill>
-                <a:latin typeface="+mn-lt"/>
-                <a:ea typeface="+mn-ea"/>
-                <a:cs typeface="+mn-cs"/>
-              </a:defRPr>
-            </a:lvl3pPr>
-            <a:lvl4pPr marL="1600200" indent="-228600" algn="l" defTabSz="914400" rtl="0" eaLnBrk="1" latinLnBrk="0" hangingPunct="1">
-              <a:lnSpc>
-                <a:spcPct val="90000"/>
-              </a:lnSpc>
-              <a:spcBef>
-                <a:spcPts val="500"/>
-              </a:spcBef>
-              <a:buFont typeface="Arial" panose="020B0604020202020204" pitchFamily="34" charset="0"/>
-              <a:buChar char="•"/>
-              <a:defRPr sz="1800" kern="1200">
-                <a:solidFill>
-                  <a:schemeClr val="tx1"/>
-                </a:solidFill>
-                <a:latin typeface="+mn-lt"/>
-                <a:ea typeface="+mn-ea"/>
-                <a:cs typeface="+mn-cs"/>
-              </a:defRPr>
-            </a:lvl4pPr>
-            <a:lvl5pPr marL="2057400" indent="-228600" algn="l" defTabSz="914400" rtl="0" eaLnBrk="1" latinLnBrk="0" hangingPunct="1">
-              <a:lnSpc>
-                <a:spcPct val="90000"/>
-              </a:lnSpc>
-              <a:spcBef>
-                <a:spcPts val="500"/>
-              </a:spcBef>
-              <a:buFont typeface="Arial" panose="020B0604020202020204" pitchFamily="34" charset="0"/>
-              <a:buChar char="•"/>
-              <a:defRPr sz="1800" kern="1200">
-                <a:solidFill>
-                  <a:schemeClr val="tx1"/>
-                </a:solidFill>
-                <a:latin typeface="+mn-lt"/>
-                <a:ea typeface="+mn-ea"/>
-                <a:cs typeface="+mn-cs"/>
-              </a:defRPr>
-            </a:lvl5pPr>
-            <a:lvl6pPr marL="2514600" indent="-228600" algn="l" defTabSz="914400" rtl="0" eaLnBrk="1" latinLnBrk="0" hangingPunct="1">
-              <a:lnSpc>
-                <a:spcPct val="90000"/>
-              </a:lnSpc>
-              <a:spcBef>
-                <a:spcPts val="500"/>
-              </a:spcBef>
-              <a:buFont typeface="Arial" panose="020B0604020202020204" pitchFamily="34" charset="0"/>
-              <a:buChar char="•"/>
-              <a:defRPr sz="1800" kern="1200">
-                <a:solidFill>
-                  <a:schemeClr val="tx1"/>
-                </a:solidFill>
-                <a:latin typeface="+mn-lt"/>
-                <a:ea typeface="+mn-ea"/>
-                <a:cs typeface="+mn-cs"/>
-              </a:defRPr>
-            </a:lvl6pPr>
-            <a:lvl7pPr marL="2971800" indent="-228600" algn="l" defTabSz="914400" rtl="0" eaLnBrk="1" latinLnBrk="0" hangingPunct="1">
-              <a:lnSpc>
-                <a:spcPct val="90000"/>
-              </a:lnSpc>
-              <a:spcBef>
-                <a:spcPts val="500"/>
-              </a:spcBef>
-              <a:buFont typeface="Arial" panose="020B0604020202020204" pitchFamily="34" charset="0"/>
-              <a:buChar char="•"/>
-              <a:defRPr sz="1800" kern="1200">
-                <a:solidFill>
-                  <a:schemeClr val="tx1"/>
-                </a:solidFill>
-                <a:latin typeface="+mn-lt"/>
-                <a:ea typeface="+mn-ea"/>
-                <a:cs typeface="+mn-cs"/>
-              </a:defRPr>
-            </a:lvl7pPr>
-            <a:lvl8pPr marL="3429000" indent="-228600" algn="l" defTabSz="914400" rtl="0" eaLnBrk="1" latinLnBrk="0" hangingPunct="1">
-              <a:lnSpc>
-                <a:spcPct val="90000"/>
-              </a:lnSpc>
-              <a:spcBef>
-                <a:spcPts val="500"/>
-              </a:spcBef>
-              <a:buFont typeface="Arial" panose="020B0604020202020204" pitchFamily="34" charset="0"/>
-              <a:buChar char="•"/>
-              <a:defRPr sz="1800" kern="1200">
-                <a:solidFill>
-                  <a:schemeClr val="tx1"/>
-                </a:solidFill>
-                <a:latin typeface="+mn-lt"/>
-                <a:ea typeface="+mn-ea"/>
-                <a:cs typeface="+mn-cs"/>
-              </a:defRPr>
-            </a:lvl8pPr>
-            <a:lvl9pPr marL="3886200" indent="-228600" algn="l" defTabSz="914400" rtl="0" eaLnBrk="1" latinLnBrk="0" hangingPunct="1">
-              <a:lnSpc>
-                <a:spcPct val="90000"/>
-              </a:lnSpc>
-              <a:spcBef>
-                <a:spcPts val="500"/>
-              </a:spcBef>
-              <a:buFont typeface="Arial" panose="020B0604020202020204" pitchFamily="34" charset="0"/>
-              <a:buChar char="•"/>
-              <a:defRPr sz="1800" kern="1200">
-                <a:solidFill>
-                  <a:schemeClr val="tx1"/>
-                </a:solidFill>
-                <a:latin typeface="+mn-lt"/>
-                <a:ea typeface="+mn-ea"/>
-                <a:cs typeface="+mn-cs"/>
-              </a:defRPr>
-            </a:lvl9pPr>
-          </a:lstStyle>
-          <a:p>
-            <a:pPr marL="0" indent="0">
-              <a:buNone/>
-            </a:pPr>
-            <a:r>
-              <a:rPr lang="fr-FR" dirty="0">
-                <a:latin typeface="Arial" panose="020B0604020202020204" pitchFamily="34" charset="0"/>
-                <a:cs typeface="Arial" panose="020B0604020202020204" pitchFamily="34" charset="0"/>
-              </a:rPr>
-              <a:t>Pour connecter le sous réseau gène avec le sous réseau protéine, vous devez utiliser à la fois l’information gène - </a:t>
-            </a:r>
-            <a:r>
-              <a:rPr lang="fr-FR" dirty="0" err="1">
-                <a:latin typeface="Arial" panose="020B0604020202020204" pitchFamily="34" charset="0"/>
-                <a:cs typeface="Arial" panose="020B0604020202020204" pitchFamily="34" charset="0"/>
-              </a:rPr>
-              <a:t>protein</a:t>
-            </a:r>
-            <a:r>
-              <a:rPr lang="fr-FR" dirty="0">
-                <a:latin typeface="Arial" panose="020B0604020202020204" pitchFamily="34" charset="0"/>
-                <a:cs typeface="Arial" panose="020B0604020202020204" pitchFamily="34" charset="0"/>
-              </a:rPr>
+          <p:cNvPr id="7" name="Espace réservé de la date 3">
+            <a:extLst>
+              <a:ext uri="{FF2B5EF4-FFF2-40B4-BE49-F238E27FC236}">
+                <a16:creationId xmlns:a16="http://schemas.microsoft.com/office/drawing/2014/main" id="{BD1F5D23-48BC-19F9-810F-A0B09C9ADC90}"/>
+              </a:ext>
+            </a:extLst>
+          </p:cNvPr>
+          <p:cNvSpPr>
+            <a:spLocks noGrp="1"/>
+          </p:cNvSpPr>
+          <p:nvPr>
+            <p:ph type="dt" sz="half" idx="10"/>
+          </p:nvPr>
+        </p:nvSpPr>
+        <p:spPr>
+          <a:xfrm>
+            <a:off x="838200" y="6489520"/>
+            <a:ext cx="2743200" cy="365125"/>
+          </a:xfrm>
+        </p:spPr>
+        <p:txBody>
+          <a:bodyPr/>
+          <a:lstStyle/>
+          <a:p>
+            <a:r>
+              <a:rPr lang="fr-FR" dirty="0"/>
+              <a:t>12/10/2022</a:t>
+            </a:r>
+          </a:p>
+        </p:txBody>
+      </p:sp>
+      <p:sp>
+        <p:nvSpPr>
+          <p:cNvPr id="9" name="Espace réservé du pied de page 4">
+            <a:extLst>
+              <a:ext uri="{FF2B5EF4-FFF2-40B4-BE49-F238E27FC236}">
+                <a16:creationId xmlns:a16="http://schemas.microsoft.com/office/drawing/2014/main" id="{CA83BE7A-1BE0-5C40-21DB-5F919EDCC997}"/>
+              </a:ext>
+            </a:extLst>
+          </p:cNvPr>
+          <p:cNvSpPr>
+            <a:spLocks noGrp="1"/>
+          </p:cNvSpPr>
+          <p:nvPr>
+            <p:ph type="ftr" sz="quarter" idx="11"/>
+          </p:nvPr>
+        </p:nvSpPr>
+        <p:spPr>
+          <a:xfrm>
+            <a:off x="3810000" y="6492876"/>
+            <a:ext cx="4800600" cy="365124"/>
+          </a:xfrm>
+        </p:spPr>
+        <p:txBody>
+          <a:bodyPr/>
+          <a:lstStyle/>
+          <a:p>
+            <a:pPr algn="l"/>
+            <a:r>
+              <a:rPr lang="en-US" dirty="0"/>
+              <a:t>Delhomme Jean, </a:t>
+            </a:r>
+            <a:r>
+              <a:rPr lang="en-US" dirty="0" err="1"/>
+              <a:t>Lecourieux</a:t>
+            </a:r>
+            <a:r>
+              <a:rPr lang="en-US" dirty="0"/>
+              <a:t> Adriana, Rousseau Baptiste, </a:t>
+            </a:r>
+            <a:r>
+              <a:rPr lang="en-US" dirty="0" err="1"/>
+              <a:t>Graa</a:t>
+            </a:r>
+            <a:r>
+              <a:rPr lang="en-US" dirty="0"/>
               <a:t> </a:t>
             </a:r>
             <a:r>
-              <a:rPr lang="fr-FR" dirty="0" err="1">
-                <a:latin typeface="Arial" panose="020B0604020202020204" pitchFamily="34" charset="0"/>
-                <a:cs typeface="Arial" panose="020B0604020202020204" pitchFamily="34" charset="0"/>
-              </a:rPr>
-              <a:t>coding</a:t>
-            </a:r>
-            <a:r>
-              <a:rPr lang="fr-FR" dirty="0">
-                <a:latin typeface="Arial" panose="020B0604020202020204" pitchFamily="34" charset="0"/>
-                <a:cs typeface="Arial" panose="020B0604020202020204" pitchFamily="34" charset="0"/>
-              </a:rPr>
-              <a:t> pour l’information de traduction mais aussi l’information TF -&gt; gène.</a:t>
-            </a:r>
-          </a:p>
-          <a:p>
-            <a:pPr marL="0" indent="0">
-              <a:buNone/>
-            </a:pPr>
-            <a:r>
-              <a:rPr lang="fr-FR" dirty="0">
-                <a:latin typeface="Arial" panose="020B0604020202020204" pitchFamily="34" charset="0"/>
-                <a:cs typeface="Arial" panose="020B0604020202020204" pitchFamily="34" charset="0"/>
-              </a:rPr>
-              <a:t>- Décrivez votre réseau.</a:t>
-            </a:r>
-          </a:p>
-          <a:p>
-            <a:pPr marL="0" indent="0">
-              <a:buNone/>
-            </a:pPr>
-            <a:r>
-              <a:rPr lang="fr-FR" dirty="0">
-                <a:latin typeface="Arial" panose="020B0604020202020204" pitchFamily="34" charset="0"/>
-                <a:cs typeface="Arial" panose="020B0604020202020204" pitchFamily="34" charset="0"/>
-              </a:rPr>
-              <a:t>- Combien de liens TF-gène et gène-protéine recensez-vous ?</a:t>
-            </a:r>
-          </a:p>
-          <a:p>
-            <a:pPr marL="0" indent="0">
-              <a:buNone/>
-            </a:pPr>
-            <a:r>
-              <a:rPr lang="fr-FR" dirty="0">
-                <a:latin typeface="Arial" panose="020B0604020202020204" pitchFamily="34" charset="0"/>
-                <a:cs typeface="Arial" panose="020B0604020202020204" pitchFamily="34" charset="0"/>
-              </a:rPr>
-              <a:t>- Faire une analyse de modularité, présentez les résultats</a:t>
-            </a:r>
-          </a:p>
-          <a:p>
-            <a:pPr marL="0" indent="0">
-              <a:buNone/>
-            </a:pPr>
-            <a:r>
-              <a:rPr lang="fr-FR" dirty="0">
-                <a:latin typeface="Arial" panose="020B0604020202020204" pitchFamily="34" charset="0"/>
-                <a:cs typeface="Arial" panose="020B0604020202020204" pitchFamily="34" charset="0"/>
-              </a:rPr>
-              <a:t>- A partir du </a:t>
-            </a:r>
-            <a:r>
-              <a:rPr lang="fr-FR" dirty="0" err="1">
-                <a:latin typeface="Arial" panose="020B0604020202020204" pitchFamily="34" charset="0"/>
-                <a:cs typeface="Arial" panose="020B0604020202020204" pitchFamily="34" charset="0"/>
-              </a:rPr>
-              <a:t>noeud</a:t>
-            </a:r>
-            <a:r>
-              <a:rPr lang="fr-FR" dirty="0">
-                <a:latin typeface="Arial" panose="020B0604020202020204" pitchFamily="34" charset="0"/>
-                <a:cs typeface="Arial" panose="020B0604020202020204" pitchFamily="34" charset="0"/>
-              </a:rPr>
-              <a:t> </a:t>
-            </a:r>
-            <a:r>
-              <a:rPr lang="fr-FR" dirty="0" err="1">
-                <a:latin typeface="Arial" panose="020B0604020202020204" pitchFamily="34" charset="0"/>
-                <a:cs typeface="Arial" panose="020B0604020202020204" pitchFamily="34" charset="0"/>
-              </a:rPr>
-              <a:t>chosi</a:t>
-            </a:r>
-            <a:r>
-              <a:rPr lang="fr-FR" dirty="0">
-                <a:latin typeface="Arial" panose="020B0604020202020204" pitchFamily="34" charset="0"/>
-                <a:cs typeface="Arial" panose="020B0604020202020204" pitchFamily="34" charset="0"/>
-              </a:rPr>
-              <a:t> avec soin, réalisez une analyse par </a:t>
-            </a:r>
-            <a:r>
-              <a:rPr lang="fr-FR" dirty="0" err="1">
-                <a:latin typeface="Arial" panose="020B0604020202020204" pitchFamily="34" charset="0"/>
-                <a:cs typeface="Arial" panose="020B0604020202020204" pitchFamily="34" charset="0"/>
-              </a:rPr>
-              <a:t>random</a:t>
-            </a:r>
-            <a:r>
-              <a:rPr lang="fr-FR" dirty="0">
-                <a:latin typeface="Arial" panose="020B0604020202020204" pitchFamily="34" charset="0"/>
-                <a:cs typeface="Arial" panose="020B0604020202020204" pitchFamily="34" charset="0"/>
-              </a:rPr>
-              <a:t> </a:t>
-            </a:r>
-            <a:r>
-              <a:rPr lang="fr-FR" dirty="0" err="1">
-                <a:latin typeface="Arial" panose="020B0604020202020204" pitchFamily="34" charset="0"/>
-                <a:cs typeface="Arial" panose="020B0604020202020204" pitchFamily="34" charset="0"/>
-              </a:rPr>
-              <a:t>walk</a:t>
-            </a:r>
-            <a:r>
-              <a:rPr lang="fr-FR" dirty="0">
-                <a:latin typeface="Arial" panose="020B0604020202020204" pitchFamily="34" charset="0"/>
-                <a:cs typeface="Arial" panose="020B0604020202020204" pitchFamily="34" charset="0"/>
-              </a:rPr>
-              <a:t>, justifiez le choix de la </a:t>
-            </a:r>
-            <a:r>
-              <a:rPr lang="fr-FR" dirty="0" err="1">
-                <a:latin typeface="Arial" panose="020B0604020202020204" pitchFamily="34" charset="0"/>
-                <a:cs typeface="Arial" panose="020B0604020202020204" pitchFamily="34" charset="0"/>
-              </a:rPr>
-              <a:t>seed</a:t>
-            </a:r>
-            <a:r>
-              <a:rPr lang="fr-FR" dirty="0">
-                <a:latin typeface="Arial" panose="020B0604020202020204" pitchFamily="34" charset="0"/>
-                <a:cs typeface="Arial" panose="020B0604020202020204" pitchFamily="34" charset="0"/>
-              </a:rPr>
-              <a:t>, présentez les résultats.</a:t>
-            </a:r>
-          </a:p>
-          <a:p>
-            <a:pPr marL="0" indent="0">
-              <a:buNone/>
-            </a:pPr>
-            <a:r>
-              <a:rPr lang="fr-FR" dirty="0">
-                <a:latin typeface="Arial" panose="020B0604020202020204" pitchFamily="34" charset="0"/>
-                <a:cs typeface="Arial" panose="020B0604020202020204" pitchFamily="34" charset="0"/>
-              </a:rPr>
-              <a:t>- Réalisez une analyse d’enrichissement sur les données</a:t>
-            </a:r>
+              <a:rPr lang="en-US" dirty="0" err="1"/>
+              <a:t>Maha</a:t>
+            </a:r>
+            <a:endParaRPr lang="en-US" dirty="0"/>
           </a:p>
         </p:txBody>
       </p:sp>
     </p:spTree>
     <p:extLst>
       <p:ext uri="{BB962C8B-B14F-4D97-AF65-F5344CB8AC3E}">
-        <p14:creationId xmlns:p14="http://schemas.microsoft.com/office/powerpoint/2010/main" val="3156516260"/>
+        <p14:creationId xmlns:p14="http://schemas.microsoft.com/office/powerpoint/2010/main" val="2542114768"/>
       </p:ext>
     </p:extLst>
   </p:cSld>
@@ -10542,12 +9809,104 @@
           <a:lstStyle/>
           <a:p>
             <a:r>
-              <a:rPr lang="en-US" sz="3200" b="1" dirty="0">
-                <a:latin typeface="Arial" panose="020B0604020202020204" pitchFamily="34" charset="0"/>
-                <a:cs typeface="Arial" panose="020B0604020202020204" pitchFamily="34" charset="0"/>
-              </a:rPr>
-              <a:t>Conclusion</a:t>
-            </a:r>
+              <a:rPr lang="fr-FR" sz="3200" b="1" dirty="0">
+                <a:latin typeface="Arial" panose="020B0604020202020204" pitchFamily="34" charset="0"/>
+                <a:cs typeface="Arial" panose="020B0604020202020204" pitchFamily="34" charset="0"/>
+              </a:rPr>
+              <a:t>3.1.	Mise en réseau – Réseaux de régulation de gène</a:t>
+            </a:r>
+            <a:endParaRPr lang="fr-FR" sz="3200" b="1" baseline="30000" dirty="0">
+              <a:latin typeface="Arial" panose="020B0604020202020204" pitchFamily="34" charset="0"/>
+              <a:cs typeface="Arial" panose="020B0604020202020204" pitchFamily="34" charset="0"/>
+            </a:endParaRPr>
+          </a:p>
+        </p:txBody>
+      </p:sp>
+      <p:sp>
+        <p:nvSpPr>
+          <p:cNvPr id="4" name="Espace réservé de la date 3">
+            <a:extLst>
+              <a:ext uri="{FF2B5EF4-FFF2-40B4-BE49-F238E27FC236}">
+                <a16:creationId xmlns:a16="http://schemas.microsoft.com/office/drawing/2014/main" id="{F181D9E9-DC4C-4780-75B9-9F6317E5BD1A}"/>
+              </a:ext>
+            </a:extLst>
+          </p:cNvPr>
+          <p:cNvSpPr>
+            <a:spLocks noGrp="1"/>
+          </p:cNvSpPr>
+          <p:nvPr>
+            <p:ph type="dt" sz="half" idx="10"/>
+          </p:nvPr>
+        </p:nvSpPr>
+        <p:spPr>
+          <a:xfrm>
+            <a:off x="838200" y="6489520"/>
+            <a:ext cx="2743200" cy="365125"/>
+          </a:xfrm>
+        </p:spPr>
+        <p:txBody>
+          <a:bodyPr/>
+          <a:lstStyle/>
+          <a:p>
+            <a:r>
+              <a:rPr lang="fr-FR" dirty="0"/>
+              <a:t>12/10/2022</a:t>
+            </a:r>
+          </a:p>
+        </p:txBody>
+      </p:sp>
+      <p:sp>
+        <p:nvSpPr>
+          <p:cNvPr id="5" name="Espace réservé du pied de page 4">
+            <a:extLst>
+              <a:ext uri="{FF2B5EF4-FFF2-40B4-BE49-F238E27FC236}">
+                <a16:creationId xmlns:a16="http://schemas.microsoft.com/office/drawing/2014/main" id="{E75C31F4-0182-ED79-928B-0DE07ADECB80}"/>
+              </a:ext>
+            </a:extLst>
+          </p:cNvPr>
+          <p:cNvSpPr>
+            <a:spLocks noGrp="1"/>
+          </p:cNvSpPr>
+          <p:nvPr>
+            <p:ph type="ftr" sz="quarter" idx="11"/>
+          </p:nvPr>
+        </p:nvSpPr>
+        <p:spPr>
+          <a:xfrm>
+            <a:off x="3810000" y="6492876"/>
+            <a:ext cx="4800600" cy="365124"/>
+          </a:xfrm>
+        </p:spPr>
+        <p:txBody>
+          <a:bodyPr/>
+          <a:lstStyle/>
+          <a:p>
+            <a:pPr algn="l"/>
+            <a:r>
+              <a:rPr lang="en-US" dirty="0"/>
+              <a:t>Delhomme Jean, </a:t>
+            </a:r>
+            <a:r>
+              <a:rPr lang="en-US" dirty="0" err="1"/>
+              <a:t>Lecourieux</a:t>
+            </a:r>
+            <a:r>
+              <a:rPr lang="en-US" dirty="0"/>
+              <a:t> Adriana, Rousseau Baptiste, </a:t>
+            </a:r>
+            <a:r>
+              <a:rPr lang="en-US" dirty="0" err="1"/>
+              <a:t>Graa</a:t>
+            </a:r>
+            <a:r>
+              <a:rPr lang="en-US" dirty="0"/>
+              <a:t> </a:t>
+            </a:r>
+            <a:r>
+              <a:rPr lang="en-US" dirty="0" err="1"/>
+              <a:t>Maha</a:t>
+            </a:r>
+            <a:endParaRPr lang="en-US" dirty="0"/>
           </a:p>
         </p:txBody>
       </p:sp>
@@ -10675,98 +10034,10 @@
       </p:cxnSp>
       <p:sp>
         <p:nvSpPr>
-          <p:cNvPr id="3" name="Espace réservé de la date 3">
-            <a:extLst>
-              <a:ext uri="{FF2B5EF4-FFF2-40B4-BE49-F238E27FC236}">
-                <a16:creationId xmlns:a16="http://schemas.microsoft.com/office/drawing/2014/main" id="{00CC99EF-F5C1-BD43-1DFF-BCBA359F5E21}"/>
-              </a:ext>
-            </a:extLst>
-          </p:cNvPr>
-          <p:cNvSpPr>
-            <a:spLocks noGrp="1"/>
-          </p:cNvSpPr>
-          <p:nvPr>
-            <p:ph type="dt" sz="half" idx="10"/>
-          </p:nvPr>
-        </p:nvSpPr>
-        <p:spPr>
-          <a:xfrm>
-            <a:off x="838200" y="6489520"/>
-            <a:ext cx="2743200" cy="365125"/>
-          </a:xfrm>
-        </p:spPr>
-        <p:txBody>
-          <a:bodyPr/>
-          <a:lstStyle/>
-          <a:p>
-            <a:r>
-              <a:rPr lang="fr-FR" dirty="0"/>
-              <a:t>12/10/2022</a:t>
-            </a:r>
-          </a:p>
-        </p:txBody>
-      </p:sp>
-      <p:sp>
-        <p:nvSpPr>
-          <p:cNvPr id="7" name="Espace réservé du pied de page 4">
-            <a:extLst>
-              <a:ext uri="{FF2B5EF4-FFF2-40B4-BE49-F238E27FC236}">
-                <a16:creationId xmlns:a16="http://schemas.microsoft.com/office/drawing/2014/main" id="{69D56551-2494-9A74-75F6-47857596E832}"/>
-              </a:ext>
-            </a:extLst>
-          </p:cNvPr>
-          <p:cNvSpPr>
-            <a:spLocks noGrp="1"/>
-          </p:cNvSpPr>
-          <p:nvPr>
-            <p:ph type="ftr" sz="quarter" idx="11"/>
-          </p:nvPr>
-        </p:nvSpPr>
-        <p:spPr>
-          <a:xfrm>
-            <a:off x="3810000" y="6492876"/>
-            <a:ext cx="4800600" cy="365124"/>
-          </a:xfrm>
-        </p:spPr>
-        <p:txBody>
-          <a:bodyPr/>
-          <a:lstStyle/>
-          <a:p>
-            <a:pPr algn="l"/>
-            <a:r>
-              <a:rPr lang="en-US" dirty="0"/>
-              <a:t>Delhomme Jean, </a:t>
-            </a:r>
-            <a:r>
-              <a:rPr lang="en-US" dirty="0" err="1"/>
-              <a:t>Lecourieux</a:t>
-            </a:r>
-            <a:r>
-              <a:rPr lang="en-US" dirty="0"/>
-              <a:t> Adriana, Rousseau Baptiste, </a:t>
-            </a:r>
-            <a:r>
-              <a:rPr lang="en-US" dirty="0" err="1"/>
-              <a:t>Graa</a:t>
-            </a:r>
-            <a:r>
-              <a:rPr lang="en-US" dirty="0"/>
-              <a:t> </a:t>
-            </a:r>
-            <a:r>
-              <a:rPr lang="en-US" dirty="0" err="1"/>
-              <a:t>Maha</a:t>
-            </a:r>
-            <a:endParaRPr lang="en-US" dirty="0"/>
-          </a:p>
-        </p:txBody>
-      </p:sp>
-      <p:sp>
-        <p:nvSpPr>
-          <p:cNvPr id="9" name="Espace réservé du contenu 2">
-            <a:extLst>
-              <a:ext uri="{FF2B5EF4-FFF2-40B4-BE49-F238E27FC236}">
-                <a16:creationId xmlns:a16="http://schemas.microsoft.com/office/drawing/2014/main" id="{24661F3C-BD68-1889-C53B-A4CD91554EA7}"/>
+          <p:cNvPr id="25" name="Espace réservé du contenu 2">
+            <a:extLst>
+              <a:ext uri="{FF2B5EF4-FFF2-40B4-BE49-F238E27FC236}">
+                <a16:creationId xmlns:a16="http://schemas.microsoft.com/office/drawing/2014/main" id="{57CB1EB0-7288-3F4E-B1CC-99784B654109}"/>
               </a:ext>
             </a:extLst>
           </p:cNvPr>
@@ -10777,7 +10048,7 @@
         </p:nvSpPr>
         <p:spPr>
           <a:xfrm>
-            <a:off x="231320" y="1078238"/>
+            <a:off x="231320" y="1006054"/>
             <a:ext cx="11824556" cy="5300591"/>
           </a:xfrm>
           <a:prstGeom prst="rect">
@@ -10953,66 +10224,22 @@
             </a:lvl9pPr>
           </a:lstStyle>
           <a:p>
-            <a:pPr>
-              <a:buFontTx/>
-              <a:buChar char="-"/>
-            </a:pPr>
-            <a:r>
-              <a:rPr lang="fr-FR" dirty="0">
-                <a:latin typeface="Arial" panose="020B0604020202020204" pitchFamily="34" charset="0"/>
-                <a:cs typeface="Arial" panose="020B0604020202020204" pitchFamily="34" charset="0"/>
-              </a:rPr>
-              <a:t>Points forts et points faibles des outils</a:t>
-            </a:r>
-          </a:p>
-          <a:p>
             <a:pPr marL="0" indent="0">
               <a:buNone/>
             </a:pPr>
             <a:r>
+              <a:rPr lang="fr-FR" dirty="0">
+                <a:latin typeface="Arial" panose="020B0604020202020204" pitchFamily="34" charset="0"/>
+                <a:cs typeface="Arial" panose="020B0604020202020204" pitchFamily="34" charset="0"/>
+              </a:rPr>
+              <a:t>- A partir des gènes filtrés, construisez un GRN avec </a:t>
+            </a:r>
+            <a:r>
               <a:rPr lang="fr-FR" dirty="0" err="1">
                 <a:latin typeface="Arial" panose="020B0604020202020204" pitchFamily="34" charset="0"/>
                 <a:cs typeface="Arial" panose="020B0604020202020204" pitchFamily="34" charset="0"/>
               </a:rPr>
-              <a:t>mixOmics</a:t>
-            </a:r>
-            <a:r>
-              <a:rPr lang="fr-FR" dirty="0">
-                <a:latin typeface="Arial" panose="020B0604020202020204" pitchFamily="34" charset="0"/>
-                <a:cs typeface="Arial" panose="020B0604020202020204" pitchFamily="34" charset="0"/>
-              </a:rPr>
-              <a:t> c’est top</a:t>
-            </a:r>
-          </a:p>
-          <a:p>
-            <a:pPr marL="0" indent="0">
-              <a:buNone/>
-            </a:pPr>
-            <a:r>
-              <a:rPr lang="fr-FR" dirty="0" err="1">
-                <a:latin typeface="Arial" panose="020B0604020202020204" pitchFamily="34" charset="0"/>
-                <a:cs typeface="Arial" panose="020B0604020202020204" pitchFamily="34" charset="0"/>
-              </a:rPr>
-              <a:t>Mirtarbase</a:t>
-            </a:r>
-            <a:r>
-              <a:rPr lang="fr-FR" dirty="0">
-                <a:latin typeface="Arial" panose="020B0604020202020204" pitchFamily="34" charset="0"/>
-                <a:cs typeface="Arial" panose="020B0604020202020204" pitchFamily="34" charset="0"/>
-              </a:rPr>
-              <a:t> est nul et mal documenté (le site est mort)</a:t>
-            </a:r>
-          </a:p>
-          <a:p>
-            <a:pPr marL="0" indent="0">
-              <a:buNone/>
-            </a:pPr>
-            <a:r>
-              <a:rPr lang="fr-FR" dirty="0" err="1">
-                <a:latin typeface="Arial" panose="020B0604020202020204" pitchFamily="34" charset="0"/>
-                <a:cs typeface="Arial" panose="020B0604020202020204" pitchFamily="34" charset="0"/>
-              </a:rPr>
-              <a:t>MirdB</a:t>
+              <a:t>netOmics</a:t>
             </a:r>
             <a:endParaRPr lang="fr-FR" dirty="0">
               <a:latin typeface="Arial" panose="020B0604020202020204" pitchFamily="34" charset="0"/>
@@ -11024,57 +10251,63 @@
               <a:buNone/>
             </a:pPr>
             <a:r>
+              <a:rPr lang="fr-FR" dirty="0">
+                <a:latin typeface="Arial" panose="020B0604020202020204" pitchFamily="34" charset="0"/>
+                <a:cs typeface="Arial" panose="020B0604020202020204" pitchFamily="34" charset="0"/>
+              </a:rPr>
+              <a:t>- Combien y a-t-il de </a:t>
+            </a:r>
+            <a:r>
               <a:rPr lang="fr-FR" dirty="0" err="1">
                 <a:latin typeface="Arial" panose="020B0604020202020204" pitchFamily="34" charset="0"/>
                 <a:cs typeface="Arial" panose="020B0604020202020204" pitchFamily="34" charset="0"/>
               </a:rPr>
-              <a:t>MirBase</a:t>
-            </a:r>
-            <a:endParaRPr lang="fr-FR" dirty="0">
-              <a:latin typeface="Arial" panose="020B0604020202020204" pitchFamily="34" charset="0"/>
-              <a:cs typeface="Arial" panose="020B0604020202020204" pitchFamily="34" charset="0"/>
-            </a:endParaRPr>
+              <a:t>noeuds</a:t>
+            </a:r>
+            <a:r>
+              <a:rPr lang="fr-FR" dirty="0">
+                <a:latin typeface="Arial" panose="020B0604020202020204" pitchFamily="34" charset="0"/>
+                <a:cs typeface="Arial" panose="020B0604020202020204" pitchFamily="34" charset="0"/>
+              </a:rPr>
+              <a:t>, arête, </a:t>
+            </a:r>
+            <a:r>
+              <a:rPr lang="fr-FR" dirty="0" err="1">
+                <a:latin typeface="Arial" panose="020B0604020202020204" pitchFamily="34" charset="0"/>
+                <a:cs typeface="Arial" panose="020B0604020202020204" pitchFamily="34" charset="0"/>
+              </a:rPr>
+              <a:t>noeuds</a:t>
+            </a:r>
+            <a:r>
+              <a:rPr lang="fr-FR" dirty="0">
+                <a:latin typeface="Arial" panose="020B0604020202020204" pitchFamily="34" charset="0"/>
+                <a:cs typeface="Arial" panose="020B0604020202020204" pitchFamily="34" charset="0"/>
+              </a:rPr>
+              <a:t> déconnectés</a:t>
+            </a:r>
           </a:p>
           <a:p>
             <a:pPr marL="0" indent="0">
               <a:buNone/>
             </a:pPr>
             <a:r>
-              <a:rPr lang="fr-FR" dirty="0" err="1">
-                <a:latin typeface="Arial" panose="020B0604020202020204" pitchFamily="34" charset="0"/>
-                <a:cs typeface="Arial" panose="020B0604020202020204" pitchFamily="34" charset="0"/>
-              </a:rPr>
-              <a:t>Tarbase</a:t>
-            </a:r>
-            <a:endParaRPr lang="fr-FR" dirty="0">
-              <a:latin typeface="Arial" panose="020B0604020202020204" pitchFamily="34" charset="0"/>
-              <a:cs typeface="Arial" panose="020B0604020202020204" pitchFamily="34" charset="0"/>
-            </a:endParaRPr>
-          </a:p>
-          <a:p>
-            <a:pPr>
-              <a:buFontTx/>
-              <a:buChar char="-"/>
+              <a:rPr lang="fr-FR" dirty="0">
+                <a:latin typeface="Arial" panose="020B0604020202020204" pitchFamily="34" charset="0"/>
+                <a:cs typeface="Arial" panose="020B0604020202020204" pitchFamily="34" charset="0"/>
+              </a:rPr>
+              <a:t>- Affichez distribution des degrés</a:t>
+            </a:r>
+          </a:p>
+          <a:p>
+            <a:pPr marL="0" indent="0">
+              <a:buNone/>
             </a:pPr>
             <a:r>
               <a:rPr lang="fr-FR" dirty="0">
                 <a:latin typeface="Arial" panose="020B0604020202020204" pitchFamily="34" charset="0"/>
                 <a:cs typeface="Arial" panose="020B0604020202020204" pitchFamily="34" charset="0"/>
               </a:rPr>
-              <a:t>Difficultés rencontrées</a:t>
-            </a:r>
-          </a:p>
-          <a:p>
-            <a:pPr>
-              <a:buFontTx/>
-              <a:buChar char="-"/>
-            </a:pPr>
-            <a:r>
-              <a:rPr lang="fr-FR" dirty="0">
-                <a:latin typeface="Arial" panose="020B0604020202020204" pitchFamily="34" charset="0"/>
-                <a:cs typeface="Arial" panose="020B0604020202020204" pitchFamily="34" charset="0"/>
-              </a:rPr>
-              <a:t>Résumé des résultats</a:t>
+              <a:t>- Quel gène est le plus connecté ?</a:t>
             </a:r>
           </a:p>
         </p:txBody>
@@ -11082,7 +10315,7 @@
     </p:spTree>
     <p:extLst>
       <p:ext uri="{BB962C8B-B14F-4D97-AF65-F5344CB8AC3E}">
-        <p14:creationId xmlns:p14="http://schemas.microsoft.com/office/powerpoint/2010/main" val="2333177088"/>
+        <p14:creationId xmlns:p14="http://schemas.microsoft.com/office/powerpoint/2010/main" val="2203163960"/>
       </p:ext>
     </p:extLst>
   </p:cSld>
@@ -11127,7 +10360,7 @@
         </p:nvSpPr>
         <p:spPr>
           <a:xfrm>
-            <a:off x="145740" y="117877"/>
+            <a:off x="145740" y="118307"/>
             <a:ext cx="11137778" cy="691318"/>
           </a:xfrm>
         </p:spPr>
@@ -11138,21 +10371,25 @@
           <a:lstStyle/>
           <a:p>
             <a:r>
-              <a:rPr lang="en-US" sz="3200" b="1" dirty="0">
-                <a:latin typeface="Arial" panose="020B0604020202020204" pitchFamily="34" charset="0"/>
-                <a:cs typeface="Arial" panose="020B0604020202020204" pitchFamily="34" charset="0"/>
-              </a:rPr>
-              <a:t>References</a:t>
-            </a:r>
-          </a:p>
-        </p:txBody>
-      </p:sp>
-      <p:sp>
-        <p:nvSpPr>
-          <p:cNvPr id="3" name="Espace réservé du contenu 2">
-            <a:extLst>
-              <a:ext uri="{FF2B5EF4-FFF2-40B4-BE49-F238E27FC236}">
-                <a16:creationId xmlns:a16="http://schemas.microsoft.com/office/drawing/2014/main" id="{7D811F63-52EF-83B1-E13C-148915CEDEC3}"/>
+              <a:rPr lang="fr-FR" sz="3200" b="1" dirty="0">
+                <a:latin typeface="Arial" panose="020B0604020202020204" pitchFamily="34" charset="0"/>
+                <a:cs typeface="Arial" panose="020B0604020202020204" pitchFamily="34" charset="0"/>
+              </a:rPr>
+              <a:t>3.2.	Mise en réseau – Réseaux PPI</a:t>
+            </a:r>
+            <a:endParaRPr lang="fr-FR" sz="3200" b="1" baseline="30000" dirty="0">
+              <a:latin typeface="Arial" panose="020B0604020202020204" pitchFamily="34" charset="0"/>
+              <a:cs typeface="Arial" panose="020B0604020202020204" pitchFamily="34" charset="0"/>
+            </a:endParaRPr>
+          </a:p>
+        </p:txBody>
+      </p:sp>
+      <p:sp>
+        <p:nvSpPr>
+          <p:cNvPr id="4" name="Espace réservé de la date 3">
+            <a:extLst>
+              <a:ext uri="{FF2B5EF4-FFF2-40B4-BE49-F238E27FC236}">
+                <a16:creationId xmlns:a16="http://schemas.microsoft.com/office/drawing/2014/main" id="{F181D9E9-DC4C-4780-75B9-9F6317E5BD1A}"/>
               </a:ext>
             </a:extLst>
           </p:cNvPr>
@@ -11160,1042 +10397,78 @@
             <a:spLocks noGrp="1"/>
           </p:cNvSpPr>
           <p:nvPr>
-            <p:ph idx="1"/>
+            <p:ph type="dt" sz="half" idx="10"/>
           </p:nvPr>
         </p:nvSpPr>
         <p:spPr>
           <a:xfrm>
-            <a:off x="145740" y="964491"/>
-            <a:ext cx="11910136" cy="5498453"/>
+            <a:off x="838200" y="6489520"/>
+            <a:ext cx="2743200" cy="365125"/>
           </a:xfrm>
         </p:spPr>
         <p:txBody>
           <a:bodyPr/>
           <a:lstStyle/>
           <a:p>
-            <a:pPr marL="342900" lvl="0" indent="-342900">
-              <a:lnSpc>
-                <a:spcPct val="107000"/>
-              </a:lnSpc>
-              <a:buFont typeface="+mj-lt"/>
-              <a:buAutoNum type="arabicPeriod"/>
-            </a:pPr>
-            <a:r>
-              <a:rPr lang="fr-FR" sz="1800" dirty="0">
-                <a:effectLst/>
-                <a:latin typeface="Times New Roman" panose="02020603050405020304" pitchFamily="18" charset="0"/>
-                <a:ea typeface="Calibri" panose="020F0502020204030204" pitchFamily="34" charset="0"/>
-                <a:cs typeface="Times New Roman" panose="02020603050405020304" pitchFamily="18" charset="0"/>
-              </a:rPr>
-              <a:t>S. </a:t>
-            </a:r>
-            <a:r>
-              <a:rPr lang="fr-FR" sz="1800" dirty="0" err="1">
-                <a:effectLst/>
-                <a:latin typeface="Times New Roman" panose="02020603050405020304" pitchFamily="18" charset="0"/>
-                <a:ea typeface="Calibri" panose="020F0502020204030204" pitchFamily="34" charset="0"/>
-                <a:cs typeface="Times New Roman" panose="02020603050405020304" pitchFamily="18" charset="0"/>
-              </a:rPr>
-              <a:t>Altschul</a:t>
-            </a:r>
-            <a:r>
-              <a:rPr lang="fr-FR" sz="1800" dirty="0">
-                <a:effectLst/>
-                <a:latin typeface="Times New Roman" panose="02020603050405020304" pitchFamily="18" charset="0"/>
-                <a:ea typeface="Calibri" panose="020F0502020204030204" pitchFamily="34" charset="0"/>
-                <a:cs typeface="Times New Roman" panose="02020603050405020304" pitchFamily="18" charset="0"/>
-              </a:rPr>
-              <a:t> et al. (2017) </a:t>
-            </a:r>
-            <a:r>
-              <a:rPr lang="fr-FR" sz="1800" dirty="0" err="1">
-                <a:effectLst/>
-                <a:latin typeface="Times New Roman" panose="02020603050405020304" pitchFamily="18" charset="0"/>
-                <a:ea typeface="Calibri" panose="020F0502020204030204" pitchFamily="34" charset="0"/>
-                <a:cs typeface="Times New Roman" panose="02020603050405020304" pitchFamily="18" charset="0"/>
-              </a:rPr>
-              <a:t>Handbook</a:t>
-            </a:r>
-            <a:r>
-              <a:rPr lang="fr-FR" sz="1800" dirty="0">
-                <a:effectLst/>
-                <a:latin typeface="Times New Roman" panose="02020603050405020304" pitchFamily="18" charset="0"/>
-                <a:ea typeface="Calibri" panose="020F0502020204030204" pitchFamily="34" charset="0"/>
-                <a:cs typeface="Times New Roman" panose="02020603050405020304" pitchFamily="18" charset="0"/>
-              </a:rPr>
-              <a:t> of </a:t>
-            </a:r>
-            <a:r>
-              <a:rPr lang="fr-FR" sz="1800" dirty="0" err="1">
-                <a:effectLst/>
-                <a:latin typeface="Times New Roman" panose="02020603050405020304" pitchFamily="18" charset="0"/>
-                <a:ea typeface="Calibri" panose="020F0502020204030204" pitchFamily="34" charset="0"/>
-                <a:cs typeface="Times New Roman" panose="02020603050405020304" pitchFamily="18" charset="0"/>
-              </a:rPr>
-              <a:t>Discrete</a:t>
-            </a:r>
-            <a:r>
-              <a:rPr lang="fr-FR" sz="1800" dirty="0">
-                <a:effectLst/>
-                <a:latin typeface="Times New Roman" panose="02020603050405020304" pitchFamily="18" charset="0"/>
-                <a:ea typeface="Calibri" panose="020F0502020204030204" pitchFamily="34" charset="0"/>
-                <a:cs typeface="Times New Roman" panose="02020603050405020304" pitchFamily="18" charset="0"/>
-              </a:rPr>
-              <a:t> and </a:t>
-            </a:r>
-            <a:r>
-              <a:rPr lang="fr-FR" sz="1800" dirty="0" err="1">
-                <a:effectLst/>
-                <a:latin typeface="Times New Roman" panose="02020603050405020304" pitchFamily="18" charset="0"/>
-                <a:ea typeface="Calibri" panose="020F0502020204030204" pitchFamily="34" charset="0"/>
-                <a:cs typeface="Times New Roman" panose="02020603050405020304" pitchFamily="18" charset="0"/>
-              </a:rPr>
-              <a:t>Combinatorial</a:t>
-            </a:r>
-            <a:r>
-              <a:rPr lang="fr-FR" sz="1800" dirty="0">
-                <a:effectLst/>
-                <a:latin typeface="Times New Roman" panose="02020603050405020304" pitchFamily="18" charset="0"/>
-                <a:ea typeface="Calibri" panose="020F0502020204030204" pitchFamily="34" charset="0"/>
-                <a:cs typeface="Times New Roman" panose="02020603050405020304" pitchFamily="18" charset="0"/>
-              </a:rPr>
+            <a:r>
+              <a:rPr lang="fr-FR" dirty="0"/>
+              <a:t>12/10/2022</a:t>
+            </a:r>
+          </a:p>
+        </p:txBody>
+      </p:sp>
+      <p:sp>
+        <p:nvSpPr>
+          <p:cNvPr id="5" name="Espace réservé du pied de page 4">
+            <a:extLst>
+              <a:ext uri="{FF2B5EF4-FFF2-40B4-BE49-F238E27FC236}">
+                <a16:creationId xmlns:a16="http://schemas.microsoft.com/office/drawing/2014/main" id="{E75C31F4-0182-ED79-928B-0DE07ADECB80}"/>
+              </a:ext>
+            </a:extLst>
+          </p:cNvPr>
+          <p:cNvSpPr>
+            <a:spLocks noGrp="1"/>
+          </p:cNvSpPr>
+          <p:nvPr>
+            <p:ph type="ftr" sz="quarter" idx="11"/>
+          </p:nvPr>
+        </p:nvSpPr>
+        <p:spPr>
+          <a:xfrm>
+            <a:off x="3810000" y="6492876"/>
+            <a:ext cx="4800600" cy="365124"/>
+          </a:xfrm>
+        </p:spPr>
+        <p:txBody>
+          <a:bodyPr/>
+          <a:lstStyle/>
+          <a:p>
+            <a:pPr algn="l"/>
+            <a:r>
+              <a:rPr lang="en-US" dirty="0"/>
+              <a:t>Delhomme Jean, </a:t>
+            </a:r>
+            <a:r>
+              <a:rPr lang="en-US" dirty="0" err="1"/>
+              <a:t>Lecourieux</a:t>
+            </a:r>
+            <a:r>
+              <a:rPr lang="en-US" dirty="0"/>
+              <a:t> Adriana, Rousseau Baptiste, </a:t>
+            </a:r>
+            <a:r>
+              <a:rPr lang="en-US" dirty="0" err="1"/>
+              <a:t>Graa</a:t>
+            </a:r>
+            <a:r>
+              <a:rPr lang="en-US" dirty="0"/>
               <a:t> </a:t>
             </a:r>
             <a:r>
-              <a:rPr lang="fr-FR" sz="1800" dirty="0" err="1">
-                <a:effectLst/>
-                <a:latin typeface="Times New Roman" panose="02020603050405020304" pitchFamily="18" charset="0"/>
-                <a:ea typeface="Calibri" panose="020F0502020204030204" pitchFamily="34" charset="0"/>
-                <a:cs typeface="Times New Roman" panose="02020603050405020304" pitchFamily="18" charset="0"/>
-              </a:rPr>
-              <a:t>Mathematics</a:t>
-            </a:r>
-            <a:r>
-              <a:rPr lang="fr-FR" sz="1800" dirty="0">
-                <a:effectLst/>
-                <a:latin typeface="Times New Roman" panose="02020603050405020304" pitchFamily="18" charset="0"/>
-                <a:ea typeface="Calibri" panose="020F0502020204030204" pitchFamily="34" charset="0"/>
-                <a:cs typeface="Times New Roman" panose="02020603050405020304" pitchFamily="18" charset="0"/>
-              </a:rPr>
-              <a:t>. 2nd </a:t>
-            </a:r>
-            <a:r>
-              <a:rPr lang="fr-FR" sz="1800" dirty="0" err="1">
-                <a:effectLst/>
-                <a:latin typeface="Times New Roman" panose="02020603050405020304" pitchFamily="18" charset="0"/>
-                <a:ea typeface="Calibri" panose="020F0502020204030204" pitchFamily="34" charset="0"/>
-                <a:cs typeface="Times New Roman" panose="02020603050405020304" pitchFamily="18" charset="0"/>
-              </a:rPr>
-              <a:t>edition</a:t>
-            </a:r>
-            <a:r>
-              <a:rPr lang="fr-FR" sz="1800" dirty="0">
-                <a:effectLst/>
-                <a:latin typeface="Times New Roman" panose="02020603050405020304" pitchFamily="18" charset="0"/>
-                <a:ea typeface="Calibri" panose="020F0502020204030204" pitchFamily="34" charset="0"/>
-                <a:cs typeface="Times New Roman" panose="02020603050405020304" pitchFamily="18" charset="0"/>
-              </a:rPr>
-              <a:t>, </a:t>
-            </a:r>
-            <a:r>
-              <a:rPr lang="fr-FR" sz="1800" dirty="0" err="1">
-                <a:effectLst/>
-                <a:latin typeface="Times New Roman" panose="02020603050405020304" pitchFamily="18" charset="0"/>
-                <a:ea typeface="Calibri" panose="020F0502020204030204" pitchFamily="34" charset="0"/>
-                <a:cs typeface="Times New Roman" panose="02020603050405020304" pitchFamily="18" charset="0"/>
-              </a:rPr>
-              <a:t>Chapter</a:t>
-            </a:r>
-            <a:r>
-              <a:rPr lang="fr-FR" sz="1800" dirty="0">
-                <a:effectLst/>
-                <a:latin typeface="Times New Roman" panose="02020603050405020304" pitchFamily="18" charset="0"/>
-                <a:ea typeface="Calibri" panose="020F0502020204030204" pitchFamily="34" charset="0"/>
-                <a:cs typeface="Times New Roman" panose="02020603050405020304" pitchFamily="18" charset="0"/>
-              </a:rPr>
-              <a:t> 20.1 </a:t>
-            </a:r>
-            <a:r>
-              <a:rPr lang="fr-FR" sz="1800" dirty="0" err="1">
-                <a:effectLst/>
-                <a:latin typeface="Times New Roman" panose="02020603050405020304" pitchFamily="18" charset="0"/>
-                <a:ea typeface="Calibri" panose="020F0502020204030204" pitchFamily="34" charset="0"/>
-                <a:cs typeface="Times New Roman" panose="02020603050405020304" pitchFamily="18" charset="0"/>
-              </a:rPr>
-              <a:t>Sequence</a:t>
-            </a:r>
-            <a:endParaRPr lang="fr-FR" sz="1800" dirty="0">
-              <a:effectLst/>
-              <a:latin typeface="Calibri" panose="020F0502020204030204" pitchFamily="34" charset="0"/>
-              <a:ea typeface="Calibri" panose="020F0502020204030204" pitchFamily="34" charset="0"/>
-              <a:cs typeface="Times New Roman" panose="02020603050405020304" pitchFamily="18" charset="0"/>
-            </a:endParaRPr>
-          </a:p>
-          <a:p>
-            <a:pPr marL="342900" lvl="0" indent="-342900" algn="just">
-              <a:lnSpc>
-                <a:spcPct val="107000"/>
-              </a:lnSpc>
-              <a:buFont typeface="+mj-lt"/>
-              <a:buAutoNum type="arabicPeriod"/>
-            </a:pPr>
-            <a:r>
-              <a:rPr lang="fr-FR" sz="1800" dirty="0">
-                <a:effectLst/>
-                <a:latin typeface="Times New Roman" panose="02020603050405020304" pitchFamily="18" charset="0"/>
-                <a:ea typeface="Calibri" panose="020F0502020204030204" pitchFamily="34" charset="0"/>
-                <a:cs typeface="Times New Roman" panose="02020603050405020304" pitchFamily="18" charset="0"/>
-              </a:rPr>
-              <a:t>T. </a:t>
-            </a:r>
-            <a:r>
-              <a:rPr lang="fr-FR" sz="1800" dirty="0" err="1">
-                <a:effectLst/>
-                <a:latin typeface="Times New Roman" panose="02020603050405020304" pitchFamily="18" charset="0"/>
-                <a:ea typeface="Calibri" panose="020F0502020204030204" pitchFamily="34" charset="0"/>
-                <a:cs typeface="Times New Roman" panose="02020603050405020304" pitchFamily="18" charset="0"/>
-              </a:rPr>
-              <a:t>Bepler</a:t>
-            </a:r>
-            <a:r>
-              <a:rPr lang="fr-FR" sz="1800" dirty="0">
-                <a:effectLst/>
-                <a:latin typeface="Times New Roman" panose="02020603050405020304" pitchFamily="18" charset="0"/>
-                <a:ea typeface="Calibri" panose="020F0502020204030204" pitchFamily="34" charset="0"/>
-                <a:cs typeface="Times New Roman" panose="02020603050405020304" pitchFamily="18" charset="0"/>
-              </a:rPr>
-              <a:t> et al. (2021) Learning the </a:t>
-            </a:r>
-            <a:r>
-              <a:rPr lang="fr-FR" sz="1800" dirty="0" err="1">
-                <a:effectLst/>
-                <a:latin typeface="Times New Roman" panose="02020603050405020304" pitchFamily="18" charset="0"/>
-                <a:ea typeface="Calibri" panose="020F0502020204030204" pitchFamily="34" charset="0"/>
-                <a:cs typeface="Times New Roman" panose="02020603050405020304" pitchFamily="18" charset="0"/>
-              </a:rPr>
-              <a:t>protein</a:t>
-            </a:r>
-            <a:r>
-              <a:rPr lang="fr-FR" sz="1800" dirty="0">
-                <a:effectLst/>
-                <a:latin typeface="Times New Roman" panose="02020603050405020304" pitchFamily="18" charset="0"/>
-                <a:ea typeface="Calibri" panose="020F0502020204030204" pitchFamily="34" charset="0"/>
-                <a:cs typeface="Times New Roman" panose="02020603050405020304" pitchFamily="18" charset="0"/>
-              </a:rPr>
-              <a:t> </a:t>
-            </a:r>
-            <a:r>
-              <a:rPr lang="fr-FR" sz="1800" dirty="0" err="1">
-                <a:effectLst/>
-                <a:latin typeface="Times New Roman" panose="02020603050405020304" pitchFamily="18" charset="0"/>
-                <a:ea typeface="Calibri" panose="020F0502020204030204" pitchFamily="34" charset="0"/>
-                <a:cs typeface="Times New Roman" panose="02020603050405020304" pitchFamily="18" charset="0"/>
-              </a:rPr>
-              <a:t>language</a:t>
-            </a:r>
-            <a:r>
-              <a:rPr lang="fr-FR" sz="1800" dirty="0">
-                <a:effectLst/>
-                <a:latin typeface="Times New Roman" panose="02020603050405020304" pitchFamily="18" charset="0"/>
-                <a:ea typeface="Calibri" panose="020F0502020204030204" pitchFamily="34" charset="0"/>
-                <a:cs typeface="Times New Roman" panose="02020603050405020304" pitchFamily="18" charset="0"/>
-              </a:rPr>
-              <a:t>: Evolution, structure, and </a:t>
-            </a:r>
-            <a:r>
-              <a:rPr lang="fr-FR" sz="1800" dirty="0" err="1">
-                <a:effectLst/>
-                <a:latin typeface="Times New Roman" panose="02020603050405020304" pitchFamily="18" charset="0"/>
-                <a:ea typeface="Calibri" panose="020F0502020204030204" pitchFamily="34" charset="0"/>
-                <a:cs typeface="Times New Roman" panose="02020603050405020304" pitchFamily="18" charset="0"/>
-              </a:rPr>
-              <a:t>function</a:t>
-            </a:r>
-            <a:r>
-              <a:rPr lang="fr-FR" sz="1800" dirty="0">
-                <a:effectLst/>
-                <a:latin typeface="Times New Roman" panose="02020603050405020304" pitchFamily="18" charset="0"/>
-                <a:ea typeface="Calibri" panose="020F0502020204030204" pitchFamily="34" charset="0"/>
-                <a:cs typeface="Times New Roman" panose="02020603050405020304" pitchFamily="18" charset="0"/>
-              </a:rPr>
-              <a:t>.</a:t>
-            </a:r>
-            <a:endParaRPr lang="fr-FR" sz="1800" dirty="0">
-              <a:effectLst/>
-              <a:latin typeface="Calibri" panose="020F0502020204030204" pitchFamily="34" charset="0"/>
-              <a:ea typeface="Calibri" panose="020F0502020204030204" pitchFamily="34" charset="0"/>
-              <a:cs typeface="Times New Roman" panose="02020603050405020304" pitchFamily="18" charset="0"/>
-            </a:endParaRPr>
-          </a:p>
-          <a:p>
-            <a:pPr marL="342900" lvl="0" indent="-342900">
-              <a:lnSpc>
-                <a:spcPct val="107000"/>
-              </a:lnSpc>
-              <a:buFont typeface="+mj-lt"/>
-              <a:buAutoNum type="arabicPeriod"/>
-            </a:pPr>
-            <a:r>
-              <a:rPr lang="fr-FR" sz="1800" dirty="0" err="1">
-                <a:effectLst/>
-                <a:latin typeface="Times New Roman" panose="02020603050405020304" pitchFamily="18" charset="0"/>
-                <a:ea typeface="Calibri" panose="020F0502020204030204" pitchFamily="34" charset="0"/>
-                <a:cs typeface="Times New Roman" panose="02020603050405020304" pitchFamily="18" charset="0"/>
-              </a:rPr>
-              <a:t>Needleman</a:t>
-            </a:r>
-            <a:r>
-              <a:rPr lang="fr-FR" sz="1800" dirty="0">
-                <a:effectLst/>
-                <a:latin typeface="Times New Roman" panose="02020603050405020304" pitchFamily="18" charset="0"/>
-                <a:ea typeface="Calibri" panose="020F0502020204030204" pitchFamily="34" charset="0"/>
-                <a:cs typeface="Times New Roman" panose="02020603050405020304" pitchFamily="18" charset="0"/>
-              </a:rPr>
-              <a:t>, Saul B. &amp; </a:t>
-            </a:r>
-            <a:r>
-              <a:rPr lang="fr-FR" sz="1800" dirty="0" err="1">
-                <a:effectLst/>
-                <a:latin typeface="Times New Roman" panose="02020603050405020304" pitchFamily="18" charset="0"/>
-                <a:ea typeface="Calibri" panose="020F0502020204030204" pitchFamily="34" charset="0"/>
-                <a:cs typeface="Times New Roman" panose="02020603050405020304" pitchFamily="18" charset="0"/>
-              </a:rPr>
-              <a:t>Wunsch</a:t>
-            </a:r>
-            <a:r>
-              <a:rPr lang="fr-FR" sz="1800" dirty="0">
-                <a:effectLst/>
-                <a:latin typeface="Times New Roman" panose="02020603050405020304" pitchFamily="18" charset="0"/>
-                <a:ea typeface="Calibri" panose="020F0502020204030204" pitchFamily="34" charset="0"/>
-                <a:cs typeface="Times New Roman" panose="02020603050405020304" pitchFamily="18" charset="0"/>
-              </a:rPr>
-              <a:t>, Christian D. (1970) A </a:t>
-            </a:r>
-            <a:r>
-              <a:rPr lang="fr-FR" sz="1800" dirty="0" err="1">
-                <a:effectLst/>
-                <a:latin typeface="Times New Roman" panose="02020603050405020304" pitchFamily="18" charset="0"/>
-                <a:ea typeface="Calibri" panose="020F0502020204030204" pitchFamily="34" charset="0"/>
-                <a:cs typeface="Times New Roman" panose="02020603050405020304" pitchFamily="18" charset="0"/>
-              </a:rPr>
-              <a:t>general</a:t>
-            </a:r>
-            <a:r>
-              <a:rPr lang="fr-FR" sz="1800" dirty="0">
-                <a:effectLst/>
-                <a:latin typeface="Times New Roman" panose="02020603050405020304" pitchFamily="18" charset="0"/>
-                <a:ea typeface="Calibri" panose="020F0502020204030204" pitchFamily="34" charset="0"/>
-                <a:cs typeface="Times New Roman" panose="02020603050405020304" pitchFamily="18" charset="0"/>
-              </a:rPr>
-              <a:t> </a:t>
-            </a:r>
-            <a:r>
-              <a:rPr lang="fr-FR" sz="1800" dirty="0" err="1">
-                <a:effectLst/>
-                <a:latin typeface="Times New Roman" panose="02020603050405020304" pitchFamily="18" charset="0"/>
-                <a:ea typeface="Calibri" panose="020F0502020204030204" pitchFamily="34" charset="0"/>
-                <a:cs typeface="Times New Roman" panose="02020603050405020304" pitchFamily="18" charset="0"/>
-              </a:rPr>
-              <a:t>method</a:t>
-            </a:r>
-            <a:r>
-              <a:rPr lang="fr-FR" sz="1800" dirty="0">
-                <a:effectLst/>
-                <a:latin typeface="Times New Roman" panose="02020603050405020304" pitchFamily="18" charset="0"/>
-                <a:ea typeface="Calibri" panose="020F0502020204030204" pitchFamily="34" charset="0"/>
-                <a:cs typeface="Times New Roman" panose="02020603050405020304" pitchFamily="18" charset="0"/>
-              </a:rPr>
-              <a:t> applicable to the </a:t>
-            </a:r>
-            <a:r>
-              <a:rPr lang="fr-FR" sz="1800" dirty="0" err="1">
-                <a:effectLst/>
-                <a:latin typeface="Times New Roman" panose="02020603050405020304" pitchFamily="18" charset="0"/>
-                <a:ea typeface="Calibri" panose="020F0502020204030204" pitchFamily="34" charset="0"/>
-                <a:cs typeface="Times New Roman" panose="02020603050405020304" pitchFamily="18" charset="0"/>
-              </a:rPr>
-              <a:t>search</a:t>
-            </a:r>
-            <a:r>
-              <a:rPr lang="fr-FR" sz="1800" dirty="0">
-                <a:effectLst/>
-                <a:latin typeface="Times New Roman" panose="02020603050405020304" pitchFamily="18" charset="0"/>
-                <a:ea typeface="Calibri" panose="020F0502020204030204" pitchFamily="34" charset="0"/>
-                <a:cs typeface="Times New Roman" panose="02020603050405020304" pitchFamily="18" charset="0"/>
-              </a:rPr>
-              <a:t> for </a:t>
-            </a:r>
-            <a:r>
-              <a:rPr lang="fr-FR" sz="1800" dirty="0" err="1">
-                <a:effectLst/>
-                <a:latin typeface="Times New Roman" panose="02020603050405020304" pitchFamily="18" charset="0"/>
-                <a:ea typeface="Calibri" panose="020F0502020204030204" pitchFamily="34" charset="0"/>
-                <a:cs typeface="Times New Roman" panose="02020603050405020304" pitchFamily="18" charset="0"/>
-              </a:rPr>
-              <a:t>similarities</a:t>
-            </a:r>
-            <a:r>
-              <a:rPr lang="fr-FR" sz="1800" dirty="0">
-                <a:effectLst/>
-                <a:latin typeface="Times New Roman" panose="02020603050405020304" pitchFamily="18" charset="0"/>
-                <a:ea typeface="Calibri" panose="020F0502020204030204" pitchFamily="34" charset="0"/>
-                <a:cs typeface="Times New Roman" panose="02020603050405020304" pitchFamily="18" charset="0"/>
-              </a:rPr>
-              <a:t> in the </a:t>
-            </a:r>
-            <a:r>
-              <a:rPr lang="fr-FR" sz="1800" dirty="0" err="1">
-                <a:effectLst/>
-                <a:latin typeface="Times New Roman" panose="02020603050405020304" pitchFamily="18" charset="0"/>
-                <a:ea typeface="Calibri" panose="020F0502020204030204" pitchFamily="34" charset="0"/>
-                <a:cs typeface="Times New Roman" panose="02020603050405020304" pitchFamily="18" charset="0"/>
-              </a:rPr>
-              <a:t>amino</a:t>
-            </a:r>
-            <a:r>
-              <a:rPr lang="fr-FR" sz="1800" dirty="0">
-                <a:effectLst/>
-                <a:latin typeface="Times New Roman" panose="02020603050405020304" pitchFamily="18" charset="0"/>
-                <a:ea typeface="Calibri" panose="020F0502020204030204" pitchFamily="34" charset="0"/>
-                <a:cs typeface="Times New Roman" panose="02020603050405020304" pitchFamily="18" charset="0"/>
-              </a:rPr>
-              <a:t> </a:t>
-            </a:r>
-            <a:r>
-              <a:rPr lang="fr-FR" sz="1800" dirty="0" err="1">
-                <a:effectLst/>
-                <a:latin typeface="Times New Roman" panose="02020603050405020304" pitchFamily="18" charset="0"/>
-                <a:ea typeface="Calibri" panose="020F0502020204030204" pitchFamily="34" charset="0"/>
-                <a:cs typeface="Times New Roman" panose="02020603050405020304" pitchFamily="18" charset="0"/>
-              </a:rPr>
-              <a:t>acid</a:t>
-            </a:r>
-            <a:r>
-              <a:rPr lang="fr-FR" sz="1800" dirty="0">
-                <a:effectLst/>
-                <a:latin typeface="Times New Roman" panose="02020603050405020304" pitchFamily="18" charset="0"/>
-                <a:ea typeface="Calibri" panose="020F0502020204030204" pitchFamily="34" charset="0"/>
-                <a:cs typeface="Times New Roman" panose="02020603050405020304" pitchFamily="18" charset="0"/>
-              </a:rPr>
-              <a:t> </a:t>
-            </a:r>
-            <a:r>
-              <a:rPr lang="fr-FR" sz="1800" dirty="0" err="1">
-                <a:effectLst/>
-                <a:latin typeface="Times New Roman" panose="02020603050405020304" pitchFamily="18" charset="0"/>
-                <a:ea typeface="Calibri" panose="020F0502020204030204" pitchFamily="34" charset="0"/>
-                <a:cs typeface="Times New Roman" panose="02020603050405020304" pitchFamily="18" charset="0"/>
-              </a:rPr>
-              <a:t>sequence</a:t>
-            </a:r>
-            <a:r>
-              <a:rPr lang="fr-FR" sz="1800" dirty="0">
-                <a:effectLst/>
-                <a:latin typeface="Times New Roman" panose="02020603050405020304" pitchFamily="18" charset="0"/>
-                <a:ea typeface="Calibri" panose="020F0502020204030204" pitchFamily="34" charset="0"/>
-                <a:cs typeface="Times New Roman" panose="02020603050405020304" pitchFamily="18" charset="0"/>
-              </a:rPr>
-              <a:t> of </a:t>
-            </a:r>
-            <a:r>
-              <a:rPr lang="fr-FR" sz="1800" dirty="0" err="1">
-                <a:effectLst/>
-                <a:latin typeface="Times New Roman" panose="02020603050405020304" pitchFamily="18" charset="0"/>
-                <a:ea typeface="Calibri" panose="020F0502020204030204" pitchFamily="34" charset="0"/>
-                <a:cs typeface="Times New Roman" panose="02020603050405020304" pitchFamily="18" charset="0"/>
-              </a:rPr>
-              <a:t>two</a:t>
-            </a:r>
-            <a:r>
-              <a:rPr lang="fr-FR" sz="1800" dirty="0">
-                <a:effectLst/>
-                <a:latin typeface="Times New Roman" panose="02020603050405020304" pitchFamily="18" charset="0"/>
-                <a:ea typeface="Calibri" panose="020F0502020204030204" pitchFamily="34" charset="0"/>
-                <a:cs typeface="Times New Roman" panose="02020603050405020304" pitchFamily="18" charset="0"/>
-              </a:rPr>
-              <a:t> </a:t>
-            </a:r>
-            <a:r>
-              <a:rPr lang="fr-FR" sz="1800" dirty="0" err="1">
-                <a:effectLst/>
-                <a:latin typeface="Times New Roman" panose="02020603050405020304" pitchFamily="18" charset="0"/>
-                <a:ea typeface="Calibri" panose="020F0502020204030204" pitchFamily="34" charset="0"/>
-                <a:cs typeface="Times New Roman" panose="02020603050405020304" pitchFamily="18" charset="0"/>
-              </a:rPr>
-              <a:t>proteins</a:t>
-            </a:r>
-            <a:r>
-              <a:rPr lang="fr-FR" sz="1800" dirty="0">
-                <a:effectLst/>
-                <a:latin typeface="Times New Roman" panose="02020603050405020304" pitchFamily="18" charset="0"/>
-                <a:ea typeface="Calibri" panose="020F0502020204030204" pitchFamily="34" charset="0"/>
-                <a:cs typeface="Times New Roman" panose="02020603050405020304" pitchFamily="18" charset="0"/>
-              </a:rPr>
-              <a:t>.</a:t>
-            </a:r>
-            <a:endParaRPr lang="fr-FR" sz="1800" dirty="0">
-              <a:effectLst/>
-              <a:latin typeface="Calibri" panose="020F0502020204030204" pitchFamily="34" charset="0"/>
-              <a:ea typeface="Calibri" panose="020F0502020204030204" pitchFamily="34" charset="0"/>
-              <a:cs typeface="Times New Roman" panose="02020603050405020304" pitchFamily="18" charset="0"/>
-            </a:endParaRPr>
-          </a:p>
-          <a:p>
-            <a:pPr marL="342900" lvl="0" indent="-342900">
-              <a:lnSpc>
-                <a:spcPct val="107000"/>
-              </a:lnSpc>
-              <a:buFont typeface="+mj-lt"/>
-              <a:buAutoNum type="arabicPeriod"/>
-            </a:pPr>
-            <a:r>
-              <a:rPr lang="fr-FR" sz="1800" dirty="0">
-                <a:effectLst/>
-                <a:latin typeface="Times New Roman" panose="02020603050405020304" pitchFamily="18" charset="0"/>
-                <a:ea typeface="Calibri" panose="020F0502020204030204" pitchFamily="34" charset="0"/>
-                <a:cs typeface="Times New Roman" panose="02020603050405020304" pitchFamily="18" charset="0"/>
-              </a:rPr>
-              <a:t>Smith, Temple F. &amp; Waterman, Michael S. (1981) Identification of Common </a:t>
-            </a:r>
-            <a:r>
-              <a:rPr lang="fr-FR" sz="1800" dirty="0" err="1">
-                <a:effectLst/>
-                <a:latin typeface="Times New Roman" panose="02020603050405020304" pitchFamily="18" charset="0"/>
-                <a:ea typeface="Calibri" panose="020F0502020204030204" pitchFamily="34" charset="0"/>
-                <a:cs typeface="Times New Roman" panose="02020603050405020304" pitchFamily="18" charset="0"/>
-              </a:rPr>
-              <a:t>Molecular</a:t>
-            </a:r>
-            <a:r>
-              <a:rPr lang="fr-FR" sz="1800" dirty="0">
-                <a:effectLst/>
-                <a:latin typeface="Times New Roman" panose="02020603050405020304" pitchFamily="18" charset="0"/>
-                <a:ea typeface="Calibri" panose="020F0502020204030204" pitchFamily="34" charset="0"/>
-                <a:cs typeface="Times New Roman" panose="02020603050405020304" pitchFamily="18" charset="0"/>
-              </a:rPr>
-              <a:t> </a:t>
-            </a:r>
-            <a:r>
-              <a:rPr lang="fr-FR" sz="1800" dirty="0" err="1">
-                <a:effectLst/>
-                <a:latin typeface="Times New Roman" panose="02020603050405020304" pitchFamily="18" charset="0"/>
-                <a:ea typeface="Calibri" panose="020F0502020204030204" pitchFamily="34" charset="0"/>
-                <a:cs typeface="Times New Roman" panose="02020603050405020304" pitchFamily="18" charset="0"/>
-              </a:rPr>
-              <a:t>Subsequences</a:t>
-            </a:r>
-            <a:r>
-              <a:rPr lang="fr-FR" sz="1800" dirty="0">
-                <a:effectLst/>
-                <a:latin typeface="Times New Roman" panose="02020603050405020304" pitchFamily="18" charset="0"/>
-                <a:ea typeface="Calibri" panose="020F0502020204030204" pitchFamily="34" charset="0"/>
-                <a:cs typeface="Times New Roman" panose="02020603050405020304" pitchFamily="18" charset="0"/>
-              </a:rPr>
-              <a:t>.</a:t>
-            </a:r>
-            <a:endParaRPr lang="fr-FR" sz="1800" dirty="0">
-              <a:effectLst/>
-              <a:latin typeface="Calibri" panose="020F0502020204030204" pitchFamily="34" charset="0"/>
-              <a:ea typeface="Calibri" panose="020F0502020204030204" pitchFamily="34" charset="0"/>
-              <a:cs typeface="Times New Roman" panose="02020603050405020304" pitchFamily="18" charset="0"/>
-            </a:endParaRPr>
-          </a:p>
-          <a:p>
-            <a:pPr marL="342900" lvl="0" indent="-342900">
-              <a:lnSpc>
-                <a:spcPct val="107000"/>
-              </a:lnSpc>
-              <a:buFont typeface="+mj-lt"/>
-              <a:buAutoNum type="arabicPeriod"/>
-            </a:pPr>
-            <a:r>
-              <a:rPr lang="fr-FR" sz="1800" u="none" strike="noStrike" dirty="0">
-                <a:solidFill>
-                  <a:srgbClr val="0000FF"/>
-                </a:solidFill>
-                <a:effectLst/>
-                <a:latin typeface="Times New Roman" panose="02020603050405020304" pitchFamily="18" charset="0"/>
-                <a:ea typeface="Calibri" panose="020F0502020204030204" pitchFamily="34" charset="0"/>
-                <a:cs typeface="Times New Roman" panose="02020603050405020304" pitchFamily="18" charset="0"/>
-                <a:hlinkClick r:id="rId2"/>
-              </a:rPr>
-              <a:t>A </a:t>
-            </a:r>
-            <a:r>
-              <a:rPr lang="fr-FR" sz="1800" u="none" strike="noStrike" dirty="0" err="1">
-                <a:solidFill>
-                  <a:srgbClr val="0000FF"/>
-                </a:solidFill>
-                <a:effectLst/>
-                <a:latin typeface="Times New Roman" panose="02020603050405020304" pitchFamily="18" charset="0"/>
-                <a:ea typeface="Calibri" panose="020F0502020204030204" pitchFamily="34" charset="0"/>
-                <a:cs typeface="Times New Roman" panose="02020603050405020304" pitchFamily="18" charset="0"/>
-                <a:hlinkClick r:id="rId2"/>
-              </a:rPr>
-              <a:t>Elnaggar</a:t>
-            </a:r>
-            <a:r>
-              <a:rPr lang="fr-FR" sz="1800" dirty="0">
-                <a:effectLst/>
-                <a:latin typeface="Times New Roman" panose="02020603050405020304" pitchFamily="18" charset="0"/>
-                <a:ea typeface="Calibri" panose="020F0502020204030204" pitchFamily="34" charset="0"/>
-                <a:cs typeface="Times New Roman" panose="02020603050405020304" pitchFamily="18" charset="0"/>
-              </a:rPr>
-              <a:t> et al. (2020) </a:t>
-            </a:r>
-            <a:r>
-              <a:rPr lang="fr-FR" sz="1800" dirty="0" err="1">
-                <a:effectLst/>
-                <a:latin typeface="Times New Roman" panose="02020603050405020304" pitchFamily="18" charset="0"/>
-                <a:ea typeface="Calibri" panose="020F0502020204030204" pitchFamily="34" charset="0"/>
-                <a:cs typeface="Times New Roman" panose="02020603050405020304" pitchFamily="18" charset="0"/>
-              </a:rPr>
-              <a:t>ProtTrans</a:t>
-            </a:r>
-            <a:r>
-              <a:rPr lang="fr-FR" sz="1800" dirty="0">
-                <a:effectLst/>
-                <a:latin typeface="Times New Roman" panose="02020603050405020304" pitchFamily="18" charset="0"/>
-                <a:ea typeface="Calibri" panose="020F0502020204030204" pitchFamily="34" charset="0"/>
-                <a:cs typeface="Times New Roman" panose="02020603050405020304" pitchFamily="18" charset="0"/>
-              </a:rPr>
-              <a:t>: </a:t>
-            </a:r>
-            <a:r>
-              <a:rPr lang="fr-FR" sz="1800" dirty="0" err="1">
-                <a:effectLst/>
-                <a:latin typeface="Times New Roman" panose="02020603050405020304" pitchFamily="18" charset="0"/>
-                <a:ea typeface="Calibri" panose="020F0502020204030204" pitchFamily="34" charset="0"/>
-                <a:cs typeface="Times New Roman" panose="02020603050405020304" pitchFamily="18" charset="0"/>
-              </a:rPr>
-              <a:t>Towards</a:t>
-            </a:r>
-            <a:r>
-              <a:rPr lang="fr-FR" sz="1800" dirty="0">
-                <a:effectLst/>
-                <a:latin typeface="Times New Roman" panose="02020603050405020304" pitchFamily="18" charset="0"/>
-                <a:ea typeface="Calibri" panose="020F0502020204030204" pitchFamily="34" charset="0"/>
-                <a:cs typeface="Times New Roman" panose="02020603050405020304" pitchFamily="18" charset="0"/>
-              </a:rPr>
-              <a:t> Cracking the </a:t>
-            </a:r>
-            <a:r>
-              <a:rPr lang="fr-FR" sz="1800" dirty="0" err="1">
-                <a:effectLst/>
-                <a:latin typeface="Times New Roman" panose="02020603050405020304" pitchFamily="18" charset="0"/>
-                <a:ea typeface="Calibri" panose="020F0502020204030204" pitchFamily="34" charset="0"/>
-                <a:cs typeface="Times New Roman" panose="02020603050405020304" pitchFamily="18" charset="0"/>
-              </a:rPr>
-              <a:t>Language</a:t>
-            </a:r>
-            <a:r>
-              <a:rPr lang="fr-FR" sz="1800" dirty="0">
-                <a:effectLst/>
-                <a:latin typeface="Times New Roman" panose="02020603050405020304" pitchFamily="18" charset="0"/>
-                <a:ea typeface="Calibri" panose="020F0502020204030204" pitchFamily="34" charset="0"/>
-                <a:cs typeface="Times New Roman" panose="02020603050405020304" pitchFamily="18" charset="0"/>
-              </a:rPr>
-              <a:t> of </a:t>
-            </a:r>
-            <a:r>
-              <a:rPr lang="fr-FR" sz="1800" dirty="0" err="1">
-                <a:effectLst/>
-                <a:latin typeface="Times New Roman" panose="02020603050405020304" pitchFamily="18" charset="0"/>
-                <a:ea typeface="Calibri" panose="020F0502020204030204" pitchFamily="34" charset="0"/>
-                <a:cs typeface="Times New Roman" panose="02020603050405020304" pitchFamily="18" charset="0"/>
-              </a:rPr>
-              <a:t>Life's</a:t>
-            </a:r>
-            <a:r>
-              <a:rPr lang="fr-FR" sz="1800" dirty="0">
-                <a:effectLst/>
-                <a:latin typeface="Times New Roman" panose="02020603050405020304" pitchFamily="18" charset="0"/>
-                <a:ea typeface="Calibri" panose="020F0502020204030204" pitchFamily="34" charset="0"/>
-                <a:cs typeface="Times New Roman" panose="02020603050405020304" pitchFamily="18" charset="0"/>
-              </a:rPr>
-              <a:t> Code </a:t>
-            </a:r>
-            <a:r>
-              <a:rPr lang="fr-FR" sz="1800" dirty="0" err="1">
-                <a:effectLst/>
-                <a:latin typeface="Times New Roman" panose="02020603050405020304" pitchFamily="18" charset="0"/>
-                <a:ea typeface="Calibri" panose="020F0502020204030204" pitchFamily="34" charset="0"/>
-                <a:cs typeface="Times New Roman" panose="02020603050405020304" pitchFamily="18" charset="0"/>
-              </a:rPr>
-              <a:t>Through</a:t>
-            </a:r>
-            <a:r>
-              <a:rPr lang="fr-FR" sz="1800" dirty="0">
-                <a:effectLst/>
-                <a:latin typeface="Times New Roman" panose="02020603050405020304" pitchFamily="18" charset="0"/>
-                <a:ea typeface="Calibri" panose="020F0502020204030204" pitchFamily="34" charset="0"/>
-                <a:cs typeface="Times New Roman" panose="02020603050405020304" pitchFamily="18" charset="0"/>
-              </a:rPr>
-              <a:t> Self-</a:t>
-            </a:r>
-            <a:r>
-              <a:rPr lang="fr-FR" sz="1800" dirty="0" err="1">
-                <a:effectLst/>
-                <a:latin typeface="Times New Roman" panose="02020603050405020304" pitchFamily="18" charset="0"/>
-                <a:ea typeface="Calibri" panose="020F0502020204030204" pitchFamily="34" charset="0"/>
-                <a:cs typeface="Times New Roman" panose="02020603050405020304" pitchFamily="18" charset="0"/>
-              </a:rPr>
-              <a:t>Supervised</a:t>
-            </a:r>
-            <a:r>
-              <a:rPr lang="fr-FR" sz="1800" dirty="0">
-                <a:effectLst/>
-                <a:latin typeface="Times New Roman" panose="02020603050405020304" pitchFamily="18" charset="0"/>
-                <a:ea typeface="Calibri" panose="020F0502020204030204" pitchFamily="34" charset="0"/>
-                <a:cs typeface="Times New Roman" panose="02020603050405020304" pitchFamily="18" charset="0"/>
-              </a:rPr>
-              <a:t> </a:t>
-            </a:r>
-            <a:r>
-              <a:rPr lang="fr-FR" sz="1800" dirty="0" err="1">
-                <a:effectLst/>
-                <a:latin typeface="Times New Roman" panose="02020603050405020304" pitchFamily="18" charset="0"/>
-                <a:ea typeface="Calibri" panose="020F0502020204030204" pitchFamily="34" charset="0"/>
-                <a:cs typeface="Times New Roman" panose="02020603050405020304" pitchFamily="18" charset="0"/>
-              </a:rPr>
-              <a:t>Deep</a:t>
-            </a:r>
-            <a:r>
-              <a:rPr lang="fr-FR" sz="1800" dirty="0">
-                <a:effectLst/>
-                <a:latin typeface="Times New Roman" panose="02020603050405020304" pitchFamily="18" charset="0"/>
-                <a:ea typeface="Calibri" panose="020F0502020204030204" pitchFamily="34" charset="0"/>
-                <a:cs typeface="Times New Roman" panose="02020603050405020304" pitchFamily="18" charset="0"/>
-              </a:rPr>
-              <a:t> Learning and High Performance </a:t>
-            </a:r>
-            <a:r>
-              <a:rPr lang="fr-FR" sz="1800" dirty="0" err="1">
-                <a:effectLst/>
-                <a:latin typeface="Times New Roman" panose="02020603050405020304" pitchFamily="18" charset="0"/>
-                <a:ea typeface="Calibri" panose="020F0502020204030204" pitchFamily="34" charset="0"/>
-                <a:cs typeface="Times New Roman" panose="02020603050405020304" pitchFamily="18" charset="0"/>
-              </a:rPr>
-              <a:t>Computing</a:t>
-            </a:r>
-            <a:r>
-              <a:rPr lang="fr-FR" sz="1800" dirty="0">
-                <a:effectLst/>
-                <a:latin typeface="Times New Roman" panose="02020603050405020304" pitchFamily="18" charset="0"/>
-                <a:ea typeface="Calibri" panose="020F0502020204030204" pitchFamily="34" charset="0"/>
-                <a:cs typeface="Times New Roman" panose="02020603050405020304" pitchFamily="18" charset="0"/>
-              </a:rPr>
-              <a:t> </a:t>
-            </a:r>
-            <a:endParaRPr lang="fr-FR" sz="1800" dirty="0">
-              <a:effectLst/>
-              <a:latin typeface="Calibri" panose="020F0502020204030204" pitchFamily="34" charset="0"/>
-              <a:ea typeface="Calibri" panose="020F0502020204030204" pitchFamily="34" charset="0"/>
-              <a:cs typeface="Times New Roman" panose="02020603050405020304" pitchFamily="18" charset="0"/>
-            </a:endParaRPr>
-          </a:p>
-          <a:p>
-            <a:pPr marL="342900" lvl="0" indent="-342900">
-              <a:lnSpc>
-                <a:spcPct val="107000"/>
-              </a:lnSpc>
-              <a:buFont typeface="+mj-lt"/>
-              <a:buAutoNum type="arabicPeriod"/>
-            </a:pPr>
-            <a:r>
-              <a:rPr lang="fr-FR" sz="1800" dirty="0">
-                <a:effectLst/>
-                <a:latin typeface="Times New Roman" panose="02020603050405020304" pitchFamily="18" charset="0"/>
-                <a:ea typeface="Calibri" panose="020F0502020204030204" pitchFamily="34" charset="0"/>
-                <a:cs typeface="Times New Roman" panose="02020603050405020304" pitchFamily="18" charset="0"/>
-              </a:rPr>
-              <a:t>Page pdb de la 6-phosphofructo-2-kinase/fructose-2,6-bisphosphatase </a:t>
-            </a:r>
-            <a:r>
-              <a:rPr lang="fr-FR" sz="1800" dirty="0" err="1">
-                <a:effectLst/>
-                <a:latin typeface="Times New Roman" panose="02020603050405020304" pitchFamily="18" charset="0"/>
-                <a:ea typeface="Calibri" panose="020F0502020204030204" pitchFamily="34" charset="0"/>
-                <a:cs typeface="Times New Roman" panose="02020603050405020304" pitchFamily="18" charset="0"/>
-              </a:rPr>
-              <a:t>bifunctional</a:t>
-            </a:r>
-            <a:r>
-              <a:rPr lang="fr-FR" sz="1800" dirty="0">
-                <a:effectLst/>
-                <a:latin typeface="Times New Roman" panose="02020603050405020304" pitchFamily="18" charset="0"/>
-                <a:ea typeface="Calibri" panose="020F0502020204030204" pitchFamily="34" charset="0"/>
-                <a:cs typeface="Times New Roman" panose="02020603050405020304" pitchFamily="18" charset="0"/>
-              </a:rPr>
-              <a:t> enzyme </a:t>
-            </a:r>
-            <a:r>
-              <a:rPr lang="fr-FR" sz="1800" dirty="0" err="1">
-                <a:effectLst/>
-                <a:latin typeface="Times New Roman" panose="02020603050405020304" pitchFamily="18" charset="0"/>
-                <a:ea typeface="Calibri" panose="020F0502020204030204" pitchFamily="34" charset="0"/>
-                <a:cs typeface="Times New Roman" panose="02020603050405020304" pitchFamily="18" charset="0"/>
-              </a:rPr>
-              <a:t>complexed</a:t>
-            </a:r>
-            <a:r>
-              <a:rPr lang="fr-FR" sz="1800" dirty="0">
-                <a:effectLst/>
-                <a:latin typeface="Times New Roman" panose="02020603050405020304" pitchFamily="18" charset="0"/>
-                <a:ea typeface="Calibri" panose="020F0502020204030204" pitchFamily="34" charset="0"/>
-                <a:cs typeface="Times New Roman" panose="02020603050405020304" pitchFamily="18" charset="0"/>
-              </a:rPr>
-              <a:t> </a:t>
-            </a:r>
-            <a:r>
-              <a:rPr lang="fr-FR" sz="1800" dirty="0" err="1">
-                <a:effectLst/>
-                <a:latin typeface="Times New Roman" panose="02020603050405020304" pitchFamily="18" charset="0"/>
-                <a:ea typeface="Calibri" panose="020F0502020204030204" pitchFamily="34" charset="0"/>
-                <a:cs typeface="Times New Roman" panose="02020603050405020304" pitchFamily="18" charset="0"/>
-              </a:rPr>
-              <a:t>with</a:t>
-            </a:r>
-            <a:r>
-              <a:rPr lang="fr-FR" sz="1800" dirty="0">
-                <a:effectLst/>
-                <a:latin typeface="Times New Roman" panose="02020603050405020304" pitchFamily="18" charset="0"/>
-                <a:ea typeface="Calibri" panose="020F0502020204030204" pitchFamily="34" charset="0"/>
-                <a:cs typeface="Times New Roman" panose="02020603050405020304" pitchFamily="18" charset="0"/>
-              </a:rPr>
-              <a:t> atp-g-s and phosphate : </a:t>
-            </a:r>
-            <a:r>
-              <a:rPr lang="fr-FR" sz="1800" u="sng" dirty="0">
-                <a:solidFill>
-                  <a:srgbClr val="0000FF"/>
-                </a:solidFill>
-                <a:effectLst/>
-                <a:latin typeface="Times New Roman" panose="02020603050405020304" pitchFamily="18" charset="0"/>
-                <a:ea typeface="Calibri" panose="020F0502020204030204" pitchFamily="34" charset="0"/>
-                <a:cs typeface="Times New Roman" panose="02020603050405020304" pitchFamily="18" charset="0"/>
-                <a:hlinkClick r:id="rId3"/>
-              </a:rPr>
-              <a:t>https://www.rcsb.org/structure/1bif</a:t>
-            </a:r>
-            <a:r>
-              <a:rPr lang="fr-FR" sz="1800" dirty="0">
-                <a:effectLst/>
-                <a:latin typeface="Times New Roman" panose="02020603050405020304" pitchFamily="18" charset="0"/>
-                <a:ea typeface="Calibri" panose="020F0502020204030204" pitchFamily="34" charset="0"/>
-                <a:cs typeface="Times New Roman" panose="02020603050405020304" pitchFamily="18" charset="0"/>
-              </a:rPr>
-              <a:t> </a:t>
-            </a:r>
-            <a:endParaRPr lang="fr-FR" sz="1800" dirty="0">
-              <a:effectLst/>
-              <a:latin typeface="Calibri" panose="020F0502020204030204" pitchFamily="34" charset="0"/>
-              <a:ea typeface="Calibri" panose="020F0502020204030204" pitchFamily="34" charset="0"/>
-              <a:cs typeface="Times New Roman" panose="02020603050405020304" pitchFamily="18" charset="0"/>
-            </a:endParaRPr>
-          </a:p>
-          <a:p>
-            <a:pPr marL="342900" lvl="0" indent="-342900">
-              <a:lnSpc>
-                <a:spcPct val="107000"/>
-              </a:lnSpc>
-              <a:buFont typeface="+mj-lt"/>
-              <a:buAutoNum type="arabicPeriod"/>
-            </a:pPr>
-            <a:r>
-              <a:rPr lang="fr-FR" sz="1800" dirty="0">
-                <a:effectLst/>
-                <a:latin typeface="Times New Roman" panose="02020603050405020304" pitchFamily="18" charset="0"/>
-                <a:ea typeface="Calibri" panose="020F0502020204030204" pitchFamily="34" charset="0"/>
-                <a:cs typeface="Times New Roman" panose="02020603050405020304" pitchFamily="18" charset="0"/>
-              </a:rPr>
-              <a:t>Page pdb de la hyperthermophile </a:t>
-            </a:r>
-            <a:r>
-              <a:rPr lang="fr-FR" sz="1800" dirty="0" err="1">
-                <a:effectLst/>
-                <a:latin typeface="Times New Roman" panose="02020603050405020304" pitchFamily="18" charset="0"/>
-                <a:ea typeface="Calibri" panose="020F0502020204030204" pitchFamily="34" charset="0"/>
-                <a:cs typeface="Times New Roman" panose="02020603050405020304" pitchFamily="18" charset="0"/>
-              </a:rPr>
-              <a:t>chromosomal</a:t>
-            </a:r>
-            <a:r>
-              <a:rPr lang="fr-FR" sz="1800" dirty="0">
-                <a:effectLst/>
-                <a:latin typeface="Times New Roman" panose="02020603050405020304" pitchFamily="18" charset="0"/>
-                <a:ea typeface="Calibri" panose="020F0502020204030204" pitchFamily="34" charset="0"/>
-                <a:cs typeface="Times New Roman" panose="02020603050405020304" pitchFamily="18" charset="0"/>
-              </a:rPr>
-              <a:t> </a:t>
-            </a:r>
-            <a:r>
-              <a:rPr lang="fr-FR" sz="1800" dirty="0" err="1">
-                <a:effectLst/>
-                <a:latin typeface="Times New Roman" panose="02020603050405020304" pitchFamily="18" charset="0"/>
-                <a:ea typeface="Calibri" panose="020F0502020204030204" pitchFamily="34" charset="0"/>
-                <a:cs typeface="Times New Roman" panose="02020603050405020304" pitchFamily="18" charset="0"/>
-              </a:rPr>
-              <a:t>protein</a:t>
-            </a:r>
-            <a:r>
-              <a:rPr lang="fr-FR" sz="1800" dirty="0">
-                <a:effectLst/>
-                <a:latin typeface="Times New Roman" panose="02020603050405020304" pitchFamily="18" charset="0"/>
-                <a:ea typeface="Calibri" panose="020F0502020204030204" pitchFamily="34" charset="0"/>
-                <a:cs typeface="Times New Roman" panose="02020603050405020304" pitchFamily="18" charset="0"/>
-              </a:rPr>
-              <a:t> sac7d </a:t>
-            </a:r>
-            <a:r>
-              <a:rPr lang="fr-FR" sz="1800" dirty="0" err="1">
-                <a:effectLst/>
-                <a:latin typeface="Times New Roman" panose="02020603050405020304" pitchFamily="18" charset="0"/>
-                <a:ea typeface="Calibri" panose="020F0502020204030204" pitchFamily="34" charset="0"/>
-                <a:cs typeface="Times New Roman" panose="02020603050405020304" pitchFamily="18" charset="0"/>
-              </a:rPr>
-              <a:t>bound</a:t>
-            </a:r>
-            <a:r>
-              <a:rPr lang="fr-FR" sz="1800" dirty="0">
-                <a:effectLst/>
-                <a:latin typeface="Times New Roman" panose="02020603050405020304" pitchFamily="18" charset="0"/>
-                <a:ea typeface="Calibri" panose="020F0502020204030204" pitchFamily="34" charset="0"/>
-                <a:cs typeface="Times New Roman" panose="02020603050405020304" pitchFamily="18" charset="0"/>
-              </a:rPr>
-              <a:t> </a:t>
-            </a:r>
-            <a:r>
-              <a:rPr lang="fr-FR" sz="1800" dirty="0" err="1">
-                <a:effectLst/>
-                <a:latin typeface="Times New Roman" panose="02020603050405020304" pitchFamily="18" charset="0"/>
-                <a:ea typeface="Calibri" panose="020F0502020204030204" pitchFamily="34" charset="0"/>
-                <a:cs typeface="Times New Roman" panose="02020603050405020304" pitchFamily="18" charset="0"/>
-              </a:rPr>
-              <a:t>with</a:t>
-            </a:r>
-            <a:r>
-              <a:rPr lang="fr-FR" sz="1800" dirty="0">
-                <a:effectLst/>
-                <a:latin typeface="Times New Roman" panose="02020603050405020304" pitchFamily="18" charset="0"/>
-                <a:ea typeface="Calibri" panose="020F0502020204030204" pitchFamily="34" charset="0"/>
-                <a:cs typeface="Times New Roman" panose="02020603050405020304" pitchFamily="18" charset="0"/>
-              </a:rPr>
-              <a:t> </a:t>
-            </a:r>
-            <a:r>
-              <a:rPr lang="fr-FR" sz="1800" dirty="0" err="1">
-                <a:effectLst/>
-                <a:latin typeface="Times New Roman" panose="02020603050405020304" pitchFamily="18" charset="0"/>
-                <a:ea typeface="Calibri" panose="020F0502020204030204" pitchFamily="34" charset="0"/>
-                <a:cs typeface="Times New Roman" panose="02020603050405020304" pitchFamily="18" charset="0"/>
-              </a:rPr>
-              <a:t>kinked</a:t>
-            </a:r>
-            <a:r>
-              <a:rPr lang="fr-FR" sz="1800" dirty="0">
-                <a:effectLst/>
-                <a:latin typeface="Times New Roman" panose="02020603050405020304" pitchFamily="18" charset="0"/>
-                <a:ea typeface="Calibri" panose="020F0502020204030204" pitchFamily="34" charset="0"/>
-                <a:cs typeface="Times New Roman" panose="02020603050405020304" pitchFamily="18" charset="0"/>
-              </a:rPr>
-              <a:t> </a:t>
-            </a:r>
-            <a:r>
-              <a:rPr lang="fr-FR" sz="1800" dirty="0" err="1">
-                <a:effectLst/>
-                <a:latin typeface="Times New Roman" panose="02020603050405020304" pitchFamily="18" charset="0"/>
-                <a:ea typeface="Calibri" panose="020F0502020204030204" pitchFamily="34" charset="0"/>
-                <a:cs typeface="Times New Roman" panose="02020603050405020304" pitchFamily="18" charset="0"/>
-              </a:rPr>
-              <a:t>dna</a:t>
-            </a:r>
-            <a:r>
-              <a:rPr lang="fr-FR" sz="1800" dirty="0">
-                <a:effectLst/>
-                <a:latin typeface="Times New Roman" panose="02020603050405020304" pitchFamily="18" charset="0"/>
-                <a:ea typeface="Calibri" panose="020F0502020204030204" pitchFamily="34" charset="0"/>
-                <a:cs typeface="Times New Roman" panose="02020603050405020304" pitchFamily="18" charset="0"/>
-              </a:rPr>
-              <a:t> duplex : </a:t>
-            </a:r>
-            <a:r>
-              <a:rPr lang="fr-FR" sz="1800" u="sng" dirty="0">
-                <a:solidFill>
-                  <a:srgbClr val="0000FF"/>
-                </a:solidFill>
-                <a:effectLst/>
-                <a:latin typeface="Times New Roman" panose="02020603050405020304" pitchFamily="18" charset="0"/>
-                <a:ea typeface="Calibri" panose="020F0502020204030204" pitchFamily="34" charset="0"/>
-                <a:cs typeface="Times New Roman" panose="02020603050405020304" pitchFamily="18" charset="0"/>
-                <a:hlinkClick r:id="rId4"/>
-              </a:rPr>
-              <a:t>https://www.rcsb.org/structure/1azp</a:t>
-            </a:r>
-            <a:r>
-              <a:rPr lang="fr-FR" sz="1800" dirty="0">
-                <a:effectLst/>
-                <a:latin typeface="Times New Roman" panose="02020603050405020304" pitchFamily="18" charset="0"/>
-                <a:ea typeface="Calibri" panose="020F0502020204030204" pitchFamily="34" charset="0"/>
-                <a:cs typeface="Times New Roman" panose="02020603050405020304" pitchFamily="18" charset="0"/>
-              </a:rPr>
-              <a:t> </a:t>
-            </a:r>
-            <a:endParaRPr lang="fr-FR" sz="1800" dirty="0">
-              <a:effectLst/>
-              <a:latin typeface="Calibri" panose="020F0502020204030204" pitchFamily="34" charset="0"/>
-              <a:ea typeface="Calibri" panose="020F0502020204030204" pitchFamily="34" charset="0"/>
-              <a:cs typeface="Times New Roman" panose="02020603050405020304" pitchFamily="18" charset="0"/>
-            </a:endParaRPr>
-          </a:p>
-          <a:p>
-            <a:pPr marL="342900" lvl="0" indent="-342900">
-              <a:lnSpc>
-                <a:spcPct val="107000"/>
-              </a:lnSpc>
-              <a:spcAft>
-                <a:spcPts val="800"/>
-              </a:spcAft>
-              <a:buFont typeface="+mj-lt"/>
-              <a:buAutoNum type="arabicPeriod"/>
-            </a:pPr>
-            <a:r>
-              <a:rPr lang="fr-FR" sz="1800" dirty="0">
-                <a:effectLst/>
-                <a:latin typeface="Times New Roman" panose="02020603050405020304" pitchFamily="18" charset="0"/>
-                <a:ea typeface="Calibri" panose="020F0502020204030204" pitchFamily="34" charset="0"/>
-                <a:cs typeface="Times New Roman" panose="02020603050405020304" pitchFamily="18" charset="0"/>
-              </a:rPr>
-              <a:t>Page pdb de 2AK3 : </a:t>
-            </a:r>
-            <a:r>
-              <a:rPr lang="fr-FR" sz="1800" u="sng" dirty="0">
-                <a:solidFill>
-                  <a:srgbClr val="0000FF"/>
-                </a:solidFill>
-                <a:effectLst/>
-                <a:latin typeface="Times New Roman" panose="02020603050405020304" pitchFamily="18" charset="0"/>
-                <a:ea typeface="Calibri" panose="020F0502020204030204" pitchFamily="34" charset="0"/>
-                <a:cs typeface="Times New Roman" panose="02020603050405020304" pitchFamily="18" charset="0"/>
-                <a:hlinkClick r:id="rId5"/>
-              </a:rPr>
-              <a:t>https://www.rcsb.org/structure/2ak3</a:t>
-            </a:r>
-            <a:r>
-              <a:rPr lang="fr-FR" sz="1800" dirty="0">
-                <a:effectLst/>
-                <a:latin typeface="Times New Roman" panose="02020603050405020304" pitchFamily="18" charset="0"/>
-                <a:ea typeface="Calibri" panose="020F0502020204030204" pitchFamily="34" charset="0"/>
-                <a:cs typeface="Times New Roman" panose="02020603050405020304" pitchFamily="18" charset="0"/>
-              </a:rPr>
-              <a:t> </a:t>
-            </a:r>
-            <a:endParaRPr lang="fr-FR" sz="1800" dirty="0">
-              <a:effectLst/>
-              <a:latin typeface="Calibri" panose="020F0502020204030204" pitchFamily="34" charset="0"/>
-              <a:ea typeface="Calibri" panose="020F0502020204030204" pitchFamily="34" charset="0"/>
-              <a:cs typeface="Times New Roman" panose="02020603050405020304" pitchFamily="18" charset="0"/>
-            </a:endParaRPr>
+              <a:rPr lang="en-US" dirty="0" err="1"/>
+              <a:t>Maha</a:t>
+            </a:r>
+            <a:endParaRPr lang="en-US" dirty="0"/>
           </a:p>
         </p:txBody>
       </p:sp>
@@ -12248,7 +10521,7 @@
           <p:nvPr/>
         </p:nvPicPr>
         <p:blipFill>
-          <a:blip r:embed="rId6">
+          <a:blip r:embed="rId2">
             <a:extLst>
               <a:ext uri="{28A0092B-C50C-407E-A947-70E740481C1C}">
                 <a14:useLocalDpi xmlns:a14="http://schemas.microsoft.com/office/drawing/2010/main" val="0"/>
@@ -12323,96 +10596,317 @@
       </p:cxnSp>
       <p:sp>
         <p:nvSpPr>
-          <p:cNvPr id="7" name="Espace réservé de la date 3">
-            <a:extLst>
-              <a:ext uri="{FF2B5EF4-FFF2-40B4-BE49-F238E27FC236}">
-                <a16:creationId xmlns:a16="http://schemas.microsoft.com/office/drawing/2014/main" id="{76BB1596-A3EC-F339-4D57-5E00BE5468DC}"/>
-              </a:ext>
-            </a:extLst>
-          </p:cNvPr>
-          <p:cNvSpPr>
-            <a:spLocks noGrp="1"/>
-          </p:cNvSpPr>
-          <p:nvPr>
-            <p:ph type="dt" sz="half" idx="10"/>
-          </p:nvPr>
-        </p:nvSpPr>
-        <p:spPr>
-          <a:xfrm>
-            <a:off x="838200" y="6489520"/>
-            <a:ext cx="2743200" cy="365125"/>
-          </a:xfrm>
-        </p:spPr>
-        <p:txBody>
-          <a:bodyPr/>
-          <a:lstStyle/>
-          <a:p>
-            <a:r>
-              <a:rPr lang="fr-FR" dirty="0"/>
-              <a:t>12/10/2022</a:t>
-            </a:r>
-          </a:p>
-        </p:txBody>
-      </p:sp>
-      <p:sp>
-        <p:nvSpPr>
-          <p:cNvPr id="9" name="Espace réservé du pied de page 4">
-            <a:extLst>
-              <a:ext uri="{FF2B5EF4-FFF2-40B4-BE49-F238E27FC236}">
-                <a16:creationId xmlns:a16="http://schemas.microsoft.com/office/drawing/2014/main" id="{CE5FBD6C-6FE4-1FFE-40FE-CDECCB34C023}"/>
-              </a:ext>
-            </a:extLst>
-          </p:cNvPr>
-          <p:cNvSpPr>
-            <a:spLocks noGrp="1"/>
-          </p:cNvSpPr>
-          <p:nvPr>
-            <p:ph type="ftr" sz="quarter" idx="11"/>
-          </p:nvPr>
-        </p:nvSpPr>
-        <p:spPr>
-          <a:xfrm>
-            <a:off x="3810000" y="6492876"/>
-            <a:ext cx="4800600" cy="365124"/>
-          </a:xfrm>
-        </p:spPr>
-        <p:txBody>
-          <a:bodyPr/>
-          <a:lstStyle/>
-          <a:p>
-            <a:pPr algn="l"/>
-            <a:r>
-              <a:rPr lang="en-US" dirty="0"/>
-              <a:t>Delhomme Jean, </a:t>
-            </a:r>
-            <a:r>
-              <a:rPr lang="en-US" dirty="0" err="1"/>
-              <a:t>Lecourieux</a:t>
-            </a:r>
-            <a:r>
-              <a:rPr lang="en-US" dirty="0"/>
-              <a:t> Adriana, Rousseau Baptiste, </a:t>
-            </a:r>
-            <a:r>
-              <a:rPr lang="en-US" dirty="0" err="1"/>
-              <a:t>Graa</a:t>
-            </a:r>
-            <a:r>
-              <a:rPr lang="en-US" dirty="0"/>
-              <a:t> </a:t>
-            </a:r>
-            <a:r>
-              <a:rPr lang="en-US" dirty="0" err="1"/>
-              <a:t>Maha</a:t>
-            </a:r>
-            <a:endParaRPr lang="en-US" dirty="0"/>
+          <p:cNvPr id="25" name="Espace réservé du contenu 2">
+            <a:extLst>
+              <a:ext uri="{FF2B5EF4-FFF2-40B4-BE49-F238E27FC236}">
+                <a16:creationId xmlns:a16="http://schemas.microsoft.com/office/drawing/2014/main" id="{57CB1EB0-7288-3F4E-B1CC-99784B654109}"/>
+              </a:ext>
+            </a:extLst>
+          </p:cNvPr>
+          <p:cNvSpPr txBox="1">
+            <a:spLocks/>
+          </p:cNvSpPr>
+          <p:nvPr/>
+        </p:nvSpPr>
+        <p:spPr>
+          <a:xfrm>
+            <a:off x="231320" y="1006054"/>
+            <a:ext cx="11824556" cy="5300591"/>
+          </a:xfrm>
+          <a:prstGeom prst="rect">
+            <a:avLst/>
+          </a:prstGeom>
+        </p:spPr>
+        <p:txBody>
+          <a:bodyPr vert="horz" lIns="91440" tIns="45720" rIns="91440" bIns="45720" rtlCol="0">
+            <a:normAutofit/>
+          </a:bodyPr>
+          <a:lstStyle>
+            <a:lvl1pPr marL="228600" indent="-228600" algn="l" defTabSz="914400" rtl="0" eaLnBrk="1" latinLnBrk="0" hangingPunct="1">
+              <a:lnSpc>
+                <a:spcPct val="90000"/>
+              </a:lnSpc>
+              <a:spcBef>
+                <a:spcPts val="1000"/>
+              </a:spcBef>
+              <a:buFont typeface="Arial" panose="020B0604020202020204" pitchFamily="34" charset="0"/>
+              <a:buChar char="•"/>
+              <a:defRPr sz="2800" kern="1200">
+                <a:solidFill>
+                  <a:schemeClr val="tx1"/>
+                </a:solidFill>
+                <a:latin typeface="+mn-lt"/>
+                <a:ea typeface="+mn-ea"/>
+                <a:cs typeface="+mn-cs"/>
+              </a:defRPr>
+            </a:lvl1pPr>
+            <a:lvl2pPr marL="685800" indent="-228600" algn="l" defTabSz="914400" rtl="0" eaLnBrk="1" latinLnBrk="0" hangingPunct="1">
+              <a:lnSpc>
+                <a:spcPct val="90000"/>
+              </a:lnSpc>
+              <a:spcBef>
+                <a:spcPts val="500"/>
+              </a:spcBef>
+              <a:buFont typeface="Arial" panose="020B0604020202020204" pitchFamily="34" charset="0"/>
+              <a:buChar char="•"/>
+              <a:defRPr sz="2400" kern="1200">
+                <a:solidFill>
+                  <a:schemeClr val="tx1"/>
+                </a:solidFill>
+                <a:latin typeface="+mn-lt"/>
+                <a:ea typeface="+mn-ea"/>
+                <a:cs typeface="+mn-cs"/>
+              </a:defRPr>
+            </a:lvl2pPr>
+            <a:lvl3pPr marL="1143000" indent="-228600" algn="l" defTabSz="914400" rtl="0" eaLnBrk="1" latinLnBrk="0" hangingPunct="1">
+              <a:lnSpc>
+                <a:spcPct val="90000"/>
+              </a:lnSpc>
+              <a:spcBef>
+                <a:spcPts val="500"/>
+              </a:spcBef>
+              <a:buFont typeface="Arial" panose="020B0604020202020204" pitchFamily="34" charset="0"/>
+              <a:buChar char="•"/>
+              <a:defRPr sz="2000" kern="1200">
+                <a:solidFill>
+                  <a:schemeClr val="tx1"/>
+                </a:solidFill>
+                <a:latin typeface="+mn-lt"/>
+                <a:ea typeface="+mn-ea"/>
+                <a:cs typeface="+mn-cs"/>
+              </a:defRPr>
+            </a:lvl3pPr>
+            <a:lvl4pPr marL="1600200" indent="-228600" algn="l" defTabSz="914400" rtl="0" eaLnBrk="1" latinLnBrk="0" hangingPunct="1">
+              <a:lnSpc>
+                <a:spcPct val="90000"/>
+              </a:lnSpc>
+              <a:spcBef>
+                <a:spcPts val="500"/>
+              </a:spcBef>
+              <a:buFont typeface="Arial" panose="020B0604020202020204" pitchFamily="34" charset="0"/>
+              <a:buChar char="•"/>
+              <a:defRPr sz="1800" kern="1200">
+                <a:solidFill>
+                  <a:schemeClr val="tx1"/>
+                </a:solidFill>
+                <a:latin typeface="+mn-lt"/>
+                <a:ea typeface="+mn-ea"/>
+                <a:cs typeface="+mn-cs"/>
+              </a:defRPr>
+            </a:lvl4pPr>
+            <a:lvl5pPr marL="2057400" indent="-228600" algn="l" defTabSz="914400" rtl="0" eaLnBrk="1" latinLnBrk="0" hangingPunct="1">
+              <a:lnSpc>
+                <a:spcPct val="90000"/>
+              </a:lnSpc>
+              <a:spcBef>
+                <a:spcPts val="500"/>
+              </a:spcBef>
+              <a:buFont typeface="Arial" panose="020B0604020202020204" pitchFamily="34" charset="0"/>
+              <a:buChar char="•"/>
+              <a:defRPr sz="1800" kern="1200">
+                <a:solidFill>
+                  <a:schemeClr val="tx1"/>
+                </a:solidFill>
+                <a:latin typeface="+mn-lt"/>
+                <a:ea typeface="+mn-ea"/>
+                <a:cs typeface="+mn-cs"/>
+              </a:defRPr>
+            </a:lvl5pPr>
+            <a:lvl6pPr marL="2514600" indent="-228600" algn="l" defTabSz="914400" rtl="0" eaLnBrk="1" latinLnBrk="0" hangingPunct="1">
+              <a:lnSpc>
+                <a:spcPct val="90000"/>
+              </a:lnSpc>
+              <a:spcBef>
+                <a:spcPts val="500"/>
+              </a:spcBef>
+              <a:buFont typeface="Arial" panose="020B0604020202020204" pitchFamily="34" charset="0"/>
+              <a:buChar char="•"/>
+              <a:defRPr sz="1800" kern="1200">
+                <a:solidFill>
+                  <a:schemeClr val="tx1"/>
+                </a:solidFill>
+                <a:latin typeface="+mn-lt"/>
+                <a:ea typeface="+mn-ea"/>
+                <a:cs typeface="+mn-cs"/>
+              </a:defRPr>
+            </a:lvl6pPr>
+            <a:lvl7pPr marL="2971800" indent="-228600" algn="l" defTabSz="914400" rtl="0" eaLnBrk="1" latinLnBrk="0" hangingPunct="1">
+              <a:lnSpc>
+                <a:spcPct val="90000"/>
+              </a:lnSpc>
+              <a:spcBef>
+                <a:spcPts val="500"/>
+              </a:spcBef>
+              <a:buFont typeface="Arial" panose="020B0604020202020204" pitchFamily="34" charset="0"/>
+              <a:buChar char="•"/>
+              <a:defRPr sz="1800" kern="1200">
+                <a:solidFill>
+                  <a:schemeClr val="tx1"/>
+                </a:solidFill>
+                <a:latin typeface="+mn-lt"/>
+                <a:ea typeface="+mn-ea"/>
+                <a:cs typeface="+mn-cs"/>
+              </a:defRPr>
+            </a:lvl7pPr>
+            <a:lvl8pPr marL="3429000" indent="-228600" algn="l" defTabSz="914400" rtl="0" eaLnBrk="1" latinLnBrk="0" hangingPunct="1">
+              <a:lnSpc>
+                <a:spcPct val="90000"/>
+              </a:lnSpc>
+              <a:spcBef>
+                <a:spcPts val="500"/>
+              </a:spcBef>
+              <a:buFont typeface="Arial" panose="020B0604020202020204" pitchFamily="34" charset="0"/>
+              <a:buChar char="•"/>
+              <a:defRPr sz="1800" kern="1200">
+                <a:solidFill>
+                  <a:schemeClr val="tx1"/>
+                </a:solidFill>
+                <a:latin typeface="+mn-lt"/>
+                <a:ea typeface="+mn-ea"/>
+                <a:cs typeface="+mn-cs"/>
+              </a:defRPr>
+            </a:lvl8pPr>
+            <a:lvl9pPr marL="3886200" indent="-228600" algn="l" defTabSz="914400" rtl="0" eaLnBrk="1" latinLnBrk="0" hangingPunct="1">
+              <a:lnSpc>
+                <a:spcPct val="90000"/>
+              </a:lnSpc>
+              <a:spcBef>
+                <a:spcPts val="500"/>
+              </a:spcBef>
+              <a:buFont typeface="Arial" panose="020B0604020202020204" pitchFamily="34" charset="0"/>
+              <a:buChar char="•"/>
+              <a:defRPr sz="1800" kern="1200">
+                <a:solidFill>
+                  <a:schemeClr val="tx1"/>
+                </a:solidFill>
+                <a:latin typeface="+mn-lt"/>
+                <a:ea typeface="+mn-ea"/>
+                <a:cs typeface="+mn-cs"/>
+              </a:defRPr>
+            </a:lvl9pPr>
+          </a:lstStyle>
+          <a:p>
+            <a:pPr marL="0" indent="0">
+              <a:buNone/>
+            </a:pPr>
+            <a:r>
+              <a:rPr lang="fr-FR" dirty="0">
+                <a:latin typeface="Arial" panose="020B0604020202020204" pitchFamily="34" charset="0"/>
+                <a:cs typeface="Arial" panose="020B0604020202020204" pitchFamily="34" charset="0"/>
+              </a:rPr>
+              <a:t>- A l’aide de l’objet R contenant des informations PPI issues de </a:t>
+            </a:r>
+            <a:r>
+              <a:rPr lang="fr-FR" dirty="0" err="1">
+                <a:latin typeface="Arial" panose="020B0604020202020204" pitchFamily="34" charset="0"/>
+                <a:cs typeface="Arial" panose="020B0604020202020204" pitchFamily="34" charset="0"/>
+              </a:rPr>
+              <a:t>BioGRID</a:t>
+            </a:r>
+            <a:r>
+              <a:rPr lang="fr-FR" dirty="0">
+                <a:latin typeface="Arial" panose="020B0604020202020204" pitchFamily="34" charset="0"/>
+                <a:cs typeface="Arial" panose="020B0604020202020204" pitchFamily="34" charset="0"/>
+              </a:rPr>
+              <a:t> créer un réseau PPI avec</a:t>
+            </a:r>
+          </a:p>
+          <a:p>
+            <a:pPr marL="0" indent="0">
+              <a:buNone/>
+            </a:pPr>
+            <a:r>
+              <a:rPr lang="fr-FR" dirty="0">
+                <a:latin typeface="Arial" panose="020B0604020202020204" pitchFamily="34" charset="0"/>
+                <a:cs typeface="Arial" panose="020B0604020202020204" pitchFamily="34" charset="0"/>
+              </a:rPr>
+              <a:t>seulement les protéines issues de votre </a:t>
+            </a:r>
+            <a:r>
+              <a:rPr lang="fr-FR" dirty="0" err="1">
+                <a:latin typeface="Arial" panose="020B0604020202020204" pitchFamily="34" charset="0"/>
+                <a:cs typeface="Arial" panose="020B0604020202020204" pitchFamily="34" charset="0"/>
+              </a:rPr>
+              <a:t>dataset</a:t>
+            </a:r>
+            <a:r>
+              <a:rPr lang="fr-FR" dirty="0">
+                <a:latin typeface="Arial" panose="020B0604020202020204" pitchFamily="34" charset="0"/>
+                <a:cs typeface="Arial" panose="020B0604020202020204" pitchFamily="34" charset="0"/>
+              </a:rPr>
+              <a:t>.</a:t>
+            </a:r>
+          </a:p>
+          <a:p>
+            <a:pPr marL="0" indent="0">
+              <a:buNone/>
+            </a:pPr>
+            <a:r>
+              <a:rPr lang="fr-FR" dirty="0">
+                <a:latin typeface="Arial" panose="020B0604020202020204" pitchFamily="34" charset="0"/>
+                <a:cs typeface="Arial" panose="020B0604020202020204" pitchFamily="34" charset="0"/>
+              </a:rPr>
+              <a:t>- Combien y a-t-il de </a:t>
+            </a:r>
+            <a:r>
+              <a:rPr lang="fr-FR" dirty="0" err="1">
+                <a:latin typeface="Arial" panose="020B0604020202020204" pitchFamily="34" charset="0"/>
+                <a:cs typeface="Arial" panose="020B0604020202020204" pitchFamily="34" charset="0"/>
+              </a:rPr>
+              <a:t>noeuds</a:t>
+            </a:r>
+            <a:r>
+              <a:rPr lang="fr-FR" dirty="0">
+                <a:latin typeface="Arial" panose="020B0604020202020204" pitchFamily="34" charset="0"/>
+                <a:cs typeface="Arial" panose="020B0604020202020204" pitchFamily="34" charset="0"/>
+              </a:rPr>
+              <a:t>, arête, </a:t>
+            </a:r>
+            <a:r>
+              <a:rPr lang="fr-FR" dirty="0" err="1">
+                <a:latin typeface="Arial" panose="020B0604020202020204" pitchFamily="34" charset="0"/>
+                <a:cs typeface="Arial" panose="020B0604020202020204" pitchFamily="34" charset="0"/>
+              </a:rPr>
+              <a:t>noeuds</a:t>
+            </a:r>
+            <a:r>
+              <a:rPr lang="fr-FR" dirty="0">
+                <a:latin typeface="Arial" panose="020B0604020202020204" pitchFamily="34" charset="0"/>
+                <a:cs typeface="Arial" panose="020B0604020202020204" pitchFamily="34" charset="0"/>
+              </a:rPr>
+              <a:t> déconnectés</a:t>
+            </a:r>
+          </a:p>
+          <a:p>
+            <a:pPr marL="0" indent="0">
+              <a:buNone/>
+            </a:pPr>
+            <a:r>
+              <a:rPr lang="fr-FR" dirty="0">
+                <a:latin typeface="Arial" panose="020B0604020202020204" pitchFamily="34" charset="0"/>
+                <a:cs typeface="Arial" panose="020B0604020202020204" pitchFamily="34" charset="0"/>
+              </a:rPr>
+              <a:t>- Affichez distribution des degrés</a:t>
+            </a:r>
+          </a:p>
+          <a:p>
+            <a:pPr marL="0" indent="0">
+              <a:buNone/>
+            </a:pPr>
+            <a:r>
+              <a:rPr lang="fr-FR" dirty="0">
+                <a:latin typeface="Arial" panose="020B0604020202020204" pitchFamily="34" charset="0"/>
+                <a:cs typeface="Arial" panose="020B0604020202020204" pitchFamily="34" charset="0"/>
+              </a:rPr>
+              <a:t>- Quelle protéine est la plus connectée ?</a:t>
+            </a:r>
           </a:p>
         </p:txBody>
       </p:sp>
     </p:spTree>
     <p:extLst>
       <p:ext uri="{BB962C8B-B14F-4D97-AF65-F5344CB8AC3E}">
-        <p14:creationId xmlns:p14="http://schemas.microsoft.com/office/powerpoint/2010/main" val="3627111302"/>
+        <p14:creationId xmlns:p14="http://schemas.microsoft.com/office/powerpoint/2010/main" val="1604260450"/>
       </p:ext>
     </p:extLst>
   </p:cSld>
@@ -12472,6 +10966,2603 @@
                 <a:latin typeface="Arial" panose="020B0604020202020204" pitchFamily="34" charset="0"/>
                 <a:cs typeface="Arial" panose="020B0604020202020204" pitchFamily="34" charset="0"/>
               </a:rPr>
+              <a:t>3.3.	Mise en réseau – Connection gène-</a:t>
+            </a:r>
+            <a:r>
+              <a:rPr lang="fr-FR" sz="3200" b="1" dirty="0" err="1">
+                <a:latin typeface="Arial" panose="020B0604020202020204" pitchFamily="34" charset="0"/>
+                <a:cs typeface="Arial" panose="020B0604020202020204" pitchFamily="34" charset="0"/>
+              </a:rPr>
+              <a:t>prot</a:t>
+            </a:r>
+            <a:endParaRPr lang="fr-FR" sz="3200" b="1" baseline="30000" dirty="0">
+              <a:latin typeface="Arial" panose="020B0604020202020204" pitchFamily="34" charset="0"/>
+              <a:cs typeface="Arial" panose="020B0604020202020204" pitchFamily="34" charset="0"/>
+            </a:endParaRPr>
+          </a:p>
+        </p:txBody>
+      </p:sp>
+      <p:sp>
+        <p:nvSpPr>
+          <p:cNvPr id="4" name="Espace réservé de la date 3">
+            <a:extLst>
+              <a:ext uri="{FF2B5EF4-FFF2-40B4-BE49-F238E27FC236}">
+                <a16:creationId xmlns:a16="http://schemas.microsoft.com/office/drawing/2014/main" id="{F181D9E9-DC4C-4780-75B9-9F6317E5BD1A}"/>
+              </a:ext>
+            </a:extLst>
+          </p:cNvPr>
+          <p:cNvSpPr>
+            <a:spLocks noGrp="1"/>
+          </p:cNvSpPr>
+          <p:nvPr>
+            <p:ph type="dt" sz="half" idx="10"/>
+          </p:nvPr>
+        </p:nvSpPr>
+        <p:spPr>
+          <a:xfrm>
+            <a:off x="838200" y="6489520"/>
+            <a:ext cx="2743200" cy="365125"/>
+          </a:xfrm>
+        </p:spPr>
+        <p:txBody>
+          <a:bodyPr/>
+          <a:lstStyle/>
+          <a:p>
+            <a:r>
+              <a:rPr lang="fr-FR" dirty="0"/>
+              <a:t>12/10/2022</a:t>
+            </a:r>
+          </a:p>
+        </p:txBody>
+      </p:sp>
+      <p:sp>
+        <p:nvSpPr>
+          <p:cNvPr id="5" name="Espace réservé du pied de page 4">
+            <a:extLst>
+              <a:ext uri="{FF2B5EF4-FFF2-40B4-BE49-F238E27FC236}">
+                <a16:creationId xmlns:a16="http://schemas.microsoft.com/office/drawing/2014/main" id="{E75C31F4-0182-ED79-928B-0DE07ADECB80}"/>
+              </a:ext>
+            </a:extLst>
+          </p:cNvPr>
+          <p:cNvSpPr>
+            <a:spLocks noGrp="1"/>
+          </p:cNvSpPr>
+          <p:nvPr>
+            <p:ph type="ftr" sz="quarter" idx="11"/>
+          </p:nvPr>
+        </p:nvSpPr>
+        <p:spPr>
+          <a:xfrm>
+            <a:off x="3810000" y="6492876"/>
+            <a:ext cx="4800600" cy="365124"/>
+          </a:xfrm>
+        </p:spPr>
+        <p:txBody>
+          <a:bodyPr/>
+          <a:lstStyle/>
+          <a:p>
+            <a:pPr algn="l"/>
+            <a:r>
+              <a:rPr lang="en-US" dirty="0"/>
+              <a:t>Delhomme Jean, </a:t>
+            </a:r>
+            <a:r>
+              <a:rPr lang="en-US" dirty="0" err="1"/>
+              <a:t>Lecourieux</a:t>
+            </a:r>
+            <a:r>
+              <a:rPr lang="en-US" dirty="0"/>
+              <a:t> Adriana, Rousseau Baptiste, </a:t>
+            </a:r>
+            <a:r>
+              <a:rPr lang="en-US" dirty="0" err="1"/>
+              <a:t>Graa</a:t>
+            </a:r>
+            <a:r>
+              <a:rPr lang="en-US" dirty="0"/>
+              <a:t> </a:t>
+            </a:r>
+            <a:r>
+              <a:rPr lang="en-US" dirty="0" err="1"/>
+              <a:t>Maha</a:t>
+            </a:r>
+            <a:endParaRPr lang="en-US" dirty="0"/>
+          </a:p>
+        </p:txBody>
+      </p:sp>
+      <p:sp>
+        <p:nvSpPr>
+          <p:cNvPr id="6" name="Espace réservé du numéro de diapositive 5">
+            <a:extLst>
+              <a:ext uri="{FF2B5EF4-FFF2-40B4-BE49-F238E27FC236}">
+                <a16:creationId xmlns:a16="http://schemas.microsoft.com/office/drawing/2014/main" id="{EDD49CB1-F959-4004-3097-04AE4D0121BD}"/>
+              </a:ext>
+            </a:extLst>
+          </p:cNvPr>
+          <p:cNvSpPr>
+            <a:spLocks noGrp="1"/>
+          </p:cNvSpPr>
+          <p:nvPr>
+            <p:ph type="sldNum" sz="quarter" idx="12"/>
+          </p:nvPr>
+        </p:nvSpPr>
+        <p:spPr>
+          <a:xfrm>
+            <a:off x="8610600" y="6489520"/>
+            <a:ext cx="2743200" cy="365125"/>
+          </a:xfrm>
+        </p:spPr>
+        <p:txBody>
+          <a:bodyPr/>
+          <a:lstStyle/>
+          <a:p>
+            <a:fld id="{DB0B8EAA-8CF6-49F4-8FA8-2BD42B7C9F8B}" type="slidenum">
+              <a:rPr lang="fr-FR" smtClean="0"/>
+              <a:t>23</a:t>
+            </a:fld>
+            <a:endParaRPr lang="fr-FR"/>
+          </a:p>
+        </p:txBody>
+      </p:sp>
+      <p:pic>
+        <p:nvPicPr>
+          <p:cNvPr id="1026" name="Picture 2" descr="Appellation, logo et charte graphique : tout ce qu'il faut savoir | Université  Paris Cité">
+            <a:extLst>
+              <a:ext uri="{FF2B5EF4-FFF2-40B4-BE49-F238E27FC236}">
+                <a16:creationId xmlns:a16="http://schemas.microsoft.com/office/drawing/2014/main" id="{42388675-4549-B077-D592-84080955D58F}"/>
+              </a:ext>
+            </a:extLst>
+          </p:cNvPr>
+          <p:cNvPicPr>
+            <a:picLocks noChangeAspect="1" noChangeArrowheads="1"/>
+          </p:cNvPicPr>
+          <p:nvPr/>
+        </p:nvPicPr>
+        <p:blipFill>
+          <a:blip r:embed="rId2">
+            <a:extLst>
+              <a:ext uri="{28A0092B-C50C-407E-A947-70E740481C1C}">
+                <a14:useLocalDpi xmlns:a14="http://schemas.microsoft.com/office/drawing/2010/main" val="0"/>
+              </a:ext>
+            </a:extLst>
+          </a:blip>
+          <a:srcRect/>
+          <a:stretch>
+            <a:fillRect/>
+          </a:stretch>
+        </p:blipFill>
+        <p:spPr bwMode="auto">
+          <a:xfrm>
+            <a:off x="11363415" y="121082"/>
+            <a:ext cx="692461" cy="688543"/>
+          </a:xfrm>
+          <a:prstGeom prst="rect">
+            <a:avLst/>
+          </a:prstGeom>
+          <a:noFill/>
+          <a:extLst>
+            <a:ext uri="{909E8E84-426E-40DD-AFC4-6F175D3DCCD1}">
+              <a14:hiddenFill xmlns:a14="http://schemas.microsoft.com/office/drawing/2010/main">
+                <a:solidFill>
+                  <a:srgbClr val="FFFFFF"/>
+                </a:solidFill>
+              </a14:hiddenFill>
+            </a:ext>
+          </a:extLst>
+        </p:spPr>
+      </p:pic>
+      <p:cxnSp>
+        <p:nvCxnSpPr>
+          <p:cNvPr id="8" name="Connecteur droit 7">
+            <a:extLst>
+              <a:ext uri="{FF2B5EF4-FFF2-40B4-BE49-F238E27FC236}">
+                <a16:creationId xmlns:a16="http://schemas.microsoft.com/office/drawing/2014/main" id="{58EF74DE-8092-1233-D850-99E4719D068A}"/>
+              </a:ext>
+            </a:extLst>
+          </p:cNvPr>
+          <p:cNvCxnSpPr/>
+          <p:nvPr/>
+        </p:nvCxnSpPr>
+        <p:spPr>
+          <a:xfrm>
+            <a:off x="145740" y="853585"/>
+            <a:ext cx="11910136" cy="0"/>
+          </a:xfrm>
+          <a:prstGeom prst="line">
+            <a:avLst/>
+          </a:prstGeom>
+          <a:ln w="28575">
+            <a:solidFill>
+              <a:srgbClr val="8B1538"/>
+            </a:solidFill>
+          </a:ln>
+        </p:spPr>
+        <p:style>
+          <a:lnRef idx="1">
+            <a:schemeClr val="accent1"/>
+          </a:lnRef>
+          <a:fillRef idx="0">
+            <a:schemeClr val="accent1"/>
+          </a:fillRef>
+          <a:effectRef idx="0">
+            <a:schemeClr val="accent1"/>
+          </a:effectRef>
+          <a:fontRef idx="minor">
+            <a:schemeClr val="tx1"/>
+          </a:fontRef>
+        </p:style>
+      </p:cxnSp>
+      <p:sp>
+        <p:nvSpPr>
+          <p:cNvPr id="25" name="Espace réservé du contenu 2">
+            <a:extLst>
+              <a:ext uri="{FF2B5EF4-FFF2-40B4-BE49-F238E27FC236}">
+                <a16:creationId xmlns:a16="http://schemas.microsoft.com/office/drawing/2014/main" id="{57CB1EB0-7288-3F4E-B1CC-99784B654109}"/>
+              </a:ext>
+            </a:extLst>
+          </p:cNvPr>
+          <p:cNvSpPr txBox="1">
+            <a:spLocks/>
+          </p:cNvSpPr>
+          <p:nvPr/>
+        </p:nvSpPr>
+        <p:spPr>
+          <a:xfrm>
+            <a:off x="231320" y="1006054"/>
+            <a:ext cx="11824556" cy="5300591"/>
+          </a:xfrm>
+          <a:prstGeom prst="rect">
+            <a:avLst/>
+          </a:prstGeom>
+        </p:spPr>
+        <p:txBody>
+          <a:bodyPr vert="horz" lIns="91440" tIns="45720" rIns="91440" bIns="45720" rtlCol="0">
+            <a:normAutofit/>
+          </a:bodyPr>
+          <a:lstStyle>
+            <a:lvl1pPr marL="228600" indent="-228600" algn="l" defTabSz="914400" rtl="0" eaLnBrk="1" latinLnBrk="0" hangingPunct="1">
+              <a:lnSpc>
+                <a:spcPct val="90000"/>
+              </a:lnSpc>
+              <a:spcBef>
+                <a:spcPts val="1000"/>
+              </a:spcBef>
+              <a:buFont typeface="Arial" panose="020B0604020202020204" pitchFamily="34" charset="0"/>
+              <a:buChar char="•"/>
+              <a:defRPr sz="2800" kern="1200">
+                <a:solidFill>
+                  <a:schemeClr val="tx1"/>
+                </a:solidFill>
+                <a:latin typeface="+mn-lt"/>
+                <a:ea typeface="+mn-ea"/>
+                <a:cs typeface="+mn-cs"/>
+              </a:defRPr>
+            </a:lvl1pPr>
+            <a:lvl2pPr marL="685800" indent="-228600" algn="l" defTabSz="914400" rtl="0" eaLnBrk="1" latinLnBrk="0" hangingPunct="1">
+              <a:lnSpc>
+                <a:spcPct val="90000"/>
+              </a:lnSpc>
+              <a:spcBef>
+                <a:spcPts val="500"/>
+              </a:spcBef>
+              <a:buFont typeface="Arial" panose="020B0604020202020204" pitchFamily="34" charset="0"/>
+              <a:buChar char="•"/>
+              <a:defRPr sz="2400" kern="1200">
+                <a:solidFill>
+                  <a:schemeClr val="tx1"/>
+                </a:solidFill>
+                <a:latin typeface="+mn-lt"/>
+                <a:ea typeface="+mn-ea"/>
+                <a:cs typeface="+mn-cs"/>
+              </a:defRPr>
+            </a:lvl2pPr>
+            <a:lvl3pPr marL="1143000" indent="-228600" algn="l" defTabSz="914400" rtl="0" eaLnBrk="1" latinLnBrk="0" hangingPunct="1">
+              <a:lnSpc>
+                <a:spcPct val="90000"/>
+              </a:lnSpc>
+              <a:spcBef>
+                <a:spcPts val="500"/>
+              </a:spcBef>
+              <a:buFont typeface="Arial" panose="020B0604020202020204" pitchFamily="34" charset="0"/>
+              <a:buChar char="•"/>
+              <a:defRPr sz="2000" kern="1200">
+                <a:solidFill>
+                  <a:schemeClr val="tx1"/>
+                </a:solidFill>
+                <a:latin typeface="+mn-lt"/>
+                <a:ea typeface="+mn-ea"/>
+                <a:cs typeface="+mn-cs"/>
+              </a:defRPr>
+            </a:lvl3pPr>
+            <a:lvl4pPr marL="1600200" indent="-228600" algn="l" defTabSz="914400" rtl="0" eaLnBrk="1" latinLnBrk="0" hangingPunct="1">
+              <a:lnSpc>
+                <a:spcPct val="90000"/>
+              </a:lnSpc>
+              <a:spcBef>
+                <a:spcPts val="500"/>
+              </a:spcBef>
+              <a:buFont typeface="Arial" panose="020B0604020202020204" pitchFamily="34" charset="0"/>
+              <a:buChar char="•"/>
+              <a:defRPr sz="1800" kern="1200">
+                <a:solidFill>
+                  <a:schemeClr val="tx1"/>
+                </a:solidFill>
+                <a:latin typeface="+mn-lt"/>
+                <a:ea typeface="+mn-ea"/>
+                <a:cs typeface="+mn-cs"/>
+              </a:defRPr>
+            </a:lvl4pPr>
+            <a:lvl5pPr marL="2057400" indent="-228600" algn="l" defTabSz="914400" rtl="0" eaLnBrk="1" latinLnBrk="0" hangingPunct="1">
+              <a:lnSpc>
+                <a:spcPct val="90000"/>
+              </a:lnSpc>
+              <a:spcBef>
+                <a:spcPts val="500"/>
+              </a:spcBef>
+              <a:buFont typeface="Arial" panose="020B0604020202020204" pitchFamily="34" charset="0"/>
+              <a:buChar char="•"/>
+              <a:defRPr sz="1800" kern="1200">
+                <a:solidFill>
+                  <a:schemeClr val="tx1"/>
+                </a:solidFill>
+                <a:latin typeface="+mn-lt"/>
+                <a:ea typeface="+mn-ea"/>
+                <a:cs typeface="+mn-cs"/>
+              </a:defRPr>
+            </a:lvl5pPr>
+            <a:lvl6pPr marL="2514600" indent="-228600" algn="l" defTabSz="914400" rtl="0" eaLnBrk="1" latinLnBrk="0" hangingPunct="1">
+              <a:lnSpc>
+                <a:spcPct val="90000"/>
+              </a:lnSpc>
+              <a:spcBef>
+                <a:spcPts val="500"/>
+              </a:spcBef>
+              <a:buFont typeface="Arial" panose="020B0604020202020204" pitchFamily="34" charset="0"/>
+              <a:buChar char="•"/>
+              <a:defRPr sz="1800" kern="1200">
+                <a:solidFill>
+                  <a:schemeClr val="tx1"/>
+                </a:solidFill>
+                <a:latin typeface="+mn-lt"/>
+                <a:ea typeface="+mn-ea"/>
+                <a:cs typeface="+mn-cs"/>
+              </a:defRPr>
+            </a:lvl6pPr>
+            <a:lvl7pPr marL="2971800" indent="-228600" algn="l" defTabSz="914400" rtl="0" eaLnBrk="1" latinLnBrk="0" hangingPunct="1">
+              <a:lnSpc>
+                <a:spcPct val="90000"/>
+              </a:lnSpc>
+              <a:spcBef>
+                <a:spcPts val="500"/>
+              </a:spcBef>
+              <a:buFont typeface="Arial" panose="020B0604020202020204" pitchFamily="34" charset="0"/>
+              <a:buChar char="•"/>
+              <a:defRPr sz="1800" kern="1200">
+                <a:solidFill>
+                  <a:schemeClr val="tx1"/>
+                </a:solidFill>
+                <a:latin typeface="+mn-lt"/>
+                <a:ea typeface="+mn-ea"/>
+                <a:cs typeface="+mn-cs"/>
+              </a:defRPr>
+            </a:lvl7pPr>
+            <a:lvl8pPr marL="3429000" indent="-228600" algn="l" defTabSz="914400" rtl="0" eaLnBrk="1" latinLnBrk="0" hangingPunct="1">
+              <a:lnSpc>
+                <a:spcPct val="90000"/>
+              </a:lnSpc>
+              <a:spcBef>
+                <a:spcPts val="500"/>
+              </a:spcBef>
+              <a:buFont typeface="Arial" panose="020B0604020202020204" pitchFamily="34" charset="0"/>
+              <a:buChar char="•"/>
+              <a:defRPr sz="1800" kern="1200">
+                <a:solidFill>
+                  <a:schemeClr val="tx1"/>
+                </a:solidFill>
+                <a:latin typeface="+mn-lt"/>
+                <a:ea typeface="+mn-ea"/>
+                <a:cs typeface="+mn-cs"/>
+              </a:defRPr>
+            </a:lvl8pPr>
+            <a:lvl9pPr marL="3886200" indent="-228600" algn="l" defTabSz="914400" rtl="0" eaLnBrk="1" latinLnBrk="0" hangingPunct="1">
+              <a:lnSpc>
+                <a:spcPct val="90000"/>
+              </a:lnSpc>
+              <a:spcBef>
+                <a:spcPts val="500"/>
+              </a:spcBef>
+              <a:buFont typeface="Arial" panose="020B0604020202020204" pitchFamily="34" charset="0"/>
+              <a:buChar char="•"/>
+              <a:defRPr sz="1800" kern="1200">
+                <a:solidFill>
+                  <a:schemeClr val="tx1"/>
+                </a:solidFill>
+                <a:latin typeface="+mn-lt"/>
+                <a:ea typeface="+mn-ea"/>
+                <a:cs typeface="+mn-cs"/>
+              </a:defRPr>
+            </a:lvl9pPr>
+          </a:lstStyle>
+          <a:p>
+            <a:pPr marL="0" indent="0">
+              <a:buNone/>
+            </a:pPr>
+            <a:r>
+              <a:rPr lang="fr-FR" dirty="0">
+                <a:latin typeface="Arial" panose="020B0604020202020204" pitchFamily="34" charset="0"/>
+                <a:cs typeface="Arial" panose="020B0604020202020204" pitchFamily="34" charset="0"/>
+              </a:rPr>
+              <a:t>Pour connecter le sous réseau gène avec le sous réseau protéine, vous devez utiliser à la fois l’information gène - </a:t>
+            </a:r>
+            <a:r>
+              <a:rPr lang="fr-FR" dirty="0" err="1">
+                <a:latin typeface="Arial" panose="020B0604020202020204" pitchFamily="34" charset="0"/>
+                <a:cs typeface="Arial" panose="020B0604020202020204" pitchFamily="34" charset="0"/>
+              </a:rPr>
+              <a:t>protein</a:t>
+            </a:r>
+            <a:r>
+              <a:rPr lang="fr-FR" dirty="0">
+                <a:latin typeface="Arial" panose="020B0604020202020204" pitchFamily="34" charset="0"/>
+                <a:cs typeface="Arial" panose="020B0604020202020204" pitchFamily="34" charset="0"/>
+              </a:rPr>
+              <a:t> </a:t>
+            </a:r>
+            <a:r>
+              <a:rPr lang="fr-FR" dirty="0" err="1">
+                <a:latin typeface="Arial" panose="020B0604020202020204" pitchFamily="34" charset="0"/>
+                <a:cs typeface="Arial" panose="020B0604020202020204" pitchFamily="34" charset="0"/>
+              </a:rPr>
+              <a:t>coding</a:t>
+            </a:r>
+            <a:r>
+              <a:rPr lang="fr-FR" dirty="0">
+                <a:latin typeface="Arial" panose="020B0604020202020204" pitchFamily="34" charset="0"/>
+                <a:cs typeface="Arial" panose="020B0604020202020204" pitchFamily="34" charset="0"/>
+              </a:rPr>
+              <a:t> pour l’information de traduction mais aussi l’information TF -&gt; gène.</a:t>
+            </a:r>
+          </a:p>
+          <a:p>
+            <a:pPr marL="0" indent="0">
+              <a:buNone/>
+            </a:pPr>
+            <a:r>
+              <a:rPr lang="fr-FR" dirty="0">
+                <a:latin typeface="Arial" panose="020B0604020202020204" pitchFamily="34" charset="0"/>
+                <a:cs typeface="Arial" panose="020B0604020202020204" pitchFamily="34" charset="0"/>
+              </a:rPr>
+              <a:t>- Décrivez votre réseau.</a:t>
+            </a:r>
+          </a:p>
+          <a:p>
+            <a:pPr marL="0" indent="0">
+              <a:buNone/>
+            </a:pPr>
+            <a:r>
+              <a:rPr lang="fr-FR" dirty="0">
+                <a:latin typeface="Arial" panose="020B0604020202020204" pitchFamily="34" charset="0"/>
+                <a:cs typeface="Arial" panose="020B0604020202020204" pitchFamily="34" charset="0"/>
+              </a:rPr>
+              <a:t>- Combien de liens TF-gène et gène-protéine recensez-vous ?</a:t>
+            </a:r>
+          </a:p>
+          <a:p>
+            <a:pPr marL="0" indent="0">
+              <a:buNone/>
+            </a:pPr>
+            <a:r>
+              <a:rPr lang="fr-FR" dirty="0">
+                <a:latin typeface="Arial" panose="020B0604020202020204" pitchFamily="34" charset="0"/>
+                <a:cs typeface="Arial" panose="020B0604020202020204" pitchFamily="34" charset="0"/>
+              </a:rPr>
+              <a:t>- Faire une analyse de modularité, présentez les résultats</a:t>
+            </a:r>
+          </a:p>
+          <a:p>
+            <a:pPr marL="0" indent="0">
+              <a:buNone/>
+            </a:pPr>
+            <a:r>
+              <a:rPr lang="fr-FR" dirty="0">
+                <a:latin typeface="Arial" panose="020B0604020202020204" pitchFamily="34" charset="0"/>
+                <a:cs typeface="Arial" panose="020B0604020202020204" pitchFamily="34" charset="0"/>
+              </a:rPr>
+              <a:t>- A partir du </a:t>
+            </a:r>
+            <a:r>
+              <a:rPr lang="fr-FR" dirty="0" err="1">
+                <a:latin typeface="Arial" panose="020B0604020202020204" pitchFamily="34" charset="0"/>
+                <a:cs typeface="Arial" panose="020B0604020202020204" pitchFamily="34" charset="0"/>
+              </a:rPr>
+              <a:t>noeud</a:t>
+            </a:r>
+            <a:r>
+              <a:rPr lang="fr-FR" dirty="0">
+                <a:latin typeface="Arial" panose="020B0604020202020204" pitchFamily="34" charset="0"/>
+                <a:cs typeface="Arial" panose="020B0604020202020204" pitchFamily="34" charset="0"/>
+              </a:rPr>
+              <a:t> </a:t>
+            </a:r>
+            <a:r>
+              <a:rPr lang="fr-FR" dirty="0" err="1">
+                <a:latin typeface="Arial" panose="020B0604020202020204" pitchFamily="34" charset="0"/>
+                <a:cs typeface="Arial" panose="020B0604020202020204" pitchFamily="34" charset="0"/>
+              </a:rPr>
+              <a:t>chosi</a:t>
+            </a:r>
+            <a:r>
+              <a:rPr lang="fr-FR" dirty="0">
+                <a:latin typeface="Arial" panose="020B0604020202020204" pitchFamily="34" charset="0"/>
+                <a:cs typeface="Arial" panose="020B0604020202020204" pitchFamily="34" charset="0"/>
+              </a:rPr>
+              <a:t> avec soin, réalisez une analyse par </a:t>
+            </a:r>
+            <a:r>
+              <a:rPr lang="fr-FR" dirty="0" err="1">
+                <a:latin typeface="Arial" panose="020B0604020202020204" pitchFamily="34" charset="0"/>
+                <a:cs typeface="Arial" panose="020B0604020202020204" pitchFamily="34" charset="0"/>
+              </a:rPr>
+              <a:t>random</a:t>
+            </a:r>
+            <a:r>
+              <a:rPr lang="fr-FR" dirty="0">
+                <a:latin typeface="Arial" panose="020B0604020202020204" pitchFamily="34" charset="0"/>
+                <a:cs typeface="Arial" panose="020B0604020202020204" pitchFamily="34" charset="0"/>
+              </a:rPr>
+              <a:t> </a:t>
+            </a:r>
+            <a:r>
+              <a:rPr lang="fr-FR" dirty="0" err="1">
+                <a:latin typeface="Arial" panose="020B0604020202020204" pitchFamily="34" charset="0"/>
+                <a:cs typeface="Arial" panose="020B0604020202020204" pitchFamily="34" charset="0"/>
+              </a:rPr>
+              <a:t>walk</a:t>
+            </a:r>
+            <a:r>
+              <a:rPr lang="fr-FR" dirty="0">
+                <a:latin typeface="Arial" panose="020B0604020202020204" pitchFamily="34" charset="0"/>
+                <a:cs typeface="Arial" panose="020B0604020202020204" pitchFamily="34" charset="0"/>
+              </a:rPr>
+              <a:t>, justifiez le choix de la </a:t>
+            </a:r>
+            <a:r>
+              <a:rPr lang="fr-FR" dirty="0" err="1">
+                <a:latin typeface="Arial" panose="020B0604020202020204" pitchFamily="34" charset="0"/>
+                <a:cs typeface="Arial" panose="020B0604020202020204" pitchFamily="34" charset="0"/>
+              </a:rPr>
+              <a:t>seed</a:t>
+            </a:r>
+            <a:r>
+              <a:rPr lang="fr-FR" dirty="0">
+                <a:latin typeface="Arial" panose="020B0604020202020204" pitchFamily="34" charset="0"/>
+                <a:cs typeface="Arial" panose="020B0604020202020204" pitchFamily="34" charset="0"/>
+              </a:rPr>
+              <a:t>, présentez les résultats.</a:t>
+            </a:r>
+          </a:p>
+          <a:p>
+            <a:pPr marL="0" indent="0">
+              <a:buNone/>
+            </a:pPr>
+            <a:r>
+              <a:rPr lang="fr-FR" dirty="0">
+                <a:latin typeface="Arial" panose="020B0604020202020204" pitchFamily="34" charset="0"/>
+                <a:cs typeface="Arial" panose="020B0604020202020204" pitchFamily="34" charset="0"/>
+              </a:rPr>
+              <a:t>- Réalisez une analyse d’enrichissement sur les données</a:t>
+            </a:r>
+          </a:p>
+        </p:txBody>
+      </p:sp>
+    </p:spTree>
+    <p:extLst>
+      <p:ext uri="{BB962C8B-B14F-4D97-AF65-F5344CB8AC3E}">
+        <p14:creationId xmlns:p14="http://schemas.microsoft.com/office/powerpoint/2010/main" val="3156516260"/>
+      </p:ext>
+    </p:extLst>
+  </p:cSld>
+  <p:clrMapOvr>
+    <a:masterClrMapping/>
+  </p:clrMapOvr>
+</p:sld>
+</file>
+
+<file path=ppt/slides/slide24.xml><?xml version="1.0" encoding="utf-8"?>
+<p:sld xmlns:a="http://schemas.openxmlformats.org/drawingml/2006/main" xmlns:r="http://schemas.openxmlformats.org/officeDocument/2006/relationships" xmlns:p="http://schemas.openxmlformats.org/presentationml/2006/main">
+  <p:cSld>
+    <p:spTree>
+      <p:nvGrpSpPr>
+        <p:cNvPr id="1" name=""/>
+        <p:cNvGrpSpPr/>
+        <p:nvPr/>
+      </p:nvGrpSpPr>
+      <p:grpSpPr>
+        <a:xfrm>
+          <a:off x="0" y="0"/>
+          <a:ext cx="0" cy="0"/>
+          <a:chOff x="0" y="0"/>
+          <a:chExt cx="0" cy="0"/>
+        </a:xfrm>
+      </p:grpSpPr>
+      <p:sp>
+        <p:nvSpPr>
+          <p:cNvPr id="2" name="Titre 1">
+            <a:extLst>
+              <a:ext uri="{FF2B5EF4-FFF2-40B4-BE49-F238E27FC236}">
+                <a16:creationId xmlns:a16="http://schemas.microsoft.com/office/drawing/2014/main" id="{3AC5EA2C-9518-355B-24FA-608C24FE72E3}"/>
+              </a:ext>
+            </a:extLst>
+          </p:cNvPr>
+          <p:cNvSpPr>
+            <a:spLocks noGrp="1"/>
+          </p:cNvSpPr>
+          <p:nvPr>
+            <p:ph type="title"/>
+          </p:nvPr>
+        </p:nvSpPr>
+        <p:spPr>
+          <a:xfrm>
+            <a:off x="145740" y="118307"/>
+            <a:ext cx="11137778" cy="691318"/>
+          </a:xfrm>
+        </p:spPr>
+        <p:txBody>
+          <a:bodyPr>
+            <a:normAutofit/>
+          </a:bodyPr>
+          <a:lstStyle/>
+          <a:p>
+            <a:r>
+              <a:rPr lang="en-US" sz="3200" b="1" dirty="0">
+                <a:latin typeface="Arial" panose="020B0604020202020204" pitchFamily="34" charset="0"/>
+                <a:cs typeface="Arial" panose="020B0604020202020204" pitchFamily="34" charset="0"/>
+              </a:rPr>
+              <a:t>Conclusion</a:t>
+            </a:r>
+          </a:p>
+        </p:txBody>
+      </p:sp>
+      <p:sp>
+        <p:nvSpPr>
+          <p:cNvPr id="6" name="Espace réservé du numéro de diapositive 5">
+            <a:extLst>
+              <a:ext uri="{FF2B5EF4-FFF2-40B4-BE49-F238E27FC236}">
+                <a16:creationId xmlns:a16="http://schemas.microsoft.com/office/drawing/2014/main" id="{EDD49CB1-F959-4004-3097-04AE4D0121BD}"/>
+              </a:ext>
+            </a:extLst>
+          </p:cNvPr>
+          <p:cNvSpPr>
+            <a:spLocks noGrp="1"/>
+          </p:cNvSpPr>
+          <p:nvPr>
+            <p:ph type="sldNum" sz="quarter" idx="12"/>
+          </p:nvPr>
+        </p:nvSpPr>
+        <p:spPr>
+          <a:xfrm>
+            <a:off x="8610600" y="6489520"/>
+            <a:ext cx="2743200" cy="365125"/>
+          </a:xfrm>
+        </p:spPr>
+        <p:txBody>
+          <a:bodyPr/>
+          <a:lstStyle/>
+          <a:p>
+            <a:fld id="{DB0B8EAA-8CF6-49F4-8FA8-2BD42B7C9F8B}" type="slidenum">
+              <a:rPr lang="fr-FR" smtClean="0"/>
+              <a:t>24</a:t>
+            </a:fld>
+            <a:endParaRPr lang="fr-FR"/>
+          </a:p>
+        </p:txBody>
+      </p:sp>
+      <p:pic>
+        <p:nvPicPr>
+          <p:cNvPr id="1026" name="Picture 2" descr="Appellation, logo et charte graphique : tout ce qu'il faut savoir | Université  Paris Cité">
+            <a:extLst>
+              <a:ext uri="{FF2B5EF4-FFF2-40B4-BE49-F238E27FC236}">
+                <a16:creationId xmlns:a16="http://schemas.microsoft.com/office/drawing/2014/main" id="{42388675-4549-B077-D592-84080955D58F}"/>
+              </a:ext>
+            </a:extLst>
+          </p:cNvPr>
+          <p:cNvPicPr>
+            <a:picLocks noChangeAspect="1" noChangeArrowheads="1"/>
+          </p:cNvPicPr>
+          <p:nvPr/>
+        </p:nvPicPr>
+        <p:blipFill>
+          <a:blip r:embed="rId2">
+            <a:extLst>
+              <a:ext uri="{28A0092B-C50C-407E-A947-70E740481C1C}">
+                <a14:useLocalDpi xmlns:a14="http://schemas.microsoft.com/office/drawing/2010/main" val="0"/>
+              </a:ext>
+            </a:extLst>
+          </a:blip>
+          <a:srcRect/>
+          <a:stretch>
+            <a:fillRect/>
+          </a:stretch>
+        </p:blipFill>
+        <p:spPr bwMode="auto">
+          <a:xfrm>
+            <a:off x="11363415" y="121082"/>
+            <a:ext cx="692461" cy="688543"/>
+          </a:xfrm>
+          <a:prstGeom prst="rect">
+            <a:avLst/>
+          </a:prstGeom>
+          <a:noFill/>
+          <a:extLst>
+            <a:ext uri="{909E8E84-426E-40DD-AFC4-6F175D3DCCD1}">
+              <a14:hiddenFill xmlns:a14="http://schemas.microsoft.com/office/drawing/2010/main">
+                <a:solidFill>
+                  <a:srgbClr val="FFFFFF"/>
+                </a:solidFill>
+              </a14:hiddenFill>
+            </a:ext>
+          </a:extLst>
+        </p:spPr>
+      </p:pic>
+      <p:cxnSp>
+        <p:nvCxnSpPr>
+          <p:cNvPr id="8" name="Connecteur droit 7">
+            <a:extLst>
+              <a:ext uri="{FF2B5EF4-FFF2-40B4-BE49-F238E27FC236}">
+                <a16:creationId xmlns:a16="http://schemas.microsoft.com/office/drawing/2014/main" id="{58EF74DE-8092-1233-D850-99E4719D068A}"/>
+              </a:ext>
+            </a:extLst>
+          </p:cNvPr>
+          <p:cNvCxnSpPr/>
+          <p:nvPr/>
+        </p:nvCxnSpPr>
+        <p:spPr>
+          <a:xfrm>
+            <a:off x="145740" y="853585"/>
+            <a:ext cx="11910136" cy="0"/>
+          </a:xfrm>
+          <a:prstGeom prst="line">
+            <a:avLst/>
+          </a:prstGeom>
+          <a:ln w="28575">
+            <a:solidFill>
+              <a:srgbClr val="8B1538"/>
+            </a:solidFill>
+          </a:ln>
+        </p:spPr>
+        <p:style>
+          <a:lnRef idx="1">
+            <a:schemeClr val="accent1"/>
+          </a:lnRef>
+          <a:fillRef idx="0">
+            <a:schemeClr val="accent1"/>
+          </a:fillRef>
+          <a:effectRef idx="0">
+            <a:schemeClr val="accent1"/>
+          </a:effectRef>
+          <a:fontRef idx="minor">
+            <a:schemeClr val="tx1"/>
+          </a:fontRef>
+        </p:style>
+      </p:cxnSp>
+      <p:sp>
+        <p:nvSpPr>
+          <p:cNvPr id="3" name="Espace réservé de la date 3">
+            <a:extLst>
+              <a:ext uri="{FF2B5EF4-FFF2-40B4-BE49-F238E27FC236}">
+                <a16:creationId xmlns:a16="http://schemas.microsoft.com/office/drawing/2014/main" id="{00CC99EF-F5C1-BD43-1DFF-BCBA359F5E21}"/>
+              </a:ext>
+            </a:extLst>
+          </p:cNvPr>
+          <p:cNvSpPr>
+            <a:spLocks noGrp="1"/>
+          </p:cNvSpPr>
+          <p:nvPr>
+            <p:ph type="dt" sz="half" idx="10"/>
+          </p:nvPr>
+        </p:nvSpPr>
+        <p:spPr>
+          <a:xfrm>
+            <a:off x="838200" y="6489520"/>
+            <a:ext cx="2743200" cy="365125"/>
+          </a:xfrm>
+        </p:spPr>
+        <p:txBody>
+          <a:bodyPr/>
+          <a:lstStyle/>
+          <a:p>
+            <a:r>
+              <a:rPr lang="fr-FR" dirty="0"/>
+              <a:t>12/10/2022</a:t>
+            </a:r>
+          </a:p>
+        </p:txBody>
+      </p:sp>
+      <p:sp>
+        <p:nvSpPr>
+          <p:cNvPr id="7" name="Espace réservé du pied de page 4">
+            <a:extLst>
+              <a:ext uri="{FF2B5EF4-FFF2-40B4-BE49-F238E27FC236}">
+                <a16:creationId xmlns:a16="http://schemas.microsoft.com/office/drawing/2014/main" id="{69D56551-2494-9A74-75F6-47857596E832}"/>
+              </a:ext>
+            </a:extLst>
+          </p:cNvPr>
+          <p:cNvSpPr>
+            <a:spLocks noGrp="1"/>
+          </p:cNvSpPr>
+          <p:nvPr>
+            <p:ph type="ftr" sz="quarter" idx="11"/>
+          </p:nvPr>
+        </p:nvSpPr>
+        <p:spPr>
+          <a:xfrm>
+            <a:off x="3810000" y="6492876"/>
+            <a:ext cx="4800600" cy="365124"/>
+          </a:xfrm>
+        </p:spPr>
+        <p:txBody>
+          <a:bodyPr/>
+          <a:lstStyle/>
+          <a:p>
+            <a:pPr algn="l"/>
+            <a:r>
+              <a:rPr lang="en-US" dirty="0"/>
+              <a:t>Delhomme Jean, </a:t>
+            </a:r>
+            <a:r>
+              <a:rPr lang="en-US" dirty="0" err="1"/>
+              <a:t>Lecourieux</a:t>
+            </a:r>
+            <a:r>
+              <a:rPr lang="en-US" dirty="0"/>
+              <a:t> Adriana, Rousseau Baptiste, </a:t>
+            </a:r>
+            <a:r>
+              <a:rPr lang="en-US" dirty="0" err="1"/>
+              <a:t>Graa</a:t>
+            </a:r>
+            <a:r>
+              <a:rPr lang="en-US" dirty="0"/>
+              <a:t> </a:t>
+            </a:r>
+            <a:r>
+              <a:rPr lang="en-US" dirty="0" err="1"/>
+              <a:t>Maha</a:t>
+            </a:r>
+            <a:endParaRPr lang="en-US" dirty="0"/>
+          </a:p>
+        </p:txBody>
+      </p:sp>
+      <p:sp>
+        <p:nvSpPr>
+          <p:cNvPr id="9" name="Espace réservé du contenu 2">
+            <a:extLst>
+              <a:ext uri="{FF2B5EF4-FFF2-40B4-BE49-F238E27FC236}">
+                <a16:creationId xmlns:a16="http://schemas.microsoft.com/office/drawing/2014/main" id="{24661F3C-BD68-1889-C53B-A4CD91554EA7}"/>
+              </a:ext>
+            </a:extLst>
+          </p:cNvPr>
+          <p:cNvSpPr txBox="1">
+            <a:spLocks/>
+          </p:cNvSpPr>
+          <p:nvPr/>
+        </p:nvSpPr>
+        <p:spPr>
+          <a:xfrm>
+            <a:off x="231320" y="1078238"/>
+            <a:ext cx="11824556" cy="5300591"/>
+          </a:xfrm>
+          <a:prstGeom prst="rect">
+            <a:avLst/>
+          </a:prstGeom>
+        </p:spPr>
+        <p:txBody>
+          <a:bodyPr vert="horz" lIns="91440" tIns="45720" rIns="91440" bIns="45720" rtlCol="0">
+            <a:normAutofit/>
+          </a:bodyPr>
+          <a:lstStyle>
+            <a:lvl1pPr marL="228600" indent="-228600" algn="l" defTabSz="914400" rtl="0" eaLnBrk="1" latinLnBrk="0" hangingPunct="1">
+              <a:lnSpc>
+                <a:spcPct val="90000"/>
+              </a:lnSpc>
+              <a:spcBef>
+                <a:spcPts val="1000"/>
+              </a:spcBef>
+              <a:buFont typeface="Arial" panose="020B0604020202020204" pitchFamily="34" charset="0"/>
+              <a:buChar char="•"/>
+              <a:defRPr sz="2800" kern="1200">
+                <a:solidFill>
+                  <a:schemeClr val="tx1"/>
+                </a:solidFill>
+                <a:latin typeface="+mn-lt"/>
+                <a:ea typeface="+mn-ea"/>
+                <a:cs typeface="+mn-cs"/>
+              </a:defRPr>
+            </a:lvl1pPr>
+            <a:lvl2pPr marL="685800" indent="-228600" algn="l" defTabSz="914400" rtl="0" eaLnBrk="1" latinLnBrk="0" hangingPunct="1">
+              <a:lnSpc>
+                <a:spcPct val="90000"/>
+              </a:lnSpc>
+              <a:spcBef>
+                <a:spcPts val="500"/>
+              </a:spcBef>
+              <a:buFont typeface="Arial" panose="020B0604020202020204" pitchFamily="34" charset="0"/>
+              <a:buChar char="•"/>
+              <a:defRPr sz="2400" kern="1200">
+                <a:solidFill>
+                  <a:schemeClr val="tx1"/>
+                </a:solidFill>
+                <a:latin typeface="+mn-lt"/>
+                <a:ea typeface="+mn-ea"/>
+                <a:cs typeface="+mn-cs"/>
+              </a:defRPr>
+            </a:lvl2pPr>
+            <a:lvl3pPr marL="1143000" indent="-228600" algn="l" defTabSz="914400" rtl="0" eaLnBrk="1" latinLnBrk="0" hangingPunct="1">
+              <a:lnSpc>
+                <a:spcPct val="90000"/>
+              </a:lnSpc>
+              <a:spcBef>
+                <a:spcPts val="500"/>
+              </a:spcBef>
+              <a:buFont typeface="Arial" panose="020B0604020202020204" pitchFamily="34" charset="0"/>
+              <a:buChar char="•"/>
+              <a:defRPr sz="2000" kern="1200">
+                <a:solidFill>
+                  <a:schemeClr val="tx1"/>
+                </a:solidFill>
+                <a:latin typeface="+mn-lt"/>
+                <a:ea typeface="+mn-ea"/>
+                <a:cs typeface="+mn-cs"/>
+              </a:defRPr>
+            </a:lvl3pPr>
+            <a:lvl4pPr marL="1600200" indent="-228600" algn="l" defTabSz="914400" rtl="0" eaLnBrk="1" latinLnBrk="0" hangingPunct="1">
+              <a:lnSpc>
+                <a:spcPct val="90000"/>
+              </a:lnSpc>
+              <a:spcBef>
+                <a:spcPts val="500"/>
+              </a:spcBef>
+              <a:buFont typeface="Arial" panose="020B0604020202020204" pitchFamily="34" charset="0"/>
+              <a:buChar char="•"/>
+              <a:defRPr sz="1800" kern="1200">
+                <a:solidFill>
+                  <a:schemeClr val="tx1"/>
+                </a:solidFill>
+                <a:latin typeface="+mn-lt"/>
+                <a:ea typeface="+mn-ea"/>
+                <a:cs typeface="+mn-cs"/>
+              </a:defRPr>
+            </a:lvl4pPr>
+            <a:lvl5pPr marL="2057400" indent="-228600" algn="l" defTabSz="914400" rtl="0" eaLnBrk="1" latinLnBrk="0" hangingPunct="1">
+              <a:lnSpc>
+                <a:spcPct val="90000"/>
+              </a:lnSpc>
+              <a:spcBef>
+                <a:spcPts val="500"/>
+              </a:spcBef>
+              <a:buFont typeface="Arial" panose="020B0604020202020204" pitchFamily="34" charset="0"/>
+              <a:buChar char="•"/>
+              <a:defRPr sz="1800" kern="1200">
+                <a:solidFill>
+                  <a:schemeClr val="tx1"/>
+                </a:solidFill>
+                <a:latin typeface="+mn-lt"/>
+                <a:ea typeface="+mn-ea"/>
+                <a:cs typeface="+mn-cs"/>
+              </a:defRPr>
+            </a:lvl5pPr>
+            <a:lvl6pPr marL="2514600" indent="-228600" algn="l" defTabSz="914400" rtl="0" eaLnBrk="1" latinLnBrk="0" hangingPunct="1">
+              <a:lnSpc>
+                <a:spcPct val="90000"/>
+              </a:lnSpc>
+              <a:spcBef>
+                <a:spcPts val="500"/>
+              </a:spcBef>
+              <a:buFont typeface="Arial" panose="020B0604020202020204" pitchFamily="34" charset="0"/>
+              <a:buChar char="•"/>
+              <a:defRPr sz="1800" kern="1200">
+                <a:solidFill>
+                  <a:schemeClr val="tx1"/>
+                </a:solidFill>
+                <a:latin typeface="+mn-lt"/>
+                <a:ea typeface="+mn-ea"/>
+                <a:cs typeface="+mn-cs"/>
+              </a:defRPr>
+            </a:lvl6pPr>
+            <a:lvl7pPr marL="2971800" indent="-228600" algn="l" defTabSz="914400" rtl="0" eaLnBrk="1" latinLnBrk="0" hangingPunct="1">
+              <a:lnSpc>
+                <a:spcPct val="90000"/>
+              </a:lnSpc>
+              <a:spcBef>
+                <a:spcPts val="500"/>
+              </a:spcBef>
+              <a:buFont typeface="Arial" panose="020B0604020202020204" pitchFamily="34" charset="0"/>
+              <a:buChar char="•"/>
+              <a:defRPr sz="1800" kern="1200">
+                <a:solidFill>
+                  <a:schemeClr val="tx1"/>
+                </a:solidFill>
+                <a:latin typeface="+mn-lt"/>
+                <a:ea typeface="+mn-ea"/>
+                <a:cs typeface="+mn-cs"/>
+              </a:defRPr>
+            </a:lvl7pPr>
+            <a:lvl8pPr marL="3429000" indent="-228600" algn="l" defTabSz="914400" rtl="0" eaLnBrk="1" latinLnBrk="0" hangingPunct="1">
+              <a:lnSpc>
+                <a:spcPct val="90000"/>
+              </a:lnSpc>
+              <a:spcBef>
+                <a:spcPts val="500"/>
+              </a:spcBef>
+              <a:buFont typeface="Arial" panose="020B0604020202020204" pitchFamily="34" charset="0"/>
+              <a:buChar char="•"/>
+              <a:defRPr sz="1800" kern="1200">
+                <a:solidFill>
+                  <a:schemeClr val="tx1"/>
+                </a:solidFill>
+                <a:latin typeface="+mn-lt"/>
+                <a:ea typeface="+mn-ea"/>
+                <a:cs typeface="+mn-cs"/>
+              </a:defRPr>
+            </a:lvl8pPr>
+            <a:lvl9pPr marL="3886200" indent="-228600" algn="l" defTabSz="914400" rtl="0" eaLnBrk="1" latinLnBrk="0" hangingPunct="1">
+              <a:lnSpc>
+                <a:spcPct val="90000"/>
+              </a:lnSpc>
+              <a:spcBef>
+                <a:spcPts val="500"/>
+              </a:spcBef>
+              <a:buFont typeface="Arial" panose="020B0604020202020204" pitchFamily="34" charset="0"/>
+              <a:buChar char="•"/>
+              <a:defRPr sz="1800" kern="1200">
+                <a:solidFill>
+                  <a:schemeClr val="tx1"/>
+                </a:solidFill>
+                <a:latin typeface="+mn-lt"/>
+                <a:ea typeface="+mn-ea"/>
+                <a:cs typeface="+mn-cs"/>
+              </a:defRPr>
+            </a:lvl9pPr>
+          </a:lstStyle>
+          <a:p>
+            <a:pPr>
+              <a:buFontTx/>
+              <a:buChar char="-"/>
+            </a:pPr>
+            <a:r>
+              <a:rPr lang="fr-FR" dirty="0">
+                <a:latin typeface="Arial" panose="020B0604020202020204" pitchFamily="34" charset="0"/>
+                <a:cs typeface="Arial" panose="020B0604020202020204" pitchFamily="34" charset="0"/>
+              </a:rPr>
+              <a:t>Points forts et points faibles des outils</a:t>
+            </a:r>
+          </a:p>
+          <a:p>
+            <a:pPr marL="0" indent="0">
+              <a:buNone/>
+            </a:pPr>
+            <a:r>
+              <a:rPr lang="fr-FR" dirty="0" err="1">
+                <a:latin typeface="Arial" panose="020B0604020202020204" pitchFamily="34" charset="0"/>
+                <a:cs typeface="Arial" panose="020B0604020202020204" pitchFamily="34" charset="0"/>
+              </a:rPr>
+              <a:t>Diffiile</a:t>
+            </a:r>
+            <a:r>
+              <a:rPr lang="fr-FR" dirty="0">
+                <a:latin typeface="Arial" panose="020B0604020202020204" pitchFamily="34" charset="0"/>
+                <a:cs typeface="Arial" panose="020B0604020202020204" pitchFamily="34" charset="0"/>
+              </a:rPr>
+              <a:t> d’installer les packages</a:t>
+            </a:r>
+          </a:p>
+          <a:p>
+            <a:pPr marL="0" indent="0">
+              <a:buNone/>
+            </a:pPr>
+            <a:r>
+              <a:rPr lang="fr-FR" dirty="0" err="1">
+                <a:latin typeface="Arial" panose="020B0604020202020204" pitchFamily="34" charset="0"/>
+                <a:cs typeface="Arial" panose="020B0604020202020204" pitchFamily="34" charset="0"/>
+              </a:rPr>
+              <a:t>mixOmics</a:t>
+            </a:r>
+            <a:r>
+              <a:rPr lang="fr-FR" dirty="0">
+                <a:latin typeface="Arial" panose="020B0604020202020204" pitchFamily="34" charset="0"/>
+                <a:cs typeface="Arial" panose="020B0604020202020204" pitchFamily="34" charset="0"/>
+              </a:rPr>
+              <a:t> c’est top</a:t>
+            </a:r>
+          </a:p>
+          <a:p>
+            <a:pPr marL="0" indent="0">
+              <a:buNone/>
+            </a:pPr>
+            <a:r>
+              <a:rPr lang="fr-FR" dirty="0" err="1">
+                <a:latin typeface="Arial" panose="020B0604020202020204" pitchFamily="34" charset="0"/>
+                <a:cs typeface="Arial" panose="020B0604020202020204" pitchFamily="34" charset="0"/>
+              </a:rPr>
+              <a:t>Mirtarbase</a:t>
+            </a:r>
+            <a:r>
+              <a:rPr lang="fr-FR" dirty="0">
+                <a:latin typeface="Arial" panose="020B0604020202020204" pitchFamily="34" charset="0"/>
+                <a:cs typeface="Arial" panose="020B0604020202020204" pitchFamily="34" charset="0"/>
+              </a:rPr>
+              <a:t> est nul et mal documenté (le site est mort)</a:t>
+            </a:r>
+          </a:p>
+          <a:p>
+            <a:pPr marL="0" indent="0">
+              <a:buNone/>
+            </a:pPr>
+            <a:r>
+              <a:rPr lang="fr-FR" dirty="0" err="1">
+                <a:latin typeface="Arial" panose="020B0604020202020204" pitchFamily="34" charset="0"/>
+                <a:cs typeface="Arial" panose="020B0604020202020204" pitchFamily="34" charset="0"/>
+              </a:rPr>
+              <a:t>MirdB</a:t>
+            </a:r>
+            <a:endParaRPr lang="fr-FR" dirty="0">
+              <a:latin typeface="Arial" panose="020B0604020202020204" pitchFamily="34" charset="0"/>
+              <a:cs typeface="Arial" panose="020B0604020202020204" pitchFamily="34" charset="0"/>
+            </a:endParaRPr>
+          </a:p>
+          <a:p>
+            <a:pPr marL="0" indent="0">
+              <a:buNone/>
+            </a:pPr>
+            <a:r>
+              <a:rPr lang="fr-FR" dirty="0" err="1">
+                <a:latin typeface="Arial" panose="020B0604020202020204" pitchFamily="34" charset="0"/>
+                <a:cs typeface="Arial" panose="020B0604020202020204" pitchFamily="34" charset="0"/>
+              </a:rPr>
+              <a:t>MirBase</a:t>
+            </a:r>
+            <a:endParaRPr lang="fr-FR" dirty="0">
+              <a:latin typeface="Arial" panose="020B0604020202020204" pitchFamily="34" charset="0"/>
+              <a:cs typeface="Arial" panose="020B0604020202020204" pitchFamily="34" charset="0"/>
+            </a:endParaRPr>
+          </a:p>
+          <a:p>
+            <a:pPr marL="0" indent="0">
+              <a:buNone/>
+            </a:pPr>
+            <a:r>
+              <a:rPr lang="fr-FR" dirty="0" err="1">
+                <a:latin typeface="Arial" panose="020B0604020202020204" pitchFamily="34" charset="0"/>
+                <a:cs typeface="Arial" panose="020B0604020202020204" pitchFamily="34" charset="0"/>
+              </a:rPr>
+              <a:t>Tarbase</a:t>
+            </a:r>
+            <a:endParaRPr lang="fr-FR" dirty="0">
+              <a:latin typeface="Arial" panose="020B0604020202020204" pitchFamily="34" charset="0"/>
+              <a:cs typeface="Arial" panose="020B0604020202020204" pitchFamily="34" charset="0"/>
+            </a:endParaRPr>
+          </a:p>
+          <a:p>
+            <a:pPr>
+              <a:buFontTx/>
+              <a:buChar char="-"/>
+            </a:pPr>
+            <a:r>
+              <a:rPr lang="fr-FR" dirty="0">
+                <a:latin typeface="Arial" panose="020B0604020202020204" pitchFamily="34" charset="0"/>
+                <a:cs typeface="Arial" panose="020B0604020202020204" pitchFamily="34" charset="0"/>
+              </a:rPr>
+              <a:t>Difficultés rencontrées</a:t>
+            </a:r>
+          </a:p>
+          <a:p>
+            <a:pPr>
+              <a:buFontTx/>
+              <a:buChar char="-"/>
+            </a:pPr>
+            <a:r>
+              <a:rPr lang="fr-FR" dirty="0">
+                <a:latin typeface="Arial" panose="020B0604020202020204" pitchFamily="34" charset="0"/>
+                <a:cs typeface="Arial" panose="020B0604020202020204" pitchFamily="34" charset="0"/>
+              </a:rPr>
+              <a:t>Résumé des résultats</a:t>
+            </a:r>
+          </a:p>
+        </p:txBody>
+      </p:sp>
+    </p:spTree>
+    <p:extLst>
+      <p:ext uri="{BB962C8B-B14F-4D97-AF65-F5344CB8AC3E}">
+        <p14:creationId xmlns:p14="http://schemas.microsoft.com/office/powerpoint/2010/main" val="2333177088"/>
+      </p:ext>
+    </p:extLst>
+  </p:cSld>
+  <p:clrMapOvr>
+    <a:masterClrMapping/>
+  </p:clrMapOvr>
+</p:sld>
+</file>
+
+<file path=ppt/slides/slide25.xml><?xml version="1.0" encoding="utf-8"?>
+<p:sld xmlns:a="http://schemas.openxmlformats.org/drawingml/2006/main" xmlns:r="http://schemas.openxmlformats.org/officeDocument/2006/relationships" xmlns:p="http://schemas.openxmlformats.org/presentationml/2006/main">
+  <p:cSld>
+    <p:spTree>
+      <p:nvGrpSpPr>
+        <p:cNvPr id="1" name=""/>
+        <p:cNvGrpSpPr/>
+        <p:nvPr/>
+      </p:nvGrpSpPr>
+      <p:grpSpPr>
+        <a:xfrm>
+          <a:off x="0" y="0"/>
+          <a:ext cx="0" cy="0"/>
+          <a:chOff x="0" y="0"/>
+          <a:chExt cx="0" cy="0"/>
+        </a:xfrm>
+      </p:grpSpPr>
+      <p:sp>
+        <p:nvSpPr>
+          <p:cNvPr id="2" name="Titre 1">
+            <a:extLst>
+              <a:ext uri="{FF2B5EF4-FFF2-40B4-BE49-F238E27FC236}">
+                <a16:creationId xmlns:a16="http://schemas.microsoft.com/office/drawing/2014/main" id="{3AC5EA2C-9518-355B-24FA-608C24FE72E3}"/>
+              </a:ext>
+            </a:extLst>
+          </p:cNvPr>
+          <p:cNvSpPr>
+            <a:spLocks noGrp="1"/>
+          </p:cNvSpPr>
+          <p:nvPr>
+            <p:ph type="title"/>
+          </p:nvPr>
+        </p:nvSpPr>
+        <p:spPr>
+          <a:xfrm>
+            <a:off x="145740" y="117877"/>
+            <a:ext cx="11137778" cy="691318"/>
+          </a:xfrm>
+        </p:spPr>
+        <p:txBody>
+          <a:bodyPr>
+            <a:normAutofit/>
+          </a:bodyPr>
+          <a:lstStyle/>
+          <a:p>
+            <a:r>
+              <a:rPr lang="en-US" sz="3200" b="1" dirty="0">
+                <a:latin typeface="Arial" panose="020B0604020202020204" pitchFamily="34" charset="0"/>
+                <a:cs typeface="Arial" panose="020B0604020202020204" pitchFamily="34" charset="0"/>
+              </a:rPr>
+              <a:t>References</a:t>
+            </a:r>
+          </a:p>
+        </p:txBody>
+      </p:sp>
+      <p:sp>
+        <p:nvSpPr>
+          <p:cNvPr id="3" name="Espace réservé du contenu 2">
+            <a:extLst>
+              <a:ext uri="{FF2B5EF4-FFF2-40B4-BE49-F238E27FC236}">
+                <a16:creationId xmlns:a16="http://schemas.microsoft.com/office/drawing/2014/main" id="{7D811F63-52EF-83B1-E13C-148915CEDEC3}"/>
+              </a:ext>
+            </a:extLst>
+          </p:cNvPr>
+          <p:cNvSpPr>
+            <a:spLocks noGrp="1"/>
+          </p:cNvSpPr>
+          <p:nvPr>
+            <p:ph idx="1"/>
+          </p:nvPr>
+        </p:nvSpPr>
+        <p:spPr>
+          <a:xfrm>
+            <a:off x="145740" y="964491"/>
+            <a:ext cx="11910136" cy="5498453"/>
+          </a:xfrm>
+        </p:spPr>
+        <p:txBody>
+          <a:bodyPr/>
+          <a:lstStyle/>
+          <a:p>
+            <a:pPr marL="342900" lvl="0" indent="-342900">
+              <a:lnSpc>
+                <a:spcPct val="107000"/>
+              </a:lnSpc>
+              <a:buFont typeface="+mj-lt"/>
+              <a:buAutoNum type="arabicPeriod"/>
+            </a:pPr>
+            <a:r>
+              <a:rPr lang="fr-FR" sz="1800" dirty="0">
+                <a:effectLst/>
+                <a:latin typeface="Times New Roman" panose="02020603050405020304" pitchFamily="18" charset="0"/>
+                <a:ea typeface="Calibri" panose="020F0502020204030204" pitchFamily="34" charset="0"/>
+                <a:cs typeface="Times New Roman" panose="02020603050405020304" pitchFamily="18" charset="0"/>
+              </a:rPr>
+              <a:t>S. </a:t>
+            </a:r>
+            <a:r>
+              <a:rPr lang="fr-FR" sz="1800" dirty="0" err="1">
+                <a:effectLst/>
+                <a:latin typeface="Times New Roman" panose="02020603050405020304" pitchFamily="18" charset="0"/>
+                <a:ea typeface="Calibri" panose="020F0502020204030204" pitchFamily="34" charset="0"/>
+                <a:cs typeface="Times New Roman" panose="02020603050405020304" pitchFamily="18" charset="0"/>
+              </a:rPr>
+              <a:t>Altschul</a:t>
+            </a:r>
+            <a:r>
+              <a:rPr lang="fr-FR" sz="1800" dirty="0">
+                <a:effectLst/>
+                <a:latin typeface="Times New Roman" panose="02020603050405020304" pitchFamily="18" charset="0"/>
+                <a:ea typeface="Calibri" panose="020F0502020204030204" pitchFamily="34" charset="0"/>
+                <a:cs typeface="Times New Roman" panose="02020603050405020304" pitchFamily="18" charset="0"/>
+              </a:rPr>
+              <a:t> et al. (2017) </a:t>
+            </a:r>
+            <a:r>
+              <a:rPr lang="fr-FR" sz="1800" dirty="0" err="1">
+                <a:effectLst/>
+                <a:latin typeface="Times New Roman" panose="02020603050405020304" pitchFamily="18" charset="0"/>
+                <a:ea typeface="Calibri" panose="020F0502020204030204" pitchFamily="34" charset="0"/>
+                <a:cs typeface="Times New Roman" panose="02020603050405020304" pitchFamily="18" charset="0"/>
+              </a:rPr>
+              <a:t>Handbook</a:t>
+            </a:r>
+            <a:r>
+              <a:rPr lang="fr-FR" sz="1800" dirty="0">
+                <a:effectLst/>
+                <a:latin typeface="Times New Roman" panose="02020603050405020304" pitchFamily="18" charset="0"/>
+                <a:ea typeface="Calibri" panose="020F0502020204030204" pitchFamily="34" charset="0"/>
+                <a:cs typeface="Times New Roman" panose="02020603050405020304" pitchFamily="18" charset="0"/>
+              </a:rPr>
+              <a:t> of </a:t>
+            </a:r>
+            <a:r>
+              <a:rPr lang="fr-FR" sz="1800" dirty="0" err="1">
+                <a:effectLst/>
+                <a:latin typeface="Times New Roman" panose="02020603050405020304" pitchFamily="18" charset="0"/>
+                <a:ea typeface="Calibri" panose="020F0502020204030204" pitchFamily="34" charset="0"/>
+                <a:cs typeface="Times New Roman" panose="02020603050405020304" pitchFamily="18" charset="0"/>
+              </a:rPr>
+              <a:t>Discrete</a:t>
+            </a:r>
+            <a:r>
+              <a:rPr lang="fr-FR" sz="1800" dirty="0">
+                <a:effectLst/>
+                <a:latin typeface="Times New Roman" panose="02020603050405020304" pitchFamily="18" charset="0"/>
+                <a:ea typeface="Calibri" panose="020F0502020204030204" pitchFamily="34" charset="0"/>
+                <a:cs typeface="Times New Roman" panose="02020603050405020304" pitchFamily="18" charset="0"/>
+              </a:rPr>
+              <a:t> and </a:t>
+            </a:r>
+            <a:r>
+              <a:rPr lang="fr-FR" sz="1800" dirty="0" err="1">
+                <a:effectLst/>
+                <a:latin typeface="Times New Roman" panose="02020603050405020304" pitchFamily="18" charset="0"/>
+                <a:ea typeface="Calibri" panose="020F0502020204030204" pitchFamily="34" charset="0"/>
+                <a:cs typeface="Times New Roman" panose="02020603050405020304" pitchFamily="18" charset="0"/>
+              </a:rPr>
+              <a:t>Combinatorial</a:t>
+            </a:r>
+            <a:r>
+              <a:rPr lang="fr-FR" sz="1800" dirty="0">
+                <a:effectLst/>
+                <a:latin typeface="Times New Roman" panose="02020603050405020304" pitchFamily="18" charset="0"/>
+                <a:ea typeface="Calibri" panose="020F0502020204030204" pitchFamily="34" charset="0"/>
+                <a:cs typeface="Times New Roman" panose="02020603050405020304" pitchFamily="18" charset="0"/>
+              </a:rPr>
+              <a:t> </a:t>
+            </a:r>
+            <a:r>
+              <a:rPr lang="fr-FR" sz="1800" dirty="0" err="1">
+                <a:effectLst/>
+                <a:latin typeface="Times New Roman" panose="02020603050405020304" pitchFamily="18" charset="0"/>
+                <a:ea typeface="Calibri" panose="020F0502020204030204" pitchFamily="34" charset="0"/>
+                <a:cs typeface="Times New Roman" panose="02020603050405020304" pitchFamily="18" charset="0"/>
+              </a:rPr>
+              <a:t>Mathematics</a:t>
+            </a:r>
+            <a:r>
+              <a:rPr lang="fr-FR" sz="1800" dirty="0">
+                <a:effectLst/>
+                <a:latin typeface="Times New Roman" panose="02020603050405020304" pitchFamily="18" charset="0"/>
+                <a:ea typeface="Calibri" panose="020F0502020204030204" pitchFamily="34" charset="0"/>
+                <a:cs typeface="Times New Roman" panose="02020603050405020304" pitchFamily="18" charset="0"/>
+              </a:rPr>
+              <a:t>. 2nd </a:t>
+            </a:r>
+            <a:r>
+              <a:rPr lang="fr-FR" sz="1800" dirty="0" err="1">
+                <a:effectLst/>
+                <a:latin typeface="Times New Roman" panose="02020603050405020304" pitchFamily="18" charset="0"/>
+                <a:ea typeface="Calibri" panose="020F0502020204030204" pitchFamily="34" charset="0"/>
+                <a:cs typeface="Times New Roman" panose="02020603050405020304" pitchFamily="18" charset="0"/>
+              </a:rPr>
+              <a:t>edition</a:t>
+            </a:r>
+            <a:r>
+              <a:rPr lang="fr-FR" sz="1800" dirty="0">
+                <a:effectLst/>
+                <a:latin typeface="Times New Roman" panose="02020603050405020304" pitchFamily="18" charset="0"/>
+                <a:ea typeface="Calibri" panose="020F0502020204030204" pitchFamily="34" charset="0"/>
+                <a:cs typeface="Times New Roman" panose="02020603050405020304" pitchFamily="18" charset="0"/>
+              </a:rPr>
+              <a:t>, </a:t>
+            </a:r>
+            <a:r>
+              <a:rPr lang="fr-FR" sz="1800" dirty="0" err="1">
+                <a:effectLst/>
+                <a:latin typeface="Times New Roman" panose="02020603050405020304" pitchFamily="18" charset="0"/>
+                <a:ea typeface="Calibri" panose="020F0502020204030204" pitchFamily="34" charset="0"/>
+                <a:cs typeface="Times New Roman" panose="02020603050405020304" pitchFamily="18" charset="0"/>
+              </a:rPr>
+              <a:t>Chapter</a:t>
+            </a:r>
+            <a:r>
+              <a:rPr lang="fr-FR" sz="1800" dirty="0">
+                <a:effectLst/>
+                <a:latin typeface="Times New Roman" panose="02020603050405020304" pitchFamily="18" charset="0"/>
+                <a:ea typeface="Calibri" panose="020F0502020204030204" pitchFamily="34" charset="0"/>
+                <a:cs typeface="Times New Roman" panose="02020603050405020304" pitchFamily="18" charset="0"/>
+              </a:rPr>
+              <a:t> 20.1 </a:t>
+            </a:r>
+            <a:r>
+              <a:rPr lang="fr-FR" sz="1800" dirty="0" err="1">
+                <a:effectLst/>
+                <a:latin typeface="Times New Roman" panose="02020603050405020304" pitchFamily="18" charset="0"/>
+                <a:ea typeface="Calibri" panose="020F0502020204030204" pitchFamily="34" charset="0"/>
+                <a:cs typeface="Times New Roman" panose="02020603050405020304" pitchFamily="18" charset="0"/>
+              </a:rPr>
+              <a:t>Sequence</a:t>
+            </a:r>
+            <a:endParaRPr lang="fr-FR" sz="1800" dirty="0">
+              <a:effectLst/>
+              <a:latin typeface="Calibri" panose="020F0502020204030204" pitchFamily="34" charset="0"/>
+              <a:ea typeface="Calibri" panose="020F0502020204030204" pitchFamily="34" charset="0"/>
+              <a:cs typeface="Times New Roman" panose="02020603050405020304" pitchFamily="18" charset="0"/>
+            </a:endParaRPr>
+          </a:p>
+          <a:p>
+            <a:pPr marL="342900" lvl="0" indent="-342900" algn="just">
+              <a:lnSpc>
+                <a:spcPct val="107000"/>
+              </a:lnSpc>
+              <a:buFont typeface="+mj-lt"/>
+              <a:buAutoNum type="arabicPeriod"/>
+            </a:pPr>
+            <a:r>
+              <a:rPr lang="fr-FR" sz="1800" dirty="0">
+                <a:effectLst/>
+                <a:latin typeface="Times New Roman" panose="02020603050405020304" pitchFamily="18" charset="0"/>
+                <a:ea typeface="Calibri" panose="020F0502020204030204" pitchFamily="34" charset="0"/>
+                <a:cs typeface="Times New Roman" panose="02020603050405020304" pitchFamily="18" charset="0"/>
+              </a:rPr>
+              <a:t>T. </a:t>
+            </a:r>
+            <a:r>
+              <a:rPr lang="fr-FR" sz="1800" dirty="0" err="1">
+                <a:effectLst/>
+                <a:latin typeface="Times New Roman" panose="02020603050405020304" pitchFamily="18" charset="0"/>
+                <a:ea typeface="Calibri" panose="020F0502020204030204" pitchFamily="34" charset="0"/>
+                <a:cs typeface="Times New Roman" panose="02020603050405020304" pitchFamily="18" charset="0"/>
+              </a:rPr>
+              <a:t>Bepler</a:t>
+            </a:r>
+            <a:r>
+              <a:rPr lang="fr-FR" sz="1800" dirty="0">
+                <a:effectLst/>
+                <a:latin typeface="Times New Roman" panose="02020603050405020304" pitchFamily="18" charset="0"/>
+                <a:ea typeface="Calibri" panose="020F0502020204030204" pitchFamily="34" charset="0"/>
+                <a:cs typeface="Times New Roman" panose="02020603050405020304" pitchFamily="18" charset="0"/>
+              </a:rPr>
+              <a:t> et al. (2021) Learning the </a:t>
+            </a:r>
+            <a:r>
+              <a:rPr lang="fr-FR" sz="1800" dirty="0" err="1">
+                <a:effectLst/>
+                <a:latin typeface="Times New Roman" panose="02020603050405020304" pitchFamily="18" charset="0"/>
+                <a:ea typeface="Calibri" panose="020F0502020204030204" pitchFamily="34" charset="0"/>
+                <a:cs typeface="Times New Roman" panose="02020603050405020304" pitchFamily="18" charset="0"/>
+              </a:rPr>
+              <a:t>protein</a:t>
+            </a:r>
+            <a:r>
+              <a:rPr lang="fr-FR" sz="1800" dirty="0">
+                <a:effectLst/>
+                <a:latin typeface="Times New Roman" panose="02020603050405020304" pitchFamily="18" charset="0"/>
+                <a:ea typeface="Calibri" panose="020F0502020204030204" pitchFamily="34" charset="0"/>
+                <a:cs typeface="Times New Roman" panose="02020603050405020304" pitchFamily="18" charset="0"/>
+              </a:rPr>
+              <a:t> </a:t>
+            </a:r>
+            <a:r>
+              <a:rPr lang="fr-FR" sz="1800" dirty="0" err="1">
+                <a:effectLst/>
+                <a:latin typeface="Times New Roman" panose="02020603050405020304" pitchFamily="18" charset="0"/>
+                <a:ea typeface="Calibri" panose="020F0502020204030204" pitchFamily="34" charset="0"/>
+                <a:cs typeface="Times New Roman" panose="02020603050405020304" pitchFamily="18" charset="0"/>
+              </a:rPr>
+              <a:t>language</a:t>
+            </a:r>
+            <a:r>
+              <a:rPr lang="fr-FR" sz="1800" dirty="0">
+                <a:effectLst/>
+                <a:latin typeface="Times New Roman" panose="02020603050405020304" pitchFamily="18" charset="0"/>
+                <a:ea typeface="Calibri" panose="020F0502020204030204" pitchFamily="34" charset="0"/>
+                <a:cs typeface="Times New Roman" panose="02020603050405020304" pitchFamily="18" charset="0"/>
+              </a:rPr>
+              <a:t>: Evolution, structure, and </a:t>
+            </a:r>
+            <a:r>
+              <a:rPr lang="fr-FR" sz="1800" dirty="0" err="1">
+                <a:effectLst/>
+                <a:latin typeface="Times New Roman" panose="02020603050405020304" pitchFamily="18" charset="0"/>
+                <a:ea typeface="Calibri" panose="020F0502020204030204" pitchFamily="34" charset="0"/>
+                <a:cs typeface="Times New Roman" panose="02020603050405020304" pitchFamily="18" charset="0"/>
+              </a:rPr>
+              <a:t>function</a:t>
+            </a:r>
+            <a:r>
+              <a:rPr lang="fr-FR" sz="1800" dirty="0">
+                <a:effectLst/>
+                <a:latin typeface="Times New Roman" panose="02020603050405020304" pitchFamily="18" charset="0"/>
+                <a:ea typeface="Calibri" panose="020F0502020204030204" pitchFamily="34" charset="0"/>
+                <a:cs typeface="Times New Roman" panose="02020603050405020304" pitchFamily="18" charset="0"/>
+              </a:rPr>
+              <a:t>.</a:t>
+            </a:r>
+            <a:endParaRPr lang="fr-FR" sz="1800" dirty="0">
+              <a:effectLst/>
+              <a:latin typeface="Calibri" panose="020F0502020204030204" pitchFamily="34" charset="0"/>
+              <a:ea typeface="Calibri" panose="020F0502020204030204" pitchFamily="34" charset="0"/>
+              <a:cs typeface="Times New Roman" panose="02020603050405020304" pitchFamily="18" charset="0"/>
+            </a:endParaRPr>
+          </a:p>
+          <a:p>
+            <a:pPr marL="342900" lvl="0" indent="-342900">
+              <a:lnSpc>
+                <a:spcPct val="107000"/>
+              </a:lnSpc>
+              <a:buFont typeface="+mj-lt"/>
+              <a:buAutoNum type="arabicPeriod"/>
+            </a:pPr>
+            <a:r>
+              <a:rPr lang="fr-FR" sz="1800" dirty="0" err="1">
+                <a:effectLst/>
+                <a:latin typeface="Times New Roman" panose="02020603050405020304" pitchFamily="18" charset="0"/>
+                <a:ea typeface="Calibri" panose="020F0502020204030204" pitchFamily="34" charset="0"/>
+                <a:cs typeface="Times New Roman" panose="02020603050405020304" pitchFamily="18" charset="0"/>
+              </a:rPr>
+              <a:t>Needleman</a:t>
+            </a:r>
+            <a:r>
+              <a:rPr lang="fr-FR" sz="1800" dirty="0">
+                <a:effectLst/>
+                <a:latin typeface="Times New Roman" panose="02020603050405020304" pitchFamily="18" charset="0"/>
+                <a:ea typeface="Calibri" panose="020F0502020204030204" pitchFamily="34" charset="0"/>
+                <a:cs typeface="Times New Roman" panose="02020603050405020304" pitchFamily="18" charset="0"/>
+              </a:rPr>
+              <a:t>, Saul B. &amp; </a:t>
+            </a:r>
+            <a:r>
+              <a:rPr lang="fr-FR" sz="1800" dirty="0" err="1">
+                <a:effectLst/>
+                <a:latin typeface="Times New Roman" panose="02020603050405020304" pitchFamily="18" charset="0"/>
+                <a:ea typeface="Calibri" panose="020F0502020204030204" pitchFamily="34" charset="0"/>
+                <a:cs typeface="Times New Roman" panose="02020603050405020304" pitchFamily="18" charset="0"/>
+              </a:rPr>
+              <a:t>Wunsch</a:t>
+            </a:r>
+            <a:r>
+              <a:rPr lang="fr-FR" sz="1800" dirty="0">
+                <a:effectLst/>
+                <a:latin typeface="Times New Roman" panose="02020603050405020304" pitchFamily="18" charset="0"/>
+                <a:ea typeface="Calibri" panose="020F0502020204030204" pitchFamily="34" charset="0"/>
+                <a:cs typeface="Times New Roman" panose="02020603050405020304" pitchFamily="18" charset="0"/>
+              </a:rPr>
+              <a:t>, Christian D. (1970) A </a:t>
+            </a:r>
+            <a:r>
+              <a:rPr lang="fr-FR" sz="1800" dirty="0" err="1">
+                <a:effectLst/>
+                <a:latin typeface="Times New Roman" panose="02020603050405020304" pitchFamily="18" charset="0"/>
+                <a:ea typeface="Calibri" panose="020F0502020204030204" pitchFamily="34" charset="0"/>
+                <a:cs typeface="Times New Roman" panose="02020603050405020304" pitchFamily="18" charset="0"/>
+              </a:rPr>
+              <a:t>general</a:t>
+            </a:r>
+            <a:r>
+              <a:rPr lang="fr-FR" sz="1800" dirty="0">
+                <a:effectLst/>
+                <a:latin typeface="Times New Roman" panose="02020603050405020304" pitchFamily="18" charset="0"/>
+                <a:ea typeface="Calibri" panose="020F0502020204030204" pitchFamily="34" charset="0"/>
+                <a:cs typeface="Times New Roman" panose="02020603050405020304" pitchFamily="18" charset="0"/>
+              </a:rPr>
+              <a:t> </a:t>
+            </a:r>
+            <a:r>
+              <a:rPr lang="fr-FR" sz="1800" dirty="0" err="1">
+                <a:effectLst/>
+                <a:latin typeface="Times New Roman" panose="02020603050405020304" pitchFamily="18" charset="0"/>
+                <a:ea typeface="Calibri" panose="020F0502020204030204" pitchFamily="34" charset="0"/>
+                <a:cs typeface="Times New Roman" panose="02020603050405020304" pitchFamily="18" charset="0"/>
+              </a:rPr>
+              <a:t>method</a:t>
+            </a:r>
+            <a:r>
+              <a:rPr lang="fr-FR" sz="1800" dirty="0">
+                <a:effectLst/>
+                <a:latin typeface="Times New Roman" panose="02020603050405020304" pitchFamily="18" charset="0"/>
+                <a:ea typeface="Calibri" panose="020F0502020204030204" pitchFamily="34" charset="0"/>
+                <a:cs typeface="Times New Roman" panose="02020603050405020304" pitchFamily="18" charset="0"/>
+              </a:rPr>
+              <a:t> applicable to the </a:t>
+            </a:r>
+            <a:r>
+              <a:rPr lang="fr-FR" sz="1800" dirty="0" err="1">
+                <a:effectLst/>
+                <a:latin typeface="Times New Roman" panose="02020603050405020304" pitchFamily="18" charset="0"/>
+                <a:ea typeface="Calibri" panose="020F0502020204030204" pitchFamily="34" charset="0"/>
+                <a:cs typeface="Times New Roman" panose="02020603050405020304" pitchFamily="18" charset="0"/>
+              </a:rPr>
+              <a:t>search</a:t>
+            </a:r>
+            <a:r>
+              <a:rPr lang="fr-FR" sz="1800" dirty="0">
+                <a:effectLst/>
+                <a:latin typeface="Times New Roman" panose="02020603050405020304" pitchFamily="18" charset="0"/>
+                <a:ea typeface="Calibri" panose="020F0502020204030204" pitchFamily="34" charset="0"/>
+                <a:cs typeface="Times New Roman" panose="02020603050405020304" pitchFamily="18" charset="0"/>
+              </a:rPr>
+              <a:t> for </a:t>
+            </a:r>
+            <a:r>
+              <a:rPr lang="fr-FR" sz="1800" dirty="0" err="1">
+                <a:effectLst/>
+                <a:latin typeface="Times New Roman" panose="02020603050405020304" pitchFamily="18" charset="0"/>
+                <a:ea typeface="Calibri" panose="020F0502020204030204" pitchFamily="34" charset="0"/>
+                <a:cs typeface="Times New Roman" panose="02020603050405020304" pitchFamily="18" charset="0"/>
+              </a:rPr>
+              <a:t>similarities</a:t>
+            </a:r>
+            <a:r>
+              <a:rPr lang="fr-FR" sz="1800" dirty="0">
+                <a:effectLst/>
+                <a:latin typeface="Times New Roman" panose="02020603050405020304" pitchFamily="18" charset="0"/>
+                <a:ea typeface="Calibri" panose="020F0502020204030204" pitchFamily="34" charset="0"/>
+                <a:cs typeface="Times New Roman" panose="02020603050405020304" pitchFamily="18" charset="0"/>
+              </a:rPr>
+              <a:t> in the </a:t>
+            </a:r>
+            <a:r>
+              <a:rPr lang="fr-FR" sz="1800" dirty="0" err="1">
+                <a:effectLst/>
+                <a:latin typeface="Times New Roman" panose="02020603050405020304" pitchFamily="18" charset="0"/>
+                <a:ea typeface="Calibri" panose="020F0502020204030204" pitchFamily="34" charset="0"/>
+                <a:cs typeface="Times New Roman" panose="02020603050405020304" pitchFamily="18" charset="0"/>
+              </a:rPr>
+              <a:t>amino</a:t>
+            </a:r>
+            <a:r>
+              <a:rPr lang="fr-FR" sz="1800" dirty="0">
+                <a:effectLst/>
+                <a:latin typeface="Times New Roman" panose="02020603050405020304" pitchFamily="18" charset="0"/>
+                <a:ea typeface="Calibri" panose="020F0502020204030204" pitchFamily="34" charset="0"/>
+                <a:cs typeface="Times New Roman" panose="02020603050405020304" pitchFamily="18" charset="0"/>
+              </a:rPr>
+              <a:t> </a:t>
+            </a:r>
+            <a:r>
+              <a:rPr lang="fr-FR" sz="1800" dirty="0" err="1">
+                <a:effectLst/>
+                <a:latin typeface="Times New Roman" panose="02020603050405020304" pitchFamily="18" charset="0"/>
+                <a:ea typeface="Calibri" panose="020F0502020204030204" pitchFamily="34" charset="0"/>
+                <a:cs typeface="Times New Roman" panose="02020603050405020304" pitchFamily="18" charset="0"/>
+              </a:rPr>
+              <a:t>acid</a:t>
+            </a:r>
+            <a:r>
+              <a:rPr lang="fr-FR" sz="1800" dirty="0">
+                <a:effectLst/>
+                <a:latin typeface="Times New Roman" panose="02020603050405020304" pitchFamily="18" charset="0"/>
+                <a:ea typeface="Calibri" panose="020F0502020204030204" pitchFamily="34" charset="0"/>
+                <a:cs typeface="Times New Roman" panose="02020603050405020304" pitchFamily="18" charset="0"/>
+              </a:rPr>
+              <a:t> </a:t>
+            </a:r>
+            <a:r>
+              <a:rPr lang="fr-FR" sz="1800" dirty="0" err="1">
+                <a:effectLst/>
+                <a:latin typeface="Times New Roman" panose="02020603050405020304" pitchFamily="18" charset="0"/>
+                <a:ea typeface="Calibri" panose="020F0502020204030204" pitchFamily="34" charset="0"/>
+                <a:cs typeface="Times New Roman" panose="02020603050405020304" pitchFamily="18" charset="0"/>
+              </a:rPr>
+              <a:t>sequence</a:t>
+            </a:r>
+            <a:r>
+              <a:rPr lang="fr-FR" sz="1800" dirty="0">
+                <a:effectLst/>
+                <a:latin typeface="Times New Roman" panose="02020603050405020304" pitchFamily="18" charset="0"/>
+                <a:ea typeface="Calibri" panose="020F0502020204030204" pitchFamily="34" charset="0"/>
+                <a:cs typeface="Times New Roman" panose="02020603050405020304" pitchFamily="18" charset="0"/>
+              </a:rPr>
+              <a:t> of </a:t>
+            </a:r>
+            <a:r>
+              <a:rPr lang="fr-FR" sz="1800" dirty="0" err="1">
+                <a:effectLst/>
+                <a:latin typeface="Times New Roman" panose="02020603050405020304" pitchFamily="18" charset="0"/>
+                <a:ea typeface="Calibri" panose="020F0502020204030204" pitchFamily="34" charset="0"/>
+                <a:cs typeface="Times New Roman" panose="02020603050405020304" pitchFamily="18" charset="0"/>
+              </a:rPr>
+              <a:t>two</a:t>
+            </a:r>
+            <a:r>
+              <a:rPr lang="fr-FR" sz="1800" dirty="0">
+                <a:effectLst/>
+                <a:latin typeface="Times New Roman" panose="02020603050405020304" pitchFamily="18" charset="0"/>
+                <a:ea typeface="Calibri" panose="020F0502020204030204" pitchFamily="34" charset="0"/>
+                <a:cs typeface="Times New Roman" panose="02020603050405020304" pitchFamily="18" charset="0"/>
+              </a:rPr>
+              <a:t> </a:t>
+            </a:r>
+            <a:r>
+              <a:rPr lang="fr-FR" sz="1800" dirty="0" err="1">
+                <a:effectLst/>
+                <a:latin typeface="Times New Roman" panose="02020603050405020304" pitchFamily="18" charset="0"/>
+                <a:ea typeface="Calibri" panose="020F0502020204030204" pitchFamily="34" charset="0"/>
+                <a:cs typeface="Times New Roman" panose="02020603050405020304" pitchFamily="18" charset="0"/>
+              </a:rPr>
+              <a:t>proteins</a:t>
+            </a:r>
+            <a:r>
+              <a:rPr lang="fr-FR" sz="1800" dirty="0">
+                <a:effectLst/>
+                <a:latin typeface="Times New Roman" panose="02020603050405020304" pitchFamily="18" charset="0"/>
+                <a:ea typeface="Calibri" panose="020F0502020204030204" pitchFamily="34" charset="0"/>
+                <a:cs typeface="Times New Roman" panose="02020603050405020304" pitchFamily="18" charset="0"/>
+              </a:rPr>
+              <a:t>.</a:t>
+            </a:r>
+            <a:endParaRPr lang="fr-FR" sz="1800" dirty="0">
+              <a:effectLst/>
+              <a:latin typeface="Calibri" panose="020F0502020204030204" pitchFamily="34" charset="0"/>
+              <a:ea typeface="Calibri" panose="020F0502020204030204" pitchFamily="34" charset="0"/>
+              <a:cs typeface="Times New Roman" panose="02020603050405020304" pitchFamily="18" charset="0"/>
+            </a:endParaRPr>
+          </a:p>
+          <a:p>
+            <a:pPr marL="342900" lvl="0" indent="-342900">
+              <a:lnSpc>
+                <a:spcPct val="107000"/>
+              </a:lnSpc>
+              <a:buFont typeface="+mj-lt"/>
+              <a:buAutoNum type="arabicPeriod"/>
+            </a:pPr>
+            <a:r>
+              <a:rPr lang="fr-FR" sz="1800" dirty="0">
+                <a:effectLst/>
+                <a:latin typeface="Times New Roman" panose="02020603050405020304" pitchFamily="18" charset="0"/>
+                <a:ea typeface="Calibri" panose="020F0502020204030204" pitchFamily="34" charset="0"/>
+                <a:cs typeface="Times New Roman" panose="02020603050405020304" pitchFamily="18" charset="0"/>
+              </a:rPr>
+              <a:t>Smith, Temple F. &amp; Waterman, Michael S. (1981) Identification of Common </a:t>
+            </a:r>
+            <a:r>
+              <a:rPr lang="fr-FR" sz="1800" dirty="0" err="1">
+                <a:effectLst/>
+                <a:latin typeface="Times New Roman" panose="02020603050405020304" pitchFamily="18" charset="0"/>
+                <a:ea typeface="Calibri" panose="020F0502020204030204" pitchFamily="34" charset="0"/>
+                <a:cs typeface="Times New Roman" panose="02020603050405020304" pitchFamily="18" charset="0"/>
+              </a:rPr>
+              <a:t>Molecular</a:t>
+            </a:r>
+            <a:r>
+              <a:rPr lang="fr-FR" sz="1800" dirty="0">
+                <a:effectLst/>
+                <a:latin typeface="Times New Roman" panose="02020603050405020304" pitchFamily="18" charset="0"/>
+                <a:ea typeface="Calibri" panose="020F0502020204030204" pitchFamily="34" charset="0"/>
+                <a:cs typeface="Times New Roman" panose="02020603050405020304" pitchFamily="18" charset="0"/>
+              </a:rPr>
+              <a:t> </a:t>
+            </a:r>
+            <a:r>
+              <a:rPr lang="fr-FR" sz="1800" dirty="0" err="1">
+                <a:effectLst/>
+                <a:latin typeface="Times New Roman" panose="02020603050405020304" pitchFamily="18" charset="0"/>
+                <a:ea typeface="Calibri" panose="020F0502020204030204" pitchFamily="34" charset="0"/>
+                <a:cs typeface="Times New Roman" panose="02020603050405020304" pitchFamily="18" charset="0"/>
+              </a:rPr>
+              <a:t>Subsequences</a:t>
+            </a:r>
+            <a:r>
+              <a:rPr lang="fr-FR" sz="1800" dirty="0">
+                <a:effectLst/>
+                <a:latin typeface="Times New Roman" panose="02020603050405020304" pitchFamily="18" charset="0"/>
+                <a:ea typeface="Calibri" panose="020F0502020204030204" pitchFamily="34" charset="0"/>
+                <a:cs typeface="Times New Roman" panose="02020603050405020304" pitchFamily="18" charset="0"/>
+              </a:rPr>
+              <a:t>.</a:t>
+            </a:r>
+            <a:endParaRPr lang="fr-FR" sz="1800" dirty="0">
+              <a:effectLst/>
+              <a:latin typeface="Calibri" panose="020F0502020204030204" pitchFamily="34" charset="0"/>
+              <a:ea typeface="Calibri" panose="020F0502020204030204" pitchFamily="34" charset="0"/>
+              <a:cs typeface="Times New Roman" panose="02020603050405020304" pitchFamily="18" charset="0"/>
+            </a:endParaRPr>
+          </a:p>
+          <a:p>
+            <a:pPr marL="342900" lvl="0" indent="-342900">
+              <a:lnSpc>
+                <a:spcPct val="107000"/>
+              </a:lnSpc>
+              <a:buFont typeface="+mj-lt"/>
+              <a:buAutoNum type="arabicPeriod"/>
+            </a:pPr>
+            <a:r>
+              <a:rPr lang="fr-FR" sz="1800" u="none" strike="noStrike" dirty="0">
+                <a:solidFill>
+                  <a:srgbClr val="0000FF"/>
+                </a:solidFill>
+                <a:effectLst/>
+                <a:latin typeface="Times New Roman" panose="02020603050405020304" pitchFamily="18" charset="0"/>
+                <a:ea typeface="Calibri" panose="020F0502020204030204" pitchFamily="34" charset="0"/>
+                <a:cs typeface="Times New Roman" panose="02020603050405020304" pitchFamily="18" charset="0"/>
+                <a:hlinkClick r:id="rId2"/>
+              </a:rPr>
+              <a:t>A </a:t>
+            </a:r>
+            <a:r>
+              <a:rPr lang="fr-FR" sz="1800" u="none" strike="noStrike" dirty="0" err="1">
+                <a:solidFill>
+                  <a:srgbClr val="0000FF"/>
+                </a:solidFill>
+                <a:effectLst/>
+                <a:latin typeface="Times New Roman" panose="02020603050405020304" pitchFamily="18" charset="0"/>
+                <a:ea typeface="Calibri" panose="020F0502020204030204" pitchFamily="34" charset="0"/>
+                <a:cs typeface="Times New Roman" panose="02020603050405020304" pitchFamily="18" charset="0"/>
+                <a:hlinkClick r:id="rId2"/>
+              </a:rPr>
+              <a:t>Elnaggar</a:t>
+            </a:r>
+            <a:r>
+              <a:rPr lang="fr-FR" sz="1800" dirty="0">
+                <a:effectLst/>
+                <a:latin typeface="Times New Roman" panose="02020603050405020304" pitchFamily="18" charset="0"/>
+                <a:ea typeface="Calibri" panose="020F0502020204030204" pitchFamily="34" charset="0"/>
+                <a:cs typeface="Times New Roman" panose="02020603050405020304" pitchFamily="18" charset="0"/>
+              </a:rPr>
+              <a:t> et al. (2020) </a:t>
+            </a:r>
+            <a:r>
+              <a:rPr lang="fr-FR" sz="1800" dirty="0" err="1">
+                <a:effectLst/>
+                <a:latin typeface="Times New Roman" panose="02020603050405020304" pitchFamily="18" charset="0"/>
+                <a:ea typeface="Calibri" panose="020F0502020204030204" pitchFamily="34" charset="0"/>
+                <a:cs typeface="Times New Roman" panose="02020603050405020304" pitchFamily="18" charset="0"/>
+              </a:rPr>
+              <a:t>ProtTrans</a:t>
+            </a:r>
+            <a:r>
+              <a:rPr lang="fr-FR" sz="1800" dirty="0">
+                <a:effectLst/>
+                <a:latin typeface="Times New Roman" panose="02020603050405020304" pitchFamily="18" charset="0"/>
+                <a:ea typeface="Calibri" panose="020F0502020204030204" pitchFamily="34" charset="0"/>
+                <a:cs typeface="Times New Roman" panose="02020603050405020304" pitchFamily="18" charset="0"/>
+              </a:rPr>
+              <a:t>: </a:t>
+            </a:r>
+            <a:r>
+              <a:rPr lang="fr-FR" sz="1800" dirty="0" err="1">
+                <a:effectLst/>
+                <a:latin typeface="Times New Roman" panose="02020603050405020304" pitchFamily="18" charset="0"/>
+                <a:ea typeface="Calibri" panose="020F0502020204030204" pitchFamily="34" charset="0"/>
+                <a:cs typeface="Times New Roman" panose="02020603050405020304" pitchFamily="18" charset="0"/>
+              </a:rPr>
+              <a:t>Towards</a:t>
+            </a:r>
+            <a:r>
+              <a:rPr lang="fr-FR" sz="1800" dirty="0">
+                <a:effectLst/>
+                <a:latin typeface="Times New Roman" panose="02020603050405020304" pitchFamily="18" charset="0"/>
+                <a:ea typeface="Calibri" panose="020F0502020204030204" pitchFamily="34" charset="0"/>
+                <a:cs typeface="Times New Roman" panose="02020603050405020304" pitchFamily="18" charset="0"/>
+              </a:rPr>
+              <a:t> Cracking the </a:t>
+            </a:r>
+            <a:r>
+              <a:rPr lang="fr-FR" sz="1800" dirty="0" err="1">
+                <a:effectLst/>
+                <a:latin typeface="Times New Roman" panose="02020603050405020304" pitchFamily="18" charset="0"/>
+                <a:ea typeface="Calibri" panose="020F0502020204030204" pitchFamily="34" charset="0"/>
+                <a:cs typeface="Times New Roman" panose="02020603050405020304" pitchFamily="18" charset="0"/>
+              </a:rPr>
+              <a:t>Language</a:t>
+            </a:r>
+            <a:r>
+              <a:rPr lang="fr-FR" sz="1800" dirty="0">
+                <a:effectLst/>
+                <a:latin typeface="Times New Roman" panose="02020603050405020304" pitchFamily="18" charset="0"/>
+                <a:ea typeface="Calibri" panose="020F0502020204030204" pitchFamily="34" charset="0"/>
+                <a:cs typeface="Times New Roman" panose="02020603050405020304" pitchFamily="18" charset="0"/>
+              </a:rPr>
+              <a:t> of </a:t>
+            </a:r>
+            <a:r>
+              <a:rPr lang="fr-FR" sz="1800" dirty="0" err="1">
+                <a:effectLst/>
+                <a:latin typeface="Times New Roman" panose="02020603050405020304" pitchFamily="18" charset="0"/>
+                <a:ea typeface="Calibri" panose="020F0502020204030204" pitchFamily="34" charset="0"/>
+                <a:cs typeface="Times New Roman" panose="02020603050405020304" pitchFamily="18" charset="0"/>
+              </a:rPr>
+              <a:t>Life's</a:t>
+            </a:r>
+            <a:r>
+              <a:rPr lang="fr-FR" sz="1800" dirty="0">
+                <a:effectLst/>
+                <a:latin typeface="Times New Roman" panose="02020603050405020304" pitchFamily="18" charset="0"/>
+                <a:ea typeface="Calibri" panose="020F0502020204030204" pitchFamily="34" charset="0"/>
+                <a:cs typeface="Times New Roman" panose="02020603050405020304" pitchFamily="18" charset="0"/>
+              </a:rPr>
+              <a:t> Code </a:t>
+            </a:r>
+            <a:r>
+              <a:rPr lang="fr-FR" sz="1800" dirty="0" err="1">
+                <a:effectLst/>
+                <a:latin typeface="Times New Roman" panose="02020603050405020304" pitchFamily="18" charset="0"/>
+                <a:ea typeface="Calibri" panose="020F0502020204030204" pitchFamily="34" charset="0"/>
+                <a:cs typeface="Times New Roman" panose="02020603050405020304" pitchFamily="18" charset="0"/>
+              </a:rPr>
+              <a:t>Through</a:t>
+            </a:r>
+            <a:r>
+              <a:rPr lang="fr-FR" sz="1800" dirty="0">
+                <a:effectLst/>
+                <a:latin typeface="Times New Roman" panose="02020603050405020304" pitchFamily="18" charset="0"/>
+                <a:ea typeface="Calibri" panose="020F0502020204030204" pitchFamily="34" charset="0"/>
+                <a:cs typeface="Times New Roman" panose="02020603050405020304" pitchFamily="18" charset="0"/>
+              </a:rPr>
+              <a:t> Self-</a:t>
+            </a:r>
+            <a:r>
+              <a:rPr lang="fr-FR" sz="1800" dirty="0" err="1">
+                <a:effectLst/>
+                <a:latin typeface="Times New Roman" panose="02020603050405020304" pitchFamily="18" charset="0"/>
+                <a:ea typeface="Calibri" panose="020F0502020204030204" pitchFamily="34" charset="0"/>
+                <a:cs typeface="Times New Roman" panose="02020603050405020304" pitchFamily="18" charset="0"/>
+              </a:rPr>
+              <a:t>Supervised</a:t>
+            </a:r>
+            <a:r>
+              <a:rPr lang="fr-FR" sz="1800" dirty="0">
+                <a:effectLst/>
+                <a:latin typeface="Times New Roman" panose="02020603050405020304" pitchFamily="18" charset="0"/>
+                <a:ea typeface="Calibri" panose="020F0502020204030204" pitchFamily="34" charset="0"/>
+                <a:cs typeface="Times New Roman" panose="02020603050405020304" pitchFamily="18" charset="0"/>
+              </a:rPr>
+              <a:t> </a:t>
+            </a:r>
+            <a:r>
+              <a:rPr lang="fr-FR" sz="1800" dirty="0" err="1">
+                <a:effectLst/>
+                <a:latin typeface="Times New Roman" panose="02020603050405020304" pitchFamily="18" charset="0"/>
+                <a:ea typeface="Calibri" panose="020F0502020204030204" pitchFamily="34" charset="0"/>
+                <a:cs typeface="Times New Roman" panose="02020603050405020304" pitchFamily="18" charset="0"/>
+              </a:rPr>
+              <a:t>Deep</a:t>
+            </a:r>
+            <a:r>
+              <a:rPr lang="fr-FR" sz="1800" dirty="0">
+                <a:effectLst/>
+                <a:latin typeface="Times New Roman" panose="02020603050405020304" pitchFamily="18" charset="0"/>
+                <a:ea typeface="Calibri" panose="020F0502020204030204" pitchFamily="34" charset="0"/>
+                <a:cs typeface="Times New Roman" panose="02020603050405020304" pitchFamily="18" charset="0"/>
+              </a:rPr>
+              <a:t> Learning and High Performance </a:t>
+            </a:r>
+            <a:r>
+              <a:rPr lang="fr-FR" sz="1800" dirty="0" err="1">
+                <a:effectLst/>
+                <a:latin typeface="Times New Roman" panose="02020603050405020304" pitchFamily="18" charset="0"/>
+                <a:ea typeface="Calibri" panose="020F0502020204030204" pitchFamily="34" charset="0"/>
+                <a:cs typeface="Times New Roman" panose="02020603050405020304" pitchFamily="18" charset="0"/>
+              </a:rPr>
+              <a:t>Computing</a:t>
+            </a:r>
+            <a:r>
+              <a:rPr lang="fr-FR" sz="1800" dirty="0">
+                <a:effectLst/>
+                <a:latin typeface="Times New Roman" panose="02020603050405020304" pitchFamily="18" charset="0"/>
+                <a:ea typeface="Calibri" panose="020F0502020204030204" pitchFamily="34" charset="0"/>
+                <a:cs typeface="Times New Roman" panose="02020603050405020304" pitchFamily="18" charset="0"/>
+              </a:rPr>
+              <a:t> </a:t>
+            </a:r>
+            <a:endParaRPr lang="fr-FR" sz="1800" dirty="0">
+              <a:effectLst/>
+              <a:latin typeface="Calibri" panose="020F0502020204030204" pitchFamily="34" charset="0"/>
+              <a:ea typeface="Calibri" panose="020F0502020204030204" pitchFamily="34" charset="0"/>
+              <a:cs typeface="Times New Roman" panose="02020603050405020304" pitchFamily="18" charset="0"/>
+            </a:endParaRPr>
+          </a:p>
+          <a:p>
+            <a:pPr marL="342900" lvl="0" indent="-342900">
+              <a:lnSpc>
+                <a:spcPct val="107000"/>
+              </a:lnSpc>
+              <a:buFont typeface="+mj-lt"/>
+              <a:buAutoNum type="arabicPeriod"/>
+            </a:pPr>
+            <a:r>
+              <a:rPr lang="fr-FR" sz="1800" dirty="0">
+                <a:effectLst/>
+                <a:latin typeface="Times New Roman" panose="02020603050405020304" pitchFamily="18" charset="0"/>
+                <a:ea typeface="Calibri" panose="020F0502020204030204" pitchFamily="34" charset="0"/>
+                <a:cs typeface="Times New Roman" panose="02020603050405020304" pitchFamily="18" charset="0"/>
+              </a:rPr>
+              <a:t>Page pdb de la 6-phosphofructo-2-kinase/fructose-2,6-bisphosphatase </a:t>
+            </a:r>
+            <a:r>
+              <a:rPr lang="fr-FR" sz="1800" dirty="0" err="1">
+                <a:effectLst/>
+                <a:latin typeface="Times New Roman" panose="02020603050405020304" pitchFamily="18" charset="0"/>
+                <a:ea typeface="Calibri" panose="020F0502020204030204" pitchFamily="34" charset="0"/>
+                <a:cs typeface="Times New Roman" panose="02020603050405020304" pitchFamily="18" charset="0"/>
+              </a:rPr>
+              <a:t>bifunctional</a:t>
+            </a:r>
+            <a:r>
+              <a:rPr lang="fr-FR" sz="1800" dirty="0">
+                <a:effectLst/>
+                <a:latin typeface="Times New Roman" panose="02020603050405020304" pitchFamily="18" charset="0"/>
+                <a:ea typeface="Calibri" panose="020F0502020204030204" pitchFamily="34" charset="0"/>
+                <a:cs typeface="Times New Roman" panose="02020603050405020304" pitchFamily="18" charset="0"/>
+              </a:rPr>
+              <a:t> enzyme </a:t>
+            </a:r>
+            <a:r>
+              <a:rPr lang="fr-FR" sz="1800" dirty="0" err="1">
+                <a:effectLst/>
+                <a:latin typeface="Times New Roman" panose="02020603050405020304" pitchFamily="18" charset="0"/>
+                <a:ea typeface="Calibri" panose="020F0502020204030204" pitchFamily="34" charset="0"/>
+                <a:cs typeface="Times New Roman" panose="02020603050405020304" pitchFamily="18" charset="0"/>
+              </a:rPr>
+              <a:t>complexed</a:t>
+            </a:r>
+            <a:r>
+              <a:rPr lang="fr-FR" sz="1800" dirty="0">
+                <a:effectLst/>
+                <a:latin typeface="Times New Roman" panose="02020603050405020304" pitchFamily="18" charset="0"/>
+                <a:ea typeface="Calibri" panose="020F0502020204030204" pitchFamily="34" charset="0"/>
+                <a:cs typeface="Times New Roman" panose="02020603050405020304" pitchFamily="18" charset="0"/>
+              </a:rPr>
+              <a:t> </a:t>
+            </a:r>
+            <a:r>
+              <a:rPr lang="fr-FR" sz="1800" dirty="0" err="1">
+                <a:effectLst/>
+                <a:latin typeface="Times New Roman" panose="02020603050405020304" pitchFamily="18" charset="0"/>
+                <a:ea typeface="Calibri" panose="020F0502020204030204" pitchFamily="34" charset="0"/>
+                <a:cs typeface="Times New Roman" panose="02020603050405020304" pitchFamily="18" charset="0"/>
+              </a:rPr>
+              <a:t>with</a:t>
+            </a:r>
+            <a:r>
+              <a:rPr lang="fr-FR" sz="1800" dirty="0">
+                <a:effectLst/>
+                <a:latin typeface="Times New Roman" panose="02020603050405020304" pitchFamily="18" charset="0"/>
+                <a:ea typeface="Calibri" panose="020F0502020204030204" pitchFamily="34" charset="0"/>
+                <a:cs typeface="Times New Roman" panose="02020603050405020304" pitchFamily="18" charset="0"/>
+              </a:rPr>
+              <a:t> atp-g-s and phosphate : </a:t>
+            </a:r>
+            <a:r>
+              <a:rPr lang="fr-FR" sz="1800" u="sng" dirty="0">
+                <a:solidFill>
+                  <a:srgbClr val="0000FF"/>
+                </a:solidFill>
+                <a:effectLst/>
+                <a:latin typeface="Times New Roman" panose="02020603050405020304" pitchFamily="18" charset="0"/>
+                <a:ea typeface="Calibri" panose="020F0502020204030204" pitchFamily="34" charset="0"/>
+                <a:cs typeface="Times New Roman" panose="02020603050405020304" pitchFamily="18" charset="0"/>
+                <a:hlinkClick r:id="rId3"/>
+              </a:rPr>
+              <a:t>https://www.rcsb.org/structure/1bif</a:t>
+            </a:r>
+            <a:r>
+              <a:rPr lang="fr-FR" sz="1800" dirty="0">
+                <a:effectLst/>
+                <a:latin typeface="Times New Roman" panose="02020603050405020304" pitchFamily="18" charset="0"/>
+                <a:ea typeface="Calibri" panose="020F0502020204030204" pitchFamily="34" charset="0"/>
+                <a:cs typeface="Times New Roman" panose="02020603050405020304" pitchFamily="18" charset="0"/>
+              </a:rPr>
+              <a:t> </a:t>
+            </a:r>
+            <a:endParaRPr lang="fr-FR" sz="1800" dirty="0">
+              <a:effectLst/>
+              <a:latin typeface="Calibri" panose="020F0502020204030204" pitchFamily="34" charset="0"/>
+              <a:ea typeface="Calibri" panose="020F0502020204030204" pitchFamily="34" charset="0"/>
+              <a:cs typeface="Times New Roman" panose="02020603050405020304" pitchFamily="18" charset="0"/>
+            </a:endParaRPr>
+          </a:p>
+          <a:p>
+            <a:pPr marL="342900" lvl="0" indent="-342900">
+              <a:lnSpc>
+                <a:spcPct val="107000"/>
+              </a:lnSpc>
+              <a:buFont typeface="+mj-lt"/>
+              <a:buAutoNum type="arabicPeriod"/>
+            </a:pPr>
+            <a:r>
+              <a:rPr lang="fr-FR" sz="1800" dirty="0">
+                <a:effectLst/>
+                <a:latin typeface="Times New Roman" panose="02020603050405020304" pitchFamily="18" charset="0"/>
+                <a:ea typeface="Calibri" panose="020F0502020204030204" pitchFamily="34" charset="0"/>
+                <a:cs typeface="Times New Roman" panose="02020603050405020304" pitchFamily="18" charset="0"/>
+              </a:rPr>
+              <a:t>Page pdb de la hyperthermophile </a:t>
+            </a:r>
+            <a:r>
+              <a:rPr lang="fr-FR" sz="1800" dirty="0" err="1">
+                <a:effectLst/>
+                <a:latin typeface="Times New Roman" panose="02020603050405020304" pitchFamily="18" charset="0"/>
+                <a:ea typeface="Calibri" panose="020F0502020204030204" pitchFamily="34" charset="0"/>
+                <a:cs typeface="Times New Roman" panose="02020603050405020304" pitchFamily="18" charset="0"/>
+              </a:rPr>
+              <a:t>chromosomal</a:t>
+            </a:r>
+            <a:r>
+              <a:rPr lang="fr-FR" sz="1800" dirty="0">
+                <a:effectLst/>
+                <a:latin typeface="Times New Roman" panose="02020603050405020304" pitchFamily="18" charset="0"/>
+                <a:ea typeface="Calibri" panose="020F0502020204030204" pitchFamily="34" charset="0"/>
+                <a:cs typeface="Times New Roman" panose="02020603050405020304" pitchFamily="18" charset="0"/>
+              </a:rPr>
+              <a:t> </a:t>
+            </a:r>
+            <a:r>
+              <a:rPr lang="fr-FR" sz="1800" dirty="0" err="1">
+                <a:effectLst/>
+                <a:latin typeface="Times New Roman" panose="02020603050405020304" pitchFamily="18" charset="0"/>
+                <a:ea typeface="Calibri" panose="020F0502020204030204" pitchFamily="34" charset="0"/>
+                <a:cs typeface="Times New Roman" panose="02020603050405020304" pitchFamily="18" charset="0"/>
+              </a:rPr>
+              <a:t>protein</a:t>
+            </a:r>
+            <a:r>
+              <a:rPr lang="fr-FR" sz="1800" dirty="0">
+                <a:effectLst/>
+                <a:latin typeface="Times New Roman" panose="02020603050405020304" pitchFamily="18" charset="0"/>
+                <a:ea typeface="Calibri" panose="020F0502020204030204" pitchFamily="34" charset="0"/>
+                <a:cs typeface="Times New Roman" panose="02020603050405020304" pitchFamily="18" charset="0"/>
+              </a:rPr>
+              <a:t> sac7d </a:t>
+            </a:r>
+            <a:r>
+              <a:rPr lang="fr-FR" sz="1800" dirty="0" err="1">
+                <a:effectLst/>
+                <a:latin typeface="Times New Roman" panose="02020603050405020304" pitchFamily="18" charset="0"/>
+                <a:ea typeface="Calibri" panose="020F0502020204030204" pitchFamily="34" charset="0"/>
+                <a:cs typeface="Times New Roman" panose="02020603050405020304" pitchFamily="18" charset="0"/>
+              </a:rPr>
+              <a:t>bound</a:t>
+            </a:r>
+            <a:r>
+              <a:rPr lang="fr-FR" sz="1800" dirty="0">
+                <a:effectLst/>
+                <a:latin typeface="Times New Roman" panose="02020603050405020304" pitchFamily="18" charset="0"/>
+                <a:ea typeface="Calibri" panose="020F0502020204030204" pitchFamily="34" charset="0"/>
+                <a:cs typeface="Times New Roman" panose="02020603050405020304" pitchFamily="18" charset="0"/>
+              </a:rPr>
+              <a:t> </a:t>
+            </a:r>
+            <a:r>
+              <a:rPr lang="fr-FR" sz="1800" dirty="0" err="1">
+                <a:effectLst/>
+                <a:latin typeface="Times New Roman" panose="02020603050405020304" pitchFamily="18" charset="0"/>
+                <a:ea typeface="Calibri" panose="020F0502020204030204" pitchFamily="34" charset="0"/>
+                <a:cs typeface="Times New Roman" panose="02020603050405020304" pitchFamily="18" charset="0"/>
+              </a:rPr>
+              <a:t>with</a:t>
+            </a:r>
+            <a:r>
+              <a:rPr lang="fr-FR" sz="1800" dirty="0">
+                <a:effectLst/>
+                <a:latin typeface="Times New Roman" panose="02020603050405020304" pitchFamily="18" charset="0"/>
+                <a:ea typeface="Calibri" panose="020F0502020204030204" pitchFamily="34" charset="0"/>
+                <a:cs typeface="Times New Roman" panose="02020603050405020304" pitchFamily="18" charset="0"/>
+              </a:rPr>
+              <a:t> </a:t>
+            </a:r>
+            <a:r>
+              <a:rPr lang="fr-FR" sz="1800" dirty="0" err="1">
+                <a:effectLst/>
+                <a:latin typeface="Times New Roman" panose="02020603050405020304" pitchFamily="18" charset="0"/>
+                <a:ea typeface="Calibri" panose="020F0502020204030204" pitchFamily="34" charset="0"/>
+                <a:cs typeface="Times New Roman" panose="02020603050405020304" pitchFamily="18" charset="0"/>
+              </a:rPr>
+              <a:t>kinked</a:t>
+            </a:r>
+            <a:r>
+              <a:rPr lang="fr-FR" sz="1800" dirty="0">
+                <a:effectLst/>
+                <a:latin typeface="Times New Roman" panose="02020603050405020304" pitchFamily="18" charset="0"/>
+                <a:ea typeface="Calibri" panose="020F0502020204030204" pitchFamily="34" charset="0"/>
+                <a:cs typeface="Times New Roman" panose="02020603050405020304" pitchFamily="18" charset="0"/>
+              </a:rPr>
+              <a:t> </a:t>
+            </a:r>
+            <a:r>
+              <a:rPr lang="fr-FR" sz="1800" dirty="0" err="1">
+                <a:effectLst/>
+                <a:latin typeface="Times New Roman" panose="02020603050405020304" pitchFamily="18" charset="0"/>
+                <a:ea typeface="Calibri" panose="020F0502020204030204" pitchFamily="34" charset="0"/>
+                <a:cs typeface="Times New Roman" panose="02020603050405020304" pitchFamily="18" charset="0"/>
+              </a:rPr>
+              <a:t>dna</a:t>
+            </a:r>
+            <a:r>
+              <a:rPr lang="fr-FR" sz="1800" dirty="0">
+                <a:effectLst/>
+                <a:latin typeface="Times New Roman" panose="02020603050405020304" pitchFamily="18" charset="0"/>
+                <a:ea typeface="Calibri" panose="020F0502020204030204" pitchFamily="34" charset="0"/>
+                <a:cs typeface="Times New Roman" panose="02020603050405020304" pitchFamily="18" charset="0"/>
+              </a:rPr>
+              <a:t> duplex : </a:t>
+            </a:r>
+            <a:r>
+              <a:rPr lang="fr-FR" sz="1800" u="sng" dirty="0">
+                <a:solidFill>
+                  <a:srgbClr val="0000FF"/>
+                </a:solidFill>
+                <a:effectLst/>
+                <a:latin typeface="Times New Roman" panose="02020603050405020304" pitchFamily="18" charset="0"/>
+                <a:ea typeface="Calibri" panose="020F0502020204030204" pitchFamily="34" charset="0"/>
+                <a:cs typeface="Times New Roman" panose="02020603050405020304" pitchFamily="18" charset="0"/>
+                <a:hlinkClick r:id="rId4"/>
+              </a:rPr>
+              <a:t>https://www.rcsb.org/structure/1azp</a:t>
+            </a:r>
+            <a:r>
+              <a:rPr lang="fr-FR" sz="1800" dirty="0">
+                <a:effectLst/>
+                <a:latin typeface="Times New Roman" panose="02020603050405020304" pitchFamily="18" charset="0"/>
+                <a:ea typeface="Calibri" panose="020F0502020204030204" pitchFamily="34" charset="0"/>
+                <a:cs typeface="Times New Roman" panose="02020603050405020304" pitchFamily="18" charset="0"/>
+              </a:rPr>
+              <a:t> </a:t>
+            </a:r>
+            <a:endParaRPr lang="fr-FR" sz="1800" dirty="0">
+              <a:effectLst/>
+              <a:latin typeface="Calibri" panose="020F0502020204030204" pitchFamily="34" charset="0"/>
+              <a:ea typeface="Calibri" panose="020F0502020204030204" pitchFamily="34" charset="0"/>
+              <a:cs typeface="Times New Roman" panose="02020603050405020304" pitchFamily="18" charset="0"/>
+            </a:endParaRPr>
+          </a:p>
+          <a:p>
+            <a:pPr marL="342900" lvl="0" indent="-342900">
+              <a:lnSpc>
+                <a:spcPct val="107000"/>
+              </a:lnSpc>
+              <a:spcAft>
+                <a:spcPts val="800"/>
+              </a:spcAft>
+              <a:buFont typeface="+mj-lt"/>
+              <a:buAutoNum type="arabicPeriod"/>
+            </a:pPr>
+            <a:r>
+              <a:rPr lang="fr-FR" sz="1800" dirty="0">
+                <a:effectLst/>
+                <a:latin typeface="Times New Roman" panose="02020603050405020304" pitchFamily="18" charset="0"/>
+                <a:ea typeface="Calibri" panose="020F0502020204030204" pitchFamily="34" charset="0"/>
+                <a:cs typeface="Times New Roman" panose="02020603050405020304" pitchFamily="18" charset="0"/>
+              </a:rPr>
+              <a:t>Page pdb de 2AK3 : </a:t>
+            </a:r>
+            <a:r>
+              <a:rPr lang="fr-FR" sz="1800" u="sng" dirty="0">
+                <a:solidFill>
+                  <a:srgbClr val="0000FF"/>
+                </a:solidFill>
+                <a:effectLst/>
+                <a:latin typeface="Times New Roman" panose="02020603050405020304" pitchFamily="18" charset="0"/>
+                <a:ea typeface="Calibri" panose="020F0502020204030204" pitchFamily="34" charset="0"/>
+                <a:cs typeface="Times New Roman" panose="02020603050405020304" pitchFamily="18" charset="0"/>
+                <a:hlinkClick r:id="rId5"/>
+              </a:rPr>
+              <a:t>https://www.rcsb.org/structure/2ak3</a:t>
+            </a:r>
+            <a:r>
+              <a:rPr lang="fr-FR" sz="1800" dirty="0">
+                <a:effectLst/>
+                <a:latin typeface="Times New Roman" panose="02020603050405020304" pitchFamily="18" charset="0"/>
+                <a:ea typeface="Calibri" panose="020F0502020204030204" pitchFamily="34" charset="0"/>
+                <a:cs typeface="Times New Roman" panose="02020603050405020304" pitchFamily="18" charset="0"/>
+              </a:rPr>
+              <a:t> </a:t>
+            </a:r>
+            <a:endParaRPr lang="fr-FR" sz="1800" dirty="0">
+              <a:effectLst/>
+              <a:latin typeface="Calibri" panose="020F0502020204030204" pitchFamily="34" charset="0"/>
+              <a:ea typeface="Calibri" panose="020F0502020204030204" pitchFamily="34" charset="0"/>
+              <a:cs typeface="Times New Roman" panose="02020603050405020304" pitchFamily="18" charset="0"/>
+            </a:endParaRPr>
+          </a:p>
+        </p:txBody>
+      </p:sp>
+      <p:sp>
+        <p:nvSpPr>
+          <p:cNvPr id="6" name="Espace réservé du numéro de diapositive 5">
+            <a:extLst>
+              <a:ext uri="{FF2B5EF4-FFF2-40B4-BE49-F238E27FC236}">
+                <a16:creationId xmlns:a16="http://schemas.microsoft.com/office/drawing/2014/main" id="{EDD49CB1-F959-4004-3097-04AE4D0121BD}"/>
+              </a:ext>
+            </a:extLst>
+          </p:cNvPr>
+          <p:cNvSpPr>
+            <a:spLocks noGrp="1"/>
+          </p:cNvSpPr>
+          <p:nvPr>
+            <p:ph type="sldNum" sz="quarter" idx="12"/>
+          </p:nvPr>
+        </p:nvSpPr>
+        <p:spPr>
+          <a:xfrm>
+            <a:off x="8610600" y="6489520"/>
+            <a:ext cx="2743200" cy="365125"/>
+          </a:xfrm>
+        </p:spPr>
+        <p:txBody>
+          <a:bodyPr/>
+          <a:lstStyle/>
+          <a:p>
+            <a:fld id="{DB0B8EAA-8CF6-49F4-8FA8-2BD42B7C9F8B}" type="slidenum">
+              <a:rPr lang="fr-FR" smtClean="0"/>
+              <a:t>25</a:t>
+            </a:fld>
+            <a:endParaRPr lang="fr-FR"/>
+          </a:p>
+        </p:txBody>
+      </p:sp>
+      <p:pic>
+        <p:nvPicPr>
+          <p:cNvPr id="1026" name="Picture 2" descr="Appellation, logo et charte graphique : tout ce qu'il faut savoir | Université  Paris Cité">
+            <a:extLst>
+              <a:ext uri="{FF2B5EF4-FFF2-40B4-BE49-F238E27FC236}">
+                <a16:creationId xmlns:a16="http://schemas.microsoft.com/office/drawing/2014/main" id="{42388675-4549-B077-D592-84080955D58F}"/>
+              </a:ext>
+            </a:extLst>
+          </p:cNvPr>
+          <p:cNvPicPr>
+            <a:picLocks noChangeAspect="1" noChangeArrowheads="1"/>
+          </p:cNvPicPr>
+          <p:nvPr/>
+        </p:nvPicPr>
+        <p:blipFill>
+          <a:blip r:embed="rId6">
+            <a:extLst>
+              <a:ext uri="{28A0092B-C50C-407E-A947-70E740481C1C}">
+                <a14:useLocalDpi xmlns:a14="http://schemas.microsoft.com/office/drawing/2010/main" val="0"/>
+              </a:ext>
+            </a:extLst>
+          </a:blip>
+          <a:srcRect/>
+          <a:stretch>
+            <a:fillRect/>
+          </a:stretch>
+        </p:blipFill>
+        <p:spPr bwMode="auto">
+          <a:xfrm>
+            <a:off x="11363415" y="121082"/>
+            <a:ext cx="692461" cy="688543"/>
+          </a:xfrm>
+          <a:prstGeom prst="rect">
+            <a:avLst/>
+          </a:prstGeom>
+          <a:noFill/>
+          <a:extLst>
+            <a:ext uri="{909E8E84-426E-40DD-AFC4-6F175D3DCCD1}">
+              <a14:hiddenFill xmlns:a14="http://schemas.microsoft.com/office/drawing/2010/main">
+                <a:solidFill>
+                  <a:srgbClr val="FFFFFF"/>
+                </a:solidFill>
+              </a14:hiddenFill>
+            </a:ext>
+          </a:extLst>
+        </p:spPr>
+      </p:pic>
+      <p:cxnSp>
+        <p:nvCxnSpPr>
+          <p:cNvPr id="8" name="Connecteur droit 7">
+            <a:extLst>
+              <a:ext uri="{FF2B5EF4-FFF2-40B4-BE49-F238E27FC236}">
+                <a16:creationId xmlns:a16="http://schemas.microsoft.com/office/drawing/2014/main" id="{58EF74DE-8092-1233-D850-99E4719D068A}"/>
+              </a:ext>
+            </a:extLst>
+          </p:cNvPr>
+          <p:cNvCxnSpPr/>
+          <p:nvPr/>
+        </p:nvCxnSpPr>
+        <p:spPr>
+          <a:xfrm>
+            <a:off x="145740" y="853585"/>
+            <a:ext cx="11910136" cy="0"/>
+          </a:xfrm>
+          <a:prstGeom prst="line">
+            <a:avLst/>
+          </a:prstGeom>
+          <a:ln w="28575">
+            <a:solidFill>
+              <a:srgbClr val="8B1538"/>
+            </a:solidFill>
+          </a:ln>
+        </p:spPr>
+        <p:style>
+          <a:lnRef idx="1">
+            <a:schemeClr val="accent1"/>
+          </a:lnRef>
+          <a:fillRef idx="0">
+            <a:schemeClr val="accent1"/>
+          </a:fillRef>
+          <a:effectRef idx="0">
+            <a:schemeClr val="accent1"/>
+          </a:effectRef>
+          <a:fontRef idx="minor">
+            <a:schemeClr val="tx1"/>
+          </a:fontRef>
+        </p:style>
+      </p:cxnSp>
+      <p:sp>
+        <p:nvSpPr>
+          <p:cNvPr id="7" name="Espace réservé de la date 3">
+            <a:extLst>
+              <a:ext uri="{FF2B5EF4-FFF2-40B4-BE49-F238E27FC236}">
+                <a16:creationId xmlns:a16="http://schemas.microsoft.com/office/drawing/2014/main" id="{76BB1596-A3EC-F339-4D57-5E00BE5468DC}"/>
+              </a:ext>
+            </a:extLst>
+          </p:cNvPr>
+          <p:cNvSpPr>
+            <a:spLocks noGrp="1"/>
+          </p:cNvSpPr>
+          <p:nvPr>
+            <p:ph type="dt" sz="half" idx="10"/>
+          </p:nvPr>
+        </p:nvSpPr>
+        <p:spPr>
+          <a:xfrm>
+            <a:off x="838200" y="6489520"/>
+            <a:ext cx="2743200" cy="365125"/>
+          </a:xfrm>
+        </p:spPr>
+        <p:txBody>
+          <a:bodyPr/>
+          <a:lstStyle/>
+          <a:p>
+            <a:r>
+              <a:rPr lang="fr-FR" dirty="0"/>
+              <a:t>12/10/2022</a:t>
+            </a:r>
+          </a:p>
+        </p:txBody>
+      </p:sp>
+      <p:sp>
+        <p:nvSpPr>
+          <p:cNvPr id="9" name="Espace réservé du pied de page 4">
+            <a:extLst>
+              <a:ext uri="{FF2B5EF4-FFF2-40B4-BE49-F238E27FC236}">
+                <a16:creationId xmlns:a16="http://schemas.microsoft.com/office/drawing/2014/main" id="{CE5FBD6C-6FE4-1FFE-40FE-CDECCB34C023}"/>
+              </a:ext>
+            </a:extLst>
+          </p:cNvPr>
+          <p:cNvSpPr>
+            <a:spLocks noGrp="1"/>
+          </p:cNvSpPr>
+          <p:nvPr>
+            <p:ph type="ftr" sz="quarter" idx="11"/>
+          </p:nvPr>
+        </p:nvSpPr>
+        <p:spPr>
+          <a:xfrm>
+            <a:off x="3810000" y="6492876"/>
+            <a:ext cx="4800600" cy="365124"/>
+          </a:xfrm>
+        </p:spPr>
+        <p:txBody>
+          <a:bodyPr/>
+          <a:lstStyle/>
+          <a:p>
+            <a:pPr algn="l"/>
+            <a:r>
+              <a:rPr lang="en-US" dirty="0"/>
+              <a:t>Delhomme Jean, </a:t>
+            </a:r>
+            <a:r>
+              <a:rPr lang="en-US" dirty="0" err="1"/>
+              <a:t>Lecourieux</a:t>
+            </a:r>
+            <a:r>
+              <a:rPr lang="en-US" dirty="0"/>
+              <a:t> Adriana, Rousseau Baptiste, </a:t>
+            </a:r>
+            <a:r>
+              <a:rPr lang="en-US" dirty="0" err="1"/>
+              <a:t>Graa</a:t>
+            </a:r>
+            <a:r>
+              <a:rPr lang="en-US" dirty="0"/>
+              <a:t> </a:t>
+            </a:r>
+            <a:r>
+              <a:rPr lang="en-US" dirty="0" err="1"/>
+              <a:t>Maha</a:t>
+            </a:r>
+            <a:endParaRPr lang="en-US" dirty="0"/>
+          </a:p>
+        </p:txBody>
+      </p:sp>
+    </p:spTree>
+    <p:extLst>
+      <p:ext uri="{BB962C8B-B14F-4D97-AF65-F5344CB8AC3E}">
+        <p14:creationId xmlns:p14="http://schemas.microsoft.com/office/powerpoint/2010/main" val="3627111302"/>
+      </p:ext>
+    </p:extLst>
+  </p:cSld>
+  <p:clrMapOvr>
+    <a:masterClrMapping/>
+  </p:clrMapOvr>
+</p:sld>
+</file>
+
+<file path=ppt/slides/slide26.xml><?xml version="1.0" encoding="utf-8"?>
+<p:sld xmlns:a="http://schemas.openxmlformats.org/drawingml/2006/main" xmlns:r="http://schemas.openxmlformats.org/officeDocument/2006/relationships" xmlns:p="http://schemas.openxmlformats.org/presentationml/2006/main">
+  <p:cSld>
+    <p:spTree>
+      <p:nvGrpSpPr>
+        <p:cNvPr id="1" name=""/>
+        <p:cNvGrpSpPr/>
+        <p:nvPr/>
+      </p:nvGrpSpPr>
+      <p:grpSpPr>
+        <a:xfrm>
+          <a:off x="0" y="0"/>
+          <a:ext cx="0" cy="0"/>
+          <a:chOff x="0" y="0"/>
+          <a:chExt cx="0" cy="0"/>
+        </a:xfrm>
+      </p:grpSpPr>
+      <p:sp>
+        <p:nvSpPr>
+          <p:cNvPr id="2" name="Titre 1">
+            <a:extLst>
+              <a:ext uri="{FF2B5EF4-FFF2-40B4-BE49-F238E27FC236}">
+                <a16:creationId xmlns:a16="http://schemas.microsoft.com/office/drawing/2014/main" id="{3AC5EA2C-9518-355B-24FA-608C24FE72E3}"/>
+              </a:ext>
+            </a:extLst>
+          </p:cNvPr>
+          <p:cNvSpPr>
+            <a:spLocks noGrp="1"/>
+          </p:cNvSpPr>
+          <p:nvPr>
+            <p:ph type="title"/>
+          </p:nvPr>
+        </p:nvSpPr>
+        <p:spPr>
+          <a:xfrm>
+            <a:off x="145740" y="118307"/>
+            <a:ext cx="11137778" cy="691318"/>
+          </a:xfrm>
+        </p:spPr>
+        <p:txBody>
+          <a:bodyPr>
+            <a:normAutofit/>
+          </a:bodyPr>
+          <a:lstStyle/>
+          <a:p>
+            <a:r>
+              <a:rPr lang="fr-FR" sz="3200" b="1" dirty="0">
+                <a:latin typeface="Arial" panose="020B0604020202020204" pitchFamily="34" charset="0"/>
+                <a:cs typeface="Arial" panose="020B0604020202020204" pitchFamily="34" charset="0"/>
+              </a:rPr>
               <a:t>Merci de votre écoute</a:t>
             </a:r>
           </a:p>
@@ -12546,7 +13637,7 @@
           <a:p>
             <a:fld id="{DB0B8EAA-8CF6-49F4-8FA8-2BD42B7C9F8B}" type="slidenum">
               <a:rPr lang="fr-FR" smtClean="0"/>
-              <a:t>23</a:t>
+              <a:t>26</a:t>
             </a:fld>
             <a:endParaRPr lang="fr-FR"/>
           </a:p>

--- a/presentation.pptx
+++ b/presentation.pptx
@@ -5,7 +5,7 @@
     <p:sldMasterId id="2147483648" r:id="rId1"/>
   </p:sldMasterIdLst>
   <p:notesMasterIdLst>
-    <p:notesMasterId r:id="rId28"/>
+    <p:notesMasterId r:id="rId26"/>
   </p:notesMasterIdLst>
   <p:sldIdLst>
     <p:sldId id="256" r:id="rId2"/>
@@ -28,12 +28,10 @@
     <p:sldId id="291" r:id="rId19"/>
     <p:sldId id="281" r:id="rId20"/>
     <p:sldId id="275" r:id="rId21"/>
-    <p:sldId id="282" r:id="rId22"/>
-    <p:sldId id="283" r:id="rId23"/>
-    <p:sldId id="284" r:id="rId24"/>
-    <p:sldId id="257" r:id="rId25"/>
-    <p:sldId id="270" r:id="rId26"/>
-    <p:sldId id="271" r:id="rId27"/>
+    <p:sldId id="292" r:id="rId22"/>
+    <p:sldId id="257" r:id="rId23"/>
+    <p:sldId id="270" r:id="rId24"/>
+    <p:sldId id="271" r:id="rId25"/>
   </p:sldIdLst>
   <p:sldSz cx="12192000" cy="6858000"/>
   <p:notesSz cx="6858000" cy="9144000"/>
@@ -9813,7 +9811,7 @@
                 <a:latin typeface="Arial" panose="020B0604020202020204" pitchFamily="34" charset="0"/>
                 <a:cs typeface="Arial" panose="020B0604020202020204" pitchFamily="34" charset="0"/>
               </a:rPr>
-              <a:t>3.1.	Mise en réseau – Réseaux de régulation de gène</a:t>
+              <a:t>3.1.	Mise en réseau</a:t>
             </a:r>
             <a:endParaRPr lang="fr-FR" sz="3200" b="1" baseline="30000" dirty="0">
               <a:latin typeface="Arial" panose="020B0604020202020204" pitchFamily="34" charset="0"/>
@@ -9873,7 +9871,7 @@
         </p:nvSpPr>
         <p:spPr>
           <a:xfrm>
-            <a:off x="3810000" y="6492876"/>
+            <a:off x="3810000" y="6528387"/>
             <a:ext cx="4800600" cy="365124"/>
           </a:xfrm>
         </p:spPr>
@@ -10032,290 +10030,306 @@
           </a:fontRef>
         </p:style>
       </p:cxnSp>
-      <p:sp>
-        <p:nvSpPr>
-          <p:cNvPr id="25" name="Espace réservé du contenu 2">
-            <a:extLst>
-              <a:ext uri="{FF2B5EF4-FFF2-40B4-BE49-F238E27FC236}">
-                <a16:creationId xmlns:a16="http://schemas.microsoft.com/office/drawing/2014/main" id="{57CB1EB0-7288-3F4E-B1CC-99784B654109}"/>
-              </a:ext>
-            </a:extLst>
-          </p:cNvPr>
-          <p:cNvSpPr txBox="1">
-            <a:spLocks/>
-          </p:cNvSpPr>
+      <p:pic>
+        <p:nvPicPr>
+          <p:cNvPr id="3074" name="Picture 2">
+            <a:extLst>
+              <a:ext uri="{FF2B5EF4-FFF2-40B4-BE49-F238E27FC236}">
+                <a16:creationId xmlns:a16="http://schemas.microsoft.com/office/drawing/2014/main" id="{9088C8A7-85A9-E04C-3B41-14115F199DF7}"/>
+              </a:ext>
+            </a:extLst>
+          </p:cNvPr>
+          <p:cNvPicPr>
+            <a:picLocks noChangeAspect="1" noChangeArrowheads="1"/>
+          </p:cNvPicPr>
           <p:nvPr/>
-        </p:nvSpPr>
-        <p:spPr>
-          <a:xfrm>
-            <a:off x="231320" y="1006054"/>
-            <a:ext cx="11824556" cy="5300591"/>
+        </p:nvPicPr>
+        <p:blipFill>
+          <a:blip r:embed="rId3">
+            <a:extLst>
+              <a:ext uri="{28A0092B-C50C-407E-A947-70E740481C1C}">
+                <a14:useLocalDpi xmlns:a14="http://schemas.microsoft.com/office/drawing/2010/main" val="0"/>
+              </a:ext>
+            </a:extLst>
+          </a:blip>
+          <a:srcRect/>
+          <a:stretch>
+            <a:fillRect/>
+          </a:stretch>
+        </p:blipFill>
+        <p:spPr bwMode="auto">
+          <a:xfrm>
+            <a:off x="7981950" y="1592440"/>
+            <a:ext cx="4000500" cy="4000500"/>
           </a:xfrm>
           <a:prstGeom prst="rect">
             <a:avLst/>
           </a:prstGeom>
-        </p:spPr>
-        <p:txBody>
-          <a:bodyPr vert="horz" lIns="91440" tIns="45720" rIns="91440" bIns="45720" rtlCol="0">
-            <a:normAutofit/>
+          <a:noFill/>
+          <a:extLst>
+            <a:ext uri="{909E8E84-426E-40DD-AFC4-6F175D3DCCD1}">
+              <a14:hiddenFill xmlns:a14="http://schemas.microsoft.com/office/drawing/2010/main">
+                <a:solidFill>
+                  <a:srgbClr val="FFFFFF"/>
+                </a:solidFill>
+              </a14:hiddenFill>
+            </a:ext>
+          </a:extLst>
+        </p:spPr>
+      </p:pic>
+      <p:grpSp>
+        <p:nvGrpSpPr>
+          <p:cNvPr id="13" name="Groupe 12">
+            <a:extLst>
+              <a:ext uri="{FF2B5EF4-FFF2-40B4-BE49-F238E27FC236}">
+                <a16:creationId xmlns:a16="http://schemas.microsoft.com/office/drawing/2014/main" id="{1DEC40E4-78A2-BF4B-F281-8847D73B83A0}"/>
+              </a:ext>
+            </a:extLst>
+          </p:cNvPr>
+          <p:cNvGrpSpPr/>
+          <p:nvPr/>
+        </p:nvGrpSpPr>
+        <p:grpSpPr>
+          <a:xfrm>
+            <a:off x="0" y="1509612"/>
+            <a:ext cx="7981950" cy="4446557"/>
+            <a:chOff x="0" y="1509612"/>
+            <a:chExt cx="7981950" cy="4446557"/>
+          </a:xfrm>
+        </p:grpSpPr>
+        <p:pic>
+          <p:nvPicPr>
+            <p:cNvPr id="3" name="Picture 1">
+              <a:extLst>
+                <a:ext uri="{FF2B5EF4-FFF2-40B4-BE49-F238E27FC236}">
+                  <a16:creationId xmlns:a16="http://schemas.microsoft.com/office/drawing/2014/main" id="{3CF99E63-0A2E-1F9C-CCB3-874617EEA35E}"/>
+                </a:ext>
+              </a:extLst>
+            </p:cNvPr>
+            <p:cNvPicPr>
+              <a:picLocks noChangeAspect="1" noChangeArrowheads="1"/>
+            </p:cNvPicPr>
+            <p:nvPr/>
+          </p:nvPicPr>
+          <p:blipFill>
+            <a:blip r:embed="rId4">
+              <a:extLst>
+                <a:ext uri="{28A0092B-C50C-407E-A947-70E740481C1C}">
+                  <a14:useLocalDpi xmlns:a14="http://schemas.microsoft.com/office/drawing/2010/main" val="0"/>
+                </a:ext>
+              </a:extLst>
+            </a:blip>
+            <a:srcRect/>
+            <a:stretch>
+              <a:fillRect/>
+            </a:stretch>
+          </p:blipFill>
+          <p:spPr bwMode="auto">
+            <a:xfrm>
+              <a:off x="0" y="1509612"/>
+              <a:ext cx="4000500" cy="4000500"/>
+            </a:xfrm>
+            <a:prstGeom prst="rect">
+              <a:avLst/>
+            </a:prstGeom>
+            <a:noFill/>
+            <a:extLst>
+              <a:ext uri="{909E8E84-426E-40DD-AFC4-6F175D3DCCD1}">
+                <a14:hiddenFill xmlns:a14="http://schemas.microsoft.com/office/drawing/2010/main">
+                  <a:solidFill>
+                    <a:srgbClr val="FFFFFF"/>
+                  </a:solidFill>
+                </a14:hiddenFill>
+              </a:ext>
+            </a:extLst>
+          </p:spPr>
+        </p:pic>
+        <p:pic>
+          <p:nvPicPr>
+            <p:cNvPr id="3073" name="Picture 1">
+              <a:extLst>
+                <a:ext uri="{FF2B5EF4-FFF2-40B4-BE49-F238E27FC236}">
+                  <a16:creationId xmlns:a16="http://schemas.microsoft.com/office/drawing/2014/main" id="{8F122668-C63F-7067-123B-D6C6DA329F99}"/>
+                </a:ext>
+              </a:extLst>
+            </p:cNvPr>
+            <p:cNvPicPr>
+              <a:picLocks noChangeAspect="1" noChangeArrowheads="1"/>
+            </p:cNvPicPr>
+            <p:nvPr/>
+          </p:nvPicPr>
+          <p:blipFill>
+            <a:blip r:embed="rId5">
+              <a:extLst>
+                <a:ext uri="{28A0092B-C50C-407E-A947-70E740481C1C}">
+                  <a14:useLocalDpi xmlns:a14="http://schemas.microsoft.com/office/drawing/2010/main" val="0"/>
+                </a:ext>
+              </a:extLst>
+            </a:blip>
+            <a:srcRect/>
+            <a:stretch>
+              <a:fillRect/>
+            </a:stretch>
+          </p:blipFill>
+          <p:spPr bwMode="auto">
+            <a:xfrm>
+              <a:off x="3981450" y="1553573"/>
+              <a:ext cx="4000500" cy="4000500"/>
+            </a:xfrm>
+            <a:prstGeom prst="rect">
+              <a:avLst/>
+            </a:prstGeom>
+            <a:noFill/>
+            <a:extLst>
+              <a:ext uri="{909E8E84-426E-40DD-AFC4-6F175D3DCCD1}">
+                <a14:hiddenFill xmlns:a14="http://schemas.microsoft.com/office/drawing/2010/main">
+                  <a:solidFill>
+                    <a:srgbClr val="FFFFFF"/>
+                  </a:solidFill>
+                </a14:hiddenFill>
+              </a:ext>
+            </a:extLst>
+          </p:spPr>
+        </p:pic>
+        <p:sp>
+          <p:nvSpPr>
+            <p:cNvPr id="10" name="ZoneTexte 9">
+              <a:extLst>
+                <a:ext uri="{FF2B5EF4-FFF2-40B4-BE49-F238E27FC236}">
+                  <a16:creationId xmlns:a16="http://schemas.microsoft.com/office/drawing/2014/main" id="{F0F7ACD2-A34D-F5B7-2BC3-1372A29A0C8A}"/>
+                </a:ext>
+              </a:extLst>
+            </p:cNvPr>
+            <p:cNvSpPr txBox="1"/>
+            <p:nvPr/>
+          </p:nvSpPr>
+          <p:spPr>
+            <a:xfrm>
+              <a:off x="772356" y="5032839"/>
+              <a:ext cx="3037643" cy="923330"/>
+            </a:xfrm>
+            <a:prstGeom prst="rect">
+              <a:avLst/>
+            </a:prstGeom>
+            <a:noFill/>
+          </p:spPr>
+          <p:txBody>
+            <a:bodyPr wrap="square" rtlCol="0">
+              <a:spAutoFit/>
+            </a:bodyPr>
+            <a:lstStyle/>
+            <a:p>
+              <a:r>
+                <a:rPr lang="fr-FR" dirty="0">
+                  <a:latin typeface="Arial" panose="020B0604020202020204" pitchFamily="34" charset="0"/>
+                  <a:cs typeface="Arial" panose="020B0604020202020204" pitchFamily="34" charset="0"/>
+                </a:rPr>
+                <a:t>Nœuds : 88</a:t>
+              </a:r>
+            </a:p>
+            <a:p>
+              <a:r>
+                <a:rPr lang="fr-FR" dirty="0">
+                  <a:latin typeface="Arial" panose="020B0604020202020204" pitchFamily="34" charset="0"/>
+                  <a:cs typeface="Arial" panose="020B0604020202020204" pitchFamily="34" charset="0"/>
+                </a:rPr>
+                <a:t>Nœuds déconnectés : 62</a:t>
+              </a:r>
+            </a:p>
+            <a:p>
+              <a:r>
+                <a:rPr lang="fr-FR" dirty="0">
+                  <a:latin typeface="Arial" panose="020B0604020202020204" pitchFamily="34" charset="0"/>
+                  <a:cs typeface="Arial" panose="020B0604020202020204" pitchFamily="34" charset="0"/>
+                </a:rPr>
+                <a:t>Arrête : 167</a:t>
+              </a:r>
+            </a:p>
+          </p:txBody>
+        </p:sp>
+      </p:grpSp>
+      <p:sp>
+        <p:nvSpPr>
+          <p:cNvPr id="15" name="ZoneTexte 14">
+            <a:extLst>
+              <a:ext uri="{FF2B5EF4-FFF2-40B4-BE49-F238E27FC236}">
+                <a16:creationId xmlns:a16="http://schemas.microsoft.com/office/drawing/2014/main" id="{D27A0FF1-F67E-4EAF-5814-A6EF43A0ADBE}"/>
+              </a:ext>
+            </a:extLst>
+          </p:cNvPr>
+          <p:cNvSpPr txBox="1"/>
+          <p:nvPr/>
+        </p:nvSpPr>
+        <p:spPr>
+          <a:xfrm>
+            <a:off x="2058961" y="1145135"/>
+            <a:ext cx="3533276" cy="368969"/>
+          </a:xfrm>
+          <a:prstGeom prst="rect">
+            <a:avLst/>
+          </a:prstGeom>
+          <a:noFill/>
+        </p:spPr>
+        <p:txBody>
+          <a:bodyPr wrap="square">
+            <a:spAutoFit/>
           </a:bodyPr>
-          <a:lstStyle>
-            <a:lvl1pPr marL="228600" indent="-228600" algn="l" defTabSz="914400" rtl="0" eaLnBrk="1" latinLnBrk="0" hangingPunct="1">
-              <a:lnSpc>
-                <a:spcPct val="90000"/>
-              </a:lnSpc>
-              <a:spcBef>
-                <a:spcPts val="1000"/>
-              </a:spcBef>
-              <a:buFont typeface="Arial" panose="020B0604020202020204" pitchFamily="34" charset="0"/>
-              <a:buChar char="•"/>
-              <a:defRPr sz="2800" kern="1200">
-                <a:solidFill>
-                  <a:schemeClr val="tx1"/>
-                </a:solidFill>
-                <a:latin typeface="+mn-lt"/>
-                <a:ea typeface="+mn-ea"/>
-                <a:cs typeface="+mn-cs"/>
-              </a:defRPr>
-            </a:lvl1pPr>
-            <a:lvl2pPr marL="685800" indent="-228600" algn="l" defTabSz="914400" rtl="0" eaLnBrk="1" latinLnBrk="0" hangingPunct="1">
-              <a:lnSpc>
-                <a:spcPct val="90000"/>
-              </a:lnSpc>
-              <a:spcBef>
-                <a:spcPts val="500"/>
-              </a:spcBef>
-              <a:buFont typeface="Arial" panose="020B0604020202020204" pitchFamily="34" charset="0"/>
-              <a:buChar char="•"/>
-              <a:defRPr sz="2400" kern="1200">
-                <a:solidFill>
-                  <a:schemeClr val="tx1"/>
-                </a:solidFill>
-                <a:latin typeface="+mn-lt"/>
-                <a:ea typeface="+mn-ea"/>
-                <a:cs typeface="+mn-cs"/>
-              </a:defRPr>
-            </a:lvl2pPr>
-            <a:lvl3pPr marL="1143000" indent="-228600" algn="l" defTabSz="914400" rtl="0" eaLnBrk="1" latinLnBrk="0" hangingPunct="1">
-              <a:lnSpc>
-                <a:spcPct val="90000"/>
-              </a:lnSpc>
-              <a:spcBef>
-                <a:spcPts val="500"/>
-              </a:spcBef>
-              <a:buFont typeface="Arial" panose="020B0604020202020204" pitchFamily="34" charset="0"/>
-              <a:buChar char="•"/>
-              <a:defRPr sz="2000" kern="1200">
-                <a:solidFill>
-                  <a:schemeClr val="tx1"/>
-                </a:solidFill>
-                <a:latin typeface="+mn-lt"/>
-                <a:ea typeface="+mn-ea"/>
-                <a:cs typeface="+mn-cs"/>
-              </a:defRPr>
-            </a:lvl3pPr>
-            <a:lvl4pPr marL="1600200" indent="-228600" algn="l" defTabSz="914400" rtl="0" eaLnBrk="1" latinLnBrk="0" hangingPunct="1">
-              <a:lnSpc>
-                <a:spcPct val="90000"/>
-              </a:lnSpc>
-              <a:spcBef>
-                <a:spcPts val="500"/>
-              </a:spcBef>
-              <a:buFont typeface="Arial" panose="020B0604020202020204" pitchFamily="34" charset="0"/>
-              <a:buChar char="•"/>
-              <a:defRPr sz="1800" kern="1200">
-                <a:solidFill>
-                  <a:schemeClr val="tx1"/>
-                </a:solidFill>
-                <a:latin typeface="+mn-lt"/>
-                <a:ea typeface="+mn-ea"/>
-                <a:cs typeface="+mn-cs"/>
-              </a:defRPr>
-            </a:lvl4pPr>
-            <a:lvl5pPr marL="2057400" indent="-228600" algn="l" defTabSz="914400" rtl="0" eaLnBrk="1" latinLnBrk="0" hangingPunct="1">
-              <a:lnSpc>
-                <a:spcPct val="90000"/>
-              </a:lnSpc>
-              <a:spcBef>
-                <a:spcPts val="500"/>
-              </a:spcBef>
-              <a:buFont typeface="Arial" panose="020B0604020202020204" pitchFamily="34" charset="0"/>
-              <a:buChar char="•"/>
-              <a:defRPr sz="1800" kern="1200">
-                <a:solidFill>
-                  <a:schemeClr val="tx1"/>
-                </a:solidFill>
-                <a:latin typeface="+mn-lt"/>
-                <a:ea typeface="+mn-ea"/>
-                <a:cs typeface="+mn-cs"/>
-              </a:defRPr>
-            </a:lvl5pPr>
-            <a:lvl6pPr marL="2514600" indent="-228600" algn="l" defTabSz="914400" rtl="0" eaLnBrk="1" latinLnBrk="0" hangingPunct="1">
-              <a:lnSpc>
-                <a:spcPct val="90000"/>
-              </a:lnSpc>
-              <a:spcBef>
-                <a:spcPts val="500"/>
-              </a:spcBef>
-              <a:buFont typeface="Arial" panose="020B0604020202020204" pitchFamily="34" charset="0"/>
-              <a:buChar char="•"/>
-              <a:defRPr sz="1800" kern="1200">
-                <a:solidFill>
-                  <a:schemeClr val="tx1"/>
-                </a:solidFill>
-                <a:latin typeface="+mn-lt"/>
-                <a:ea typeface="+mn-ea"/>
-                <a:cs typeface="+mn-cs"/>
-              </a:defRPr>
-            </a:lvl6pPr>
-            <a:lvl7pPr marL="2971800" indent="-228600" algn="l" defTabSz="914400" rtl="0" eaLnBrk="1" latinLnBrk="0" hangingPunct="1">
-              <a:lnSpc>
-                <a:spcPct val="90000"/>
-              </a:lnSpc>
-              <a:spcBef>
-                <a:spcPts val="500"/>
-              </a:spcBef>
-              <a:buFont typeface="Arial" panose="020B0604020202020204" pitchFamily="34" charset="0"/>
-              <a:buChar char="•"/>
-              <a:defRPr sz="1800" kern="1200">
-                <a:solidFill>
-                  <a:schemeClr val="tx1"/>
-                </a:solidFill>
-                <a:latin typeface="+mn-lt"/>
-                <a:ea typeface="+mn-ea"/>
-                <a:cs typeface="+mn-cs"/>
-              </a:defRPr>
-            </a:lvl7pPr>
-            <a:lvl8pPr marL="3429000" indent="-228600" algn="l" defTabSz="914400" rtl="0" eaLnBrk="1" latinLnBrk="0" hangingPunct="1">
-              <a:lnSpc>
-                <a:spcPct val="90000"/>
-              </a:lnSpc>
-              <a:spcBef>
-                <a:spcPts val="500"/>
-              </a:spcBef>
-              <a:buFont typeface="Arial" panose="020B0604020202020204" pitchFamily="34" charset="0"/>
-              <a:buChar char="•"/>
-              <a:defRPr sz="1800" kern="1200">
-                <a:solidFill>
-                  <a:schemeClr val="tx1"/>
-                </a:solidFill>
-                <a:latin typeface="+mn-lt"/>
-                <a:ea typeface="+mn-ea"/>
-                <a:cs typeface="+mn-cs"/>
-              </a:defRPr>
-            </a:lvl8pPr>
-            <a:lvl9pPr marL="3886200" indent="-228600" algn="l" defTabSz="914400" rtl="0" eaLnBrk="1" latinLnBrk="0" hangingPunct="1">
-              <a:lnSpc>
-                <a:spcPct val="90000"/>
-              </a:lnSpc>
-              <a:spcBef>
-                <a:spcPts val="500"/>
-              </a:spcBef>
-              <a:buFont typeface="Arial" panose="020B0604020202020204" pitchFamily="34" charset="0"/>
-              <a:buChar char="•"/>
-              <a:defRPr sz="1800" kern="1200">
-                <a:solidFill>
-                  <a:schemeClr val="tx1"/>
-                </a:solidFill>
-                <a:latin typeface="+mn-lt"/>
-                <a:ea typeface="+mn-ea"/>
-                <a:cs typeface="+mn-cs"/>
-              </a:defRPr>
-            </a:lvl9pPr>
-          </a:lstStyle>
-          <a:p>
-            <a:pPr marL="0" indent="0">
-              <a:buNone/>
-            </a:pPr>
+          <a:lstStyle/>
+          <a:p>
             <a:r>
               <a:rPr lang="fr-FR" dirty="0">
+                <a:effectLst/>
                 <a:latin typeface="Arial" panose="020B0604020202020204" pitchFamily="34" charset="0"/>
-                <a:cs typeface="Arial" panose="020B0604020202020204" pitchFamily="34" charset="0"/>
-              </a:rPr>
-              <a:t>- A partir des gènes filtrés, construisez un GRN avec </a:t>
-            </a:r>
-            <a:r>
-              <a:rPr lang="fr-FR" dirty="0" err="1">
+              </a:rPr>
+              <a:t>Réseaux de régulation de gènes</a:t>
+            </a:r>
+            <a:endParaRPr lang="fr-FR" dirty="0"/>
+          </a:p>
+        </p:txBody>
+      </p:sp>
+      <p:sp>
+        <p:nvSpPr>
+          <p:cNvPr id="16" name="ZoneTexte 15">
+            <a:extLst>
+              <a:ext uri="{FF2B5EF4-FFF2-40B4-BE49-F238E27FC236}">
+                <a16:creationId xmlns:a16="http://schemas.microsoft.com/office/drawing/2014/main" id="{2D7A404A-DB55-C2BC-0431-7A7F392629AF}"/>
+              </a:ext>
+            </a:extLst>
+          </p:cNvPr>
+          <p:cNvSpPr txBox="1"/>
+          <p:nvPr/>
+        </p:nvSpPr>
+        <p:spPr>
+          <a:xfrm>
+            <a:off x="8296275" y="1145135"/>
+            <a:ext cx="3533276" cy="368969"/>
+          </a:xfrm>
+          <a:prstGeom prst="rect">
+            <a:avLst/>
+          </a:prstGeom>
+          <a:noFill/>
+        </p:spPr>
+        <p:txBody>
+          <a:bodyPr wrap="square">
+            <a:spAutoFit/>
+          </a:bodyPr>
+          <a:lstStyle/>
+          <a:p>
+            <a:r>
+              <a:rPr lang="fr-FR" dirty="0">
+                <a:effectLst/>
                 <a:latin typeface="Arial" panose="020B0604020202020204" pitchFamily="34" charset="0"/>
-                <a:cs typeface="Arial" panose="020B0604020202020204" pitchFamily="34" charset="0"/>
-              </a:rPr>
-              <a:t>netOmics</a:t>
-            </a:r>
-            <a:endParaRPr lang="fr-FR" dirty="0">
-              <a:latin typeface="Arial" panose="020B0604020202020204" pitchFamily="34" charset="0"/>
-              <a:cs typeface="Arial" panose="020B0604020202020204" pitchFamily="34" charset="0"/>
-            </a:endParaRPr>
-          </a:p>
-          <a:p>
-            <a:pPr marL="0" indent="0">
-              <a:buNone/>
-            </a:pPr>
-            <a:r>
-              <a:rPr lang="fr-FR" dirty="0">
-                <a:latin typeface="Arial" panose="020B0604020202020204" pitchFamily="34" charset="0"/>
-                <a:cs typeface="Arial" panose="020B0604020202020204" pitchFamily="34" charset="0"/>
-              </a:rPr>
-              <a:t>- Combien y a-t-il de </a:t>
-            </a:r>
-            <a:r>
-              <a:rPr lang="fr-FR" dirty="0" err="1">
-                <a:latin typeface="Arial" panose="020B0604020202020204" pitchFamily="34" charset="0"/>
-                <a:cs typeface="Arial" panose="020B0604020202020204" pitchFamily="34" charset="0"/>
-              </a:rPr>
-              <a:t>noeuds</a:t>
-            </a:r>
-            <a:r>
-              <a:rPr lang="fr-FR" dirty="0">
-                <a:latin typeface="Arial" panose="020B0604020202020204" pitchFamily="34" charset="0"/>
-                <a:cs typeface="Arial" panose="020B0604020202020204" pitchFamily="34" charset="0"/>
-              </a:rPr>
-              <a:t>, arête, </a:t>
-            </a:r>
-            <a:r>
-              <a:rPr lang="fr-FR" dirty="0" err="1">
-                <a:latin typeface="Arial" panose="020B0604020202020204" pitchFamily="34" charset="0"/>
-                <a:cs typeface="Arial" panose="020B0604020202020204" pitchFamily="34" charset="0"/>
-              </a:rPr>
-              <a:t>noeuds</a:t>
-            </a:r>
-            <a:r>
-              <a:rPr lang="fr-FR" dirty="0">
-                <a:latin typeface="Arial" panose="020B0604020202020204" pitchFamily="34" charset="0"/>
-                <a:cs typeface="Arial" panose="020B0604020202020204" pitchFamily="34" charset="0"/>
-              </a:rPr>
-              <a:t> déconnectés</a:t>
-            </a:r>
-          </a:p>
-          <a:p>
-            <a:pPr marL="0" indent="0">
-              <a:buNone/>
-            </a:pPr>
-            <a:r>
-              <a:rPr lang="fr-FR" dirty="0">
-                <a:latin typeface="Arial" panose="020B0604020202020204" pitchFamily="34" charset="0"/>
-                <a:cs typeface="Arial" panose="020B0604020202020204" pitchFamily="34" charset="0"/>
-              </a:rPr>
-              <a:t>- Affichez distribution des degrés</a:t>
-            </a:r>
-          </a:p>
-          <a:p>
-            <a:pPr marL="0" indent="0">
-              <a:buNone/>
-            </a:pPr>
-            <a:r>
-              <a:rPr lang="fr-FR" dirty="0">
-                <a:latin typeface="Arial" panose="020B0604020202020204" pitchFamily="34" charset="0"/>
-                <a:cs typeface="Arial" panose="020B0604020202020204" pitchFamily="34" charset="0"/>
-              </a:rPr>
-              <a:t>- Quel gène est le plus connecté ?</a:t>
-            </a:r>
+              </a:rPr>
+              <a:t>Réseaux de régulation PPI</a:t>
+            </a:r>
+            <a:endParaRPr lang="fr-FR" dirty="0"/>
           </a:p>
         </p:txBody>
       </p:sp>
     </p:spTree>
     <p:extLst>
       <p:ext uri="{BB962C8B-B14F-4D97-AF65-F5344CB8AC3E}">
-        <p14:creationId xmlns:p14="http://schemas.microsoft.com/office/powerpoint/2010/main" val="2203163960"/>
+        <p14:creationId xmlns:p14="http://schemas.microsoft.com/office/powerpoint/2010/main" val="1511801781"/>
       </p:ext>
     </p:extLst>
   </p:cSld>
@@ -10371,104 +10385,12 @@
           <a:lstStyle/>
           <a:p>
             <a:r>
-              <a:rPr lang="fr-FR" sz="3200" b="1" dirty="0">
+              <a:rPr lang="en-US" sz="3200" b="1" dirty="0">
                 <a:latin typeface="Arial" panose="020B0604020202020204" pitchFamily="34" charset="0"/>
                 <a:cs typeface="Arial" panose="020B0604020202020204" pitchFamily="34" charset="0"/>
               </a:rPr>
-              <a:t>3.2.	Mise en réseau – Réseaux PPI</a:t>
-            </a:r>
-            <a:endParaRPr lang="fr-FR" sz="3200" b="1" baseline="30000" dirty="0">
-              <a:latin typeface="Arial" panose="020B0604020202020204" pitchFamily="34" charset="0"/>
-              <a:cs typeface="Arial" panose="020B0604020202020204" pitchFamily="34" charset="0"/>
-            </a:endParaRPr>
-          </a:p>
-        </p:txBody>
-      </p:sp>
-      <p:sp>
-        <p:nvSpPr>
-          <p:cNvPr id="4" name="Espace réservé de la date 3">
-            <a:extLst>
-              <a:ext uri="{FF2B5EF4-FFF2-40B4-BE49-F238E27FC236}">
-                <a16:creationId xmlns:a16="http://schemas.microsoft.com/office/drawing/2014/main" id="{F181D9E9-DC4C-4780-75B9-9F6317E5BD1A}"/>
-              </a:ext>
-            </a:extLst>
-          </p:cNvPr>
-          <p:cNvSpPr>
-            <a:spLocks noGrp="1"/>
-          </p:cNvSpPr>
-          <p:nvPr>
-            <p:ph type="dt" sz="half" idx="10"/>
-          </p:nvPr>
-        </p:nvSpPr>
-        <p:spPr>
-          <a:xfrm>
-            <a:off x="838200" y="6489520"/>
-            <a:ext cx="2743200" cy="365125"/>
-          </a:xfrm>
-        </p:spPr>
-        <p:txBody>
-          <a:bodyPr/>
-          <a:lstStyle/>
-          <a:p>
-            <a:r>
-              <a:rPr lang="fr-FR" dirty="0"/>
-              <a:t>12/10/2022</a:t>
-            </a:r>
-          </a:p>
-        </p:txBody>
-      </p:sp>
-      <p:sp>
-        <p:nvSpPr>
-          <p:cNvPr id="5" name="Espace réservé du pied de page 4">
-            <a:extLst>
-              <a:ext uri="{FF2B5EF4-FFF2-40B4-BE49-F238E27FC236}">
-                <a16:creationId xmlns:a16="http://schemas.microsoft.com/office/drawing/2014/main" id="{E75C31F4-0182-ED79-928B-0DE07ADECB80}"/>
-              </a:ext>
-            </a:extLst>
-          </p:cNvPr>
-          <p:cNvSpPr>
-            <a:spLocks noGrp="1"/>
-          </p:cNvSpPr>
-          <p:nvPr>
-            <p:ph type="ftr" sz="quarter" idx="11"/>
-          </p:nvPr>
-        </p:nvSpPr>
-        <p:spPr>
-          <a:xfrm>
-            <a:off x="3810000" y="6492876"/>
-            <a:ext cx="4800600" cy="365124"/>
-          </a:xfrm>
-        </p:spPr>
-        <p:txBody>
-          <a:bodyPr/>
-          <a:lstStyle/>
-          <a:p>
-            <a:pPr algn="l"/>
-            <a:r>
-              <a:rPr lang="en-US" dirty="0"/>
-              <a:t>Delhomme Jean, </a:t>
-            </a:r>
-            <a:r>
-              <a:rPr lang="en-US" dirty="0" err="1"/>
-              <a:t>Lecourieux</a:t>
-            </a:r>
-            <a:r>
-              <a:rPr lang="en-US" dirty="0"/>
-              <a:t> Adriana, Rousseau Baptiste, </a:t>
-            </a:r>
-            <a:r>
-              <a:rPr lang="en-US" dirty="0" err="1"/>
-              <a:t>Graa</a:t>
-            </a:r>
-            <a:r>
-              <a:rPr lang="en-US" dirty="0"/>
-              <a:t> </a:t>
-            </a:r>
-            <a:r>
-              <a:rPr lang="en-US" dirty="0" err="1"/>
-              <a:t>Maha</a:t>
-            </a:r>
-            <a:endParaRPr lang="en-US" dirty="0"/>
+              <a:t>Conclusion</a:t>
+            </a:r>
           </a:p>
         </p:txBody>
       </p:sp>
@@ -10596,10 +10518,98 @@
       </p:cxnSp>
       <p:sp>
         <p:nvSpPr>
-          <p:cNvPr id="25" name="Espace réservé du contenu 2">
-            <a:extLst>
-              <a:ext uri="{FF2B5EF4-FFF2-40B4-BE49-F238E27FC236}">
-                <a16:creationId xmlns:a16="http://schemas.microsoft.com/office/drawing/2014/main" id="{57CB1EB0-7288-3F4E-B1CC-99784B654109}"/>
+          <p:cNvPr id="3" name="Espace réservé de la date 3">
+            <a:extLst>
+              <a:ext uri="{FF2B5EF4-FFF2-40B4-BE49-F238E27FC236}">
+                <a16:creationId xmlns:a16="http://schemas.microsoft.com/office/drawing/2014/main" id="{00CC99EF-F5C1-BD43-1DFF-BCBA359F5E21}"/>
+              </a:ext>
+            </a:extLst>
+          </p:cNvPr>
+          <p:cNvSpPr>
+            <a:spLocks noGrp="1"/>
+          </p:cNvSpPr>
+          <p:nvPr>
+            <p:ph type="dt" sz="half" idx="10"/>
+          </p:nvPr>
+        </p:nvSpPr>
+        <p:spPr>
+          <a:xfrm>
+            <a:off x="838200" y="6489520"/>
+            <a:ext cx="2743200" cy="365125"/>
+          </a:xfrm>
+        </p:spPr>
+        <p:txBody>
+          <a:bodyPr/>
+          <a:lstStyle/>
+          <a:p>
+            <a:r>
+              <a:rPr lang="fr-FR" dirty="0"/>
+              <a:t>12/10/2022</a:t>
+            </a:r>
+          </a:p>
+        </p:txBody>
+      </p:sp>
+      <p:sp>
+        <p:nvSpPr>
+          <p:cNvPr id="7" name="Espace réservé du pied de page 4">
+            <a:extLst>
+              <a:ext uri="{FF2B5EF4-FFF2-40B4-BE49-F238E27FC236}">
+                <a16:creationId xmlns:a16="http://schemas.microsoft.com/office/drawing/2014/main" id="{69D56551-2494-9A74-75F6-47857596E832}"/>
+              </a:ext>
+            </a:extLst>
+          </p:cNvPr>
+          <p:cNvSpPr>
+            <a:spLocks noGrp="1"/>
+          </p:cNvSpPr>
+          <p:nvPr>
+            <p:ph type="ftr" sz="quarter" idx="11"/>
+          </p:nvPr>
+        </p:nvSpPr>
+        <p:spPr>
+          <a:xfrm>
+            <a:off x="3810000" y="6492876"/>
+            <a:ext cx="4800600" cy="365124"/>
+          </a:xfrm>
+        </p:spPr>
+        <p:txBody>
+          <a:bodyPr/>
+          <a:lstStyle/>
+          <a:p>
+            <a:pPr algn="l"/>
+            <a:r>
+              <a:rPr lang="en-US" dirty="0"/>
+              <a:t>Delhomme Jean, </a:t>
+            </a:r>
+            <a:r>
+              <a:rPr lang="en-US" dirty="0" err="1"/>
+              <a:t>Lecourieux</a:t>
+            </a:r>
+            <a:r>
+              <a:rPr lang="en-US" dirty="0"/>
+              <a:t> Adriana, Rousseau Baptiste, </a:t>
+            </a:r>
+            <a:r>
+              <a:rPr lang="en-US" dirty="0" err="1"/>
+              <a:t>Graa</a:t>
+            </a:r>
+            <a:r>
+              <a:rPr lang="en-US" dirty="0"/>
+              <a:t> </a:t>
+            </a:r>
+            <a:r>
+              <a:rPr lang="en-US" dirty="0" err="1"/>
+              <a:t>Maha</a:t>
+            </a:r>
+            <a:endParaRPr lang="en-US" dirty="0"/>
+          </a:p>
+        </p:txBody>
+      </p:sp>
+      <p:sp>
+        <p:nvSpPr>
+          <p:cNvPr id="9" name="Espace réservé du contenu 2">
+            <a:extLst>
+              <a:ext uri="{FF2B5EF4-FFF2-40B4-BE49-F238E27FC236}">
+                <a16:creationId xmlns:a16="http://schemas.microsoft.com/office/drawing/2014/main" id="{24661F3C-BD68-1889-C53B-A4CD91554EA7}"/>
               </a:ext>
             </a:extLst>
           </p:cNvPr>
@@ -10610,7 +10620,7 @@
         </p:nvSpPr>
         <p:spPr>
           <a:xfrm>
-            <a:off x="231320" y="1006054"/>
+            <a:off x="231320" y="1078238"/>
             <a:ext cx="11824556" cy="5300591"/>
           </a:xfrm>
           <a:prstGeom prst="rect">
@@ -10786,29 +10796,54 @@
             </a:lvl9pPr>
           </a:lstStyle>
           <a:p>
+            <a:pPr>
+              <a:buFontTx/>
+              <a:buChar char="-"/>
+            </a:pPr>
+            <a:r>
+              <a:rPr lang="fr-FR" dirty="0">
+                <a:latin typeface="Arial" panose="020B0604020202020204" pitchFamily="34" charset="0"/>
+                <a:cs typeface="Arial" panose="020B0604020202020204" pitchFamily="34" charset="0"/>
+              </a:rPr>
+              <a:t>Points forts et points faibles des outils</a:t>
+            </a:r>
+          </a:p>
+          <a:p>
             <a:pPr marL="0" indent="0">
               <a:buNone/>
             </a:pPr>
             <a:r>
+              <a:rPr lang="fr-FR" dirty="0" err="1">
+                <a:latin typeface="Arial" panose="020B0604020202020204" pitchFamily="34" charset="0"/>
+                <a:cs typeface="Arial" panose="020B0604020202020204" pitchFamily="34" charset="0"/>
+              </a:rPr>
+              <a:t>Diffiile</a:t>
+            </a:r>
+            <a:r>
               <a:rPr lang="fr-FR" dirty="0">
                 <a:latin typeface="Arial" panose="020B0604020202020204" pitchFamily="34" charset="0"/>
                 <a:cs typeface="Arial" panose="020B0604020202020204" pitchFamily="34" charset="0"/>
               </a:rPr>
-              <a:t>- A l’aide de l’objet R contenant des informations PPI issues de </a:t>
-            </a:r>
+              <a:t> d’installer les packages</a:t>
+            </a:r>
+          </a:p>
+          <a:p>
+            <a:pPr marL="0" indent="0">
+              <a:buNone/>
+            </a:pPr>
             <a:r>
               <a:rPr lang="fr-FR" dirty="0" err="1">
                 <a:latin typeface="Arial" panose="020B0604020202020204" pitchFamily="34" charset="0"/>
                 <a:cs typeface="Arial" panose="020B0604020202020204" pitchFamily="34" charset="0"/>
               </a:rPr>
-              <a:t>BioGRID</a:t>
+              <a:t>mixOmics</a:t>
             </a:r>
             <a:r>
               <a:rPr lang="fr-FR" dirty="0">
                 <a:latin typeface="Arial" panose="020B0604020202020204" pitchFamily="34" charset="0"/>
                 <a:cs typeface="Arial" panose="020B0604020202020204" pitchFamily="34" charset="0"/>
               </a:rPr>
-              <a:t> créer un réseau PPI avec</a:t>
+              <a:t> c’est top</a:t>
             </a:r>
           </a:p>
           <a:p>
@@ -10816,89 +10851,92 @@
               <a:buNone/>
             </a:pPr>
             <a:r>
+              <a:rPr lang="fr-FR" dirty="0" err="1">
+                <a:latin typeface="Arial" panose="020B0604020202020204" pitchFamily="34" charset="0"/>
+                <a:cs typeface="Arial" panose="020B0604020202020204" pitchFamily="34" charset="0"/>
+              </a:rPr>
+              <a:t>Mirtarbase</a:t>
+            </a:r>
+            <a:r>
               <a:rPr lang="fr-FR" dirty="0">
                 <a:latin typeface="Arial" panose="020B0604020202020204" pitchFamily="34" charset="0"/>
                 <a:cs typeface="Arial" panose="020B0604020202020204" pitchFamily="34" charset="0"/>
               </a:rPr>
-              <a:t>seulement les protéines issues de votre </a:t>
-            </a:r>
+              <a:t> est nul et mal documenté (le site est mort)</a:t>
+            </a:r>
+          </a:p>
+          <a:p>
+            <a:pPr marL="0" indent="0">
+              <a:buNone/>
+            </a:pPr>
             <a:r>
               <a:rPr lang="fr-FR" dirty="0" err="1">
                 <a:latin typeface="Arial" panose="020B0604020202020204" pitchFamily="34" charset="0"/>
                 <a:cs typeface="Arial" panose="020B0604020202020204" pitchFamily="34" charset="0"/>
               </a:rPr>
-              <a:t>dataset</a:t>
-            </a:r>
+              <a:t>MirdB</a:t>
+            </a:r>
+            <a:endParaRPr lang="fr-FR" dirty="0">
+              <a:latin typeface="Arial" panose="020B0604020202020204" pitchFamily="34" charset="0"/>
+              <a:cs typeface="Arial" panose="020B0604020202020204" pitchFamily="34" charset="0"/>
+            </a:endParaRPr>
+          </a:p>
+          <a:p>
+            <a:pPr marL="0" indent="0">
+              <a:buNone/>
+            </a:pPr>
+            <a:r>
+              <a:rPr lang="fr-FR" dirty="0" err="1">
+                <a:latin typeface="Arial" panose="020B0604020202020204" pitchFamily="34" charset="0"/>
+                <a:cs typeface="Arial" panose="020B0604020202020204" pitchFamily="34" charset="0"/>
+              </a:rPr>
+              <a:t>MirBase</a:t>
+            </a:r>
+            <a:endParaRPr lang="fr-FR" dirty="0">
+              <a:latin typeface="Arial" panose="020B0604020202020204" pitchFamily="34" charset="0"/>
+              <a:cs typeface="Arial" panose="020B0604020202020204" pitchFamily="34" charset="0"/>
+            </a:endParaRPr>
+          </a:p>
+          <a:p>
+            <a:pPr marL="0" indent="0">
+              <a:buNone/>
+            </a:pPr>
+            <a:r>
+              <a:rPr lang="fr-FR" dirty="0" err="1">
+                <a:latin typeface="Arial" panose="020B0604020202020204" pitchFamily="34" charset="0"/>
+                <a:cs typeface="Arial" panose="020B0604020202020204" pitchFamily="34" charset="0"/>
+              </a:rPr>
+              <a:t>Tarbase</a:t>
+            </a:r>
+            <a:endParaRPr lang="fr-FR" dirty="0">
+              <a:latin typeface="Arial" panose="020B0604020202020204" pitchFamily="34" charset="0"/>
+              <a:cs typeface="Arial" panose="020B0604020202020204" pitchFamily="34" charset="0"/>
+            </a:endParaRPr>
+          </a:p>
+          <a:p>
+            <a:pPr>
+              <a:buFontTx/>
+              <a:buChar char="-"/>
+            </a:pPr>
             <a:r>
               <a:rPr lang="fr-FR" dirty="0">
                 <a:latin typeface="Arial" panose="020B0604020202020204" pitchFamily="34" charset="0"/>
                 <a:cs typeface="Arial" panose="020B0604020202020204" pitchFamily="34" charset="0"/>
               </a:rPr>
-              <a:t>.</a:t>
-            </a:r>
-          </a:p>
-          <a:p>
-            <a:pPr marL="0" indent="0">
-              <a:buNone/>
+              <a:t>Difficultés rencontrées</a:t>
+            </a:r>
+          </a:p>
+          <a:p>
+            <a:pPr>
+              <a:buFontTx/>
+              <a:buChar char="-"/>
             </a:pPr>
             <a:r>
               <a:rPr lang="fr-FR" dirty="0">
                 <a:latin typeface="Arial" panose="020B0604020202020204" pitchFamily="34" charset="0"/>
                 <a:cs typeface="Arial" panose="020B0604020202020204" pitchFamily="34" charset="0"/>
               </a:rPr>
-              <a:t>- Combien y a-t-il de </a:t>
-            </a:r>
-            <a:r>
-              <a:rPr lang="fr-FR" dirty="0" err="1">
-                <a:latin typeface="Arial" panose="020B0604020202020204" pitchFamily="34" charset="0"/>
-                <a:cs typeface="Arial" panose="020B0604020202020204" pitchFamily="34" charset="0"/>
-              </a:rPr>
-              <a:t>noeuds</a:t>
-            </a:r>
-            <a:r>
-              <a:rPr lang="fr-FR" dirty="0">
-                <a:latin typeface="Arial" panose="020B0604020202020204" pitchFamily="34" charset="0"/>
-                <a:cs typeface="Arial" panose="020B0604020202020204" pitchFamily="34" charset="0"/>
-              </a:rPr>
-              <a:t>, arête, </a:t>
-            </a:r>
-            <a:r>
-              <a:rPr lang="fr-FR" dirty="0" err="1">
-                <a:latin typeface="Arial" panose="020B0604020202020204" pitchFamily="34" charset="0"/>
-                <a:cs typeface="Arial" panose="020B0604020202020204" pitchFamily="34" charset="0"/>
-              </a:rPr>
-              <a:t>noeuds</a:t>
-            </a:r>
-            <a:r>
-              <a:rPr lang="fr-FR" dirty="0">
-                <a:latin typeface="Arial" panose="020B0604020202020204" pitchFamily="34" charset="0"/>
-                <a:cs typeface="Arial" panose="020B0604020202020204" pitchFamily="34" charset="0"/>
-              </a:rPr>
-              <a:t> déconnectés</a:t>
-            </a:r>
-          </a:p>
-          <a:p>
-            <a:pPr marL="0" indent="0">
-              <a:buNone/>
-            </a:pPr>
-            <a:r>
-              <a:rPr lang="fr-FR" dirty="0">
-                <a:latin typeface="Arial" panose="020B0604020202020204" pitchFamily="34" charset="0"/>
-                <a:cs typeface="Arial" panose="020B0604020202020204" pitchFamily="34" charset="0"/>
-              </a:rPr>
-              <a:t>- Affichez distribution des degrés</a:t>
-            </a:r>
-          </a:p>
-          <a:p>
-            <a:pPr marL="0" indent="0">
-              <a:buNone/>
-            </a:pPr>
-            <a:r>
-              <a:rPr lang="fr-FR" dirty="0">
-                <a:latin typeface="Arial" panose="020B0604020202020204" pitchFamily="34" charset="0"/>
-                <a:cs typeface="Arial" panose="020B0604020202020204" pitchFamily="34" charset="0"/>
-              </a:rPr>
-              <a:t>- Quelle protéine est la plus connectée ?</a:t>
+              <a:t>Résumé des résultats</a:t>
             </a:r>
           </a:p>
         </p:txBody>
@@ -10906,7 +10944,7 @@
     </p:spTree>
     <p:extLst>
       <p:ext uri="{BB962C8B-B14F-4D97-AF65-F5344CB8AC3E}">
-        <p14:creationId xmlns:p14="http://schemas.microsoft.com/office/powerpoint/2010/main" val="1604260450"/>
+        <p14:creationId xmlns:p14="http://schemas.microsoft.com/office/powerpoint/2010/main" val="2333177088"/>
       </p:ext>
     </p:extLst>
   </p:cSld>
@@ -10951,7 +10989,7 @@
         </p:nvSpPr>
         <p:spPr>
           <a:xfrm>
-            <a:off x="145740" y="118307"/>
+            <a:off x="145740" y="117877"/>
             <a:ext cx="11137778" cy="691318"/>
           </a:xfrm>
         </p:spPr>
@@ -10962,32 +11000,21 @@
           <a:lstStyle/>
           <a:p>
             <a:r>
-              <a:rPr lang="fr-FR" sz="3200" b="1" dirty="0">
+              <a:rPr lang="en-US" sz="3200" b="1" dirty="0">
                 <a:latin typeface="Arial" panose="020B0604020202020204" pitchFamily="34" charset="0"/>
                 <a:cs typeface="Arial" panose="020B0604020202020204" pitchFamily="34" charset="0"/>
               </a:rPr>
-              <a:t>3.3.	Mise en réseau – Connection gène-</a:t>
-            </a:r>
-            <a:r>
-              <a:rPr lang="fr-FR" sz="3200" b="1" dirty="0" err="1">
-                <a:latin typeface="Arial" panose="020B0604020202020204" pitchFamily="34" charset="0"/>
-                <a:cs typeface="Arial" panose="020B0604020202020204" pitchFamily="34" charset="0"/>
-              </a:rPr>
-              <a:t>prot</a:t>
-            </a:r>
-            <a:endParaRPr lang="fr-FR" sz="3200" b="1" baseline="30000" dirty="0">
-              <a:latin typeface="Arial" panose="020B0604020202020204" pitchFamily="34" charset="0"/>
-              <a:cs typeface="Arial" panose="020B0604020202020204" pitchFamily="34" charset="0"/>
-            </a:endParaRPr>
-          </a:p>
-        </p:txBody>
-      </p:sp>
-      <p:sp>
-        <p:nvSpPr>
-          <p:cNvPr id="4" name="Espace réservé de la date 3">
-            <a:extLst>
-              <a:ext uri="{FF2B5EF4-FFF2-40B4-BE49-F238E27FC236}">
-                <a16:creationId xmlns:a16="http://schemas.microsoft.com/office/drawing/2014/main" id="{F181D9E9-DC4C-4780-75B9-9F6317E5BD1A}"/>
+              <a:t>References</a:t>
+            </a:r>
+          </a:p>
+        </p:txBody>
+      </p:sp>
+      <p:sp>
+        <p:nvSpPr>
+          <p:cNvPr id="3" name="Espace réservé du contenu 2">
+            <a:extLst>
+              <a:ext uri="{FF2B5EF4-FFF2-40B4-BE49-F238E27FC236}">
+                <a16:creationId xmlns:a16="http://schemas.microsoft.com/office/drawing/2014/main" id="{7D811F63-52EF-83B1-E13C-148915CEDEC3}"/>
               </a:ext>
             </a:extLst>
           </p:cNvPr>
@@ -10995,78 +11022,1042 @@
             <a:spLocks noGrp="1"/>
           </p:cNvSpPr>
           <p:nvPr>
-            <p:ph type="dt" sz="half" idx="10"/>
-          </p:nvPr>
-        </p:nvSpPr>
-        <p:spPr>
-          <a:xfrm>
-            <a:off x="838200" y="6489520"/>
-            <a:ext cx="2743200" cy="365125"/>
+            <p:ph idx="1"/>
+          </p:nvPr>
+        </p:nvSpPr>
+        <p:spPr>
+          <a:xfrm>
+            <a:off x="145740" y="964491"/>
+            <a:ext cx="11910136" cy="5498453"/>
           </a:xfrm>
         </p:spPr>
         <p:txBody>
           <a:bodyPr/>
           <a:lstStyle/>
           <a:p>
-            <a:r>
-              <a:rPr lang="fr-FR" dirty="0"/>
-              <a:t>12/10/2022</a:t>
-            </a:r>
-          </a:p>
-        </p:txBody>
-      </p:sp>
-      <p:sp>
-        <p:nvSpPr>
-          <p:cNvPr id="5" name="Espace réservé du pied de page 4">
-            <a:extLst>
-              <a:ext uri="{FF2B5EF4-FFF2-40B4-BE49-F238E27FC236}">
-                <a16:creationId xmlns:a16="http://schemas.microsoft.com/office/drawing/2014/main" id="{E75C31F4-0182-ED79-928B-0DE07ADECB80}"/>
-              </a:ext>
-            </a:extLst>
-          </p:cNvPr>
-          <p:cNvSpPr>
-            <a:spLocks noGrp="1"/>
-          </p:cNvSpPr>
-          <p:nvPr>
-            <p:ph type="ftr" sz="quarter" idx="11"/>
-          </p:nvPr>
-        </p:nvSpPr>
-        <p:spPr>
-          <a:xfrm>
-            <a:off x="3810000" y="6492876"/>
-            <a:ext cx="4800600" cy="365124"/>
-          </a:xfrm>
-        </p:spPr>
-        <p:txBody>
-          <a:bodyPr/>
-          <a:lstStyle/>
-          <a:p>
-            <a:pPr algn="l"/>
-            <a:r>
-              <a:rPr lang="en-US" dirty="0"/>
-              <a:t>Delhomme Jean, </a:t>
-            </a:r>
-            <a:r>
-              <a:rPr lang="en-US" dirty="0" err="1"/>
-              <a:t>Lecourieux</a:t>
-            </a:r>
-            <a:r>
-              <a:rPr lang="en-US" dirty="0"/>
-              <a:t> Adriana, Rousseau Baptiste, </a:t>
-            </a:r>
-            <a:r>
-              <a:rPr lang="en-US" dirty="0" err="1"/>
-              <a:t>Graa</a:t>
-            </a:r>
-            <a:r>
-              <a:rPr lang="en-US" dirty="0"/>
+            <a:pPr marL="342900" lvl="0" indent="-342900">
+              <a:lnSpc>
+                <a:spcPct val="107000"/>
+              </a:lnSpc>
+              <a:buFont typeface="+mj-lt"/>
+              <a:buAutoNum type="arabicPeriod"/>
+            </a:pPr>
+            <a:r>
+              <a:rPr lang="fr-FR" sz="1800" dirty="0">
+                <a:effectLst/>
+                <a:latin typeface="Times New Roman" panose="02020603050405020304" pitchFamily="18" charset="0"/>
+                <a:ea typeface="Calibri" panose="020F0502020204030204" pitchFamily="34" charset="0"/>
+                <a:cs typeface="Times New Roman" panose="02020603050405020304" pitchFamily="18" charset="0"/>
+              </a:rPr>
+              <a:t>S. </a:t>
+            </a:r>
+            <a:r>
+              <a:rPr lang="fr-FR" sz="1800" dirty="0" err="1">
+                <a:effectLst/>
+                <a:latin typeface="Times New Roman" panose="02020603050405020304" pitchFamily="18" charset="0"/>
+                <a:ea typeface="Calibri" panose="020F0502020204030204" pitchFamily="34" charset="0"/>
+                <a:cs typeface="Times New Roman" panose="02020603050405020304" pitchFamily="18" charset="0"/>
+              </a:rPr>
+              <a:t>Altschul</a:t>
+            </a:r>
+            <a:r>
+              <a:rPr lang="fr-FR" sz="1800" dirty="0">
+                <a:effectLst/>
+                <a:latin typeface="Times New Roman" panose="02020603050405020304" pitchFamily="18" charset="0"/>
+                <a:ea typeface="Calibri" panose="020F0502020204030204" pitchFamily="34" charset="0"/>
+                <a:cs typeface="Times New Roman" panose="02020603050405020304" pitchFamily="18" charset="0"/>
+              </a:rPr>
+              <a:t> et al. (2017) </a:t>
+            </a:r>
+            <a:r>
+              <a:rPr lang="fr-FR" sz="1800" dirty="0" err="1">
+                <a:effectLst/>
+                <a:latin typeface="Times New Roman" panose="02020603050405020304" pitchFamily="18" charset="0"/>
+                <a:ea typeface="Calibri" panose="020F0502020204030204" pitchFamily="34" charset="0"/>
+                <a:cs typeface="Times New Roman" panose="02020603050405020304" pitchFamily="18" charset="0"/>
+              </a:rPr>
+              <a:t>Handbook</a:t>
+            </a:r>
+            <a:r>
+              <a:rPr lang="fr-FR" sz="1800" dirty="0">
+                <a:effectLst/>
+                <a:latin typeface="Times New Roman" panose="02020603050405020304" pitchFamily="18" charset="0"/>
+                <a:ea typeface="Calibri" panose="020F0502020204030204" pitchFamily="34" charset="0"/>
+                <a:cs typeface="Times New Roman" panose="02020603050405020304" pitchFamily="18" charset="0"/>
+              </a:rPr>
+              <a:t> of </a:t>
+            </a:r>
+            <a:r>
+              <a:rPr lang="fr-FR" sz="1800" dirty="0" err="1">
+                <a:effectLst/>
+                <a:latin typeface="Times New Roman" panose="02020603050405020304" pitchFamily="18" charset="0"/>
+                <a:ea typeface="Calibri" panose="020F0502020204030204" pitchFamily="34" charset="0"/>
+                <a:cs typeface="Times New Roman" panose="02020603050405020304" pitchFamily="18" charset="0"/>
+              </a:rPr>
+              <a:t>Discrete</a:t>
+            </a:r>
+            <a:r>
+              <a:rPr lang="fr-FR" sz="1800" dirty="0">
+                <a:effectLst/>
+                <a:latin typeface="Times New Roman" panose="02020603050405020304" pitchFamily="18" charset="0"/>
+                <a:ea typeface="Calibri" panose="020F0502020204030204" pitchFamily="34" charset="0"/>
+                <a:cs typeface="Times New Roman" panose="02020603050405020304" pitchFamily="18" charset="0"/>
+              </a:rPr>
+              <a:t> and </a:t>
+            </a:r>
+            <a:r>
+              <a:rPr lang="fr-FR" sz="1800" dirty="0" err="1">
+                <a:effectLst/>
+                <a:latin typeface="Times New Roman" panose="02020603050405020304" pitchFamily="18" charset="0"/>
+                <a:ea typeface="Calibri" panose="020F0502020204030204" pitchFamily="34" charset="0"/>
+                <a:cs typeface="Times New Roman" panose="02020603050405020304" pitchFamily="18" charset="0"/>
+              </a:rPr>
+              <a:t>Combinatorial</a:t>
+            </a:r>
+            <a:r>
+              <a:rPr lang="fr-FR" sz="1800" dirty="0">
+                <a:effectLst/>
+                <a:latin typeface="Times New Roman" panose="02020603050405020304" pitchFamily="18" charset="0"/>
+                <a:ea typeface="Calibri" panose="020F0502020204030204" pitchFamily="34" charset="0"/>
+                <a:cs typeface="Times New Roman" panose="02020603050405020304" pitchFamily="18" charset="0"/>
+              </a:rPr>
               <a:t> </a:t>
             </a:r>
             <a:r>
-              <a:rPr lang="en-US" dirty="0" err="1"/>
-              <a:t>Maha</a:t>
-            </a:r>
-            <a:endParaRPr lang="en-US" dirty="0"/>
+              <a:rPr lang="fr-FR" sz="1800" dirty="0" err="1">
+                <a:effectLst/>
+                <a:latin typeface="Times New Roman" panose="02020603050405020304" pitchFamily="18" charset="0"/>
+                <a:ea typeface="Calibri" panose="020F0502020204030204" pitchFamily="34" charset="0"/>
+                <a:cs typeface="Times New Roman" panose="02020603050405020304" pitchFamily="18" charset="0"/>
+              </a:rPr>
+              <a:t>Mathematics</a:t>
+            </a:r>
+            <a:r>
+              <a:rPr lang="fr-FR" sz="1800" dirty="0">
+                <a:effectLst/>
+                <a:latin typeface="Times New Roman" panose="02020603050405020304" pitchFamily="18" charset="0"/>
+                <a:ea typeface="Calibri" panose="020F0502020204030204" pitchFamily="34" charset="0"/>
+                <a:cs typeface="Times New Roman" panose="02020603050405020304" pitchFamily="18" charset="0"/>
+              </a:rPr>
+              <a:t>. 2nd </a:t>
+            </a:r>
+            <a:r>
+              <a:rPr lang="fr-FR" sz="1800" dirty="0" err="1">
+                <a:effectLst/>
+                <a:latin typeface="Times New Roman" panose="02020603050405020304" pitchFamily="18" charset="0"/>
+                <a:ea typeface="Calibri" panose="020F0502020204030204" pitchFamily="34" charset="0"/>
+                <a:cs typeface="Times New Roman" panose="02020603050405020304" pitchFamily="18" charset="0"/>
+              </a:rPr>
+              <a:t>edition</a:t>
+            </a:r>
+            <a:r>
+              <a:rPr lang="fr-FR" sz="1800" dirty="0">
+                <a:effectLst/>
+                <a:latin typeface="Times New Roman" panose="02020603050405020304" pitchFamily="18" charset="0"/>
+                <a:ea typeface="Calibri" panose="020F0502020204030204" pitchFamily="34" charset="0"/>
+                <a:cs typeface="Times New Roman" panose="02020603050405020304" pitchFamily="18" charset="0"/>
+              </a:rPr>
+              <a:t>, </a:t>
+            </a:r>
+            <a:r>
+              <a:rPr lang="fr-FR" sz="1800" dirty="0" err="1">
+                <a:effectLst/>
+                <a:latin typeface="Times New Roman" panose="02020603050405020304" pitchFamily="18" charset="0"/>
+                <a:ea typeface="Calibri" panose="020F0502020204030204" pitchFamily="34" charset="0"/>
+                <a:cs typeface="Times New Roman" panose="02020603050405020304" pitchFamily="18" charset="0"/>
+              </a:rPr>
+              <a:t>Chapter</a:t>
+            </a:r>
+            <a:r>
+              <a:rPr lang="fr-FR" sz="1800" dirty="0">
+                <a:effectLst/>
+                <a:latin typeface="Times New Roman" panose="02020603050405020304" pitchFamily="18" charset="0"/>
+                <a:ea typeface="Calibri" panose="020F0502020204030204" pitchFamily="34" charset="0"/>
+                <a:cs typeface="Times New Roman" panose="02020603050405020304" pitchFamily="18" charset="0"/>
+              </a:rPr>
+              <a:t> 20.1 </a:t>
+            </a:r>
+            <a:r>
+              <a:rPr lang="fr-FR" sz="1800" dirty="0" err="1">
+                <a:effectLst/>
+                <a:latin typeface="Times New Roman" panose="02020603050405020304" pitchFamily="18" charset="0"/>
+                <a:ea typeface="Calibri" panose="020F0502020204030204" pitchFamily="34" charset="0"/>
+                <a:cs typeface="Times New Roman" panose="02020603050405020304" pitchFamily="18" charset="0"/>
+              </a:rPr>
+              <a:t>Sequence</a:t>
+            </a:r>
+            <a:endParaRPr lang="fr-FR" sz="1800" dirty="0">
+              <a:effectLst/>
+              <a:latin typeface="Calibri" panose="020F0502020204030204" pitchFamily="34" charset="0"/>
+              <a:ea typeface="Calibri" panose="020F0502020204030204" pitchFamily="34" charset="0"/>
+              <a:cs typeface="Times New Roman" panose="02020603050405020304" pitchFamily="18" charset="0"/>
+            </a:endParaRPr>
+          </a:p>
+          <a:p>
+            <a:pPr marL="342900" lvl="0" indent="-342900" algn="just">
+              <a:lnSpc>
+                <a:spcPct val="107000"/>
+              </a:lnSpc>
+              <a:buFont typeface="+mj-lt"/>
+              <a:buAutoNum type="arabicPeriod"/>
+            </a:pPr>
+            <a:r>
+              <a:rPr lang="fr-FR" sz="1800" dirty="0">
+                <a:effectLst/>
+                <a:latin typeface="Times New Roman" panose="02020603050405020304" pitchFamily="18" charset="0"/>
+                <a:ea typeface="Calibri" panose="020F0502020204030204" pitchFamily="34" charset="0"/>
+                <a:cs typeface="Times New Roman" panose="02020603050405020304" pitchFamily="18" charset="0"/>
+              </a:rPr>
+              <a:t>T. </a:t>
+            </a:r>
+            <a:r>
+              <a:rPr lang="fr-FR" sz="1800" dirty="0" err="1">
+                <a:effectLst/>
+                <a:latin typeface="Times New Roman" panose="02020603050405020304" pitchFamily="18" charset="0"/>
+                <a:ea typeface="Calibri" panose="020F0502020204030204" pitchFamily="34" charset="0"/>
+                <a:cs typeface="Times New Roman" panose="02020603050405020304" pitchFamily="18" charset="0"/>
+              </a:rPr>
+              <a:t>Bepler</a:t>
+            </a:r>
+            <a:r>
+              <a:rPr lang="fr-FR" sz="1800" dirty="0">
+                <a:effectLst/>
+                <a:latin typeface="Times New Roman" panose="02020603050405020304" pitchFamily="18" charset="0"/>
+                <a:ea typeface="Calibri" panose="020F0502020204030204" pitchFamily="34" charset="0"/>
+                <a:cs typeface="Times New Roman" panose="02020603050405020304" pitchFamily="18" charset="0"/>
+              </a:rPr>
+              <a:t> et al. (2021) Learning the </a:t>
+            </a:r>
+            <a:r>
+              <a:rPr lang="fr-FR" sz="1800" dirty="0" err="1">
+                <a:effectLst/>
+                <a:latin typeface="Times New Roman" panose="02020603050405020304" pitchFamily="18" charset="0"/>
+                <a:ea typeface="Calibri" panose="020F0502020204030204" pitchFamily="34" charset="0"/>
+                <a:cs typeface="Times New Roman" panose="02020603050405020304" pitchFamily="18" charset="0"/>
+              </a:rPr>
+              <a:t>protein</a:t>
+            </a:r>
+            <a:r>
+              <a:rPr lang="fr-FR" sz="1800" dirty="0">
+                <a:effectLst/>
+                <a:latin typeface="Times New Roman" panose="02020603050405020304" pitchFamily="18" charset="0"/>
+                <a:ea typeface="Calibri" panose="020F0502020204030204" pitchFamily="34" charset="0"/>
+                <a:cs typeface="Times New Roman" panose="02020603050405020304" pitchFamily="18" charset="0"/>
+              </a:rPr>
+              <a:t> </a:t>
+            </a:r>
+            <a:r>
+              <a:rPr lang="fr-FR" sz="1800" dirty="0" err="1">
+                <a:effectLst/>
+                <a:latin typeface="Times New Roman" panose="02020603050405020304" pitchFamily="18" charset="0"/>
+                <a:ea typeface="Calibri" panose="020F0502020204030204" pitchFamily="34" charset="0"/>
+                <a:cs typeface="Times New Roman" panose="02020603050405020304" pitchFamily="18" charset="0"/>
+              </a:rPr>
+              <a:t>language</a:t>
+            </a:r>
+            <a:r>
+              <a:rPr lang="fr-FR" sz="1800" dirty="0">
+                <a:effectLst/>
+                <a:latin typeface="Times New Roman" panose="02020603050405020304" pitchFamily="18" charset="0"/>
+                <a:ea typeface="Calibri" panose="020F0502020204030204" pitchFamily="34" charset="0"/>
+                <a:cs typeface="Times New Roman" panose="02020603050405020304" pitchFamily="18" charset="0"/>
+              </a:rPr>
+              <a:t>: Evolution, structure, and </a:t>
+            </a:r>
+            <a:r>
+              <a:rPr lang="fr-FR" sz="1800" dirty="0" err="1">
+                <a:effectLst/>
+                <a:latin typeface="Times New Roman" panose="02020603050405020304" pitchFamily="18" charset="0"/>
+                <a:ea typeface="Calibri" panose="020F0502020204030204" pitchFamily="34" charset="0"/>
+                <a:cs typeface="Times New Roman" panose="02020603050405020304" pitchFamily="18" charset="0"/>
+              </a:rPr>
+              <a:t>function</a:t>
+            </a:r>
+            <a:r>
+              <a:rPr lang="fr-FR" sz="1800" dirty="0">
+                <a:effectLst/>
+                <a:latin typeface="Times New Roman" panose="02020603050405020304" pitchFamily="18" charset="0"/>
+                <a:ea typeface="Calibri" panose="020F0502020204030204" pitchFamily="34" charset="0"/>
+                <a:cs typeface="Times New Roman" panose="02020603050405020304" pitchFamily="18" charset="0"/>
+              </a:rPr>
+              <a:t>.</a:t>
+            </a:r>
+            <a:endParaRPr lang="fr-FR" sz="1800" dirty="0">
+              <a:effectLst/>
+              <a:latin typeface="Calibri" panose="020F0502020204030204" pitchFamily="34" charset="0"/>
+              <a:ea typeface="Calibri" panose="020F0502020204030204" pitchFamily="34" charset="0"/>
+              <a:cs typeface="Times New Roman" panose="02020603050405020304" pitchFamily="18" charset="0"/>
+            </a:endParaRPr>
+          </a:p>
+          <a:p>
+            <a:pPr marL="342900" lvl="0" indent="-342900">
+              <a:lnSpc>
+                <a:spcPct val="107000"/>
+              </a:lnSpc>
+              <a:buFont typeface="+mj-lt"/>
+              <a:buAutoNum type="arabicPeriod"/>
+            </a:pPr>
+            <a:r>
+              <a:rPr lang="fr-FR" sz="1800" dirty="0" err="1">
+                <a:effectLst/>
+                <a:latin typeface="Times New Roman" panose="02020603050405020304" pitchFamily="18" charset="0"/>
+                <a:ea typeface="Calibri" panose="020F0502020204030204" pitchFamily="34" charset="0"/>
+                <a:cs typeface="Times New Roman" panose="02020603050405020304" pitchFamily="18" charset="0"/>
+              </a:rPr>
+              <a:t>Needleman</a:t>
+            </a:r>
+            <a:r>
+              <a:rPr lang="fr-FR" sz="1800" dirty="0">
+                <a:effectLst/>
+                <a:latin typeface="Times New Roman" panose="02020603050405020304" pitchFamily="18" charset="0"/>
+                <a:ea typeface="Calibri" panose="020F0502020204030204" pitchFamily="34" charset="0"/>
+                <a:cs typeface="Times New Roman" panose="02020603050405020304" pitchFamily="18" charset="0"/>
+              </a:rPr>
+              <a:t>, Saul B. &amp; </a:t>
+            </a:r>
+            <a:r>
+              <a:rPr lang="fr-FR" sz="1800" dirty="0" err="1">
+                <a:effectLst/>
+                <a:latin typeface="Times New Roman" panose="02020603050405020304" pitchFamily="18" charset="0"/>
+                <a:ea typeface="Calibri" panose="020F0502020204030204" pitchFamily="34" charset="0"/>
+                <a:cs typeface="Times New Roman" panose="02020603050405020304" pitchFamily="18" charset="0"/>
+              </a:rPr>
+              <a:t>Wunsch</a:t>
+            </a:r>
+            <a:r>
+              <a:rPr lang="fr-FR" sz="1800" dirty="0">
+                <a:effectLst/>
+                <a:latin typeface="Times New Roman" panose="02020603050405020304" pitchFamily="18" charset="0"/>
+                <a:ea typeface="Calibri" panose="020F0502020204030204" pitchFamily="34" charset="0"/>
+                <a:cs typeface="Times New Roman" panose="02020603050405020304" pitchFamily="18" charset="0"/>
+              </a:rPr>
+              <a:t>, Christian D. (1970) A </a:t>
+            </a:r>
+            <a:r>
+              <a:rPr lang="fr-FR" sz="1800" dirty="0" err="1">
+                <a:effectLst/>
+                <a:latin typeface="Times New Roman" panose="02020603050405020304" pitchFamily="18" charset="0"/>
+                <a:ea typeface="Calibri" panose="020F0502020204030204" pitchFamily="34" charset="0"/>
+                <a:cs typeface="Times New Roman" panose="02020603050405020304" pitchFamily="18" charset="0"/>
+              </a:rPr>
+              <a:t>general</a:t>
+            </a:r>
+            <a:r>
+              <a:rPr lang="fr-FR" sz="1800" dirty="0">
+                <a:effectLst/>
+                <a:latin typeface="Times New Roman" panose="02020603050405020304" pitchFamily="18" charset="0"/>
+                <a:ea typeface="Calibri" panose="020F0502020204030204" pitchFamily="34" charset="0"/>
+                <a:cs typeface="Times New Roman" panose="02020603050405020304" pitchFamily="18" charset="0"/>
+              </a:rPr>
+              <a:t> </a:t>
+            </a:r>
+            <a:r>
+              <a:rPr lang="fr-FR" sz="1800" dirty="0" err="1">
+                <a:effectLst/>
+                <a:latin typeface="Times New Roman" panose="02020603050405020304" pitchFamily="18" charset="0"/>
+                <a:ea typeface="Calibri" panose="020F0502020204030204" pitchFamily="34" charset="0"/>
+                <a:cs typeface="Times New Roman" panose="02020603050405020304" pitchFamily="18" charset="0"/>
+              </a:rPr>
+              <a:t>method</a:t>
+            </a:r>
+            <a:r>
+              <a:rPr lang="fr-FR" sz="1800" dirty="0">
+                <a:effectLst/>
+                <a:latin typeface="Times New Roman" panose="02020603050405020304" pitchFamily="18" charset="0"/>
+                <a:ea typeface="Calibri" panose="020F0502020204030204" pitchFamily="34" charset="0"/>
+                <a:cs typeface="Times New Roman" panose="02020603050405020304" pitchFamily="18" charset="0"/>
+              </a:rPr>
+              <a:t> applicable to the </a:t>
+            </a:r>
+            <a:r>
+              <a:rPr lang="fr-FR" sz="1800" dirty="0" err="1">
+                <a:effectLst/>
+                <a:latin typeface="Times New Roman" panose="02020603050405020304" pitchFamily="18" charset="0"/>
+                <a:ea typeface="Calibri" panose="020F0502020204030204" pitchFamily="34" charset="0"/>
+                <a:cs typeface="Times New Roman" panose="02020603050405020304" pitchFamily="18" charset="0"/>
+              </a:rPr>
+              <a:t>search</a:t>
+            </a:r>
+            <a:r>
+              <a:rPr lang="fr-FR" sz="1800" dirty="0">
+                <a:effectLst/>
+                <a:latin typeface="Times New Roman" panose="02020603050405020304" pitchFamily="18" charset="0"/>
+                <a:ea typeface="Calibri" panose="020F0502020204030204" pitchFamily="34" charset="0"/>
+                <a:cs typeface="Times New Roman" panose="02020603050405020304" pitchFamily="18" charset="0"/>
+              </a:rPr>
+              <a:t> for </a:t>
+            </a:r>
+            <a:r>
+              <a:rPr lang="fr-FR" sz="1800" dirty="0" err="1">
+                <a:effectLst/>
+                <a:latin typeface="Times New Roman" panose="02020603050405020304" pitchFamily="18" charset="0"/>
+                <a:ea typeface="Calibri" panose="020F0502020204030204" pitchFamily="34" charset="0"/>
+                <a:cs typeface="Times New Roman" panose="02020603050405020304" pitchFamily="18" charset="0"/>
+              </a:rPr>
+              <a:t>similarities</a:t>
+            </a:r>
+            <a:r>
+              <a:rPr lang="fr-FR" sz="1800" dirty="0">
+                <a:effectLst/>
+                <a:latin typeface="Times New Roman" panose="02020603050405020304" pitchFamily="18" charset="0"/>
+                <a:ea typeface="Calibri" panose="020F0502020204030204" pitchFamily="34" charset="0"/>
+                <a:cs typeface="Times New Roman" panose="02020603050405020304" pitchFamily="18" charset="0"/>
+              </a:rPr>
+              <a:t> in the </a:t>
+            </a:r>
+            <a:r>
+              <a:rPr lang="fr-FR" sz="1800" dirty="0" err="1">
+                <a:effectLst/>
+                <a:latin typeface="Times New Roman" panose="02020603050405020304" pitchFamily="18" charset="0"/>
+                <a:ea typeface="Calibri" panose="020F0502020204030204" pitchFamily="34" charset="0"/>
+                <a:cs typeface="Times New Roman" panose="02020603050405020304" pitchFamily="18" charset="0"/>
+              </a:rPr>
+              <a:t>amino</a:t>
+            </a:r>
+            <a:r>
+              <a:rPr lang="fr-FR" sz="1800" dirty="0">
+                <a:effectLst/>
+                <a:latin typeface="Times New Roman" panose="02020603050405020304" pitchFamily="18" charset="0"/>
+                <a:ea typeface="Calibri" panose="020F0502020204030204" pitchFamily="34" charset="0"/>
+                <a:cs typeface="Times New Roman" panose="02020603050405020304" pitchFamily="18" charset="0"/>
+              </a:rPr>
+              <a:t> </a:t>
+            </a:r>
+            <a:r>
+              <a:rPr lang="fr-FR" sz="1800" dirty="0" err="1">
+                <a:effectLst/>
+                <a:latin typeface="Times New Roman" panose="02020603050405020304" pitchFamily="18" charset="0"/>
+                <a:ea typeface="Calibri" panose="020F0502020204030204" pitchFamily="34" charset="0"/>
+                <a:cs typeface="Times New Roman" panose="02020603050405020304" pitchFamily="18" charset="0"/>
+              </a:rPr>
+              <a:t>acid</a:t>
+            </a:r>
+            <a:r>
+              <a:rPr lang="fr-FR" sz="1800" dirty="0">
+                <a:effectLst/>
+                <a:latin typeface="Times New Roman" panose="02020603050405020304" pitchFamily="18" charset="0"/>
+                <a:ea typeface="Calibri" panose="020F0502020204030204" pitchFamily="34" charset="0"/>
+                <a:cs typeface="Times New Roman" panose="02020603050405020304" pitchFamily="18" charset="0"/>
+              </a:rPr>
+              <a:t> </a:t>
+            </a:r>
+            <a:r>
+              <a:rPr lang="fr-FR" sz="1800" dirty="0" err="1">
+                <a:effectLst/>
+                <a:latin typeface="Times New Roman" panose="02020603050405020304" pitchFamily="18" charset="0"/>
+                <a:ea typeface="Calibri" panose="020F0502020204030204" pitchFamily="34" charset="0"/>
+                <a:cs typeface="Times New Roman" panose="02020603050405020304" pitchFamily="18" charset="0"/>
+              </a:rPr>
+              <a:t>sequence</a:t>
+            </a:r>
+            <a:r>
+              <a:rPr lang="fr-FR" sz="1800" dirty="0">
+                <a:effectLst/>
+                <a:latin typeface="Times New Roman" panose="02020603050405020304" pitchFamily="18" charset="0"/>
+                <a:ea typeface="Calibri" panose="020F0502020204030204" pitchFamily="34" charset="0"/>
+                <a:cs typeface="Times New Roman" panose="02020603050405020304" pitchFamily="18" charset="0"/>
+              </a:rPr>
+              <a:t> of </a:t>
+            </a:r>
+            <a:r>
+              <a:rPr lang="fr-FR" sz="1800" dirty="0" err="1">
+                <a:effectLst/>
+                <a:latin typeface="Times New Roman" panose="02020603050405020304" pitchFamily="18" charset="0"/>
+                <a:ea typeface="Calibri" panose="020F0502020204030204" pitchFamily="34" charset="0"/>
+                <a:cs typeface="Times New Roman" panose="02020603050405020304" pitchFamily="18" charset="0"/>
+              </a:rPr>
+              <a:t>two</a:t>
+            </a:r>
+            <a:r>
+              <a:rPr lang="fr-FR" sz="1800" dirty="0">
+                <a:effectLst/>
+                <a:latin typeface="Times New Roman" panose="02020603050405020304" pitchFamily="18" charset="0"/>
+                <a:ea typeface="Calibri" panose="020F0502020204030204" pitchFamily="34" charset="0"/>
+                <a:cs typeface="Times New Roman" panose="02020603050405020304" pitchFamily="18" charset="0"/>
+              </a:rPr>
+              <a:t> </a:t>
+            </a:r>
+            <a:r>
+              <a:rPr lang="fr-FR" sz="1800" dirty="0" err="1">
+                <a:effectLst/>
+                <a:latin typeface="Times New Roman" panose="02020603050405020304" pitchFamily="18" charset="0"/>
+                <a:ea typeface="Calibri" panose="020F0502020204030204" pitchFamily="34" charset="0"/>
+                <a:cs typeface="Times New Roman" panose="02020603050405020304" pitchFamily="18" charset="0"/>
+              </a:rPr>
+              <a:t>proteins</a:t>
+            </a:r>
+            <a:r>
+              <a:rPr lang="fr-FR" sz="1800" dirty="0">
+                <a:effectLst/>
+                <a:latin typeface="Times New Roman" panose="02020603050405020304" pitchFamily="18" charset="0"/>
+                <a:ea typeface="Calibri" panose="020F0502020204030204" pitchFamily="34" charset="0"/>
+                <a:cs typeface="Times New Roman" panose="02020603050405020304" pitchFamily="18" charset="0"/>
+              </a:rPr>
+              <a:t>.</a:t>
+            </a:r>
+            <a:endParaRPr lang="fr-FR" sz="1800" dirty="0">
+              <a:effectLst/>
+              <a:latin typeface="Calibri" panose="020F0502020204030204" pitchFamily="34" charset="0"/>
+              <a:ea typeface="Calibri" panose="020F0502020204030204" pitchFamily="34" charset="0"/>
+              <a:cs typeface="Times New Roman" panose="02020603050405020304" pitchFamily="18" charset="0"/>
+            </a:endParaRPr>
+          </a:p>
+          <a:p>
+            <a:pPr marL="342900" lvl="0" indent="-342900">
+              <a:lnSpc>
+                <a:spcPct val="107000"/>
+              </a:lnSpc>
+              <a:buFont typeface="+mj-lt"/>
+              <a:buAutoNum type="arabicPeriod"/>
+            </a:pPr>
+            <a:r>
+              <a:rPr lang="fr-FR" sz="1800" dirty="0">
+                <a:effectLst/>
+                <a:latin typeface="Times New Roman" panose="02020603050405020304" pitchFamily="18" charset="0"/>
+                <a:ea typeface="Calibri" panose="020F0502020204030204" pitchFamily="34" charset="0"/>
+                <a:cs typeface="Times New Roman" panose="02020603050405020304" pitchFamily="18" charset="0"/>
+              </a:rPr>
+              <a:t>Smith, Temple F. &amp; Waterman, Michael S. (1981) Identification of Common </a:t>
+            </a:r>
+            <a:r>
+              <a:rPr lang="fr-FR" sz="1800" dirty="0" err="1">
+                <a:effectLst/>
+                <a:latin typeface="Times New Roman" panose="02020603050405020304" pitchFamily="18" charset="0"/>
+                <a:ea typeface="Calibri" panose="020F0502020204030204" pitchFamily="34" charset="0"/>
+                <a:cs typeface="Times New Roman" panose="02020603050405020304" pitchFamily="18" charset="0"/>
+              </a:rPr>
+              <a:t>Molecular</a:t>
+            </a:r>
+            <a:r>
+              <a:rPr lang="fr-FR" sz="1800" dirty="0">
+                <a:effectLst/>
+                <a:latin typeface="Times New Roman" panose="02020603050405020304" pitchFamily="18" charset="0"/>
+                <a:ea typeface="Calibri" panose="020F0502020204030204" pitchFamily="34" charset="0"/>
+                <a:cs typeface="Times New Roman" panose="02020603050405020304" pitchFamily="18" charset="0"/>
+              </a:rPr>
+              <a:t> </a:t>
+            </a:r>
+            <a:r>
+              <a:rPr lang="fr-FR" sz="1800" dirty="0" err="1">
+                <a:effectLst/>
+                <a:latin typeface="Times New Roman" panose="02020603050405020304" pitchFamily="18" charset="0"/>
+                <a:ea typeface="Calibri" panose="020F0502020204030204" pitchFamily="34" charset="0"/>
+                <a:cs typeface="Times New Roman" panose="02020603050405020304" pitchFamily="18" charset="0"/>
+              </a:rPr>
+              <a:t>Subsequences</a:t>
+            </a:r>
+            <a:r>
+              <a:rPr lang="fr-FR" sz="1800" dirty="0">
+                <a:effectLst/>
+                <a:latin typeface="Times New Roman" panose="02020603050405020304" pitchFamily="18" charset="0"/>
+                <a:ea typeface="Calibri" panose="020F0502020204030204" pitchFamily="34" charset="0"/>
+                <a:cs typeface="Times New Roman" panose="02020603050405020304" pitchFamily="18" charset="0"/>
+              </a:rPr>
+              <a:t>.</a:t>
+            </a:r>
+            <a:endParaRPr lang="fr-FR" sz="1800" dirty="0">
+              <a:effectLst/>
+              <a:latin typeface="Calibri" panose="020F0502020204030204" pitchFamily="34" charset="0"/>
+              <a:ea typeface="Calibri" panose="020F0502020204030204" pitchFamily="34" charset="0"/>
+              <a:cs typeface="Times New Roman" panose="02020603050405020304" pitchFamily="18" charset="0"/>
+            </a:endParaRPr>
+          </a:p>
+          <a:p>
+            <a:pPr marL="342900" lvl="0" indent="-342900">
+              <a:lnSpc>
+                <a:spcPct val="107000"/>
+              </a:lnSpc>
+              <a:buFont typeface="+mj-lt"/>
+              <a:buAutoNum type="arabicPeriod"/>
+            </a:pPr>
+            <a:r>
+              <a:rPr lang="fr-FR" sz="1800" u="none" strike="noStrike" dirty="0">
+                <a:solidFill>
+                  <a:srgbClr val="0000FF"/>
+                </a:solidFill>
+                <a:effectLst/>
+                <a:latin typeface="Times New Roman" panose="02020603050405020304" pitchFamily="18" charset="0"/>
+                <a:ea typeface="Calibri" panose="020F0502020204030204" pitchFamily="34" charset="0"/>
+                <a:cs typeface="Times New Roman" panose="02020603050405020304" pitchFamily="18" charset="0"/>
+                <a:hlinkClick r:id="rId2"/>
+              </a:rPr>
+              <a:t>A </a:t>
+            </a:r>
+            <a:r>
+              <a:rPr lang="fr-FR" sz="1800" u="none" strike="noStrike" dirty="0" err="1">
+                <a:solidFill>
+                  <a:srgbClr val="0000FF"/>
+                </a:solidFill>
+                <a:effectLst/>
+                <a:latin typeface="Times New Roman" panose="02020603050405020304" pitchFamily="18" charset="0"/>
+                <a:ea typeface="Calibri" panose="020F0502020204030204" pitchFamily="34" charset="0"/>
+                <a:cs typeface="Times New Roman" panose="02020603050405020304" pitchFamily="18" charset="0"/>
+                <a:hlinkClick r:id="rId2"/>
+              </a:rPr>
+              <a:t>Elnaggar</a:t>
+            </a:r>
+            <a:r>
+              <a:rPr lang="fr-FR" sz="1800" dirty="0">
+                <a:effectLst/>
+                <a:latin typeface="Times New Roman" panose="02020603050405020304" pitchFamily="18" charset="0"/>
+                <a:ea typeface="Calibri" panose="020F0502020204030204" pitchFamily="34" charset="0"/>
+                <a:cs typeface="Times New Roman" panose="02020603050405020304" pitchFamily="18" charset="0"/>
+              </a:rPr>
+              <a:t> et al. (2020) </a:t>
+            </a:r>
+            <a:r>
+              <a:rPr lang="fr-FR" sz="1800" dirty="0" err="1">
+                <a:effectLst/>
+                <a:latin typeface="Times New Roman" panose="02020603050405020304" pitchFamily="18" charset="0"/>
+                <a:ea typeface="Calibri" panose="020F0502020204030204" pitchFamily="34" charset="0"/>
+                <a:cs typeface="Times New Roman" panose="02020603050405020304" pitchFamily="18" charset="0"/>
+              </a:rPr>
+              <a:t>ProtTrans</a:t>
+            </a:r>
+            <a:r>
+              <a:rPr lang="fr-FR" sz="1800" dirty="0">
+                <a:effectLst/>
+                <a:latin typeface="Times New Roman" panose="02020603050405020304" pitchFamily="18" charset="0"/>
+                <a:ea typeface="Calibri" panose="020F0502020204030204" pitchFamily="34" charset="0"/>
+                <a:cs typeface="Times New Roman" panose="02020603050405020304" pitchFamily="18" charset="0"/>
+              </a:rPr>
+              <a:t>: </a:t>
+            </a:r>
+            <a:r>
+              <a:rPr lang="fr-FR" sz="1800" dirty="0" err="1">
+                <a:effectLst/>
+                <a:latin typeface="Times New Roman" panose="02020603050405020304" pitchFamily="18" charset="0"/>
+                <a:ea typeface="Calibri" panose="020F0502020204030204" pitchFamily="34" charset="0"/>
+                <a:cs typeface="Times New Roman" panose="02020603050405020304" pitchFamily="18" charset="0"/>
+              </a:rPr>
+              <a:t>Towards</a:t>
+            </a:r>
+            <a:r>
+              <a:rPr lang="fr-FR" sz="1800" dirty="0">
+                <a:effectLst/>
+                <a:latin typeface="Times New Roman" panose="02020603050405020304" pitchFamily="18" charset="0"/>
+                <a:ea typeface="Calibri" panose="020F0502020204030204" pitchFamily="34" charset="0"/>
+                <a:cs typeface="Times New Roman" panose="02020603050405020304" pitchFamily="18" charset="0"/>
+              </a:rPr>
+              <a:t> Cracking the </a:t>
+            </a:r>
+            <a:r>
+              <a:rPr lang="fr-FR" sz="1800" dirty="0" err="1">
+                <a:effectLst/>
+                <a:latin typeface="Times New Roman" panose="02020603050405020304" pitchFamily="18" charset="0"/>
+                <a:ea typeface="Calibri" panose="020F0502020204030204" pitchFamily="34" charset="0"/>
+                <a:cs typeface="Times New Roman" panose="02020603050405020304" pitchFamily="18" charset="0"/>
+              </a:rPr>
+              <a:t>Language</a:t>
+            </a:r>
+            <a:r>
+              <a:rPr lang="fr-FR" sz="1800" dirty="0">
+                <a:effectLst/>
+                <a:latin typeface="Times New Roman" panose="02020603050405020304" pitchFamily="18" charset="0"/>
+                <a:ea typeface="Calibri" panose="020F0502020204030204" pitchFamily="34" charset="0"/>
+                <a:cs typeface="Times New Roman" panose="02020603050405020304" pitchFamily="18" charset="0"/>
+              </a:rPr>
+              <a:t> of </a:t>
+            </a:r>
+            <a:r>
+              <a:rPr lang="fr-FR" sz="1800" dirty="0" err="1">
+                <a:effectLst/>
+                <a:latin typeface="Times New Roman" panose="02020603050405020304" pitchFamily="18" charset="0"/>
+                <a:ea typeface="Calibri" panose="020F0502020204030204" pitchFamily="34" charset="0"/>
+                <a:cs typeface="Times New Roman" panose="02020603050405020304" pitchFamily="18" charset="0"/>
+              </a:rPr>
+              <a:t>Life's</a:t>
+            </a:r>
+            <a:r>
+              <a:rPr lang="fr-FR" sz="1800" dirty="0">
+                <a:effectLst/>
+                <a:latin typeface="Times New Roman" panose="02020603050405020304" pitchFamily="18" charset="0"/>
+                <a:ea typeface="Calibri" panose="020F0502020204030204" pitchFamily="34" charset="0"/>
+                <a:cs typeface="Times New Roman" panose="02020603050405020304" pitchFamily="18" charset="0"/>
+              </a:rPr>
+              <a:t> Code </a:t>
+            </a:r>
+            <a:r>
+              <a:rPr lang="fr-FR" sz="1800" dirty="0" err="1">
+                <a:effectLst/>
+                <a:latin typeface="Times New Roman" panose="02020603050405020304" pitchFamily="18" charset="0"/>
+                <a:ea typeface="Calibri" panose="020F0502020204030204" pitchFamily="34" charset="0"/>
+                <a:cs typeface="Times New Roman" panose="02020603050405020304" pitchFamily="18" charset="0"/>
+              </a:rPr>
+              <a:t>Through</a:t>
+            </a:r>
+            <a:r>
+              <a:rPr lang="fr-FR" sz="1800" dirty="0">
+                <a:effectLst/>
+                <a:latin typeface="Times New Roman" panose="02020603050405020304" pitchFamily="18" charset="0"/>
+                <a:ea typeface="Calibri" panose="020F0502020204030204" pitchFamily="34" charset="0"/>
+                <a:cs typeface="Times New Roman" panose="02020603050405020304" pitchFamily="18" charset="0"/>
+              </a:rPr>
+              <a:t> Self-</a:t>
+            </a:r>
+            <a:r>
+              <a:rPr lang="fr-FR" sz="1800" dirty="0" err="1">
+                <a:effectLst/>
+                <a:latin typeface="Times New Roman" panose="02020603050405020304" pitchFamily="18" charset="0"/>
+                <a:ea typeface="Calibri" panose="020F0502020204030204" pitchFamily="34" charset="0"/>
+                <a:cs typeface="Times New Roman" panose="02020603050405020304" pitchFamily="18" charset="0"/>
+              </a:rPr>
+              <a:t>Supervised</a:t>
+            </a:r>
+            <a:r>
+              <a:rPr lang="fr-FR" sz="1800" dirty="0">
+                <a:effectLst/>
+                <a:latin typeface="Times New Roman" panose="02020603050405020304" pitchFamily="18" charset="0"/>
+                <a:ea typeface="Calibri" panose="020F0502020204030204" pitchFamily="34" charset="0"/>
+                <a:cs typeface="Times New Roman" panose="02020603050405020304" pitchFamily="18" charset="0"/>
+              </a:rPr>
+              <a:t> </a:t>
+            </a:r>
+            <a:r>
+              <a:rPr lang="fr-FR" sz="1800" dirty="0" err="1">
+                <a:effectLst/>
+                <a:latin typeface="Times New Roman" panose="02020603050405020304" pitchFamily="18" charset="0"/>
+                <a:ea typeface="Calibri" panose="020F0502020204030204" pitchFamily="34" charset="0"/>
+                <a:cs typeface="Times New Roman" panose="02020603050405020304" pitchFamily="18" charset="0"/>
+              </a:rPr>
+              <a:t>Deep</a:t>
+            </a:r>
+            <a:r>
+              <a:rPr lang="fr-FR" sz="1800" dirty="0">
+                <a:effectLst/>
+                <a:latin typeface="Times New Roman" panose="02020603050405020304" pitchFamily="18" charset="0"/>
+                <a:ea typeface="Calibri" panose="020F0502020204030204" pitchFamily="34" charset="0"/>
+                <a:cs typeface="Times New Roman" panose="02020603050405020304" pitchFamily="18" charset="0"/>
+              </a:rPr>
+              <a:t> Learning and High Performance </a:t>
+            </a:r>
+            <a:r>
+              <a:rPr lang="fr-FR" sz="1800" dirty="0" err="1">
+                <a:effectLst/>
+                <a:latin typeface="Times New Roman" panose="02020603050405020304" pitchFamily="18" charset="0"/>
+                <a:ea typeface="Calibri" panose="020F0502020204030204" pitchFamily="34" charset="0"/>
+                <a:cs typeface="Times New Roman" panose="02020603050405020304" pitchFamily="18" charset="0"/>
+              </a:rPr>
+              <a:t>Computing</a:t>
+            </a:r>
+            <a:r>
+              <a:rPr lang="fr-FR" sz="1800" dirty="0">
+                <a:effectLst/>
+                <a:latin typeface="Times New Roman" panose="02020603050405020304" pitchFamily="18" charset="0"/>
+                <a:ea typeface="Calibri" panose="020F0502020204030204" pitchFamily="34" charset="0"/>
+                <a:cs typeface="Times New Roman" panose="02020603050405020304" pitchFamily="18" charset="0"/>
+              </a:rPr>
+              <a:t> </a:t>
+            </a:r>
+            <a:endParaRPr lang="fr-FR" sz="1800" dirty="0">
+              <a:effectLst/>
+              <a:latin typeface="Calibri" panose="020F0502020204030204" pitchFamily="34" charset="0"/>
+              <a:ea typeface="Calibri" panose="020F0502020204030204" pitchFamily="34" charset="0"/>
+              <a:cs typeface="Times New Roman" panose="02020603050405020304" pitchFamily="18" charset="0"/>
+            </a:endParaRPr>
+          </a:p>
+          <a:p>
+            <a:pPr marL="342900" lvl="0" indent="-342900">
+              <a:lnSpc>
+                <a:spcPct val="107000"/>
+              </a:lnSpc>
+              <a:buFont typeface="+mj-lt"/>
+              <a:buAutoNum type="arabicPeriod"/>
+            </a:pPr>
+            <a:r>
+              <a:rPr lang="fr-FR" sz="1800" dirty="0">
+                <a:effectLst/>
+                <a:latin typeface="Times New Roman" panose="02020603050405020304" pitchFamily="18" charset="0"/>
+                <a:ea typeface="Calibri" panose="020F0502020204030204" pitchFamily="34" charset="0"/>
+                <a:cs typeface="Times New Roman" panose="02020603050405020304" pitchFamily="18" charset="0"/>
+              </a:rPr>
+              <a:t>Page pdb de la 6-phosphofructo-2-kinase/fructose-2,6-bisphosphatase </a:t>
+            </a:r>
+            <a:r>
+              <a:rPr lang="fr-FR" sz="1800" dirty="0" err="1">
+                <a:effectLst/>
+                <a:latin typeface="Times New Roman" panose="02020603050405020304" pitchFamily="18" charset="0"/>
+                <a:ea typeface="Calibri" panose="020F0502020204030204" pitchFamily="34" charset="0"/>
+                <a:cs typeface="Times New Roman" panose="02020603050405020304" pitchFamily="18" charset="0"/>
+              </a:rPr>
+              <a:t>bifunctional</a:t>
+            </a:r>
+            <a:r>
+              <a:rPr lang="fr-FR" sz="1800" dirty="0">
+                <a:effectLst/>
+                <a:latin typeface="Times New Roman" panose="02020603050405020304" pitchFamily="18" charset="0"/>
+                <a:ea typeface="Calibri" panose="020F0502020204030204" pitchFamily="34" charset="0"/>
+                <a:cs typeface="Times New Roman" panose="02020603050405020304" pitchFamily="18" charset="0"/>
+              </a:rPr>
+              <a:t> enzyme </a:t>
+            </a:r>
+            <a:r>
+              <a:rPr lang="fr-FR" sz="1800" dirty="0" err="1">
+                <a:effectLst/>
+                <a:latin typeface="Times New Roman" panose="02020603050405020304" pitchFamily="18" charset="0"/>
+                <a:ea typeface="Calibri" panose="020F0502020204030204" pitchFamily="34" charset="0"/>
+                <a:cs typeface="Times New Roman" panose="02020603050405020304" pitchFamily="18" charset="0"/>
+              </a:rPr>
+              <a:t>complexed</a:t>
+            </a:r>
+            <a:r>
+              <a:rPr lang="fr-FR" sz="1800" dirty="0">
+                <a:effectLst/>
+                <a:latin typeface="Times New Roman" panose="02020603050405020304" pitchFamily="18" charset="0"/>
+                <a:ea typeface="Calibri" panose="020F0502020204030204" pitchFamily="34" charset="0"/>
+                <a:cs typeface="Times New Roman" panose="02020603050405020304" pitchFamily="18" charset="0"/>
+              </a:rPr>
+              <a:t> </a:t>
+            </a:r>
+            <a:r>
+              <a:rPr lang="fr-FR" sz="1800" dirty="0" err="1">
+                <a:effectLst/>
+                <a:latin typeface="Times New Roman" panose="02020603050405020304" pitchFamily="18" charset="0"/>
+                <a:ea typeface="Calibri" panose="020F0502020204030204" pitchFamily="34" charset="0"/>
+                <a:cs typeface="Times New Roman" panose="02020603050405020304" pitchFamily="18" charset="0"/>
+              </a:rPr>
+              <a:t>with</a:t>
+            </a:r>
+            <a:r>
+              <a:rPr lang="fr-FR" sz="1800" dirty="0">
+                <a:effectLst/>
+                <a:latin typeface="Times New Roman" panose="02020603050405020304" pitchFamily="18" charset="0"/>
+                <a:ea typeface="Calibri" panose="020F0502020204030204" pitchFamily="34" charset="0"/>
+                <a:cs typeface="Times New Roman" panose="02020603050405020304" pitchFamily="18" charset="0"/>
+              </a:rPr>
+              <a:t> atp-g-s and phosphate : </a:t>
+            </a:r>
+            <a:r>
+              <a:rPr lang="fr-FR" sz="1800" u="sng" dirty="0">
+                <a:solidFill>
+                  <a:srgbClr val="0000FF"/>
+                </a:solidFill>
+                <a:effectLst/>
+                <a:latin typeface="Times New Roman" panose="02020603050405020304" pitchFamily="18" charset="0"/>
+                <a:ea typeface="Calibri" panose="020F0502020204030204" pitchFamily="34" charset="0"/>
+                <a:cs typeface="Times New Roman" panose="02020603050405020304" pitchFamily="18" charset="0"/>
+                <a:hlinkClick r:id="rId3"/>
+              </a:rPr>
+              <a:t>https://www.rcsb.org/structure/1bif</a:t>
+            </a:r>
+            <a:r>
+              <a:rPr lang="fr-FR" sz="1800" dirty="0">
+                <a:effectLst/>
+                <a:latin typeface="Times New Roman" panose="02020603050405020304" pitchFamily="18" charset="0"/>
+                <a:ea typeface="Calibri" panose="020F0502020204030204" pitchFamily="34" charset="0"/>
+                <a:cs typeface="Times New Roman" panose="02020603050405020304" pitchFamily="18" charset="0"/>
+              </a:rPr>
+              <a:t> </a:t>
+            </a:r>
+            <a:endParaRPr lang="fr-FR" sz="1800" dirty="0">
+              <a:effectLst/>
+              <a:latin typeface="Calibri" panose="020F0502020204030204" pitchFamily="34" charset="0"/>
+              <a:ea typeface="Calibri" panose="020F0502020204030204" pitchFamily="34" charset="0"/>
+              <a:cs typeface="Times New Roman" panose="02020603050405020304" pitchFamily="18" charset="0"/>
+            </a:endParaRPr>
+          </a:p>
+          <a:p>
+            <a:pPr marL="342900" lvl="0" indent="-342900">
+              <a:lnSpc>
+                <a:spcPct val="107000"/>
+              </a:lnSpc>
+              <a:buFont typeface="+mj-lt"/>
+              <a:buAutoNum type="arabicPeriod"/>
+            </a:pPr>
+            <a:r>
+              <a:rPr lang="fr-FR" sz="1800" dirty="0">
+                <a:effectLst/>
+                <a:latin typeface="Times New Roman" panose="02020603050405020304" pitchFamily="18" charset="0"/>
+                <a:ea typeface="Calibri" panose="020F0502020204030204" pitchFamily="34" charset="0"/>
+                <a:cs typeface="Times New Roman" panose="02020603050405020304" pitchFamily="18" charset="0"/>
+              </a:rPr>
+              <a:t>Page pdb de la hyperthermophile </a:t>
+            </a:r>
+            <a:r>
+              <a:rPr lang="fr-FR" sz="1800" dirty="0" err="1">
+                <a:effectLst/>
+                <a:latin typeface="Times New Roman" panose="02020603050405020304" pitchFamily="18" charset="0"/>
+                <a:ea typeface="Calibri" panose="020F0502020204030204" pitchFamily="34" charset="0"/>
+                <a:cs typeface="Times New Roman" panose="02020603050405020304" pitchFamily="18" charset="0"/>
+              </a:rPr>
+              <a:t>chromosomal</a:t>
+            </a:r>
+            <a:r>
+              <a:rPr lang="fr-FR" sz="1800" dirty="0">
+                <a:effectLst/>
+                <a:latin typeface="Times New Roman" panose="02020603050405020304" pitchFamily="18" charset="0"/>
+                <a:ea typeface="Calibri" panose="020F0502020204030204" pitchFamily="34" charset="0"/>
+                <a:cs typeface="Times New Roman" panose="02020603050405020304" pitchFamily="18" charset="0"/>
+              </a:rPr>
+              <a:t> </a:t>
+            </a:r>
+            <a:r>
+              <a:rPr lang="fr-FR" sz="1800" dirty="0" err="1">
+                <a:effectLst/>
+                <a:latin typeface="Times New Roman" panose="02020603050405020304" pitchFamily="18" charset="0"/>
+                <a:ea typeface="Calibri" panose="020F0502020204030204" pitchFamily="34" charset="0"/>
+                <a:cs typeface="Times New Roman" panose="02020603050405020304" pitchFamily="18" charset="0"/>
+              </a:rPr>
+              <a:t>protein</a:t>
+            </a:r>
+            <a:r>
+              <a:rPr lang="fr-FR" sz="1800" dirty="0">
+                <a:effectLst/>
+                <a:latin typeface="Times New Roman" panose="02020603050405020304" pitchFamily="18" charset="0"/>
+                <a:ea typeface="Calibri" panose="020F0502020204030204" pitchFamily="34" charset="0"/>
+                <a:cs typeface="Times New Roman" panose="02020603050405020304" pitchFamily="18" charset="0"/>
+              </a:rPr>
+              <a:t> sac7d </a:t>
+            </a:r>
+            <a:r>
+              <a:rPr lang="fr-FR" sz="1800" dirty="0" err="1">
+                <a:effectLst/>
+                <a:latin typeface="Times New Roman" panose="02020603050405020304" pitchFamily="18" charset="0"/>
+                <a:ea typeface="Calibri" panose="020F0502020204030204" pitchFamily="34" charset="0"/>
+                <a:cs typeface="Times New Roman" panose="02020603050405020304" pitchFamily="18" charset="0"/>
+              </a:rPr>
+              <a:t>bound</a:t>
+            </a:r>
+            <a:r>
+              <a:rPr lang="fr-FR" sz="1800" dirty="0">
+                <a:effectLst/>
+                <a:latin typeface="Times New Roman" panose="02020603050405020304" pitchFamily="18" charset="0"/>
+                <a:ea typeface="Calibri" panose="020F0502020204030204" pitchFamily="34" charset="0"/>
+                <a:cs typeface="Times New Roman" panose="02020603050405020304" pitchFamily="18" charset="0"/>
+              </a:rPr>
+              <a:t> </a:t>
+            </a:r>
+            <a:r>
+              <a:rPr lang="fr-FR" sz="1800" dirty="0" err="1">
+                <a:effectLst/>
+                <a:latin typeface="Times New Roman" panose="02020603050405020304" pitchFamily="18" charset="0"/>
+                <a:ea typeface="Calibri" panose="020F0502020204030204" pitchFamily="34" charset="0"/>
+                <a:cs typeface="Times New Roman" panose="02020603050405020304" pitchFamily="18" charset="0"/>
+              </a:rPr>
+              <a:t>with</a:t>
+            </a:r>
+            <a:r>
+              <a:rPr lang="fr-FR" sz="1800" dirty="0">
+                <a:effectLst/>
+                <a:latin typeface="Times New Roman" panose="02020603050405020304" pitchFamily="18" charset="0"/>
+                <a:ea typeface="Calibri" panose="020F0502020204030204" pitchFamily="34" charset="0"/>
+                <a:cs typeface="Times New Roman" panose="02020603050405020304" pitchFamily="18" charset="0"/>
+              </a:rPr>
+              <a:t> </a:t>
+            </a:r>
+            <a:r>
+              <a:rPr lang="fr-FR" sz="1800" dirty="0" err="1">
+                <a:effectLst/>
+                <a:latin typeface="Times New Roman" panose="02020603050405020304" pitchFamily="18" charset="0"/>
+                <a:ea typeface="Calibri" panose="020F0502020204030204" pitchFamily="34" charset="0"/>
+                <a:cs typeface="Times New Roman" panose="02020603050405020304" pitchFamily="18" charset="0"/>
+              </a:rPr>
+              <a:t>kinked</a:t>
+            </a:r>
+            <a:r>
+              <a:rPr lang="fr-FR" sz="1800" dirty="0">
+                <a:effectLst/>
+                <a:latin typeface="Times New Roman" panose="02020603050405020304" pitchFamily="18" charset="0"/>
+                <a:ea typeface="Calibri" panose="020F0502020204030204" pitchFamily="34" charset="0"/>
+                <a:cs typeface="Times New Roman" panose="02020603050405020304" pitchFamily="18" charset="0"/>
+              </a:rPr>
+              <a:t> </a:t>
+            </a:r>
+            <a:r>
+              <a:rPr lang="fr-FR" sz="1800" dirty="0" err="1">
+                <a:effectLst/>
+                <a:latin typeface="Times New Roman" panose="02020603050405020304" pitchFamily="18" charset="0"/>
+                <a:ea typeface="Calibri" panose="020F0502020204030204" pitchFamily="34" charset="0"/>
+                <a:cs typeface="Times New Roman" panose="02020603050405020304" pitchFamily="18" charset="0"/>
+              </a:rPr>
+              <a:t>dna</a:t>
+            </a:r>
+            <a:r>
+              <a:rPr lang="fr-FR" sz="1800" dirty="0">
+                <a:effectLst/>
+                <a:latin typeface="Times New Roman" panose="02020603050405020304" pitchFamily="18" charset="0"/>
+                <a:ea typeface="Calibri" panose="020F0502020204030204" pitchFamily="34" charset="0"/>
+                <a:cs typeface="Times New Roman" panose="02020603050405020304" pitchFamily="18" charset="0"/>
+              </a:rPr>
+              <a:t> duplex : </a:t>
+            </a:r>
+            <a:r>
+              <a:rPr lang="fr-FR" sz="1800" u="sng" dirty="0">
+                <a:solidFill>
+                  <a:srgbClr val="0000FF"/>
+                </a:solidFill>
+                <a:effectLst/>
+                <a:latin typeface="Times New Roman" panose="02020603050405020304" pitchFamily="18" charset="0"/>
+                <a:ea typeface="Calibri" panose="020F0502020204030204" pitchFamily="34" charset="0"/>
+                <a:cs typeface="Times New Roman" panose="02020603050405020304" pitchFamily="18" charset="0"/>
+                <a:hlinkClick r:id="rId4"/>
+              </a:rPr>
+              <a:t>https://www.rcsb.org/structure/1azp</a:t>
+            </a:r>
+            <a:r>
+              <a:rPr lang="fr-FR" sz="1800" dirty="0">
+                <a:effectLst/>
+                <a:latin typeface="Times New Roman" panose="02020603050405020304" pitchFamily="18" charset="0"/>
+                <a:ea typeface="Calibri" panose="020F0502020204030204" pitchFamily="34" charset="0"/>
+                <a:cs typeface="Times New Roman" panose="02020603050405020304" pitchFamily="18" charset="0"/>
+              </a:rPr>
+              <a:t> </a:t>
+            </a:r>
+            <a:endParaRPr lang="fr-FR" sz="1800" dirty="0">
+              <a:effectLst/>
+              <a:latin typeface="Calibri" panose="020F0502020204030204" pitchFamily="34" charset="0"/>
+              <a:ea typeface="Calibri" panose="020F0502020204030204" pitchFamily="34" charset="0"/>
+              <a:cs typeface="Times New Roman" panose="02020603050405020304" pitchFamily="18" charset="0"/>
+            </a:endParaRPr>
+          </a:p>
+          <a:p>
+            <a:pPr marL="342900" lvl="0" indent="-342900">
+              <a:lnSpc>
+                <a:spcPct val="107000"/>
+              </a:lnSpc>
+              <a:spcAft>
+                <a:spcPts val="800"/>
+              </a:spcAft>
+              <a:buFont typeface="+mj-lt"/>
+              <a:buAutoNum type="arabicPeriod"/>
+            </a:pPr>
+            <a:r>
+              <a:rPr lang="fr-FR" sz="1800" dirty="0">
+                <a:effectLst/>
+                <a:latin typeface="Times New Roman" panose="02020603050405020304" pitchFamily="18" charset="0"/>
+                <a:ea typeface="Calibri" panose="020F0502020204030204" pitchFamily="34" charset="0"/>
+                <a:cs typeface="Times New Roman" panose="02020603050405020304" pitchFamily="18" charset="0"/>
+              </a:rPr>
+              <a:t>Page pdb de 2AK3 : </a:t>
+            </a:r>
+            <a:r>
+              <a:rPr lang="fr-FR" sz="1800" u="sng" dirty="0">
+                <a:solidFill>
+                  <a:srgbClr val="0000FF"/>
+                </a:solidFill>
+                <a:effectLst/>
+                <a:latin typeface="Times New Roman" panose="02020603050405020304" pitchFamily="18" charset="0"/>
+                <a:ea typeface="Calibri" panose="020F0502020204030204" pitchFamily="34" charset="0"/>
+                <a:cs typeface="Times New Roman" panose="02020603050405020304" pitchFamily="18" charset="0"/>
+                <a:hlinkClick r:id="rId5"/>
+              </a:rPr>
+              <a:t>https://www.rcsb.org/structure/2ak3</a:t>
+            </a:r>
+            <a:r>
+              <a:rPr lang="fr-FR" sz="1800" dirty="0">
+                <a:effectLst/>
+                <a:latin typeface="Times New Roman" panose="02020603050405020304" pitchFamily="18" charset="0"/>
+                <a:ea typeface="Calibri" panose="020F0502020204030204" pitchFamily="34" charset="0"/>
+                <a:cs typeface="Times New Roman" panose="02020603050405020304" pitchFamily="18" charset="0"/>
+              </a:rPr>
+              <a:t> </a:t>
+            </a:r>
+            <a:endParaRPr lang="fr-FR" sz="1800" dirty="0">
+              <a:effectLst/>
+              <a:latin typeface="Calibri" panose="020F0502020204030204" pitchFamily="34" charset="0"/>
+              <a:ea typeface="Calibri" panose="020F0502020204030204" pitchFamily="34" charset="0"/>
+              <a:cs typeface="Times New Roman" panose="02020603050405020304" pitchFamily="18" charset="0"/>
+            </a:endParaRPr>
           </a:p>
         </p:txBody>
       </p:sp>
@@ -11119,7 +12110,7 @@
           <p:nvPr/>
         </p:nvPicPr>
         <p:blipFill>
-          <a:blip r:embed="rId2">
+          <a:blip r:embed="rId6">
             <a:extLst>
               <a:ext uri="{28A0092B-C50C-407E-A947-70E740481C1C}">
                 <a14:useLocalDpi xmlns:a14="http://schemas.microsoft.com/office/drawing/2010/main" val="0"/>
@@ -11194,371 +12185,96 @@
       </p:cxnSp>
       <p:sp>
         <p:nvSpPr>
-          <p:cNvPr id="25" name="Espace réservé du contenu 2">
-            <a:extLst>
-              <a:ext uri="{FF2B5EF4-FFF2-40B4-BE49-F238E27FC236}">
-                <a16:creationId xmlns:a16="http://schemas.microsoft.com/office/drawing/2014/main" id="{57CB1EB0-7288-3F4E-B1CC-99784B654109}"/>
-              </a:ext>
-            </a:extLst>
-          </p:cNvPr>
-          <p:cNvSpPr txBox="1">
-            <a:spLocks/>
-          </p:cNvSpPr>
-          <p:nvPr/>
-        </p:nvSpPr>
-        <p:spPr>
-          <a:xfrm>
-            <a:off x="231320" y="1006054"/>
-            <a:ext cx="11824556" cy="5300591"/>
-          </a:xfrm>
-          <a:prstGeom prst="rect">
-            <a:avLst/>
-          </a:prstGeom>
-        </p:spPr>
-        <p:txBody>
-          <a:bodyPr vert="horz" lIns="91440" tIns="45720" rIns="91440" bIns="45720" rtlCol="0">
-            <a:normAutofit/>
-          </a:bodyPr>
-          <a:lstStyle>
-            <a:lvl1pPr marL="228600" indent="-228600" algn="l" defTabSz="914400" rtl="0" eaLnBrk="1" latinLnBrk="0" hangingPunct="1">
-              <a:lnSpc>
-                <a:spcPct val="90000"/>
-              </a:lnSpc>
-              <a:spcBef>
-                <a:spcPts val="1000"/>
-              </a:spcBef>
-              <a:buFont typeface="Arial" panose="020B0604020202020204" pitchFamily="34" charset="0"/>
-              <a:buChar char="•"/>
-              <a:defRPr sz="2800" kern="1200">
-                <a:solidFill>
-                  <a:schemeClr val="tx1"/>
-                </a:solidFill>
-                <a:latin typeface="+mn-lt"/>
-                <a:ea typeface="+mn-ea"/>
-                <a:cs typeface="+mn-cs"/>
-              </a:defRPr>
-            </a:lvl1pPr>
-            <a:lvl2pPr marL="685800" indent="-228600" algn="l" defTabSz="914400" rtl="0" eaLnBrk="1" latinLnBrk="0" hangingPunct="1">
-              <a:lnSpc>
-                <a:spcPct val="90000"/>
-              </a:lnSpc>
-              <a:spcBef>
-                <a:spcPts val="500"/>
-              </a:spcBef>
-              <a:buFont typeface="Arial" panose="020B0604020202020204" pitchFamily="34" charset="0"/>
-              <a:buChar char="•"/>
-              <a:defRPr sz="2400" kern="1200">
-                <a:solidFill>
-                  <a:schemeClr val="tx1"/>
-                </a:solidFill>
-                <a:latin typeface="+mn-lt"/>
-                <a:ea typeface="+mn-ea"/>
-                <a:cs typeface="+mn-cs"/>
-              </a:defRPr>
-            </a:lvl2pPr>
-            <a:lvl3pPr marL="1143000" indent="-228600" algn="l" defTabSz="914400" rtl="0" eaLnBrk="1" latinLnBrk="0" hangingPunct="1">
-              <a:lnSpc>
-                <a:spcPct val="90000"/>
-              </a:lnSpc>
-              <a:spcBef>
-                <a:spcPts val="500"/>
-              </a:spcBef>
-              <a:buFont typeface="Arial" panose="020B0604020202020204" pitchFamily="34" charset="0"/>
-              <a:buChar char="•"/>
-              <a:defRPr sz="2000" kern="1200">
-                <a:solidFill>
-                  <a:schemeClr val="tx1"/>
-                </a:solidFill>
-                <a:latin typeface="+mn-lt"/>
-                <a:ea typeface="+mn-ea"/>
-                <a:cs typeface="+mn-cs"/>
-              </a:defRPr>
-            </a:lvl3pPr>
-            <a:lvl4pPr marL="1600200" indent="-228600" algn="l" defTabSz="914400" rtl="0" eaLnBrk="1" latinLnBrk="0" hangingPunct="1">
-              <a:lnSpc>
-                <a:spcPct val="90000"/>
-              </a:lnSpc>
-              <a:spcBef>
-                <a:spcPts val="500"/>
-              </a:spcBef>
-              <a:buFont typeface="Arial" panose="020B0604020202020204" pitchFamily="34" charset="0"/>
-              <a:buChar char="•"/>
-              <a:defRPr sz="1800" kern="1200">
-                <a:solidFill>
-                  <a:schemeClr val="tx1"/>
-                </a:solidFill>
-                <a:latin typeface="+mn-lt"/>
-                <a:ea typeface="+mn-ea"/>
-                <a:cs typeface="+mn-cs"/>
-              </a:defRPr>
-            </a:lvl4pPr>
-            <a:lvl5pPr marL="2057400" indent="-228600" algn="l" defTabSz="914400" rtl="0" eaLnBrk="1" latinLnBrk="0" hangingPunct="1">
-              <a:lnSpc>
-                <a:spcPct val="90000"/>
-              </a:lnSpc>
-              <a:spcBef>
-                <a:spcPts val="500"/>
-              </a:spcBef>
-              <a:buFont typeface="Arial" panose="020B0604020202020204" pitchFamily="34" charset="0"/>
-              <a:buChar char="•"/>
-              <a:defRPr sz="1800" kern="1200">
-                <a:solidFill>
-                  <a:schemeClr val="tx1"/>
-                </a:solidFill>
-                <a:latin typeface="+mn-lt"/>
-                <a:ea typeface="+mn-ea"/>
-                <a:cs typeface="+mn-cs"/>
-              </a:defRPr>
-            </a:lvl5pPr>
-            <a:lvl6pPr marL="2514600" indent="-228600" algn="l" defTabSz="914400" rtl="0" eaLnBrk="1" latinLnBrk="0" hangingPunct="1">
-              <a:lnSpc>
-                <a:spcPct val="90000"/>
-              </a:lnSpc>
-              <a:spcBef>
-                <a:spcPts val="500"/>
-              </a:spcBef>
-              <a:buFont typeface="Arial" panose="020B0604020202020204" pitchFamily="34" charset="0"/>
-              <a:buChar char="•"/>
-              <a:defRPr sz="1800" kern="1200">
-                <a:solidFill>
-                  <a:schemeClr val="tx1"/>
-                </a:solidFill>
-                <a:latin typeface="+mn-lt"/>
-                <a:ea typeface="+mn-ea"/>
-                <a:cs typeface="+mn-cs"/>
-              </a:defRPr>
-            </a:lvl6pPr>
-            <a:lvl7pPr marL="2971800" indent="-228600" algn="l" defTabSz="914400" rtl="0" eaLnBrk="1" latinLnBrk="0" hangingPunct="1">
-              <a:lnSpc>
-                <a:spcPct val="90000"/>
-              </a:lnSpc>
-              <a:spcBef>
-                <a:spcPts val="500"/>
-              </a:spcBef>
-              <a:buFont typeface="Arial" panose="020B0604020202020204" pitchFamily="34" charset="0"/>
-              <a:buChar char="•"/>
-              <a:defRPr sz="1800" kern="1200">
-                <a:solidFill>
-                  <a:schemeClr val="tx1"/>
-                </a:solidFill>
-                <a:latin typeface="+mn-lt"/>
-                <a:ea typeface="+mn-ea"/>
-                <a:cs typeface="+mn-cs"/>
-              </a:defRPr>
-            </a:lvl7pPr>
-            <a:lvl8pPr marL="3429000" indent="-228600" algn="l" defTabSz="914400" rtl="0" eaLnBrk="1" latinLnBrk="0" hangingPunct="1">
-              <a:lnSpc>
-                <a:spcPct val="90000"/>
-              </a:lnSpc>
-              <a:spcBef>
-                <a:spcPts val="500"/>
-              </a:spcBef>
-              <a:buFont typeface="Arial" panose="020B0604020202020204" pitchFamily="34" charset="0"/>
-              <a:buChar char="•"/>
-              <a:defRPr sz="1800" kern="1200">
-                <a:solidFill>
-                  <a:schemeClr val="tx1"/>
-                </a:solidFill>
-                <a:latin typeface="+mn-lt"/>
-                <a:ea typeface="+mn-ea"/>
-                <a:cs typeface="+mn-cs"/>
-              </a:defRPr>
-            </a:lvl8pPr>
-            <a:lvl9pPr marL="3886200" indent="-228600" algn="l" defTabSz="914400" rtl="0" eaLnBrk="1" latinLnBrk="0" hangingPunct="1">
-              <a:lnSpc>
-                <a:spcPct val="90000"/>
-              </a:lnSpc>
-              <a:spcBef>
-                <a:spcPts val="500"/>
-              </a:spcBef>
-              <a:buFont typeface="Arial" panose="020B0604020202020204" pitchFamily="34" charset="0"/>
-              <a:buChar char="•"/>
-              <a:defRPr sz="1800" kern="1200">
-                <a:solidFill>
-                  <a:schemeClr val="tx1"/>
-                </a:solidFill>
-                <a:latin typeface="+mn-lt"/>
-                <a:ea typeface="+mn-ea"/>
-                <a:cs typeface="+mn-cs"/>
-              </a:defRPr>
-            </a:lvl9pPr>
-          </a:lstStyle>
-          <a:p>
-            <a:pPr marL="0" indent="0">
-              <a:buNone/>
-            </a:pPr>
-            <a:r>
-              <a:rPr lang="fr-FR" dirty="0">
-                <a:latin typeface="Arial" panose="020B0604020202020204" pitchFamily="34" charset="0"/>
-                <a:cs typeface="Arial" panose="020B0604020202020204" pitchFamily="34" charset="0"/>
-              </a:rPr>
-              <a:t>Pour connecter le sous réseau gène avec le sous réseau protéine, vous devez utiliser à la fois l’information gène - </a:t>
-            </a:r>
-            <a:r>
-              <a:rPr lang="fr-FR" dirty="0" err="1">
-                <a:latin typeface="Arial" panose="020B0604020202020204" pitchFamily="34" charset="0"/>
-                <a:cs typeface="Arial" panose="020B0604020202020204" pitchFamily="34" charset="0"/>
-              </a:rPr>
-              <a:t>protein</a:t>
-            </a:r>
-            <a:r>
-              <a:rPr lang="fr-FR" dirty="0">
-                <a:latin typeface="Arial" panose="020B0604020202020204" pitchFamily="34" charset="0"/>
-                <a:cs typeface="Arial" panose="020B0604020202020204" pitchFamily="34" charset="0"/>
-              </a:rPr>
+          <p:cNvPr id="7" name="Espace réservé de la date 3">
+            <a:extLst>
+              <a:ext uri="{FF2B5EF4-FFF2-40B4-BE49-F238E27FC236}">
+                <a16:creationId xmlns:a16="http://schemas.microsoft.com/office/drawing/2014/main" id="{76BB1596-A3EC-F339-4D57-5E00BE5468DC}"/>
+              </a:ext>
+            </a:extLst>
+          </p:cNvPr>
+          <p:cNvSpPr>
+            <a:spLocks noGrp="1"/>
+          </p:cNvSpPr>
+          <p:nvPr>
+            <p:ph type="dt" sz="half" idx="10"/>
+          </p:nvPr>
+        </p:nvSpPr>
+        <p:spPr>
+          <a:xfrm>
+            <a:off x="838200" y="6489520"/>
+            <a:ext cx="2743200" cy="365125"/>
+          </a:xfrm>
+        </p:spPr>
+        <p:txBody>
+          <a:bodyPr/>
+          <a:lstStyle/>
+          <a:p>
+            <a:r>
+              <a:rPr lang="fr-FR" dirty="0"/>
+              <a:t>12/10/2022</a:t>
+            </a:r>
+          </a:p>
+        </p:txBody>
+      </p:sp>
+      <p:sp>
+        <p:nvSpPr>
+          <p:cNvPr id="9" name="Espace réservé du pied de page 4">
+            <a:extLst>
+              <a:ext uri="{FF2B5EF4-FFF2-40B4-BE49-F238E27FC236}">
+                <a16:creationId xmlns:a16="http://schemas.microsoft.com/office/drawing/2014/main" id="{CE5FBD6C-6FE4-1FFE-40FE-CDECCB34C023}"/>
+              </a:ext>
+            </a:extLst>
+          </p:cNvPr>
+          <p:cNvSpPr>
+            <a:spLocks noGrp="1"/>
+          </p:cNvSpPr>
+          <p:nvPr>
+            <p:ph type="ftr" sz="quarter" idx="11"/>
+          </p:nvPr>
+        </p:nvSpPr>
+        <p:spPr>
+          <a:xfrm>
+            <a:off x="3810000" y="6492876"/>
+            <a:ext cx="4800600" cy="365124"/>
+          </a:xfrm>
+        </p:spPr>
+        <p:txBody>
+          <a:bodyPr/>
+          <a:lstStyle/>
+          <a:p>
+            <a:pPr algn="l"/>
+            <a:r>
+              <a:rPr lang="en-US" dirty="0"/>
+              <a:t>Delhomme Jean, </a:t>
+            </a:r>
+            <a:r>
+              <a:rPr lang="en-US" dirty="0" err="1"/>
+              <a:t>Lecourieux</a:t>
+            </a:r>
+            <a:r>
+              <a:rPr lang="en-US" dirty="0"/>
+              <a:t> Adriana, Rousseau Baptiste, </a:t>
+            </a:r>
+            <a:r>
+              <a:rPr lang="en-US" dirty="0" err="1"/>
+              <a:t>Graa</a:t>
+            </a:r>
+            <a:r>
+              <a:rPr lang="en-US" dirty="0"/>
               <a:t> </a:t>
             </a:r>
             <a:r>
-              <a:rPr lang="fr-FR" dirty="0" err="1">
-                <a:latin typeface="Arial" panose="020B0604020202020204" pitchFamily="34" charset="0"/>
-                <a:cs typeface="Arial" panose="020B0604020202020204" pitchFamily="34" charset="0"/>
-              </a:rPr>
-              <a:t>coding</a:t>
-            </a:r>
-            <a:r>
-              <a:rPr lang="fr-FR" dirty="0">
-                <a:latin typeface="Arial" panose="020B0604020202020204" pitchFamily="34" charset="0"/>
-                <a:cs typeface="Arial" panose="020B0604020202020204" pitchFamily="34" charset="0"/>
-              </a:rPr>
-              <a:t> pour l’information de traduction mais aussi l’information TF -&gt; gène.</a:t>
-            </a:r>
-          </a:p>
-          <a:p>
-            <a:pPr marL="0" indent="0">
-              <a:buNone/>
-            </a:pPr>
-            <a:r>
-              <a:rPr lang="fr-FR" dirty="0">
-                <a:latin typeface="Arial" panose="020B0604020202020204" pitchFamily="34" charset="0"/>
-                <a:cs typeface="Arial" panose="020B0604020202020204" pitchFamily="34" charset="0"/>
-              </a:rPr>
-              <a:t>- Décrivez votre réseau.</a:t>
-            </a:r>
-          </a:p>
-          <a:p>
-            <a:pPr marL="0" indent="0">
-              <a:buNone/>
-            </a:pPr>
-            <a:r>
-              <a:rPr lang="fr-FR" dirty="0">
-                <a:latin typeface="Arial" panose="020B0604020202020204" pitchFamily="34" charset="0"/>
-                <a:cs typeface="Arial" panose="020B0604020202020204" pitchFamily="34" charset="0"/>
-              </a:rPr>
-              <a:t>- Combien de liens TF-gène et gène-protéine recensez-vous ?</a:t>
-            </a:r>
-          </a:p>
-          <a:p>
-            <a:pPr marL="0" indent="0">
-              <a:buNone/>
-            </a:pPr>
-            <a:r>
-              <a:rPr lang="fr-FR" dirty="0">
-                <a:latin typeface="Arial" panose="020B0604020202020204" pitchFamily="34" charset="0"/>
-                <a:cs typeface="Arial" panose="020B0604020202020204" pitchFamily="34" charset="0"/>
-              </a:rPr>
-              <a:t>- Faire une analyse de modularité, présentez les résultats</a:t>
-            </a:r>
-          </a:p>
-          <a:p>
-            <a:pPr marL="0" indent="0">
-              <a:buNone/>
-            </a:pPr>
-            <a:r>
-              <a:rPr lang="fr-FR" dirty="0">
-                <a:latin typeface="Arial" panose="020B0604020202020204" pitchFamily="34" charset="0"/>
-                <a:cs typeface="Arial" panose="020B0604020202020204" pitchFamily="34" charset="0"/>
-              </a:rPr>
-              <a:t>- A partir du </a:t>
-            </a:r>
-            <a:r>
-              <a:rPr lang="fr-FR" dirty="0" err="1">
-                <a:latin typeface="Arial" panose="020B0604020202020204" pitchFamily="34" charset="0"/>
-                <a:cs typeface="Arial" panose="020B0604020202020204" pitchFamily="34" charset="0"/>
-              </a:rPr>
-              <a:t>noeud</a:t>
-            </a:r>
-            <a:r>
-              <a:rPr lang="fr-FR" dirty="0">
-                <a:latin typeface="Arial" panose="020B0604020202020204" pitchFamily="34" charset="0"/>
-                <a:cs typeface="Arial" panose="020B0604020202020204" pitchFamily="34" charset="0"/>
-              </a:rPr>
-              <a:t> </a:t>
-            </a:r>
-            <a:r>
-              <a:rPr lang="fr-FR" dirty="0" err="1">
-                <a:latin typeface="Arial" panose="020B0604020202020204" pitchFamily="34" charset="0"/>
-                <a:cs typeface="Arial" panose="020B0604020202020204" pitchFamily="34" charset="0"/>
-              </a:rPr>
-              <a:t>chosi</a:t>
-            </a:r>
-            <a:r>
-              <a:rPr lang="fr-FR" dirty="0">
-                <a:latin typeface="Arial" panose="020B0604020202020204" pitchFamily="34" charset="0"/>
-                <a:cs typeface="Arial" panose="020B0604020202020204" pitchFamily="34" charset="0"/>
-              </a:rPr>
-              <a:t> avec soin, réalisez une analyse par </a:t>
-            </a:r>
-            <a:r>
-              <a:rPr lang="fr-FR" dirty="0" err="1">
-                <a:latin typeface="Arial" panose="020B0604020202020204" pitchFamily="34" charset="0"/>
-                <a:cs typeface="Arial" panose="020B0604020202020204" pitchFamily="34" charset="0"/>
-              </a:rPr>
-              <a:t>random</a:t>
-            </a:r>
-            <a:r>
-              <a:rPr lang="fr-FR" dirty="0">
-                <a:latin typeface="Arial" panose="020B0604020202020204" pitchFamily="34" charset="0"/>
-                <a:cs typeface="Arial" panose="020B0604020202020204" pitchFamily="34" charset="0"/>
-              </a:rPr>
-              <a:t> </a:t>
-            </a:r>
-            <a:r>
-              <a:rPr lang="fr-FR" dirty="0" err="1">
-                <a:latin typeface="Arial" panose="020B0604020202020204" pitchFamily="34" charset="0"/>
-                <a:cs typeface="Arial" panose="020B0604020202020204" pitchFamily="34" charset="0"/>
-              </a:rPr>
-              <a:t>walk</a:t>
-            </a:r>
-            <a:r>
-              <a:rPr lang="fr-FR" dirty="0">
-                <a:latin typeface="Arial" panose="020B0604020202020204" pitchFamily="34" charset="0"/>
-                <a:cs typeface="Arial" panose="020B0604020202020204" pitchFamily="34" charset="0"/>
-              </a:rPr>
-              <a:t>, justifiez le choix de la </a:t>
-            </a:r>
-            <a:r>
-              <a:rPr lang="fr-FR" dirty="0" err="1">
-                <a:latin typeface="Arial" panose="020B0604020202020204" pitchFamily="34" charset="0"/>
-                <a:cs typeface="Arial" panose="020B0604020202020204" pitchFamily="34" charset="0"/>
-              </a:rPr>
-              <a:t>seed</a:t>
-            </a:r>
-            <a:r>
-              <a:rPr lang="fr-FR" dirty="0">
-                <a:latin typeface="Arial" panose="020B0604020202020204" pitchFamily="34" charset="0"/>
-                <a:cs typeface="Arial" panose="020B0604020202020204" pitchFamily="34" charset="0"/>
-              </a:rPr>
-              <a:t>, présentez les résultats.</a:t>
-            </a:r>
-          </a:p>
-          <a:p>
-            <a:pPr marL="0" indent="0">
-              <a:buNone/>
-            </a:pPr>
-            <a:r>
-              <a:rPr lang="fr-FR" dirty="0">
-                <a:latin typeface="Arial" panose="020B0604020202020204" pitchFamily="34" charset="0"/>
-                <a:cs typeface="Arial" panose="020B0604020202020204" pitchFamily="34" charset="0"/>
-              </a:rPr>
-              <a:t>- Réalisez une analyse d’enrichissement sur les données</a:t>
-            </a:r>
+              <a:rPr lang="en-US" dirty="0" err="1"/>
+              <a:t>Maha</a:t>
+            </a:r>
+            <a:endParaRPr lang="en-US" dirty="0"/>
           </a:p>
         </p:txBody>
       </p:sp>
     </p:spTree>
     <p:extLst>
       <p:ext uri="{BB962C8B-B14F-4D97-AF65-F5344CB8AC3E}">
-        <p14:creationId xmlns:p14="http://schemas.microsoft.com/office/powerpoint/2010/main" val="3156516260"/>
+        <p14:creationId xmlns:p14="http://schemas.microsoft.com/office/powerpoint/2010/main" val="3627111302"/>
       </p:ext>
     </p:extLst>
   </p:cSld>
@@ -11614,1951 +12330,6 @@
           <a:lstStyle/>
           <a:p>
             <a:r>
-              <a:rPr lang="en-US" sz="3200" b="1" dirty="0">
-                <a:latin typeface="Arial" panose="020B0604020202020204" pitchFamily="34" charset="0"/>
-                <a:cs typeface="Arial" panose="020B0604020202020204" pitchFamily="34" charset="0"/>
-              </a:rPr>
-              <a:t>Conclusion</a:t>
-            </a:r>
-          </a:p>
-        </p:txBody>
-      </p:sp>
-      <p:sp>
-        <p:nvSpPr>
-          <p:cNvPr id="6" name="Espace réservé du numéro de diapositive 5">
-            <a:extLst>
-              <a:ext uri="{FF2B5EF4-FFF2-40B4-BE49-F238E27FC236}">
-                <a16:creationId xmlns:a16="http://schemas.microsoft.com/office/drawing/2014/main" id="{EDD49CB1-F959-4004-3097-04AE4D0121BD}"/>
-              </a:ext>
-            </a:extLst>
-          </p:cNvPr>
-          <p:cNvSpPr>
-            <a:spLocks noGrp="1"/>
-          </p:cNvSpPr>
-          <p:nvPr>
-            <p:ph type="sldNum" sz="quarter" idx="12"/>
-          </p:nvPr>
-        </p:nvSpPr>
-        <p:spPr>
-          <a:xfrm>
-            <a:off x="8610600" y="6489520"/>
-            <a:ext cx="2743200" cy="365125"/>
-          </a:xfrm>
-        </p:spPr>
-        <p:txBody>
-          <a:bodyPr/>
-          <a:lstStyle/>
-          <a:p>
-            <a:fld id="{DB0B8EAA-8CF6-49F4-8FA8-2BD42B7C9F8B}" type="slidenum">
-              <a:rPr lang="fr-FR" smtClean="0"/>
-              <a:t>24</a:t>
-            </a:fld>
-            <a:endParaRPr lang="fr-FR"/>
-          </a:p>
-        </p:txBody>
-      </p:sp>
-      <p:pic>
-        <p:nvPicPr>
-          <p:cNvPr id="1026" name="Picture 2" descr="Appellation, logo et charte graphique : tout ce qu'il faut savoir | Université  Paris Cité">
-            <a:extLst>
-              <a:ext uri="{FF2B5EF4-FFF2-40B4-BE49-F238E27FC236}">
-                <a16:creationId xmlns:a16="http://schemas.microsoft.com/office/drawing/2014/main" id="{42388675-4549-B077-D592-84080955D58F}"/>
-              </a:ext>
-            </a:extLst>
-          </p:cNvPr>
-          <p:cNvPicPr>
-            <a:picLocks noChangeAspect="1" noChangeArrowheads="1"/>
-          </p:cNvPicPr>
-          <p:nvPr/>
-        </p:nvPicPr>
-        <p:blipFill>
-          <a:blip r:embed="rId2">
-            <a:extLst>
-              <a:ext uri="{28A0092B-C50C-407E-A947-70E740481C1C}">
-                <a14:useLocalDpi xmlns:a14="http://schemas.microsoft.com/office/drawing/2010/main" val="0"/>
-              </a:ext>
-            </a:extLst>
-          </a:blip>
-          <a:srcRect/>
-          <a:stretch>
-            <a:fillRect/>
-          </a:stretch>
-        </p:blipFill>
-        <p:spPr bwMode="auto">
-          <a:xfrm>
-            <a:off x="11363415" y="121082"/>
-            <a:ext cx="692461" cy="688543"/>
-          </a:xfrm>
-          <a:prstGeom prst="rect">
-            <a:avLst/>
-          </a:prstGeom>
-          <a:noFill/>
-          <a:extLst>
-            <a:ext uri="{909E8E84-426E-40DD-AFC4-6F175D3DCCD1}">
-              <a14:hiddenFill xmlns:a14="http://schemas.microsoft.com/office/drawing/2010/main">
-                <a:solidFill>
-                  <a:srgbClr val="FFFFFF"/>
-                </a:solidFill>
-              </a14:hiddenFill>
-            </a:ext>
-          </a:extLst>
-        </p:spPr>
-      </p:pic>
-      <p:cxnSp>
-        <p:nvCxnSpPr>
-          <p:cNvPr id="8" name="Connecteur droit 7">
-            <a:extLst>
-              <a:ext uri="{FF2B5EF4-FFF2-40B4-BE49-F238E27FC236}">
-                <a16:creationId xmlns:a16="http://schemas.microsoft.com/office/drawing/2014/main" id="{58EF74DE-8092-1233-D850-99E4719D068A}"/>
-              </a:ext>
-            </a:extLst>
-          </p:cNvPr>
-          <p:cNvCxnSpPr/>
-          <p:nvPr/>
-        </p:nvCxnSpPr>
-        <p:spPr>
-          <a:xfrm>
-            <a:off x="145740" y="853585"/>
-            <a:ext cx="11910136" cy="0"/>
-          </a:xfrm>
-          <a:prstGeom prst="line">
-            <a:avLst/>
-          </a:prstGeom>
-          <a:ln w="28575">
-            <a:solidFill>
-              <a:srgbClr val="8B1538"/>
-            </a:solidFill>
-          </a:ln>
-        </p:spPr>
-        <p:style>
-          <a:lnRef idx="1">
-            <a:schemeClr val="accent1"/>
-          </a:lnRef>
-          <a:fillRef idx="0">
-            <a:schemeClr val="accent1"/>
-          </a:fillRef>
-          <a:effectRef idx="0">
-            <a:schemeClr val="accent1"/>
-          </a:effectRef>
-          <a:fontRef idx="minor">
-            <a:schemeClr val="tx1"/>
-          </a:fontRef>
-        </p:style>
-      </p:cxnSp>
-      <p:sp>
-        <p:nvSpPr>
-          <p:cNvPr id="3" name="Espace réservé de la date 3">
-            <a:extLst>
-              <a:ext uri="{FF2B5EF4-FFF2-40B4-BE49-F238E27FC236}">
-                <a16:creationId xmlns:a16="http://schemas.microsoft.com/office/drawing/2014/main" id="{00CC99EF-F5C1-BD43-1DFF-BCBA359F5E21}"/>
-              </a:ext>
-            </a:extLst>
-          </p:cNvPr>
-          <p:cNvSpPr>
-            <a:spLocks noGrp="1"/>
-          </p:cNvSpPr>
-          <p:nvPr>
-            <p:ph type="dt" sz="half" idx="10"/>
-          </p:nvPr>
-        </p:nvSpPr>
-        <p:spPr>
-          <a:xfrm>
-            <a:off x="838200" y="6489520"/>
-            <a:ext cx="2743200" cy="365125"/>
-          </a:xfrm>
-        </p:spPr>
-        <p:txBody>
-          <a:bodyPr/>
-          <a:lstStyle/>
-          <a:p>
-            <a:r>
-              <a:rPr lang="fr-FR" dirty="0"/>
-              <a:t>12/10/2022</a:t>
-            </a:r>
-          </a:p>
-        </p:txBody>
-      </p:sp>
-      <p:sp>
-        <p:nvSpPr>
-          <p:cNvPr id="7" name="Espace réservé du pied de page 4">
-            <a:extLst>
-              <a:ext uri="{FF2B5EF4-FFF2-40B4-BE49-F238E27FC236}">
-                <a16:creationId xmlns:a16="http://schemas.microsoft.com/office/drawing/2014/main" id="{69D56551-2494-9A74-75F6-47857596E832}"/>
-              </a:ext>
-            </a:extLst>
-          </p:cNvPr>
-          <p:cNvSpPr>
-            <a:spLocks noGrp="1"/>
-          </p:cNvSpPr>
-          <p:nvPr>
-            <p:ph type="ftr" sz="quarter" idx="11"/>
-          </p:nvPr>
-        </p:nvSpPr>
-        <p:spPr>
-          <a:xfrm>
-            <a:off x="3810000" y="6492876"/>
-            <a:ext cx="4800600" cy="365124"/>
-          </a:xfrm>
-        </p:spPr>
-        <p:txBody>
-          <a:bodyPr/>
-          <a:lstStyle/>
-          <a:p>
-            <a:pPr algn="l"/>
-            <a:r>
-              <a:rPr lang="en-US" dirty="0"/>
-              <a:t>Delhomme Jean, </a:t>
-            </a:r>
-            <a:r>
-              <a:rPr lang="en-US" dirty="0" err="1"/>
-              <a:t>Lecourieux</a:t>
-            </a:r>
-            <a:r>
-              <a:rPr lang="en-US" dirty="0"/>
-              <a:t> Adriana, Rousseau Baptiste, </a:t>
-            </a:r>
-            <a:r>
-              <a:rPr lang="en-US" dirty="0" err="1"/>
-              <a:t>Graa</a:t>
-            </a:r>
-            <a:r>
-              <a:rPr lang="en-US" dirty="0"/>
-              <a:t> </a:t>
-            </a:r>
-            <a:r>
-              <a:rPr lang="en-US" dirty="0" err="1"/>
-              <a:t>Maha</a:t>
-            </a:r>
-            <a:endParaRPr lang="en-US" dirty="0"/>
-          </a:p>
-        </p:txBody>
-      </p:sp>
-      <p:sp>
-        <p:nvSpPr>
-          <p:cNvPr id="9" name="Espace réservé du contenu 2">
-            <a:extLst>
-              <a:ext uri="{FF2B5EF4-FFF2-40B4-BE49-F238E27FC236}">
-                <a16:creationId xmlns:a16="http://schemas.microsoft.com/office/drawing/2014/main" id="{24661F3C-BD68-1889-C53B-A4CD91554EA7}"/>
-              </a:ext>
-            </a:extLst>
-          </p:cNvPr>
-          <p:cNvSpPr txBox="1">
-            <a:spLocks/>
-          </p:cNvSpPr>
-          <p:nvPr/>
-        </p:nvSpPr>
-        <p:spPr>
-          <a:xfrm>
-            <a:off x="231320" y="1078238"/>
-            <a:ext cx="11824556" cy="5300591"/>
-          </a:xfrm>
-          <a:prstGeom prst="rect">
-            <a:avLst/>
-          </a:prstGeom>
-        </p:spPr>
-        <p:txBody>
-          <a:bodyPr vert="horz" lIns="91440" tIns="45720" rIns="91440" bIns="45720" rtlCol="0">
-            <a:normAutofit/>
-          </a:bodyPr>
-          <a:lstStyle>
-            <a:lvl1pPr marL="228600" indent="-228600" algn="l" defTabSz="914400" rtl="0" eaLnBrk="1" latinLnBrk="0" hangingPunct="1">
-              <a:lnSpc>
-                <a:spcPct val="90000"/>
-              </a:lnSpc>
-              <a:spcBef>
-                <a:spcPts val="1000"/>
-              </a:spcBef>
-              <a:buFont typeface="Arial" panose="020B0604020202020204" pitchFamily="34" charset="0"/>
-              <a:buChar char="•"/>
-              <a:defRPr sz="2800" kern="1200">
-                <a:solidFill>
-                  <a:schemeClr val="tx1"/>
-                </a:solidFill>
-                <a:latin typeface="+mn-lt"/>
-                <a:ea typeface="+mn-ea"/>
-                <a:cs typeface="+mn-cs"/>
-              </a:defRPr>
-            </a:lvl1pPr>
-            <a:lvl2pPr marL="685800" indent="-228600" algn="l" defTabSz="914400" rtl="0" eaLnBrk="1" latinLnBrk="0" hangingPunct="1">
-              <a:lnSpc>
-                <a:spcPct val="90000"/>
-              </a:lnSpc>
-              <a:spcBef>
-                <a:spcPts val="500"/>
-              </a:spcBef>
-              <a:buFont typeface="Arial" panose="020B0604020202020204" pitchFamily="34" charset="0"/>
-              <a:buChar char="•"/>
-              <a:defRPr sz="2400" kern="1200">
-                <a:solidFill>
-                  <a:schemeClr val="tx1"/>
-                </a:solidFill>
-                <a:latin typeface="+mn-lt"/>
-                <a:ea typeface="+mn-ea"/>
-                <a:cs typeface="+mn-cs"/>
-              </a:defRPr>
-            </a:lvl2pPr>
-            <a:lvl3pPr marL="1143000" indent="-228600" algn="l" defTabSz="914400" rtl="0" eaLnBrk="1" latinLnBrk="0" hangingPunct="1">
-              <a:lnSpc>
-                <a:spcPct val="90000"/>
-              </a:lnSpc>
-              <a:spcBef>
-                <a:spcPts val="500"/>
-              </a:spcBef>
-              <a:buFont typeface="Arial" panose="020B0604020202020204" pitchFamily="34" charset="0"/>
-              <a:buChar char="•"/>
-              <a:defRPr sz="2000" kern="1200">
-                <a:solidFill>
-                  <a:schemeClr val="tx1"/>
-                </a:solidFill>
-                <a:latin typeface="+mn-lt"/>
-                <a:ea typeface="+mn-ea"/>
-                <a:cs typeface="+mn-cs"/>
-              </a:defRPr>
-            </a:lvl3pPr>
-            <a:lvl4pPr marL="1600200" indent="-228600" algn="l" defTabSz="914400" rtl="0" eaLnBrk="1" latinLnBrk="0" hangingPunct="1">
-              <a:lnSpc>
-                <a:spcPct val="90000"/>
-              </a:lnSpc>
-              <a:spcBef>
-                <a:spcPts val="500"/>
-              </a:spcBef>
-              <a:buFont typeface="Arial" panose="020B0604020202020204" pitchFamily="34" charset="0"/>
-              <a:buChar char="•"/>
-              <a:defRPr sz="1800" kern="1200">
-                <a:solidFill>
-                  <a:schemeClr val="tx1"/>
-                </a:solidFill>
-                <a:latin typeface="+mn-lt"/>
-                <a:ea typeface="+mn-ea"/>
-                <a:cs typeface="+mn-cs"/>
-              </a:defRPr>
-            </a:lvl4pPr>
-            <a:lvl5pPr marL="2057400" indent="-228600" algn="l" defTabSz="914400" rtl="0" eaLnBrk="1" latinLnBrk="0" hangingPunct="1">
-              <a:lnSpc>
-                <a:spcPct val="90000"/>
-              </a:lnSpc>
-              <a:spcBef>
-                <a:spcPts val="500"/>
-              </a:spcBef>
-              <a:buFont typeface="Arial" panose="020B0604020202020204" pitchFamily="34" charset="0"/>
-              <a:buChar char="•"/>
-              <a:defRPr sz="1800" kern="1200">
-                <a:solidFill>
-                  <a:schemeClr val="tx1"/>
-                </a:solidFill>
-                <a:latin typeface="+mn-lt"/>
-                <a:ea typeface="+mn-ea"/>
-                <a:cs typeface="+mn-cs"/>
-              </a:defRPr>
-            </a:lvl5pPr>
-            <a:lvl6pPr marL="2514600" indent="-228600" algn="l" defTabSz="914400" rtl="0" eaLnBrk="1" latinLnBrk="0" hangingPunct="1">
-              <a:lnSpc>
-                <a:spcPct val="90000"/>
-              </a:lnSpc>
-              <a:spcBef>
-                <a:spcPts val="500"/>
-              </a:spcBef>
-              <a:buFont typeface="Arial" panose="020B0604020202020204" pitchFamily="34" charset="0"/>
-              <a:buChar char="•"/>
-              <a:defRPr sz="1800" kern="1200">
-                <a:solidFill>
-                  <a:schemeClr val="tx1"/>
-                </a:solidFill>
-                <a:latin typeface="+mn-lt"/>
-                <a:ea typeface="+mn-ea"/>
-                <a:cs typeface="+mn-cs"/>
-              </a:defRPr>
-            </a:lvl6pPr>
-            <a:lvl7pPr marL="2971800" indent="-228600" algn="l" defTabSz="914400" rtl="0" eaLnBrk="1" latinLnBrk="0" hangingPunct="1">
-              <a:lnSpc>
-                <a:spcPct val="90000"/>
-              </a:lnSpc>
-              <a:spcBef>
-                <a:spcPts val="500"/>
-              </a:spcBef>
-              <a:buFont typeface="Arial" panose="020B0604020202020204" pitchFamily="34" charset="0"/>
-              <a:buChar char="•"/>
-              <a:defRPr sz="1800" kern="1200">
-                <a:solidFill>
-                  <a:schemeClr val="tx1"/>
-                </a:solidFill>
-                <a:latin typeface="+mn-lt"/>
-                <a:ea typeface="+mn-ea"/>
-                <a:cs typeface="+mn-cs"/>
-              </a:defRPr>
-            </a:lvl7pPr>
-            <a:lvl8pPr marL="3429000" indent="-228600" algn="l" defTabSz="914400" rtl="0" eaLnBrk="1" latinLnBrk="0" hangingPunct="1">
-              <a:lnSpc>
-                <a:spcPct val="90000"/>
-              </a:lnSpc>
-              <a:spcBef>
-                <a:spcPts val="500"/>
-              </a:spcBef>
-              <a:buFont typeface="Arial" panose="020B0604020202020204" pitchFamily="34" charset="0"/>
-              <a:buChar char="•"/>
-              <a:defRPr sz="1800" kern="1200">
-                <a:solidFill>
-                  <a:schemeClr val="tx1"/>
-                </a:solidFill>
-                <a:latin typeface="+mn-lt"/>
-                <a:ea typeface="+mn-ea"/>
-                <a:cs typeface="+mn-cs"/>
-              </a:defRPr>
-            </a:lvl8pPr>
-            <a:lvl9pPr marL="3886200" indent="-228600" algn="l" defTabSz="914400" rtl="0" eaLnBrk="1" latinLnBrk="0" hangingPunct="1">
-              <a:lnSpc>
-                <a:spcPct val="90000"/>
-              </a:lnSpc>
-              <a:spcBef>
-                <a:spcPts val="500"/>
-              </a:spcBef>
-              <a:buFont typeface="Arial" panose="020B0604020202020204" pitchFamily="34" charset="0"/>
-              <a:buChar char="•"/>
-              <a:defRPr sz="1800" kern="1200">
-                <a:solidFill>
-                  <a:schemeClr val="tx1"/>
-                </a:solidFill>
-                <a:latin typeface="+mn-lt"/>
-                <a:ea typeface="+mn-ea"/>
-                <a:cs typeface="+mn-cs"/>
-              </a:defRPr>
-            </a:lvl9pPr>
-          </a:lstStyle>
-          <a:p>
-            <a:pPr>
-              <a:buFontTx/>
-              <a:buChar char="-"/>
-            </a:pPr>
-            <a:r>
-              <a:rPr lang="fr-FR" dirty="0">
-                <a:latin typeface="Arial" panose="020B0604020202020204" pitchFamily="34" charset="0"/>
-                <a:cs typeface="Arial" panose="020B0604020202020204" pitchFamily="34" charset="0"/>
-              </a:rPr>
-              <a:t>Points forts et points faibles des outils</a:t>
-            </a:r>
-          </a:p>
-          <a:p>
-            <a:pPr marL="0" indent="0">
-              <a:buNone/>
-            </a:pPr>
-            <a:r>
-              <a:rPr lang="fr-FR" dirty="0" err="1">
-                <a:latin typeface="Arial" panose="020B0604020202020204" pitchFamily="34" charset="0"/>
-                <a:cs typeface="Arial" panose="020B0604020202020204" pitchFamily="34" charset="0"/>
-              </a:rPr>
-              <a:t>Diffiile</a:t>
-            </a:r>
-            <a:r>
-              <a:rPr lang="fr-FR" dirty="0">
-                <a:latin typeface="Arial" panose="020B0604020202020204" pitchFamily="34" charset="0"/>
-                <a:cs typeface="Arial" panose="020B0604020202020204" pitchFamily="34" charset="0"/>
-              </a:rPr>
-              <a:t> d’installer les packages</a:t>
-            </a:r>
-          </a:p>
-          <a:p>
-            <a:pPr marL="0" indent="0">
-              <a:buNone/>
-            </a:pPr>
-            <a:r>
-              <a:rPr lang="fr-FR" dirty="0" err="1">
-                <a:latin typeface="Arial" panose="020B0604020202020204" pitchFamily="34" charset="0"/>
-                <a:cs typeface="Arial" panose="020B0604020202020204" pitchFamily="34" charset="0"/>
-              </a:rPr>
-              <a:t>mixOmics</a:t>
-            </a:r>
-            <a:r>
-              <a:rPr lang="fr-FR" dirty="0">
-                <a:latin typeface="Arial" panose="020B0604020202020204" pitchFamily="34" charset="0"/>
-                <a:cs typeface="Arial" panose="020B0604020202020204" pitchFamily="34" charset="0"/>
-              </a:rPr>
-              <a:t> c’est top</a:t>
-            </a:r>
-          </a:p>
-          <a:p>
-            <a:pPr marL="0" indent="0">
-              <a:buNone/>
-            </a:pPr>
-            <a:r>
-              <a:rPr lang="fr-FR" dirty="0" err="1">
-                <a:latin typeface="Arial" panose="020B0604020202020204" pitchFamily="34" charset="0"/>
-                <a:cs typeface="Arial" panose="020B0604020202020204" pitchFamily="34" charset="0"/>
-              </a:rPr>
-              <a:t>Mirtarbase</a:t>
-            </a:r>
-            <a:r>
-              <a:rPr lang="fr-FR" dirty="0">
-                <a:latin typeface="Arial" panose="020B0604020202020204" pitchFamily="34" charset="0"/>
-                <a:cs typeface="Arial" panose="020B0604020202020204" pitchFamily="34" charset="0"/>
-              </a:rPr>
-              <a:t> est nul et mal documenté (le site est mort)</a:t>
-            </a:r>
-          </a:p>
-          <a:p>
-            <a:pPr marL="0" indent="0">
-              <a:buNone/>
-            </a:pPr>
-            <a:r>
-              <a:rPr lang="fr-FR" dirty="0" err="1">
-                <a:latin typeface="Arial" panose="020B0604020202020204" pitchFamily="34" charset="0"/>
-                <a:cs typeface="Arial" panose="020B0604020202020204" pitchFamily="34" charset="0"/>
-              </a:rPr>
-              <a:t>MirdB</a:t>
-            </a:r>
-            <a:endParaRPr lang="fr-FR" dirty="0">
-              <a:latin typeface="Arial" panose="020B0604020202020204" pitchFamily="34" charset="0"/>
-              <a:cs typeface="Arial" panose="020B0604020202020204" pitchFamily="34" charset="0"/>
-            </a:endParaRPr>
-          </a:p>
-          <a:p>
-            <a:pPr marL="0" indent="0">
-              <a:buNone/>
-            </a:pPr>
-            <a:r>
-              <a:rPr lang="fr-FR" dirty="0" err="1">
-                <a:latin typeface="Arial" panose="020B0604020202020204" pitchFamily="34" charset="0"/>
-                <a:cs typeface="Arial" panose="020B0604020202020204" pitchFamily="34" charset="0"/>
-              </a:rPr>
-              <a:t>MirBase</a:t>
-            </a:r>
-            <a:endParaRPr lang="fr-FR" dirty="0">
-              <a:latin typeface="Arial" panose="020B0604020202020204" pitchFamily="34" charset="0"/>
-              <a:cs typeface="Arial" panose="020B0604020202020204" pitchFamily="34" charset="0"/>
-            </a:endParaRPr>
-          </a:p>
-          <a:p>
-            <a:pPr marL="0" indent="0">
-              <a:buNone/>
-            </a:pPr>
-            <a:r>
-              <a:rPr lang="fr-FR" dirty="0" err="1">
-                <a:latin typeface="Arial" panose="020B0604020202020204" pitchFamily="34" charset="0"/>
-                <a:cs typeface="Arial" panose="020B0604020202020204" pitchFamily="34" charset="0"/>
-              </a:rPr>
-              <a:t>Tarbase</a:t>
-            </a:r>
-            <a:endParaRPr lang="fr-FR" dirty="0">
-              <a:latin typeface="Arial" panose="020B0604020202020204" pitchFamily="34" charset="0"/>
-              <a:cs typeface="Arial" panose="020B0604020202020204" pitchFamily="34" charset="0"/>
-            </a:endParaRPr>
-          </a:p>
-          <a:p>
-            <a:pPr>
-              <a:buFontTx/>
-              <a:buChar char="-"/>
-            </a:pPr>
-            <a:r>
-              <a:rPr lang="fr-FR" dirty="0">
-                <a:latin typeface="Arial" panose="020B0604020202020204" pitchFamily="34" charset="0"/>
-                <a:cs typeface="Arial" panose="020B0604020202020204" pitchFamily="34" charset="0"/>
-              </a:rPr>
-              <a:t>Difficultés rencontrées</a:t>
-            </a:r>
-          </a:p>
-          <a:p>
-            <a:pPr>
-              <a:buFontTx/>
-              <a:buChar char="-"/>
-            </a:pPr>
-            <a:r>
-              <a:rPr lang="fr-FR" dirty="0">
-                <a:latin typeface="Arial" panose="020B0604020202020204" pitchFamily="34" charset="0"/>
-                <a:cs typeface="Arial" panose="020B0604020202020204" pitchFamily="34" charset="0"/>
-              </a:rPr>
-              <a:t>Résumé des résultats</a:t>
-            </a:r>
-          </a:p>
-        </p:txBody>
-      </p:sp>
-    </p:spTree>
-    <p:extLst>
-      <p:ext uri="{BB962C8B-B14F-4D97-AF65-F5344CB8AC3E}">
-        <p14:creationId xmlns:p14="http://schemas.microsoft.com/office/powerpoint/2010/main" val="2333177088"/>
-      </p:ext>
-    </p:extLst>
-  </p:cSld>
-  <p:clrMapOvr>
-    <a:masterClrMapping/>
-  </p:clrMapOvr>
-</p:sld>
-</file>
-
-<file path=ppt/slides/slide25.xml><?xml version="1.0" encoding="utf-8"?>
-<p:sld xmlns:a="http://schemas.openxmlformats.org/drawingml/2006/main" xmlns:r="http://schemas.openxmlformats.org/officeDocument/2006/relationships" xmlns:p="http://schemas.openxmlformats.org/presentationml/2006/main">
-  <p:cSld>
-    <p:spTree>
-      <p:nvGrpSpPr>
-        <p:cNvPr id="1" name=""/>
-        <p:cNvGrpSpPr/>
-        <p:nvPr/>
-      </p:nvGrpSpPr>
-      <p:grpSpPr>
-        <a:xfrm>
-          <a:off x="0" y="0"/>
-          <a:ext cx="0" cy="0"/>
-          <a:chOff x="0" y="0"/>
-          <a:chExt cx="0" cy="0"/>
-        </a:xfrm>
-      </p:grpSpPr>
-      <p:sp>
-        <p:nvSpPr>
-          <p:cNvPr id="2" name="Titre 1">
-            <a:extLst>
-              <a:ext uri="{FF2B5EF4-FFF2-40B4-BE49-F238E27FC236}">
-                <a16:creationId xmlns:a16="http://schemas.microsoft.com/office/drawing/2014/main" id="{3AC5EA2C-9518-355B-24FA-608C24FE72E3}"/>
-              </a:ext>
-            </a:extLst>
-          </p:cNvPr>
-          <p:cNvSpPr>
-            <a:spLocks noGrp="1"/>
-          </p:cNvSpPr>
-          <p:nvPr>
-            <p:ph type="title"/>
-          </p:nvPr>
-        </p:nvSpPr>
-        <p:spPr>
-          <a:xfrm>
-            <a:off x="145740" y="117877"/>
-            <a:ext cx="11137778" cy="691318"/>
-          </a:xfrm>
-        </p:spPr>
-        <p:txBody>
-          <a:bodyPr>
-            <a:normAutofit/>
-          </a:bodyPr>
-          <a:lstStyle/>
-          <a:p>
-            <a:r>
-              <a:rPr lang="en-US" sz="3200" b="1" dirty="0">
-                <a:latin typeface="Arial" panose="020B0604020202020204" pitchFamily="34" charset="0"/>
-                <a:cs typeface="Arial" panose="020B0604020202020204" pitchFamily="34" charset="0"/>
-              </a:rPr>
-              <a:t>References</a:t>
-            </a:r>
-          </a:p>
-        </p:txBody>
-      </p:sp>
-      <p:sp>
-        <p:nvSpPr>
-          <p:cNvPr id="3" name="Espace réservé du contenu 2">
-            <a:extLst>
-              <a:ext uri="{FF2B5EF4-FFF2-40B4-BE49-F238E27FC236}">
-                <a16:creationId xmlns:a16="http://schemas.microsoft.com/office/drawing/2014/main" id="{7D811F63-52EF-83B1-E13C-148915CEDEC3}"/>
-              </a:ext>
-            </a:extLst>
-          </p:cNvPr>
-          <p:cNvSpPr>
-            <a:spLocks noGrp="1"/>
-          </p:cNvSpPr>
-          <p:nvPr>
-            <p:ph idx="1"/>
-          </p:nvPr>
-        </p:nvSpPr>
-        <p:spPr>
-          <a:xfrm>
-            <a:off x="145740" y="964491"/>
-            <a:ext cx="11910136" cy="5498453"/>
-          </a:xfrm>
-        </p:spPr>
-        <p:txBody>
-          <a:bodyPr/>
-          <a:lstStyle/>
-          <a:p>
-            <a:pPr marL="342900" lvl="0" indent="-342900">
-              <a:lnSpc>
-                <a:spcPct val="107000"/>
-              </a:lnSpc>
-              <a:buFont typeface="+mj-lt"/>
-              <a:buAutoNum type="arabicPeriod"/>
-            </a:pPr>
-            <a:r>
-              <a:rPr lang="fr-FR" sz="1800" dirty="0">
-                <a:effectLst/>
-                <a:latin typeface="Times New Roman" panose="02020603050405020304" pitchFamily="18" charset="0"/>
-                <a:ea typeface="Calibri" panose="020F0502020204030204" pitchFamily="34" charset="0"/>
-                <a:cs typeface="Times New Roman" panose="02020603050405020304" pitchFamily="18" charset="0"/>
-              </a:rPr>
-              <a:t>S. </a:t>
-            </a:r>
-            <a:r>
-              <a:rPr lang="fr-FR" sz="1800" dirty="0" err="1">
-                <a:effectLst/>
-                <a:latin typeface="Times New Roman" panose="02020603050405020304" pitchFamily="18" charset="0"/>
-                <a:ea typeface="Calibri" panose="020F0502020204030204" pitchFamily="34" charset="0"/>
-                <a:cs typeface="Times New Roman" panose="02020603050405020304" pitchFamily="18" charset="0"/>
-              </a:rPr>
-              <a:t>Altschul</a:t>
-            </a:r>
-            <a:r>
-              <a:rPr lang="fr-FR" sz="1800" dirty="0">
-                <a:effectLst/>
-                <a:latin typeface="Times New Roman" panose="02020603050405020304" pitchFamily="18" charset="0"/>
-                <a:ea typeface="Calibri" panose="020F0502020204030204" pitchFamily="34" charset="0"/>
-                <a:cs typeface="Times New Roman" panose="02020603050405020304" pitchFamily="18" charset="0"/>
-              </a:rPr>
-              <a:t> et al. (2017) </a:t>
-            </a:r>
-            <a:r>
-              <a:rPr lang="fr-FR" sz="1800" dirty="0" err="1">
-                <a:effectLst/>
-                <a:latin typeface="Times New Roman" panose="02020603050405020304" pitchFamily="18" charset="0"/>
-                <a:ea typeface="Calibri" panose="020F0502020204030204" pitchFamily="34" charset="0"/>
-                <a:cs typeface="Times New Roman" panose="02020603050405020304" pitchFamily="18" charset="0"/>
-              </a:rPr>
-              <a:t>Handbook</a:t>
-            </a:r>
-            <a:r>
-              <a:rPr lang="fr-FR" sz="1800" dirty="0">
-                <a:effectLst/>
-                <a:latin typeface="Times New Roman" panose="02020603050405020304" pitchFamily="18" charset="0"/>
-                <a:ea typeface="Calibri" panose="020F0502020204030204" pitchFamily="34" charset="0"/>
-                <a:cs typeface="Times New Roman" panose="02020603050405020304" pitchFamily="18" charset="0"/>
-              </a:rPr>
-              <a:t> of </a:t>
-            </a:r>
-            <a:r>
-              <a:rPr lang="fr-FR" sz="1800" dirty="0" err="1">
-                <a:effectLst/>
-                <a:latin typeface="Times New Roman" panose="02020603050405020304" pitchFamily="18" charset="0"/>
-                <a:ea typeface="Calibri" panose="020F0502020204030204" pitchFamily="34" charset="0"/>
-                <a:cs typeface="Times New Roman" panose="02020603050405020304" pitchFamily="18" charset="0"/>
-              </a:rPr>
-              <a:t>Discrete</a:t>
-            </a:r>
-            <a:r>
-              <a:rPr lang="fr-FR" sz="1800" dirty="0">
-                <a:effectLst/>
-                <a:latin typeface="Times New Roman" panose="02020603050405020304" pitchFamily="18" charset="0"/>
-                <a:ea typeface="Calibri" panose="020F0502020204030204" pitchFamily="34" charset="0"/>
-                <a:cs typeface="Times New Roman" panose="02020603050405020304" pitchFamily="18" charset="0"/>
-              </a:rPr>
-              <a:t> and </a:t>
-            </a:r>
-            <a:r>
-              <a:rPr lang="fr-FR" sz="1800" dirty="0" err="1">
-                <a:effectLst/>
-                <a:latin typeface="Times New Roman" panose="02020603050405020304" pitchFamily="18" charset="0"/>
-                <a:ea typeface="Calibri" panose="020F0502020204030204" pitchFamily="34" charset="0"/>
-                <a:cs typeface="Times New Roman" panose="02020603050405020304" pitchFamily="18" charset="0"/>
-              </a:rPr>
-              <a:t>Combinatorial</a:t>
-            </a:r>
-            <a:r>
-              <a:rPr lang="fr-FR" sz="1800" dirty="0">
-                <a:effectLst/>
-                <a:latin typeface="Times New Roman" panose="02020603050405020304" pitchFamily="18" charset="0"/>
-                <a:ea typeface="Calibri" panose="020F0502020204030204" pitchFamily="34" charset="0"/>
-                <a:cs typeface="Times New Roman" panose="02020603050405020304" pitchFamily="18" charset="0"/>
-              </a:rPr>
-              <a:t> </a:t>
-            </a:r>
-            <a:r>
-              <a:rPr lang="fr-FR" sz="1800" dirty="0" err="1">
-                <a:effectLst/>
-                <a:latin typeface="Times New Roman" panose="02020603050405020304" pitchFamily="18" charset="0"/>
-                <a:ea typeface="Calibri" panose="020F0502020204030204" pitchFamily="34" charset="0"/>
-                <a:cs typeface="Times New Roman" panose="02020603050405020304" pitchFamily="18" charset="0"/>
-              </a:rPr>
-              <a:t>Mathematics</a:t>
-            </a:r>
-            <a:r>
-              <a:rPr lang="fr-FR" sz="1800" dirty="0">
-                <a:effectLst/>
-                <a:latin typeface="Times New Roman" panose="02020603050405020304" pitchFamily="18" charset="0"/>
-                <a:ea typeface="Calibri" panose="020F0502020204030204" pitchFamily="34" charset="0"/>
-                <a:cs typeface="Times New Roman" panose="02020603050405020304" pitchFamily="18" charset="0"/>
-              </a:rPr>
-              <a:t>. 2nd </a:t>
-            </a:r>
-            <a:r>
-              <a:rPr lang="fr-FR" sz="1800" dirty="0" err="1">
-                <a:effectLst/>
-                <a:latin typeface="Times New Roman" panose="02020603050405020304" pitchFamily="18" charset="0"/>
-                <a:ea typeface="Calibri" panose="020F0502020204030204" pitchFamily="34" charset="0"/>
-                <a:cs typeface="Times New Roman" panose="02020603050405020304" pitchFamily="18" charset="0"/>
-              </a:rPr>
-              <a:t>edition</a:t>
-            </a:r>
-            <a:r>
-              <a:rPr lang="fr-FR" sz="1800" dirty="0">
-                <a:effectLst/>
-                <a:latin typeface="Times New Roman" panose="02020603050405020304" pitchFamily="18" charset="0"/>
-                <a:ea typeface="Calibri" panose="020F0502020204030204" pitchFamily="34" charset="0"/>
-                <a:cs typeface="Times New Roman" panose="02020603050405020304" pitchFamily="18" charset="0"/>
-              </a:rPr>
-              <a:t>, </a:t>
-            </a:r>
-            <a:r>
-              <a:rPr lang="fr-FR" sz="1800" dirty="0" err="1">
-                <a:effectLst/>
-                <a:latin typeface="Times New Roman" panose="02020603050405020304" pitchFamily="18" charset="0"/>
-                <a:ea typeface="Calibri" panose="020F0502020204030204" pitchFamily="34" charset="0"/>
-                <a:cs typeface="Times New Roman" panose="02020603050405020304" pitchFamily="18" charset="0"/>
-              </a:rPr>
-              <a:t>Chapter</a:t>
-            </a:r>
-            <a:r>
-              <a:rPr lang="fr-FR" sz="1800" dirty="0">
-                <a:effectLst/>
-                <a:latin typeface="Times New Roman" panose="02020603050405020304" pitchFamily="18" charset="0"/>
-                <a:ea typeface="Calibri" panose="020F0502020204030204" pitchFamily="34" charset="0"/>
-                <a:cs typeface="Times New Roman" panose="02020603050405020304" pitchFamily="18" charset="0"/>
-              </a:rPr>
-              <a:t> 20.1 </a:t>
-            </a:r>
-            <a:r>
-              <a:rPr lang="fr-FR" sz="1800" dirty="0" err="1">
-                <a:effectLst/>
-                <a:latin typeface="Times New Roman" panose="02020603050405020304" pitchFamily="18" charset="0"/>
-                <a:ea typeface="Calibri" panose="020F0502020204030204" pitchFamily="34" charset="0"/>
-                <a:cs typeface="Times New Roman" panose="02020603050405020304" pitchFamily="18" charset="0"/>
-              </a:rPr>
-              <a:t>Sequence</a:t>
-            </a:r>
-            <a:endParaRPr lang="fr-FR" sz="1800" dirty="0">
-              <a:effectLst/>
-              <a:latin typeface="Calibri" panose="020F0502020204030204" pitchFamily="34" charset="0"/>
-              <a:ea typeface="Calibri" panose="020F0502020204030204" pitchFamily="34" charset="0"/>
-              <a:cs typeface="Times New Roman" panose="02020603050405020304" pitchFamily="18" charset="0"/>
-            </a:endParaRPr>
-          </a:p>
-          <a:p>
-            <a:pPr marL="342900" lvl="0" indent="-342900" algn="just">
-              <a:lnSpc>
-                <a:spcPct val="107000"/>
-              </a:lnSpc>
-              <a:buFont typeface="+mj-lt"/>
-              <a:buAutoNum type="arabicPeriod"/>
-            </a:pPr>
-            <a:r>
-              <a:rPr lang="fr-FR" sz="1800" dirty="0">
-                <a:effectLst/>
-                <a:latin typeface="Times New Roman" panose="02020603050405020304" pitchFamily="18" charset="0"/>
-                <a:ea typeface="Calibri" panose="020F0502020204030204" pitchFamily="34" charset="0"/>
-                <a:cs typeface="Times New Roman" panose="02020603050405020304" pitchFamily="18" charset="0"/>
-              </a:rPr>
-              <a:t>T. </a:t>
-            </a:r>
-            <a:r>
-              <a:rPr lang="fr-FR" sz="1800" dirty="0" err="1">
-                <a:effectLst/>
-                <a:latin typeface="Times New Roman" panose="02020603050405020304" pitchFamily="18" charset="0"/>
-                <a:ea typeface="Calibri" panose="020F0502020204030204" pitchFamily="34" charset="0"/>
-                <a:cs typeface="Times New Roman" panose="02020603050405020304" pitchFamily="18" charset="0"/>
-              </a:rPr>
-              <a:t>Bepler</a:t>
-            </a:r>
-            <a:r>
-              <a:rPr lang="fr-FR" sz="1800" dirty="0">
-                <a:effectLst/>
-                <a:latin typeface="Times New Roman" panose="02020603050405020304" pitchFamily="18" charset="0"/>
-                <a:ea typeface="Calibri" panose="020F0502020204030204" pitchFamily="34" charset="0"/>
-                <a:cs typeface="Times New Roman" panose="02020603050405020304" pitchFamily="18" charset="0"/>
-              </a:rPr>
-              <a:t> et al. (2021) Learning the </a:t>
-            </a:r>
-            <a:r>
-              <a:rPr lang="fr-FR" sz="1800" dirty="0" err="1">
-                <a:effectLst/>
-                <a:latin typeface="Times New Roman" panose="02020603050405020304" pitchFamily="18" charset="0"/>
-                <a:ea typeface="Calibri" panose="020F0502020204030204" pitchFamily="34" charset="0"/>
-                <a:cs typeface="Times New Roman" panose="02020603050405020304" pitchFamily="18" charset="0"/>
-              </a:rPr>
-              <a:t>protein</a:t>
-            </a:r>
-            <a:r>
-              <a:rPr lang="fr-FR" sz="1800" dirty="0">
-                <a:effectLst/>
-                <a:latin typeface="Times New Roman" panose="02020603050405020304" pitchFamily="18" charset="0"/>
-                <a:ea typeface="Calibri" panose="020F0502020204030204" pitchFamily="34" charset="0"/>
-                <a:cs typeface="Times New Roman" panose="02020603050405020304" pitchFamily="18" charset="0"/>
-              </a:rPr>
-              <a:t> </a:t>
-            </a:r>
-            <a:r>
-              <a:rPr lang="fr-FR" sz="1800" dirty="0" err="1">
-                <a:effectLst/>
-                <a:latin typeface="Times New Roman" panose="02020603050405020304" pitchFamily="18" charset="0"/>
-                <a:ea typeface="Calibri" panose="020F0502020204030204" pitchFamily="34" charset="0"/>
-                <a:cs typeface="Times New Roman" panose="02020603050405020304" pitchFamily="18" charset="0"/>
-              </a:rPr>
-              <a:t>language</a:t>
-            </a:r>
-            <a:r>
-              <a:rPr lang="fr-FR" sz="1800" dirty="0">
-                <a:effectLst/>
-                <a:latin typeface="Times New Roman" panose="02020603050405020304" pitchFamily="18" charset="0"/>
-                <a:ea typeface="Calibri" panose="020F0502020204030204" pitchFamily="34" charset="0"/>
-                <a:cs typeface="Times New Roman" panose="02020603050405020304" pitchFamily="18" charset="0"/>
-              </a:rPr>
-              <a:t>: Evolution, structure, and </a:t>
-            </a:r>
-            <a:r>
-              <a:rPr lang="fr-FR" sz="1800" dirty="0" err="1">
-                <a:effectLst/>
-                <a:latin typeface="Times New Roman" panose="02020603050405020304" pitchFamily="18" charset="0"/>
-                <a:ea typeface="Calibri" panose="020F0502020204030204" pitchFamily="34" charset="0"/>
-                <a:cs typeface="Times New Roman" panose="02020603050405020304" pitchFamily="18" charset="0"/>
-              </a:rPr>
-              <a:t>function</a:t>
-            </a:r>
-            <a:r>
-              <a:rPr lang="fr-FR" sz="1800" dirty="0">
-                <a:effectLst/>
-                <a:latin typeface="Times New Roman" panose="02020603050405020304" pitchFamily="18" charset="0"/>
-                <a:ea typeface="Calibri" panose="020F0502020204030204" pitchFamily="34" charset="0"/>
-                <a:cs typeface="Times New Roman" panose="02020603050405020304" pitchFamily="18" charset="0"/>
-              </a:rPr>
-              <a:t>.</a:t>
-            </a:r>
-            <a:endParaRPr lang="fr-FR" sz="1800" dirty="0">
-              <a:effectLst/>
-              <a:latin typeface="Calibri" panose="020F0502020204030204" pitchFamily="34" charset="0"/>
-              <a:ea typeface="Calibri" panose="020F0502020204030204" pitchFamily="34" charset="0"/>
-              <a:cs typeface="Times New Roman" panose="02020603050405020304" pitchFamily="18" charset="0"/>
-            </a:endParaRPr>
-          </a:p>
-          <a:p>
-            <a:pPr marL="342900" lvl="0" indent="-342900">
-              <a:lnSpc>
-                <a:spcPct val="107000"/>
-              </a:lnSpc>
-              <a:buFont typeface="+mj-lt"/>
-              <a:buAutoNum type="arabicPeriod"/>
-            </a:pPr>
-            <a:r>
-              <a:rPr lang="fr-FR" sz="1800" dirty="0" err="1">
-                <a:effectLst/>
-                <a:latin typeface="Times New Roman" panose="02020603050405020304" pitchFamily="18" charset="0"/>
-                <a:ea typeface="Calibri" panose="020F0502020204030204" pitchFamily="34" charset="0"/>
-                <a:cs typeface="Times New Roman" panose="02020603050405020304" pitchFamily="18" charset="0"/>
-              </a:rPr>
-              <a:t>Needleman</a:t>
-            </a:r>
-            <a:r>
-              <a:rPr lang="fr-FR" sz="1800" dirty="0">
-                <a:effectLst/>
-                <a:latin typeface="Times New Roman" panose="02020603050405020304" pitchFamily="18" charset="0"/>
-                <a:ea typeface="Calibri" panose="020F0502020204030204" pitchFamily="34" charset="0"/>
-                <a:cs typeface="Times New Roman" panose="02020603050405020304" pitchFamily="18" charset="0"/>
-              </a:rPr>
-              <a:t>, Saul B. &amp; </a:t>
-            </a:r>
-            <a:r>
-              <a:rPr lang="fr-FR" sz="1800" dirty="0" err="1">
-                <a:effectLst/>
-                <a:latin typeface="Times New Roman" panose="02020603050405020304" pitchFamily="18" charset="0"/>
-                <a:ea typeface="Calibri" panose="020F0502020204030204" pitchFamily="34" charset="0"/>
-                <a:cs typeface="Times New Roman" panose="02020603050405020304" pitchFamily="18" charset="0"/>
-              </a:rPr>
-              <a:t>Wunsch</a:t>
-            </a:r>
-            <a:r>
-              <a:rPr lang="fr-FR" sz="1800" dirty="0">
-                <a:effectLst/>
-                <a:latin typeface="Times New Roman" panose="02020603050405020304" pitchFamily="18" charset="0"/>
-                <a:ea typeface="Calibri" panose="020F0502020204030204" pitchFamily="34" charset="0"/>
-                <a:cs typeface="Times New Roman" panose="02020603050405020304" pitchFamily="18" charset="0"/>
-              </a:rPr>
-              <a:t>, Christian D. (1970) A </a:t>
-            </a:r>
-            <a:r>
-              <a:rPr lang="fr-FR" sz="1800" dirty="0" err="1">
-                <a:effectLst/>
-                <a:latin typeface="Times New Roman" panose="02020603050405020304" pitchFamily="18" charset="0"/>
-                <a:ea typeface="Calibri" panose="020F0502020204030204" pitchFamily="34" charset="0"/>
-                <a:cs typeface="Times New Roman" panose="02020603050405020304" pitchFamily="18" charset="0"/>
-              </a:rPr>
-              <a:t>general</a:t>
-            </a:r>
-            <a:r>
-              <a:rPr lang="fr-FR" sz="1800" dirty="0">
-                <a:effectLst/>
-                <a:latin typeface="Times New Roman" panose="02020603050405020304" pitchFamily="18" charset="0"/>
-                <a:ea typeface="Calibri" panose="020F0502020204030204" pitchFamily="34" charset="0"/>
-                <a:cs typeface="Times New Roman" panose="02020603050405020304" pitchFamily="18" charset="0"/>
-              </a:rPr>
-              <a:t> </a:t>
-            </a:r>
-            <a:r>
-              <a:rPr lang="fr-FR" sz="1800" dirty="0" err="1">
-                <a:effectLst/>
-                <a:latin typeface="Times New Roman" panose="02020603050405020304" pitchFamily="18" charset="0"/>
-                <a:ea typeface="Calibri" panose="020F0502020204030204" pitchFamily="34" charset="0"/>
-                <a:cs typeface="Times New Roman" panose="02020603050405020304" pitchFamily="18" charset="0"/>
-              </a:rPr>
-              <a:t>method</a:t>
-            </a:r>
-            <a:r>
-              <a:rPr lang="fr-FR" sz="1800" dirty="0">
-                <a:effectLst/>
-                <a:latin typeface="Times New Roman" panose="02020603050405020304" pitchFamily="18" charset="0"/>
-                <a:ea typeface="Calibri" panose="020F0502020204030204" pitchFamily="34" charset="0"/>
-                <a:cs typeface="Times New Roman" panose="02020603050405020304" pitchFamily="18" charset="0"/>
-              </a:rPr>
-              <a:t> applicable to the </a:t>
-            </a:r>
-            <a:r>
-              <a:rPr lang="fr-FR" sz="1800" dirty="0" err="1">
-                <a:effectLst/>
-                <a:latin typeface="Times New Roman" panose="02020603050405020304" pitchFamily="18" charset="0"/>
-                <a:ea typeface="Calibri" panose="020F0502020204030204" pitchFamily="34" charset="0"/>
-                <a:cs typeface="Times New Roman" panose="02020603050405020304" pitchFamily="18" charset="0"/>
-              </a:rPr>
-              <a:t>search</a:t>
-            </a:r>
-            <a:r>
-              <a:rPr lang="fr-FR" sz="1800" dirty="0">
-                <a:effectLst/>
-                <a:latin typeface="Times New Roman" panose="02020603050405020304" pitchFamily="18" charset="0"/>
-                <a:ea typeface="Calibri" panose="020F0502020204030204" pitchFamily="34" charset="0"/>
-                <a:cs typeface="Times New Roman" panose="02020603050405020304" pitchFamily="18" charset="0"/>
-              </a:rPr>
-              <a:t> for </a:t>
-            </a:r>
-            <a:r>
-              <a:rPr lang="fr-FR" sz="1800" dirty="0" err="1">
-                <a:effectLst/>
-                <a:latin typeface="Times New Roman" panose="02020603050405020304" pitchFamily="18" charset="0"/>
-                <a:ea typeface="Calibri" panose="020F0502020204030204" pitchFamily="34" charset="0"/>
-                <a:cs typeface="Times New Roman" panose="02020603050405020304" pitchFamily="18" charset="0"/>
-              </a:rPr>
-              <a:t>similarities</a:t>
-            </a:r>
-            <a:r>
-              <a:rPr lang="fr-FR" sz="1800" dirty="0">
-                <a:effectLst/>
-                <a:latin typeface="Times New Roman" panose="02020603050405020304" pitchFamily="18" charset="0"/>
-                <a:ea typeface="Calibri" panose="020F0502020204030204" pitchFamily="34" charset="0"/>
-                <a:cs typeface="Times New Roman" panose="02020603050405020304" pitchFamily="18" charset="0"/>
-              </a:rPr>
-              <a:t> in the </a:t>
-            </a:r>
-            <a:r>
-              <a:rPr lang="fr-FR" sz="1800" dirty="0" err="1">
-                <a:effectLst/>
-                <a:latin typeface="Times New Roman" panose="02020603050405020304" pitchFamily="18" charset="0"/>
-                <a:ea typeface="Calibri" panose="020F0502020204030204" pitchFamily="34" charset="0"/>
-                <a:cs typeface="Times New Roman" panose="02020603050405020304" pitchFamily="18" charset="0"/>
-              </a:rPr>
-              <a:t>amino</a:t>
-            </a:r>
-            <a:r>
-              <a:rPr lang="fr-FR" sz="1800" dirty="0">
-                <a:effectLst/>
-                <a:latin typeface="Times New Roman" panose="02020603050405020304" pitchFamily="18" charset="0"/>
-                <a:ea typeface="Calibri" panose="020F0502020204030204" pitchFamily="34" charset="0"/>
-                <a:cs typeface="Times New Roman" panose="02020603050405020304" pitchFamily="18" charset="0"/>
-              </a:rPr>
-              <a:t> </a:t>
-            </a:r>
-            <a:r>
-              <a:rPr lang="fr-FR" sz="1800" dirty="0" err="1">
-                <a:effectLst/>
-                <a:latin typeface="Times New Roman" panose="02020603050405020304" pitchFamily="18" charset="0"/>
-                <a:ea typeface="Calibri" panose="020F0502020204030204" pitchFamily="34" charset="0"/>
-                <a:cs typeface="Times New Roman" panose="02020603050405020304" pitchFamily="18" charset="0"/>
-              </a:rPr>
-              <a:t>acid</a:t>
-            </a:r>
-            <a:r>
-              <a:rPr lang="fr-FR" sz="1800" dirty="0">
-                <a:effectLst/>
-                <a:latin typeface="Times New Roman" panose="02020603050405020304" pitchFamily="18" charset="0"/>
-                <a:ea typeface="Calibri" panose="020F0502020204030204" pitchFamily="34" charset="0"/>
-                <a:cs typeface="Times New Roman" panose="02020603050405020304" pitchFamily="18" charset="0"/>
-              </a:rPr>
-              <a:t> </a:t>
-            </a:r>
-            <a:r>
-              <a:rPr lang="fr-FR" sz="1800" dirty="0" err="1">
-                <a:effectLst/>
-                <a:latin typeface="Times New Roman" panose="02020603050405020304" pitchFamily="18" charset="0"/>
-                <a:ea typeface="Calibri" panose="020F0502020204030204" pitchFamily="34" charset="0"/>
-                <a:cs typeface="Times New Roman" panose="02020603050405020304" pitchFamily="18" charset="0"/>
-              </a:rPr>
-              <a:t>sequence</a:t>
-            </a:r>
-            <a:r>
-              <a:rPr lang="fr-FR" sz="1800" dirty="0">
-                <a:effectLst/>
-                <a:latin typeface="Times New Roman" panose="02020603050405020304" pitchFamily="18" charset="0"/>
-                <a:ea typeface="Calibri" panose="020F0502020204030204" pitchFamily="34" charset="0"/>
-                <a:cs typeface="Times New Roman" panose="02020603050405020304" pitchFamily="18" charset="0"/>
-              </a:rPr>
-              <a:t> of </a:t>
-            </a:r>
-            <a:r>
-              <a:rPr lang="fr-FR" sz="1800" dirty="0" err="1">
-                <a:effectLst/>
-                <a:latin typeface="Times New Roman" panose="02020603050405020304" pitchFamily="18" charset="0"/>
-                <a:ea typeface="Calibri" panose="020F0502020204030204" pitchFamily="34" charset="0"/>
-                <a:cs typeface="Times New Roman" panose="02020603050405020304" pitchFamily="18" charset="0"/>
-              </a:rPr>
-              <a:t>two</a:t>
-            </a:r>
-            <a:r>
-              <a:rPr lang="fr-FR" sz="1800" dirty="0">
-                <a:effectLst/>
-                <a:latin typeface="Times New Roman" panose="02020603050405020304" pitchFamily="18" charset="0"/>
-                <a:ea typeface="Calibri" panose="020F0502020204030204" pitchFamily="34" charset="0"/>
-                <a:cs typeface="Times New Roman" panose="02020603050405020304" pitchFamily="18" charset="0"/>
-              </a:rPr>
-              <a:t> </a:t>
-            </a:r>
-            <a:r>
-              <a:rPr lang="fr-FR" sz="1800" dirty="0" err="1">
-                <a:effectLst/>
-                <a:latin typeface="Times New Roman" panose="02020603050405020304" pitchFamily="18" charset="0"/>
-                <a:ea typeface="Calibri" panose="020F0502020204030204" pitchFamily="34" charset="0"/>
-                <a:cs typeface="Times New Roman" panose="02020603050405020304" pitchFamily="18" charset="0"/>
-              </a:rPr>
-              <a:t>proteins</a:t>
-            </a:r>
-            <a:r>
-              <a:rPr lang="fr-FR" sz="1800" dirty="0">
-                <a:effectLst/>
-                <a:latin typeface="Times New Roman" panose="02020603050405020304" pitchFamily="18" charset="0"/>
-                <a:ea typeface="Calibri" panose="020F0502020204030204" pitchFamily="34" charset="0"/>
-                <a:cs typeface="Times New Roman" panose="02020603050405020304" pitchFamily="18" charset="0"/>
-              </a:rPr>
-              <a:t>.</a:t>
-            </a:r>
-            <a:endParaRPr lang="fr-FR" sz="1800" dirty="0">
-              <a:effectLst/>
-              <a:latin typeface="Calibri" panose="020F0502020204030204" pitchFamily="34" charset="0"/>
-              <a:ea typeface="Calibri" panose="020F0502020204030204" pitchFamily="34" charset="0"/>
-              <a:cs typeface="Times New Roman" panose="02020603050405020304" pitchFamily="18" charset="0"/>
-            </a:endParaRPr>
-          </a:p>
-          <a:p>
-            <a:pPr marL="342900" lvl="0" indent="-342900">
-              <a:lnSpc>
-                <a:spcPct val="107000"/>
-              </a:lnSpc>
-              <a:buFont typeface="+mj-lt"/>
-              <a:buAutoNum type="arabicPeriod"/>
-            </a:pPr>
-            <a:r>
-              <a:rPr lang="fr-FR" sz="1800" dirty="0">
-                <a:effectLst/>
-                <a:latin typeface="Times New Roman" panose="02020603050405020304" pitchFamily="18" charset="0"/>
-                <a:ea typeface="Calibri" panose="020F0502020204030204" pitchFamily="34" charset="0"/>
-                <a:cs typeface="Times New Roman" panose="02020603050405020304" pitchFamily="18" charset="0"/>
-              </a:rPr>
-              <a:t>Smith, Temple F. &amp; Waterman, Michael S. (1981) Identification of Common </a:t>
-            </a:r>
-            <a:r>
-              <a:rPr lang="fr-FR" sz="1800" dirty="0" err="1">
-                <a:effectLst/>
-                <a:latin typeface="Times New Roman" panose="02020603050405020304" pitchFamily="18" charset="0"/>
-                <a:ea typeface="Calibri" panose="020F0502020204030204" pitchFamily="34" charset="0"/>
-                <a:cs typeface="Times New Roman" panose="02020603050405020304" pitchFamily="18" charset="0"/>
-              </a:rPr>
-              <a:t>Molecular</a:t>
-            </a:r>
-            <a:r>
-              <a:rPr lang="fr-FR" sz="1800" dirty="0">
-                <a:effectLst/>
-                <a:latin typeface="Times New Roman" panose="02020603050405020304" pitchFamily="18" charset="0"/>
-                <a:ea typeface="Calibri" panose="020F0502020204030204" pitchFamily="34" charset="0"/>
-                <a:cs typeface="Times New Roman" panose="02020603050405020304" pitchFamily="18" charset="0"/>
-              </a:rPr>
-              <a:t> </a:t>
-            </a:r>
-            <a:r>
-              <a:rPr lang="fr-FR" sz="1800" dirty="0" err="1">
-                <a:effectLst/>
-                <a:latin typeface="Times New Roman" panose="02020603050405020304" pitchFamily="18" charset="0"/>
-                <a:ea typeface="Calibri" panose="020F0502020204030204" pitchFamily="34" charset="0"/>
-                <a:cs typeface="Times New Roman" panose="02020603050405020304" pitchFamily="18" charset="0"/>
-              </a:rPr>
-              <a:t>Subsequences</a:t>
-            </a:r>
-            <a:r>
-              <a:rPr lang="fr-FR" sz="1800" dirty="0">
-                <a:effectLst/>
-                <a:latin typeface="Times New Roman" panose="02020603050405020304" pitchFamily="18" charset="0"/>
-                <a:ea typeface="Calibri" panose="020F0502020204030204" pitchFamily="34" charset="0"/>
-                <a:cs typeface="Times New Roman" panose="02020603050405020304" pitchFamily="18" charset="0"/>
-              </a:rPr>
-              <a:t>.</a:t>
-            </a:r>
-            <a:endParaRPr lang="fr-FR" sz="1800" dirty="0">
-              <a:effectLst/>
-              <a:latin typeface="Calibri" panose="020F0502020204030204" pitchFamily="34" charset="0"/>
-              <a:ea typeface="Calibri" panose="020F0502020204030204" pitchFamily="34" charset="0"/>
-              <a:cs typeface="Times New Roman" panose="02020603050405020304" pitchFamily="18" charset="0"/>
-            </a:endParaRPr>
-          </a:p>
-          <a:p>
-            <a:pPr marL="342900" lvl="0" indent="-342900">
-              <a:lnSpc>
-                <a:spcPct val="107000"/>
-              </a:lnSpc>
-              <a:buFont typeface="+mj-lt"/>
-              <a:buAutoNum type="arabicPeriod"/>
-            </a:pPr>
-            <a:r>
-              <a:rPr lang="fr-FR" sz="1800" u="none" strike="noStrike" dirty="0">
-                <a:solidFill>
-                  <a:srgbClr val="0000FF"/>
-                </a:solidFill>
-                <a:effectLst/>
-                <a:latin typeface="Times New Roman" panose="02020603050405020304" pitchFamily="18" charset="0"/>
-                <a:ea typeface="Calibri" panose="020F0502020204030204" pitchFamily="34" charset="0"/>
-                <a:cs typeface="Times New Roman" panose="02020603050405020304" pitchFamily="18" charset="0"/>
-                <a:hlinkClick r:id="rId2"/>
-              </a:rPr>
-              <a:t>A </a:t>
-            </a:r>
-            <a:r>
-              <a:rPr lang="fr-FR" sz="1800" u="none" strike="noStrike" dirty="0" err="1">
-                <a:solidFill>
-                  <a:srgbClr val="0000FF"/>
-                </a:solidFill>
-                <a:effectLst/>
-                <a:latin typeface="Times New Roman" panose="02020603050405020304" pitchFamily="18" charset="0"/>
-                <a:ea typeface="Calibri" panose="020F0502020204030204" pitchFamily="34" charset="0"/>
-                <a:cs typeface="Times New Roman" panose="02020603050405020304" pitchFamily="18" charset="0"/>
-                <a:hlinkClick r:id="rId2"/>
-              </a:rPr>
-              <a:t>Elnaggar</a:t>
-            </a:r>
-            <a:r>
-              <a:rPr lang="fr-FR" sz="1800" dirty="0">
-                <a:effectLst/>
-                <a:latin typeface="Times New Roman" panose="02020603050405020304" pitchFamily="18" charset="0"/>
-                <a:ea typeface="Calibri" panose="020F0502020204030204" pitchFamily="34" charset="0"/>
-                <a:cs typeface="Times New Roman" panose="02020603050405020304" pitchFamily="18" charset="0"/>
-              </a:rPr>
-              <a:t> et al. (2020) </a:t>
-            </a:r>
-            <a:r>
-              <a:rPr lang="fr-FR" sz="1800" dirty="0" err="1">
-                <a:effectLst/>
-                <a:latin typeface="Times New Roman" panose="02020603050405020304" pitchFamily="18" charset="0"/>
-                <a:ea typeface="Calibri" panose="020F0502020204030204" pitchFamily="34" charset="0"/>
-                <a:cs typeface="Times New Roman" panose="02020603050405020304" pitchFamily="18" charset="0"/>
-              </a:rPr>
-              <a:t>ProtTrans</a:t>
-            </a:r>
-            <a:r>
-              <a:rPr lang="fr-FR" sz="1800" dirty="0">
-                <a:effectLst/>
-                <a:latin typeface="Times New Roman" panose="02020603050405020304" pitchFamily="18" charset="0"/>
-                <a:ea typeface="Calibri" panose="020F0502020204030204" pitchFamily="34" charset="0"/>
-                <a:cs typeface="Times New Roman" panose="02020603050405020304" pitchFamily="18" charset="0"/>
-              </a:rPr>
-              <a:t>: </a:t>
-            </a:r>
-            <a:r>
-              <a:rPr lang="fr-FR" sz="1800" dirty="0" err="1">
-                <a:effectLst/>
-                <a:latin typeface="Times New Roman" panose="02020603050405020304" pitchFamily="18" charset="0"/>
-                <a:ea typeface="Calibri" panose="020F0502020204030204" pitchFamily="34" charset="0"/>
-                <a:cs typeface="Times New Roman" panose="02020603050405020304" pitchFamily="18" charset="0"/>
-              </a:rPr>
-              <a:t>Towards</a:t>
-            </a:r>
-            <a:r>
-              <a:rPr lang="fr-FR" sz="1800" dirty="0">
-                <a:effectLst/>
-                <a:latin typeface="Times New Roman" panose="02020603050405020304" pitchFamily="18" charset="0"/>
-                <a:ea typeface="Calibri" panose="020F0502020204030204" pitchFamily="34" charset="0"/>
-                <a:cs typeface="Times New Roman" panose="02020603050405020304" pitchFamily="18" charset="0"/>
-              </a:rPr>
-              <a:t> Cracking the </a:t>
-            </a:r>
-            <a:r>
-              <a:rPr lang="fr-FR" sz="1800" dirty="0" err="1">
-                <a:effectLst/>
-                <a:latin typeface="Times New Roman" panose="02020603050405020304" pitchFamily="18" charset="0"/>
-                <a:ea typeface="Calibri" panose="020F0502020204030204" pitchFamily="34" charset="0"/>
-                <a:cs typeface="Times New Roman" panose="02020603050405020304" pitchFamily="18" charset="0"/>
-              </a:rPr>
-              <a:t>Language</a:t>
-            </a:r>
-            <a:r>
-              <a:rPr lang="fr-FR" sz="1800" dirty="0">
-                <a:effectLst/>
-                <a:latin typeface="Times New Roman" panose="02020603050405020304" pitchFamily="18" charset="0"/>
-                <a:ea typeface="Calibri" panose="020F0502020204030204" pitchFamily="34" charset="0"/>
-                <a:cs typeface="Times New Roman" panose="02020603050405020304" pitchFamily="18" charset="0"/>
-              </a:rPr>
-              <a:t> of </a:t>
-            </a:r>
-            <a:r>
-              <a:rPr lang="fr-FR" sz="1800" dirty="0" err="1">
-                <a:effectLst/>
-                <a:latin typeface="Times New Roman" panose="02020603050405020304" pitchFamily="18" charset="0"/>
-                <a:ea typeface="Calibri" panose="020F0502020204030204" pitchFamily="34" charset="0"/>
-                <a:cs typeface="Times New Roman" panose="02020603050405020304" pitchFamily="18" charset="0"/>
-              </a:rPr>
-              <a:t>Life's</a:t>
-            </a:r>
-            <a:r>
-              <a:rPr lang="fr-FR" sz="1800" dirty="0">
-                <a:effectLst/>
-                <a:latin typeface="Times New Roman" panose="02020603050405020304" pitchFamily="18" charset="0"/>
-                <a:ea typeface="Calibri" panose="020F0502020204030204" pitchFamily="34" charset="0"/>
-                <a:cs typeface="Times New Roman" panose="02020603050405020304" pitchFamily="18" charset="0"/>
-              </a:rPr>
-              <a:t> Code </a:t>
-            </a:r>
-            <a:r>
-              <a:rPr lang="fr-FR" sz="1800" dirty="0" err="1">
-                <a:effectLst/>
-                <a:latin typeface="Times New Roman" panose="02020603050405020304" pitchFamily="18" charset="0"/>
-                <a:ea typeface="Calibri" panose="020F0502020204030204" pitchFamily="34" charset="0"/>
-                <a:cs typeface="Times New Roman" panose="02020603050405020304" pitchFamily="18" charset="0"/>
-              </a:rPr>
-              <a:t>Through</a:t>
-            </a:r>
-            <a:r>
-              <a:rPr lang="fr-FR" sz="1800" dirty="0">
-                <a:effectLst/>
-                <a:latin typeface="Times New Roman" panose="02020603050405020304" pitchFamily="18" charset="0"/>
-                <a:ea typeface="Calibri" panose="020F0502020204030204" pitchFamily="34" charset="0"/>
-                <a:cs typeface="Times New Roman" panose="02020603050405020304" pitchFamily="18" charset="0"/>
-              </a:rPr>
-              <a:t> Self-</a:t>
-            </a:r>
-            <a:r>
-              <a:rPr lang="fr-FR" sz="1800" dirty="0" err="1">
-                <a:effectLst/>
-                <a:latin typeface="Times New Roman" panose="02020603050405020304" pitchFamily="18" charset="0"/>
-                <a:ea typeface="Calibri" panose="020F0502020204030204" pitchFamily="34" charset="0"/>
-                <a:cs typeface="Times New Roman" panose="02020603050405020304" pitchFamily="18" charset="0"/>
-              </a:rPr>
-              <a:t>Supervised</a:t>
-            </a:r>
-            <a:r>
-              <a:rPr lang="fr-FR" sz="1800" dirty="0">
-                <a:effectLst/>
-                <a:latin typeface="Times New Roman" panose="02020603050405020304" pitchFamily="18" charset="0"/>
-                <a:ea typeface="Calibri" panose="020F0502020204030204" pitchFamily="34" charset="0"/>
-                <a:cs typeface="Times New Roman" panose="02020603050405020304" pitchFamily="18" charset="0"/>
-              </a:rPr>
-              <a:t> </a:t>
-            </a:r>
-            <a:r>
-              <a:rPr lang="fr-FR" sz="1800" dirty="0" err="1">
-                <a:effectLst/>
-                <a:latin typeface="Times New Roman" panose="02020603050405020304" pitchFamily="18" charset="0"/>
-                <a:ea typeface="Calibri" panose="020F0502020204030204" pitchFamily="34" charset="0"/>
-                <a:cs typeface="Times New Roman" panose="02020603050405020304" pitchFamily="18" charset="0"/>
-              </a:rPr>
-              <a:t>Deep</a:t>
-            </a:r>
-            <a:r>
-              <a:rPr lang="fr-FR" sz="1800" dirty="0">
-                <a:effectLst/>
-                <a:latin typeface="Times New Roman" panose="02020603050405020304" pitchFamily="18" charset="0"/>
-                <a:ea typeface="Calibri" panose="020F0502020204030204" pitchFamily="34" charset="0"/>
-                <a:cs typeface="Times New Roman" panose="02020603050405020304" pitchFamily="18" charset="0"/>
-              </a:rPr>
-              <a:t> Learning and High Performance </a:t>
-            </a:r>
-            <a:r>
-              <a:rPr lang="fr-FR" sz="1800" dirty="0" err="1">
-                <a:effectLst/>
-                <a:latin typeface="Times New Roman" panose="02020603050405020304" pitchFamily="18" charset="0"/>
-                <a:ea typeface="Calibri" panose="020F0502020204030204" pitchFamily="34" charset="0"/>
-                <a:cs typeface="Times New Roman" panose="02020603050405020304" pitchFamily="18" charset="0"/>
-              </a:rPr>
-              <a:t>Computing</a:t>
-            </a:r>
-            <a:r>
-              <a:rPr lang="fr-FR" sz="1800" dirty="0">
-                <a:effectLst/>
-                <a:latin typeface="Times New Roman" panose="02020603050405020304" pitchFamily="18" charset="0"/>
-                <a:ea typeface="Calibri" panose="020F0502020204030204" pitchFamily="34" charset="0"/>
-                <a:cs typeface="Times New Roman" panose="02020603050405020304" pitchFamily="18" charset="0"/>
-              </a:rPr>
-              <a:t> </a:t>
-            </a:r>
-            <a:endParaRPr lang="fr-FR" sz="1800" dirty="0">
-              <a:effectLst/>
-              <a:latin typeface="Calibri" panose="020F0502020204030204" pitchFamily="34" charset="0"/>
-              <a:ea typeface="Calibri" panose="020F0502020204030204" pitchFamily="34" charset="0"/>
-              <a:cs typeface="Times New Roman" panose="02020603050405020304" pitchFamily="18" charset="0"/>
-            </a:endParaRPr>
-          </a:p>
-          <a:p>
-            <a:pPr marL="342900" lvl="0" indent="-342900">
-              <a:lnSpc>
-                <a:spcPct val="107000"/>
-              </a:lnSpc>
-              <a:buFont typeface="+mj-lt"/>
-              <a:buAutoNum type="arabicPeriod"/>
-            </a:pPr>
-            <a:r>
-              <a:rPr lang="fr-FR" sz="1800" dirty="0">
-                <a:effectLst/>
-                <a:latin typeface="Times New Roman" panose="02020603050405020304" pitchFamily="18" charset="0"/>
-                <a:ea typeface="Calibri" panose="020F0502020204030204" pitchFamily="34" charset="0"/>
-                <a:cs typeface="Times New Roman" panose="02020603050405020304" pitchFamily="18" charset="0"/>
-              </a:rPr>
-              <a:t>Page pdb de la 6-phosphofructo-2-kinase/fructose-2,6-bisphosphatase </a:t>
-            </a:r>
-            <a:r>
-              <a:rPr lang="fr-FR" sz="1800" dirty="0" err="1">
-                <a:effectLst/>
-                <a:latin typeface="Times New Roman" panose="02020603050405020304" pitchFamily="18" charset="0"/>
-                <a:ea typeface="Calibri" panose="020F0502020204030204" pitchFamily="34" charset="0"/>
-                <a:cs typeface="Times New Roman" panose="02020603050405020304" pitchFamily="18" charset="0"/>
-              </a:rPr>
-              <a:t>bifunctional</a:t>
-            </a:r>
-            <a:r>
-              <a:rPr lang="fr-FR" sz="1800" dirty="0">
-                <a:effectLst/>
-                <a:latin typeface="Times New Roman" panose="02020603050405020304" pitchFamily="18" charset="0"/>
-                <a:ea typeface="Calibri" panose="020F0502020204030204" pitchFamily="34" charset="0"/>
-                <a:cs typeface="Times New Roman" panose="02020603050405020304" pitchFamily="18" charset="0"/>
-              </a:rPr>
-              <a:t> enzyme </a:t>
-            </a:r>
-            <a:r>
-              <a:rPr lang="fr-FR" sz="1800" dirty="0" err="1">
-                <a:effectLst/>
-                <a:latin typeface="Times New Roman" panose="02020603050405020304" pitchFamily="18" charset="0"/>
-                <a:ea typeface="Calibri" panose="020F0502020204030204" pitchFamily="34" charset="0"/>
-                <a:cs typeface="Times New Roman" panose="02020603050405020304" pitchFamily="18" charset="0"/>
-              </a:rPr>
-              <a:t>complexed</a:t>
-            </a:r>
-            <a:r>
-              <a:rPr lang="fr-FR" sz="1800" dirty="0">
-                <a:effectLst/>
-                <a:latin typeface="Times New Roman" panose="02020603050405020304" pitchFamily="18" charset="0"/>
-                <a:ea typeface="Calibri" panose="020F0502020204030204" pitchFamily="34" charset="0"/>
-                <a:cs typeface="Times New Roman" panose="02020603050405020304" pitchFamily="18" charset="0"/>
-              </a:rPr>
-              <a:t> </a:t>
-            </a:r>
-            <a:r>
-              <a:rPr lang="fr-FR" sz="1800" dirty="0" err="1">
-                <a:effectLst/>
-                <a:latin typeface="Times New Roman" panose="02020603050405020304" pitchFamily="18" charset="0"/>
-                <a:ea typeface="Calibri" panose="020F0502020204030204" pitchFamily="34" charset="0"/>
-                <a:cs typeface="Times New Roman" panose="02020603050405020304" pitchFamily="18" charset="0"/>
-              </a:rPr>
-              <a:t>with</a:t>
-            </a:r>
-            <a:r>
-              <a:rPr lang="fr-FR" sz="1800" dirty="0">
-                <a:effectLst/>
-                <a:latin typeface="Times New Roman" panose="02020603050405020304" pitchFamily="18" charset="0"/>
-                <a:ea typeface="Calibri" panose="020F0502020204030204" pitchFamily="34" charset="0"/>
-                <a:cs typeface="Times New Roman" panose="02020603050405020304" pitchFamily="18" charset="0"/>
-              </a:rPr>
-              <a:t> atp-g-s and phosphate : </a:t>
-            </a:r>
-            <a:r>
-              <a:rPr lang="fr-FR" sz="1800" u="sng" dirty="0">
-                <a:solidFill>
-                  <a:srgbClr val="0000FF"/>
-                </a:solidFill>
-                <a:effectLst/>
-                <a:latin typeface="Times New Roman" panose="02020603050405020304" pitchFamily="18" charset="0"/>
-                <a:ea typeface="Calibri" panose="020F0502020204030204" pitchFamily="34" charset="0"/>
-                <a:cs typeface="Times New Roman" panose="02020603050405020304" pitchFamily="18" charset="0"/>
-                <a:hlinkClick r:id="rId3"/>
-              </a:rPr>
-              <a:t>https://www.rcsb.org/structure/1bif</a:t>
-            </a:r>
-            <a:r>
-              <a:rPr lang="fr-FR" sz="1800" dirty="0">
-                <a:effectLst/>
-                <a:latin typeface="Times New Roman" panose="02020603050405020304" pitchFamily="18" charset="0"/>
-                <a:ea typeface="Calibri" panose="020F0502020204030204" pitchFamily="34" charset="0"/>
-                <a:cs typeface="Times New Roman" panose="02020603050405020304" pitchFamily="18" charset="0"/>
-              </a:rPr>
-              <a:t> </a:t>
-            </a:r>
-            <a:endParaRPr lang="fr-FR" sz="1800" dirty="0">
-              <a:effectLst/>
-              <a:latin typeface="Calibri" panose="020F0502020204030204" pitchFamily="34" charset="0"/>
-              <a:ea typeface="Calibri" panose="020F0502020204030204" pitchFamily="34" charset="0"/>
-              <a:cs typeface="Times New Roman" panose="02020603050405020304" pitchFamily="18" charset="0"/>
-            </a:endParaRPr>
-          </a:p>
-          <a:p>
-            <a:pPr marL="342900" lvl="0" indent="-342900">
-              <a:lnSpc>
-                <a:spcPct val="107000"/>
-              </a:lnSpc>
-              <a:buFont typeface="+mj-lt"/>
-              <a:buAutoNum type="arabicPeriod"/>
-            </a:pPr>
-            <a:r>
-              <a:rPr lang="fr-FR" sz="1800" dirty="0">
-                <a:effectLst/>
-                <a:latin typeface="Times New Roman" panose="02020603050405020304" pitchFamily="18" charset="0"/>
-                <a:ea typeface="Calibri" panose="020F0502020204030204" pitchFamily="34" charset="0"/>
-                <a:cs typeface="Times New Roman" panose="02020603050405020304" pitchFamily="18" charset="0"/>
-              </a:rPr>
-              <a:t>Page pdb de la hyperthermophile </a:t>
-            </a:r>
-            <a:r>
-              <a:rPr lang="fr-FR" sz="1800" dirty="0" err="1">
-                <a:effectLst/>
-                <a:latin typeface="Times New Roman" panose="02020603050405020304" pitchFamily="18" charset="0"/>
-                <a:ea typeface="Calibri" panose="020F0502020204030204" pitchFamily="34" charset="0"/>
-                <a:cs typeface="Times New Roman" panose="02020603050405020304" pitchFamily="18" charset="0"/>
-              </a:rPr>
-              <a:t>chromosomal</a:t>
-            </a:r>
-            <a:r>
-              <a:rPr lang="fr-FR" sz="1800" dirty="0">
-                <a:effectLst/>
-                <a:latin typeface="Times New Roman" panose="02020603050405020304" pitchFamily="18" charset="0"/>
-                <a:ea typeface="Calibri" panose="020F0502020204030204" pitchFamily="34" charset="0"/>
-                <a:cs typeface="Times New Roman" panose="02020603050405020304" pitchFamily="18" charset="0"/>
-              </a:rPr>
-              <a:t> </a:t>
-            </a:r>
-            <a:r>
-              <a:rPr lang="fr-FR" sz="1800" dirty="0" err="1">
-                <a:effectLst/>
-                <a:latin typeface="Times New Roman" panose="02020603050405020304" pitchFamily="18" charset="0"/>
-                <a:ea typeface="Calibri" panose="020F0502020204030204" pitchFamily="34" charset="0"/>
-                <a:cs typeface="Times New Roman" panose="02020603050405020304" pitchFamily="18" charset="0"/>
-              </a:rPr>
-              <a:t>protein</a:t>
-            </a:r>
-            <a:r>
-              <a:rPr lang="fr-FR" sz="1800" dirty="0">
-                <a:effectLst/>
-                <a:latin typeface="Times New Roman" panose="02020603050405020304" pitchFamily="18" charset="0"/>
-                <a:ea typeface="Calibri" panose="020F0502020204030204" pitchFamily="34" charset="0"/>
-                <a:cs typeface="Times New Roman" panose="02020603050405020304" pitchFamily="18" charset="0"/>
-              </a:rPr>
-              <a:t> sac7d </a:t>
-            </a:r>
-            <a:r>
-              <a:rPr lang="fr-FR" sz="1800" dirty="0" err="1">
-                <a:effectLst/>
-                <a:latin typeface="Times New Roman" panose="02020603050405020304" pitchFamily="18" charset="0"/>
-                <a:ea typeface="Calibri" panose="020F0502020204030204" pitchFamily="34" charset="0"/>
-                <a:cs typeface="Times New Roman" panose="02020603050405020304" pitchFamily="18" charset="0"/>
-              </a:rPr>
-              <a:t>bound</a:t>
-            </a:r>
-            <a:r>
-              <a:rPr lang="fr-FR" sz="1800" dirty="0">
-                <a:effectLst/>
-                <a:latin typeface="Times New Roman" panose="02020603050405020304" pitchFamily="18" charset="0"/>
-                <a:ea typeface="Calibri" panose="020F0502020204030204" pitchFamily="34" charset="0"/>
-                <a:cs typeface="Times New Roman" panose="02020603050405020304" pitchFamily="18" charset="0"/>
-              </a:rPr>
-              <a:t> </a:t>
-            </a:r>
-            <a:r>
-              <a:rPr lang="fr-FR" sz="1800" dirty="0" err="1">
-                <a:effectLst/>
-                <a:latin typeface="Times New Roman" panose="02020603050405020304" pitchFamily="18" charset="0"/>
-                <a:ea typeface="Calibri" panose="020F0502020204030204" pitchFamily="34" charset="0"/>
-                <a:cs typeface="Times New Roman" panose="02020603050405020304" pitchFamily="18" charset="0"/>
-              </a:rPr>
-              <a:t>with</a:t>
-            </a:r>
-            <a:r>
-              <a:rPr lang="fr-FR" sz="1800" dirty="0">
-                <a:effectLst/>
-                <a:latin typeface="Times New Roman" panose="02020603050405020304" pitchFamily="18" charset="0"/>
-                <a:ea typeface="Calibri" panose="020F0502020204030204" pitchFamily="34" charset="0"/>
-                <a:cs typeface="Times New Roman" panose="02020603050405020304" pitchFamily="18" charset="0"/>
-              </a:rPr>
-              <a:t> </a:t>
-            </a:r>
-            <a:r>
-              <a:rPr lang="fr-FR" sz="1800" dirty="0" err="1">
-                <a:effectLst/>
-                <a:latin typeface="Times New Roman" panose="02020603050405020304" pitchFamily="18" charset="0"/>
-                <a:ea typeface="Calibri" panose="020F0502020204030204" pitchFamily="34" charset="0"/>
-                <a:cs typeface="Times New Roman" panose="02020603050405020304" pitchFamily="18" charset="0"/>
-              </a:rPr>
-              <a:t>kinked</a:t>
-            </a:r>
-            <a:r>
-              <a:rPr lang="fr-FR" sz="1800" dirty="0">
-                <a:effectLst/>
-                <a:latin typeface="Times New Roman" panose="02020603050405020304" pitchFamily="18" charset="0"/>
-                <a:ea typeface="Calibri" panose="020F0502020204030204" pitchFamily="34" charset="0"/>
-                <a:cs typeface="Times New Roman" panose="02020603050405020304" pitchFamily="18" charset="0"/>
-              </a:rPr>
-              <a:t> </a:t>
-            </a:r>
-            <a:r>
-              <a:rPr lang="fr-FR" sz="1800" dirty="0" err="1">
-                <a:effectLst/>
-                <a:latin typeface="Times New Roman" panose="02020603050405020304" pitchFamily="18" charset="0"/>
-                <a:ea typeface="Calibri" panose="020F0502020204030204" pitchFamily="34" charset="0"/>
-                <a:cs typeface="Times New Roman" panose="02020603050405020304" pitchFamily="18" charset="0"/>
-              </a:rPr>
-              <a:t>dna</a:t>
-            </a:r>
-            <a:r>
-              <a:rPr lang="fr-FR" sz="1800" dirty="0">
-                <a:effectLst/>
-                <a:latin typeface="Times New Roman" panose="02020603050405020304" pitchFamily="18" charset="0"/>
-                <a:ea typeface="Calibri" panose="020F0502020204030204" pitchFamily="34" charset="0"/>
-                <a:cs typeface="Times New Roman" panose="02020603050405020304" pitchFamily="18" charset="0"/>
-              </a:rPr>
-              <a:t> duplex : </a:t>
-            </a:r>
-            <a:r>
-              <a:rPr lang="fr-FR" sz="1800" u="sng" dirty="0">
-                <a:solidFill>
-                  <a:srgbClr val="0000FF"/>
-                </a:solidFill>
-                <a:effectLst/>
-                <a:latin typeface="Times New Roman" panose="02020603050405020304" pitchFamily="18" charset="0"/>
-                <a:ea typeface="Calibri" panose="020F0502020204030204" pitchFamily="34" charset="0"/>
-                <a:cs typeface="Times New Roman" panose="02020603050405020304" pitchFamily="18" charset="0"/>
-                <a:hlinkClick r:id="rId4"/>
-              </a:rPr>
-              <a:t>https://www.rcsb.org/structure/1azp</a:t>
-            </a:r>
-            <a:r>
-              <a:rPr lang="fr-FR" sz="1800" dirty="0">
-                <a:effectLst/>
-                <a:latin typeface="Times New Roman" panose="02020603050405020304" pitchFamily="18" charset="0"/>
-                <a:ea typeface="Calibri" panose="020F0502020204030204" pitchFamily="34" charset="0"/>
-                <a:cs typeface="Times New Roman" panose="02020603050405020304" pitchFamily="18" charset="0"/>
-              </a:rPr>
-              <a:t> </a:t>
-            </a:r>
-            <a:endParaRPr lang="fr-FR" sz="1800" dirty="0">
-              <a:effectLst/>
-              <a:latin typeface="Calibri" panose="020F0502020204030204" pitchFamily="34" charset="0"/>
-              <a:ea typeface="Calibri" panose="020F0502020204030204" pitchFamily="34" charset="0"/>
-              <a:cs typeface="Times New Roman" panose="02020603050405020304" pitchFamily="18" charset="0"/>
-            </a:endParaRPr>
-          </a:p>
-          <a:p>
-            <a:pPr marL="342900" lvl="0" indent="-342900">
-              <a:lnSpc>
-                <a:spcPct val="107000"/>
-              </a:lnSpc>
-              <a:spcAft>
-                <a:spcPts val="800"/>
-              </a:spcAft>
-              <a:buFont typeface="+mj-lt"/>
-              <a:buAutoNum type="arabicPeriod"/>
-            </a:pPr>
-            <a:r>
-              <a:rPr lang="fr-FR" sz="1800" dirty="0">
-                <a:effectLst/>
-                <a:latin typeface="Times New Roman" panose="02020603050405020304" pitchFamily="18" charset="0"/>
-                <a:ea typeface="Calibri" panose="020F0502020204030204" pitchFamily="34" charset="0"/>
-                <a:cs typeface="Times New Roman" panose="02020603050405020304" pitchFamily="18" charset="0"/>
-              </a:rPr>
-              <a:t>Page pdb de 2AK3 : </a:t>
-            </a:r>
-            <a:r>
-              <a:rPr lang="fr-FR" sz="1800" u="sng" dirty="0">
-                <a:solidFill>
-                  <a:srgbClr val="0000FF"/>
-                </a:solidFill>
-                <a:effectLst/>
-                <a:latin typeface="Times New Roman" panose="02020603050405020304" pitchFamily="18" charset="0"/>
-                <a:ea typeface="Calibri" panose="020F0502020204030204" pitchFamily="34" charset="0"/>
-                <a:cs typeface="Times New Roman" panose="02020603050405020304" pitchFamily="18" charset="0"/>
-                <a:hlinkClick r:id="rId5"/>
-              </a:rPr>
-              <a:t>https://www.rcsb.org/structure/2ak3</a:t>
-            </a:r>
-            <a:r>
-              <a:rPr lang="fr-FR" sz="1800" dirty="0">
-                <a:effectLst/>
-                <a:latin typeface="Times New Roman" panose="02020603050405020304" pitchFamily="18" charset="0"/>
-                <a:ea typeface="Calibri" panose="020F0502020204030204" pitchFamily="34" charset="0"/>
-                <a:cs typeface="Times New Roman" panose="02020603050405020304" pitchFamily="18" charset="0"/>
-              </a:rPr>
-              <a:t> </a:t>
-            </a:r>
-            <a:endParaRPr lang="fr-FR" sz="1800" dirty="0">
-              <a:effectLst/>
-              <a:latin typeface="Calibri" panose="020F0502020204030204" pitchFamily="34" charset="0"/>
-              <a:ea typeface="Calibri" panose="020F0502020204030204" pitchFamily="34" charset="0"/>
-              <a:cs typeface="Times New Roman" panose="02020603050405020304" pitchFamily="18" charset="0"/>
-            </a:endParaRPr>
-          </a:p>
-        </p:txBody>
-      </p:sp>
-      <p:sp>
-        <p:nvSpPr>
-          <p:cNvPr id="6" name="Espace réservé du numéro de diapositive 5">
-            <a:extLst>
-              <a:ext uri="{FF2B5EF4-FFF2-40B4-BE49-F238E27FC236}">
-                <a16:creationId xmlns:a16="http://schemas.microsoft.com/office/drawing/2014/main" id="{EDD49CB1-F959-4004-3097-04AE4D0121BD}"/>
-              </a:ext>
-            </a:extLst>
-          </p:cNvPr>
-          <p:cNvSpPr>
-            <a:spLocks noGrp="1"/>
-          </p:cNvSpPr>
-          <p:nvPr>
-            <p:ph type="sldNum" sz="quarter" idx="12"/>
-          </p:nvPr>
-        </p:nvSpPr>
-        <p:spPr>
-          <a:xfrm>
-            <a:off x="8610600" y="6489520"/>
-            <a:ext cx="2743200" cy="365125"/>
-          </a:xfrm>
-        </p:spPr>
-        <p:txBody>
-          <a:bodyPr/>
-          <a:lstStyle/>
-          <a:p>
-            <a:fld id="{DB0B8EAA-8CF6-49F4-8FA8-2BD42B7C9F8B}" type="slidenum">
-              <a:rPr lang="fr-FR" smtClean="0"/>
-              <a:t>25</a:t>
-            </a:fld>
-            <a:endParaRPr lang="fr-FR"/>
-          </a:p>
-        </p:txBody>
-      </p:sp>
-      <p:pic>
-        <p:nvPicPr>
-          <p:cNvPr id="1026" name="Picture 2" descr="Appellation, logo et charte graphique : tout ce qu'il faut savoir | Université  Paris Cité">
-            <a:extLst>
-              <a:ext uri="{FF2B5EF4-FFF2-40B4-BE49-F238E27FC236}">
-                <a16:creationId xmlns:a16="http://schemas.microsoft.com/office/drawing/2014/main" id="{42388675-4549-B077-D592-84080955D58F}"/>
-              </a:ext>
-            </a:extLst>
-          </p:cNvPr>
-          <p:cNvPicPr>
-            <a:picLocks noChangeAspect="1" noChangeArrowheads="1"/>
-          </p:cNvPicPr>
-          <p:nvPr/>
-        </p:nvPicPr>
-        <p:blipFill>
-          <a:blip r:embed="rId6">
-            <a:extLst>
-              <a:ext uri="{28A0092B-C50C-407E-A947-70E740481C1C}">
-                <a14:useLocalDpi xmlns:a14="http://schemas.microsoft.com/office/drawing/2010/main" val="0"/>
-              </a:ext>
-            </a:extLst>
-          </a:blip>
-          <a:srcRect/>
-          <a:stretch>
-            <a:fillRect/>
-          </a:stretch>
-        </p:blipFill>
-        <p:spPr bwMode="auto">
-          <a:xfrm>
-            <a:off x="11363415" y="121082"/>
-            <a:ext cx="692461" cy="688543"/>
-          </a:xfrm>
-          <a:prstGeom prst="rect">
-            <a:avLst/>
-          </a:prstGeom>
-          <a:noFill/>
-          <a:extLst>
-            <a:ext uri="{909E8E84-426E-40DD-AFC4-6F175D3DCCD1}">
-              <a14:hiddenFill xmlns:a14="http://schemas.microsoft.com/office/drawing/2010/main">
-                <a:solidFill>
-                  <a:srgbClr val="FFFFFF"/>
-                </a:solidFill>
-              </a14:hiddenFill>
-            </a:ext>
-          </a:extLst>
-        </p:spPr>
-      </p:pic>
-      <p:cxnSp>
-        <p:nvCxnSpPr>
-          <p:cNvPr id="8" name="Connecteur droit 7">
-            <a:extLst>
-              <a:ext uri="{FF2B5EF4-FFF2-40B4-BE49-F238E27FC236}">
-                <a16:creationId xmlns:a16="http://schemas.microsoft.com/office/drawing/2014/main" id="{58EF74DE-8092-1233-D850-99E4719D068A}"/>
-              </a:ext>
-            </a:extLst>
-          </p:cNvPr>
-          <p:cNvCxnSpPr/>
-          <p:nvPr/>
-        </p:nvCxnSpPr>
-        <p:spPr>
-          <a:xfrm>
-            <a:off x="145740" y="853585"/>
-            <a:ext cx="11910136" cy="0"/>
-          </a:xfrm>
-          <a:prstGeom prst="line">
-            <a:avLst/>
-          </a:prstGeom>
-          <a:ln w="28575">
-            <a:solidFill>
-              <a:srgbClr val="8B1538"/>
-            </a:solidFill>
-          </a:ln>
-        </p:spPr>
-        <p:style>
-          <a:lnRef idx="1">
-            <a:schemeClr val="accent1"/>
-          </a:lnRef>
-          <a:fillRef idx="0">
-            <a:schemeClr val="accent1"/>
-          </a:fillRef>
-          <a:effectRef idx="0">
-            <a:schemeClr val="accent1"/>
-          </a:effectRef>
-          <a:fontRef idx="minor">
-            <a:schemeClr val="tx1"/>
-          </a:fontRef>
-        </p:style>
-      </p:cxnSp>
-      <p:sp>
-        <p:nvSpPr>
-          <p:cNvPr id="7" name="Espace réservé de la date 3">
-            <a:extLst>
-              <a:ext uri="{FF2B5EF4-FFF2-40B4-BE49-F238E27FC236}">
-                <a16:creationId xmlns:a16="http://schemas.microsoft.com/office/drawing/2014/main" id="{76BB1596-A3EC-F339-4D57-5E00BE5468DC}"/>
-              </a:ext>
-            </a:extLst>
-          </p:cNvPr>
-          <p:cNvSpPr>
-            <a:spLocks noGrp="1"/>
-          </p:cNvSpPr>
-          <p:nvPr>
-            <p:ph type="dt" sz="half" idx="10"/>
-          </p:nvPr>
-        </p:nvSpPr>
-        <p:spPr>
-          <a:xfrm>
-            <a:off x="838200" y="6489520"/>
-            <a:ext cx="2743200" cy="365125"/>
-          </a:xfrm>
-        </p:spPr>
-        <p:txBody>
-          <a:bodyPr/>
-          <a:lstStyle/>
-          <a:p>
-            <a:r>
-              <a:rPr lang="fr-FR" dirty="0"/>
-              <a:t>12/10/2022</a:t>
-            </a:r>
-          </a:p>
-        </p:txBody>
-      </p:sp>
-      <p:sp>
-        <p:nvSpPr>
-          <p:cNvPr id="9" name="Espace réservé du pied de page 4">
-            <a:extLst>
-              <a:ext uri="{FF2B5EF4-FFF2-40B4-BE49-F238E27FC236}">
-                <a16:creationId xmlns:a16="http://schemas.microsoft.com/office/drawing/2014/main" id="{CE5FBD6C-6FE4-1FFE-40FE-CDECCB34C023}"/>
-              </a:ext>
-            </a:extLst>
-          </p:cNvPr>
-          <p:cNvSpPr>
-            <a:spLocks noGrp="1"/>
-          </p:cNvSpPr>
-          <p:nvPr>
-            <p:ph type="ftr" sz="quarter" idx="11"/>
-          </p:nvPr>
-        </p:nvSpPr>
-        <p:spPr>
-          <a:xfrm>
-            <a:off x="3810000" y="6492876"/>
-            <a:ext cx="4800600" cy="365124"/>
-          </a:xfrm>
-        </p:spPr>
-        <p:txBody>
-          <a:bodyPr/>
-          <a:lstStyle/>
-          <a:p>
-            <a:pPr algn="l"/>
-            <a:r>
-              <a:rPr lang="en-US" dirty="0"/>
-              <a:t>Delhomme Jean, </a:t>
-            </a:r>
-            <a:r>
-              <a:rPr lang="en-US" dirty="0" err="1"/>
-              <a:t>Lecourieux</a:t>
-            </a:r>
-            <a:r>
-              <a:rPr lang="en-US" dirty="0"/>
-              <a:t> Adriana, Rousseau Baptiste, </a:t>
-            </a:r>
-            <a:r>
-              <a:rPr lang="en-US" dirty="0" err="1"/>
-              <a:t>Graa</a:t>
-            </a:r>
-            <a:r>
-              <a:rPr lang="en-US" dirty="0"/>
-              <a:t> </a:t>
-            </a:r>
-            <a:r>
-              <a:rPr lang="en-US" dirty="0" err="1"/>
-              <a:t>Maha</a:t>
-            </a:r>
-            <a:endParaRPr lang="en-US" dirty="0"/>
-          </a:p>
-        </p:txBody>
-      </p:sp>
-    </p:spTree>
-    <p:extLst>
-      <p:ext uri="{BB962C8B-B14F-4D97-AF65-F5344CB8AC3E}">
-        <p14:creationId xmlns:p14="http://schemas.microsoft.com/office/powerpoint/2010/main" val="3627111302"/>
-      </p:ext>
-    </p:extLst>
-  </p:cSld>
-  <p:clrMapOvr>
-    <a:masterClrMapping/>
-  </p:clrMapOvr>
-</p:sld>
-</file>
-
-<file path=ppt/slides/slide26.xml><?xml version="1.0" encoding="utf-8"?>
-<p:sld xmlns:a="http://schemas.openxmlformats.org/drawingml/2006/main" xmlns:r="http://schemas.openxmlformats.org/officeDocument/2006/relationships" xmlns:p="http://schemas.openxmlformats.org/presentationml/2006/main">
-  <p:cSld>
-    <p:spTree>
-      <p:nvGrpSpPr>
-        <p:cNvPr id="1" name=""/>
-        <p:cNvGrpSpPr/>
-        <p:nvPr/>
-      </p:nvGrpSpPr>
-      <p:grpSpPr>
-        <a:xfrm>
-          <a:off x="0" y="0"/>
-          <a:ext cx="0" cy="0"/>
-          <a:chOff x="0" y="0"/>
-          <a:chExt cx="0" cy="0"/>
-        </a:xfrm>
-      </p:grpSpPr>
-      <p:sp>
-        <p:nvSpPr>
-          <p:cNvPr id="2" name="Titre 1">
-            <a:extLst>
-              <a:ext uri="{FF2B5EF4-FFF2-40B4-BE49-F238E27FC236}">
-                <a16:creationId xmlns:a16="http://schemas.microsoft.com/office/drawing/2014/main" id="{3AC5EA2C-9518-355B-24FA-608C24FE72E3}"/>
-              </a:ext>
-            </a:extLst>
-          </p:cNvPr>
-          <p:cNvSpPr>
-            <a:spLocks noGrp="1"/>
-          </p:cNvSpPr>
-          <p:nvPr>
-            <p:ph type="title"/>
-          </p:nvPr>
-        </p:nvSpPr>
-        <p:spPr>
-          <a:xfrm>
-            <a:off x="145740" y="118307"/>
-            <a:ext cx="11137778" cy="691318"/>
-          </a:xfrm>
-        </p:spPr>
-        <p:txBody>
-          <a:bodyPr>
-            <a:normAutofit/>
-          </a:bodyPr>
-          <a:lstStyle/>
-          <a:p>
-            <a:r>
               <a:rPr lang="fr-FR" sz="3200" b="1" dirty="0">
                 <a:latin typeface="Arial" panose="020B0604020202020204" pitchFamily="34" charset="0"/>
                 <a:cs typeface="Arial" panose="020B0604020202020204" pitchFamily="34" charset="0"/>
@@ -13637,7 +12408,7 @@
           <a:p>
             <a:fld id="{DB0B8EAA-8CF6-49F4-8FA8-2BD42B7C9F8B}" type="slidenum">
               <a:rPr lang="fr-FR" smtClean="0"/>
-              <a:t>26</a:t>
+              <a:t>24</a:t>
             </a:fld>
             <a:endParaRPr lang="fr-FR"/>
           </a:p>

--- a/presentation.pptx
+++ b/presentation.pptx
@@ -5,7 +5,7 @@
     <p:sldMasterId id="2147483648" r:id="rId1"/>
   </p:sldMasterIdLst>
   <p:notesMasterIdLst>
-    <p:notesMasterId r:id="rId26"/>
+    <p:notesMasterId r:id="rId27"/>
   </p:notesMasterIdLst>
   <p:sldIdLst>
     <p:sldId id="256" r:id="rId2"/>
@@ -15,23 +15,24 @@
     <p:sldId id="273" r:id="rId6"/>
     <p:sldId id="276" r:id="rId7"/>
     <p:sldId id="285" r:id="rId8"/>
-    <p:sldId id="277" r:id="rId9"/>
-    <p:sldId id="286" r:id="rId10"/>
-    <p:sldId id="287" r:id="rId11"/>
-    <p:sldId id="278" r:id="rId12"/>
-    <p:sldId id="288" r:id="rId13"/>
-    <p:sldId id="274" r:id="rId14"/>
-    <p:sldId id="279" r:id="rId15"/>
-    <p:sldId id="289" r:id="rId16"/>
-    <p:sldId id="280" r:id="rId17"/>
-    <p:sldId id="290" r:id="rId18"/>
-    <p:sldId id="291" r:id="rId19"/>
-    <p:sldId id="281" r:id="rId20"/>
-    <p:sldId id="275" r:id="rId21"/>
-    <p:sldId id="292" r:id="rId22"/>
-    <p:sldId id="257" r:id="rId23"/>
-    <p:sldId id="270" r:id="rId24"/>
-    <p:sldId id="271" r:id="rId25"/>
+    <p:sldId id="293" r:id="rId9"/>
+    <p:sldId id="277" r:id="rId10"/>
+    <p:sldId id="286" r:id="rId11"/>
+    <p:sldId id="287" r:id="rId12"/>
+    <p:sldId id="278" r:id="rId13"/>
+    <p:sldId id="288" r:id="rId14"/>
+    <p:sldId id="274" r:id="rId15"/>
+    <p:sldId id="279" r:id="rId16"/>
+    <p:sldId id="289" r:id="rId17"/>
+    <p:sldId id="280" r:id="rId18"/>
+    <p:sldId id="290" r:id="rId19"/>
+    <p:sldId id="291" r:id="rId20"/>
+    <p:sldId id="281" r:id="rId21"/>
+    <p:sldId id="275" r:id="rId22"/>
+    <p:sldId id="292" r:id="rId23"/>
+    <p:sldId id="257" r:id="rId24"/>
+    <p:sldId id="270" r:id="rId25"/>
+    <p:sldId id="271" r:id="rId26"/>
   </p:sldIdLst>
   <p:sldSz cx="12192000" cy="6858000"/>
   <p:notesSz cx="6858000" cy="9144000"/>
@@ -577,6 +578,105 @@
     <p:extLst>
       <p:ext uri="{BB962C8B-B14F-4D97-AF65-F5344CB8AC3E}">
         <p14:creationId xmlns:p14="http://schemas.microsoft.com/office/powerpoint/2010/main" val="2530619543"/>
+      </p:ext>
+    </p:extLst>
+  </p:cSld>
+  <p:clrMapOvr>
+    <a:masterClrMapping/>
+  </p:clrMapOvr>
+</p:notes>
+</file>
+
+<file path=ppt/notesSlides/notesSlide2.xml><?xml version="1.0" encoding="utf-8"?>
+<p:notes xmlns:a="http://schemas.openxmlformats.org/drawingml/2006/main" xmlns:r="http://schemas.openxmlformats.org/officeDocument/2006/relationships" xmlns:p="http://schemas.openxmlformats.org/presentationml/2006/main">
+  <p:cSld>
+    <p:spTree>
+      <p:nvGrpSpPr>
+        <p:cNvPr id="1" name=""/>
+        <p:cNvGrpSpPr/>
+        <p:nvPr/>
+      </p:nvGrpSpPr>
+      <p:grpSpPr>
+        <a:xfrm>
+          <a:off x="0" y="0"/>
+          <a:ext cx="0" cy="0"/>
+          <a:chOff x="0" y="0"/>
+          <a:chExt cx="0" cy="0"/>
+        </a:xfrm>
+      </p:grpSpPr>
+      <p:sp>
+        <p:nvSpPr>
+          <p:cNvPr id="2" name="Espace réservé de l'image des diapositives 1"/>
+          <p:cNvSpPr>
+            <a:spLocks noGrp="1" noRot="1" noChangeAspect="1"/>
+          </p:cNvSpPr>
+          <p:nvPr>
+            <p:ph type="sldImg"/>
+          </p:nvPr>
+        </p:nvSpPr>
+        <p:spPr/>
+      </p:sp>
+      <p:sp>
+        <p:nvSpPr>
+          <p:cNvPr id="3" name="Espace réservé des notes 2"/>
+          <p:cNvSpPr>
+            <a:spLocks noGrp="1"/>
+          </p:cNvSpPr>
+          <p:nvPr>
+            <p:ph type="body" idx="1"/>
+          </p:nvPr>
+        </p:nvSpPr>
+        <p:spPr/>
+        <p:txBody>
+          <a:bodyPr/>
+          <a:lstStyle/>
+          <a:p>
+            <a:r>
+              <a:rPr lang="fr-FR" dirty="0"/>
+              <a:t>Gène et protéine les plus variants</a:t>
+            </a:r>
+          </a:p>
+          <a:p>
+            <a:r>
+              <a:rPr lang="fr-FR" dirty="0"/>
+              <a:t>ENSG00000189058 est le gène le plus variant. Il correspond au gène APOD est un marqueur du cancer du sein. Il n'est pas présent dans les protéines.</a:t>
+            </a:r>
+          </a:p>
+          <a:p>
+            <a:r>
+              <a:rPr lang="fr-FR" dirty="0"/>
+              <a:t>Pea-15 régule la prolifération cellulaire et joue un rôle clé dans la prolifération des cellules cancéreuses. Régule la survie des cellules du cancer du sein.</a:t>
+            </a:r>
+          </a:p>
+        </p:txBody>
+      </p:sp>
+      <p:sp>
+        <p:nvSpPr>
+          <p:cNvPr id="4" name="Espace réservé du numéro de diapositive 3"/>
+          <p:cNvSpPr>
+            <a:spLocks noGrp="1"/>
+          </p:cNvSpPr>
+          <p:nvPr>
+            <p:ph type="sldNum" sz="quarter" idx="5"/>
+          </p:nvPr>
+        </p:nvSpPr>
+        <p:spPr/>
+        <p:txBody>
+          <a:bodyPr/>
+          <a:lstStyle/>
+          <a:p>
+            <a:fld id="{29D1F95D-8776-4EE9-93E5-35A0275B36BE}" type="slidenum">
+              <a:rPr lang="fr-FR" smtClean="0"/>
+              <a:t>8</a:t>
+            </a:fld>
+            <a:endParaRPr lang="fr-FR"/>
+          </a:p>
+        </p:txBody>
+      </p:sp>
+    </p:spTree>
+    <p:extLst>
+      <p:ext uri="{BB962C8B-B14F-4D97-AF65-F5344CB8AC3E}">
+        <p14:creationId xmlns:p14="http://schemas.microsoft.com/office/powerpoint/2010/main" val="1394361819"/>
       </p:ext>
     </p:extLst>
   </p:cSld>
@@ -4368,6 +4468,468 @@
       </p:cxnSp>
       <p:pic>
         <p:nvPicPr>
+          <p:cNvPr id="7" name="Image 6">
+            <a:extLst>
+              <a:ext uri="{FF2B5EF4-FFF2-40B4-BE49-F238E27FC236}">
+                <a16:creationId xmlns:a16="http://schemas.microsoft.com/office/drawing/2014/main" id="{1EC2D2A8-7311-2332-4375-B2BECA97651E}"/>
+              </a:ext>
+            </a:extLst>
+          </p:cNvPr>
+          <p:cNvPicPr>
+            <a:picLocks noChangeAspect="1"/>
+          </p:cNvPicPr>
+          <p:nvPr/>
+        </p:nvPicPr>
+        <p:blipFill>
+          <a:blip r:embed="rId3"/>
+          <a:stretch>
+            <a:fillRect/>
+          </a:stretch>
+        </p:blipFill>
+        <p:spPr>
+          <a:xfrm>
+            <a:off x="145741" y="3965353"/>
+            <a:ext cx="3465034" cy="2138134"/>
+          </a:xfrm>
+          <a:prstGeom prst="rect">
+            <a:avLst/>
+          </a:prstGeom>
+        </p:spPr>
+      </p:pic>
+      <p:pic>
+        <p:nvPicPr>
+          <p:cNvPr id="10" name="Image 9">
+            <a:extLst>
+              <a:ext uri="{FF2B5EF4-FFF2-40B4-BE49-F238E27FC236}">
+                <a16:creationId xmlns:a16="http://schemas.microsoft.com/office/drawing/2014/main" id="{25366084-325F-982A-6485-4D65E2B4243D}"/>
+              </a:ext>
+            </a:extLst>
+          </p:cNvPr>
+          <p:cNvPicPr>
+            <a:picLocks noChangeAspect="1"/>
+          </p:cNvPicPr>
+          <p:nvPr/>
+        </p:nvPicPr>
+        <p:blipFill>
+          <a:blip r:embed="rId4"/>
+          <a:stretch>
+            <a:fillRect/>
+          </a:stretch>
+        </p:blipFill>
+        <p:spPr>
+          <a:xfrm>
+            <a:off x="4183841" y="3965353"/>
+            <a:ext cx="3465034" cy="2138134"/>
+          </a:xfrm>
+          <a:prstGeom prst="rect">
+            <a:avLst/>
+          </a:prstGeom>
+        </p:spPr>
+      </p:pic>
+      <p:pic>
+        <p:nvPicPr>
+          <p:cNvPr id="11" name="Image 10">
+            <a:extLst>
+              <a:ext uri="{FF2B5EF4-FFF2-40B4-BE49-F238E27FC236}">
+                <a16:creationId xmlns:a16="http://schemas.microsoft.com/office/drawing/2014/main" id="{E9987FDC-4D73-77ED-48C2-DCBB89F58565}"/>
+              </a:ext>
+            </a:extLst>
+          </p:cNvPr>
+          <p:cNvPicPr>
+            <a:picLocks noChangeAspect="1"/>
+          </p:cNvPicPr>
+          <p:nvPr/>
+        </p:nvPicPr>
+        <p:blipFill>
+          <a:blip r:embed="rId5"/>
+          <a:stretch>
+            <a:fillRect/>
+          </a:stretch>
+        </p:blipFill>
+        <p:spPr>
+          <a:xfrm>
+            <a:off x="8190601" y="1202389"/>
+            <a:ext cx="3950107" cy="2437453"/>
+          </a:xfrm>
+          <a:prstGeom prst="rect">
+            <a:avLst/>
+          </a:prstGeom>
+        </p:spPr>
+      </p:pic>
+      <p:pic>
+        <p:nvPicPr>
+          <p:cNvPr id="12" name="Image 11">
+            <a:extLst>
+              <a:ext uri="{FF2B5EF4-FFF2-40B4-BE49-F238E27FC236}">
+                <a16:creationId xmlns:a16="http://schemas.microsoft.com/office/drawing/2014/main" id="{F2FAA427-8782-BC44-8AC0-1A2130D9D32A}"/>
+              </a:ext>
+            </a:extLst>
+          </p:cNvPr>
+          <p:cNvPicPr>
+            <a:picLocks noChangeAspect="1"/>
+          </p:cNvPicPr>
+          <p:nvPr/>
+        </p:nvPicPr>
+        <p:blipFill>
+          <a:blip r:embed="rId6"/>
+          <a:stretch>
+            <a:fillRect/>
+          </a:stretch>
+        </p:blipFill>
+        <p:spPr>
+          <a:xfrm>
+            <a:off x="8142031" y="3965353"/>
+            <a:ext cx="3465034" cy="2138134"/>
+          </a:xfrm>
+          <a:prstGeom prst="rect">
+            <a:avLst/>
+          </a:prstGeom>
+        </p:spPr>
+      </p:pic>
+      <p:pic>
+        <p:nvPicPr>
+          <p:cNvPr id="13" name="Image 12">
+            <a:extLst>
+              <a:ext uri="{FF2B5EF4-FFF2-40B4-BE49-F238E27FC236}">
+                <a16:creationId xmlns:a16="http://schemas.microsoft.com/office/drawing/2014/main" id="{4C10A5FA-382B-D8AE-7301-25E3A5A9B3B7}"/>
+              </a:ext>
+            </a:extLst>
+          </p:cNvPr>
+          <p:cNvPicPr>
+            <a:picLocks noChangeAspect="1"/>
+          </p:cNvPicPr>
+          <p:nvPr/>
+        </p:nvPicPr>
+        <p:blipFill>
+          <a:blip r:embed="rId7"/>
+          <a:stretch>
+            <a:fillRect/>
+          </a:stretch>
+        </p:blipFill>
+        <p:spPr>
+          <a:xfrm>
+            <a:off x="145739" y="1202389"/>
+            <a:ext cx="3950107" cy="2437453"/>
+          </a:xfrm>
+          <a:prstGeom prst="rect">
+            <a:avLst/>
+          </a:prstGeom>
+        </p:spPr>
+      </p:pic>
+      <p:pic>
+        <p:nvPicPr>
+          <p:cNvPr id="14" name="Image 13">
+            <a:extLst>
+              <a:ext uri="{FF2B5EF4-FFF2-40B4-BE49-F238E27FC236}">
+                <a16:creationId xmlns:a16="http://schemas.microsoft.com/office/drawing/2014/main" id="{1D3423E8-5CC9-4200-F2CF-239CD62ACE92}"/>
+              </a:ext>
+            </a:extLst>
+          </p:cNvPr>
+          <p:cNvPicPr>
+            <a:picLocks noChangeAspect="1"/>
+          </p:cNvPicPr>
+          <p:nvPr/>
+        </p:nvPicPr>
+        <p:blipFill>
+          <a:blip r:embed="rId8"/>
+          <a:stretch>
+            <a:fillRect/>
+          </a:stretch>
+        </p:blipFill>
+        <p:spPr>
+          <a:xfrm>
+            <a:off x="4132659" y="1202389"/>
+            <a:ext cx="3950107" cy="2437453"/>
+          </a:xfrm>
+          <a:prstGeom prst="rect">
+            <a:avLst/>
+          </a:prstGeom>
+        </p:spPr>
+      </p:pic>
+    </p:spTree>
+    <p:extLst>
+      <p:ext uri="{BB962C8B-B14F-4D97-AF65-F5344CB8AC3E}">
+        <p14:creationId xmlns:p14="http://schemas.microsoft.com/office/powerpoint/2010/main" val="628344705"/>
+      </p:ext>
+    </p:extLst>
+  </p:cSld>
+  <p:clrMapOvr>
+    <a:masterClrMapping/>
+  </p:clrMapOvr>
+</p:sld>
+</file>
+
+<file path=ppt/slides/slide11.xml><?xml version="1.0" encoding="utf-8"?>
+<p:sld xmlns:a="http://schemas.openxmlformats.org/drawingml/2006/main" xmlns:r="http://schemas.openxmlformats.org/officeDocument/2006/relationships" xmlns:p="http://schemas.openxmlformats.org/presentationml/2006/main">
+  <p:cSld>
+    <p:spTree>
+      <p:nvGrpSpPr>
+        <p:cNvPr id="1" name=""/>
+        <p:cNvGrpSpPr/>
+        <p:nvPr/>
+      </p:nvGrpSpPr>
+      <p:grpSpPr>
+        <a:xfrm>
+          <a:off x="0" y="0"/>
+          <a:ext cx="0" cy="0"/>
+          <a:chOff x="0" y="0"/>
+          <a:chExt cx="0" cy="0"/>
+        </a:xfrm>
+      </p:grpSpPr>
+      <p:sp>
+        <p:nvSpPr>
+          <p:cNvPr id="2" name="Titre 1">
+            <a:extLst>
+              <a:ext uri="{FF2B5EF4-FFF2-40B4-BE49-F238E27FC236}">
+                <a16:creationId xmlns:a16="http://schemas.microsoft.com/office/drawing/2014/main" id="{3AC5EA2C-9518-355B-24FA-608C24FE72E3}"/>
+              </a:ext>
+            </a:extLst>
+          </p:cNvPr>
+          <p:cNvSpPr>
+            <a:spLocks noGrp="1"/>
+          </p:cNvSpPr>
+          <p:nvPr>
+            <p:ph type="title"/>
+          </p:nvPr>
+        </p:nvSpPr>
+        <p:spPr>
+          <a:xfrm>
+            <a:off x="145740" y="118307"/>
+            <a:ext cx="11137778" cy="691318"/>
+          </a:xfrm>
+        </p:spPr>
+        <p:txBody>
+          <a:bodyPr>
+            <a:normAutofit/>
+          </a:bodyPr>
+          <a:lstStyle/>
+          <a:p>
+            <a:r>
+              <a:rPr lang="fr-FR" sz="3200" b="1" dirty="0">
+                <a:latin typeface="Arial" panose="020B0604020202020204" pitchFamily="34" charset="0"/>
+                <a:cs typeface="Arial" panose="020B0604020202020204" pitchFamily="34" charset="0"/>
+              </a:rPr>
+              <a:t>1.2.	Analyse préliminaire – PCA</a:t>
+            </a:r>
+            <a:endParaRPr lang="fr-FR" sz="3200" b="1" baseline="30000" dirty="0">
+              <a:latin typeface="Arial" panose="020B0604020202020204" pitchFamily="34" charset="0"/>
+              <a:cs typeface="Arial" panose="020B0604020202020204" pitchFamily="34" charset="0"/>
+            </a:endParaRPr>
+          </a:p>
+        </p:txBody>
+      </p:sp>
+      <p:sp>
+        <p:nvSpPr>
+          <p:cNvPr id="4" name="Espace réservé de la date 3">
+            <a:extLst>
+              <a:ext uri="{FF2B5EF4-FFF2-40B4-BE49-F238E27FC236}">
+                <a16:creationId xmlns:a16="http://schemas.microsoft.com/office/drawing/2014/main" id="{F181D9E9-DC4C-4780-75B9-9F6317E5BD1A}"/>
+              </a:ext>
+            </a:extLst>
+          </p:cNvPr>
+          <p:cNvSpPr>
+            <a:spLocks noGrp="1"/>
+          </p:cNvSpPr>
+          <p:nvPr>
+            <p:ph type="dt" sz="half" idx="10"/>
+          </p:nvPr>
+        </p:nvSpPr>
+        <p:spPr>
+          <a:xfrm>
+            <a:off x="838200" y="6489520"/>
+            <a:ext cx="2743200" cy="365125"/>
+          </a:xfrm>
+        </p:spPr>
+        <p:txBody>
+          <a:bodyPr/>
+          <a:lstStyle/>
+          <a:p>
+            <a:r>
+              <a:rPr lang="fr-FR" dirty="0"/>
+              <a:t>12/10/2022</a:t>
+            </a:r>
+          </a:p>
+        </p:txBody>
+      </p:sp>
+      <p:sp>
+        <p:nvSpPr>
+          <p:cNvPr id="5" name="Espace réservé du pied de page 4">
+            <a:extLst>
+              <a:ext uri="{FF2B5EF4-FFF2-40B4-BE49-F238E27FC236}">
+                <a16:creationId xmlns:a16="http://schemas.microsoft.com/office/drawing/2014/main" id="{E75C31F4-0182-ED79-928B-0DE07ADECB80}"/>
+              </a:ext>
+            </a:extLst>
+          </p:cNvPr>
+          <p:cNvSpPr>
+            <a:spLocks noGrp="1"/>
+          </p:cNvSpPr>
+          <p:nvPr>
+            <p:ph type="ftr" sz="quarter" idx="11"/>
+          </p:nvPr>
+        </p:nvSpPr>
+        <p:spPr>
+          <a:xfrm>
+            <a:off x="3810000" y="6492876"/>
+            <a:ext cx="4800600" cy="365124"/>
+          </a:xfrm>
+        </p:spPr>
+        <p:txBody>
+          <a:bodyPr/>
+          <a:lstStyle/>
+          <a:p>
+            <a:pPr algn="l"/>
+            <a:r>
+              <a:rPr lang="en-US" dirty="0"/>
+              <a:t>Delhomme Jean, </a:t>
+            </a:r>
+            <a:r>
+              <a:rPr lang="en-US" dirty="0" err="1"/>
+              <a:t>Lecourieux</a:t>
+            </a:r>
+            <a:r>
+              <a:rPr lang="en-US" dirty="0"/>
+              <a:t> Adriana, Rousseau Baptiste, </a:t>
+            </a:r>
+            <a:r>
+              <a:rPr lang="en-US" dirty="0" err="1"/>
+              <a:t>Graa</a:t>
+            </a:r>
+            <a:r>
+              <a:rPr lang="en-US" dirty="0"/>
+              <a:t> </a:t>
+            </a:r>
+            <a:r>
+              <a:rPr lang="en-US" dirty="0" err="1"/>
+              <a:t>Maha</a:t>
+            </a:r>
+            <a:endParaRPr lang="en-US" dirty="0"/>
+          </a:p>
+        </p:txBody>
+      </p:sp>
+      <p:sp>
+        <p:nvSpPr>
+          <p:cNvPr id="6" name="Espace réservé du numéro de diapositive 5">
+            <a:extLst>
+              <a:ext uri="{FF2B5EF4-FFF2-40B4-BE49-F238E27FC236}">
+                <a16:creationId xmlns:a16="http://schemas.microsoft.com/office/drawing/2014/main" id="{EDD49CB1-F959-4004-3097-04AE4D0121BD}"/>
+              </a:ext>
+            </a:extLst>
+          </p:cNvPr>
+          <p:cNvSpPr>
+            <a:spLocks noGrp="1"/>
+          </p:cNvSpPr>
+          <p:nvPr>
+            <p:ph type="sldNum" sz="quarter" idx="12"/>
+          </p:nvPr>
+        </p:nvSpPr>
+        <p:spPr>
+          <a:xfrm>
+            <a:off x="8610600" y="6489520"/>
+            <a:ext cx="2743200" cy="365125"/>
+          </a:xfrm>
+        </p:spPr>
+        <p:txBody>
+          <a:bodyPr/>
+          <a:lstStyle/>
+          <a:p>
+            <a:fld id="{DB0B8EAA-8CF6-49F4-8FA8-2BD42B7C9F8B}" type="slidenum">
+              <a:rPr lang="fr-FR" smtClean="0"/>
+              <a:t>11</a:t>
+            </a:fld>
+            <a:endParaRPr lang="fr-FR"/>
+          </a:p>
+        </p:txBody>
+      </p:sp>
+      <p:pic>
+        <p:nvPicPr>
+          <p:cNvPr id="1026" name="Picture 2" descr="Appellation, logo et charte graphique : tout ce qu'il faut savoir | Université  Paris Cité">
+            <a:extLst>
+              <a:ext uri="{FF2B5EF4-FFF2-40B4-BE49-F238E27FC236}">
+                <a16:creationId xmlns:a16="http://schemas.microsoft.com/office/drawing/2014/main" id="{42388675-4549-B077-D592-84080955D58F}"/>
+              </a:ext>
+            </a:extLst>
+          </p:cNvPr>
+          <p:cNvPicPr>
+            <a:picLocks noChangeAspect="1" noChangeArrowheads="1"/>
+          </p:cNvPicPr>
+          <p:nvPr/>
+        </p:nvPicPr>
+        <p:blipFill>
+          <a:blip r:embed="rId2">
+            <a:extLst>
+              <a:ext uri="{28A0092B-C50C-407E-A947-70E740481C1C}">
+                <a14:useLocalDpi xmlns:a14="http://schemas.microsoft.com/office/drawing/2010/main" val="0"/>
+              </a:ext>
+            </a:extLst>
+          </a:blip>
+          <a:srcRect/>
+          <a:stretch>
+            <a:fillRect/>
+          </a:stretch>
+        </p:blipFill>
+        <p:spPr bwMode="auto">
+          <a:xfrm>
+            <a:off x="11363415" y="121082"/>
+            <a:ext cx="692461" cy="688543"/>
+          </a:xfrm>
+          <a:prstGeom prst="rect">
+            <a:avLst/>
+          </a:prstGeom>
+          <a:noFill/>
+          <a:extLst>
+            <a:ext uri="{909E8E84-426E-40DD-AFC4-6F175D3DCCD1}">
+              <a14:hiddenFill xmlns:a14="http://schemas.microsoft.com/office/drawing/2010/main">
+                <a:solidFill>
+                  <a:srgbClr val="FFFFFF"/>
+                </a:solidFill>
+              </a14:hiddenFill>
+            </a:ext>
+          </a:extLst>
+        </p:spPr>
+      </p:pic>
+      <p:cxnSp>
+        <p:nvCxnSpPr>
+          <p:cNvPr id="8" name="Connecteur droit 7">
+            <a:extLst>
+              <a:ext uri="{FF2B5EF4-FFF2-40B4-BE49-F238E27FC236}">
+                <a16:creationId xmlns:a16="http://schemas.microsoft.com/office/drawing/2014/main" id="{58EF74DE-8092-1233-D850-99E4719D068A}"/>
+              </a:ext>
+            </a:extLst>
+          </p:cNvPr>
+          <p:cNvCxnSpPr/>
+          <p:nvPr/>
+        </p:nvCxnSpPr>
+        <p:spPr>
+          <a:xfrm>
+            <a:off x="145740" y="853585"/>
+            <a:ext cx="11910136" cy="0"/>
+          </a:xfrm>
+          <a:prstGeom prst="line">
+            <a:avLst/>
+          </a:prstGeom>
+          <a:ln w="28575">
+            <a:solidFill>
+              <a:srgbClr val="8B1538"/>
+            </a:solidFill>
+          </a:ln>
+        </p:spPr>
+        <p:style>
+          <a:lnRef idx="1">
+            <a:schemeClr val="accent1"/>
+          </a:lnRef>
+          <a:fillRef idx="0">
+            <a:schemeClr val="accent1"/>
+          </a:fillRef>
+          <a:effectRef idx="0">
+            <a:schemeClr val="accent1"/>
+          </a:effectRef>
+          <a:fontRef idx="minor">
+            <a:schemeClr val="tx1"/>
+          </a:fontRef>
+        </p:style>
+      </p:cxnSp>
+      <p:pic>
+        <p:nvPicPr>
           <p:cNvPr id="21" name="Image 20">
             <a:extLst>
               <a:ext uri="{FF2B5EF4-FFF2-40B4-BE49-F238E27FC236}">
@@ -4559,7 +5121,7 @@
 </p:sld>
 </file>
 
-<file path=ppt/slides/slide11.xml><?xml version="1.0" encoding="utf-8"?>
+<file path=ppt/slides/slide12.xml><?xml version="1.0" encoding="utf-8"?>
 <p:sld xmlns:a="http://schemas.openxmlformats.org/drawingml/2006/main" xmlns:r="http://schemas.openxmlformats.org/officeDocument/2006/relationships" xmlns:p="http://schemas.openxmlformats.org/presentationml/2006/main" show="0">
   <p:cSld>
     <p:spTree>
@@ -4741,7 +5303,7 @@
           <a:p>
             <a:fld id="{DB0B8EAA-8CF6-49F4-8FA8-2BD42B7C9F8B}" type="slidenum">
               <a:rPr lang="fr-FR" smtClean="0"/>
-              <a:t>11</a:t>
+              <a:t>12</a:t>
             </a:fld>
             <a:endParaRPr lang="fr-FR"/>
           </a:p>
@@ -5106,7 +5668,7 @@
 </p:sld>
 </file>
 
-<file path=ppt/slides/slide12.xml><?xml version="1.0" encoding="utf-8"?>
+<file path=ppt/slides/slide13.xml><?xml version="1.0" encoding="utf-8"?>
 <p:sld xmlns:a="http://schemas.openxmlformats.org/drawingml/2006/main" xmlns:r="http://schemas.openxmlformats.org/officeDocument/2006/relationships" xmlns:p="http://schemas.openxmlformats.org/presentationml/2006/main">
   <p:cSld>
     <p:spTree>
@@ -5318,7 +5880,7 @@
           <a:p>
             <a:fld id="{DB0B8EAA-8CF6-49F4-8FA8-2BD42B7C9F8B}" type="slidenum">
               <a:rPr lang="fr-FR" smtClean="0"/>
-              <a:t>12</a:t>
+              <a:t>13</a:t>
             </a:fld>
             <a:endParaRPr lang="fr-FR"/>
           </a:p>
@@ -5693,7 +6255,7 @@
 </p:sld>
 </file>
 
-<file path=ppt/slides/slide13.xml><?xml version="1.0" encoding="utf-8"?>
+<file path=ppt/slides/slide14.xml><?xml version="1.0" encoding="utf-8"?>
 <p:sld xmlns:a="http://schemas.openxmlformats.org/drawingml/2006/main" xmlns:r="http://schemas.openxmlformats.org/officeDocument/2006/relationships" xmlns:p="http://schemas.openxmlformats.org/presentationml/2006/main">
   <p:cSld>
     <p:spTree>
@@ -5902,7 +6464,7 @@
           <a:p>
             <a:fld id="{DB0B8EAA-8CF6-49F4-8FA8-2BD42B7C9F8B}" type="slidenum">
               <a:rPr lang="fr-FR" smtClean="0"/>
-              <a:t>13</a:t>
+              <a:t>14</a:t>
             </a:fld>
             <a:endParaRPr lang="fr-FR"/>
           </a:p>
@@ -6097,7 +6659,7 @@
 </p:sld>
 </file>
 
-<file path=ppt/slides/slide14.xml><?xml version="1.0" encoding="utf-8"?>
+<file path=ppt/slides/slide15.xml><?xml version="1.0" encoding="utf-8"?>
 <p:sld xmlns:a="http://schemas.openxmlformats.org/drawingml/2006/main" xmlns:r="http://schemas.openxmlformats.org/officeDocument/2006/relationships" xmlns:p="http://schemas.openxmlformats.org/presentationml/2006/main" show="0">
   <p:cSld>
     <p:spTree>
@@ -6272,7 +6834,7 @@
           <a:p>
             <a:fld id="{DB0B8EAA-8CF6-49F4-8FA8-2BD42B7C9F8B}" type="slidenum">
               <a:rPr lang="fr-FR" smtClean="0"/>
-              <a:t>14</a:t>
+              <a:t>15</a:t>
             </a:fld>
             <a:endParaRPr lang="fr-FR"/>
           </a:p>
@@ -6622,7 +7184,7 @@
 </p:sld>
 </file>
 
-<file path=ppt/slides/slide15.xml><?xml version="1.0" encoding="utf-8"?>
+<file path=ppt/slides/slide16.xml><?xml version="1.0" encoding="utf-8"?>
 <p:sld xmlns:a="http://schemas.openxmlformats.org/drawingml/2006/main" xmlns:r="http://schemas.openxmlformats.org/officeDocument/2006/relationships" xmlns:p="http://schemas.openxmlformats.org/presentationml/2006/main">
   <p:cSld>
     <p:spTree>
@@ -6797,7 +7359,7 @@
           <a:p>
             <a:fld id="{DB0B8EAA-8CF6-49F4-8FA8-2BD42B7C9F8B}" type="slidenum">
               <a:rPr lang="fr-FR" smtClean="0"/>
-              <a:t>15</a:t>
+              <a:t>16</a:t>
             </a:fld>
             <a:endParaRPr lang="fr-FR"/>
           </a:p>
@@ -6994,7 +7556,7 @@
 </p:sld>
 </file>
 
-<file path=ppt/slides/slide16.xml><?xml version="1.0" encoding="utf-8"?>
+<file path=ppt/slides/slide17.xml><?xml version="1.0" encoding="utf-8"?>
 <p:sld xmlns:a="http://schemas.openxmlformats.org/drawingml/2006/main" xmlns:r="http://schemas.openxmlformats.org/officeDocument/2006/relationships" xmlns:p="http://schemas.openxmlformats.org/presentationml/2006/main" show="0">
   <p:cSld>
     <p:spTree>
@@ -7176,7 +7738,7 @@
           <a:p>
             <a:fld id="{DB0B8EAA-8CF6-49F4-8FA8-2BD42B7C9F8B}" type="slidenum">
               <a:rPr lang="fr-FR" smtClean="0"/>
-              <a:t>16</a:t>
+              <a:t>17</a:t>
             </a:fld>
             <a:endParaRPr lang="fr-FR"/>
           </a:p>
@@ -7561,7 +8123,7 @@
 </p:sld>
 </file>
 
-<file path=ppt/slides/slide17.xml><?xml version="1.0" encoding="utf-8"?>
+<file path=ppt/slides/slide18.xml><?xml version="1.0" encoding="utf-8"?>
 <p:sld xmlns:a="http://schemas.openxmlformats.org/drawingml/2006/main" xmlns:r="http://schemas.openxmlformats.org/officeDocument/2006/relationships" xmlns:p="http://schemas.openxmlformats.org/presentationml/2006/main">
   <p:cSld>
     <p:spTree>
@@ -7743,7 +8305,7 @@
           <a:p>
             <a:fld id="{DB0B8EAA-8CF6-49F4-8FA8-2BD42B7C9F8B}" type="slidenum">
               <a:rPr lang="fr-FR" smtClean="0"/>
-              <a:t>17</a:t>
+              <a:t>18</a:t>
             </a:fld>
             <a:endParaRPr lang="fr-FR"/>
           </a:p>
@@ -7931,324 +8493,6 @@
     <p:extLst>
       <p:ext uri="{BB962C8B-B14F-4D97-AF65-F5344CB8AC3E}">
         <p14:creationId xmlns:p14="http://schemas.microsoft.com/office/powerpoint/2010/main" val="2642796071"/>
-      </p:ext>
-    </p:extLst>
-  </p:cSld>
-  <p:clrMapOvr>
-    <a:masterClrMapping/>
-  </p:clrMapOvr>
-</p:sld>
-</file>
-
-<file path=ppt/slides/slide18.xml><?xml version="1.0" encoding="utf-8"?>
-<p:sld xmlns:a="http://schemas.openxmlformats.org/drawingml/2006/main" xmlns:r="http://schemas.openxmlformats.org/officeDocument/2006/relationships" xmlns:p="http://schemas.openxmlformats.org/presentationml/2006/main">
-  <p:cSld>
-    <p:spTree>
-      <p:nvGrpSpPr>
-        <p:cNvPr id="1" name=""/>
-        <p:cNvGrpSpPr/>
-        <p:nvPr/>
-      </p:nvGrpSpPr>
-      <p:grpSpPr>
-        <a:xfrm>
-          <a:off x="0" y="0"/>
-          <a:ext cx="0" cy="0"/>
-          <a:chOff x="0" y="0"/>
-          <a:chExt cx="0" cy="0"/>
-        </a:xfrm>
-      </p:grpSpPr>
-      <p:sp>
-        <p:nvSpPr>
-          <p:cNvPr id="2" name="Titre 1">
-            <a:extLst>
-              <a:ext uri="{FF2B5EF4-FFF2-40B4-BE49-F238E27FC236}">
-                <a16:creationId xmlns:a16="http://schemas.microsoft.com/office/drawing/2014/main" id="{3AC5EA2C-9518-355B-24FA-608C24FE72E3}"/>
-              </a:ext>
-            </a:extLst>
-          </p:cNvPr>
-          <p:cNvSpPr>
-            <a:spLocks noGrp="1"/>
-          </p:cNvSpPr>
-          <p:nvPr>
-            <p:ph type="title"/>
-          </p:nvPr>
-        </p:nvSpPr>
-        <p:spPr>
-          <a:xfrm>
-            <a:off x="145740" y="118307"/>
-            <a:ext cx="11137778" cy="691318"/>
-          </a:xfrm>
-        </p:spPr>
-        <p:txBody>
-          <a:bodyPr>
-            <a:normAutofit/>
-          </a:bodyPr>
-          <a:lstStyle/>
-          <a:p>
-            <a:r>
-              <a:rPr lang="fr-FR" sz="3200" b="1" dirty="0">
-                <a:latin typeface="Arial" panose="020B0604020202020204" pitchFamily="34" charset="0"/>
-                <a:cs typeface="Arial" panose="020B0604020202020204" pitchFamily="34" charset="0"/>
-              </a:rPr>
-              <a:t>2.2.	Analyse d’intégration – </a:t>
-            </a:r>
-            <a:r>
-              <a:rPr lang="fr-FR" sz="3200" b="1" dirty="0" err="1">
-                <a:latin typeface="Arial" panose="020B0604020202020204" pitchFamily="34" charset="0"/>
-                <a:cs typeface="Arial" panose="020B0604020202020204" pitchFamily="34" charset="0"/>
-              </a:rPr>
-              <a:t>sPLS</a:t>
-            </a:r>
-            <a:endParaRPr lang="fr-FR" sz="3200" b="1" baseline="30000" dirty="0">
-              <a:latin typeface="Arial" panose="020B0604020202020204" pitchFamily="34" charset="0"/>
-              <a:cs typeface="Arial" panose="020B0604020202020204" pitchFamily="34" charset="0"/>
-            </a:endParaRPr>
-          </a:p>
-        </p:txBody>
-      </p:sp>
-      <p:sp>
-        <p:nvSpPr>
-          <p:cNvPr id="4" name="Espace réservé de la date 3">
-            <a:extLst>
-              <a:ext uri="{FF2B5EF4-FFF2-40B4-BE49-F238E27FC236}">
-                <a16:creationId xmlns:a16="http://schemas.microsoft.com/office/drawing/2014/main" id="{F181D9E9-DC4C-4780-75B9-9F6317E5BD1A}"/>
-              </a:ext>
-            </a:extLst>
-          </p:cNvPr>
-          <p:cNvSpPr>
-            <a:spLocks noGrp="1"/>
-          </p:cNvSpPr>
-          <p:nvPr>
-            <p:ph type="dt" sz="half" idx="10"/>
-          </p:nvPr>
-        </p:nvSpPr>
-        <p:spPr>
-          <a:xfrm>
-            <a:off x="838200" y="6489520"/>
-            <a:ext cx="2743200" cy="365125"/>
-          </a:xfrm>
-        </p:spPr>
-        <p:txBody>
-          <a:bodyPr/>
-          <a:lstStyle/>
-          <a:p>
-            <a:r>
-              <a:rPr lang="fr-FR" dirty="0"/>
-              <a:t>12/10/2022</a:t>
-            </a:r>
-          </a:p>
-        </p:txBody>
-      </p:sp>
-      <p:sp>
-        <p:nvSpPr>
-          <p:cNvPr id="5" name="Espace réservé du pied de page 4">
-            <a:extLst>
-              <a:ext uri="{FF2B5EF4-FFF2-40B4-BE49-F238E27FC236}">
-                <a16:creationId xmlns:a16="http://schemas.microsoft.com/office/drawing/2014/main" id="{E75C31F4-0182-ED79-928B-0DE07ADECB80}"/>
-              </a:ext>
-            </a:extLst>
-          </p:cNvPr>
-          <p:cNvSpPr>
-            <a:spLocks noGrp="1"/>
-          </p:cNvSpPr>
-          <p:nvPr>
-            <p:ph type="ftr" sz="quarter" idx="11"/>
-          </p:nvPr>
-        </p:nvSpPr>
-        <p:spPr>
-          <a:xfrm>
-            <a:off x="3810000" y="6492876"/>
-            <a:ext cx="4800600" cy="365124"/>
-          </a:xfrm>
-        </p:spPr>
-        <p:txBody>
-          <a:bodyPr/>
-          <a:lstStyle/>
-          <a:p>
-            <a:pPr algn="l"/>
-            <a:r>
-              <a:rPr lang="en-US" dirty="0"/>
-              <a:t>Delhomme Jean, </a:t>
-            </a:r>
-            <a:r>
-              <a:rPr lang="en-US" dirty="0" err="1"/>
-              <a:t>Lecourieux</a:t>
-            </a:r>
-            <a:r>
-              <a:rPr lang="en-US" dirty="0"/>
-              <a:t> Adriana, Rousseau Baptiste, </a:t>
-            </a:r>
-            <a:r>
-              <a:rPr lang="en-US" dirty="0" err="1"/>
-              <a:t>Graa</a:t>
-            </a:r>
-            <a:r>
-              <a:rPr lang="en-US" dirty="0"/>
-              <a:t> </a:t>
-            </a:r>
-            <a:r>
-              <a:rPr lang="en-US" dirty="0" err="1"/>
-              <a:t>Maha</a:t>
-            </a:r>
-            <a:endParaRPr lang="en-US" dirty="0"/>
-          </a:p>
-        </p:txBody>
-      </p:sp>
-      <p:sp>
-        <p:nvSpPr>
-          <p:cNvPr id="6" name="Espace réservé du numéro de diapositive 5">
-            <a:extLst>
-              <a:ext uri="{FF2B5EF4-FFF2-40B4-BE49-F238E27FC236}">
-                <a16:creationId xmlns:a16="http://schemas.microsoft.com/office/drawing/2014/main" id="{EDD49CB1-F959-4004-3097-04AE4D0121BD}"/>
-              </a:ext>
-            </a:extLst>
-          </p:cNvPr>
-          <p:cNvSpPr>
-            <a:spLocks noGrp="1"/>
-          </p:cNvSpPr>
-          <p:nvPr>
-            <p:ph type="sldNum" sz="quarter" idx="12"/>
-          </p:nvPr>
-        </p:nvSpPr>
-        <p:spPr>
-          <a:xfrm>
-            <a:off x="8610600" y="6489520"/>
-            <a:ext cx="2743200" cy="365125"/>
-          </a:xfrm>
-        </p:spPr>
-        <p:txBody>
-          <a:bodyPr/>
-          <a:lstStyle/>
-          <a:p>
-            <a:fld id="{DB0B8EAA-8CF6-49F4-8FA8-2BD42B7C9F8B}" type="slidenum">
-              <a:rPr lang="fr-FR" smtClean="0"/>
-              <a:t>18</a:t>
-            </a:fld>
-            <a:endParaRPr lang="fr-FR"/>
-          </a:p>
-        </p:txBody>
-      </p:sp>
-      <p:pic>
-        <p:nvPicPr>
-          <p:cNvPr id="1026" name="Picture 2" descr="Appellation, logo et charte graphique : tout ce qu'il faut savoir | Université  Paris Cité">
-            <a:extLst>
-              <a:ext uri="{FF2B5EF4-FFF2-40B4-BE49-F238E27FC236}">
-                <a16:creationId xmlns:a16="http://schemas.microsoft.com/office/drawing/2014/main" id="{42388675-4549-B077-D592-84080955D58F}"/>
-              </a:ext>
-            </a:extLst>
-          </p:cNvPr>
-          <p:cNvPicPr>
-            <a:picLocks noChangeAspect="1" noChangeArrowheads="1"/>
-          </p:cNvPicPr>
-          <p:nvPr/>
-        </p:nvPicPr>
-        <p:blipFill>
-          <a:blip r:embed="rId2">
-            <a:extLst>
-              <a:ext uri="{28A0092B-C50C-407E-A947-70E740481C1C}">
-                <a14:useLocalDpi xmlns:a14="http://schemas.microsoft.com/office/drawing/2010/main" val="0"/>
-              </a:ext>
-            </a:extLst>
-          </a:blip>
-          <a:srcRect/>
-          <a:stretch>
-            <a:fillRect/>
-          </a:stretch>
-        </p:blipFill>
-        <p:spPr bwMode="auto">
-          <a:xfrm>
-            <a:off x="11363415" y="121082"/>
-            <a:ext cx="692461" cy="688543"/>
-          </a:xfrm>
-          <a:prstGeom prst="rect">
-            <a:avLst/>
-          </a:prstGeom>
-          <a:noFill/>
-          <a:extLst>
-            <a:ext uri="{909E8E84-426E-40DD-AFC4-6F175D3DCCD1}">
-              <a14:hiddenFill xmlns:a14="http://schemas.microsoft.com/office/drawing/2010/main">
-                <a:solidFill>
-                  <a:srgbClr val="FFFFFF"/>
-                </a:solidFill>
-              </a14:hiddenFill>
-            </a:ext>
-          </a:extLst>
-        </p:spPr>
-      </p:pic>
-      <p:cxnSp>
-        <p:nvCxnSpPr>
-          <p:cNvPr id="8" name="Connecteur droit 7">
-            <a:extLst>
-              <a:ext uri="{FF2B5EF4-FFF2-40B4-BE49-F238E27FC236}">
-                <a16:creationId xmlns:a16="http://schemas.microsoft.com/office/drawing/2014/main" id="{58EF74DE-8092-1233-D850-99E4719D068A}"/>
-              </a:ext>
-            </a:extLst>
-          </p:cNvPr>
-          <p:cNvCxnSpPr/>
-          <p:nvPr/>
-        </p:nvCxnSpPr>
-        <p:spPr>
-          <a:xfrm>
-            <a:off x="145740" y="853585"/>
-            <a:ext cx="11910136" cy="0"/>
-          </a:xfrm>
-          <a:prstGeom prst="line">
-            <a:avLst/>
-          </a:prstGeom>
-          <a:ln w="28575">
-            <a:solidFill>
-              <a:srgbClr val="8B1538"/>
-            </a:solidFill>
-          </a:ln>
-        </p:spPr>
-        <p:style>
-          <a:lnRef idx="1">
-            <a:schemeClr val="accent1"/>
-          </a:lnRef>
-          <a:fillRef idx="0">
-            <a:schemeClr val="accent1"/>
-          </a:fillRef>
-          <a:effectRef idx="0">
-            <a:schemeClr val="accent1"/>
-          </a:effectRef>
-          <a:fontRef idx="minor">
-            <a:schemeClr val="tx1"/>
-          </a:fontRef>
-        </p:style>
-      </p:cxnSp>
-      <p:pic>
-        <p:nvPicPr>
-          <p:cNvPr id="7" name="Image 6">
-            <a:extLst>
-              <a:ext uri="{FF2B5EF4-FFF2-40B4-BE49-F238E27FC236}">
-                <a16:creationId xmlns:a16="http://schemas.microsoft.com/office/drawing/2014/main" id="{B5511D6E-E0C5-4D60-F181-98E2E038FC51}"/>
-              </a:ext>
-            </a:extLst>
-          </p:cNvPr>
-          <p:cNvPicPr>
-            <a:picLocks noChangeAspect="1"/>
-          </p:cNvPicPr>
-          <p:nvPr/>
-        </p:nvPicPr>
-        <p:blipFill rotWithShape="1">
-          <a:blip r:embed="rId3"/>
-          <a:srcRect l="4002" r="12981" b="9449"/>
-          <a:stretch/>
-        </p:blipFill>
-        <p:spPr>
-          <a:xfrm>
-            <a:off x="2689933" y="964482"/>
-            <a:ext cx="6489577" cy="5397243"/>
-          </a:xfrm>
-          <a:prstGeom prst="rect">
-            <a:avLst/>
-          </a:prstGeom>
-        </p:spPr>
-      </p:pic>
-    </p:spTree>
-    <p:extLst>
-      <p:ext uri="{BB962C8B-B14F-4D97-AF65-F5344CB8AC3E}">
-        <p14:creationId xmlns:p14="http://schemas.microsoft.com/office/powerpoint/2010/main" val="2092708578"/>
       </p:ext>
     </p:extLst>
   </p:cSld>
@@ -8308,7 +8552,14 @@
                 <a:latin typeface="Arial" panose="020B0604020202020204" pitchFamily="34" charset="0"/>
                 <a:cs typeface="Arial" panose="020B0604020202020204" pitchFamily="34" charset="0"/>
               </a:rPr>
-              <a:t>2.3.	Analyse d’intégration – DIABLO</a:t>
+              <a:t>2.2.	Analyse d’intégration – </a:t>
+            </a:r>
+            <a:r>
+              <a:rPr lang="fr-FR" sz="3200" b="1" dirty="0" err="1">
+                <a:latin typeface="Arial" panose="020B0604020202020204" pitchFamily="34" charset="0"/>
+                <a:cs typeface="Arial" panose="020B0604020202020204" pitchFamily="34" charset="0"/>
+              </a:rPr>
+              <a:t>sPLS</a:t>
             </a:r>
             <a:endParaRPr lang="fr-FR" sz="3200" b="1" baseline="30000" dirty="0">
               <a:latin typeface="Arial" panose="020B0604020202020204" pitchFamily="34" charset="0"/>
@@ -8527,6 +8778,317 @@
           </a:fontRef>
         </p:style>
       </p:cxnSp>
+      <p:pic>
+        <p:nvPicPr>
+          <p:cNvPr id="7" name="Image 6">
+            <a:extLst>
+              <a:ext uri="{FF2B5EF4-FFF2-40B4-BE49-F238E27FC236}">
+                <a16:creationId xmlns:a16="http://schemas.microsoft.com/office/drawing/2014/main" id="{B5511D6E-E0C5-4D60-F181-98E2E038FC51}"/>
+              </a:ext>
+            </a:extLst>
+          </p:cNvPr>
+          <p:cNvPicPr>
+            <a:picLocks noChangeAspect="1"/>
+          </p:cNvPicPr>
+          <p:nvPr/>
+        </p:nvPicPr>
+        <p:blipFill rotWithShape="1">
+          <a:blip r:embed="rId3"/>
+          <a:srcRect l="4002" r="12981" b="9449"/>
+          <a:stretch/>
+        </p:blipFill>
+        <p:spPr>
+          <a:xfrm>
+            <a:off x="2689933" y="964482"/>
+            <a:ext cx="6489577" cy="5397243"/>
+          </a:xfrm>
+          <a:prstGeom prst="rect">
+            <a:avLst/>
+          </a:prstGeom>
+        </p:spPr>
+      </p:pic>
+    </p:spTree>
+    <p:extLst>
+      <p:ext uri="{BB962C8B-B14F-4D97-AF65-F5344CB8AC3E}">
+        <p14:creationId xmlns:p14="http://schemas.microsoft.com/office/powerpoint/2010/main" val="2092708578"/>
+      </p:ext>
+    </p:extLst>
+  </p:cSld>
+  <p:clrMapOvr>
+    <a:masterClrMapping/>
+  </p:clrMapOvr>
+</p:sld>
+</file>
+
+<file path=ppt/slides/slide2.xml><?xml version="1.0" encoding="utf-8"?>
+<p:sld xmlns:a="http://schemas.openxmlformats.org/drawingml/2006/main" xmlns:r="http://schemas.openxmlformats.org/officeDocument/2006/relationships" xmlns:p="http://schemas.openxmlformats.org/presentationml/2006/main">
+  <p:cSld>
+    <p:spTree>
+      <p:nvGrpSpPr>
+        <p:cNvPr id="1" name=""/>
+        <p:cNvGrpSpPr/>
+        <p:nvPr/>
+      </p:nvGrpSpPr>
+      <p:grpSpPr>
+        <a:xfrm>
+          <a:off x="0" y="0"/>
+          <a:ext cx="0" cy="0"/>
+          <a:chOff x="0" y="0"/>
+          <a:chExt cx="0" cy="0"/>
+        </a:xfrm>
+      </p:grpSpPr>
+      <p:sp>
+        <p:nvSpPr>
+          <p:cNvPr id="2" name="Titre 1">
+            <a:extLst>
+              <a:ext uri="{FF2B5EF4-FFF2-40B4-BE49-F238E27FC236}">
+                <a16:creationId xmlns:a16="http://schemas.microsoft.com/office/drawing/2014/main" id="{3AC5EA2C-9518-355B-24FA-608C24FE72E3}"/>
+              </a:ext>
+            </a:extLst>
+          </p:cNvPr>
+          <p:cNvSpPr>
+            <a:spLocks noGrp="1"/>
+          </p:cNvSpPr>
+          <p:nvPr>
+            <p:ph type="title"/>
+          </p:nvPr>
+        </p:nvSpPr>
+        <p:spPr>
+          <a:xfrm>
+            <a:off x="145740" y="118307"/>
+            <a:ext cx="11137778" cy="691318"/>
+          </a:xfrm>
+        </p:spPr>
+        <p:txBody>
+          <a:bodyPr>
+            <a:normAutofit/>
+          </a:bodyPr>
+          <a:lstStyle/>
+          <a:p>
+            <a:r>
+              <a:rPr lang="fr-FR" sz="3200" b="1" dirty="0">
+                <a:latin typeface="Arial" panose="020B0604020202020204" pitchFamily="34" charset="0"/>
+                <a:cs typeface="Arial" panose="020B0604020202020204" pitchFamily="34" charset="0"/>
+              </a:rPr>
+              <a:t>Introduction – contexte de l’étude</a:t>
+            </a:r>
+            <a:endParaRPr lang="fr-FR" sz="3200" b="1" baseline="30000" dirty="0">
+              <a:latin typeface="Arial" panose="020B0604020202020204" pitchFamily="34" charset="0"/>
+              <a:cs typeface="Arial" panose="020B0604020202020204" pitchFamily="34" charset="0"/>
+            </a:endParaRPr>
+          </a:p>
+        </p:txBody>
+      </p:sp>
+      <p:sp>
+        <p:nvSpPr>
+          <p:cNvPr id="4" name="Espace réservé de la date 3">
+            <a:extLst>
+              <a:ext uri="{FF2B5EF4-FFF2-40B4-BE49-F238E27FC236}">
+                <a16:creationId xmlns:a16="http://schemas.microsoft.com/office/drawing/2014/main" id="{F181D9E9-DC4C-4780-75B9-9F6317E5BD1A}"/>
+              </a:ext>
+            </a:extLst>
+          </p:cNvPr>
+          <p:cNvSpPr>
+            <a:spLocks noGrp="1"/>
+          </p:cNvSpPr>
+          <p:nvPr>
+            <p:ph type="dt" sz="half" idx="10"/>
+          </p:nvPr>
+        </p:nvSpPr>
+        <p:spPr>
+          <a:xfrm>
+            <a:off x="838200" y="6489520"/>
+            <a:ext cx="2743200" cy="365125"/>
+          </a:xfrm>
+        </p:spPr>
+        <p:txBody>
+          <a:bodyPr/>
+          <a:lstStyle/>
+          <a:p>
+            <a:r>
+              <a:rPr lang="fr-FR" dirty="0"/>
+              <a:t>12/10/2022</a:t>
+            </a:r>
+          </a:p>
+        </p:txBody>
+      </p:sp>
+      <p:sp>
+        <p:nvSpPr>
+          <p:cNvPr id="5" name="Espace réservé du pied de page 4">
+            <a:extLst>
+              <a:ext uri="{FF2B5EF4-FFF2-40B4-BE49-F238E27FC236}">
+                <a16:creationId xmlns:a16="http://schemas.microsoft.com/office/drawing/2014/main" id="{E75C31F4-0182-ED79-928B-0DE07ADECB80}"/>
+              </a:ext>
+            </a:extLst>
+          </p:cNvPr>
+          <p:cNvSpPr>
+            <a:spLocks noGrp="1"/>
+          </p:cNvSpPr>
+          <p:nvPr>
+            <p:ph type="ftr" sz="quarter" idx="11"/>
+          </p:nvPr>
+        </p:nvSpPr>
+        <p:spPr>
+          <a:xfrm>
+            <a:off x="3810000" y="6492876"/>
+            <a:ext cx="4800600" cy="365124"/>
+          </a:xfrm>
+        </p:spPr>
+        <p:txBody>
+          <a:bodyPr/>
+          <a:lstStyle/>
+          <a:p>
+            <a:pPr algn="l"/>
+            <a:r>
+              <a:rPr lang="en-US" dirty="0"/>
+              <a:t>Delhomme Jean, </a:t>
+            </a:r>
+            <a:r>
+              <a:rPr lang="en-US" dirty="0" err="1"/>
+              <a:t>Lecourieux</a:t>
+            </a:r>
+            <a:r>
+              <a:rPr lang="en-US" dirty="0"/>
+              <a:t> Adriana, Rousseau Baptiste, </a:t>
+            </a:r>
+            <a:r>
+              <a:rPr lang="en-US" dirty="0" err="1"/>
+              <a:t>Graa</a:t>
+            </a:r>
+            <a:r>
+              <a:rPr lang="en-US" dirty="0"/>
+              <a:t> </a:t>
+            </a:r>
+            <a:r>
+              <a:rPr lang="en-US" dirty="0" err="1"/>
+              <a:t>Maha</a:t>
+            </a:r>
+            <a:endParaRPr lang="en-US" dirty="0"/>
+          </a:p>
+        </p:txBody>
+      </p:sp>
+      <p:sp>
+        <p:nvSpPr>
+          <p:cNvPr id="6" name="Espace réservé du numéro de diapositive 5">
+            <a:extLst>
+              <a:ext uri="{FF2B5EF4-FFF2-40B4-BE49-F238E27FC236}">
+                <a16:creationId xmlns:a16="http://schemas.microsoft.com/office/drawing/2014/main" id="{EDD49CB1-F959-4004-3097-04AE4D0121BD}"/>
+              </a:ext>
+            </a:extLst>
+          </p:cNvPr>
+          <p:cNvSpPr>
+            <a:spLocks noGrp="1"/>
+          </p:cNvSpPr>
+          <p:nvPr>
+            <p:ph type="sldNum" sz="quarter" idx="12"/>
+          </p:nvPr>
+        </p:nvSpPr>
+        <p:spPr>
+          <a:xfrm>
+            <a:off x="8610600" y="6489520"/>
+            <a:ext cx="2743200" cy="365125"/>
+          </a:xfrm>
+        </p:spPr>
+        <p:txBody>
+          <a:bodyPr/>
+          <a:lstStyle/>
+          <a:p>
+            <a:fld id="{DB0B8EAA-8CF6-49F4-8FA8-2BD42B7C9F8B}" type="slidenum">
+              <a:rPr lang="fr-FR" smtClean="0"/>
+              <a:t>2</a:t>
+            </a:fld>
+            <a:endParaRPr lang="fr-FR"/>
+          </a:p>
+        </p:txBody>
+      </p:sp>
+      <p:pic>
+        <p:nvPicPr>
+          <p:cNvPr id="1026" name="Picture 2" descr="Appellation, logo et charte graphique : tout ce qu'il faut savoir | Université  Paris Cité">
+            <a:extLst>
+              <a:ext uri="{FF2B5EF4-FFF2-40B4-BE49-F238E27FC236}">
+                <a16:creationId xmlns:a16="http://schemas.microsoft.com/office/drawing/2014/main" id="{42388675-4549-B077-D592-84080955D58F}"/>
+              </a:ext>
+            </a:extLst>
+          </p:cNvPr>
+          <p:cNvPicPr>
+            <a:picLocks noChangeAspect="1" noChangeArrowheads="1"/>
+          </p:cNvPicPr>
+          <p:nvPr/>
+        </p:nvPicPr>
+        <p:blipFill>
+          <a:blip r:embed="rId2">
+            <a:extLst>
+              <a:ext uri="{28A0092B-C50C-407E-A947-70E740481C1C}">
+                <a14:useLocalDpi xmlns:a14="http://schemas.microsoft.com/office/drawing/2010/main" val="0"/>
+              </a:ext>
+            </a:extLst>
+          </a:blip>
+          <a:srcRect/>
+          <a:stretch>
+            <a:fillRect/>
+          </a:stretch>
+        </p:blipFill>
+        <p:spPr bwMode="auto">
+          <a:xfrm>
+            <a:off x="11363415" y="121082"/>
+            <a:ext cx="692461" cy="688543"/>
+          </a:xfrm>
+          <a:prstGeom prst="rect">
+            <a:avLst/>
+          </a:prstGeom>
+          <a:noFill/>
+          <a:extLst>
+            <a:ext uri="{909E8E84-426E-40DD-AFC4-6F175D3DCCD1}">
+              <a14:hiddenFill xmlns:a14="http://schemas.microsoft.com/office/drawing/2010/main">
+                <a:solidFill>
+                  <a:srgbClr val="FFFFFF"/>
+                </a:solidFill>
+              </a14:hiddenFill>
+            </a:ext>
+          </a:extLst>
+        </p:spPr>
+      </p:pic>
+      <p:cxnSp>
+        <p:nvCxnSpPr>
+          <p:cNvPr id="8" name="Connecteur droit 7">
+            <a:extLst>
+              <a:ext uri="{FF2B5EF4-FFF2-40B4-BE49-F238E27FC236}">
+                <a16:creationId xmlns:a16="http://schemas.microsoft.com/office/drawing/2014/main" id="{58EF74DE-8092-1233-D850-99E4719D068A}"/>
+              </a:ext>
+            </a:extLst>
+          </p:cNvPr>
+          <p:cNvCxnSpPr/>
+          <p:nvPr/>
+        </p:nvCxnSpPr>
+        <p:spPr>
+          <a:xfrm>
+            <a:off x="145740" y="853585"/>
+            <a:ext cx="11910136" cy="0"/>
+          </a:xfrm>
+          <a:prstGeom prst="line">
+            <a:avLst/>
+          </a:prstGeom>
+          <a:ln w="28575">
+            <a:solidFill>
+              <a:srgbClr val="8B1538"/>
+            </a:solidFill>
+          </a:ln>
+        </p:spPr>
+        <p:style>
+          <a:lnRef idx="1">
+            <a:schemeClr val="accent1"/>
+          </a:lnRef>
+          <a:fillRef idx="0">
+            <a:schemeClr val="accent1"/>
+          </a:fillRef>
+          <a:effectRef idx="0">
+            <a:schemeClr val="accent1"/>
+          </a:effectRef>
+          <a:fontRef idx="minor">
+            <a:schemeClr val="tx1"/>
+          </a:fontRef>
+        </p:style>
+      </p:cxnSp>
       <p:sp>
         <p:nvSpPr>
           <p:cNvPr id="25" name="Espace réservé du contenu 2">
@@ -8543,7 +9105,7 @@
         </p:nvSpPr>
         <p:spPr>
           <a:xfrm>
-            <a:off x="231320" y="1006054"/>
+            <a:off x="231320" y="1008769"/>
             <a:ext cx="11824556" cy="5300591"/>
           </a:xfrm>
           <a:prstGeom prst="rect">
@@ -8719,79 +9281,69 @@
             </a:lvl9pPr>
           </a:lstStyle>
           <a:p>
-            <a:pPr marL="0" indent="0">
-              <a:buNone/>
+            <a:pPr>
+              <a:buFontTx/>
+              <a:buChar char="-"/>
             </a:pPr>
             <a:r>
               <a:rPr lang="fr-FR" dirty="0">
                 <a:latin typeface="Arial" panose="020B0604020202020204" pitchFamily="34" charset="0"/>
                 <a:cs typeface="Arial" panose="020B0604020202020204" pitchFamily="34" charset="0"/>
               </a:rPr>
-              <a:t>- Faire une première analyse combinée DIABLO en incluant les gènes, protéines et le groupe</a:t>
-            </a:r>
-          </a:p>
-          <a:p>
-            <a:pPr marL="0" indent="0">
-              <a:buNone/>
+              <a:t>Contexte de l’étude</a:t>
+            </a:r>
+          </a:p>
+          <a:p>
+            <a:pPr>
+              <a:buFontTx/>
+              <a:buChar char="-"/>
             </a:pPr>
             <a:r>
               <a:rPr lang="fr-FR" dirty="0">
                 <a:latin typeface="Arial" panose="020B0604020202020204" pitchFamily="34" charset="0"/>
                 <a:cs typeface="Arial" panose="020B0604020202020204" pitchFamily="34" charset="0"/>
               </a:rPr>
-              <a:t>- Faire une seconde analyse en ajoutant le 3ième bloc</a:t>
-            </a:r>
-          </a:p>
-          <a:p>
-            <a:pPr marL="0" indent="0">
-              <a:buNone/>
+              <a:t>Problématique</a:t>
+            </a:r>
+          </a:p>
+          <a:p>
+            <a:pPr>
+              <a:buFontTx/>
+              <a:buChar char="-"/>
             </a:pPr>
             <a:r>
               <a:rPr lang="fr-FR" dirty="0">
                 <a:latin typeface="Arial" panose="020B0604020202020204" pitchFamily="34" charset="0"/>
                 <a:cs typeface="Arial" panose="020B0604020202020204" pitchFamily="34" charset="0"/>
               </a:rPr>
-              <a:t>- Optimiser le modèle (</a:t>
+              <a:t>Données dans l’étude et méthode d’analyse (se concentrer sur </a:t>
             </a:r>
             <a:r>
               <a:rPr lang="fr-FR" dirty="0" err="1">
                 <a:latin typeface="Arial" panose="020B0604020202020204" pitchFamily="34" charset="0"/>
                 <a:cs typeface="Arial" panose="020B0604020202020204" pitchFamily="34" charset="0"/>
               </a:rPr>
-              <a:t>ncomp</a:t>
+              <a:t>l’aspet</a:t>
             </a:r>
             <a:r>
               <a:rPr lang="fr-FR" dirty="0">
                 <a:latin typeface="Arial" panose="020B0604020202020204" pitchFamily="34" charset="0"/>
                 <a:cs typeface="Arial" panose="020B0604020202020204" pitchFamily="34" charset="0"/>
               </a:rPr>
-              <a:t> et </a:t>
-            </a:r>
-            <a:r>
-              <a:rPr lang="fr-FR" dirty="0" err="1">
-                <a:latin typeface="Arial" panose="020B0604020202020204" pitchFamily="34" charset="0"/>
-                <a:cs typeface="Arial" panose="020B0604020202020204" pitchFamily="34" charset="0"/>
-              </a:rPr>
-              <a:t>keepX</a:t>
-            </a:r>
+              <a:t> intégratif)</a:t>
+            </a:r>
+          </a:p>
+          <a:p>
+            <a:pPr>
+              <a:buFontTx/>
+              <a:buChar char="-"/>
+            </a:pPr>
             <a:r>
               <a:rPr lang="fr-FR" dirty="0">
                 <a:latin typeface="Arial" panose="020B0604020202020204" pitchFamily="34" charset="0"/>
                 <a:cs typeface="Arial" panose="020B0604020202020204" pitchFamily="34" charset="0"/>
               </a:rPr>
-              <a:t>)</a:t>
-            </a:r>
-          </a:p>
-          <a:p>
-            <a:pPr marL="0" indent="0">
-              <a:buNone/>
-            </a:pPr>
-            <a:r>
-              <a:rPr lang="fr-FR" dirty="0">
-                <a:latin typeface="Arial" panose="020B0604020202020204" pitchFamily="34" charset="0"/>
-                <a:cs typeface="Arial" panose="020B0604020202020204" pitchFamily="34" charset="0"/>
-              </a:rPr>
-              <a:t>- Présentez circos plot et network plot de votre modèle final</a:t>
+              <a:t>Brève description des résultats de l’étude</a:t>
             </a:r>
           </a:p>
         </p:txBody>
@@ -8799,7 +9351,7 @@
     </p:spTree>
     <p:extLst>
       <p:ext uri="{BB962C8B-B14F-4D97-AF65-F5344CB8AC3E}">
-        <p14:creationId xmlns:p14="http://schemas.microsoft.com/office/powerpoint/2010/main" val="3990027015"/>
+        <p14:creationId xmlns:p14="http://schemas.microsoft.com/office/powerpoint/2010/main" val="3270192618"/>
       </p:ext>
     </p:extLst>
   </p:cSld>
@@ -8809,7 +9361,7 @@
 </p:sld>
 </file>
 
-<file path=ppt/slides/slide2.xml><?xml version="1.0" encoding="utf-8"?>
+<file path=ppt/slides/slide20.xml><?xml version="1.0" encoding="utf-8"?>
 <p:sld xmlns:a="http://schemas.openxmlformats.org/drawingml/2006/main" xmlns:r="http://schemas.openxmlformats.org/officeDocument/2006/relationships" xmlns:p="http://schemas.openxmlformats.org/presentationml/2006/main">
   <p:cSld>
     <p:spTree>
@@ -8859,7 +9411,7 @@
                 <a:latin typeface="Arial" panose="020B0604020202020204" pitchFamily="34" charset="0"/>
                 <a:cs typeface="Arial" panose="020B0604020202020204" pitchFamily="34" charset="0"/>
               </a:rPr>
-              <a:t>Introduction – contexte de l’étude</a:t>
+              <a:t>2.3.	Analyse d’intégration – DIABLO</a:t>
             </a:r>
             <a:endParaRPr lang="fr-FR" sz="3200" b="1" baseline="30000" dirty="0">
               <a:latin typeface="Arial" panose="020B0604020202020204" pitchFamily="34" charset="0"/>
@@ -8984,7 +9536,7 @@
           <a:p>
             <a:fld id="{DB0B8EAA-8CF6-49F4-8FA8-2BD42B7C9F8B}" type="slidenum">
               <a:rPr lang="fr-FR" smtClean="0"/>
-              <a:t>2</a:t>
+              <a:t>20</a:t>
             </a:fld>
             <a:endParaRPr lang="fr-FR"/>
           </a:p>
@@ -9094,7 +9646,7 @@
         </p:nvSpPr>
         <p:spPr>
           <a:xfrm>
-            <a:off x="231320" y="1008769"/>
+            <a:off x="231320" y="1006054"/>
             <a:ext cx="11824556" cy="5300591"/>
           </a:xfrm>
           <a:prstGeom prst="rect">
@@ -9270,69 +9822,79 @@
             </a:lvl9pPr>
           </a:lstStyle>
           <a:p>
-            <a:pPr>
-              <a:buFontTx/>
-              <a:buChar char="-"/>
+            <a:pPr marL="0" indent="0">
+              <a:buNone/>
             </a:pPr>
             <a:r>
               <a:rPr lang="fr-FR" dirty="0">
                 <a:latin typeface="Arial" panose="020B0604020202020204" pitchFamily="34" charset="0"/>
                 <a:cs typeface="Arial" panose="020B0604020202020204" pitchFamily="34" charset="0"/>
               </a:rPr>
-              <a:t>Contexte de l’étude</a:t>
-            </a:r>
-          </a:p>
-          <a:p>
-            <a:pPr>
-              <a:buFontTx/>
-              <a:buChar char="-"/>
+              <a:t>- Faire une première analyse combinée DIABLO en incluant les gènes, protéines et le groupe</a:t>
+            </a:r>
+          </a:p>
+          <a:p>
+            <a:pPr marL="0" indent="0">
+              <a:buNone/>
             </a:pPr>
             <a:r>
               <a:rPr lang="fr-FR" dirty="0">
                 <a:latin typeface="Arial" panose="020B0604020202020204" pitchFamily="34" charset="0"/>
                 <a:cs typeface="Arial" panose="020B0604020202020204" pitchFamily="34" charset="0"/>
               </a:rPr>
-              <a:t>Problématique</a:t>
-            </a:r>
-          </a:p>
-          <a:p>
-            <a:pPr>
-              <a:buFontTx/>
-              <a:buChar char="-"/>
+              <a:t>- Faire une seconde analyse en ajoutant le 3ième bloc</a:t>
+            </a:r>
+          </a:p>
+          <a:p>
+            <a:pPr marL="0" indent="0">
+              <a:buNone/>
             </a:pPr>
             <a:r>
               <a:rPr lang="fr-FR" dirty="0">
                 <a:latin typeface="Arial" panose="020B0604020202020204" pitchFamily="34" charset="0"/>
                 <a:cs typeface="Arial" panose="020B0604020202020204" pitchFamily="34" charset="0"/>
               </a:rPr>
-              <a:t>Données dans l’étude et méthode d’analyse (se concentrer sur </a:t>
+              <a:t>- Optimiser le modèle (</a:t>
             </a:r>
             <a:r>
               <a:rPr lang="fr-FR" dirty="0" err="1">
                 <a:latin typeface="Arial" panose="020B0604020202020204" pitchFamily="34" charset="0"/>
                 <a:cs typeface="Arial" panose="020B0604020202020204" pitchFamily="34" charset="0"/>
               </a:rPr>
-              <a:t>l’aspet</a:t>
+              <a:t>ncomp</a:t>
             </a:r>
             <a:r>
               <a:rPr lang="fr-FR" dirty="0">
                 <a:latin typeface="Arial" panose="020B0604020202020204" pitchFamily="34" charset="0"/>
                 <a:cs typeface="Arial" panose="020B0604020202020204" pitchFamily="34" charset="0"/>
               </a:rPr>
-              <a:t> intégratif)</a:t>
-            </a:r>
-          </a:p>
-          <a:p>
-            <a:pPr>
-              <a:buFontTx/>
-              <a:buChar char="-"/>
-            </a:pPr>
+              <a:t> et </a:t>
+            </a:r>
+            <a:r>
+              <a:rPr lang="fr-FR" dirty="0" err="1">
+                <a:latin typeface="Arial" panose="020B0604020202020204" pitchFamily="34" charset="0"/>
+                <a:cs typeface="Arial" panose="020B0604020202020204" pitchFamily="34" charset="0"/>
+              </a:rPr>
+              <a:t>keepX</a:t>
+            </a:r>
             <a:r>
               <a:rPr lang="fr-FR" dirty="0">
                 <a:latin typeface="Arial" panose="020B0604020202020204" pitchFamily="34" charset="0"/>
                 <a:cs typeface="Arial" panose="020B0604020202020204" pitchFamily="34" charset="0"/>
               </a:rPr>
-              <a:t>Brève description des résultats de l’étude</a:t>
+              <a:t>)</a:t>
+            </a:r>
+          </a:p>
+          <a:p>
+            <a:pPr marL="0" indent="0">
+              <a:buNone/>
+            </a:pPr>
+            <a:r>
+              <a:rPr lang="fr-FR" dirty="0">
+                <a:latin typeface="Arial" panose="020B0604020202020204" pitchFamily="34" charset="0"/>
+                <a:cs typeface="Arial" panose="020B0604020202020204" pitchFamily="34" charset="0"/>
+              </a:rPr>
+              <a:t>- Présentez circos plot et network plot de votre modèle final</a:t>
             </a:r>
           </a:p>
         </p:txBody>
@@ -9340,418 +9902,7 @@
     </p:spTree>
     <p:extLst>
       <p:ext uri="{BB962C8B-B14F-4D97-AF65-F5344CB8AC3E}">
-        <p14:creationId xmlns:p14="http://schemas.microsoft.com/office/powerpoint/2010/main" val="3270192618"/>
-      </p:ext>
-    </p:extLst>
-  </p:cSld>
-  <p:clrMapOvr>
-    <a:masterClrMapping/>
-  </p:clrMapOvr>
-</p:sld>
-</file>
-
-<file path=ppt/slides/slide20.xml><?xml version="1.0" encoding="utf-8"?>
-<p:sld xmlns:a="http://schemas.openxmlformats.org/drawingml/2006/main" xmlns:r="http://schemas.openxmlformats.org/officeDocument/2006/relationships" xmlns:p="http://schemas.openxmlformats.org/presentationml/2006/main">
-  <p:cSld>
-    <p:spTree>
-      <p:nvGrpSpPr>
-        <p:cNvPr id="1" name=""/>
-        <p:cNvGrpSpPr/>
-        <p:nvPr/>
-      </p:nvGrpSpPr>
-      <p:grpSpPr>
-        <a:xfrm>
-          <a:off x="0" y="0"/>
-          <a:ext cx="0" cy="0"/>
-          <a:chOff x="0" y="0"/>
-          <a:chExt cx="0" cy="0"/>
-        </a:xfrm>
-      </p:grpSpPr>
-      <p:sp>
-        <p:nvSpPr>
-          <p:cNvPr id="2" name="Titre 1">
-            <a:extLst>
-              <a:ext uri="{FF2B5EF4-FFF2-40B4-BE49-F238E27FC236}">
-                <a16:creationId xmlns:a16="http://schemas.microsoft.com/office/drawing/2014/main" id="{3AC5EA2C-9518-355B-24FA-608C24FE72E3}"/>
-              </a:ext>
-            </a:extLst>
-          </p:cNvPr>
-          <p:cNvSpPr>
-            <a:spLocks noGrp="1"/>
-          </p:cNvSpPr>
-          <p:nvPr>
-            <p:ph type="title"/>
-          </p:nvPr>
-        </p:nvSpPr>
-        <p:spPr>
-          <a:xfrm>
-            <a:off x="145740" y="117877"/>
-            <a:ext cx="11137778" cy="691318"/>
-          </a:xfrm>
-        </p:spPr>
-        <p:txBody>
-          <a:bodyPr>
-            <a:normAutofit/>
-          </a:bodyPr>
-          <a:lstStyle/>
-          <a:p>
-            <a:r>
-              <a:rPr lang="fr-FR" sz="3200" b="1" dirty="0">
-                <a:latin typeface="Arial" panose="020B0604020202020204" pitchFamily="34" charset="0"/>
-                <a:cs typeface="Arial" panose="020B0604020202020204" pitchFamily="34" charset="0"/>
-              </a:rPr>
-              <a:t>Sommaire</a:t>
-            </a:r>
-          </a:p>
-        </p:txBody>
-      </p:sp>
-      <p:sp>
-        <p:nvSpPr>
-          <p:cNvPr id="3" name="Espace réservé du contenu 2">
-            <a:extLst>
-              <a:ext uri="{FF2B5EF4-FFF2-40B4-BE49-F238E27FC236}">
-                <a16:creationId xmlns:a16="http://schemas.microsoft.com/office/drawing/2014/main" id="{7D811F63-52EF-83B1-E13C-148915CEDEC3}"/>
-              </a:ext>
-            </a:extLst>
-          </p:cNvPr>
-          <p:cNvSpPr>
-            <a:spLocks noGrp="1"/>
-          </p:cNvSpPr>
-          <p:nvPr>
-            <p:ph idx="1"/>
-          </p:nvPr>
-        </p:nvSpPr>
-        <p:spPr>
-          <a:xfrm>
-            <a:off x="1353106" y="964491"/>
-            <a:ext cx="9380000" cy="5498453"/>
-          </a:xfrm>
-        </p:spPr>
-        <p:txBody>
-          <a:bodyPr anchor="ctr">
-            <a:normAutofit/>
-          </a:bodyPr>
-          <a:lstStyle/>
-          <a:p>
-            <a:pPr marL="514350" indent="-514350">
-              <a:buAutoNum type="arabicPeriod"/>
-            </a:pPr>
-            <a:r>
-              <a:rPr lang="fr-FR" sz="3200" dirty="0">
-                <a:latin typeface="Arial" panose="020B0604020202020204" pitchFamily="34" charset="0"/>
-                <a:cs typeface="Arial" panose="020B0604020202020204" pitchFamily="34" charset="0"/>
-              </a:rPr>
-              <a:t>Analyse préliminaire</a:t>
-            </a:r>
-          </a:p>
-          <a:p>
-            <a:pPr marL="514350" indent="-514350">
-              <a:buAutoNum type="arabicPeriod"/>
-            </a:pPr>
-            <a:endParaRPr lang="fr-FR" sz="3200" dirty="0">
-              <a:latin typeface="Arial" panose="020B0604020202020204" pitchFamily="34" charset="0"/>
-              <a:cs typeface="Arial" panose="020B0604020202020204" pitchFamily="34" charset="0"/>
-            </a:endParaRPr>
-          </a:p>
-          <a:p>
-            <a:pPr marL="514350" indent="-514350">
-              <a:buAutoNum type="arabicPeriod"/>
-            </a:pPr>
-            <a:r>
-              <a:rPr lang="fr-FR" sz="3200" dirty="0">
-                <a:latin typeface="Arial" panose="020B0604020202020204" pitchFamily="34" charset="0"/>
-                <a:cs typeface="Arial" panose="020B0604020202020204" pitchFamily="34" charset="0"/>
-              </a:rPr>
-              <a:t>Analyse d’intégration</a:t>
-            </a:r>
-          </a:p>
-          <a:p>
-            <a:pPr marL="514350" indent="-514350">
-              <a:buAutoNum type="arabicPeriod"/>
-            </a:pPr>
-            <a:endParaRPr lang="fr-FR" sz="3200" dirty="0">
-              <a:latin typeface="Arial" panose="020B0604020202020204" pitchFamily="34" charset="0"/>
-              <a:cs typeface="Arial" panose="020B0604020202020204" pitchFamily="34" charset="0"/>
-            </a:endParaRPr>
-          </a:p>
-          <a:p>
-            <a:pPr marL="514350" indent="-514350">
-              <a:buAutoNum type="arabicPeriod"/>
-            </a:pPr>
-            <a:r>
-              <a:rPr lang="fr-FR" sz="3200" dirty="0">
-                <a:solidFill>
-                  <a:srgbClr val="8B1538"/>
-                </a:solidFill>
-                <a:latin typeface="Arial" panose="020B0604020202020204" pitchFamily="34" charset="0"/>
-                <a:cs typeface="Arial" panose="020B0604020202020204" pitchFamily="34" charset="0"/>
-              </a:rPr>
-              <a:t>Mise en réseau</a:t>
-            </a:r>
-          </a:p>
-          <a:p>
-            <a:pPr marL="971550" lvl="1" indent="-514350">
-              <a:buAutoNum type="arabicPeriod"/>
-            </a:pPr>
-            <a:r>
-              <a:rPr lang="fr-FR" sz="2800" dirty="0">
-                <a:latin typeface="Arial" panose="020B0604020202020204" pitchFamily="34" charset="0"/>
-                <a:cs typeface="Arial" panose="020B0604020202020204" pitchFamily="34" charset="0"/>
-              </a:rPr>
-              <a:t>Réseaux de régulation de gène</a:t>
-            </a:r>
-          </a:p>
-          <a:p>
-            <a:pPr marL="971550" lvl="1" indent="-514350">
-              <a:buAutoNum type="arabicPeriod"/>
-            </a:pPr>
-            <a:r>
-              <a:rPr lang="fr-FR" sz="2800" dirty="0">
-                <a:latin typeface="Arial" panose="020B0604020202020204" pitchFamily="34" charset="0"/>
-                <a:cs typeface="Arial" panose="020B0604020202020204" pitchFamily="34" charset="0"/>
-              </a:rPr>
-              <a:t>Réseaux PPI</a:t>
-            </a:r>
-          </a:p>
-          <a:p>
-            <a:pPr marL="971550" lvl="1" indent="-514350">
-              <a:buAutoNum type="arabicPeriod"/>
-            </a:pPr>
-            <a:r>
-              <a:rPr lang="fr-FR" sz="2800" dirty="0">
-                <a:latin typeface="Arial" panose="020B0604020202020204" pitchFamily="34" charset="0"/>
-                <a:cs typeface="Arial" panose="020B0604020202020204" pitchFamily="34" charset="0"/>
-              </a:rPr>
-              <a:t>Connection gène-</a:t>
-            </a:r>
-            <a:r>
-              <a:rPr lang="fr-FR" sz="2800" dirty="0" err="1">
-                <a:latin typeface="Arial" panose="020B0604020202020204" pitchFamily="34" charset="0"/>
-                <a:cs typeface="Arial" panose="020B0604020202020204" pitchFamily="34" charset="0"/>
-              </a:rPr>
-              <a:t>prot</a:t>
-            </a:r>
-            <a:endParaRPr lang="fr-FR" sz="2800" dirty="0">
-              <a:latin typeface="Arial" panose="020B0604020202020204" pitchFamily="34" charset="0"/>
-              <a:cs typeface="Arial" panose="020B0604020202020204" pitchFamily="34" charset="0"/>
-            </a:endParaRPr>
-          </a:p>
-        </p:txBody>
-      </p:sp>
-      <p:sp>
-        <p:nvSpPr>
-          <p:cNvPr id="6" name="Espace réservé du numéro de diapositive 5">
-            <a:extLst>
-              <a:ext uri="{FF2B5EF4-FFF2-40B4-BE49-F238E27FC236}">
-                <a16:creationId xmlns:a16="http://schemas.microsoft.com/office/drawing/2014/main" id="{EDD49CB1-F959-4004-3097-04AE4D0121BD}"/>
-              </a:ext>
-            </a:extLst>
-          </p:cNvPr>
-          <p:cNvSpPr>
-            <a:spLocks noGrp="1"/>
-          </p:cNvSpPr>
-          <p:nvPr>
-            <p:ph type="sldNum" sz="quarter" idx="12"/>
-          </p:nvPr>
-        </p:nvSpPr>
-        <p:spPr>
-          <a:xfrm>
-            <a:off x="8610600" y="6489520"/>
-            <a:ext cx="2743200" cy="365125"/>
-          </a:xfrm>
-        </p:spPr>
-        <p:txBody>
-          <a:bodyPr/>
-          <a:lstStyle/>
-          <a:p>
-            <a:fld id="{DB0B8EAA-8CF6-49F4-8FA8-2BD42B7C9F8B}" type="slidenum">
-              <a:rPr lang="fr-FR" smtClean="0"/>
-              <a:t>20</a:t>
-            </a:fld>
-            <a:endParaRPr lang="fr-FR"/>
-          </a:p>
-        </p:txBody>
-      </p:sp>
-      <p:pic>
-        <p:nvPicPr>
-          <p:cNvPr id="1026" name="Picture 2" descr="Appellation, logo et charte graphique : tout ce qu'il faut savoir | Université  Paris Cité">
-            <a:extLst>
-              <a:ext uri="{FF2B5EF4-FFF2-40B4-BE49-F238E27FC236}">
-                <a16:creationId xmlns:a16="http://schemas.microsoft.com/office/drawing/2014/main" id="{42388675-4549-B077-D592-84080955D58F}"/>
-              </a:ext>
-            </a:extLst>
-          </p:cNvPr>
-          <p:cNvPicPr>
-            <a:picLocks noChangeAspect="1" noChangeArrowheads="1"/>
-          </p:cNvPicPr>
-          <p:nvPr/>
-        </p:nvPicPr>
-        <p:blipFill>
-          <a:blip r:embed="rId2">
-            <a:extLst>
-              <a:ext uri="{28A0092B-C50C-407E-A947-70E740481C1C}">
-                <a14:useLocalDpi xmlns:a14="http://schemas.microsoft.com/office/drawing/2010/main" val="0"/>
-              </a:ext>
-            </a:extLst>
-          </a:blip>
-          <a:srcRect/>
-          <a:stretch>
-            <a:fillRect/>
-          </a:stretch>
-        </p:blipFill>
-        <p:spPr bwMode="auto">
-          <a:xfrm>
-            <a:off x="11363415" y="121082"/>
-            <a:ext cx="692461" cy="688543"/>
-          </a:xfrm>
-          <a:prstGeom prst="rect">
-            <a:avLst/>
-          </a:prstGeom>
-          <a:noFill/>
-          <a:extLst>
-            <a:ext uri="{909E8E84-426E-40DD-AFC4-6F175D3DCCD1}">
-              <a14:hiddenFill xmlns:a14="http://schemas.microsoft.com/office/drawing/2010/main">
-                <a:solidFill>
-                  <a:srgbClr val="FFFFFF"/>
-                </a:solidFill>
-              </a14:hiddenFill>
-            </a:ext>
-          </a:extLst>
-        </p:spPr>
-      </p:pic>
-      <p:cxnSp>
-        <p:nvCxnSpPr>
-          <p:cNvPr id="8" name="Connecteur droit 7">
-            <a:extLst>
-              <a:ext uri="{FF2B5EF4-FFF2-40B4-BE49-F238E27FC236}">
-                <a16:creationId xmlns:a16="http://schemas.microsoft.com/office/drawing/2014/main" id="{58EF74DE-8092-1233-D850-99E4719D068A}"/>
-              </a:ext>
-            </a:extLst>
-          </p:cNvPr>
-          <p:cNvCxnSpPr/>
-          <p:nvPr/>
-        </p:nvCxnSpPr>
-        <p:spPr>
-          <a:xfrm>
-            <a:off x="145740" y="853585"/>
-            <a:ext cx="11910136" cy="0"/>
-          </a:xfrm>
-          <a:prstGeom prst="line">
-            <a:avLst/>
-          </a:prstGeom>
-          <a:ln w="28575">
-            <a:solidFill>
-              <a:srgbClr val="8B1538"/>
-            </a:solidFill>
-          </a:ln>
-        </p:spPr>
-        <p:style>
-          <a:lnRef idx="1">
-            <a:schemeClr val="accent1"/>
-          </a:lnRef>
-          <a:fillRef idx="0">
-            <a:schemeClr val="accent1"/>
-          </a:fillRef>
-          <a:effectRef idx="0">
-            <a:schemeClr val="accent1"/>
-          </a:effectRef>
-          <a:fontRef idx="minor">
-            <a:schemeClr val="tx1"/>
-          </a:fontRef>
-        </p:style>
-      </p:cxnSp>
-      <p:sp>
-        <p:nvSpPr>
-          <p:cNvPr id="7" name="Espace réservé de la date 3">
-            <a:extLst>
-              <a:ext uri="{FF2B5EF4-FFF2-40B4-BE49-F238E27FC236}">
-                <a16:creationId xmlns:a16="http://schemas.microsoft.com/office/drawing/2014/main" id="{BD1F5D23-48BC-19F9-810F-A0B09C9ADC90}"/>
-              </a:ext>
-            </a:extLst>
-          </p:cNvPr>
-          <p:cNvSpPr>
-            <a:spLocks noGrp="1"/>
-          </p:cNvSpPr>
-          <p:nvPr>
-            <p:ph type="dt" sz="half" idx="10"/>
-          </p:nvPr>
-        </p:nvSpPr>
-        <p:spPr>
-          <a:xfrm>
-            <a:off x="838200" y="6489520"/>
-            <a:ext cx="2743200" cy="365125"/>
-          </a:xfrm>
-        </p:spPr>
-        <p:txBody>
-          <a:bodyPr/>
-          <a:lstStyle/>
-          <a:p>
-            <a:r>
-              <a:rPr lang="fr-FR" dirty="0"/>
-              <a:t>12/10/2022</a:t>
-            </a:r>
-          </a:p>
-        </p:txBody>
-      </p:sp>
-      <p:sp>
-        <p:nvSpPr>
-          <p:cNvPr id="9" name="Espace réservé du pied de page 4">
-            <a:extLst>
-              <a:ext uri="{FF2B5EF4-FFF2-40B4-BE49-F238E27FC236}">
-                <a16:creationId xmlns:a16="http://schemas.microsoft.com/office/drawing/2014/main" id="{CA83BE7A-1BE0-5C40-21DB-5F919EDCC997}"/>
-              </a:ext>
-            </a:extLst>
-          </p:cNvPr>
-          <p:cNvSpPr>
-            <a:spLocks noGrp="1"/>
-          </p:cNvSpPr>
-          <p:nvPr>
-            <p:ph type="ftr" sz="quarter" idx="11"/>
-          </p:nvPr>
-        </p:nvSpPr>
-        <p:spPr>
-          <a:xfrm>
-            <a:off x="3810000" y="6492876"/>
-            <a:ext cx="4800600" cy="365124"/>
-          </a:xfrm>
-        </p:spPr>
-        <p:txBody>
-          <a:bodyPr/>
-          <a:lstStyle/>
-          <a:p>
-            <a:pPr algn="l"/>
-            <a:r>
-              <a:rPr lang="en-US" dirty="0"/>
-              <a:t>Delhomme Jean, </a:t>
-            </a:r>
-            <a:r>
-              <a:rPr lang="en-US" dirty="0" err="1"/>
-              <a:t>Lecourieux</a:t>
-            </a:r>
-            <a:r>
-              <a:rPr lang="en-US" dirty="0"/>
-              <a:t> Adriana, Rousseau Baptiste, </a:t>
-            </a:r>
-            <a:r>
-              <a:rPr lang="en-US" dirty="0" err="1"/>
-              <a:t>Graa</a:t>
-            </a:r>
-            <a:r>
-              <a:rPr lang="en-US" dirty="0"/>
-              <a:t> </a:t>
-            </a:r>
-            <a:r>
-              <a:rPr lang="en-US" dirty="0" err="1"/>
-              <a:t>Maha</a:t>
-            </a:r>
-            <a:endParaRPr lang="en-US" dirty="0"/>
-          </a:p>
-        </p:txBody>
-      </p:sp>
-    </p:spTree>
-    <p:extLst>
-      <p:ext uri="{BB962C8B-B14F-4D97-AF65-F5344CB8AC3E}">
-        <p14:creationId xmlns:p14="http://schemas.microsoft.com/office/powerpoint/2010/main" val="2542114768"/>
+        <p14:creationId xmlns:p14="http://schemas.microsoft.com/office/powerpoint/2010/main" val="3990027015"/>
       </p:ext>
     </p:extLst>
   </p:cSld>
@@ -9796,7 +9947,7 @@
         </p:nvSpPr>
         <p:spPr>
           <a:xfrm>
-            <a:off x="145740" y="118307"/>
+            <a:off x="145740" y="117877"/>
             <a:ext cx="11137778" cy="691318"/>
           </a:xfrm>
         </p:spPr>
@@ -9811,6 +9962,370 @@
                 <a:latin typeface="Arial" panose="020B0604020202020204" pitchFamily="34" charset="0"/>
                 <a:cs typeface="Arial" panose="020B0604020202020204" pitchFamily="34" charset="0"/>
               </a:rPr>
+              <a:t>Sommaire</a:t>
+            </a:r>
+          </a:p>
+        </p:txBody>
+      </p:sp>
+      <p:sp>
+        <p:nvSpPr>
+          <p:cNvPr id="3" name="Espace réservé du contenu 2">
+            <a:extLst>
+              <a:ext uri="{FF2B5EF4-FFF2-40B4-BE49-F238E27FC236}">
+                <a16:creationId xmlns:a16="http://schemas.microsoft.com/office/drawing/2014/main" id="{7D811F63-52EF-83B1-E13C-148915CEDEC3}"/>
+              </a:ext>
+            </a:extLst>
+          </p:cNvPr>
+          <p:cNvSpPr>
+            <a:spLocks noGrp="1"/>
+          </p:cNvSpPr>
+          <p:nvPr>
+            <p:ph idx="1"/>
+          </p:nvPr>
+        </p:nvSpPr>
+        <p:spPr>
+          <a:xfrm>
+            <a:off x="1353106" y="964491"/>
+            <a:ext cx="9380000" cy="5498453"/>
+          </a:xfrm>
+        </p:spPr>
+        <p:txBody>
+          <a:bodyPr anchor="ctr">
+            <a:normAutofit/>
+          </a:bodyPr>
+          <a:lstStyle/>
+          <a:p>
+            <a:pPr marL="514350" indent="-514350">
+              <a:buAutoNum type="arabicPeriod"/>
+            </a:pPr>
+            <a:r>
+              <a:rPr lang="fr-FR" sz="3200" dirty="0">
+                <a:latin typeface="Arial" panose="020B0604020202020204" pitchFamily="34" charset="0"/>
+                <a:cs typeface="Arial" panose="020B0604020202020204" pitchFamily="34" charset="0"/>
+              </a:rPr>
+              <a:t>Analyse préliminaire</a:t>
+            </a:r>
+          </a:p>
+          <a:p>
+            <a:pPr marL="514350" indent="-514350">
+              <a:buAutoNum type="arabicPeriod"/>
+            </a:pPr>
+            <a:endParaRPr lang="fr-FR" sz="3200" dirty="0">
+              <a:latin typeface="Arial" panose="020B0604020202020204" pitchFamily="34" charset="0"/>
+              <a:cs typeface="Arial" panose="020B0604020202020204" pitchFamily="34" charset="0"/>
+            </a:endParaRPr>
+          </a:p>
+          <a:p>
+            <a:pPr marL="514350" indent="-514350">
+              <a:buAutoNum type="arabicPeriod"/>
+            </a:pPr>
+            <a:r>
+              <a:rPr lang="fr-FR" sz="3200" dirty="0">
+                <a:latin typeface="Arial" panose="020B0604020202020204" pitchFamily="34" charset="0"/>
+                <a:cs typeface="Arial" panose="020B0604020202020204" pitchFamily="34" charset="0"/>
+              </a:rPr>
+              <a:t>Analyse d’intégration</a:t>
+            </a:r>
+          </a:p>
+          <a:p>
+            <a:pPr marL="514350" indent="-514350">
+              <a:buAutoNum type="arabicPeriod"/>
+            </a:pPr>
+            <a:endParaRPr lang="fr-FR" sz="3200" dirty="0">
+              <a:latin typeface="Arial" panose="020B0604020202020204" pitchFamily="34" charset="0"/>
+              <a:cs typeface="Arial" panose="020B0604020202020204" pitchFamily="34" charset="0"/>
+            </a:endParaRPr>
+          </a:p>
+          <a:p>
+            <a:pPr marL="514350" indent="-514350">
+              <a:buAutoNum type="arabicPeriod"/>
+            </a:pPr>
+            <a:r>
+              <a:rPr lang="fr-FR" sz="3200" dirty="0">
+                <a:solidFill>
+                  <a:srgbClr val="8B1538"/>
+                </a:solidFill>
+                <a:latin typeface="Arial" panose="020B0604020202020204" pitchFamily="34" charset="0"/>
+                <a:cs typeface="Arial" panose="020B0604020202020204" pitchFamily="34" charset="0"/>
+              </a:rPr>
+              <a:t>Mise en réseau</a:t>
+            </a:r>
+          </a:p>
+        </p:txBody>
+      </p:sp>
+      <p:sp>
+        <p:nvSpPr>
+          <p:cNvPr id="6" name="Espace réservé du numéro de diapositive 5">
+            <a:extLst>
+              <a:ext uri="{FF2B5EF4-FFF2-40B4-BE49-F238E27FC236}">
+                <a16:creationId xmlns:a16="http://schemas.microsoft.com/office/drawing/2014/main" id="{EDD49CB1-F959-4004-3097-04AE4D0121BD}"/>
+              </a:ext>
+            </a:extLst>
+          </p:cNvPr>
+          <p:cNvSpPr>
+            <a:spLocks noGrp="1"/>
+          </p:cNvSpPr>
+          <p:nvPr>
+            <p:ph type="sldNum" sz="quarter" idx="12"/>
+          </p:nvPr>
+        </p:nvSpPr>
+        <p:spPr>
+          <a:xfrm>
+            <a:off x="8610600" y="6489520"/>
+            <a:ext cx="2743200" cy="365125"/>
+          </a:xfrm>
+        </p:spPr>
+        <p:txBody>
+          <a:bodyPr/>
+          <a:lstStyle/>
+          <a:p>
+            <a:fld id="{DB0B8EAA-8CF6-49F4-8FA8-2BD42B7C9F8B}" type="slidenum">
+              <a:rPr lang="fr-FR" smtClean="0"/>
+              <a:t>21</a:t>
+            </a:fld>
+            <a:endParaRPr lang="fr-FR"/>
+          </a:p>
+        </p:txBody>
+      </p:sp>
+      <p:pic>
+        <p:nvPicPr>
+          <p:cNvPr id="1026" name="Picture 2" descr="Appellation, logo et charte graphique : tout ce qu'il faut savoir | Université  Paris Cité">
+            <a:extLst>
+              <a:ext uri="{FF2B5EF4-FFF2-40B4-BE49-F238E27FC236}">
+                <a16:creationId xmlns:a16="http://schemas.microsoft.com/office/drawing/2014/main" id="{42388675-4549-B077-D592-84080955D58F}"/>
+              </a:ext>
+            </a:extLst>
+          </p:cNvPr>
+          <p:cNvPicPr>
+            <a:picLocks noChangeAspect="1" noChangeArrowheads="1"/>
+          </p:cNvPicPr>
+          <p:nvPr/>
+        </p:nvPicPr>
+        <p:blipFill>
+          <a:blip r:embed="rId2">
+            <a:extLst>
+              <a:ext uri="{28A0092B-C50C-407E-A947-70E740481C1C}">
+                <a14:useLocalDpi xmlns:a14="http://schemas.microsoft.com/office/drawing/2010/main" val="0"/>
+              </a:ext>
+            </a:extLst>
+          </a:blip>
+          <a:srcRect/>
+          <a:stretch>
+            <a:fillRect/>
+          </a:stretch>
+        </p:blipFill>
+        <p:spPr bwMode="auto">
+          <a:xfrm>
+            <a:off x="11363415" y="121082"/>
+            <a:ext cx="692461" cy="688543"/>
+          </a:xfrm>
+          <a:prstGeom prst="rect">
+            <a:avLst/>
+          </a:prstGeom>
+          <a:noFill/>
+          <a:extLst>
+            <a:ext uri="{909E8E84-426E-40DD-AFC4-6F175D3DCCD1}">
+              <a14:hiddenFill xmlns:a14="http://schemas.microsoft.com/office/drawing/2010/main">
+                <a:solidFill>
+                  <a:srgbClr val="FFFFFF"/>
+                </a:solidFill>
+              </a14:hiddenFill>
+            </a:ext>
+          </a:extLst>
+        </p:spPr>
+      </p:pic>
+      <p:cxnSp>
+        <p:nvCxnSpPr>
+          <p:cNvPr id="8" name="Connecteur droit 7">
+            <a:extLst>
+              <a:ext uri="{FF2B5EF4-FFF2-40B4-BE49-F238E27FC236}">
+                <a16:creationId xmlns:a16="http://schemas.microsoft.com/office/drawing/2014/main" id="{58EF74DE-8092-1233-D850-99E4719D068A}"/>
+              </a:ext>
+            </a:extLst>
+          </p:cNvPr>
+          <p:cNvCxnSpPr/>
+          <p:nvPr/>
+        </p:nvCxnSpPr>
+        <p:spPr>
+          <a:xfrm>
+            <a:off x="145740" y="853585"/>
+            <a:ext cx="11910136" cy="0"/>
+          </a:xfrm>
+          <a:prstGeom prst="line">
+            <a:avLst/>
+          </a:prstGeom>
+          <a:ln w="28575">
+            <a:solidFill>
+              <a:srgbClr val="8B1538"/>
+            </a:solidFill>
+          </a:ln>
+        </p:spPr>
+        <p:style>
+          <a:lnRef idx="1">
+            <a:schemeClr val="accent1"/>
+          </a:lnRef>
+          <a:fillRef idx="0">
+            <a:schemeClr val="accent1"/>
+          </a:fillRef>
+          <a:effectRef idx="0">
+            <a:schemeClr val="accent1"/>
+          </a:effectRef>
+          <a:fontRef idx="minor">
+            <a:schemeClr val="tx1"/>
+          </a:fontRef>
+        </p:style>
+      </p:cxnSp>
+      <p:sp>
+        <p:nvSpPr>
+          <p:cNvPr id="7" name="Espace réservé de la date 3">
+            <a:extLst>
+              <a:ext uri="{FF2B5EF4-FFF2-40B4-BE49-F238E27FC236}">
+                <a16:creationId xmlns:a16="http://schemas.microsoft.com/office/drawing/2014/main" id="{BD1F5D23-48BC-19F9-810F-A0B09C9ADC90}"/>
+              </a:ext>
+            </a:extLst>
+          </p:cNvPr>
+          <p:cNvSpPr>
+            <a:spLocks noGrp="1"/>
+          </p:cNvSpPr>
+          <p:nvPr>
+            <p:ph type="dt" sz="half" idx="10"/>
+          </p:nvPr>
+        </p:nvSpPr>
+        <p:spPr>
+          <a:xfrm>
+            <a:off x="838200" y="6489520"/>
+            <a:ext cx="2743200" cy="365125"/>
+          </a:xfrm>
+        </p:spPr>
+        <p:txBody>
+          <a:bodyPr/>
+          <a:lstStyle/>
+          <a:p>
+            <a:r>
+              <a:rPr lang="fr-FR" dirty="0"/>
+              <a:t>12/10/2022</a:t>
+            </a:r>
+          </a:p>
+        </p:txBody>
+      </p:sp>
+      <p:sp>
+        <p:nvSpPr>
+          <p:cNvPr id="9" name="Espace réservé du pied de page 4">
+            <a:extLst>
+              <a:ext uri="{FF2B5EF4-FFF2-40B4-BE49-F238E27FC236}">
+                <a16:creationId xmlns:a16="http://schemas.microsoft.com/office/drawing/2014/main" id="{CA83BE7A-1BE0-5C40-21DB-5F919EDCC997}"/>
+              </a:ext>
+            </a:extLst>
+          </p:cNvPr>
+          <p:cNvSpPr>
+            <a:spLocks noGrp="1"/>
+          </p:cNvSpPr>
+          <p:nvPr>
+            <p:ph type="ftr" sz="quarter" idx="11"/>
+          </p:nvPr>
+        </p:nvSpPr>
+        <p:spPr>
+          <a:xfrm>
+            <a:off x="3810000" y="6492876"/>
+            <a:ext cx="4800600" cy="365124"/>
+          </a:xfrm>
+        </p:spPr>
+        <p:txBody>
+          <a:bodyPr/>
+          <a:lstStyle/>
+          <a:p>
+            <a:pPr algn="l"/>
+            <a:r>
+              <a:rPr lang="en-US" dirty="0"/>
+              <a:t>Delhomme Jean, </a:t>
+            </a:r>
+            <a:r>
+              <a:rPr lang="en-US" dirty="0" err="1"/>
+              <a:t>Lecourieux</a:t>
+            </a:r>
+            <a:r>
+              <a:rPr lang="en-US" dirty="0"/>
+              <a:t> Adriana, Rousseau Baptiste, </a:t>
+            </a:r>
+            <a:r>
+              <a:rPr lang="en-US" dirty="0" err="1"/>
+              <a:t>Graa</a:t>
+            </a:r>
+            <a:r>
+              <a:rPr lang="en-US" dirty="0"/>
+              <a:t> </a:t>
+            </a:r>
+            <a:r>
+              <a:rPr lang="en-US" dirty="0" err="1"/>
+              <a:t>Maha</a:t>
+            </a:r>
+            <a:endParaRPr lang="en-US" dirty="0"/>
+          </a:p>
+        </p:txBody>
+      </p:sp>
+    </p:spTree>
+    <p:extLst>
+      <p:ext uri="{BB962C8B-B14F-4D97-AF65-F5344CB8AC3E}">
+        <p14:creationId xmlns:p14="http://schemas.microsoft.com/office/powerpoint/2010/main" val="2542114768"/>
+      </p:ext>
+    </p:extLst>
+  </p:cSld>
+  <p:clrMapOvr>
+    <a:masterClrMapping/>
+  </p:clrMapOvr>
+</p:sld>
+</file>
+
+<file path=ppt/slides/slide22.xml><?xml version="1.0" encoding="utf-8"?>
+<p:sld xmlns:a="http://schemas.openxmlformats.org/drawingml/2006/main" xmlns:r="http://schemas.openxmlformats.org/officeDocument/2006/relationships" xmlns:p="http://schemas.openxmlformats.org/presentationml/2006/main">
+  <p:cSld>
+    <p:spTree>
+      <p:nvGrpSpPr>
+        <p:cNvPr id="1" name=""/>
+        <p:cNvGrpSpPr/>
+        <p:nvPr/>
+      </p:nvGrpSpPr>
+      <p:grpSpPr>
+        <a:xfrm>
+          <a:off x="0" y="0"/>
+          <a:ext cx="0" cy="0"/>
+          <a:chOff x="0" y="0"/>
+          <a:chExt cx="0" cy="0"/>
+        </a:xfrm>
+      </p:grpSpPr>
+      <p:sp>
+        <p:nvSpPr>
+          <p:cNvPr id="2" name="Titre 1">
+            <a:extLst>
+              <a:ext uri="{FF2B5EF4-FFF2-40B4-BE49-F238E27FC236}">
+                <a16:creationId xmlns:a16="http://schemas.microsoft.com/office/drawing/2014/main" id="{3AC5EA2C-9518-355B-24FA-608C24FE72E3}"/>
+              </a:ext>
+            </a:extLst>
+          </p:cNvPr>
+          <p:cNvSpPr>
+            <a:spLocks noGrp="1"/>
+          </p:cNvSpPr>
+          <p:nvPr>
+            <p:ph type="title"/>
+          </p:nvPr>
+        </p:nvSpPr>
+        <p:spPr>
+          <a:xfrm>
+            <a:off x="145740" y="118307"/>
+            <a:ext cx="11137778" cy="691318"/>
+          </a:xfrm>
+        </p:spPr>
+        <p:txBody>
+          <a:bodyPr>
+            <a:normAutofit/>
+          </a:bodyPr>
+          <a:lstStyle/>
+          <a:p>
+            <a:r>
+              <a:rPr lang="fr-FR" sz="3200" b="1" dirty="0">
+                <a:latin typeface="Arial" panose="020B0604020202020204" pitchFamily="34" charset="0"/>
+                <a:cs typeface="Arial" panose="020B0604020202020204" pitchFamily="34" charset="0"/>
+              </a:rPr>
               <a:t>3.1.	Mise en réseau</a:t>
             </a:r>
             <a:endParaRPr lang="fr-FR" sz="3200" b="1" baseline="30000" dirty="0">
@@ -9936,7 +10451,7 @@
           <a:p>
             <a:fld id="{DB0B8EAA-8CF6-49F4-8FA8-2BD42B7C9F8B}" type="slidenum">
               <a:rPr lang="fr-FR" smtClean="0"/>
-              <a:t>21</a:t>
+              <a:t>22</a:t>
             </a:fld>
             <a:endParaRPr lang="fr-FR"/>
           </a:p>
@@ -10242,7 +10757,7 @@
                   <a:latin typeface="Arial" panose="020B0604020202020204" pitchFamily="34" charset="0"/>
                   <a:cs typeface="Arial" panose="020B0604020202020204" pitchFamily="34" charset="0"/>
                 </a:rPr>
-                <a:t>Arrête : 167</a:t>
+                <a:t>Arêtes : 167</a:t>
               </a:r>
             </a:p>
           </p:txBody>
@@ -10339,7 +10854,7 @@
 </p:sld>
 </file>
 
-<file path=ppt/slides/slide22.xml><?xml version="1.0" encoding="utf-8"?>
+<file path=ppt/slides/slide23.xml><?xml version="1.0" encoding="utf-8"?>
 <p:sld xmlns:a="http://schemas.openxmlformats.org/drawingml/2006/main" xmlns:r="http://schemas.openxmlformats.org/officeDocument/2006/relationships" xmlns:p="http://schemas.openxmlformats.org/presentationml/2006/main">
   <p:cSld>
     <p:spTree>
@@ -10422,7 +10937,7 @@
           <a:p>
             <a:fld id="{DB0B8EAA-8CF6-49F4-8FA8-2BD42B7C9F8B}" type="slidenum">
               <a:rPr lang="fr-FR" smtClean="0"/>
-              <a:t>22</a:t>
+              <a:t>23</a:t>
             </a:fld>
             <a:endParaRPr lang="fr-FR"/>
           </a:p>
@@ -10954,1336 +11469,6 @@
 </p:sld>
 </file>
 
-<file path=ppt/slides/slide23.xml><?xml version="1.0" encoding="utf-8"?>
-<p:sld xmlns:a="http://schemas.openxmlformats.org/drawingml/2006/main" xmlns:r="http://schemas.openxmlformats.org/officeDocument/2006/relationships" xmlns:p="http://schemas.openxmlformats.org/presentationml/2006/main">
-  <p:cSld>
-    <p:spTree>
-      <p:nvGrpSpPr>
-        <p:cNvPr id="1" name=""/>
-        <p:cNvGrpSpPr/>
-        <p:nvPr/>
-      </p:nvGrpSpPr>
-      <p:grpSpPr>
-        <a:xfrm>
-          <a:off x="0" y="0"/>
-          <a:ext cx="0" cy="0"/>
-          <a:chOff x="0" y="0"/>
-          <a:chExt cx="0" cy="0"/>
-        </a:xfrm>
-      </p:grpSpPr>
-      <p:sp>
-        <p:nvSpPr>
-          <p:cNvPr id="2" name="Titre 1">
-            <a:extLst>
-              <a:ext uri="{FF2B5EF4-FFF2-40B4-BE49-F238E27FC236}">
-                <a16:creationId xmlns:a16="http://schemas.microsoft.com/office/drawing/2014/main" id="{3AC5EA2C-9518-355B-24FA-608C24FE72E3}"/>
-              </a:ext>
-            </a:extLst>
-          </p:cNvPr>
-          <p:cNvSpPr>
-            <a:spLocks noGrp="1"/>
-          </p:cNvSpPr>
-          <p:nvPr>
-            <p:ph type="title"/>
-          </p:nvPr>
-        </p:nvSpPr>
-        <p:spPr>
-          <a:xfrm>
-            <a:off x="145740" y="117877"/>
-            <a:ext cx="11137778" cy="691318"/>
-          </a:xfrm>
-        </p:spPr>
-        <p:txBody>
-          <a:bodyPr>
-            <a:normAutofit/>
-          </a:bodyPr>
-          <a:lstStyle/>
-          <a:p>
-            <a:r>
-              <a:rPr lang="en-US" sz="3200" b="1" dirty="0">
-                <a:latin typeface="Arial" panose="020B0604020202020204" pitchFamily="34" charset="0"/>
-                <a:cs typeface="Arial" panose="020B0604020202020204" pitchFamily="34" charset="0"/>
-              </a:rPr>
-              <a:t>References</a:t>
-            </a:r>
-          </a:p>
-        </p:txBody>
-      </p:sp>
-      <p:sp>
-        <p:nvSpPr>
-          <p:cNvPr id="3" name="Espace réservé du contenu 2">
-            <a:extLst>
-              <a:ext uri="{FF2B5EF4-FFF2-40B4-BE49-F238E27FC236}">
-                <a16:creationId xmlns:a16="http://schemas.microsoft.com/office/drawing/2014/main" id="{7D811F63-52EF-83B1-E13C-148915CEDEC3}"/>
-              </a:ext>
-            </a:extLst>
-          </p:cNvPr>
-          <p:cNvSpPr>
-            <a:spLocks noGrp="1"/>
-          </p:cNvSpPr>
-          <p:nvPr>
-            <p:ph idx="1"/>
-          </p:nvPr>
-        </p:nvSpPr>
-        <p:spPr>
-          <a:xfrm>
-            <a:off x="145740" y="964491"/>
-            <a:ext cx="11910136" cy="5498453"/>
-          </a:xfrm>
-        </p:spPr>
-        <p:txBody>
-          <a:bodyPr/>
-          <a:lstStyle/>
-          <a:p>
-            <a:pPr marL="342900" lvl="0" indent="-342900">
-              <a:lnSpc>
-                <a:spcPct val="107000"/>
-              </a:lnSpc>
-              <a:buFont typeface="+mj-lt"/>
-              <a:buAutoNum type="arabicPeriod"/>
-            </a:pPr>
-            <a:r>
-              <a:rPr lang="fr-FR" sz="1800" dirty="0">
-                <a:effectLst/>
-                <a:latin typeface="Times New Roman" panose="02020603050405020304" pitchFamily="18" charset="0"/>
-                <a:ea typeface="Calibri" panose="020F0502020204030204" pitchFamily="34" charset="0"/>
-                <a:cs typeface="Times New Roman" panose="02020603050405020304" pitchFamily="18" charset="0"/>
-              </a:rPr>
-              <a:t>S. </a:t>
-            </a:r>
-            <a:r>
-              <a:rPr lang="fr-FR" sz="1800" dirty="0" err="1">
-                <a:effectLst/>
-                <a:latin typeface="Times New Roman" panose="02020603050405020304" pitchFamily="18" charset="0"/>
-                <a:ea typeface="Calibri" panose="020F0502020204030204" pitchFamily="34" charset="0"/>
-                <a:cs typeface="Times New Roman" panose="02020603050405020304" pitchFamily="18" charset="0"/>
-              </a:rPr>
-              <a:t>Altschul</a:t>
-            </a:r>
-            <a:r>
-              <a:rPr lang="fr-FR" sz="1800" dirty="0">
-                <a:effectLst/>
-                <a:latin typeface="Times New Roman" panose="02020603050405020304" pitchFamily="18" charset="0"/>
-                <a:ea typeface="Calibri" panose="020F0502020204030204" pitchFamily="34" charset="0"/>
-                <a:cs typeface="Times New Roman" panose="02020603050405020304" pitchFamily="18" charset="0"/>
-              </a:rPr>
-              <a:t> et al. (2017) </a:t>
-            </a:r>
-            <a:r>
-              <a:rPr lang="fr-FR" sz="1800" dirty="0" err="1">
-                <a:effectLst/>
-                <a:latin typeface="Times New Roman" panose="02020603050405020304" pitchFamily="18" charset="0"/>
-                <a:ea typeface="Calibri" panose="020F0502020204030204" pitchFamily="34" charset="0"/>
-                <a:cs typeface="Times New Roman" panose="02020603050405020304" pitchFamily="18" charset="0"/>
-              </a:rPr>
-              <a:t>Handbook</a:t>
-            </a:r>
-            <a:r>
-              <a:rPr lang="fr-FR" sz="1800" dirty="0">
-                <a:effectLst/>
-                <a:latin typeface="Times New Roman" panose="02020603050405020304" pitchFamily="18" charset="0"/>
-                <a:ea typeface="Calibri" panose="020F0502020204030204" pitchFamily="34" charset="0"/>
-                <a:cs typeface="Times New Roman" panose="02020603050405020304" pitchFamily="18" charset="0"/>
-              </a:rPr>
-              <a:t> of </a:t>
-            </a:r>
-            <a:r>
-              <a:rPr lang="fr-FR" sz="1800" dirty="0" err="1">
-                <a:effectLst/>
-                <a:latin typeface="Times New Roman" panose="02020603050405020304" pitchFamily="18" charset="0"/>
-                <a:ea typeface="Calibri" panose="020F0502020204030204" pitchFamily="34" charset="0"/>
-                <a:cs typeface="Times New Roman" panose="02020603050405020304" pitchFamily="18" charset="0"/>
-              </a:rPr>
-              <a:t>Discrete</a:t>
-            </a:r>
-            <a:r>
-              <a:rPr lang="fr-FR" sz="1800" dirty="0">
-                <a:effectLst/>
-                <a:latin typeface="Times New Roman" panose="02020603050405020304" pitchFamily="18" charset="0"/>
-                <a:ea typeface="Calibri" panose="020F0502020204030204" pitchFamily="34" charset="0"/>
-                <a:cs typeface="Times New Roman" panose="02020603050405020304" pitchFamily="18" charset="0"/>
-              </a:rPr>
-              <a:t> and </a:t>
-            </a:r>
-            <a:r>
-              <a:rPr lang="fr-FR" sz="1800" dirty="0" err="1">
-                <a:effectLst/>
-                <a:latin typeface="Times New Roman" panose="02020603050405020304" pitchFamily="18" charset="0"/>
-                <a:ea typeface="Calibri" panose="020F0502020204030204" pitchFamily="34" charset="0"/>
-                <a:cs typeface="Times New Roman" panose="02020603050405020304" pitchFamily="18" charset="0"/>
-              </a:rPr>
-              <a:t>Combinatorial</a:t>
-            </a:r>
-            <a:r>
-              <a:rPr lang="fr-FR" sz="1800" dirty="0">
-                <a:effectLst/>
-                <a:latin typeface="Times New Roman" panose="02020603050405020304" pitchFamily="18" charset="0"/>
-                <a:ea typeface="Calibri" panose="020F0502020204030204" pitchFamily="34" charset="0"/>
-                <a:cs typeface="Times New Roman" panose="02020603050405020304" pitchFamily="18" charset="0"/>
-              </a:rPr>
-              <a:t> </a:t>
-            </a:r>
-            <a:r>
-              <a:rPr lang="fr-FR" sz="1800" dirty="0" err="1">
-                <a:effectLst/>
-                <a:latin typeface="Times New Roman" panose="02020603050405020304" pitchFamily="18" charset="0"/>
-                <a:ea typeface="Calibri" panose="020F0502020204030204" pitchFamily="34" charset="0"/>
-                <a:cs typeface="Times New Roman" panose="02020603050405020304" pitchFamily="18" charset="0"/>
-              </a:rPr>
-              <a:t>Mathematics</a:t>
-            </a:r>
-            <a:r>
-              <a:rPr lang="fr-FR" sz="1800" dirty="0">
-                <a:effectLst/>
-                <a:latin typeface="Times New Roman" panose="02020603050405020304" pitchFamily="18" charset="0"/>
-                <a:ea typeface="Calibri" panose="020F0502020204030204" pitchFamily="34" charset="0"/>
-                <a:cs typeface="Times New Roman" panose="02020603050405020304" pitchFamily="18" charset="0"/>
-              </a:rPr>
-              <a:t>. 2nd </a:t>
-            </a:r>
-            <a:r>
-              <a:rPr lang="fr-FR" sz="1800" dirty="0" err="1">
-                <a:effectLst/>
-                <a:latin typeface="Times New Roman" panose="02020603050405020304" pitchFamily="18" charset="0"/>
-                <a:ea typeface="Calibri" panose="020F0502020204030204" pitchFamily="34" charset="0"/>
-                <a:cs typeface="Times New Roman" panose="02020603050405020304" pitchFamily="18" charset="0"/>
-              </a:rPr>
-              <a:t>edition</a:t>
-            </a:r>
-            <a:r>
-              <a:rPr lang="fr-FR" sz="1800" dirty="0">
-                <a:effectLst/>
-                <a:latin typeface="Times New Roman" panose="02020603050405020304" pitchFamily="18" charset="0"/>
-                <a:ea typeface="Calibri" panose="020F0502020204030204" pitchFamily="34" charset="0"/>
-                <a:cs typeface="Times New Roman" panose="02020603050405020304" pitchFamily="18" charset="0"/>
-              </a:rPr>
-              <a:t>, </a:t>
-            </a:r>
-            <a:r>
-              <a:rPr lang="fr-FR" sz="1800" dirty="0" err="1">
-                <a:effectLst/>
-                <a:latin typeface="Times New Roman" panose="02020603050405020304" pitchFamily="18" charset="0"/>
-                <a:ea typeface="Calibri" panose="020F0502020204030204" pitchFamily="34" charset="0"/>
-                <a:cs typeface="Times New Roman" panose="02020603050405020304" pitchFamily="18" charset="0"/>
-              </a:rPr>
-              <a:t>Chapter</a:t>
-            </a:r>
-            <a:r>
-              <a:rPr lang="fr-FR" sz="1800" dirty="0">
-                <a:effectLst/>
-                <a:latin typeface="Times New Roman" panose="02020603050405020304" pitchFamily="18" charset="0"/>
-                <a:ea typeface="Calibri" panose="020F0502020204030204" pitchFamily="34" charset="0"/>
-                <a:cs typeface="Times New Roman" panose="02020603050405020304" pitchFamily="18" charset="0"/>
-              </a:rPr>
-              <a:t> 20.1 </a:t>
-            </a:r>
-            <a:r>
-              <a:rPr lang="fr-FR" sz="1800" dirty="0" err="1">
-                <a:effectLst/>
-                <a:latin typeface="Times New Roman" panose="02020603050405020304" pitchFamily="18" charset="0"/>
-                <a:ea typeface="Calibri" panose="020F0502020204030204" pitchFamily="34" charset="0"/>
-                <a:cs typeface="Times New Roman" panose="02020603050405020304" pitchFamily="18" charset="0"/>
-              </a:rPr>
-              <a:t>Sequence</a:t>
-            </a:r>
-            <a:endParaRPr lang="fr-FR" sz="1800" dirty="0">
-              <a:effectLst/>
-              <a:latin typeface="Calibri" panose="020F0502020204030204" pitchFamily="34" charset="0"/>
-              <a:ea typeface="Calibri" panose="020F0502020204030204" pitchFamily="34" charset="0"/>
-              <a:cs typeface="Times New Roman" panose="02020603050405020304" pitchFamily="18" charset="0"/>
-            </a:endParaRPr>
-          </a:p>
-          <a:p>
-            <a:pPr marL="342900" lvl="0" indent="-342900" algn="just">
-              <a:lnSpc>
-                <a:spcPct val="107000"/>
-              </a:lnSpc>
-              <a:buFont typeface="+mj-lt"/>
-              <a:buAutoNum type="arabicPeriod"/>
-            </a:pPr>
-            <a:r>
-              <a:rPr lang="fr-FR" sz="1800" dirty="0">
-                <a:effectLst/>
-                <a:latin typeface="Times New Roman" panose="02020603050405020304" pitchFamily="18" charset="0"/>
-                <a:ea typeface="Calibri" panose="020F0502020204030204" pitchFamily="34" charset="0"/>
-                <a:cs typeface="Times New Roman" panose="02020603050405020304" pitchFamily="18" charset="0"/>
-              </a:rPr>
-              <a:t>T. </a:t>
-            </a:r>
-            <a:r>
-              <a:rPr lang="fr-FR" sz="1800" dirty="0" err="1">
-                <a:effectLst/>
-                <a:latin typeface="Times New Roman" panose="02020603050405020304" pitchFamily="18" charset="0"/>
-                <a:ea typeface="Calibri" panose="020F0502020204030204" pitchFamily="34" charset="0"/>
-                <a:cs typeface="Times New Roman" panose="02020603050405020304" pitchFamily="18" charset="0"/>
-              </a:rPr>
-              <a:t>Bepler</a:t>
-            </a:r>
-            <a:r>
-              <a:rPr lang="fr-FR" sz="1800" dirty="0">
-                <a:effectLst/>
-                <a:latin typeface="Times New Roman" panose="02020603050405020304" pitchFamily="18" charset="0"/>
-                <a:ea typeface="Calibri" panose="020F0502020204030204" pitchFamily="34" charset="0"/>
-                <a:cs typeface="Times New Roman" panose="02020603050405020304" pitchFamily="18" charset="0"/>
-              </a:rPr>
-              <a:t> et al. (2021) Learning the </a:t>
-            </a:r>
-            <a:r>
-              <a:rPr lang="fr-FR" sz="1800" dirty="0" err="1">
-                <a:effectLst/>
-                <a:latin typeface="Times New Roman" panose="02020603050405020304" pitchFamily="18" charset="0"/>
-                <a:ea typeface="Calibri" panose="020F0502020204030204" pitchFamily="34" charset="0"/>
-                <a:cs typeface="Times New Roman" panose="02020603050405020304" pitchFamily="18" charset="0"/>
-              </a:rPr>
-              <a:t>protein</a:t>
-            </a:r>
-            <a:r>
-              <a:rPr lang="fr-FR" sz="1800" dirty="0">
-                <a:effectLst/>
-                <a:latin typeface="Times New Roman" panose="02020603050405020304" pitchFamily="18" charset="0"/>
-                <a:ea typeface="Calibri" panose="020F0502020204030204" pitchFamily="34" charset="0"/>
-                <a:cs typeface="Times New Roman" panose="02020603050405020304" pitchFamily="18" charset="0"/>
-              </a:rPr>
-              <a:t> </a:t>
-            </a:r>
-            <a:r>
-              <a:rPr lang="fr-FR" sz="1800" dirty="0" err="1">
-                <a:effectLst/>
-                <a:latin typeface="Times New Roman" panose="02020603050405020304" pitchFamily="18" charset="0"/>
-                <a:ea typeface="Calibri" panose="020F0502020204030204" pitchFamily="34" charset="0"/>
-                <a:cs typeface="Times New Roman" panose="02020603050405020304" pitchFamily="18" charset="0"/>
-              </a:rPr>
-              <a:t>language</a:t>
-            </a:r>
-            <a:r>
-              <a:rPr lang="fr-FR" sz="1800" dirty="0">
-                <a:effectLst/>
-                <a:latin typeface="Times New Roman" panose="02020603050405020304" pitchFamily="18" charset="0"/>
-                <a:ea typeface="Calibri" panose="020F0502020204030204" pitchFamily="34" charset="0"/>
-                <a:cs typeface="Times New Roman" panose="02020603050405020304" pitchFamily="18" charset="0"/>
-              </a:rPr>
-              <a:t>: Evolution, structure, and </a:t>
-            </a:r>
-            <a:r>
-              <a:rPr lang="fr-FR" sz="1800" dirty="0" err="1">
-                <a:effectLst/>
-                <a:latin typeface="Times New Roman" panose="02020603050405020304" pitchFamily="18" charset="0"/>
-                <a:ea typeface="Calibri" panose="020F0502020204030204" pitchFamily="34" charset="0"/>
-                <a:cs typeface="Times New Roman" panose="02020603050405020304" pitchFamily="18" charset="0"/>
-              </a:rPr>
-              <a:t>function</a:t>
-            </a:r>
-            <a:r>
-              <a:rPr lang="fr-FR" sz="1800" dirty="0">
-                <a:effectLst/>
-                <a:latin typeface="Times New Roman" panose="02020603050405020304" pitchFamily="18" charset="0"/>
-                <a:ea typeface="Calibri" panose="020F0502020204030204" pitchFamily="34" charset="0"/>
-                <a:cs typeface="Times New Roman" panose="02020603050405020304" pitchFamily="18" charset="0"/>
-              </a:rPr>
-              <a:t>.</a:t>
-            </a:r>
-            <a:endParaRPr lang="fr-FR" sz="1800" dirty="0">
-              <a:effectLst/>
-              <a:latin typeface="Calibri" panose="020F0502020204030204" pitchFamily="34" charset="0"/>
-              <a:ea typeface="Calibri" panose="020F0502020204030204" pitchFamily="34" charset="0"/>
-              <a:cs typeface="Times New Roman" panose="02020603050405020304" pitchFamily="18" charset="0"/>
-            </a:endParaRPr>
-          </a:p>
-          <a:p>
-            <a:pPr marL="342900" lvl="0" indent="-342900">
-              <a:lnSpc>
-                <a:spcPct val="107000"/>
-              </a:lnSpc>
-              <a:buFont typeface="+mj-lt"/>
-              <a:buAutoNum type="arabicPeriod"/>
-            </a:pPr>
-            <a:r>
-              <a:rPr lang="fr-FR" sz="1800" dirty="0" err="1">
-                <a:effectLst/>
-                <a:latin typeface="Times New Roman" panose="02020603050405020304" pitchFamily="18" charset="0"/>
-                <a:ea typeface="Calibri" panose="020F0502020204030204" pitchFamily="34" charset="0"/>
-                <a:cs typeface="Times New Roman" panose="02020603050405020304" pitchFamily="18" charset="0"/>
-              </a:rPr>
-              <a:t>Needleman</a:t>
-            </a:r>
-            <a:r>
-              <a:rPr lang="fr-FR" sz="1800" dirty="0">
-                <a:effectLst/>
-                <a:latin typeface="Times New Roman" panose="02020603050405020304" pitchFamily="18" charset="0"/>
-                <a:ea typeface="Calibri" panose="020F0502020204030204" pitchFamily="34" charset="0"/>
-                <a:cs typeface="Times New Roman" panose="02020603050405020304" pitchFamily="18" charset="0"/>
-              </a:rPr>
-              <a:t>, Saul B. &amp; </a:t>
-            </a:r>
-            <a:r>
-              <a:rPr lang="fr-FR" sz="1800" dirty="0" err="1">
-                <a:effectLst/>
-                <a:latin typeface="Times New Roman" panose="02020603050405020304" pitchFamily="18" charset="0"/>
-                <a:ea typeface="Calibri" panose="020F0502020204030204" pitchFamily="34" charset="0"/>
-                <a:cs typeface="Times New Roman" panose="02020603050405020304" pitchFamily="18" charset="0"/>
-              </a:rPr>
-              <a:t>Wunsch</a:t>
-            </a:r>
-            <a:r>
-              <a:rPr lang="fr-FR" sz="1800" dirty="0">
-                <a:effectLst/>
-                <a:latin typeface="Times New Roman" panose="02020603050405020304" pitchFamily="18" charset="0"/>
-                <a:ea typeface="Calibri" panose="020F0502020204030204" pitchFamily="34" charset="0"/>
-                <a:cs typeface="Times New Roman" panose="02020603050405020304" pitchFamily="18" charset="0"/>
-              </a:rPr>
-              <a:t>, Christian D. (1970) A </a:t>
-            </a:r>
-            <a:r>
-              <a:rPr lang="fr-FR" sz="1800" dirty="0" err="1">
-                <a:effectLst/>
-                <a:latin typeface="Times New Roman" panose="02020603050405020304" pitchFamily="18" charset="0"/>
-                <a:ea typeface="Calibri" panose="020F0502020204030204" pitchFamily="34" charset="0"/>
-                <a:cs typeface="Times New Roman" panose="02020603050405020304" pitchFamily="18" charset="0"/>
-              </a:rPr>
-              <a:t>general</a:t>
-            </a:r>
-            <a:r>
-              <a:rPr lang="fr-FR" sz="1800" dirty="0">
-                <a:effectLst/>
-                <a:latin typeface="Times New Roman" panose="02020603050405020304" pitchFamily="18" charset="0"/>
-                <a:ea typeface="Calibri" panose="020F0502020204030204" pitchFamily="34" charset="0"/>
-                <a:cs typeface="Times New Roman" panose="02020603050405020304" pitchFamily="18" charset="0"/>
-              </a:rPr>
-              <a:t> </a:t>
-            </a:r>
-            <a:r>
-              <a:rPr lang="fr-FR" sz="1800" dirty="0" err="1">
-                <a:effectLst/>
-                <a:latin typeface="Times New Roman" panose="02020603050405020304" pitchFamily="18" charset="0"/>
-                <a:ea typeface="Calibri" panose="020F0502020204030204" pitchFamily="34" charset="0"/>
-                <a:cs typeface="Times New Roman" panose="02020603050405020304" pitchFamily="18" charset="0"/>
-              </a:rPr>
-              <a:t>method</a:t>
-            </a:r>
-            <a:r>
-              <a:rPr lang="fr-FR" sz="1800" dirty="0">
-                <a:effectLst/>
-                <a:latin typeface="Times New Roman" panose="02020603050405020304" pitchFamily="18" charset="0"/>
-                <a:ea typeface="Calibri" panose="020F0502020204030204" pitchFamily="34" charset="0"/>
-                <a:cs typeface="Times New Roman" panose="02020603050405020304" pitchFamily="18" charset="0"/>
-              </a:rPr>
-              <a:t> applicable to the </a:t>
-            </a:r>
-            <a:r>
-              <a:rPr lang="fr-FR" sz="1800" dirty="0" err="1">
-                <a:effectLst/>
-                <a:latin typeface="Times New Roman" panose="02020603050405020304" pitchFamily="18" charset="0"/>
-                <a:ea typeface="Calibri" panose="020F0502020204030204" pitchFamily="34" charset="0"/>
-                <a:cs typeface="Times New Roman" panose="02020603050405020304" pitchFamily="18" charset="0"/>
-              </a:rPr>
-              <a:t>search</a:t>
-            </a:r>
-            <a:r>
-              <a:rPr lang="fr-FR" sz="1800" dirty="0">
-                <a:effectLst/>
-                <a:latin typeface="Times New Roman" panose="02020603050405020304" pitchFamily="18" charset="0"/>
-                <a:ea typeface="Calibri" panose="020F0502020204030204" pitchFamily="34" charset="0"/>
-                <a:cs typeface="Times New Roman" panose="02020603050405020304" pitchFamily="18" charset="0"/>
-              </a:rPr>
-              <a:t> for </a:t>
-            </a:r>
-            <a:r>
-              <a:rPr lang="fr-FR" sz="1800" dirty="0" err="1">
-                <a:effectLst/>
-                <a:latin typeface="Times New Roman" panose="02020603050405020304" pitchFamily="18" charset="0"/>
-                <a:ea typeface="Calibri" panose="020F0502020204030204" pitchFamily="34" charset="0"/>
-                <a:cs typeface="Times New Roman" panose="02020603050405020304" pitchFamily="18" charset="0"/>
-              </a:rPr>
-              <a:t>similarities</a:t>
-            </a:r>
-            <a:r>
-              <a:rPr lang="fr-FR" sz="1800" dirty="0">
-                <a:effectLst/>
-                <a:latin typeface="Times New Roman" panose="02020603050405020304" pitchFamily="18" charset="0"/>
-                <a:ea typeface="Calibri" panose="020F0502020204030204" pitchFamily="34" charset="0"/>
-                <a:cs typeface="Times New Roman" panose="02020603050405020304" pitchFamily="18" charset="0"/>
-              </a:rPr>
-              <a:t> in the </a:t>
-            </a:r>
-            <a:r>
-              <a:rPr lang="fr-FR" sz="1800" dirty="0" err="1">
-                <a:effectLst/>
-                <a:latin typeface="Times New Roman" panose="02020603050405020304" pitchFamily="18" charset="0"/>
-                <a:ea typeface="Calibri" panose="020F0502020204030204" pitchFamily="34" charset="0"/>
-                <a:cs typeface="Times New Roman" panose="02020603050405020304" pitchFamily="18" charset="0"/>
-              </a:rPr>
-              <a:t>amino</a:t>
-            </a:r>
-            <a:r>
-              <a:rPr lang="fr-FR" sz="1800" dirty="0">
-                <a:effectLst/>
-                <a:latin typeface="Times New Roman" panose="02020603050405020304" pitchFamily="18" charset="0"/>
-                <a:ea typeface="Calibri" panose="020F0502020204030204" pitchFamily="34" charset="0"/>
-                <a:cs typeface="Times New Roman" panose="02020603050405020304" pitchFamily="18" charset="0"/>
-              </a:rPr>
-              <a:t> </a:t>
-            </a:r>
-            <a:r>
-              <a:rPr lang="fr-FR" sz="1800" dirty="0" err="1">
-                <a:effectLst/>
-                <a:latin typeface="Times New Roman" panose="02020603050405020304" pitchFamily="18" charset="0"/>
-                <a:ea typeface="Calibri" panose="020F0502020204030204" pitchFamily="34" charset="0"/>
-                <a:cs typeface="Times New Roman" panose="02020603050405020304" pitchFamily="18" charset="0"/>
-              </a:rPr>
-              <a:t>acid</a:t>
-            </a:r>
-            <a:r>
-              <a:rPr lang="fr-FR" sz="1800" dirty="0">
-                <a:effectLst/>
-                <a:latin typeface="Times New Roman" panose="02020603050405020304" pitchFamily="18" charset="0"/>
-                <a:ea typeface="Calibri" panose="020F0502020204030204" pitchFamily="34" charset="0"/>
-                <a:cs typeface="Times New Roman" panose="02020603050405020304" pitchFamily="18" charset="0"/>
-              </a:rPr>
-              <a:t> </a:t>
-            </a:r>
-            <a:r>
-              <a:rPr lang="fr-FR" sz="1800" dirty="0" err="1">
-                <a:effectLst/>
-                <a:latin typeface="Times New Roman" panose="02020603050405020304" pitchFamily="18" charset="0"/>
-                <a:ea typeface="Calibri" panose="020F0502020204030204" pitchFamily="34" charset="0"/>
-                <a:cs typeface="Times New Roman" panose="02020603050405020304" pitchFamily="18" charset="0"/>
-              </a:rPr>
-              <a:t>sequence</a:t>
-            </a:r>
-            <a:r>
-              <a:rPr lang="fr-FR" sz="1800" dirty="0">
-                <a:effectLst/>
-                <a:latin typeface="Times New Roman" panose="02020603050405020304" pitchFamily="18" charset="0"/>
-                <a:ea typeface="Calibri" panose="020F0502020204030204" pitchFamily="34" charset="0"/>
-                <a:cs typeface="Times New Roman" panose="02020603050405020304" pitchFamily="18" charset="0"/>
-              </a:rPr>
-              <a:t> of </a:t>
-            </a:r>
-            <a:r>
-              <a:rPr lang="fr-FR" sz="1800" dirty="0" err="1">
-                <a:effectLst/>
-                <a:latin typeface="Times New Roman" panose="02020603050405020304" pitchFamily="18" charset="0"/>
-                <a:ea typeface="Calibri" panose="020F0502020204030204" pitchFamily="34" charset="0"/>
-                <a:cs typeface="Times New Roman" panose="02020603050405020304" pitchFamily="18" charset="0"/>
-              </a:rPr>
-              <a:t>two</a:t>
-            </a:r>
-            <a:r>
-              <a:rPr lang="fr-FR" sz="1800" dirty="0">
-                <a:effectLst/>
-                <a:latin typeface="Times New Roman" panose="02020603050405020304" pitchFamily="18" charset="0"/>
-                <a:ea typeface="Calibri" panose="020F0502020204030204" pitchFamily="34" charset="0"/>
-                <a:cs typeface="Times New Roman" panose="02020603050405020304" pitchFamily="18" charset="0"/>
-              </a:rPr>
-              <a:t> </a:t>
-            </a:r>
-            <a:r>
-              <a:rPr lang="fr-FR" sz="1800" dirty="0" err="1">
-                <a:effectLst/>
-                <a:latin typeface="Times New Roman" panose="02020603050405020304" pitchFamily="18" charset="0"/>
-                <a:ea typeface="Calibri" panose="020F0502020204030204" pitchFamily="34" charset="0"/>
-                <a:cs typeface="Times New Roman" panose="02020603050405020304" pitchFamily="18" charset="0"/>
-              </a:rPr>
-              <a:t>proteins</a:t>
-            </a:r>
-            <a:r>
-              <a:rPr lang="fr-FR" sz="1800" dirty="0">
-                <a:effectLst/>
-                <a:latin typeface="Times New Roman" panose="02020603050405020304" pitchFamily="18" charset="0"/>
-                <a:ea typeface="Calibri" panose="020F0502020204030204" pitchFamily="34" charset="0"/>
-                <a:cs typeface="Times New Roman" panose="02020603050405020304" pitchFamily="18" charset="0"/>
-              </a:rPr>
-              <a:t>.</a:t>
-            </a:r>
-            <a:endParaRPr lang="fr-FR" sz="1800" dirty="0">
-              <a:effectLst/>
-              <a:latin typeface="Calibri" panose="020F0502020204030204" pitchFamily="34" charset="0"/>
-              <a:ea typeface="Calibri" panose="020F0502020204030204" pitchFamily="34" charset="0"/>
-              <a:cs typeface="Times New Roman" panose="02020603050405020304" pitchFamily="18" charset="0"/>
-            </a:endParaRPr>
-          </a:p>
-          <a:p>
-            <a:pPr marL="342900" lvl="0" indent="-342900">
-              <a:lnSpc>
-                <a:spcPct val="107000"/>
-              </a:lnSpc>
-              <a:buFont typeface="+mj-lt"/>
-              <a:buAutoNum type="arabicPeriod"/>
-            </a:pPr>
-            <a:r>
-              <a:rPr lang="fr-FR" sz="1800" dirty="0">
-                <a:effectLst/>
-                <a:latin typeface="Times New Roman" panose="02020603050405020304" pitchFamily="18" charset="0"/>
-                <a:ea typeface="Calibri" panose="020F0502020204030204" pitchFamily="34" charset="0"/>
-                <a:cs typeface="Times New Roman" panose="02020603050405020304" pitchFamily="18" charset="0"/>
-              </a:rPr>
-              <a:t>Smith, Temple F. &amp; Waterman, Michael S. (1981) Identification of Common </a:t>
-            </a:r>
-            <a:r>
-              <a:rPr lang="fr-FR" sz="1800" dirty="0" err="1">
-                <a:effectLst/>
-                <a:latin typeface="Times New Roman" panose="02020603050405020304" pitchFamily="18" charset="0"/>
-                <a:ea typeface="Calibri" panose="020F0502020204030204" pitchFamily="34" charset="0"/>
-                <a:cs typeface="Times New Roman" panose="02020603050405020304" pitchFamily="18" charset="0"/>
-              </a:rPr>
-              <a:t>Molecular</a:t>
-            </a:r>
-            <a:r>
-              <a:rPr lang="fr-FR" sz="1800" dirty="0">
-                <a:effectLst/>
-                <a:latin typeface="Times New Roman" panose="02020603050405020304" pitchFamily="18" charset="0"/>
-                <a:ea typeface="Calibri" panose="020F0502020204030204" pitchFamily="34" charset="0"/>
-                <a:cs typeface="Times New Roman" panose="02020603050405020304" pitchFamily="18" charset="0"/>
-              </a:rPr>
-              <a:t> </a:t>
-            </a:r>
-            <a:r>
-              <a:rPr lang="fr-FR" sz="1800" dirty="0" err="1">
-                <a:effectLst/>
-                <a:latin typeface="Times New Roman" panose="02020603050405020304" pitchFamily="18" charset="0"/>
-                <a:ea typeface="Calibri" panose="020F0502020204030204" pitchFamily="34" charset="0"/>
-                <a:cs typeface="Times New Roman" panose="02020603050405020304" pitchFamily="18" charset="0"/>
-              </a:rPr>
-              <a:t>Subsequences</a:t>
-            </a:r>
-            <a:r>
-              <a:rPr lang="fr-FR" sz="1800" dirty="0">
-                <a:effectLst/>
-                <a:latin typeface="Times New Roman" panose="02020603050405020304" pitchFamily="18" charset="0"/>
-                <a:ea typeface="Calibri" panose="020F0502020204030204" pitchFamily="34" charset="0"/>
-                <a:cs typeface="Times New Roman" panose="02020603050405020304" pitchFamily="18" charset="0"/>
-              </a:rPr>
-              <a:t>.</a:t>
-            </a:r>
-            <a:endParaRPr lang="fr-FR" sz="1800" dirty="0">
-              <a:effectLst/>
-              <a:latin typeface="Calibri" panose="020F0502020204030204" pitchFamily="34" charset="0"/>
-              <a:ea typeface="Calibri" panose="020F0502020204030204" pitchFamily="34" charset="0"/>
-              <a:cs typeface="Times New Roman" panose="02020603050405020304" pitchFamily="18" charset="0"/>
-            </a:endParaRPr>
-          </a:p>
-          <a:p>
-            <a:pPr marL="342900" lvl="0" indent="-342900">
-              <a:lnSpc>
-                <a:spcPct val="107000"/>
-              </a:lnSpc>
-              <a:buFont typeface="+mj-lt"/>
-              <a:buAutoNum type="arabicPeriod"/>
-            </a:pPr>
-            <a:r>
-              <a:rPr lang="fr-FR" sz="1800" u="none" strike="noStrike" dirty="0">
-                <a:solidFill>
-                  <a:srgbClr val="0000FF"/>
-                </a:solidFill>
-                <a:effectLst/>
-                <a:latin typeface="Times New Roman" panose="02020603050405020304" pitchFamily="18" charset="0"/>
-                <a:ea typeface="Calibri" panose="020F0502020204030204" pitchFamily="34" charset="0"/>
-                <a:cs typeface="Times New Roman" panose="02020603050405020304" pitchFamily="18" charset="0"/>
-                <a:hlinkClick r:id="rId2"/>
-              </a:rPr>
-              <a:t>A </a:t>
-            </a:r>
-            <a:r>
-              <a:rPr lang="fr-FR" sz="1800" u="none" strike="noStrike" dirty="0" err="1">
-                <a:solidFill>
-                  <a:srgbClr val="0000FF"/>
-                </a:solidFill>
-                <a:effectLst/>
-                <a:latin typeface="Times New Roman" panose="02020603050405020304" pitchFamily="18" charset="0"/>
-                <a:ea typeface="Calibri" panose="020F0502020204030204" pitchFamily="34" charset="0"/>
-                <a:cs typeface="Times New Roman" panose="02020603050405020304" pitchFamily="18" charset="0"/>
-                <a:hlinkClick r:id="rId2"/>
-              </a:rPr>
-              <a:t>Elnaggar</a:t>
-            </a:r>
-            <a:r>
-              <a:rPr lang="fr-FR" sz="1800" dirty="0">
-                <a:effectLst/>
-                <a:latin typeface="Times New Roman" panose="02020603050405020304" pitchFamily="18" charset="0"/>
-                <a:ea typeface="Calibri" panose="020F0502020204030204" pitchFamily="34" charset="0"/>
-                <a:cs typeface="Times New Roman" panose="02020603050405020304" pitchFamily="18" charset="0"/>
-              </a:rPr>
-              <a:t> et al. (2020) </a:t>
-            </a:r>
-            <a:r>
-              <a:rPr lang="fr-FR" sz="1800" dirty="0" err="1">
-                <a:effectLst/>
-                <a:latin typeface="Times New Roman" panose="02020603050405020304" pitchFamily="18" charset="0"/>
-                <a:ea typeface="Calibri" panose="020F0502020204030204" pitchFamily="34" charset="0"/>
-                <a:cs typeface="Times New Roman" panose="02020603050405020304" pitchFamily="18" charset="0"/>
-              </a:rPr>
-              <a:t>ProtTrans</a:t>
-            </a:r>
-            <a:r>
-              <a:rPr lang="fr-FR" sz="1800" dirty="0">
-                <a:effectLst/>
-                <a:latin typeface="Times New Roman" panose="02020603050405020304" pitchFamily="18" charset="0"/>
-                <a:ea typeface="Calibri" panose="020F0502020204030204" pitchFamily="34" charset="0"/>
-                <a:cs typeface="Times New Roman" panose="02020603050405020304" pitchFamily="18" charset="0"/>
-              </a:rPr>
-              <a:t>: </a:t>
-            </a:r>
-            <a:r>
-              <a:rPr lang="fr-FR" sz="1800" dirty="0" err="1">
-                <a:effectLst/>
-                <a:latin typeface="Times New Roman" panose="02020603050405020304" pitchFamily="18" charset="0"/>
-                <a:ea typeface="Calibri" panose="020F0502020204030204" pitchFamily="34" charset="0"/>
-                <a:cs typeface="Times New Roman" panose="02020603050405020304" pitchFamily="18" charset="0"/>
-              </a:rPr>
-              <a:t>Towards</a:t>
-            </a:r>
-            <a:r>
-              <a:rPr lang="fr-FR" sz="1800" dirty="0">
-                <a:effectLst/>
-                <a:latin typeface="Times New Roman" panose="02020603050405020304" pitchFamily="18" charset="0"/>
-                <a:ea typeface="Calibri" panose="020F0502020204030204" pitchFamily="34" charset="0"/>
-                <a:cs typeface="Times New Roman" panose="02020603050405020304" pitchFamily="18" charset="0"/>
-              </a:rPr>
-              <a:t> Cracking the </a:t>
-            </a:r>
-            <a:r>
-              <a:rPr lang="fr-FR" sz="1800" dirty="0" err="1">
-                <a:effectLst/>
-                <a:latin typeface="Times New Roman" panose="02020603050405020304" pitchFamily="18" charset="0"/>
-                <a:ea typeface="Calibri" panose="020F0502020204030204" pitchFamily="34" charset="0"/>
-                <a:cs typeface="Times New Roman" panose="02020603050405020304" pitchFamily="18" charset="0"/>
-              </a:rPr>
-              <a:t>Language</a:t>
-            </a:r>
-            <a:r>
-              <a:rPr lang="fr-FR" sz="1800" dirty="0">
-                <a:effectLst/>
-                <a:latin typeface="Times New Roman" panose="02020603050405020304" pitchFamily="18" charset="0"/>
-                <a:ea typeface="Calibri" panose="020F0502020204030204" pitchFamily="34" charset="0"/>
-                <a:cs typeface="Times New Roman" panose="02020603050405020304" pitchFamily="18" charset="0"/>
-              </a:rPr>
-              <a:t> of </a:t>
-            </a:r>
-            <a:r>
-              <a:rPr lang="fr-FR" sz="1800" dirty="0" err="1">
-                <a:effectLst/>
-                <a:latin typeface="Times New Roman" panose="02020603050405020304" pitchFamily="18" charset="0"/>
-                <a:ea typeface="Calibri" panose="020F0502020204030204" pitchFamily="34" charset="0"/>
-                <a:cs typeface="Times New Roman" panose="02020603050405020304" pitchFamily="18" charset="0"/>
-              </a:rPr>
-              <a:t>Life's</a:t>
-            </a:r>
-            <a:r>
-              <a:rPr lang="fr-FR" sz="1800" dirty="0">
-                <a:effectLst/>
-                <a:latin typeface="Times New Roman" panose="02020603050405020304" pitchFamily="18" charset="0"/>
-                <a:ea typeface="Calibri" panose="020F0502020204030204" pitchFamily="34" charset="0"/>
-                <a:cs typeface="Times New Roman" panose="02020603050405020304" pitchFamily="18" charset="0"/>
-              </a:rPr>
-              <a:t> Code </a:t>
-            </a:r>
-            <a:r>
-              <a:rPr lang="fr-FR" sz="1800" dirty="0" err="1">
-                <a:effectLst/>
-                <a:latin typeface="Times New Roman" panose="02020603050405020304" pitchFamily="18" charset="0"/>
-                <a:ea typeface="Calibri" panose="020F0502020204030204" pitchFamily="34" charset="0"/>
-                <a:cs typeface="Times New Roman" panose="02020603050405020304" pitchFamily="18" charset="0"/>
-              </a:rPr>
-              <a:t>Through</a:t>
-            </a:r>
-            <a:r>
-              <a:rPr lang="fr-FR" sz="1800" dirty="0">
-                <a:effectLst/>
-                <a:latin typeface="Times New Roman" panose="02020603050405020304" pitchFamily="18" charset="0"/>
-                <a:ea typeface="Calibri" panose="020F0502020204030204" pitchFamily="34" charset="0"/>
-                <a:cs typeface="Times New Roman" panose="02020603050405020304" pitchFamily="18" charset="0"/>
-              </a:rPr>
-              <a:t> Self-</a:t>
-            </a:r>
-            <a:r>
-              <a:rPr lang="fr-FR" sz="1800" dirty="0" err="1">
-                <a:effectLst/>
-                <a:latin typeface="Times New Roman" panose="02020603050405020304" pitchFamily="18" charset="0"/>
-                <a:ea typeface="Calibri" panose="020F0502020204030204" pitchFamily="34" charset="0"/>
-                <a:cs typeface="Times New Roman" panose="02020603050405020304" pitchFamily="18" charset="0"/>
-              </a:rPr>
-              <a:t>Supervised</a:t>
-            </a:r>
-            <a:r>
-              <a:rPr lang="fr-FR" sz="1800" dirty="0">
-                <a:effectLst/>
-                <a:latin typeface="Times New Roman" panose="02020603050405020304" pitchFamily="18" charset="0"/>
-                <a:ea typeface="Calibri" panose="020F0502020204030204" pitchFamily="34" charset="0"/>
-                <a:cs typeface="Times New Roman" panose="02020603050405020304" pitchFamily="18" charset="0"/>
-              </a:rPr>
-              <a:t> </a:t>
-            </a:r>
-            <a:r>
-              <a:rPr lang="fr-FR" sz="1800" dirty="0" err="1">
-                <a:effectLst/>
-                <a:latin typeface="Times New Roman" panose="02020603050405020304" pitchFamily="18" charset="0"/>
-                <a:ea typeface="Calibri" panose="020F0502020204030204" pitchFamily="34" charset="0"/>
-                <a:cs typeface="Times New Roman" panose="02020603050405020304" pitchFamily="18" charset="0"/>
-              </a:rPr>
-              <a:t>Deep</a:t>
-            </a:r>
-            <a:r>
-              <a:rPr lang="fr-FR" sz="1800" dirty="0">
-                <a:effectLst/>
-                <a:latin typeface="Times New Roman" panose="02020603050405020304" pitchFamily="18" charset="0"/>
-                <a:ea typeface="Calibri" panose="020F0502020204030204" pitchFamily="34" charset="0"/>
-                <a:cs typeface="Times New Roman" panose="02020603050405020304" pitchFamily="18" charset="0"/>
-              </a:rPr>
-              <a:t> Learning and High Performance </a:t>
-            </a:r>
-            <a:r>
-              <a:rPr lang="fr-FR" sz="1800" dirty="0" err="1">
-                <a:effectLst/>
-                <a:latin typeface="Times New Roman" panose="02020603050405020304" pitchFamily="18" charset="0"/>
-                <a:ea typeface="Calibri" panose="020F0502020204030204" pitchFamily="34" charset="0"/>
-                <a:cs typeface="Times New Roman" panose="02020603050405020304" pitchFamily="18" charset="0"/>
-              </a:rPr>
-              <a:t>Computing</a:t>
-            </a:r>
-            <a:r>
-              <a:rPr lang="fr-FR" sz="1800" dirty="0">
-                <a:effectLst/>
-                <a:latin typeface="Times New Roman" panose="02020603050405020304" pitchFamily="18" charset="0"/>
-                <a:ea typeface="Calibri" panose="020F0502020204030204" pitchFamily="34" charset="0"/>
-                <a:cs typeface="Times New Roman" panose="02020603050405020304" pitchFamily="18" charset="0"/>
-              </a:rPr>
-              <a:t> </a:t>
-            </a:r>
-            <a:endParaRPr lang="fr-FR" sz="1800" dirty="0">
-              <a:effectLst/>
-              <a:latin typeface="Calibri" panose="020F0502020204030204" pitchFamily="34" charset="0"/>
-              <a:ea typeface="Calibri" panose="020F0502020204030204" pitchFamily="34" charset="0"/>
-              <a:cs typeface="Times New Roman" panose="02020603050405020304" pitchFamily="18" charset="0"/>
-            </a:endParaRPr>
-          </a:p>
-          <a:p>
-            <a:pPr marL="342900" lvl="0" indent="-342900">
-              <a:lnSpc>
-                <a:spcPct val="107000"/>
-              </a:lnSpc>
-              <a:buFont typeface="+mj-lt"/>
-              <a:buAutoNum type="arabicPeriod"/>
-            </a:pPr>
-            <a:r>
-              <a:rPr lang="fr-FR" sz="1800" dirty="0">
-                <a:effectLst/>
-                <a:latin typeface="Times New Roman" panose="02020603050405020304" pitchFamily="18" charset="0"/>
-                <a:ea typeface="Calibri" panose="020F0502020204030204" pitchFamily="34" charset="0"/>
-                <a:cs typeface="Times New Roman" panose="02020603050405020304" pitchFamily="18" charset="0"/>
-              </a:rPr>
-              <a:t>Page pdb de la 6-phosphofructo-2-kinase/fructose-2,6-bisphosphatase </a:t>
-            </a:r>
-            <a:r>
-              <a:rPr lang="fr-FR" sz="1800" dirty="0" err="1">
-                <a:effectLst/>
-                <a:latin typeface="Times New Roman" panose="02020603050405020304" pitchFamily="18" charset="0"/>
-                <a:ea typeface="Calibri" panose="020F0502020204030204" pitchFamily="34" charset="0"/>
-                <a:cs typeface="Times New Roman" panose="02020603050405020304" pitchFamily="18" charset="0"/>
-              </a:rPr>
-              <a:t>bifunctional</a:t>
-            </a:r>
-            <a:r>
-              <a:rPr lang="fr-FR" sz="1800" dirty="0">
-                <a:effectLst/>
-                <a:latin typeface="Times New Roman" panose="02020603050405020304" pitchFamily="18" charset="0"/>
-                <a:ea typeface="Calibri" panose="020F0502020204030204" pitchFamily="34" charset="0"/>
-                <a:cs typeface="Times New Roman" panose="02020603050405020304" pitchFamily="18" charset="0"/>
-              </a:rPr>
-              <a:t> enzyme </a:t>
-            </a:r>
-            <a:r>
-              <a:rPr lang="fr-FR" sz="1800" dirty="0" err="1">
-                <a:effectLst/>
-                <a:latin typeface="Times New Roman" panose="02020603050405020304" pitchFamily="18" charset="0"/>
-                <a:ea typeface="Calibri" panose="020F0502020204030204" pitchFamily="34" charset="0"/>
-                <a:cs typeface="Times New Roman" panose="02020603050405020304" pitchFamily="18" charset="0"/>
-              </a:rPr>
-              <a:t>complexed</a:t>
-            </a:r>
-            <a:r>
-              <a:rPr lang="fr-FR" sz="1800" dirty="0">
-                <a:effectLst/>
-                <a:latin typeface="Times New Roman" panose="02020603050405020304" pitchFamily="18" charset="0"/>
-                <a:ea typeface="Calibri" panose="020F0502020204030204" pitchFamily="34" charset="0"/>
-                <a:cs typeface="Times New Roman" panose="02020603050405020304" pitchFamily="18" charset="0"/>
-              </a:rPr>
-              <a:t> </a:t>
-            </a:r>
-            <a:r>
-              <a:rPr lang="fr-FR" sz="1800" dirty="0" err="1">
-                <a:effectLst/>
-                <a:latin typeface="Times New Roman" panose="02020603050405020304" pitchFamily="18" charset="0"/>
-                <a:ea typeface="Calibri" panose="020F0502020204030204" pitchFamily="34" charset="0"/>
-                <a:cs typeface="Times New Roman" panose="02020603050405020304" pitchFamily="18" charset="0"/>
-              </a:rPr>
-              <a:t>with</a:t>
-            </a:r>
-            <a:r>
-              <a:rPr lang="fr-FR" sz="1800" dirty="0">
-                <a:effectLst/>
-                <a:latin typeface="Times New Roman" panose="02020603050405020304" pitchFamily="18" charset="0"/>
-                <a:ea typeface="Calibri" panose="020F0502020204030204" pitchFamily="34" charset="0"/>
-                <a:cs typeface="Times New Roman" panose="02020603050405020304" pitchFamily="18" charset="0"/>
-              </a:rPr>
-              <a:t> atp-g-s and phosphate : </a:t>
-            </a:r>
-            <a:r>
-              <a:rPr lang="fr-FR" sz="1800" u="sng" dirty="0">
-                <a:solidFill>
-                  <a:srgbClr val="0000FF"/>
-                </a:solidFill>
-                <a:effectLst/>
-                <a:latin typeface="Times New Roman" panose="02020603050405020304" pitchFamily="18" charset="0"/>
-                <a:ea typeface="Calibri" panose="020F0502020204030204" pitchFamily="34" charset="0"/>
-                <a:cs typeface="Times New Roman" panose="02020603050405020304" pitchFamily="18" charset="0"/>
-                <a:hlinkClick r:id="rId3"/>
-              </a:rPr>
-              <a:t>https://www.rcsb.org/structure/1bif</a:t>
-            </a:r>
-            <a:r>
-              <a:rPr lang="fr-FR" sz="1800" dirty="0">
-                <a:effectLst/>
-                <a:latin typeface="Times New Roman" panose="02020603050405020304" pitchFamily="18" charset="0"/>
-                <a:ea typeface="Calibri" panose="020F0502020204030204" pitchFamily="34" charset="0"/>
-                <a:cs typeface="Times New Roman" panose="02020603050405020304" pitchFamily="18" charset="0"/>
-              </a:rPr>
-              <a:t> </a:t>
-            </a:r>
-            <a:endParaRPr lang="fr-FR" sz="1800" dirty="0">
-              <a:effectLst/>
-              <a:latin typeface="Calibri" panose="020F0502020204030204" pitchFamily="34" charset="0"/>
-              <a:ea typeface="Calibri" panose="020F0502020204030204" pitchFamily="34" charset="0"/>
-              <a:cs typeface="Times New Roman" panose="02020603050405020304" pitchFamily="18" charset="0"/>
-            </a:endParaRPr>
-          </a:p>
-          <a:p>
-            <a:pPr marL="342900" lvl="0" indent="-342900">
-              <a:lnSpc>
-                <a:spcPct val="107000"/>
-              </a:lnSpc>
-              <a:buFont typeface="+mj-lt"/>
-              <a:buAutoNum type="arabicPeriod"/>
-            </a:pPr>
-            <a:r>
-              <a:rPr lang="fr-FR" sz="1800" dirty="0">
-                <a:effectLst/>
-                <a:latin typeface="Times New Roman" panose="02020603050405020304" pitchFamily="18" charset="0"/>
-                <a:ea typeface="Calibri" panose="020F0502020204030204" pitchFamily="34" charset="0"/>
-                <a:cs typeface="Times New Roman" panose="02020603050405020304" pitchFamily="18" charset="0"/>
-              </a:rPr>
-              <a:t>Page pdb de la hyperthermophile </a:t>
-            </a:r>
-            <a:r>
-              <a:rPr lang="fr-FR" sz="1800" dirty="0" err="1">
-                <a:effectLst/>
-                <a:latin typeface="Times New Roman" panose="02020603050405020304" pitchFamily="18" charset="0"/>
-                <a:ea typeface="Calibri" panose="020F0502020204030204" pitchFamily="34" charset="0"/>
-                <a:cs typeface="Times New Roman" panose="02020603050405020304" pitchFamily="18" charset="0"/>
-              </a:rPr>
-              <a:t>chromosomal</a:t>
-            </a:r>
-            <a:r>
-              <a:rPr lang="fr-FR" sz="1800" dirty="0">
-                <a:effectLst/>
-                <a:latin typeface="Times New Roman" panose="02020603050405020304" pitchFamily="18" charset="0"/>
-                <a:ea typeface="Calibri" panose="020F0502020204030204" pitchFamily="34" charset="0"/>
-                <a:cs typeface="Times New Roman" panose="02020603050405020304" pitchFamily="18" charset="0"/>
-              </a:rPr>
-              <a:t> </a:t>
-            </a:r>
-            <a:r>
-              <a:rPr lang="fr-FR" sz="1800" dirty="0" err="1">
-                <a:effectLst/>
-                <a:latin typeface="Times New Roman" panose="02020603050405020304" pitchFamily="18" charset="0"/>
-                <a:ea typeface="Calibri" panose="020F0502020204030204" pitchFamily="34" charset="0"/>
-                <a:cs typeface="Times New Roman" panose="02020603050405020304" pitchFamily="18" charset="0"/>
-              </a:rPr>
-              <a:t>protein</a:t>
-            </a:r>
-            <a:r>
-              <a:rPr lang="fr-FR" sz="1800" dirty="0">
-                <a:effectLst/>
-                <a:latin typeface="Times New Roman" panose="02020603050405020304" pitchFamily="18" charset="0"/>
-                <a:ea typeface="Calibri" panose="020F0502020204030204" pitchFamily="34" charset="0"/>
-                <a:cs typeface="Times New Roman" panose="02020603050405020304" pitchFamily="18" charset="0"/>
-              </a:rPr>
-              <a:t> sac7d </a:t>
-            </a:r>
-            <a:r>
-              <a:rPr lang="fr-FR" sz="1800" dirty="0" err="1">
-                <a:effectLst/>
-                <a:latin typeface="Times New Roman" panose="02020603050405020304" pitchFamily="18" charset="0"/>
-                <a:ea typeface="Calibri" panose="020F0502020204030204" pitchFamily="34" charset="0"/>
-                <a:cs typeface="Times New Roman" panose="02020603050405020304" pitchFamily="18" charset="0"/>
-              </a:rPr>
-              <a:t>bound</a:t>
-            </a:r>
-            <a:r>
-              <a:rPr lang="fr-FR" sz="1800" dirty="0">
-                <a:effectLst/>
-                <a:latin typeface="Times New Roman" panose="02020603050405020304" pitchFamily="18" charset="0"/>
-                <a:ea typeface="Calibri" panose="020F0502020204030204" pitchFamily="34" charset="0"/>
-                <a:cs typeface="Times New Roman" panose="02020603050405020304" pitchFamily="18" charset="0"/>
-              </a:rPr>
-              <a:t> </a:t>
-            </a:r>
-            <a:r>
-              <a:rPr lang="fr-FR" sz="1800" dirty="0" err="1">
-                <a:effectLst/>
-                <a:latin typeface="Times New Roman" panose="02020603050405020304" pitchFamily="18" charset="0"/>
-                <a:ea typeface="Calibri" panose="020F0502020204030204" pitchFamily="34" charset="0"/>
-                <a:cs typeface="Times New Roman" panose="02020603050405020304" pitchFamily="18" charset="0"/>
-              </a:rPr>
-              <a:t>with</a:t>
-            </a:r>
-            <a:r>
-              <a:rPr lang="fr-FR" sz="1800" dirty="0">
-                <a:effectLst/>
-                <a:latin typeface="Times New Roman" panose="02020603050405020304" pitchFamily="18" charset="0"/>
-                <a:ea typeface="Calibri" panose="020F0502020204030204" pitchFamily="34" charset="0"/>
-                <a:cs typeface="Times New Roman" panose="02020603050405020304" pitchFamily="18" charset="0"/>
-              </a:rPr>
-              <a:t> </a:t>
-            </a:r>
-            <a:r>
-              <a:rPr lang="fr-FR" sz="1800" dirty="0" err="1">
-                <a:effectLst/>
-                <a:latin typeface="Times New Roman" panose="02020603050405020304" pitchFamily="18" charset="0"/>
-                <a:ea typeface="Calibri" panose="020F0502020204030204" pitchFamily="34" charset="0"/>
-                <a:cs typeface="Times New Roman" panose="02020603050405020304" pitchFamily="18" charset="0"/>
-              </a:rPr>
-              <a:t>kinked</a:t>
-            </a:r>
-            <a:r>
-              <a:rPr lang="fr-FR" sz="1800" dirty="0">
-                <a:effectLst/>
-                <a:latin typeface="Times New Roman" panose="02020603050405020304" pitchFamily="18" charset="0"/>
-                <a:ea typeface="Calibri" panose="020F0502020204030204" pitchFamily="34" charset="0"/>
-                <a:cs typeface="Times New Roman" panose="02020603050405020304" pitchFamily="18" charset="0"/>
-              </a:rPr>
-              <a:t> </a:t>
-            </a:r>
-            <a:r>
-              <a:rPr lang="fr-FR" sz="1800" dirty="0" err="1">
-                <a:effectLst/>
-                <a:latin typeface="Times New Roman" panose="02020603050405020304" pitchFamily="18" charset="0"/>
-                <a:ea typeface="Calibri" panose="020F0502020204030204" pitchFamily="34" charset="0"/>
-                <a:cs typeface="Times New Roman" panose="02020603050405020304" pitchFamily="18" charset="0"/>
-              </a:rPr>
-              <a:t>dna</a:t>
-            </a:r>
-            <a:r>
-              <a:rPr lang="fr-FR" sz="1800" dirty="0">
-                <a:effectLst/>
-                <a:latin typeface="Times New Roman" panose="02020603050405020304" pitchFamily="18" charset="0"/>
-                <a:ea typeface="Calibri" panose="020F0502020204030204" pitchFamily="34" charset="0"/>
-                <a:cs typeface="Times New Roman" panose="02020603050405020304" pitchFamily="18" charset="0"/>
-              </a:rPr>
-              <a:t> duplex : </a:t>
-            </a:r>
-            <a:r>
-              <a:rPr lang="fr-FR" sz="1800" u="sng" dirty="0">
-                <a:solidFill>
-                  <a:srgbClr val="0000FF"/>
-                </a:solidFill>
-                <a:effectLst/>
-                <a:latin typeface="Times New Roman" panose="02020603050405020304" pitchFamily="18" charset="0"/>
-                <a:ea typeface="Calibri" panose="020F0502020204030204" pitchFamily="34" charset="0"/>
-                <a:cs typeface="Times New Roman" panose="02020603050405020304" pitchFamily="18" charset="0"/>
-                <a:hlinkClick r:id="rId4"/>
-              </a:rPr>
-              <a:t>https://www.rcsb.org/structure/1azp</a:t>
-            </a:r>
-            <a:r>
-              <a:rPr lang="fr-FR" sz="1800" dirty="0">
-                <a:effectLst/>
-                <a:latin typeface="Times New Roman" panose="02020603050405020304" pitchFamily="18" charset="0"/>
-                <a:ea typeface="Calibri" panose="020F0502020204030204" pitchFamily="34" charset="0"/>
-                <a:cs typeface="Times New Roman" panose="02020603050405020304" pitchFamily="18" charset="0"/>
-              </a:rPr>
-              <a:t> </a:t>
-            </a:r>
-            <a:endParaRPr lang="fr-FR" sz="1800" dirty="0">
-              <a:effectLst/>
-              <a:latin typeface="Calibri" panose="020F0502020204030204" pitchFamily="34" charset="0"/>
-              <a:ea typeface="Calibri" panose="020F0502020204030204" pitchFamily="34" charset="0"/>
-              <a:cs typeface="Times New Roman" panose="02020603050405020304" pitchFamily="18" charset="0"/>
-            </a:endParaRPr>
-          </a:p>
-          <a:p>
-            <a:pPr marL="342900" lvl="0" indent="-342900">
-              <a:lnSpc>
-                <a:spcPct val="107000"/>
-              </a:lnSpc>
-              <a:spcAft>
-                <a:spcPts val="800"/>
-              </a:spcAft>
-              <a:buFont typeface="+mj-lt"/>
-              <a:buAutoNum type="arabicPeriod"/>
-            </a:pPr>
-            <a:r>
-              <a:rPr lang="fr-FR" sz="1800" dirty="0">
-                <a:effectLst/>
-                <a:latin typeface="Times New Roman" panose="02020603050405020304" pitchFamily="18" charset="0"/>
-                <a:ea typeface="Calibri" panose="020F0502020204030204" pitchFamily="34" charset="0"/>
-                <a:cs typeface="Times New Roman" panose="02020603050405020304" pitchFamily="18" charset="0"/>
-              </a:rPr>
-              <a:t>Page pdb de 2AK3 : </a:t>
-            </a:r>
-            <a:r>
-              <a:rPr lang="fr-FR" sz="1800" u="sng" dirty="0">
-                <a:solidFill>
-                  <a:srgbClr val="0000FF"/>
-                </a:solidFill>
-                <a:effectLst/>
-                <a:latin typeface="Times New Roman" panose="02020603050405020304" pitchFamily="18" charset="0"/>
-                <a:ea typeface="Calibri" panose="020F0502020204030204" pitchFamily="34" charset="0"/>
-                <a:cs typeface="Times New Roman" panose="02020603050405020304" pitchFamily="18" charset="0"/>
-                <a:hlinkClick r:id="rId5"/>
-              </a:rPr>
-              <a:t>https://www.rcsb.org/structure/2ak3</a:t>
-            </a:r>
-            <a:r>
-              <a:rPr lang="fr-FR" sz="1800" dirty="0">
-                <a:effectLst/>
-                <a:latin typeface="Times New Roman" panose="02020603050405020304" pitchFamily="18" charset="0"/>
-                <a:ea typeface="Calibri" panose="020F0502020204030204" pitchFamily="34" charset="0"/>
-                <a:cs typeface="Times New Roman" panose="02020603050405020304" pitchFamily="18" charset="0"/>
-              </a:rPr>
-              <a:t> </a:t>
-            </a:r>
-            <a:endParaRPr lang="fr-FR" sz="1800" dirty="0">
-              <a:effectLst/>
-              <a:latin typeface="Calibri" panose="020F0502020204030204" pitchFamily="34" charset="0"/>
-              <a:ea typeface="Calibri" panose="020F0502020204030204" pitchFamily="34" charset="0"/>
-              <a:cs typeface="Times New Roman" panose="02020603050405020304" pitchFamily="18" charset="0"/>
-            </a:endParaRPr>
-          </a:p>
-        </p:txBody>
-      </p:sp>
-      <p:sp>
-        <p:nvSpPr>
-          <p:cNvPr id="6" name="Espace réservé du numéro de diapositive 5">
-            <a:extLst>
-              <a:ext uri="{FF2B5EF4-FFF2-40B4-BE49-F238E27FC236}">
-                <a16:creationId xmlns:a16="http://schemas.microsoft.com/office/drawing/2014/main" id="{EDD49CB1-F959-4004-3097-04AE4D0121BD}"/>
-              </a:ext>
-            </a:extLst>
-          </p:cNvPr>
-          <p:cNvSpPr>
-            <a:spLocks noGrp="1"/>
-          </p:cNvSpPr>
-          <p:nvPr>
-            <p:ph type="sldNum" sz="quarter" idx="12"/>
-          </p:nvPr>
-        </p:nvSpPr>
-        <p:spPr>
-          <a:xfrm>
-            <a:off x="8610600" y="6489520"/>
-            <a:ext cx="2743200" cy="365125"/>
-          </a:xfrm>
-        </p:spPr>
-        <p:txBody>
-          <a:bodyPr/>
-          <a:lstStyle/>
-          <a:p>
-            <a:fld id="{DB0B8EAA-8CF6-49F4-8FA8-2BD42B7C9F8B}" type="slidenum">
-              <a:rPr lang="fr-FR" smtClean="0"/>
-              <a:t>23</a:t>
-            </a:fld>
-            <a:endParaRPr lang="fr-FR"/>
-          </a:p>
-        </p:txBody>
-      </p:sp>
-      <p:pic>
-        <p:nvPicPr>
-          <p:cNvPr id="1026" name="Picture 2" descr="Appellation, logo et charte graphique : tout ce qu'il faut savoir | Université  Paris Cité">
-            <a:extLst>
-              <a:ext uri="{FF2B5EF4-FFF2-40B4-BE49-F238E27FC236}">
-                <a16:creationId xmlns:a16="http://schemas.microsoft.com/office/drawing/2014/main" id="{42388675-4549-B077-D592-84080955D58F}"/>
-              </a:ext>
-            </a:extLst>
-          </p:cNvPr>
-          <p:cNvPicPr>
-            <a:picLocks noChangeAspect="1" noChangeArrowheads="1"/>
-          </p:cNvPicPr>
-          <p:nvPr/>
-        </p:nvPicPr>
-        <p:blipFill>
-          <a:blip r:embed="rId6">
-            <a:extLst>
-              <a:ext uri="{28A0092B-C50C-407E-A947-70E740481C1C}">
-                <a14:useLocalDpi xmlns:a14="http://schemas.microsoft.com/office/drawing/2010/main" val="0"/>
-              </a:ext>
-            </a:extLst>
-          </a:blip>
-          <a:srcRect/>
-          <a:stretch>
-            <a:fillRect/>
-          </a:stretch>
-        </p:blipFill>
-        <p:spPr bwMode="auto">
-          <a:xfrm>
-            <a:off x="11363415" y="121082"/>
-            <a:ext cx="692461" cy="688543"/>
-          </a:xfrm>
-          <a:prstGeom prst="rect">
-            <a:avLst/>
-          </a:prstGeom>
-          <a:noFill/>
-          <a:extLst>
-            <a:ext uri="{909E8E84-426E-40DD-AFC4-6F175D3DCCD1}">
-              <a14:hiddenFill xmlns:a14="http://schemas.microsoft.com/office/drawing/2010/main">
-                <a:solidFill>
-                  <a:srgbClr val="FFFFFF"/>
-                </a:solidFill>
-              </a14:hiddenFill>
-            </a:ext>
-          </a:extLst>
-        </p:spPr>
-      </p:pic>
-      <p:cxnSp>
-        <p:nvCxnSpPr>
-          <p:cNvPr id="8" name="Connecteur droit 7">
-            <a:extLst>
-              <a:ext uri="{FF2B5EF4-FFF2-40B4-BE49-F238E27FC236}">
-                <a16:creationId xmlns:a16="http://schemas.microsoft.com/office/drawing/2014/main" id="{58EF74DE-8092-1233-D850-99E4719D068A}"/>
-              </a:ext>
-            </a:extLst>
-          </p:cNvPr>
-          <p:cNvCxnSpPr/>
-          <p:nvPr/>
-        </p:nvCxnSpPr>
-        <p:spPr>
-          <a:xfrm>
-            <a:off x="145740" y="853585"/>
-            <a:ext cx="11910136" cy="0"/>
-          </a:xfrm>
-          <a:prstGeom prst="line">
-            <a:avLst/>
-          </a:prstGeom>
-          <a:ln w="28575">
-            <a:solidFill>
-              <a:srgbClr val="8B1538"/>
-            </a:solidFill>
-          </a:ln>
-        </p:spPr>
-        <p:style>
-          <a:lnRef idx="1">
-            <a:schemeClr val="accent1"/>
-          </a:lnRef>
-          <a:fillRef idx="0">
-            <a:schemeClr val="accent1"/>
-          </a:fillRef>
-          <a:effectRef idx="0">
-            <a:schemeClr val="accent1"/>
-          </a:effectRef>
-          <a:fontRef idx="minor">
-            <a:schemeClr val="tx1"/>
-          </a:fontRef>
-        </p:style>
-      </p:cxnSp>
-      <p:sp>
-        <p:nvSpPr>
-          <p:cNvPr id="7" name="Espace réservé de la date 3">
-            <a:extLst>
-              <a:ext uri="{FF2B5EF4-FFF2-40B4-BE49-F238E27FC236}">
-                <a16:creationId xmlns:a16="http://schemas.microsoft.com/office/drawing/2014/main" id="{76BB1596-A3EC-F339-4D57-5E00BE5468DC}"/>
-              </a:ext>
-            </a:extLst>
-          </p:cNvPr>
-          <p:cNvSpPr>
-            <a:spLocks noGrp="1"/>
-          </p:cNvSpPr>
-          <p:nvPr>
-            <p:ph type="dt" sz="half" idx="10"/>
-          </p:nvPr>
-        </p:nvSpPr>
-        <p:spPr>
-          <a:xfrm>
-            <a:off x="838200" y="6489520"/>
-            <a:ext cx="2743200" cy="365125"/>
-          </a:xfrm>
-        </p:spPr>
-        <p:txBody>
-          <a:bodyPr/>
-          <a:lstStyle/>
-          <a:p>
-            <a:r>
-              <a:rPr lang="fr-FR" dirty="0"/>
-              <a:t>12/10/2022</a:t>
-            </a:r>
-          </a:p>
-        </p:txBody>
-      </p:sp>
-      <p:sp>
-        <p:nvSpPr>
-          <p:cNvPr id="9" name="Espace réservé du pied de page 4">
-            <a:extLst>
-              <a:ext uri="{FF2B5EF4-FFF2-40B4-BE49-F238E27FC236}">
-                <a16:creationId xmlns:a16="http://schemas.microsoft.com/office/drawing/2014/main" id="{CE5FBD6C-6FE4-1FFE-40FE-CDECCB34C023}"/>
-              </a:ext>
-            </a:extLst>
-          </p:cNvPr>
-          <p:cNvSpPr>
-            <a:spLocks noGrp="1"/>
-          </p:cNvSpPr>
-          <p:nvPr>
-            <p:ph type="ftr" sz="quarter" idx="11"/>
-          </p:nvPr>
-        </p:nvSpPr>
-        <p:spPr>
-          <a:xfrm>
-            <a:off x="3810000" y="6492876"/>
-            <a:ext cx="4800600" cy="365124"/>
-          </a:xfrm>
-        </p:spPr>
-        <p:txBody>
-          <a:bodyPr/>
-          <a:lstStyle/>
-          <a:p>
-            <a:pPr algn="l"/>
-            <a:r>
-              <a:rPr lang="en-US" dirty="0"/>
-              <a:t>Delhomme Jean, </a:t>
-            </a:r>
-            <a:r>
-              <a:rPr lang="en-US" dirty="0" err="1"/>
-              <a:t>Lecourieux</a:t>
-            </a:r>
-            <a:r>
-              <a:rPr lang="en-US" dirty="0"/>
-              <a:t> Adriana, Rousseau Baptiste, </a:t>
-            </a:r>
-            <a:r>
-              <a:rPr lang="en-US" dirty="0" err="1"/>
-              <a:t>Graa</a:t>
-            </a:r>
-            <a:r>
-              <a:rPr lang="en-US" dirty="0"/>
-              <a:t> </a:t>
-            </a:r>
-            <a:r>
-              <a:rPr lang="en-US" dirty="0" err="1"/>
-              <a:t>Maha</a:t>
-            </a:r>
-            <a:endParaRPr lang="en-US" dirty="0"/>
-          </a:p>
-        </p:txBody>
-      </p:sp>
-    </p:spTree>
-    <p:extLst>
-      <p:ext uri="{BB962C8B-B14F-4D97-AF65-F5344CB8AC3E}">
-        <p14:creationId xmlns:p14="http://schemas.microsoft.com/office/powerpoint/2010/main" val="3627111302"/>
-      </p:ext>
-    </p:extLst>
-  </p:cSld>
-  <p:clrMapOvr>
-    <a:masterClrMapping/>
-  </p:clrMapOvr>
-</p:sld>
-</file>
-
 <file path=ppt/slides/slide24.xml><?xml version="1.0" encoding="utf-8"?>
 <p:sld xmlns:a="http://schemas.openxmlformats.org/drawingml/2006/main" xmlns:r="http://schemas.openxmlformats.org/officeDocument/2006/relationships" xmlns:p="http://schemas.openxmlformats.org/presentationml/2006/main">
   <p:cSld>
@@ -12319,7 +11504,7 @@
         </p:nvSpPr>
         <p:spPr>
           <a:xfrm>
-            <a:off x="145740" y="118307"/>
+            <a:off x="145740" y="117877"/>
             <a:ext cx="11137778" cy="691318"/>
           </a:xfrm>
         </p:spPr>
@@ -12330,6 +11515,1336 @@
           <a:lstStyle/>
           <a:p>
             <a:r>
+              <a:rPr lang="en-US" sz="3200" b="1" dirty="0">
+                <a:latin typeface="Arial" panose="020B0604020202020204" pitchFamily="34" charset="0"/>
+                <a:cs typeface="Arial" panose="020B0604020202020204" pitchFamily="34" charset="0"/>
+              </a:rPr>
+              <a:t>References</a:t>
+            </a:r>
+          </a:p>
+        </p:txBody>
+      </p:sp>
+      <p:sp>
+        <p:nvSpPr>
+          <p:cNvPr id="3" name="Espace réservé du contenu 2">
+            <a:extLst>
+              <a:ext uri="{FF2B5EF4-FFF2-40B4-BE49-F238E27FC236}">
+                <a16:creationId xmlns:a16="http://schemas.microsoft.com/office/drawing/2014/main" id="{7D811F63-52EF-83B1-E13C-148915CEDEC3}"/>
+              </a:ext>
+            </a:extLst>
+          </p:cNvPr>
+          <p:cNvSpPr>
+            <a:spLocks noGrp="1"/>
+          </p:cNvSpPr>
+          <p:nvPr>
+            <p:ph idx="1"/>
+          </p:nvPr>
+        </p:nvSpPr>
+        <p:spPr>
+          <a:xfrm>
+            <a:off x="145740" y="964491"/>
+            <a:ext cx="11910136" cy="5498453"/>
+          </a:xfrm>
+        </p:spPr>
+        <p:txBody>
+          <a:bodyPr/>
+          <a:lstStyle/>
+          <a:p>
+            <a:pPr marL="342900" lvl="0" indent="-342900">
+              <a:lnSpc>
+                <a:spcPct val="107000"/>
+              </a:lnSpc>
+              <a:buFont typeface="+mj-lt"/>
+              <a:buAutoNum type="arabicPeriod"/>
+            </a:pPr>
+            <a:r>
+              <a:rPr lang="fr-FR" sz="1800" dirty="0">
+                <a:effectLst/>
+                <a:latin typeface="Times New Roman" panose="02020603050405020304" pitchFamily="18" charset="0"/>
+                <a:ea typeface="Calibri" panose="020F0502020204030204" pitchFamily="34" charset="0"/>
+                <a:cs typeface="Times New Roman" panose="02020603050405020304" pitchFamily="18" charset="0"/>
+              </a:rPr>
+              <a:t>S. </a:t>
+            </a:r>
+            <a:r>
+              <a:rPr lang="fr-FR" sz="1800" dirty="0" err="1">
+                <a:effectLst/>
+                <a:latin typeface="Times New Roman" panose="02020603050405020304" pitchFamily="18" charset="0"/>
+                <a:ea typeface="Calibri" panose="020F0502020204030204" pitchFamily="34" charset="0"/>
+                <a:cs typeface="Times New Roman" panose="02020603050405020304" pitchFamily="18" charset="0"/>
+              </a:rPr>
+              <a:t>Altschul</a:t>
+            </a:r>
+            <a:r>
+              <a:rPr lang="fr-FR" sz="1800" dirty="0">
+                <a:effectLst/>
+                <a:latin typeface="Times New Roman" panose="02020603050405020304" pitchFamily="18" charset="0"/>
+                <a:ea typeface="Calibri" panose="020F0502020204030204" pitchFamily="34" charset="0"/>
+                <a:cs typeface="Times New Roman" panose="02020603050405020304" pitchFamily="18" charset="0"/>
+              </a:rPr>
+              <a:t> et al. (2017) </a:t>
+            </a:r>
+            <a:r>
+              <a:rPr lang="fr-FR" sz="1800" dirty="0" err="1">
+                <a:effectLst/>
+                <a:latin typeface="Times New Roman" panose="02020603050405020304" pitchFamily="18" charset="0"/>
+                <a:ea typeface="Calibri" panose="020F0502020204030204" pitchFamily="34" charset="0"/>
+                <a:cs typeface="Times New Roman" panose="02020603050405020304" pitchFamily="18" charset="0"/>
+              </a:rPr>
+              <a:t>Handbook</a:t>
+            </a:r>
+            <a:r>
+              <a:rPr lang="fr-FR" sz="1800" dirty="0">
+                <a:effectLst/>
+                <a:latin typeface="Times New Roman" panose="02020603050405020304" pitchFamily="18" charset="0"/>
+                <a:ea typeface="Calibri" panose="020F0502020204030204" pitchFamily="34" charset="0"/>
+                <a:cs typeface="Times New Roman" panose="02020603050405020304" pitchFamily="18" charset="0"/>
+              </a:rPr>
+              <a:t> of </a:t>
+            </a:r>
+            <a:r>
+              <a:rPr lang="fr-FR" sz="1800" dirty="0" err="1">
+                <a:effectLst/>
+                <a:latin typeface="Times New Roman" panose="02020603050405020304" pitchFamily="18" charset="0"/>
+                <a:ea typeface="Calibri" panose="020F0502020204030204" pitchFamily="34" charset="0"/>
+                <a:cs typeface="Times New Roman" panose="02020603050405020304" pitchFamily="18" charset="0"/>
+              </a:rPr>
+              <a:t>Discrete</a:t>
+            </a:r>
+            <a:r>
+              <a:rPr lang="fr-FR" sz="1800" dirty="0">
+                <a:effectLst/>
+                <a:latin typeface="Times New Roman" panose="02020603050405020304" pitchFamily="18" charset="0"/>
+                <a:ea typeface="Calibri" panose="020F0502020204030204" pitchFamily="34" charset="0"/>
+                <a:cs typeface="Times New Roman" panose="02020603050405020304" pitchFamily="18" charset="0"/>
+              </a:rPr>
+              <a:t> and </a:t>
+            </a:r>
+            <a:r>
+              <a:rPr lang="fr-FR" sz="1800" dirty="0" err="1">
+                <a:effectLst/>
+                <a:latin typeface="Times New Roman" panose="02020603050405020304" pitchFamily="18" charset="0"/>
+                <a:ea typeface="Calibri" panose="020F0502020204030204" pitchFamily="34" charset="0"/>
+                <a:cs typeface="Times New Roman" panose="02020603050405020304" pitchFamily="18" charset="0"/>
+              </a:rPr>
+              <a:t>Combinatorial</a:t>
+            </a:r>
+            <a:r>
+              <a:rPr lang="fr-FR" sz="1800" dirty="0">
+                <a:effectLst/>
+                <a:latin typeface="Times New Roman" panose="02020603050405020304" pitchFamily="18" charset="0"/>
+                <a:ea typeface="Calibri" panose="020F0502020204030204" pitchFamily="34" charset="0"/>
+                <a:cs typeface="Times New Roman" panose="02020603050405020304" pitchFamily="18" charset="0"/>
+              </a:rPr>
+              <a:t> </a:t>
+            </a:r>
+            <a:r>
+              <a:rPr lang="fr-FR" sz="1800" dirty="0" err="1">
+                <a:effectLst/>
+                <a:latin typeface="Times New Roman" panose="02020603050405020304" pitchFamily="18" charset="0"/>
+                <a:ea typeface="Calibri" panose="020F0502020204030204" pitchFamily="34" charset="0"/>
+                <a:cs typeface="Times New Roman" panose="02020603050405020304" pitchFamily="18" charset="0"/>
+              </a:rPr>
+              <a:t>Mathematics</a:t>
+            </a:r>
+            <a:r>
+              <a:rPr lang="fr-FR" sz="1800" dirty="0">
+                <a:effectLst/>
+                <a:latin typeface="Times New Roman" panose="02020603050405020304" pitchFamily="18" charset="0"/>
+                <a:ea typeface="Calibri" panose="020F0502020204030204" pitchFamily="34" charset="0"/>
+                <a:cs typeface="Times New Roman" panose="02020603050405020304" pitchFamily="18" charset="0"/>
+              </a:rPr>
+              <a:t>. 2nd </a:t>
+            </a:r>
+            <a:r>
+              <a:rPr lang="fr-FR" sz="1800" dirty="0" err="1">
+                <a:effectLst/>
+                <a:latin typeface="Times New Roman" panose="02020603050405020304" pitchFamily="18" charset="0"/>
+                <a:ea typeface="Calibri" panose="020F0502020204030204" pitchFamily="34" charset="0"/>
+                <a:cs typeface="Times New Roman" panose="02020603050405020304" pitchFamily="18" charset="0"/>
+              </a:rPr>
+              <a:t>edition</a:t>
+            </a:r>
+            <a:r>
+              <a:rPr lang="fr-FR" sz="1800" dirty="0">
+                <a:effectLst/>
+                <a:latin typeface="Times New Roman" panose="02020603050405020304" pitchFamily="18" charset="0"/>
+                <a:ea typeface="Calibri" panose="020F0502020204030204" pitchFamily="34" charset="0"/>
+                <a:cs typeface="Times New Roman" panose="02020603050405020304" pitchFamily="18" charset="0"/>
+              </a:rPr>
+              <a:t>, </a:t>
+            </a:r>
+            <a:r>
+              <a:rPr lang="fr-FR" sz="1800" dirty="0" err="1">
+                <a:effectLst/>
+                <a:latin typeface="Times New Roman" panose="02020603050405020304" pitchFamily="18" charset="0"/>
+                <a:ea typeface="Calibri" panose="020F0502020204030204" pitchFamily="34" charset="0"/>
+                <a:cs typeface="Times New Roman" panose="02020603050405020304" pitchFamily="18" charset="0"/>
+              </a:rPr>
+              <a:t>Chapter</a:t>
+            </a:r>
+            <a:r>
+              <a:rPr lang="fr-FR" sz="1800" dirty="0">
+                <a:effectLst/>
+                <a:latin typeface="Times New Roman" panose="02020603050405020304" pitchFamily="18" charset="0"/>
+                <a:ea typeface="Calibri" panose="020F0502020204030204" pitchFamily="34" charset="0"/>
+                <a:cs typeface="Times New Roman" panose="02020603050405020304" pitchFamily="18" charset="0"/>
+              </a:rPr>
+              <a:t> 20.1 </a:t>
+            </a:r>
+            <a:r>
+              <a:rPr lang="fr-FR" sz="1800" dirty="0" err="1">
+                <a:effectLst/>
+                <a:latin typeface="Times New Roman" panose="02020603050405020304" pitchFamily="18" charset="0"/>
+                <a:ea typeface="Calibri" panose="020F0502020204030204" pitchFamily="34" charset="0"/>
+                <a:cs typeface="Times New Roman" panose="02020603050405020304" pitchFamily="18" charset="0"/>
+              </a:rPr>
+              <a:t>Sequence</a:t>
+            </a:r>
+            <a:endParaRPr lang="fr-FR" sz="1800" dirty="0">
+              <a:effectLst/>
+              <a:latin typeface="Calibri" panose="020F0502020204030204" pitchFamily="34" charset="0"/>
+              <a:ea typeface="Calibri" panose="020F0502020204030204" pitchFamily="34" charset="0"/>
+              <a:cs typeface="Times New Roman" panose="02020603050405020304" pitchFamily="18" charset="0"/>
+            </a:endParaRPr>
+          </a:p>
+          <a:p>
+            <a:pPr marL="342900" lvl="0" indent="-342900" algn="just">
+              <a:lnSpc>
+                <a:spcPct val="107000"/>
+              </a:lnSpc>
+              <a:buFont typeface="+mj-lt"/>
+              <a:buAutoNum type="arabicPeriod"/>
+            </a:pPr>
+            <a:r>
+              <a:rPr lang="fr-FR" sz="1800" dirty="0">
+                <a:effectLst/>
+                <a:latin typeface="Times New Roman" panose="02020603050405020304" pitchFamily="18" charset="0"/>
+                <a:ea typeface="Calibri" panose="020F0502020204030204" pitchFamily="34" charset="0"/>
+                <a:cs typeface="Times New Roman" panose="02020603050405020304" pitchFamily="18" charset="0"/>
+              </a:rPr>
+              <a:t>T. </a:t>
+            </a:r>
+            <a:r>
+              <a:rPr lang="fr-FR" sz="1800" dirty="0" err="1">
+                <a:effectLst/>
+                <a:latin typeface="Times New Roman" panose="02020603050405020304" pitchFamily="18" charset="0"/>
+                <a:ea typeface="Calibri" panose="020F0502020204030204" pitchFamily="34" charset="0"/>
+                <a:cs typeface="Times New Roman" panose="02020603050405020304" pitchFamily="18" charset="0"/>
+              </a:rPr>
+              <a:t>Bepler</a:t>
+            </a:r>
+            <a:r>
+              <a:rPr lang="fr-FR" sz="1800" dirty="0">
+                <a:effectLst/>
+                <a:latin typeface="Times New Roman" panose="02020603050405020304" pitchFamily="18" charset="0"/>
+                <a:ea typeface="Calibri" panose="020F0502020204030204" pitchFamily="34" charset="0"/>
+                <a:cs typeface="Times New Roman" panose="02020603050405020304" pitchFamily="18" charset="0"/>
+              </a:rPr>
+              <a:t> et al. (2021) Learning the </a:t>
+            </a:r>
+            <a:r>
+              <a:rPr lang="fr-FR" sz="1800" dirty="0" err="1">
+                <a:effectLst/>
+                <a:latin typeface="Times New Roman" panose="02020603050405020304" pitchFamily="18" charset="0"/>
+                <a:ea typeface="Calibri" panose="020F0502020204030204" pitchFamily="34" charset="0"/>
+                <a:cs typeface="Times New Roman" panose="02020603050405020304" pitchFamily="18" charset="0"/>
+              </a:rPr>
+              <a:t>protein</a:t>
+            </a:r>
+            <a:r>
+              <a:rPr lang="fr-FR" sz="1800" dirty="0">
+                <a:effectLst/>
+                <a:latin typeface="Times New Roman" panose="02020603050405020304" pitchFamily="18" charset="0"/>
+                <a:ea typeface="Calibri" panose="020F0502020204030204" pitchFamily="34" charset="0"/>
+                <a:cs typeface="Times New Roman" panose="02020603050405020304" pitchFamily="18" charset="0"/>
+              </a:rPr>
+              <a:t> </a:t>
+            </a:r>
+            <a:r>
+              <a:rPr lang="fr-FR" sz="1800" dirty="0" err="1">
+                <a:effectLst/>
+                <a:latin typeface="Times New Roman" panose="02020603050405020304" pitchFamily="18" charset="0"/>
+                <a:ea typeface="Calibri" panose="020F0502020204030204" pitchFamily="34" charset="0"/>
+                <a:cs typeface="Times New Roman" panose="02020603050405020304" pitchFamily="18" charset="0"/>
+              </a:rPr>
+              <a:t>language</a:t>
+            </a:r>
+            <a:r>
+              <a:rPr lang="fr-FR" sz="1800" dirty="0">
+                <a:effectLst/>
+                <a:latin typeface="Times New Roman" panose="02020603050405020304" pitchFamily="18" charset="0"/>
+                <a:ea typeface="Calibri" panose="020F0502020204030204" pitchFamily="34" charset="0"/>
+                <a:cs typeface="Times New Roman" panose="02020603050405020304" pitchFamily="18" charset="0"/>
+              </a:rPr>
+              <a:t>: Evolution, structure, and </a:t>
+            </a:r>
+            <a:r>
+              <a:rPr lang="fr-FR" sz="1800" dirty="0" err="1">
+                <a:effectLst/>
+                <a:latin typeface="Times New Roman" panose="02020603050405020304" pitchFamily="18" charset="0"/>
+                <a:ea typeface="Calibri" panose="020F0502020204030204" pitchFamily="34" charset="0"/>
+                <a:cs typeface="Times New Roman" panose="02020603050405020304" pitchFamily="18" charset="0"/>
+              </a:rPr>
+              <a:t>function</a:t>
+            </a:r>
+            <a:r>
+              <a:rPr lang="fr-FR" sz="1800" dirty="0">
+                <a:effectLst/>
+                <a:latin typeface="Times New Roman" panose="02020603050405020304" pitchFamily="18" charset="0"/>
+                <a:ea typeface="Calibri" panose="020F0502020204030204" pitchFamily="34" charset="0"/>
+                <a:cs typeface="Times New Roman" panose="02020603050405020304" pitchFamily="18" charset="0"/>
+              </a:rPr>
+              <a:t>.</a:t>
+            </a:r>
+            <a:endParaRPr lang="fr-FR" sz="1800" dirty="0">
+              <a:effectLst/>
+              <a:latin typeface="Calibri" panose="020F0502020204030204" pitchFamily="34" charset="0"/>
+              <a:ea typeface="Calibri" panose="020F0502020204030204" pitchFamily="34" charset="0"/>
+              <a:cs typeface="Times New Roman" panose="02020603050405020304" pitchFamily="18" charset="0"/>
+            </a:endParaRPr>
+          </a:p>
+          <a:p>
+            <a:pPr marL="342900" lvl="0" indent="-342900">
+              <a:lnSpc>
+                <a:spcPct val="107000"/>
+              </a:lnSpc>
+              <a:buFont typeface="+mj-lt"/>
+              <a:buAutoNum type="arabicPeriod"/>
+            </a:pPr>
+            <a:r>
+              <a:rPr lang="fr-FR" sz="1800" dirty="0" err="1">
+                <a:effectLst/>
+                <a:latin typeface="Times New Roman" panose="02020603050405020304" pitchFamily="18" charset="0"/>
+                <a:ea typeface="Calibri" panose="020F0502020204030204" pitchFamily="34" charset="0"/>
+                <a:cs typeface="Times New Roman" panose="02020603050405020304" pitchFamily="18" charset="0"/>
+              </a:rPr>
+              <a:t>Needleman</a:t>
+            </a:r>
+            <a:r>
+              <a:rPr lang="fr-FR" sz="1800" dirty="0">
+                <a:effectLst/>
+                <a:latin typeface="Times New Roman" panose="02020603050405020304" pitchFamily="18" charset="0"/>
+                <a:ea typeface="Calibri" panose="020F0502020204030204" pitchFamily="34" charset="0"/>
+                <a:cs typeface="Times New Roman" panose="02020603050405020304" pitchFamily="18" charset="0"/>
+              </a:rPr>
+              <a:t>, Saul B. &amp; </a:t>
+            </a:r>
+            <a:r>
+              <a:rPr lang="fr-FR" sz="1800" dirty="0" err="1">
+                <a:effectLst/>
+                <a:latin typeface="Times New Roman" panose="02020603050405020304" pitchFamily="18" charset="0"/>
+                <a:ea typeface="Calibri" panose="020F0502020204030204" pitchFamily="34" charset="0"/>
+                <a:cs typeface="Times New Roman" panose="02020603050405020304" pitchFamily="18" charset="0"/>
+              </a:rPr>
+              <a:t>Wunsch</a:t>
+            </a:r>
+            <a:r>
+              <a:rPr lang="fr-FR" sz="1800" dirty="0">
+                <a:effectLst/>
+                <a:latin typeface="Times New Roman" panose="02020603050405020304" pitchFamily="18" charset="0"/>
+                <a:ea typeface="Calibri" panose="020F0502020204030204" pitchFamily="34" charset="0"/>
+                <a:cs typeface="Times New Roman" panose="02020603050405020304" pitchFamily="18" charset="0"/>
+              </a:rPr>
+              <a:t>, Christian D. (1970) A </a:t>
+            </a:r>
+            <a:r>
+              <a:rPr lang="fr-FR" sz="1800" dirty="0" err="1">
+                <a:effectLst/>
+                <a:latin typeface="Times New Roman" panose="02020603050405020304" pitchFamily="18" charset="0"/>
+                <a:ea typeface="Calibri" panose="020F0502020204030204" pitchFamily="34" charset="0"/>
+                <a:cs typeface="Times New Roman" panose="02020603050405020304" pitchFamily="18" charset="0"/>
+              </a:rPr>
+              <a:t>general</a:t>
+            </a:r>
+            <a:r>
+              <a:rPr lang="fr-FR" sz="1800" dirty="0">
+                <a:effectLst/>
+                <a:latin typeface="Times New Roman" panose="02020603050405020304" pitchFamily="18" charset="0"/>
+                <a:ea typeface="Calibri" panose="020F0502020204030204" pitchFamily="34" charset="0"/>
+                <a:cs typeface="Times New Roman" panose="02020603050405020304" pitchFamily="18" charset="0"/>
+              </a:rPr>
+              <a:t> </a:t>
+            </a:r>
+            <a:r>
+              <a:rPr lang="fr-FR" sz="1800" dirty="0" err="1">
+                <a:effectLst/>
+                <a:latin typeface="Times New Roman" panose="02020603050405020304" pitchFamily="18" charset="0"/>
+                <a:ea typeface="Calibri" panose="020F0502020204030204" pitchFamily="34" charset="0"/>
+                <a:cs typeface="Times New Roman" panose="02020603050405020304" pitchFamily="18" charset="0"/>
+              </a:rPr>
+              <a:t>method</a:t>
+            </a:r>
+            <a:r>
+              <a:rPr lang="fr-FR" sz="1800" dirty="0">
+                <a:effectLst/>
+                <a:latin typeface="Times New Roman" panose="02020603050405020304" pitchFamily="18" charset="0"/>
+                <a:ea typeface="Calibri" panose="020F0502020204030204" pitchFamily="34" charset="0"/>
+                <a:cs typeface="Times New Roman" panose="02020603050405020304" pitchFamily="18" charset="0"/>
+              </a:rPr>
+              <a:t> applicable to the </a:t>
+            </a:r>
+            <a:r>
+              <a:rPr lang="fr-FR" sz="1800" dirty="0" err="1">
+                <a:effectLst/>
+                <a:latin typeface="Times New Roman" panose="02020603050405020304" pitchFamily="18" charset="0"/>
+                <a:ea typeface="Calibri" panose="020F0502020204030204" pitchFamily="34" charset="0"/>
+                <a:cs typeface="Times New Roman" panose="02020603050405020304" pitchFamily="18" charset="0"/>
+              </a:rPr>
+              <a:t>search</a:t>
+            </a:r>
+            <a:r>
+              <a:rPr lang="fr-FR" sz="1800" dirty="0">
+                <a:effectLst/>
+                <a:latin typeface="Times New Roman" panose="02020603050405020304" pitchFamily="18" charset="0"/>
+                <a:ea typeface="Calibri" panose="020F0502020204030204" pitchFamily="34" charset="0"/>
+                <a:cs typeface="Times New Roman" panose="02020603050405020304" pitchFamily="18" charset="0"/>
+              </a:rPr>
+              <a:t> for </a:t>
+            </a:r>
+            <a:r>
+              <a:rPr lang="fr-FR" sz="1800" dirty="0" err="1">
+                <a:effectLst/>
+                <a:latin typeface="Times New Roman" panose="02020603050405020304" pitchFamily="18" charset="0"/>
+                <a:ea typeface="Calibri" panose="020F0502020204030204" pitchFamily="34" charset="0"/>
+                <a:cs typeface="Times New Roman" panose="02020603050405020304" pitchFamily="18" charset="0"/>
+              </a:rPr>
+              <a:t>similarities</a:t>
+            </a:r>
+            <a:r>
+              <a:rPr lang="fr-FR" sz="1800" dirty="0">
+                <a:effectLst/>
+                <a:latin typeface="Times New Roman" panose="02020603050405020304" pitchFamily="18" charset="0"/>
+                <a:ea typeface="Calibri" panose="020F0502020204030204" pitchFamily="34" charset="0"/>
+                <a:cs typeface="Times New Roman" panose="02020603050405020304" pitchFamily="18" charset="0"/>
+              </a:rPr>
+              <a:t> in the </a:t>
+            </a:r>
+            <a:r>
+              <a:rPr lang="fr-FR" sz="1800" dirty="0" err="1">
+                <a:effectLst/>
+                <a:latin typeface="Times New Roman" panose="02020603050405020304" pitchFamily="18" charset="0"/>
+                <a:ea typeface="Calibri" panose="020F0502020204030204" pitchFamily="34" charset="0"/>
+                <a:cs typeface="Times New Roman" panose="02020603050405020304" pitchFamily="18" charset="0"/>
+              </a:rPr>
+              <a:t>amino</a:t>
+            </a:r>
+            <a:r>
+              <a:rPr lang="fr-FR" sz="1800" dirty="0">
+                <a:effectLst/>
+                <a:latin typeface="Times New Roman" panose="02020603050405020304" pitchFamily="18" charset="0"/>
+                <a:ea typeface="Calibri" panose="020F0502020204030204" pitchFamily="34" charset="0"/>
+                <a:cs typeface="Times New Roman" panose="02020603050405020304" pitchFamily="18" charset="0"/>
+              </a:rPr>
+              <a:t> </a:t>
+            </a:r>
+            <a:r>
+              <a:rPr lang="fr-FR" sz="1800" dirty="0" err="1">
+                <a:effectLst/>
+                <a:latin typeface="Times New Roman" panose="02020603050405020304" pitchFamily="18" charset="0"/>
+                <a:ea typeface="Calibri" panose="020F0502020204030204" pitchFamily="34" charset="0"/>
+                <a:cs typeface="Times New Roman" panose="02020603050405020304" pitchFamily="18" charset="0"/>
+              </a:rPr>
+              <a:t>acid</a:t>
+            </a:r>
+            <a:r>
+              <a:rPr lang="fr-FR" sz="1800" dirty="0">
+                <a:effectLst/>
+                <a:latin typeface="Times New Roman" panose="02020603050405020304" pitchFamily="18" charset="0"/>
+                <a:ea typeface="Calibri" panose="020F0502020204030204" pitchFamily="34" charset="0"/>
+                <a:cs typeface="Times New Roman" panose="02020603050405020304" pitchFamily="18" charset="0"/>
+              </a:rPr>
+              <a:t> </a:t>
+            </a:r>
+            <a:r>
+              <a:rPr lang="fr-FR" sz="1800" dirty="0" err="1">
+                <a:effectLst/>
+                <a:latin typeface="Times New Roman" panose="02020603050405020304" pitchFamily="18" charset="0"/>
+                <a:ea typeface="Calibri" panose="020F0502020204030204" pitchFamily="34" charset="0"/>
+                <a:cs typeface="Times New Roman" panose="02020603050405020304" pitchFamily="18" charset="0"/>
+              </a:rPr>
+              <a:t>sequence</a:t>
+            </a:r>
+            <a:r>
+              <a:rPr lang="fr-FR" sz="1800" dirty="0">
+                <a:effectLst/>
+                <a:latin typeface="Times New Roman" panose="02020603050405020304" pitchFamily="18" charset="0"/>
+                <a:ea typeface="Calibri" panose="020F0502020204030204" pitchFamily="34" charset="0"/>
+                <a:cs typeface="Times New Roman" panose="02020603050405020304" pitchFamily="18" charset="0"/>
+              </a:rPr>
+              <a:t> of </a:t>
+            </a:r>
+            <a:r>
+              <a:rPr lang="fr-FR" sz="1800" dirty="0" err="1">
+                <a:effectLst/>
+                <a:latin typeface="Times New Roman" panose="02020603050405020304" pitchFamily="18" charset="0"/>
+                <a:ea typeface="Calibri" panose="020F0502020204030204" pitchFamily="34" charset="0"/>
+                <a:cs typeface="Times New Roman" panose="02020603050405020304" pitchFamily="18" charset="0"/>
+              </a:rPr>
+              <a:t>two</a:t>
+            </a:r>
+            <a:r>
+              <a:rPr lang="fr-FR" sz="1800" dirty="0">
+                <a:effectLst/>
+                <a:latin typeface="Times New Roman" panose="02020603050405020304" pitchFamily="18" charset="0"/>
+                <a:ea typeface="Calibri" panose="020F0502020204030204" pitchFamily="34" charset="0"/>
+                <a:cs typeface="Times New Roman" panose="02020603050405020304" pitchFamily="18" charset="0"/>
+              </a:rPr>
+              <a:t> </a:t>
+            </a:r>
+            <a:r>
+              <a:rPr lang="fr-FR" sz="1800" dirty="0" err="1">
+                <a:effectLst/>
+                <a:latin typeface="Times New Roman" panose="02020603050405020304" pitchFamily="18" charset="0"/>
+                <a:ea typeface="Calibri" panose="020F0502020204030204" pitchFamily="34" charset="0"/>
+                <a:cs typeface="Times New Roman" panose="02020603050405020304" pitchFamily="18" charset="0"/>
+              </a:rPr>
+              <a:t>proteins</a:t>
+            </a:r>
+            <a:r>
+              <a:rPr lang="fr-FR" sz="1800" dirty="0">
+                <a:effectLst/>
+                <a:latin typeface="Times New Roman" panose="02020603050405020304" pitchFamily="18" charset="0"/>
+                <a:ea typeface="Calibri" panose="020F0502020204030204" pitchFamily="34" charset="0"/>
+                <a:cs typeface="Times New Roman" panose="02020603050405020304" pitchFamily="18" charset="0"/>
+              </a:rPr>
+              <a:t>.</a:t>
+            </a:r>
+            <a:endParaRPr lang="fr-FR" sz="1800" dirty="0">
+              <a:effectLst/>
+              <a:latin typeface="Calibri" panose="020F0502020204030204" pitchFamily="34" charset="0"/>
+              <a:ea typeface="Calibri" panose="020F0502020204030204" pitchFamily="34" charset="0"/>
+              <a:cs typeface="Times New Roman" panose="02020603050405020304" pitchFamily="18" charset="0"/>
+            </a:endParaRPr>
+          </a:p>
+          <a:p>
+            <a:pPr marL="342900" lvl="0" indent="-342900">
+              <a:lnSpc>
+                <a:spcPct val="107000"/>
+              </a:lnSpc>
+              <a:buFont typeface="+mj-lt"/>
+              <a:buAutoNum type="arabicPeriod"/>
+            </a:pPr>
+            <a:r>
+              <a:rPr lang="fr-FR" sz="1800" dirty="0">
+                <a:effectLst/>
+                <a:latin typeface="Times New Roman" panose="02020603050405020304" pitchFamily="18" charset="0"/>
+                <a:ea typeface="Calibri" panose="020F0502020204030204" pitchFamily="34" charset="0"/>
+                <a:cs typeface="Times New Roman" panose="02020603050405020304" pitchFamily="18" charset="0"/>
+              </a:rPr>
+              <a:t>Smith, Temple F. &amp; Waterman, Michael S. (1981) Identification of Common </a:t>
+            </a:r>
+            <a:r>
+              <a:rPr lang="fr-FR" sz="1800" dirty="0" err="1">
+                <a:effectLst/>
+                <a:latin typeface="Times New Roman" panose="02020603050405020304" pitchFamily="18" charset="0"/>
+                <a:ea typeface="Calibri" panose="020F0502020204030204" pitchFamily="34" charset="0"/>
+                <a:cs typeface="Times New Roman" panose="02020603050405020304" pitchFamily="18" charset="0"/>
+              </a:rPr>
+              <a:t>Molecular</a:t>
+            </a:r>
+            <a:r>
+              <a:rPr lang="fr-FR" sz="1800" dirty="0">
+                <a:effectLst/>
+                <a:latin typeface="Times New Roman" panose="02020603050405020304" pitchFamily="18" charset="0"/>
+                <a:ea typeface="Calibri" panose="020F0502020204030204" pitchFamily="34" charset="0"/>
+                <a:cs typeface="Times New Roman" panose="02020603050405020304" pitchFamily="18" charset="0"/>
+              </a:rPr>
+              <a:t> </a:t>
+            </a:r>
+            <a:r>
+              <a:rPr lang="fr-FR" sz="1800" dirty="0" err="1">
+                <a:effectLst/>
+                <a:latin typeface="Times New Roman" panose="02020603050405020304" pitchFamily="18" charset="0"/>
+                <a:ea typeface="Calibri" panose="020F0502020204030204" pitchFamily="34" charset="0"/>
+                <a:cs typeface="Times New Roman" panose="02020603050405020304" pitchFamily="18" charset="0"/>
+              </a:rPr>
+              <a:t>Subsequences</a:t>
+            </a:r>
+            <a:r>
+              <a:rPr lang="fr-FR" sz="1800" dirty="0">
+                <a:effectLst/>
+                <a:latin typeface="Times New Roman" panose="02020603050405020304" pitchFamily="18" charset="0"/>
+                <a:ea typeface="Calibri" panose="020F0502020204030204" pitchFamily="34" charset="0"/>
+                <a:cs typeface="Times New Roman" panose="02020603050405020304" pitchFamily="18" charset="0"/>
+              </a:rPr>
+              <a:t>.</a:t>
+            </a:r>
+            <a:endParaRPr lang="fr-FR" sz="1800" dirty="0">
+              <a:effectLst/>
+              <a:latin typeface="Calibri" panose="020F0502020204030204" pitchFamily="34" charset="0"/>
+              <a:ea typeface="Calibri" panose="020F0502020204030204" pitchFamily="34" charset="0"/>
+              <a:cs typeface="Times New Roman" panose="02020603050405020304" pitchFamily="18" charset="0"/>
+            </a:endParaRPr>
+          </a:p>
+          <a:p>
+            <a:pPr marL="342900" lvl="0" indent="-342900">
+              <a:lnSpc>
+                <a:spcPct val="107000"/>
+              </a:lnSpc>
+              <a:buFont typeface="+mj-lt"/>
+              <a:buAutoNum type="arabicPeriod"/>
+            </a:pPr>
+            <a:r>
+              <a:rPr lang="fr-FR" sz="1800" u="none" strike="noStrike" dirty="0">
+                <a:solidFill>
+                  <a:srgbClr val="0000FF"/>
+                </a:solidFill>
+                <a:effectLst/>
+                <a:latin typeface="Times New Roman" panose="02020603050405020304" pitchFamily="18" charset="0"/>
+                <a:ea typeface="Calibri" panose="020F0502020204030204" pitchFamily="34" charset="0"/>
+                <a:cs typeface="Times New Roman" panose="02020603050405020304" pitchFamily="18" charset="0"/>
+                <a:hlinkClick r:id="rId2"/>
+              </a:rPr>
+              <a:t>A </a:t>
+            </a:r>
+            <a:r>
+              <a:rPr lang="fr-FR" sz="1800" u="none" strike="noStrike" dirty="0" err="1">
+                <a:solidFill>
+                  <a:srgbClr val="0000FF"/>
+                </a:solidFill>
+                <a:effectLst/>
+                <a:latin typeface="Times New Roman" panose="02020603050405020304" pitchFamily="18" charset="0"/>
+                <a:ea typeface="Calibri" panose="020F0502020204030204" pitchFamily="34" charset="0"/>
+                <a:cs typeface="Times New Roman" panose="02020603050405020304" pitchFamily="18" charset="0"/>
+                <a:hlinkClick r:id="rId2"/>
+              </a:rPr>
+              <a:t>Elnaggar</a:t>
+            </a:r>
+            <a:r>
+              <a:rPr lang="fr-FR" sz="1800" dirty="0">
+                <a:effectLst/>
+                <a:latin typeface="Times New Roman" panose="02020603050405020304" pitchFamily="18" charset="0"/>
+                <a:ea typeface="Calibri" panose="020F0502020204030204" pitchFamily="34" charset="0"/>
+                <a:cs typeface="Times New Roman" panose="02020603050405020304" pitchFamily="18" charset="0"/>
+              </a:rPr>
+              <a:t> et al. (2020) </a:t>
+            </a:r>
+            <a:r>
+              <a:rPr lang="fr-FR" sz="1800" dirty="0" err="1">
+                <a:effectLst/>
+                <a:latin typeface="Times New Roman" panose="02020603050405020304" pitchFamily="18" charset="0"/>
+                <a:ea typeface="Calibri" panose="020F0502020204030204" pitchFamily="34" charset="0"/>
+                <a:cs typeface="Times New Roman" panose="02020603050405020304" pitchFamily="18" charset="0"/>
+              </a:rPr>
+              <a:t>ProtTrans</a:t>
+            </a:r>
+            <a:r>
+              <a:rPr lang="fr-FR" sz="1800" dirty="0">
+                <a:effectLst/>
+                <a:latin typeface="Times New Roman" panose="02020603050405020304" pitchFamily="18" charset="0"/>
+                <a:ea typeface="Calibri" panose="020F0502020204030204" pitchFamily="34" charset="0"/>
+                <a:cs typeface="Times New Roman" panose="02020603050405020304" pitchFamily="18" charset="0"/>
+              </a:rPr>
+              <a:t>: </a:t>
+            </a:r>
+            <a:r>
+              <a:rPr lang="fr-FR" sz="1800" dirty="0" err="1">
+                <a:effectLst/>
+                <a:latin typeface="Times New Roman" panose="02020603050405020304" pitchFamily="18" charset="0"/>
+                <a:ea typeface="Calibri" panose="020F0502020204030204" pitchFamily="34" charset="0"/>
+                <a:cs typeface="Times New Roman" panose="02020603050405020304" pitchFamily="18" charset="0"/>
+              </a:rPr>
+              <a:t>Towards</a:t>
+            </a:r>
+            <a:r>
+              <a:rPr lang="fr-FR" sz="1800" dirty="0">
+                <a:effectLst/>
+                <a:latin typeface="Times New Roman" panose="02020603050405020304" pitchFamily="18" charset="0"/>
+                <a:ea typeface="Calibri" panose="020F0502020204030204" pitchFamily="34" charset="0"/>
+                <a:cs typeface="Times New Roman" panose="02020603050405020304" pitchFamily="18" charset="0"/>
+              </a:rPr>
+              <a:t> Cracking the </a:t>
+            </a:r>
+            <a:r>
+              <a:rPr lang="fr-FR" sz="1800" dirty="0" err="1">
+                <a:effectLst/>
+                <a:latin typeface="Times New Roman" panose="02020603050405020304" pitchFamily="18" charset="0"/>
+                <a:ea typeface="Calibri" panose="020F0502020204030204" pitchFamily="34" charset="0"/>
+                <a:cs typeface="Times New Roman" panose="02020603050405020304" pitchFamily="18" charset="0"/>
+              </a:rPr>
+              <a:t>Language</a:t>
+            </a:r>
+            <a:r>
+              <a:rPr lang="fr-FR" sz="1800" dirty="0">
+                <a:effectLst/>
+                <a:latin typeface="Times New Roman" panose="02020603050405020304" pitchFamily="18" charset="0"/>
+                <a:ea typeface="Calibri" panose="020F0502020204030204" pitchFamily="34" charset="0"/>
+                <a:cs typeface="Times New Roman" panose="02020603050405020304" pitchFamily="18" charset="0"/>
+              </a:rPr>
+              <a:t> of </a:t>
+            </a:r>
+            <a:r>
+              <a:rPr lang="fr-FR" sz="1800" dirty="0" err="1">
+                <a:effectLst/>
+                <a:latin typeface="Times New Roman" panose="02020603050405020304" pitchFamily="18" charset="0"/>
+                <a:ea typeface="Calibri" panose="020F0502020204030204" pitchFamily="34" charset="0"/>
+                <a:cs typeface="Times New Roman" panose="02020603050405020304" pitchFamily="18" charset="0"/>
+              </a:rPr>
+              <a:t>Life's</a:t>
+            </a:r>
+            <a:r>
+              <a:rPr lang="fr-FR" sz="1800" dirty="0">
+                <a:effectLst/>
+                <a:latin typeface="Times New Roman" panose="02020603050405020304" pitchFamily="18" charset="0"/>
+                <a:ea typeface="Calibri" panose="020F0502020204030204" pitchFamily="34" charset="0"/>
+                <a:cs typeface="Times New Roman" panose="02020603050405020304" pitchFamily="18" charset="0"/>
+              </a:rPr>
+              <a:t> Code </a:t>
+            </a:r>
+            <a:r>
+              <a:rPr lang="fr-FR" sz="1800" dirty="0" err="1">
+                <a:effectLst/>
+                <a:latin typeface="Times New Roman" panose="02020603050405020304" pitchFamily="18" charset="0"/>
+                <a:ea typeface="Calibri" panose="020F0502020204030204" pitchFamily="34" charset="0"/>
+                <a:cs typeface="Times New Roman" panose="02020603050405020304" pitchFamily="18" charset="0"/>
+              </a:rPr>
+              <a:t>Through</a:t>
+            </a:r>
+            <a:r>
+              <a:rPr lang="fr-FR" sz="1800" dirty="0">
+                <a:effectLst/>
+                <a:latin typeface="Times New Roman" panose="02020603050405020304" pitchFamily="18" charset="0"/>
+                <a:ea typeface="Calibri" panose="020F0502020204030204" pitchFamily="34" charset="0"/>
+                <a:cs typeface="Times New Roman" panose="02020603050405020304" pitchFamily="18" charset="0"/>
+              </a:rPr>
+              <a:t> Self-</a:t>
+            </a:r>
+            <a:r>
+              <a:rPr lang="fr-FR" sz="1800" dirty="0" err="1">
+                <a:effectLst/>
+                <a:latin typeface="Times New Roman" panose="02020603050405020304" pitchFamily="18" charset="0"/>
+                <a:ea typeface="Calibri" panose="020F0502020204030204" pitchFamily="34" charset="0"/>
+                <a:cs typeface="Times New Roman" panose="02020603050405020304" pitchFamily="18" charset="0"/>
+              </a:rPr>
+              <a:t>Supervised</a:t>
+            </a:r>
+            <a:r>
+              <a:rPr lang="fr-FR" sz="1800" dirty="0">
+                <a:effectLst/>
+                <a:latin typeface="Times New Roman" panose="02020603050405020304" pitchFamily="18" charset="0"/>
+                <a:ea typeface="Calibri" panose="020F0502020204030204" pitchFamily="34" charset="0"/>
+                <a:cs typeface="Times New Roman" panose="02020603050405020304" pitchFamily="18" charset="0"/>
+              </a:rPr>
+              <a:t> </a:t>
+            </a:r>
+            <a:r>
+              <a:rPr lang="fr-FR" sz="1800" dirty="0" err="1">
+                <a:effectLst/>
+                <a:latin typeface="Times New Roman" panose="02020603050405020304" pitchFamily="18" charset="0"/>
+                <a:ea typeface="Calibri" panose="020F0502020204030204" pitchFamily="34" charset="0"/>
+                <a:cs typeface="Times New Roman" panose="02020603050405020304" pitchFamily="18" charset="0"/>
+              </a:rPr>
+              <a:t>Deep</a:t>
+            </a:r>
+            <a:r>
+              <a:rPr lang="fr-FR" sz="1800" dirty="0">
+                <a:effectLst/>
+                <a:latin typeface="Times New Roman" panose="02020603050405020304" pitchFamily="18" charset="0"/>
+                <a:ea typeface="Calibri" panose="020F0502020204030204" pitchFamily="34" charset="0"/>
+                <a:cs typeface="Times New Roman" panose="02020603050405020304" pitchFamily="18" charset="0"/>
+              </a:rPr>
+              <a:t> Learning and High Performance </a:t>
+            </a:r>
+            <a:r>
+              <a:rPr lang="fr-FR" sz="1800" dirty="0" err="1">
+                <a:effectLst/>
+                <a:latin typeface="Times New Roman" panose="02020603050405020304" pitchFamily="18" charset="0"/>
+                <a:ea typeface="Calibri" panose="020F0502020204030204" pitchFamily="34" charset="0"/>
+                <a:cs typeface="Times New Roman" panose="02020603050405020304" pitchFamily="18" charset="0"/>
+              </a:rPr>
+              <a:t>Computing</a:t>
+            </a:r>
+            <a:r>
+              <a:rPr lang="fr-FR" sz="1800" dirty="0">
+                <a:effectLst/>
+                <a:latin typeface="Times New Roman" panose="02020603050405020304" pitchFamily="18" charset="0"/>
+                <a:ea typeface="Calibri" panose="020F0502020204030204" pitchFamily="34" charset="0"/>
+                <a:cs typeface="Times New Roman" panose="02020603050405020304" pitchFamily="18" charset="0"/>
+              </a:rPr>
+              <a:t> </a:t>
+            </a:r>
+            <a:endParaRPr lang="fr-FR" sz="1800" dirty="0">
+              <a:effectLst/>
+              <a:latin typeface="Calibri" panose="020F0502020204030204" pitchFamily="34" charset="0"/>
+              <a:ea typeface="Calibri" panose="020F0502020204030204" pitchFamily="34" charset="0"/>
+              <a:cs typeface="Times New Roman" panose="02020603050405020304" pitchFamily="18" charset="0"/>
+            </a:endParaRPr>
+          </a:p>
+          <a:p>
+            <a:pPr marL="342900" lvl="0" indent="-342900">
+              <a:lnSpc>
+                <a:spcPct val="107000"/>
+              </a:lnSpc>
+              <a:buFont typeface="+mj-lt"/>
+              <a:buAutoNum type="arabicPeriod"/>
+            </a:pPr>
+            <a:r>
+              <a:rPr lang="fr-FR" sz="1800" dirty="0">
+                <a:effectLst/>
+                <a:latin typeface="Times New Roman" panose="02020603050405020304" pitchFamily="18" charset="0"/>
+                <a:ea typeface="Calibri" panose="020F0502020204030204" pitchFamily="34" charset="0"/>
+                <a:cs typeface="Times New Roman" panose="02020603050405020304" pitchFamily="18" charset="0"/>
+              </a:rPr>
+              <a:t>Page pdb de la 6-phosphofructo-2-kinase/fructose-2,6-bisphosphatase </a:t>
+            </a:r>
+            <a:r>
+              <a:rPr lang="fr-FR" sz="1800" dirty="0" err="1">
+                <a:effectLst/>
+                <a:latin typeface="Times New Roman" panose="02020603050405020304" pitchFamily="18" charset="0"/>
+                <a:ea typeface="Calibri" panose="020F0502020204030204" pitchFamily="34" charset="0"/>
+                <a:cs typeface="Times New Roman" panose="02020603050405020304" pitchFamily="18" charset="0"/>
+              </a:rPr>
+              <a:t>bifunctional</a:t>
+            </a:r>
+            <a:r>
+              <a:rPr lang="fr-FR" sz="1800" dirty="0">
+                <a:effectLst/>
+                <a:latin typeface="Times New Roman" panose="02020603050405020304" pitchFamily="18" charset="0"/>
+                <a:ea typeface="Calibri" panose="020F0502020204030204" pitchFamily="34" charset="0"/>
+                <a:cs typeface="Times New Roman" panose="02020603050405020304" pitchFamily="18" charset="0"/>
+              </a:rPr>
+              <a:t> enzyme </a:t>
+            </a:r>
+            <a:r>
+              <a:rPr lang="fr-FR" sz="1800" dirty="0" err="1">
+                <a:effectLst/>
+                <a:latin typeface="Times New Roman" panose="02020603050405020304" pitchFamily="18" charset="0"/>
+                <a:ea typeface="Calibri" panose="020F0502020204030204" pitchFamily="34" charset="0"/>
+                <a:cs typeface="Times New Roman" panose="02020603050405020304" pitchFamily="18" charset="0"/>
+              </a:rPr>
+              <a:t>complexed</a:t>
+            </a:r>
+            <a:r>
+              <a:rPr lang="fr-FR" sz="1800" dirty="0">
+                <a:effectLst/>
+                <a:latin typeface="Times New Roman" panose="02020603050405020304" pitchFamily="18" charset="0"/>
+                <a:ea typeface="Calibri" panose="020F0502020204030204" pitchFamily="34" charset="0"/>
+                <a:cs typeface="Times New Roman" panose="02020603050405020304" pitchFamily="18" charset="0"/>
+              </a:rPr>
+              <a:t> </a:t>
+            </a:r>
+            <a:r>
+              <a:rPr lang="fr-FR" sz="1800" dirty="0" err="1">
+                <a:effectLst/>
+                <a:latin typeface="Times New Roman" panose="02020603050405020304" pitchFamily="18" charset="0"/>
+                <a:ea typeface="Calibri" panose="020F0502020204030204" pitchFamily="34" charset="0"/>
+                <a:cs typeface="Times New Roman" panose="02020603050405020304" pitchFamily="18" charset="0"/>
+              </a:rPr>
+              <a:t>with</a:t>
+            </a:r>
+            <a:r>
+              <a:rPr lang="fr-FR" sz="1800" dirty="0">
+                <a:effectLst/>
+                <a:latin typeface="Times New Roman" panose="02020603050405020304" pitchFamily="18" charset="0"/>
+                <a:ea typeface="Calibri" panose="020F0502020204030204" pitchFamily="34" charset="0"/>
+                <a:cs typeface="Times New Roman" panose="02020603050405020304" pitchFamily="18" charset="0"/>
+              </a:rPr>
+              <a:t> atp-g-s and phosphate : </a:t>
+            </a:r>
+            <a:r>
+              <a:rPr lang="fr-FR" sz="1800" u="sng" dirty="0">
+                <a:solidFill>
+                  <a:srgbClr val="0000FF"/>
+                </a:solidFill>
+                <a:effectLst/>
+                <a:latin typeface="Times New Roman" panose="02020603050405020304" pitchFamily="18" charset="0"/>
+                <a:ea typeface="Calibri" panose="020F0502020204030204" pitchFamily="34" charset="0"/>
+                <a:cs typeface="Times New Roman" panose="02020603050405020304" pitchFamily="18" charset="0"/>
+                <a:hlinkClick r:id="rId3"/>
+              </a:rPr>
+              <a:t>https://www.rcsb.org/structure/1bif</a:t>
+            </a:r>
+            <a:r>
+              <a:rPr lang="fr-FR" sz="1800" dirty="0">
+                <a:effectLst/>
+                <a:latin typeface="Times New Roman" panose="02020603050405020304" pitchFamily="18" charset="0"/>
+                <a:ea typeface="Calibri" panose="020F0502020204030204" pitchFamily="34" charset="0"/>
+                <a:cs typeface="Times New Roman" panose="02020603050405020304" pitchFamily="18" charset="0"/>
+              </a:rPr>
+              <a:t> </a:t>
+            </a:r>
+            <a:endParaRPr lang="fr-FR" sz="1800" dirty="0">
+              <a:effectLst/>
+              <a:latin typeface="Calibri" panose="020F0502020204030204" pitchFamily="34" charset="0"/>
+              <a:ea typeface="Calibri" panose="020F0502020204030204" pitchFamily="34" charset="0"/>
+              <a:cs typeface="Times New Roman" panose="02020603050405020304" pitchFamily="18" charset="0"/>
+            </a:endParaRPr>
+          </a:p>
+          <a:p>
+            <a:pPr marL="342900" lvl="0" indent="-342900">
+              <a:lnSpc>
+                <a:spcPct val="107000"/>
+              </a:lnSpc>
+              <a:buFont typeface="+mj-lt"/>
+              <a:buAutoNum type="arabicPeriod"/>
+            </a:pPr>
+            <a:r>
+              <a:rPr lang="fr-FR" sz="1800" dirty="0">
+                <a:effectLst/>
+                <a:latin typeface="Times New Roman" panose="02020603050405020304" pitchFamily="18" charset="0"/>
+                <a:ea typeface="Calibri" panose="020F0502020204030204" pitchFamily="34" charset="0"/>
+                <a:cs typeface="Times New Roman" panose="02020603050405020304" pitchFamily="18" charset="0"/>
+              </a:rPr>
+              <a:t>Page pdb de la hyperthermophile </a:t>
+            </a:r>
+            <a:r>
+              <a:rPr lang="fr-FR" sz="1800" dirty="0" err="1">
+                <a:effectLst/>
+                <a:latin typeface="Times New Roman" panose="02020603050405020304" pitchFamily="18" charset="0"/>
+                <a:ea typeface="Calibri" panose="020F0502020204030204" pitchFamily="34" charset="0"/>
+                <a:cs typeface="Times New Roman" panose="02020603050405020304" pitchFamily="18" charset="0"/>
+              </a:rPr>
+              <a:t>chromosomal</a:t>
+            </a:r>
+            <a:r>
+              <a:rPr lang="fr-FR" sz="1800" dirty="0">
+                <a:effectLst/>
+                <a:latin typeface="Times New Roman" panose="02020603050405020304" pitchFamily="18" charset="0"/>
+                <a:ea typeface="Calibri" panose="020F0502020204030204" pitchFamily="34" charset="0"/>
+                <a:cs typeface="Times New Roman" panose="02020603050405020304" pitchFamily="18" charset="0"/>
+              </a:rPr>
+              <a:t> </a:t>
+            </a:r>
+            <a:r>
+              <a:rPr lang="fr-FR" sz="1800" dirty="0" err="1">
+                <a:effectLst/>
+                <a:latin typeface="Times New Roman" panose="02020603050405020304" pitchFamily="18" charset="0"/>
+                <a:ea typeface="Calibri" panose="020F0502020204030204" pitchFamily="34" charset="0"/>
+                <a:cs typeface="Times New Roman" panose="02020603050405020304" pitchFamily="18" charset="0"/>
+              </a:rPr>
+              <a:t>protein</a:t>
+            </a:r>
+            <a:r>
+              <a:rPr lang="fr-FR" sz="1800" dirty="0">
+                <a:effectLst/>
+                <a:latin typeface="Times New Roman" panose="02020603050405020304" pitchFamily="18" charset="0"/>
+                <a:ea typeface="Calibri" panose="020F0502020204030204" pitchFamily="34" charset="0"/>
+                <a:cs typeface="Times New Roman" panose="02020603050405020304" pitchFamily="18" charset="0"/>
+              </a:rPr>
+              <a:t> sac7d </a:t>
+            </a:r>
+            <a:r>
+              <a:rPr lang="fr-FR" sz="1800" dirty="0" err="1">
+                <a:effectLst/>
+                <a:latin typeface="Times New Roman" panose="02020603050405020304" pitchFamily="18" charset="0"/>
+                <a:ea typeface="Calibri" panose="020F0502020204030204" pitchFamily="34" charset="0"/>
+                <a:cs typeface="Times New Roman" panose="02020603050405020304" pitchFamily="18" charset="0"/>
+              </a:rPr>
+              <a:t>bound</a:t>
+            </a:r>
+            <a:r>
+              <a:rPr lang="fr-FR" sz="1800" dirty="0">
+                <a:effectLst/>
+                <a:latin typeface="Times New Roman" panose="02020603050405020304" pitchFamily="18" charset="0"/>
+                <a:ea typeface="Calibri" panose="020F0502020204030204" pitchFamily="34" charset="0"/>
+                <a:cs typeface="Times New Roman" panose="02020603050405020304" pitchFamily="18" charset="0"/>
+              </a:rPr>
+              <a:t> </a:t>
+            </a:r>
+            <a:r>
+              <a:rPr lang="fr-FR" sz="1800" dirty="0" err="1">
+                <a:effectLst/>
+                <a:latin typeface="Times New Roman" panose="02020603050405020304" pitchFamily="18" charset="0"/>
+                <a:ea typeface="Calibri" panose="020F0502020204030204" pitchFamily="34" charset="0"/>
+                <a:cs typeface="Times New Roman" panose="02020603050405020304" pitchFamily="18" charset="0"/>
+              </a:rPr>
+              <a:t>with</a:t>
+            </a:r>
+            <a:r>
+              <a:rPr lang="fr-FR" sz="1800" dirty="0">
+                <a:effectLst/>
+                <a:latin typeface="Times New Roman" panose="02020603050405020304" pitchFamily="18" charset="0"/>
+                <a:ea typeface="Calibri" panose="020F0502020204030204" pitchFamily="34" charset="0"/>
+                <a:cs typeface="Times New Roman" panose="02020603050405020304" pitchFamily="18" charset="0"/>
+              </a:rPr>
+              <a:t> </a:t>
+            </a:r>
+            <a:r>
+              <a:rPr lang="fr-FR" sz="1800" dirty="0" err="1">
+                <a:effectLst/>
+                <a:latin typeface="Times New Roman" panose="02020603050405020304" pitchFamily="18" charset="0"/>
+                <a:ea typeface="Calibri" panose="020F0502020204030204" pitchFamily="34" charset="0"/>
+                <a:cs typeface="Times New Roman" panose="02020603050405020304" pitchFamily="18" charset="0"/>
+              </a:rPr>
+              <a:t>kinked</a:t>
+            </a:r>
+            <a:r>
+              <a:rPr lang="fr-FR" sz="1800" dirty="0">
+                <a:effectLst/>
+                <a:latin typeface="Times New Roman" panose="02020603050405020304" pitchFamily="18" charset="0"/>
+                <a:ea typeface="Calibri" panose="020F0502020204030204" pitchFamily="34" charset="0"/>
+                <a:cs typeface="Times New Roman" panose="02020603050405020304" pitchFamily="18" charset="0"/>
+              </a:rPr>
+              <a:t> </a:t>
+            </a:r>
+            <a:r>
+              <a:rPr lang="fr-FR" sz="1800" dirty="0" err="1">
+                <a:effectLst/>
+                <a:latin typeface="Times New Roman" panose="02020603050405020304" pitchFamily="18" charset="0"/>
+                <a:ea typeface="Calibri" panose="020F0502020204030204" pitchFamily="34" charset="0"/>
+                <a:cs typeface="Times New Roman" panose="02020603050405020304" pitchFamily="18" charset="0"/>
+              </a:rPr>
+              <a:t>dna</a:t>
+            </a:r>
+            <a:r>
+              <a:rPr lang="fr-FR" sz="1800" dirty="0">
+                <a:effectLst/>
+                <a:latin typeface="Times New Roman" panose="02020603050405020304" pitchFamily="18" charset="0"/>
+                <a:ea typeface="Calibri" panose="020F0502020204030204" pitchFamily="34" charset="0"/>
+                <a:cs typeface="Times New Roman" panose="02020603050405020304" pitchFamily="18" charset="0"/>
+              </a:rPr>
+              <a:t> duplex : </a:t>
+            </a:r>
+            <a:r>
+              <a:rPr lang="fr-FR" sz="1800" u="sng" dirty="0">
+                <a:solidFill>
+                  <a:srgbClr val="0000FF"/>
+                </a:solidFill>
+                <a:effectLst/>
+                <a:latin typeface="Times New Roman" panose="02020603050405020304" pitchFamily="18" charset="0"/>
+                <a:ea typeface="Calibri" panose="020F0502020204030204" pitchFamily="34" charset="0"/>
+                <a:cs typeface="Times New Roman" panose="02020603050405020304" pitchFamily="18" charset="0"/>
+                <a:hlinkClick r:id="rId4"/>
+              </a:rPr>
+              <a:t>https://www.rcsb.org/structure/1azp</a:t>
+            </a:r>
+            <a:r>
+              <a:rPr lang="fr-FR" sz="1800" dirty="0">
+                <a:effectLst/>
+                <a:latin typeface="Times New Roman" panose="02020603050405020304" pitchFamily="18" charset="0"/>
+                <a:ea typeface="Calibri" panose="020F0502020204030204" pitchFamily="34" charset="0"/>
+                <a:cs typeface="Times New Roman" panose="02020603050405020304" pitchFamily="18" charset="0"/>
+              </a:rPr>
+              <a:t> </a:t>
+            </a:r>
+            <a:endParaRPr lang="fr-FR" sz="1800" dirty="0">
+              <a:effectLst/>
+              <a:latin typeface="Calibri" panose="020F0502020204030204" pitchFamily="34" charset="0"/>
+              <a:ea typeface="Calibri" panose="020F0502020204030204" pitchFamily="34" charset="0"/>
+              <a:cs typeface="Times New Roman" panose="02020603050405020304" pitchFamily="18" charset="0"/>
+            </a:endParaRPr>
+          </a:p>
+          <a:p>
+            <a:pPr marL="342900" lvl="0" indent="-342900">
+              <a:lnSpc>
+                <a:spcPct val="107000"/>
+              </a:lnSpc>
+              <a:spcAft>
+                <a:spcPts val="800"/>
+              </a:spcAft>
+              <a:buFont typeface="+mj-lt"/>
+              <a:buAutoNum type="arabicPeriod"/>
+            </a:pPr>
+            <a:r>
+              <a:rPr lang="fr-FR" sz="1800" dirty="0">
+                <a:effectLst/>
+                <a:latin typeface="Times New Roman" panose="02020603050405020304" pitchFamily="18" charset="0"/>
+                <a:ea typeface="Calibri" panose="020F0502020204030204" pitchFamily="34" charset="0"/>
+                <a:cs typeface="Times New Roman" panose="02020603050405020304" pitchFamily="18" charset="0"/>
+              </a:rPr>
+              <a:t>Page pdb de 2AK3 : </a:t>
+            </a:r>
+            <a:r>
+              <a:rPr lang="fr-FR" sz="1800" u="sng" dirty="0">
+                <a:solidFill>
+                  <a:srgbClr val="0000FF"/>
+                </a:solidFill>
+                <a:effectLst/>
+                <a:latin typeface="Times New Roman" panose="02020603050405020304" pitchFamily="18" charset="0"/>
+                <a:ea typeface="Calibri" panose="020F0502020204030204" pitchFamily="34" charset="0"/>
+                <a:cs typeface="Times New Roman" panose="02020603050405020304" pitchFamily="18" charset="0"/>
+                <a:hlinkClick r:id="rId5"/>
+              </a:rPr>
+              <a:t>https://www.rcsb.org/structure/2ak3</a:t>
+            </a:r>
+            <a:r>
+              <a:rPr lang="fr-FR" sz="1800" dirty="0">
+                <a:effectLst/>
+                <a:latin typeface="Times New Roman" panose="02020603050405020304" pitchFamily="18" charset="0"/>
+                <a:ea typeface="Calibri" panose="020F0502020204030204" pitchFamily="34" charset="0"/>
+                <a:cs typeface="Times New Roman" panose="02020603050405020304" pitchFamily="18" charset="0"/>
+              </a:rPr>
+              <a:t> </a:t>
+            </a:r>
+            <a:endParaRPr lang="fr-FR" sz="1800" dirty="0">
+              <a:effectLst/>
+              <a:latin typeface="Calibri" panose="020F0502020204030204" pitchFamily="34" charset="0"/>
+              <a:ea typeface="Calibri" panose="020F0502020204030204" pitchFamily="34" charset="0"/>
+              <a:cs typeface="Times New Roman" panose="02020603050405020304" pitchFamily="18" charset="0"/>
+            </a:endParaRPr>
+          </a:p>
+        </p:txBody>
+      </p:sp>
+      <p:sp>
+        <p:nvSpPr>
+          <p:cNvPr id="6" name="Espace réservé du numéro de diapositive 5">
+            <a:extLst>
+              <a:ext uri="{FF2B5EF4-FFF2-40B4-BE49-F238E27FC236}">
+                <a16:creationId xmlns:a16="http://schemas.microsoft.com/office/drawing/2014/main" id="{EDD49CB1-F959-4004-3097-04AE4D0121BD}"/>
+              </a:ext>
+            </a:extLst>
+          </p:cNvPr>
+          <p:cNvSpPr>
+            <a:spLocks noGrp="1"/>
+          </p:cNvSpPr>
+          <p:nvPr>
+            <p:ph type="sldNum" sz="quarter" idx="12"/>
+          </p:nvPr>
+        </p:nvSpPr>
+        <p:spPr>
+          <a:xfrm>
+            <a:off x="8610600" y="6489520"/>
+            <a:ext cx="2743200" cy="365125"/>
+          </a:xfrm>
+        </p:spPr>
+        <p:txBody>
+          <a:bodyPr/>
+          <a:lstStyle/>
+          <a:p>
+            <a:fld id="{DB0B8EAA-8CF6-49F4-8FA8-2BD42B7C9F8B}" type="slidenum">
+              <a:rPr lang="fr-FR" smtClean="0"/>
+              <a:t>24</a:t>
+            </a:fld>
+            <a:endParaRPr lang="fr-FR"/>
+          </a:p>
+        </p:txBody>
+      </p:sp>
+      <p:pic>
+        <p:nvPicPr>
+          <p:cNvPr id="1026" name="Picture 2" descr="Appellation, logo et charte graphique : tout ce qu'il faut savoir | Université  Paris Cité">
+            <a:extLst>
+              <a:ext uri="{FF2B5EF4-FFF2-40B4-BE49-F238E27FC236}">
+                <a16:creationId xmlns:a16="http://schemas.microsoft.com/office/drawing/2014/main" id="{42388675-4549-B077-D592-84080955D58F}"/>
+              </a:ext>
+            </a:extLst>
+          </p:cNvPr>
+          <p:cNvPicPr>
+            <a:picLocks noChangeAspect="1" noChangeArrowheads="1"/>
+          </p:cNvPicPr>
+          <p:nvPr/>
+        </p:nvPicPr>
+        <p:blipFill>
+          <a:blip r:embed="rId6">
+            <a:extLst>
+              <a:ext uri="{28A0092B-C50C-407E-A947-70E740481C1C}">
+                <a14:useLocalDpi xmlns:a14="http://schemas.microsoft.com/office/drawing/2010/main" val="0"/>
+              </a:ext>
+            </a:extLst>
+          </a:blip>
+          <a:srcRect/>
+          <a:stretch>
+            <a:fillRect/>
+          </a:stretch>
+        </p:blipFill>
+        <p:spPr bwMode="auto">
+          <a:xfrm>
+            <a:off x="11363415" y="121082"/>
+            <a:ext cx="692461" cy="688543"/>
+          </a:xfrm>
+          <a:prstGeom prst="rect">
+            <a:avLst/>
+          </a:prstGeom>
+          <a:noFill/>
+          <a:extLst>
+            <a:ext uri="{909E8E84-426E-40DD-AFC4-6F175D3DCCD1}">
+              <a14:hiddenFill xmlns:a14="http://schemas.microsoft.com/office/drawing/2010/main">
+                <a:solidFill>
+                  <a:srgbClr val="FFFFFF"/>
+                </a:solidFill>
+              </a14:hiddenFill>
+            </a:ext>
+          </a:extLst>
+        </p:spPr>
+      </p:pic>
+      <p:cxnSp>
+        <p:nvCxnSpPr>
+          <p:cNvPr id="8" name="Connecteur droit 7">
+            <a:extLst>
+              <a:ext uri="{FF2B5EF4-FFF2-40B4-BE49-F238E27FC236}">
+                <a16:creationId xmlns:a16="http://schemas.microsoft.com/office/drawing/2014/main" id="{58EF74DE-8092-1233-D850-99E4719D068A}"/>
+              </a:ext>
+            </a:extLst>
+          </p:cNvPr>
+          <p:cNvCxnSpPr/>
+          <p:nvPr/>
+        </p:nvCxnSpPr>
+        <p:spPr>
+          <a:xfrm>
+            <a:off x="145740" y="853585"/>
+            <a:ext cx="11910136" cy="0"/>
+          </a:xfrm>
+          <a:prstGeom prst="line">
+            <a:avLst/>
+          </a:prstGeom>
+          <a:ln w="28575">
+            <a:solidFill>
+              <a:srgbClr val="8B1538"/>
+            </a:solidFill>
+          </a:ln>
+        </p:spPr>
+        <p:style>
+          <a:lnRef idx="1">
+            <a:schemeClr val="accent1"/>
+          </a:lnRef>
+          <a:fillRef idx="0">
+            <a:schemeClr val="accent1"/>
+          </a:fillRef>
+          <a:effectRef idx="0">
+            <a:schemeClr val="accent1"/>
+          </a:effectRef>
+          <a:fontRef idx="minor">
+            <a:schemeClr val="tx1"/>
+          </a:fontRef>
+        </p:style>
+      </p:cxnSp>
+      <p:sp>
+        <p:nvSpPr>
+          <p:cNvPr id="7" name="Espace réservé de la date 3">
+            <a:extLst>
+              <a:ext uri="{FF2B5EF4-FFF2-40B4-BE49-F238E27FC236}">
+                <a16:creationId xmlns:a16="http://schemas.microsoft.com/office/drawing/2014/main" id="{76BB1596-A3EC-F339-4D57-5E00BE5468DC}"/>
+              </a:ext>
+            </a:extLst>
+          </p:cNvPr>
+          <p:cNvSpPr>
+            <a:spLocks noGrp="1"/>
+          </p:cNvSpPr>
+          <p:nvPr>
+            <p:ph type="dt" sz="half" idx="10"/>
+          </p:nvPr>
+        </p:nvSpPr>
+        <p:spPr>
+          <a:xfrm>
+            <a:off x="838200" y="6489520"/>
+            <a:ext cx="2743200" cy="365125"/>
+          </a:xfrm>
+        </p:spPr>
+        <p:txBody>
+          <a:bodyPr/>
+          <a:lstStyle/>
+          <a:p>
+            <a:r>
+              <a:rPr lang="fr-FR" dirty="0"/>
+              <a:t>12/10/2022</a:t>
+            </a:r>
+          </a:p>
+        </p:txBody>
+      </p:sp>
+      <p:sp>
+        <p:nvSpPr>
+          <p:cNvPr id="9" name="Espace réservé du pied de page 4">
+            <a:extLst>
+              <a:ext uri="{FF2B5EF4-FFF2-40B4-BE49-F238E27FC236}">
+                <a16:creationId xmlns:a16="http://schemas.microsoft.com/office/drawing/2014/main" id="{CE5FBD6C-6FE4-1FFE-40FE-CDECCB34C023}"/>
+              </a:ext>
+            </a:extLst>
+          </p:cNvPr>
+          <p:cNvSpPr>
+            <a:spLocks noGrp="1"/>
+          </p:cNvSpPr>
+          <p:nvPr>
+            <p:ph type="ftr" sz="quarter" idx="11"/>
+          </p:nvPr>
+        </p:nvSpPr>
+        <p:spPr>
+          <a:xfrm>
+            <a:off x="3810000" y="6492876"/>
+            <a:ext cx="4800600" cy="365124"/>
+          </a:xfrm>
+        </p:spPr>
+        <p:txBody>
+          <a:bodyPr/>
+          <a:lstStyle/>
+          <a:p>
+            <a:pPr algn="l"/>
+            <a:r>
+              <a:rPr lang="en-US" dirty="0"/>
+              <a:t>Delhomme Jean, </a:t>
+            </a:r>
+            <a:r>
+              <a:rPr lang="en-US" dirty="0" err="1"/>
+              <a:t>Lecourieux</a:t>
+            </a:r>
+            <a:r>
+              <a:rPr lang="en-US" dirty="0"/>
+              <a:t> Adriana, Rousseau Baptiste, </a:t>
+            </a:r>
+            <a:r>
+              <a:rPr lang="en-US" dirty="0" err="1"/>
+              <a:t>Graa</a:t>
+            </a:r>
+            <a:r>
+              <a:rPr lang="en-US" dirty="0"/>
+              <a:t> </a:t>
+            </a:r>
+            <a:r>
+              <a:rPr lang="en-US" dirty="0" err="1"/>
+              <a:t>Maha</a:t>
+            </a:r>
+            <a:endParaRPr lang="en-US" dirty="0"/>
+          </a:p>
+        </p:txBody>
+      </p:sp>
+    </p:spTree>
+    <p:extLst>
+      <p:ext uri="{BB962C8B-B14F-4D97-AF65-F5344CB8AC3E}">
+        <p14:creationId xmlns:p14="http://schemas.microsoft.com/office/powerpoint/2010/main" val="3627111302"/>
+      </p:ext>
+    </p:extLst>
+  </p:cSld>
+  <p:clrMapOvr>
+    <a:masterClrMapping/>
+  </p:clrMapOvr>
+</p:sld>
+</file>
+
+<file path=ppt/slides/slide25.xml><?xml version="1.0" encoding="utf-8"?>
+<p:sld xmlns:a="http://schemas.openxmlformats.org/drawingml/2006/main" xmlns:r="http://schemas.openxmlformats.org/officeDocument/2006/relationships" xmlns:p="http://schemas.openxmlformats.org/presentationml/2006/main">
+  <p:cSld>
+    <p:spTree>
+      <p:nvGrpSpPr>
+        <p:cNvPr id="1" name=""/>
+        <p:cNvGrpSpPr/>
+        <p:nvPr/>
+      </p:nvGrpSpPr>
+      <p:grpSpPr>
+        <a:xfrm>
+          <a:off x="0" y="0"/>
+          <a:ext cx="0" cy="0"/>
+          <a:chOff x="0" y="0"/>
+          <a:chExt cx="0" cy="0"/>
+        </a:xfrm>
+      </p:grpSpPr>
+      <p:sp>
+        <p:nvSpPr>
+          <p:cNvPr id="2" name="Titre 1">
+            <a:extLst>
+              <a:ext uri="{FF2B5EF4-FFF2-40B4-BE49-F238E27FC236}">
+                <a16:creationId xmlns:a16="http://schemas.microsoft.com/office/drawing/2014/main" id="{3AC5EA2C-9518-355B-24FA-608C24FE72E3}"/>
+              </a:ext>
+            </a:extLst>
+          </p:cNvPr>
+          <p:cNvSpPr>
+            <a:spLocks noGrp="1"/>
+          </p:cNvSpPr>
+          <p:nvPr>
+            <p:ph type="title"/>
+          </p:nvPr>
+        </p:nvSpPr>
+        <p:spPr>
+          <a:xfrm>
+            <a:off x="145740" y="118307"/>
+            <a:ext cx="11137778" cy="691318"/>
+          </a:xfrm>
+        </p:spPr>
+        <p:txBody>
+          <a:bodyPr>
+            <a:normAutofit/>
+          </a:bodyPr>
+          <a:lstStyle/>
+          <a:p>
+            <a:r>
               <a:rPr lang="fr-FR" sz="3200" b="1" dirty="0">
                 <a:latin typeface="Arial" panose="020B0604020202020204" pitchFamily="34" charset="0"/>
                 <a:cs typeface="Arial" panose="020B0604020202020204" pitchFamily="34" charset="0"/>
@@ -12408,7 +12923,7 @@
           <a:p>
             <a:fld id="{DB0B8EAA-8CF6-49F4-8FA8-2BD42B7C9F8B}" type="slidenum">
               <a:rPr lang="fr-FR" smtClean="0"/>
-              <a:t>24</a:t>
+              <a:t>25</a:t>
             </a:fld>
             <a:endParaRPr lang="fr-FR"/>
           </a:p>
@@ -15018,7 +15533,7 @@
         <p:spPr>
           <a:xfrm>
             <a:off x="332665" y="5311251"/>
-            <a:ext cx="3771390" cy="923330"/>
+            <a:ext cx="3771390" cy="1200329"/>
           </a:xfrm>
           <a:prstGeom prst="rect">
             <a:avLst/>
@@ -15033,7 +15548,19 @@
           <a:p>
             <a:r>
               <a:rPr lang="fr-FR" dirty="0"/>
-              <a:t>4 </a:t>
+              <a:t>181 données de mRNA.</a:t>
+            </a:r>
+          </a:p>
+          <a:p>
+            <a:r>
+              <a:rPr lang="fr-FR" dirty="0"/>
+              <a:t>4 mRNA sont peu exprimés.</a:t>
+            </a:r>
+          </a:p>
+          <a:p>
+            <a:r>
+              <a:rPr lang="fr-FR" dirty="0"/>
+              <a:t>25 </a:t>
             </a:r>
             <a:r>
               <a:rPr lang="fr-FR" dirty="0" err="1"/>
@@ -15041,13 +15568,13 @@
             </a:r>
             <a:r>
               <a:rPr lang="fr-FR" dirty="0"/>
-              <a:t> sont peu exprimés.</a:t>
+              <a:t> varient peu. </a:t>
             </a:r>
           </a:p>
           <a:p>
             <a:r>
               <a:rPr lang="fr-FR" dirty="0"/>
-              <a:t>25 </a:t>
+              <a:t>Il reste 152 données de </a:t>
             </a:r>
             <a:r>
               <a:rPr lang="fr-FR" dirty="0" err="1"/>
@@ -15055,20 +15582,6 @@
             </a:r>
             <a:r>
               <a:rPr lang="fr-FR" dirty="0"/>
-              <a:t> varient peu. </a:t>
-            </a:r>
-          </a:p>
-          <a:p>
-            <a:r>
-              <a:rPr lang="fr-FR" dirty="0"/>
-              <a:t>Il reste 152 données de </a:t>
-            </a:r>
-            <a:r>
-              <a:rPr lang="fr-FR" dirty="0" err="1"/>
-              <a:t>mRNA</a:t>
-            </a:r>
-            <a:r>
-              <a:rPr lang="fr-FR" dirty="0"/>
               <a:t>.</a:t>
             </a:r>
           </a:p>
@@ -15089,7 +15602,7 @@
         <p:spPr>
           <a:xfrm>
             <a:off x="4390499" y="5311251"/>
-            <a:ext cx="3597301" cy="923330"/>
+            <a:ext cx="3597301" cy="1200329"/>
           </a:xfrm>
           <a:prstGeom prst="rect">
             <a:avLst/>
@@ -15104,6 +15617,12 @@
           <a:p>
             <a:r>
               <a:rPr lang="fr-FR" dirty="0"/>
+              <a:t>184 données de miRNA.</a:t>
+            </a:r>
+          </a:p>
+          <a:p>
+            <a:r>
+              <a:rPr lang="fr-FR" dirty="0"/>
               <a:t>0 miRNA sont peu exprimés. </a:t>
             </a:r>
           </a:p>
@@ -15116,15 +15635,7 @@
           <a:p>
             <a:r>
               <a:rPr lang="fr-FR" dirty="0"/>
-              <a:t>Il reste 179 données de </a:t>
-            </a:r>
-            <a:r>
-              <a:rPr lang="fr-FR" dirty="0" err="1"/>
-              <a:t>mRNA</a:t>
-            </a:r>
-            <a:r>
-              <a:rPr lang="fr-FR" dirty="0"/>
-              <a:t>.</a:t>
+              <a:t>Il reste 179 données de miRNA.</a:t>
             </a:r>
           </a:p>
         </p:txBody>
@@ -15231,7 +15742,7 @@
         <p:spPr>
           <a:xfrm>
             <a:off x="8445364" y="5311984"/>
-            <a:ext cx="3597301" cy="923330"/>
+            <a:ext cx="3597301" cy="1200329"/>
           </a:xfrm>
           <a:prstGeom prst="rect">
             <a:avLst/>
@@ -15243,6 +15754,12 @@
             <a:spAutoFit/>
           </a:bodyPr>
           <a:lstStyle/>
+          <a:p>
+            <a:r>
+              <a:rPr lang="fr-FR" dirty="0"/>
+              <a:t>142 données de protéines</a:t>
+            </a:r>
+          </a:p>
           <a:p>
             <a:r>
               <a:rPr lang="fr-FR" dirty="0"/>
@@ -15277,6 +15794,357 @@
 </file>
 
 <file path=ppt/slides/slide8.xml><?xml version="1.0" encoding="utf-8"?>
+<p:sld xmlns:a="http://schemas.openxmlformats.org/drawingml/2006/main" xmlns:r="http://schemas.openxmlformats.org/officeDocument/2006/relationships" xmlns:p="http://schemas.openxmlformats.org/presentationml/2006/main">
+  <p:cSld>
+    <p:spTree>
+      <p:nvGrpSpPr>
+        <p:cNvPr id="1" name=""/>
+        <p:cNvGrpSpPr/>
+        <p:nvPr/>
+      </p:nvGrpSpPr>
+      <p:grpSpPr>
+        <a:xfrm>
+          <a:off x="0" y="0"/>
+          <a:ext cx="0" cy="0"/>
+          <a:chOff x="0" y="0"/>
+          <a:chExt cx="0" cy="0"/>
+        </a:xfrm>
+      </p:grpSpPr>
+      <p:sp>
+        <p:nvSpPr>
+          <p:cNvPr id="2" name="Titre 1">
+            <a:extLst>
+              <a:ext uri="{FF2B5EF4-FFF2-40B4-BE49-F238E27FC236}">
+                <a16:creationId xmlns:a16="http://schemas.microsoft.com/office/drawing/2014/main" id="{3AC5EA2C-9518-355B-24FA-608C24FE72E3}"/>
+              </a:ext>
+            </a:extLst>
+          </p:cNvPr>
+          <p:cNvSpPr>
+            <a:spLocks noGrp="1"/>
+          </p:cNvSpPr>
+          <p:nvPr>
+            <p:ph type="title"/>
+          </p:nvPr>
+        </p:nvSpPr>
+        <p:spPr>
+          <a:xfrm>
+            <a:off x="145740" y="118307"/>
+            <a:ext cx="11137778" cy="691318"/>
+          </a:xfrm>
+        </p:spPr>
+        <p:txBody>
+          <a:bodyPr>
+            <a:normAutofit/>
+          </a:bodyPr>
+          <a:lstStyle/>
+          <a:p>
+            <a:r>
+              <a:rPr lang="fr-FR" sz="3200" b="1" dirty="0">
+                <a:latin typeface="Arial" panose="020B0604020202020204" pitchFamily="34" charset="0"/>
+                <a:cs typeface="Arial" panose="020B0604020202020204" pitchFamily="34" charset="0"/>
+              </a:rPr>
+              <a:t>1.1.	Analyse préliminaire – </a:t>
+            </a:r>
+            <a:r>
+              <a:rPr lang="fr-FR" sz="3200" b="1" dirty="0" err="1">
+                <a:latin typeface="Arial" panose="020B0604020202020204" pitchFamily="34" charset="0"/>
+                <a:cs typeface="Arial" panose="020B0604020202020204" pitchFamily="34" charset="0"/>
+              </a:rPr>
+              <a:t>preprocessing</a:t>
+            </a:r>
+            <a:endParaRPr lang="fr-FR" sz="3200" b="1" baseline="30000" dirty="0">
+              <a:latin typeface="Arial" panose="020B0604020202020204" pitchFamily="34" charset="0"/>
+              <a:cs typeface="Arial" panose="020B0604020202020204" pitchFamily="34" charset="0"/>
+            </a:endParaRPr>
+          </a:p>
+        </p:txBody>
+      </p:sp>
+      <p:sp>
+        <p:nvSpPr>
+          <p:cNvPr id="4" name="Espace réservé de la date 3">
+            <a:extLst>
+              <a:ext uri="{FF2B5EF4-FFF2-40B4-BE49-F238E27FC236}">
+                <a16:creationId xmlns:a16="http://schemas.microsoft.com/office/drawing/2014/main" id="{F181D9E9-DC4C-4780-75B9-9F6317E5BD1A}"/>
+              </a:ext>
+            </a:extLst>
+          </p:cNvPr>
+          <p:cNvSpPr>
+            <a:spLocks noGrp="1"/>
+          </p:cNvSpPr>
+          <p:nvPr>
+            <p:ph type="dt" sz="half" idx="10"/>
+          </p:nvPr>
+        </p:nvSpPr>
+        <p:spPr>
+          <a:xfrm>
+            <a:off x="838200" y="6489520"/>
+            <a:ext cx="2743200" cy="365125"/>
+          </a:xfrm>
+        </p:spPr>
+        <p:txBody>
+          <a:bodyPr/>
+          <a:lstStyle/>
+          <a:p>
+            <a:r>
+              <a:rPr lang="fr-FR" dirty="0"/>
+              <a:t>12/10/2022</a:t>
+            </a:r>
+          </a:p>
+        </p:txBody>
+      </p:sp>
+      <p:sp>
+        <p:nvSpPr>
+          <p:cNvPr id="5" name="Espace réservé du pied de page 4">
+            <a:extLst>
+              <a:ext uri="{FF2B5EF4-FFF2-40B4-BE49-F238E27FC236}">
+                <a16:creationId xmlns:a16="http://schemas.microsoft.com/office/drawing/2014/main" id="{E75C31F4-0182-ED79-928B-0DE07ADECB80}"/>
+              </a:ext>
+            </a:extLst>
+          </p:cNvPr>
+          <p:cNvSpPr>
+            <a:spLocks noGrp="1"/>
+          </p:cNvSpPr>
+          <p:nvPr>
+            <p:ph type="ftr" sz="quarter" idx="11"/>
+          </p:nvPr>
+        </p:nvSpPr>
+        <p:spPr>
+          <a:xfrm>
+            <a:off x="3810000" y="6492876"/>
+            <a:ext cx="4800600" cy="365124"/>
+          </a:xfrm>
+        </p:spPr>
+        <p:txBody>
+          <a:bodyPr/>
+          <a:lstStyle/>
+          <a:p>
+            <a:pPr algn="l"/>
+            <a:r>
+              <a:rPr lang="en-US" dirty="0"/>
+              <a:t>Delhomme Jean, </a:t>
+            </a:r>
+            <a:r>
+              <a:rPr lang="en-US" dirty="0" err="1"/>
+              <a:t>Lecourieux</a:t>
+            </a:r>
+            <a:r>
+              <a:rPr lang="en-US" dirty="0"/>
+              <a:t> Adriana, Rousseau Baptiste, </a:t>
+            </a:r>
+            <a:r>
+              <a:rPr lang="en-US" dirty="0" err="1"/>
+              <a:t>Graa</a:t>
+            </a:r>
+            <a:r>
+              <a:rPr lang="en-US" dirty="0"/>
+              <a:t> </a:t>
+            </a:r>
+            <a:r>
+              <a:rPr lang="en-US" dirty="0" err="1"/>
+              <a:t>Maha</a:t>
+            </a:r>
+            <a:endParaRPr lang="en-US" dirty="0"/>
+          </a:p>
+        </p:txBody>
+      </p:sp>
+      <p:sp>
+        <p:nvSpPr>
+          <p:cNvPr id="6" name="Espace réservé du numéro de diapositive 5">
+            <a:extLst>
+              <a:ext uri="{FF2B5EF4-FFF2-40B4-BE49-F238E27FC236}">
+                <a16:creationId xmlns:a16="http://schemas.microsoft.com/office/drawing/2014/main" id="{EDD49CB1-F959-4004-3097-04AE4D0121BD}"/>
+              </a:ext>
+            </a:extLst>
+          </p:cNvPr>
+          <p:cNvSpPr>
+            <a:spLocks noGrp="1"/>
+          </p:cNvSpPr>
+          <p:nvPr>
+            <p:ph type="sldNum" sz="quarter" idx="12"/>
+          </p:nvPr>
+        </p:nvSpPr>
+        <p:spPr>
+          <a:xfrm>
+            <a:off x="8610600" y="6489520"/>
+            <a:ext cx="2743200" cy="365125"/>
+          </a:xfrm>
+        </p:spPr>
+        <p:txBody>
+          <a:bodyPr/>
+          <a:lstStyle/>
+          <a:p>
+            <a:fld id="{DB0B8EAA-8CF6-49F4-8FA8-2BD42B7C9F8B}" type="slidenum">
+              <a:rPr lang="fr-FR" smtClean="0"/>
+              <a:t>8</a:t>
+            </a:fld>
+            <a:endParaRPr lang="fr-FR"/>
+          </a:p>
+        </p:txBody>
+      </p:sp>
+      <p:pic>
+        <p:nvPicPr>
+          <p:cNvPr id="1026" name="Picture 2" descr="Appellation, logo et charte graphique : tout ce qu'il faut savoir | Université  Paris Cité">
+            <a:extLst>
+              <a:ext uri="{FF2B5EF4-FFF2-40B4-BE49-F238E27FC236}">
+                <a16:creationId xmlns:a16="http://schemas.microsoft.com/office/drawing/2014/main" id="{42388675-4549-B077-D592-84080955D58F}"/>
+              </a:ext>
+            </a:extLst>
+          </p:cNvPr>
+          <p:cNvPicPr>
+            <a:picLocks noChangeAspect="1" noChangeArrowheads="1"/>
+          </p:cNvPicPr>
+          <p:nvPr/>
+        </p:nvPicPr>
+        <p:blipFill>
+          <a:blip r:embed="rId3">
+            <a:extLst>
+              <a:ext uri="{28A0092B-C50C-407E-A947-70E740481C1C}">
+                <a14:useLocalDpi xmlns:a14="http://schemas.microsoft.com/office/drawing/2010/main" val="0"/>
+              </a:ext>
+            </a:extLst>
+          </a:blip>
+          <a:srcRect/>
+          <a:stretch>
+            <a:fillRect/>
+          </a:stretch>
+        </p:blipFill>
+        <p:spPr bwMode="auto">
+          <a:xfrm>
+            <a:off x="11363415" y="121082"/>
+            <a:ext cx="692461" cy="688543"/>
+          </a:xfrm>
+          <a:prstGeom prst="rect">
+            <a:avLst/>
+          </a:prstGeom>
+          <a:noFill/>
+          <a:extLst>
+            <a:ext uri="{909E8E84-426E-40DD-AFC4-6F175D3DCCD1}">
+              <a14:hiddenFill xmlns:a14="http://schemas.microsoft.com/office/drawing/2010/main">
+                <a:solidFill>
+                  <a:srgbClr val="FFFFFF"/>
+                </a:solidFill>
+              </a14:hiddenFill>
+            </a:ext>
+          </a:extLst>
+        </p:spPr>
+      </p:pic>
+      <p:cxnSp>
+        <p:nvCxnSpPr>
+          <p:cNvPr id="8" name="Connecteur droit 7">
+            <a:extLst>
+              <a:ext uri="{FF2B5EF4-FFF2-40B4-BE49-F238E27FC236}">
+                <a16:creationId xmlns:a16="http://schemas.microsoft.com/office/drawing/2014/main" id="{58EF74DE-8092-1233-D850-99E4719D068A}"/>
+              </a:ext>
+            </a:extLst>
+          </p:cNvPr>
+          <p:cNvCxnSpPr/>
+          <p:nvPr/>
+        </p:nvCxnSpPr>
+        <p:spPr>
+          <a:xfrm>
+            <a:off x="145740" y="853585"/>
+            <a:ext cx="11910136" cy="0"/>
+          </a:xfrm>
+          <a:prstGeom prst="line">
+            <a:avLst/>
+          </a:prstGeom>
+          <a:ln w="28575">
+            <a:solidFill>
+              <a:srgbClr val="8B1538"/>
+            </a:solidFill>
+          </a:ln>
+        </p:spPr>
+        <p:style>
+          <a:lnRef idx="1">
+            <a:schemeClr val="accent1"/>
+          </a:lnRef>
+          <a:fillRef idx="0">
+            <a:schemeClr val="accent1"/>
+          </a:fillRef>
+          <a:effectRef idx="0">
+            <a:schemeClr val="accent1"/>
+          </a:effectRef>
+          <a:fontRef idx="minor">
+            <a:schemeClr val="tx1"/>
+          </a:fontRef>
+        </p:style>
+      </p:cxnSp>
+      <p:sp>
+        <p:nvSpPr>
+          <p:cNvPr id="10" name="Espace réservé du contenu 2">
+            <a:extLst>
+              <a:ext uri="{FF2B5EF4-FFF2-40B4-BE49-F238E27FC236}">
+                <a16:creationId xmlns:a16="http://schemas.microsoft.com/office/drawing/2014/main" id="{F003FE6B-FB56-1CF5-9BAC-D239A2F1A927}"/>
+              </a:ext>
+            </a:extLst>
+          </p:cNvPr>
+          <p:cNvSpPr>
+            <a:spLocks noGrp="1"/>
+          </p:cNvSpPr>
+          <p:nvPr>
+            <p:ph idx="1"/>
+          </p:nvPr>
+        </p:nvSpPr>
+        <p:spPr>
+          <a:xfrm>
+            <a:off x="1353106" y="964491"/>
+            <a:ext cx="9380000" cy="5498453"/>
+          </a:xfrm>
+        </p:spPr>
+        <p:txBody>
+          <a:bodyPr anchor="ctr">
+            <a:normAutofit/>
+          </a:bodyPr>
+          <a:lstStyle/>
+          <a:p>
+            <a:pPr marL="0" indent="0">
+              <a:buNone/>
+            </a:pPr>
+            <a:r>
+              <a:rPr lang="fr-FR" sz="3200" dirty="0">
+                <a:latin typeface="Arial" panose="020B0604020202020204" pitchFamily="34" charset="0"/>
+                <a:cs typeface="Arial" panose="020B0604020202020204" pitchFamily="34" charset="0"/>
+              </a:rPr>
+              <a:t>Gène le plus variant : APOD, marqueur du cancer du sein</a:t>
+            </a:r>
+          </a:p>
+          <a:p>
+            <a:pPr marL="0" indent="0">
+              <a:buNone/>
+            </a:pPr>
+            <a:endParaRPr lang="fr-FR" sz="3200" dirty="0">
+              <a:latin typeface="Arial" panose="020B0604020202020204" pitchFamily="34" charset="0"/>
+              <a:cs typeface="Arial" panose="020B0604020202020204" pitchFamily="34" charset="0"/>
+            </a:endParaRPr>
+          </a:p>
+          <a:p>
+            <a:pPr marL="0" indent="0">
+              <a:buNone/>
+            </a:pPr>
+            <a:r>
+              <a:rPr lang="fr-FR" sz="3200" dirty="0">
+                <a:latin typeface="Arial" panose="020B0604020202020204" pitchFamily="34" charset="0"/>
+                <a:cs typeface="Arial" panose="020B0604020202020204" pitchFamily="34" charset="0"/>
+              </a:rPr>
+              <a:t>Protéine la plus variante : Pea-15, joue un rôle clé dans la prolifération des cellules cancéreuses</a:t>
+            </a:r>
+          </a:p>
+        </p:txBody>
+      </p:sp>
+    </p:spTree>
+    <p:extLst>
+      <p:ext uri="{BB962C8B-B14F-4D97-AF65-F5344CB8AC3E}">
+        <p14:creationId xmlns:p14="http://schemas.microsoft.com/office/powerpoint/2010/main" val="173309766"/>
+      </p:ext>
+    </p:extLst>
+  </p:cSld>
+  <p:clrMapOvr>
+    <a:masterClrMapping/>
+  </p:clrMapOvr>
+</p:sld>
+</file>
+
+<file path=ppt/slides/slide9.xml><?xml version="1.0" encoding="utf-8"?>
 <p:sld xmlns:a="http://schemas.openxmlformats.org/drawingml/2006/main" xmlns:r="http://schemas.openxmlformats.org/officeDocument/2006/relationships" xmlns:p="http://schemas.openxmlformats.org/presentationml/2006/main" show="0">
   <p:cSld>
     <p:spTree>
@@ -15451,7 +16319,7 @@
           <a:p>
             <a:fld id="{DB0B8EAA-8CF6-49F4-8FA8-2BD42B7C9F8B}" type="slidenum">
               <a:rPr lang="fr-FR" smtClean="0"/>
-              <a:t>8</a:t>
+              <a:t>9</a:t>
             </a:fld>
             <a:endParaRPr lang="fr-FR"/>
           </a:p>
@@ -15938,468 +16806,6 @@
     <p:extLst>
       <p:ext uri="{BB962C8B-B14F-4D97-AF65-F5344CB8AC3E}">
         <p14:creationId xmlns:p14="http://schemas.microsoft.com/office/powerpoint/2010/main" val="3552989087"/>
-      </p:ext>
-    </p:extLst>
-  </p:cSld>
-  <p:clrMapOvr>
-    <a:masterClrMapping/>
-  </p:clrMapOvr>
-</p:sld>
-</file>
-
-<file path=ppt/slides/slide9.xml><?xml version="1.0" encoding="utf-8"?>
-<p:sld xmlns:a="http://schemas.openxmlformats.org/drawingml/2006/main" xmlns:r="http://schemas.openxmlformats.org/officeDocument/2006/relationships" xmlns:p="http://schemas.openxmlformats.org/presentationml/2006/main">
-  <p:cSld>
-    <p:spTree>
-      <p:nvGrpSpPr>
-        <p:cNvPr id="1" name=""/>
-        <p:cNvGrpSpPr/>
-        <p:nvPr/>
-      </p:nvGrpSpPr>
-      <p:grpSpPr>
-        <a:xfrm>
-          <a:off x="0" y="0"/>
-          <a:ext cx="0" cy="0"/>
-          <a:chOff x="0" y="0"/>
-          <a:chExt cx="0" cy="0"/>
-        </a:xfrm>
-      </p:grpSpPr>
-      <p:sp>
-        <p:nvSpPr>
-          <p:cNvPr id="2" name="Titre 1">
-            <a:extLst>
-              <a:ext uri="{FF2B5EF4-FFF2-40B4-BE49-F238E27FC236}">
-                <a16:creationId xmlns:a16="http://schemas.microsoft.com/office/drawing/2014/main" id="{3AC5EA2C-9518-355B-24FA-608C24FE72E3}"/>
-              </a:ext>
-            </a:extLst>
-          </p:cNvPr>
-          <p:cNvSpPr>
-            <a:spLocks noGrp="1"/>
-          </p:cNvSpPr>
-          <p:nvPr>
-            <p:ph type="title"/>
-          </p:nvPr>
-        </p:nvSpPr>
-        <p:spPr>
-          <a:xfrm>
-            <a:off x="145740" y="118307"/>
-            <a:ext cx="11137778" cy="691318"/>
-          </a:xfrm>
-        </p:spPr>
-        <p:txBody>
-          <a:bodyPr>
-            <a:normAutofit/>
-          </a:bodyPr>
-          <a:lstStyle/>
-          <a:p>
-            <a:r>
-              <a:rPr lang="fr-FR" sz="3200" b="1" dirty="0">
-                <a:latin typeface="Arial" panose="020B0604020202020204" pitchFamily="34" charset="0"/>
-                <a:cs typeface="Arial" panose="020B0604020202020204" pitchFamily="34" charset="0"/>
-              </a:rPr>
-              <a:t>1.2.	Analyse préliminaire – PCA</a:t>
-            </a:r>
-            <a:endParaRPr lang="fr-FR" sz="3200" b="1" baseline="30000" dirty="0">
-              <a:latin typeface="Arial" panose="020B0604020202020204" pitchFamily="34" charset="0"/>
-              <a:cs typeface="Arial" panose="020B0604020202020204" pitchFamily="34" charset="0"/>
-            </a:endParaRPr>
-          </a:p>
-        </p:txBody>
-      </p:sp>
-      <p:sp>
-        <p:nvSpPr>
-          <p:cNvPr id="4" name="Espace réservé de la date 3">
-            <a:extLst>
-              <a:ext uri="{FF2B5EF4-FFF2-40B4-BE49-F238E27FC236}">
-                <a16:creationId xmlns:a16="http://schemas.microsoft.com/office/drawing/2014/main" id="{F181D9E9-DC4C-4780-75B9-9F6317E5BD1A}"/>
-              </a:ext>
-            </a:extLst>
-          </p:cNvPr>
-          <p:cNvSpPr>
-            <a:spLocks noGrp="1"/>
-          </p:cNvSpPr>
-          <p:nvPr>
-            <p:ph type="dt" sz="half" idx="10"/>
-          </p:nvPr>
-        </p:nvSpPr>
-        <p:spPr>
-          <a:xfrm>
-            <a:off x="838200" y="6489520"/>
-            <a:ext cx="2743200" cy="365125"/>
-          </a:xfrm>
-        </p:spPr>
-        <p:txBody>
-          <a:bodyPr/>
-          <a:lstStyle/>
-          <a:p>
-            <a:r>
-              <a:rPr lang="fr-FR" dirty="0"/>
-              <a:t>12/10/2022</a:t>
-            </a:r>
-          </a:p>
-        </p:txBody>
-      </p:sp>
-      <p:sp>
-        <p:nvSpPr>
-          <p:cNvPr id="5" name="Espace réservé du pied de page 4">
-            <a:extLst>
-              <a:ext uri="{FF2B5EF4-FFF2-40B4-BE49-F238E27FC236}">
-                <a16:creationId xmlns:a16="http://schemas.microsoft.com/office/drawing/2014/main" id="{E75C31F4-0182-ED79-928B-0DE07ADECB80}"/>
-              </a:ext>
-            </a:extLst>
-          </p:cNvPr>
-          <p:cNvSpPr>
-            <a:spLocks noGrp="1"/>
-          </p:cNvSpPr>
-          <p:nvPr>
-            <p:ph type="ftr" sz="quarter" idx="11"/>
-          </p:nvPr>
-        </p:nvSpPr>
-        <p:spPr>
-          <a:xfrm>
-            <a:off x="3810000" y="6492876"/>
-            <a:ext cx="4800600" cy="365124"/>
-          </a:xfrm>
-        </p:spPr>
-        <p:txBody>
-          <a:bodyPr/>
-          <a:lstStyle/>
-          <a:p>
-            <a:pPr algn="l"/>
-            <a:r>
-              <a:rPr lang="en-US" dirty="0"/>
-              <a:t>Delhomme Jean, </a:t>
-            </a:r>
-            <a:r>
-              <a:rPr lang="en-US" dirty="0" err="1"/>
-              <a:t>Lecourieux</a:t>
-            </a:r>
-            <a:r>
-              <a:rPr lang="en-US" dirty="0"/>
-              <a:t> Adriana, Rousseau Baptiste, </a:t>
-            </a:r>
-            <a:r>
-              <a:rPr lang="en-US" dirty="0" err="1"/>
-              <a:t>Graa</a:t>
-            </a:r>
-            <a:r>
-              <a:rPr lang="en-US" dirty="0"/>
-              <a:t> </a:t>
-            </a:r>
-            <a:r>
-              <a:rPr lang="en-US" dirty="0" err="1"/>
-              <a:t>Maha</a:t>
-            </a:r>
-            <a:endParaRPr lang="en-US" dirty="0"/>
-          </a:p>
-        </p:txBody>
-      </p:sp>
-      <p:sp>
-        <p:nvSpPr>
-          <p:cNvPr id="6" name="Espace réservé du numéro de diapositive 5">
-            <a:extLst>
-              <a:ext uri="{FF2B5EF4-FFF2-40B4-BE49-F238E27FC236}">
-                <a16:creationId xmlns:a16="http://schemas.microsoft.com/office/drawing/2014/main" id="{EDD49CB1-F959-4004-3097-04AE4D0121BD}"/>
-              </a:ext>
-            </a:extLst>
-          </p:cNvPr>
-          <p:cNvSpPr>
-            <a:spLocks noGrp="1"/>
-          </p:cNvSpPr>
-          <p:nvPr>
-            <p:ph type="sldNum" sz="quarter" idx="12"/>
-          </p:nvPr>
-        </p:nvSpPr>
-        <p:spPr>
-          <a:xfrm>
-            <a:off x="8610600" y="6489520"/>
-            <a:ext cx="2743200" cy="365125"/>
-          </a:xfrm>
-        </p:spPr>
-        <p:txBody>
-          <a:bodyPr/>
-          <a:lstStyle/>
-          <a:p>
-            <a:fld id="{DB0B8EAA-8CF6-49F4-8FA8-2BD42B7C9F8B}" type="slidenum">
-              <a:rPr lang="fr-FR" smtClean="0"/>
-              <a:t>9</a:t>
-            </a:fld>
-            <a:endParaRPr lang="fr-FR"/>
-          </a:p>
-        </p:txBody>
-      </p:sp>
-      <p:pic>
-        <p:nvPicPr>
-          <p:cNvPr id="1026" name="Picture 2" descr="Appellation, logo et charte graphique : tout ce qu'il faut savoir | Université  Paris Cité">
-            <a:extLst>
-              <a:ext uri="{FF2B5EF4-FFF2-40B4-BE49-F238E27FC236}">
-                <a16:creationId xmlns:a16="http://schemas.microsoft.com/office/drawing/2014/main" id="{42388675-4549-B077-D592-84080955D58F}"/>
-              </a:ext>
-            </a:extLst>
-          </p:cNvPr>
-          <p:cNvPicPr>
-            <a:picLocks noChangeAspect="1" noChangeArrowheads="1"/>
-          </p:cNvPicPr>
-          <p:nvPr/>
-        </p:nvPicPr>
-        <p:blipFill>
-          <a:blip r:embed="rId2">
-            <a:extLst>
-              <a:ext uri="{28A0092B-C50C-407E-A947-70E740481C1C}">
-                <a14:useLocalDpi xmlns:a14="http://schemas.microsoft.com/office/drawing/2010/main" val="0"/>
-              </a:ext>
-            </a:extLst>
-          </a:blip>
-          <a:srcRect/>
-          <a:stretch>
-            <a:fillRect/>
-          </a:stretch>
-        </p:blipFill>
-        <p:spPr bwMode="auto">
-          <a:xfrm>
-            <a:off x="11363415" y="121082"/>
-            <a:ext cx="692461" cy="688543"/>
-          </a:xfrm>
-          <a:prstGeom prst="rect">
-            <a:avLst/>
-          </a:prstGeom>
-          <a:noFill/>
-          <a:extLst>
-            <a:ext uri="{909E8E84-426E-40DD-AFC4-6F175D3DCCD1}">
-              <a14:hiddenFill xmlns:a14="http://schemas.microsoft.com/office/drawing/2010/main">
-                <a:solidFill>
-                  <a:srgbClr val="FFFFFF"/>
-                </a:solidFill>
-              </a14:hiddenFill>
-            </a:ext>
-          </a:extLst>
-        </p:spPr>
-      </p:pic>
-      <p:cxnSp>
-        <p:nvCxnSpPr>
-          <p:cNvPr id="8" name="Connecteur droit 7">
-            <a:extLst>
-              <a:ext uri="{FF2B5EF4-FFF2-40B4-BE49-F238E27FC236}">
-                <a16:creationId xmlns:a16="http://schemas.microsoft.com/office/drawing/2014/main" id="{58EF74DE-8092-1233-D850-99E4719D068A}"/>
-              </a:ext>
-            </a:extLst>
-          </p:cNvPr>
-          <p:cNvCxnSpPr/>
-          <p:nvPr/>
-        </p:nvCxnSpPr>
-        <p:spPr>
-          <a:xfrm>
-            <a:off x="145740" y="853585"/>
-            <a:ext cx="11910136" cy="0"/>
-          </a:xfrm>
-          <a:prstGeom prst="line">
-            <a:avLst/>
-          </a:prstGeom>
-          <a:ln w="28575">
-            <a:solidFill>
-              <a:srgbClr val="8B1538"/>
-            </a:solidFill>
-          </a:ln>
-        </p:spPr>
-        <p:style>
-          <a:lnRef idx="1">
-            <a:schemeClr val="accent1"/>
-          </a:lnRef>
-          <a:fillRef idx="0">
-            <a:schemeClr val="accent1"/>
-          </a:fillRef>
-          <a:effectRef idx="0">
-            <a:schemeClr val="accent1"/>
-          </a:effectRef>
-          <a:fontRef idx="minor">
-            <a:schemeClr val="tx1"/>
-          </a:fontRef>
-        </p:style>
-      </p:cxnSp>
-      <p:pic>
-        <p:nvPicPr>
-          <p:cNvPr id="7" name="Image 6">
-            <a:extLst>
-              <a:ext uri="{FF2B5EF4-FFF2-40B4-BE49-F238E27FC236}">
-                <a16:creationId xmlns:a16="http://schemas.microsoft.com/office/drawing/2014/main" id="{1EC2D2A8-7311-2332-4375-B2BECA97651E}"/>
-              </a:ext>
-            </a:extLst>
-          </p:cNvPr>
-          <p:cNvPicPr>
-            <a:picLocks noChangeAspect="1"/>
-          </p:cNvPicPr>
-          <p:nvPr/>
-        </p:nvPicPr>
-        <p:blipFill>
-          <a:blip r:embed="rId3"/>
-          <a:stretch>
-            <a:fillRect/>
-          </a:stretch>
-        </p:blipFill>
-        <p:spPr>
-          <a:xfrm>
-            <a:off x="145741" y="3965353"/>
-            <a:ext cx="3465034" cy="2138134"/>
-          </a:xfrm>
-          <a:prstGeom prst="rect">
-            <a:avLst/>
-          </a:prstGeom>
-        </p:spPr>
-      </p:pic>
-      <p:pic>
-        <p:nvPicPr>
-          <p:cNvPr id="10" name="Image 9">
-            <a:extLst>
-              <a:ext uri="{FF2B5EF4-FFF2-40B4-BE49-F238E27FC236}">
-                <a16:creationId xmlns:a16="http://schemas.microsoft.com/office/drawing/2014/main" id="{25366084-325F-982A-6485-4D65E2B4243D}"/>
-              </a:ext>
-            </a:extLst>
-          </p:cNvPr>
-          <p:cNvPicPr>
-            <a:picLocks noChangeAspect="1"/>
-          </p:cNvPicPr>
-          <p:nvPr/>
-        </p:nvPicPr>
-        <p:blipFill>
-          <a:blip r:embed="rId4"/>
-          <a:stretch>
-            <a:fillRect/>
-          </a:stretch>
-        </p:blipFill>
-        <p:spPr>
-          <a:xfrm>
-            <a:off x="4183841" y="3965353"/>
-            <a:ext cx="3465034" cy="2138134"/>
-          </a:xfrm>
-          <a:prstGeom prst="rect">
-            <a:avLst/>
-          </a:prstGeom>
-        </p:spPr>
-      </p:pic>
-      <p:pic>
-        <p:nvPicPr>
-          <p:cNvPr id="11" name="Image 10">
-            <a:extLst>
-              <a:ext uri="{FF2B5EF4-FFF2-40B4-BE49-F238E27FC236}">
-                <a16:creationId xmlns:a16="http://schemas.microsoft.com/office/drawing/2014/main" id="{E9987FDC-4D73-77ED-48C2-DCBB89F58565}"/>
-              </a:ext>
-            </a:extLst>
-          </p:cNvPr>
-          <p:cNvPicPr>
-            <a:picLocks noChangeAspect="1"/>
-          </p:cNvPicPr>
-          <p:nvPr/>
-        </p:nvPicPr>
-        <p:blipFill>
-          <a:blip r:embed="rId5"/>
-          <a:stretch>
-            <a:fillRect/>
-          </a:stretch>
-        </p:blipFill>
-        <p:spPr>
-          <a:xfrm>
-            <a:off x="8190601" y="1202389"/>
-            <a:ext cx="3950107" cy="2437453"/>
-          </a:xfrm>
-          <a:prstGeom prst="rect">
-            <a:avLst/>
-          </a:prstGeom>
-        </p:spPr>
-      </p:pic>
-      <p:pic>
-        <p:nvPicPr>
-          <p:cNvPr id="12" name="Image 11">
-            <a:extLst>
-              <a:ext uri="{FF2B5EF4-FFF2-40B4-BE49-F238E27FC236}">
-                <a16:creationId xmlns:a16="http://schemas.microsoft.com/office/drawing/2014/main" id="{F2FAA427-8782-BC44-8AC0-1A2130D9D32A}"/>
-              </a:ext>
-            </a:extLst>
-          </p:cNvPr>
-          <p:cNvPicPr>
-            <a:picLocks noChangeAspect="1"/>
-          </p:cNvPicPr>
-          <p:nvPr/>
-        </p:nvPicPr>
-        <p:blipFill>
-          <a:blip r:embed="rId6"/>
-          <a:stretch>
-            <a:fillRect/>
-          </a:stretch>
-        </p:blipFill>
-        <p:spPr>
-          <a:xfrm>
-            <a:off x="8142031" y="3965353"/>
-            <a:ext cx="3465034" cy="2138134"/>
-          </a:xfrm>
-          <a:prstGeom prst="rect">
-            <a:avLst/>
-          </a:prstGeom>
-        </p:spPr>
-      </p:pic>
-      <p:pic>
-        <p:nvPicPr>
-          <p:cNvPr id="13" name="Image 12">
-            <a:extLst>
-              <a:ext uri="{FF2B5EF4-FFF2-40B4-BE49-F238E27FC236}">
-                <a16:creationId xmlns:a16="http://schemas.microsoft.com/office/drawing/2014/main" id="{4C10A5FA-382B-D8AE-7301-25E3A5A9B3B7}"/>
-              </a:ext>
-            </a:extLst>
-          </p:cNvPr>
-          <p:cNvPicPr>
-            <a:picLocks noChangeAspect="1"/>
-          </p:cNvPicPr>
-          <p:nvPr/>
-        </p:nvPicPr>
-        <p:blipFill>
-          <a:blip r:embed="rId7"/>
-          <a:stretch>
-            <a:fillRect/>
-          </a:stretch>
-        </p:blipFill>
-        <p:spPr>
-          <a:xfrm>
-            <a:off x="145739" y="1202389"/>
-            <a:ext cx="3950107" cy="2437453"/>
-          </a:xfrm>
-          <a:prstGeom prst="rect">
-            <a:avLst/>
-          </a:prstGeom>
-        </p:spPr>
-      </p:pic>
-      <p:pic>
-        <p:nvPicPr>
-          <p:cNvPr id="14" name="Image 13">
-            <a:extLst>
-              <a:ext uri="{FF2B5EF4-FFF2-40B4-BE49-F238E27FC236}">
-                <a16:creationId xmlns:a16="http://schemas.microsoft.com/office/drawing/2014/main" id="{1D3423E8-5CC9-4200-F2CF-239CD62ACE92}"/>
-              </a:ext>
-            </a:extLst>
-          </p:cNvPr>
-          <p:cNvPicPr>
-            <a:picLocks noChangeAspect="1"/>
-          </p:cNvPicPr>
-          <p:nvPr/>
-        </p:nvPicPr>
-        <p:blipFill>
-          <a:blip r:embed="rId8"/>
-          <a:stretch>
-            <a:fillRect/>
-          </a:stretch>
-        </p:blipFill>
-        <p:spPr>
-          <a:xfrm>
-            <a:off x="4132659" y="1202389"/>
-            <a:ext cx="3950107" cy="2437453"/>
-          </a:xfrm>
-          <a:prstGeom prst="rect">
-            <a:avLst/>
-          </a:prstGeom>
-        </p:spPr>
-      </p:pic>
-    </p:spTree>
-    <p:extLst>
-      <p:ext uri="{BB962C8B-B14F-4D97-AF65-F5344CB8AC3E}">
-        <p14:creationId xmlns:p14="http://schemas.microsoft.com/office/powerpoint/2010/main" val="628344705"/>
       </p:ext>
     </p:extLst>
   </p:cSld>
